--- a/models/N_MURA.pptx
+++ b/models/N_MURA.pptx
@@ -3947,7 +3947,7 @@
         <p:spPr>
           <a:xfrm>
             <a:off x="549864" y="1488232"/>
-            <a:ext cx="2682584" cy="3168352"/>
+            <a:ext cx="2682584" cy="2016224"/>
           </a:xfrm>
           <a:prstGeom prst="rect">
             <a:avLst/>
@@ -4021,7 +4021,7 @@
         <p:spPr>
           <a:xfrm>
             <a:off x="568152" y="5736704"/>
-            <a:ext cx="2682584" cy="3168352"/>
+            <a:ext cx="2682584" cy="2232248"/>
           </a:xfrm>
           <a:prstGeom prst="rect">
             <a:avLst/>
@@ -4337,90 +4337,126 @@
           </a:p>
         </p:txBody>
       </p:sp>
-      <p:sp>
-        <p:nvSpPr>
-          <p:cNvPr id="27" name="正方形/長方形 26"/>
-          <p:cNvSpPr/>
+      <p:pic>
+        <p:nvPicPr>
+          <p:cNvPr id="9" name="図 8"/>
+          <p:cNvPicPr>
+            <a:picLocks noChangeAspect="1"/>
+          </p:cNvPicPr>
           <p:nvPr/>
-        </p:nvSpPr>
+        </p:nvPicPr>
+        <p:blipFill>
+          <a:blip r:embed="rId2" cstate="print">
+            <a:extLst>
+              <a:ext uri="{28A0092B-C50C-407E-A947-70E740481C1C}">
+                <a14:useLocalDpi xmlns:a14="http://schemas.microsoft.com/office/drawing/2010/main" val="0"/>
+              </a:ext>
+            </a:extLst>
+          </a:blip>
+          <a:stretch>
+            <a:fillRect/>
+          </a:stretch>
+        </p:blipFill>
         <p:spPr>
           <a:xfrm>
-            <a:off x="6562548" y="8256984"/>
-            <a:ext cx="2646564" cy="864096"/>
+            <a:off x="6564520" y="8328991"/>
+            <a:ext cx="3281052" cy="925389"/>
           </a:xfrm>
           <a:prstGeom prst="rect">
             <a:avLst/>
           </a:prstGeom>
         </p:spPr>
-        <p:style>
-          <a:lnRef idx="2">
-            <a:schemeClr val="accent6"/>
-          </a:lnRef>
-          <a:fillRef idx="1">
-            <a:schemeClr val="lt1"/>
-          </a:fillRef>
-          <a:effectRef idx="0">
-            <a:schemeClr val="accent6"/>
-          </a:effectRef>
-          <a:fontRef idx="minor">
-            <a:schemeClr val="dk1"/>
-          </a:fontRef>
-        </p:style>
-        <p:txBody>
-          <a:bodyPr rtlCol="0" anchor="ctr"/>
-          <a:lstStyle/>
-          <a:p>
-            <a:pPr algn="ctr"/>
-            <a:r>
-              <a:rPr kumimoji="1" lang="ja-JP" altLang="en-US" dirty="0" smtClean="0"/>
-              <a:t>イラスト</a:t>
-            </a:r>
-            <a:endParaRPr kumimoji="1" lang="ja-JP" altLang="en-US" dirty="0"/>
-          </a:p>
-        </p:txBody>
-      </p:sp>
-      <p:sp>
-        <p:nvSpPr>
-          <p:cNvPr id="28" name="正方形/長方形 27"/>
-          <p:cNvSpPr/>
+      </p:pic>
+      <p:pic>
+        <p:nvPicPr>
+          <p:cNvPr id="10" name="図 9"/>
+          <p:cNvPicPr>
+            <a:picLocks noChangeAspect="1"/>
+          </p:cNvPicPr>
           <p:nvPr/>
-        </p:nvSpPr>
+        </p:nvPicPr>
+        <p:blipFill>
+          <a:blip r:embed="rId3" cstate="print">
+            <a:extLst>
+              <a:ext uri="{28A0092B-C50C-407E-A947-70E740481C1C}">
+                <a14:useLocalDpi xmlns:a14="http://schemas.microsoft.com/office/drawing/2010/main" val="0"/>
+              </a:ext>
+            </a:extLst>
+          </a:blip>
+          <a:stretch>
+            <a:fillRect/>
+          </a:stretch>
+        </p:blipFill>
         <p:spPr>
           <a:xfrm>
-            <a:off x="6544816" y="3648472"/>
-            <a:ext cx="2664296" cy="864096"/>
+            <a:off x="6591507" y="3648472"/>
+            <a:ext cx="2492469" cy="1145732"/>
           </a:xfrm>
           <a:prstGeom prst="rect">
             <a:avLst/>
           </a:prstGeom>
         </p:spPr>
-        <p:style>
-          <a:lnRef idx="2">
-            <a:schemeClr val="accent6"/>
-          </a:lnRef>
-          <a:fillRef idx="1">
-            <a:schemeClr val="lt1"/>
-          </a:fillRef>
-          <a:effectRef idx="0">
-            <a:schemeClr val="accent6"/>
-          </a:effectRef>
-          <a:fontRef idx="minor">
-            <a:schemeClr val="dk1"/>
-          </a:fontRef>
-        </p:style>
-        <p:txBody>
-          <a:bodyPr rtlCol="0" anchor="ctr"/>
-          <a:lstStyle/>
-          <a:p>
-            <a:pPr algn="ctr"/>
-            <a:r>
-              <a:rPr kumimoji="1" lang="ja-JP" altLang="en-US" dirty="0" smtClean="0"/>
-              <a:t>イラスト</a:t>
-            </a:r>
-            <a:endParaRPr kumimoji="1" lang="ja-JP" altLang="en-US" dirty="0"/>
-          </a:p>
-        </p:txBody>
-      </p:sp>
+      </p:pic>
+      <p:pic>
+        <p:nvPicPr>
+          <p:cNvPr id="12" name="図 11"/>
+          <p:cNvPicPr>
+            <a:picLocks noChangeAspect="1"/>
+          </p:cNvPicPr>
+          <p:nvPr/>
+        </p:nvPicPr>
+        <p:blipFill>
+          <a:blip r:embed="rId4" cstate="print">
+            <a:extLst>
+              <a:ext uri="{28A0092B-C50C-407E-A947-70E740481C1C}">
+                <a14:useLocalDpi xmlns:a14="http://schemas.microsoft.com/office/drawing/2010/main" val="0"/>
+              </a:ext>
+            </a:extLst>
+          </a:blip>
+          <a:stretch>
+            <a:fillRect/>
+          </a:stretch>
+        </p:blipFill>
+        <p:spPr>
+          <a:xfrm>
+            <a:off x="549864" y="3648471"/>
+            <a:ext cx="2976672" cy="1078407"/>
+          </a:xfrm>
+          <a:prstGeom prst="rect">
+            <a:avLst/>
+          </a:prstGeom>
+        </p:spPr>
+      </p:pic>
+      <p:pic>
+        <p:nvPicPr>
+          <p:cNvPr id="18" name="図 17"/>
+          <p:cNvPicPr>
+            <a:picLocks noChangeAspect="1"/>
+          </p:cNvPicPr>
+          <p:nvPr/>
+        </p:nvPicPr>
+        <p:blipFill>
+          <a:blip r:embed="rId5" cstate="print">
+            <a:extLst>
+              <a:ext uri="{28A0092B-C50C-407E-A947-70E740481C1C}">
+                <a14:useLocalDpi xmlns:a14="http://schemas.microsoft.com/office/drawing/2010/main" val="0"/>
+              </a:ext>
+            </a:extLst>
+          </a:blip>
+          <a:stretch>
+            <a:fillRect/>
+          </a:stretch>
+        </p:blipFill>
+        <p:spPr>
+          <a:xfrm>
+            <a:off x="1108966" y="8040960"/>
+            <a:ext cx="1564380" cy="1232025"/>
+          </a:xfrm>
+          <a:prstGeom prst="rect">
+            <a:avLst/>
+          </a:prstGeom>
+        </p:spPr>
+      </p:pic>
     </p:spTree>
     <p:extLst>
       <p:ext uri="{BB962C8B-B14F-4D97-AF65-F5344CB8AC3E}">

--- a/models/N_MURA.pptx
+++ b/models/N_MURA.pptx
@@ -289,7 +289,7 @@
           <a:p>
             <a:fld id="{56BC3579-71A0-4B81-AD3A-70821F25B07F}" type="datetimeFigureOut">
               <a:rPr kumimoji="1" lang="ja-JP" altLang="en-US" smtClean="0"/>
-              <a:t>2012/9/4</a:t>
+              <a:t>2012/9/5</a:t>
             </a:fld>
             <a:endParaRPr kumimoji="1" lang="ja-JP" altLang="en-US"/>
           </a:p>
@@ -491,7 +491,7 @@
           <a:p>
             <a:fld id="{56BC3579-71A0-4B81-AD3A-70821F25B07F}" type="datetimeFigureOut">
               <a:rPr kumimoji="1" lang="ja-JP" altLang="en-US" smtClean="0"/>
-              <a:t>2012/9/4</a:t>
+              <a:t>2012/9/5</a:t>
             </a:fld>
             <a:endParaRPr kumimoji="1" lang="ja-JP" altLang="en-US"/>
           </a:p>
@@ -703,7 +703,7 @@
           <a:p>
             <a:fld id="{56BC3579-71A0-4B81-AD3A-70821F25B07F}" type="datetimeFigureOut">
               <a:rPr kumimoji="1" lang="ja-JP" altLang="en-US" smtClean="0"/>
-              <a:t>2012/9/4</a:t>
+              <a:t>2012/9/5</a:t>
             </a:fld>
             <a:endParaRPr kumimoji="1" lang="ja-JP" altLang="en-US"/>
           </a:p>
@@ -905,7 +905,7 @@
           <a:p>
             <a:fld id="{56BC3579-71A0-4B81-AD3A-70821F25B07F}" type="datetimeFigureOut">
               <a:rPr kumimoji="1" lang="ja-JP" altLang="en-US" smtClean="0"/>
-              <a:t>2012/9/4</a:t>
+              <a:t>2012/9/5</a:t>
             </a:fld>
             <a:endParaRPr kumimoji="1" lang="ja-JP" altLang="en-US"/>
           </a:p>
@@ -1151,7 +1151,7 @@
           <a:p>
             <a:fld id="{56BC3579-71A0-4B81-AD3A-70821F25B07F}" type="datetimeFigureOut">
               <a:rPr kumimoji="1" lang="ja-JP" altLang="en-US" smtClean="0"/>
-              <a:t>2012/9/4</a:t>
+              <a:t>2012/9/5</a:t>
             </a:fld>
             <a:endParaRPr kumimoji="1" lang="ja-JP" altLang="en-US"/>
           </a:p>
@@ -1503,7 +1503,7 @@
           <a:p>
             <a:fld id="{56BC3579-71A0-4B81-AD3A-70821F25B07F}" type="datetimeFigureOut">
               <a:rPr kumimoji="1" lang="ja-JP" altLang="en-US" smtClean="0"/>
-              <a:t>2012/9/4</a:t>
+              <a:t>2012/9/5</a:t>
             </a:fld>
             <a:endParaRPr kumimoji="1" lang="ja-JP" altLang="en-US"/>
           </a:p>
@@ -1989,7 +1989,7 @@
           <a:p>
             <a:fld id="{56BC3579-71A0-4B81-AD3A-70821F25B07F}" type="datetimeFigureOut">
               <a:rPr kumimoji="1" lang="ja-JP" altLang="en-US" smtClean="0"/>
-              <a:t>2012/9/4</a:t>
+              <a:t>2012/9/5</a:t>
             </a:fld>
             <a:endParaRPr kumimoji="1" lang="ja-JP" altLang="en-US"/>
           </a:p>
@@ -2107,7 +2107,7 @@
           <a:p>
             <a:fld id="{56BC3579-71A0-4B81-AD3A-70821F25B07F}" type="datetimeFigureOut">
               <a:rPr kumimoji="1" lang="ja-JP" altLang="en-US" smtClean="0"/>
-              <a:t>2012/9/4</a:t>
+              <a:t>2012/9/5</a:t>
             </a:fld>
             <a:endParaRPr kumimoji="1" lang="ja-JP" altLang="en-US"/>
           </a:p>
@@ -2202,7 +2202,7 @@
           <a:p>
             <a:fld id="{56BC3579-71A0-4B81-AD3A-70821F25B07F}" type="datetimeFigureOut">
               <a:rPr kumimoji="1" lang="ja-JP" altLang="en-US" smtClean="0"/>
-              <a:t>2012/9/4</a:t>
+              <a:t>2012/9/5</a:t>
             </a:fld>
             <a:endParaRPr kumimoji="1" lang="ja-JP" altLang="en-US"/>
           </a:p>
@@ -2511,7 +2511,7 @@
           <a:p>
             <a:fld id="{56BC3579-71A0-4B81-AD3A-70821F25B07F}" type="datetimeFigureOut">
               <a:rPr kumimoji="1" lang="ja-JP" altLang="en-US" smtClean="0"/>
-              <a:t>2012/9/4</a:t>
+              <a:t>2012/9/5</a:t>
             </a:fld>
             <a:endParaRPr kumimoji="1" lang="ja-JP" altLang="en-US"/>
           </a:p>
@@ -2764,7 +2764,7 @@
           <a:p>
             <a:fld id="{56BC3579-71A0-4B81-AD3A-70821F25B07F}" type="datetimeFigureOut">
               <a:rPr kumimoji="1" lang="ja-JP" altLang="en-US" smtClean="0"/>
-              <a:t>2012/9/4</a:t>
+              <a:t>2012/9/5</a:t>
             </a:fld>
             <a:endParaRPr kumimoji="1" lang="ja-JP" altLang="en-US"/>
           </a:p>
@@ -3009,7 +3009,7 @@
           <a:p>
             <a:fld id="{56BC3579-71A0-4B81-AD3A-70821F25B07F}" type="datetimeFigureOut">
               <a:rPr kumimoji="1" lang="ja-JP" altLang="en-US" smtClean="0"/>
-              <a:t>2012/9/4</a:t>
+              <a:t>2012/9/5</a:t>
             </a:fld>
             <a:endParaRPr kumimoji="1" lang="ja-JP" altLang="en-US"/>
           </a:p>
@@ -3467,51 +3467,8 @@
         </p:nvSpPr>
         <p:spPr>
           <a:xfrm>
-            <a:off x="6472808" y="5088632"/>
-            <a:ext cx="5760640" cy="4248472"/>
-          </a:xfrm>
-          <a:prstGeom prst="rect">
-            <a:avLst/>
-          </a:prstGeom>
-          <a:ln>
-            <a:solidFill>
-              <a:schemeClr val="tx1"/>
-            </a:solidFill>
-          </a:ln>
-        </p:spPr>
-        <p:style>
-          <a:lnRef idx="2">
-            <a:schemeClr val="accent6"/>
-          </a:lnRef>
-          <a:fillRef idx="1">
-            <a:schemeClr val="lt1"/>
-          </a:fillRef>
-          <a:effectRef idx="0">
-            <a:schemeClr val="accent6"/>
-          </a:effectRef>
-          <a:fontRef idx="minor">
-            <a:schemeClr val="dk1"/>
-          </a:fontRef>
-        </p:style>
-        <p:txBody>
-          <a:bodyPr rtlCol="0" anchor="ctr"/>
-          <a:lstStyle/>
-          <a:p>
-            <a:pPr algn="ctr"/>
-            <a:endParaRPr kumimoji="1" lang="ja-JP" altLang="en-US" dirty="0"/>
-          </a:p>
-        </p:txBody>
-      </p:sp>
-      <p:sp>
-        <p:nvSpPr>
-          <p:cNvPr id="19" name="正方形/長方形 18"/>
-          <p:cNvSpPr/>
-          <p:nvPr/>
-        </p:nvSpPr>
-        <p:spPr>
-          <a:xfrm>
-            <a:off x="6472808" y="875592"/>
-            <a:ext cx="5760640" cy="3960440"/>
+            <a:off x="8056984" y="5088632"/>
+            <a:ext cx="4176464" cy="4248472"/>
           </a:xfrm>
           <a:prstGeom prst="rect">
             <a:avLst/>
@@ -3645,7 +3602,7 @@
         <p:spPr>
           <a:xfrm>
             <a:off x="496144" y="875592"/>
-            <a:ext cx="5760640" cy="3960440"/>
+            <a:ext cx="7344816" cy="3960440"/>
           </a:xfrm>
           <a:prstGeom prst="rect">
             <a:avLst/>
@@ -3688,7 +3645,7 @@
         <p:spPr>
           <a:xfrm>
             <a:off x="496144" y="5088632"/>
-            <a:ext cx="5760640" cy="4248472"/>
+            <a:ext cx="7344816" cy="4248472"/>
           </a:xfrm>
           <a:prstGeom prst="rect">
             <a:avLst/>
@@ -3832,67 +3789,13 @@
       </p:sp>
       <p:sp>
         <p:nvSpPr>
-          <p:cNvPr id="14" name="正方形/長方形 13"/>
-          <p:cNvSpPr/>
-          <p:nvPr/>
-        </p:nvSpPr>
-        <p:spPr>
-          <a:xfrm>
-            <a:off x="6526528" y="930456"/>
-            <a:ext cx="2610576" cy="400110"/>
-          </a:xfrm>
-          <a:prstGeom prst="rect">
-            <a:avLst/>
-          </a:prstGeom>
-        </p:spPr>
-        <p:style>
-          <a:lnRef idx="2">
-            <a:schemeClr val="accent1">
-              <a:shade val="50000"/>
-            </a:schemeClr>
-          </a:lnRef>
-          <a:fillRef idx="1">
-            <a:schemeClr val="accent1"/>
-          </a:fillRef>
-          <a:effectRef idx="0">
-            <a:schemeClr val="accent1"/>
-          </a:effectRef>
-          <a:fontRef idx="minor">
-            <a:schemeClr val="lt1"/>
-          </a:fontRef>
-        </p:style>
-        <p:txBody>
-          <a:bodyPr rtlCol="0" anchor="ctr">
-            <a:spAutoFit/>
-          </a:bodyPr>
-          <a:lstStyle/>
-          <a:p>
-            <a:pPr algn="ctr"/>
-            <a:r>
-              <a:rPr lang="ja-JP" altLang="en-US" sz="2000" dirty="0">
-                <a:latin typeface="メイリオ" pitchFamily="50" charset="-128"/>
-                <a:ea typeface="メイリオ" pitchFamily="50" charset="-128"/>
-                <a:cs typeface="メイリオ" pitchFamily="50" charset="-128"/>
-              </a:rPr>
-              <a:t>ルックアップゲート</a:t>
-            </a:r>
-            <a:endParaRPr kumimoji="1" lang="ja-JP" altLang="en-US" sz="2000" dirty="0">
-              <a:latin typeface="メイリオ" pitchFamily="50" charset="-128"/>
-              <a:ea typeface="メイリオ" pitchFamily="50" charset="-128"/>
-              <a:cs typeface="メイリオ" pitchFamily="50" charset="-128"/>
-            </a:endParaRPr>
-          </a:p>
-        </p:txBody>
-      </p:sp>
-      <p:sp>
-        <p:nvSpPr>
           <p:cNvPr id="15" name="正方形/長方形 14"/>
           <p:cNvSpPr/>
           <p:nvPr/>
         </p:nvSpPr>
         <p:spPr>
           <a:xfrm>
-            <a:off x="6526528" y="5137714"/>
+            <a:off x="8128992" y="5137714"/>
             <a:ext cx="1224136" cy="400110"/>
           </a:xfrm>
           <a:prstGeom prst="rect">
@@ -4080,14 +3983,14 @@
       </p:sp>
       <p:sp>
         <p:nvSpPr>
-          <p:cNvPr id="21" name="正方形/長方形 20"/>
+          <p:cNvPr id="22" name="正方形/長方形 21"/>
           <p:cNvSpPr/>
           <p:nvPr/>
         </p:nvSpPr>
         <p:spPr>
           <a:xfrm>
-            <a:off x="6544816" y="1488232"/>
-            <a:ext cx="2682584" cy="2016224"/>
+            <a:off x="8201000" y="5736704"/>
+            <a:ext cx="1944216" cy="2376264"/>
           </a:xfrm>
           <a:prstGeom prst="rect">
             <a:avLst/>
@@ -4133,68 +4036,6 @@
           <a:p>
             <a:pPr algn="ctr"/>
             <a:r>
-              <a:rPr kumimoji="1" lang="ja-JP" altLang="en-US" dirty="0" smtClean="0"/>
-              <a:t>注釈</a:t>
-            </a:r>
-            <a:endParaRPr kumimoji="1" lang="en-US" altLang="ja-JP" dirty="0" smtClean="0"/>
-          </a:p>
-        </p:txBody>
-      </p:sp>
-      <p:sp>
-        <p:nvSpPr>
-          <p:cNvPr id="22" name="正方形/長方形 21"/>
-          <p:cNvSpPr/>
-          <p:nvPr/>
-        </p:nvSpPr>
-        <p:spPr>
-          <a:xfrm>
-            <a:off x="6544816" y="5736704"/>
-            <a:ext cx="2682584" cy="2376264"/>
-          </a:xfrm>
-          <a:prstGeom prst="rect">
-            <a:avLst/>
-          </a:prstGeom>
-        </p:spPr>
-        <p:style>
-          <a:lnRef idx="2">
-            <a:schemeClr val="accent6"/>
-          </a:lnRef>
-          <a:fillRef idx="1">
-            <a:schemeClr val="lt1"/>
-          </a:fillRef>
-          <a:effectRef idx="0">
-            <a:schemeClr val="accent6"/>
-          </a:effectRef>
-          <a:fontRef idx="minor">
-            <a:schemeClr val="dk1"/>
-          </a:fontRef>
-        </p:style>
-        <p:txBody>
-          <a:bodyPr rtlCol="0" anchor="ctr"/>
-          <a:lstStyle/>
-          <a:p>
-            <a:pPr algn="ctr"/>
-            <a:r>
-              <a:rPr lang="ja-JP" altLang="en-US" dirty="0"/>
-              <a:t>アクティビティ</a:t>
-            </a:r>
-            <a:r>
-              <a:rPr kumimoji="1" lang="ja-JP" altLang="en-US" dirty="0" smtClean="0"/>
-              <a:t>図</a:t>
-            </a:r>
-            <a:endParaRPr kumimoji="1" lang="en-US" altLang="ja-JP" dirty="0" smtClean="0"/>
-          </a:p>
-          <a:p>
-            <a:pPr algn="ctr"/>
-            <a:r>
-              <a:rPr lang="ja-JP" altLang="en-US" dirty="0" smtClean="0"/>
-              <a:t>及び</a:t>
-            </a:r>
-            <a:endParaRPr lang="en-US" altLang="ja-JP" dirty="0" smtClean="0"/>
-          </a:p>
-          <a:p>
-            <a:pPr algn="ctr"/>
-            <a:r>
               <a:rPr kumimoji="1" lang="ja-JP" altLang="en-US" dirty="0"/>
               <a:t>注釈</a:t>
             </a:r>
@@ -4271,47 +4112,13 @@
       </p:sp>
       <p:sp>
         <p:nvSpPr>
-          <p:cNvPr id="25" name="テキスト ボックス 24"/>
-          <p:cNvSpPr txBox="1"/>
-          <p:nvPr/>
-        </p:nvSpPr>
-        <p:spPr>
-          <a:xfrm>
-            <a:off x="9229922" y="1504288"/>
-            <a:ext cx="2763164" cy="477054"/>
-          </a:xfrm>
-          <a:prstGeom prst="rect">
-            <a:avLst/>
-          </a:prstGeom>
-          <a:noFill/>
-        </p:spPr>
-        <p:txBody>
-          <a:bodyPr wrap="square" rtlCol="0">
-            <a:spAutoFit/>
-          </a:bodyPr>
-          <a:lstStyle/>
-          <a:p>
-            <a:r>
-              <a:rPr kumimoji="1" lang="ja-JP" altLang="en-US" dirty="0" smtClean="0"/>
-              <a:t>ポイント</a:t>
-            </a:r>
-            <a:r>
-              <a:rPr kumimoji="1" lang="en-US" altLang="ja-JP" dirty="0" smtClean="0"/>
-              <a:t>:</a:t>
-            </a:r>
-            <a:endParaRPr kumimoji="1" lang="ja-JP" altLang="en-US" dirty="0"/>
-          </a:p>
-        </p:txBody>
-      </p:sp>
-      <p:sp>
-        <p:nvSpPr>
           <p:cNvPr id="26" name="テキスト ボックス 25"/>
           <p:cNvSpPr txBox="1"/>
           <p:nvPr/>
         </p:nvSpPr>
         <p:spPr>
           <a:xfrm>
-            <a:off x="9335952" y="5764128"/>
+            <a:off x="10145216" y="5764128"/>
             <a:ext cx="4347340" cy="477054"/>
           </a:xfrm>
           <a:prstGeom prst="rect">
@@ -4359,14 +4166,207 @@
         </p:blipFill>
         <p:spPr>
           <a:xfrm>
-            <a:off x="6564520" y="8328991"/>
-            <a:ext cx="3281052" cy="925389"/>
+            <a:off x="8182712" y="8315494"/>
+            <a:ext cx="2754592" cy="776906"/>
           </a:xfrm>
           <a:prstGeom prst="rect">
             <a:avLst/>
           </a:prstGeom>
         </p:spPr>
       </p:pic>
+      <p:sp>
+        <p:nvSpPr>
+          <p:cNvPr id="19" name="正方形/長方形 18"/>
+          <p:cNvSpPr/>
+          <p:nvPr/>
+        </p:nvSpPr>
+        <p:spPr>
+          <a:xfrm>
+            <a:off x="8056984" y="875592"/>
+            <a:ext cx="4176464" cy="3960440"/>
+          </a:xfrm>
+          <a:prstGeom prst="rect">
+            <a:avLst/>
+          </a:prstGeom>
+          <a:ln>
+            <a:solidFill>
+              <a:schemeClr val="tx1"/>
+            </a:solidFill>
+          </a:ln>
+        </p:spPr>
+        <p:style>
+          <a:lnRef idx="2">
+            <a:schemeClr val="accent6"/>
+          </a:lnRef>
+          <a:fillRef idx="1">
+            <a:schemeClr val="lt1"/>
+          </a:fillRef>
+          <a:effectRef idx="0">
+            <a:schemeClr val="accent6"/>
+          </a:effectRef>
+          <a:fontRef idx="minor">
+            <a:schemeClr val="dk1"/>
+          </a:fontRef>
+        </p:style>
+        <p:txBody>
+          <a:bodyPr rtlCol="0" anchor="ctr"/>
+          <a:lstStyle/>
+          <a:p>
+            <a:pPr algn="ctr"/>
+            <a:endParaRPr kumimoji="1" lang="ja-JP" altLang="en-US" dirty="0"/>
+          </a:p>
+        </p:txBody>
+      </p:sp>
+      <p:sp>
+        <p:nvSpPr>
+          <p:cNvPr id="14" name="正方形/長方形 13"/>
+          <p:cNvSpPr/>
+          <p:nvPr/>
+        </p:nvSpPr>
+        <p:spPr>
+          <a:xfrm>
+            <a:off x="8128992" y="930456"/>
+            <a:ext cx="2538568" cy="400110"/>
+          </a:xfrm>
+          <a:prstGeom prst="rect">
+            <a:avLst/>
+          </a:prstGeom>
+        </p:spPr>
+        <p:style>
+          <a:lnRef idx="2">
+            <a:schemeClr val="accent1">
+              <a:shade val="50000"/>
+            </a:schemeClr>
+          </a:lnRef>
+          <a:fillRef idx="1">
+            <a:schemeClr val="accent1"/>
+          </a:fillRef>
+          <a:effectRef idx="0">
+            <a:schemeClr val="accent1"/>
+          </a:effectRef>
+          <a:fontRef idx="minor">
+            <a:schemeClr val="lt1"/>
+          </a:fontRef>
+        </p:style>
+        <p:txBody>
+          <a:bodyPr wrap="square" rtlCol="0" anchor="ctr">
+            <a:spAutoFit/>
+          </a:bodyPr>
+          <a:lstStyle/>
+          <a:p>
+            <a:pPr algn="ctr"/>
+            <a:r>
+              <a:rPr lang="ja-JP" altLang="en-US" sz="2000" dirty="0">
+                <a:latin typeface="メイリオ" pitchFamily="50" charset="-128"/>
+                <a:ea typeface="メイリオ" pitchFamily="50" charset="-128"/>
+                <a:cs typeface="メイリオ" pitchFamily="50" charset="-128"/>
+              </a:rPr>
+              <a:t>ルックアップゲート</a:t>
+            </a:r>
+            <a:endParaRPr kumimoji="1" lang="ja-JP" altLang="en-US" sz="2000" dirty="0">
+              <a:latin typeface="メイリオ" pitchFamily="50" charset="-128"/>
+              <a:ea typeface="メイリオ" pitchFamily="50" charset="-128"/>
+              <a:cs typeface="メイリオ" pitchFamily="50" charset="-128"/>
+            </a:endParaRPr>
+          </a:p>
+        </p:txBody>
+      </p:sp>
+      <p:sp>
+        <p:nvSpPr>
+          <p:cNvPr id="21" name="正方形/長方形 20"/>
+          <p:cNvSpPr/>
+          <p:nvPr/>
+        </p:nvSpPr>
+        <p:spPr>
+          <a:xfrm>
+            <a:off x="8182712" y="1488232"/>
+            <a:ext cx="1962504" cy="2016224"/>
+          </a:xfrm>
+          <a:prstGeom prst="rect">
+            <a:avLst/>
+          </a:prstGeom>
+        </p:spPr>
+        <p:style>
+          <a:lnRef idx="2">
+            <a:schemeClr val="accent6"/>
+          </a:lnRef>
+          <a:fillRef idx="1">
+            <a:schemeClr val="lt1"/>
+          </a:fillRef>
+          <a:effectRef idx="0">
+            <a:schemeClr val="accent6"/>
+          </a:effectRef>
+          <a:fontRef idx="minor">
+            <a:schemeClr val="dk1"/>
+          </a:fontRef>
+        </p:style>
+        <p:txBody>
+          <a:bodyPr rtlCol="0" anchor="ctr"/>
+          <a:lstStyle/>
+          <a:p>
+            <a:pPr algn="ctr"/>
+            <a:r>
+              <a:rPr lang="ja-JP" altLang="en-US" dirty="0"/>
+              <a:t>アクティビティ</a:t>
+            </a:r>
+            <a:r>
+              <a:rPr kumimoji="1" lang="ja-JP" altLang="en-US" dirty="0" smtClean="0"/>
+              <a:t>図</a:t>
+            </a:r>
+            <a:endParaRPr kumimoji="1" lang="en-US" altLang="ja-JP" dirty="0" smtClean="0"/>
+          </a:p>
+          <a:p>
+            <a:pPr algn="ctr"/>
+            <a:r>
+              <a:rPr lang="ja-JP" altLang="en-US" dirty="0" smtClean="0"/>
+              <a:t>及び</a:t>
+            </a:r>
+            <a:endParaRPr lang="en-US" altLang="ja-JP" dirty="0" smtClean="0"/>
+          </a:p>
+          <a:p>
+            <a:pPr algn="ctr"/>
+            <a:r>
+              <a:rPr kumimoji="1" lang="ja-JP" altLang="en-US" dirty="0" smtClean="0"/>
+              <a:t>注釈</a:t>
+            </a:r>
+            <a:endParaRPr kumimoji="1" lang="en-US" altLang="ja-JP" dirty="0" smtClean="0"/>
+          </a:p>
+        </p:txBody>
+      </p:sp>
+      <p:sp>
+        <p:nvSpPr>
+          <p:cNvPr id="25" name="テキスト ボックス 24"/>
+          <p:cNvSpPr txBox="1"/>
+          <p:nvPr/>
+        </p:nvSpPr>
+        <p:spPr>
+          <a:xfrm>
+            <a:off x="10289232" y="1488232"/>
+            <a:ext cx="2763164" cy="477054"/>
+          </a:xfrm>
+          <a:prstGeom prst="rect">
+            <a:avLst/>
+          </a:prstGeom>
+          <a:noFill/>
+        </p:spPr>
+        <p:txBody>
+          <a:bodyPr wrap="square" rtlCol="0">
+            <a:spAutoFit/>
+          </a:bodyPr>
+          <a:lstStyle/>
+          <a:p>
+            <a:r>
+              <a:rPr kumimoji="1" lang="ja-JP" altLang="en-US" dirty="0" smtClean="0"/>
+              <a:t>ポイント</a:t>
+            </a:r>
+            <a:r>
+              <a:rPr kumimoji="1" lang="en-US" altLang="ja-JP" dirty="0" smtClean="0"/>
+              <a:t>:</a:t>
+            </a:r>
+            <a:endParaRPr kumimoji="1" lang="ja-JP" altLang="en-US" dirty="0"/>
+          </a:p>
+        </p:txBody>
+      </p:sp>
       <p:pic>
         <p:nvPicPr>
           <p:cNvPr id="10" name="図 9"/>
@@ -4389,8 +4389,8 @@
         </p:blipFill>
         <p:spPr>
           <a:xfrm>
-            <a:off x="6591507" y="3648472"/>
-            <a:ext cx="2492469" cy="1145732"/>
+            <a:off x="8229927" y="3714622"/>
+            <a:ext cx="2275329" cy="1045918"/>
           </a:xfrm>
           <a:prstGeom prst="rect">
             <a:avLst/>
@@ -4429,7 +4429,7 @@
       </p:pic>
       <p:pic>
         <p:nvPicPr>
-          <p:cNvPr id="18" name="図 17"/>
+          <p:cNvPr id="7" name="図 6"/>
           <p:cNvPicPr>
             <a:picLocks noChangeAspect="1"/>
           </p:cNvPicPr>
@@ -4449,8 +4449,8 @@
         </p:blipFill>
         <p:spPr>
           <a:xfrm>
-            <a:off x="1108966" y="8040960"/>
-            <a:ext cx="1564380" cy="1232025"/>
+            <a:off x="577732" y="8112969"/>
+            <a:ext cx="4401476" cy="1224136"/>
           </a:xfrm>
           <a:prstGeom prst="rect">
             <a:avLst/>

--- a/models/N_MURA.pptx
+++ b/models/N_MURA.pptx
@@ -289,7 +289,7 @@
           <a:p>
             <a:fld id="{56BC3579-71A0-4B81-AD3A-70821F25B07F}" type="datetimeFigureOut">
               <a:rPr kumimoji="1" lang="ja-JP" altLang="en-US" smtClean="0"/>
-              <a:t>2012/9/5</a:t>
+              <a:t>2012/9/6</a:t>
             </a:fld>
             <a:endParaRPr kumimoji="1" lang="ja-JP" altLang="en-US"/>
           </a:p>
@@ -491,7 +491,7 @@
           <a:p>
             <a:fld id="{56BC3579-71A0-4B81-AD3A-70821F25B07F}" type="datetimeFigureOut">
               <a:rPr kumimoji="1" lang="ja-JP" altLang="en-US" smtClean="0"/>
-              <a:t>2012/9/5</a:t>
+              <a:t>2012/9/6</a:t>
             </a:fld>
             <a:endParaRPr kumimoji="1" lang="ja-JP" altLang="en-US"/>
           </a:p>
@@ -703,7 +703,7 @@
           <a:p>
             <a:fld id="{56BC3579-71A0-4B81-AD3A-70821F25B07F}" type="datetimeFigureOut">
               <a:rPr kumimoji="1" lang="ja-JP" altLang="en-US" smtClean="0"/>
-              <a:t>2012/9/5</a:t>
+              <a:t>2012/9/6</a:t>
             </a:fld>
             <a:endParaRPr kumimoji="1" lang="ja-JP" altLang="en-US"/>
           </a:p>
@@ -905,7 +905,7 @@
           <a:p>
             <a:fld id="{56BC3579-71A0-4B81-AD3A-70821F25B07F}" type="datetimeFigureOut">
               <a:rPr kumimoji="1" lang="ja-JP" altLang="en-US" smtClean="0"/>
-              <a:t>2012/9/5</a:t>
+              <a:t>2012/9/6</a:t>
             </a:fld>
             <a:endParaRPr kumimoji="1" lang="ja-JP" altLang="en-US"/>
           </a:p>
@@ -1151,7 +1151,7 @@
           <a:p>
             <a:fld id="{56BC3579-71A0-4B81-AD3A-70821F25B07F}" type="datetimeFigureOut">
               <a:rPr kumimoji="1" lang="ja-JP" altLang="en-US" smtClean="0"/>
-              <a:t>2012/9/5</a:t>
+              <a:t>2012/9/6</a:t>
             </a:fld>
             <a:endParaRPr kumimoji="1" lang="ja-JP" altLang="en-US"/>
           </a:p>
@@ -1503,7 +1503,7 @@
           <a:p>
             <a:fld id="{56BC3579-71A0-4B81-AD3A-70821F25B07F}" type="datetimeFigureOut">
               <a:rPr kumimoji="1" lang="ja-JP" altLang="en-US" smtClean="0"/>
-              <a:t>2012/9/5</a:t>
+              <a:t>2012/9/6</a:t>
             </a:fld>
             <a:endParaRPr kumimoji="1" lang="ja-JP" altLang="en-US"/>
           </a:p>
@@ -1989,7 +1989,7 @@
           <a:p>
             <a:fld id="{56BC3579-71A0-4B81-AD3A-70821F25B07F}" type="datetimeFigureOut">
               <a:rPr kumimoji="1" lang="ja-JP" altLang="en-US" smtClean="0"/>
-              <a:t>2012/9/5</a:t>
+              <a:t>2012/9/6</a:t>
             </a:fld>
             <a:endParaRPr kumimoji="1" lang="ja-JP" altLang="en-US"/>
           </a:p>
@@ -2107,7 +2107,7 @@
           <a:p>
             <a:fld id="{56BC3579-71A0-4B81-AD3A-70821F25B07F}" type="datetimeFigureOut">
               <a:rPr kumimoji="1" lang="ja-JP" altLang="en-US" smtClean="0"/>
-              <a:t>2012/9/5</a:t>
+              <a:t>2012/9/6</a:t>
             </a:fld>
             <a:endParaRPr kumimoji="1" lang="ja-JP" altLang="en-US"/>
           </a:p>
@@ -2202,7 +2202,7 @@
           <a:p>
             <a:fld id="{56BC3579-71A0-4B81-AD3A-70821F25B07F}" type="datetimeFigureOut">
               <a:rPr kumimoji="1" lang="ja-JP" altLang="en-US" smtClean="0"/>
-              <a:t>2012/9/5</a:t>
+              <a:t>2012/9/6</a:t>
             </a:fld>
             <a:endParaRPr kumimoji="1" lang="ja-JP" altLang="en-US"/>
           </a:p>
@@ -2511,7 +2511,7 @@
           <a:p>
             <a:fld id="{56BC3579-71A0-4B81-AD3A-70821F25B07F}" type="datetimeFigureOut">
               <a:rPr kumimoji="1" lang="ja-JP" altLang="en-US" smtClean="0"/>
-              <a:t>2012/9/5</a:t>
+              <a:t>2012/9/6</a:t>
             </a:fld>
             <a:endParaRPr kumimoji="1" lang="ja-JP" altLang="en-US"/>
           </a:p>
@@ -2764,7 +2764,7 @@
           <a:p>
             <a:fld id="{56BC3579-71A0-4B81-AD3A-70821F25B07F}" type="datetimeFigureOut">
               <a:rPr kumimoji="1" lang="ja-JP" altLang="en-US" smtClean="0"/>
-              <a:t>2012/9/5</a:t>
+              <a:t>2012/9/6</a:t>
             </a:fld>
             <a:endParaRPr kumimoji="1" lang="ja-JP" altLang="en-US"/>
           </a:p>
@@ -3009,7 +3009,7 @@
           <a:p>
             <a:fld id="{56BC3579-71A0-4B81-AD3A-70821F25B07F}" type="datetimeFigureOut">
               <a:rPr kumimoji="1" lang="ja-JP" altLang="en-US" smtClean="0"/>
-              <a:t>2012/9/5</a:t>
+              <a:t>2012/9/6</a:t>
             </a:fld>
             <a:endParaRPr kumimoji="1" lang="ja-JP" altLang="en-US"/>
           </a:p>
@@ -3461,14 +3461,160 @@
       </p:grpSpPr>
       <p:sp>
         <p:nvSpPr>
+          <p:cNvPr id="5" name="正方形/長方形 4"/>
+          <p:cNvSpPr/>
+          <p:nvPr/>
+        </p:nvSpPr>
+        <p:spPr>
+          <a:xfrm>
+            <a:off x="280120" y="875592"/>
+            <a:ext cx="7128792" cy="3960440"/>
+          </a:xfrm>
+          <a:prstGeom prst="rect">
+            <a:avLst/>
+          </a:prstGeom>
+          <a:ln>
+            <a:solidFill>
+              <a:schemeClr val="tx1"/>
+            </a:solidFill>
+          </a:ln>
+        </p:spPr>
+        <p:style>
+          <a:lnRef idx="2">
+            <a:schemeClr val="accent6"/>
+          </a:lnRef>
+          <a:fillRef idx="1">
+            <a:schemeClr val="lt1"/>
+          </a:fillRef>
+          <a:effectRef idx="0">
+            <a:schemeClr val="accent6"/>
+          </a:effectRef>
+          <a:fontRef idx="minor">
+            <a:schemeClr val="dk1"/>
+          </a:fontRef>
+        </p:style>
+        <p:txBody>
+          <a:bodyPr rtlCol="0" anchor="ctr"/>
+          <a:lstStyle/>
+          <a:p>
+            <a:pPr algn="ctr"/>
+            <a:endParaRPr kumimoji="1" lang="ja-JP" altLang="en-US" dirty="0"/>
+          </a:p>
+        </p:txBody>
+      </p:sp>
+      <p:pic>
+        <p:nvPicPr>
+          <p:cNvPr id="37" name="図 36"/>
+          <p:cNvPicPr>
+            <a:picLocks noChangeAspect="1"/>
+          </p:cNvPicPr>
+          <p:nvPr/>
+        </p:nvPicPr>
+        <p:blipFill>
+          <a:blip r:embed="rId2" cstate="print">
+            <a:extLst>
+              <a:ext uri="{28A0092B-C50C-407E-A947-70E740481C1C}">
+                <a14:useLocalDpi xmlns:a14="http://schemas.microsoft.com/office/drawing/2010/main" val="0"/>
+              </a:ext>
+            </a:extLst>
+          </a:blip>
+          <a:stretch>
+            <a:fillRect/>
+          </a:stretch>
+        </p:blipFill>
+        <p:spPr>
+          <a:xfrm>
+            <a:off x="-9820" y="861921"/>
+            <a:ext cx="4106364" cy="3938679"/>
+          </a:xfrm>
+          <a:prstGeom prst="rect">
+            <a:avLst/>
+          </a:prstGeom>
+        </p:spPr>
+      </p:pic>
+      <p:sp>
+        <p:nvSpPr>
+          <p:cNvPr id="19" name="正方形/長方形 18"/>
+          <p:cNvSpPr/>
+          <p:nvPr/>
+        </p:nvSpPr>
+        <p:spPr>
+          <a:xfrm>
+            <a:off x="7408912" y="875592"/>
+            <a:ext cx="5112568" cy="3984826"/>
+          </a:xfrm>
+          <a:prstGeom prst="rect">
+            <a:avLst/>
+          </a:prstGeom>
+          <a:ln>
+            <a:solidFill>
+              <a:schemeClr val="tx1"/>
+            </a:solidFill>
+          </a:ln>
+        </p:spPr>
+        <p:style>
+          <a:lnRef idx="2">
+            <a:schemeClr val="accent6"/>
+          </a:lnRef>
+          <a:fillRef idx="1">
+            <a:schemeClr val="lt1"/>
+          </a:fillRef>
+          <a:effectRef idx="0">
+            <a:schemeClr val="accent6"/>
+          </a:effectRef>
+          <a:fontRef idx="minor">
+            <a:schemeClr val="dk1"/>
+          </a:fontRef>
+        </p:style>
+        <p:txBody>
+          <a:bodyPr rtlCol="0" anchor="ctr"/>
+          <a:lstStyle/>
+          <a:p>
+            <a:pPr algn="ctr"/>
+            <a:endParaRPr kumimoji="1" lang="ja-JP" altLang="en-US" dirty="0"/>
+          </a:p>
+        </p:txBody>
+      </p:sp>
+      <p:pic>
+        <p:nvPicPr>
+          <p:cNvPr id="8" name="図 7"/>
+          <p:cNvPicPr>
+            <a:picLocks noChangeAspect="1"/>
+          </p:cNvPicPr>
+          <p:nvPr/>
+        </p:nvPicPr>
+        <p:blipFill>
+          <a:blip r:embed="rId3" cstate="print">
+            <a:extLst>
+              <a:ext uri="{28A0092B-C50C-407E-A947-70E740481C1C}">
+                <a14:useLocalDpi xmlns:a14="http://schemas.microsoft.com/office/drawing/2010/main" val="0"/>
+              </a:ext>
+            </a:extLst>
+          </a:blip>
+          <a:stretch>
+            <a:fillRect/>
+          </a:stretch>
+        </p:blipFill>
+        <p:spPr>
+          <a:xfrm>
+            <a:off x="8201000" y="1357716"/>
+            <a:ext cx="1291150" cy="2434772"/>
+          </a:xfrm>
+          <a:prstGeom prst="rect">
+            <a:avLst/>
+          </a:prstGeom>
+        </p:spPr>
+      </p:pic>
+      <p:sp>
+        <p:nvSpPr>
           <p:cNvPr id="20" name="正方形/長方形 19"/>
           <p:cNvSpPr/>
           <p:nvPr/>
         </p:nvSpPr>
         <p:spPr>
           <a:xfrm>
-            <a:off x="8056984" y="5088632"/>
-            <a:ext cx="4176464" cy="4248472"/>
+            <a:off x="7408912" y="4836032"/>
+            <a:ext cx="5112568" cy="4501072"/>
           </a:xfrm>
           <a:prstGeom prst="rect">
             <a:avLst/>
@@ -3595,14 +3741,14 @@
       </p:sp>
       <p:sp>
         <p:nvSpPr>
-          <p:cNvPr id="5" name="正方形/長方形 4"/>
+          <p:cNvPr id="6" name="正方形/長方形 5"/>
           <p:cNvSpPr/>
           <p:nvPr/>
         </p:nvSpPr>
         <p:spPr>
           <a:xfrm>
-            <a:off x="496144" y="875592"/>
-            <a:ext cx="7344816" cy="3960440"/>
+            <a:off x="280120" y="4838699"/>
+            <a:ext cx="7128792" cy="4498405"/>
           </a:xfrm>
           <a:prstGeom prst="rect">
             <a:avLst/>
@@ -3638,56 +3784,67 @@
       </p:sp>
       <p:sp>
         <p:nvSpPr>
-          <p:cNvPr id="6" name="正方形/長方形 5"/>
+          <p:cNvPr id="13" name="正方形/長方形 12"/>
           <p:cNvSpPr/>
           <p:nvPr/>
         </p:nvSpPr>
         <p:spPr>
           <a:xfrm>
-            <a:off x="496144" y="5088632"/>
-            <a:ext cx="7344816" cy="4248472"/>
+            <a:off x="280120" y="4832538"/>
+            <a:ext cx="2034512" cy="400110"/>
           </a:xfrm>
           <a:prstGeom prst="rect">
             <a:avLst/>
           </a:prstGeom>
-          <a:ln>
-            <a:solidFill>
-              <a:schemeClr val="tx1"/>
-            </a:solidFill>
-          </a:ln>
         </p:spPr>
         <p:style>
           <a:lnRef idx="2">
-            <a:schemeClr val="accent6"/>
+            <a:schemeClr val="accent1">
+              <a:shade val="50000"/>
+            </a:schemeClr>
           </a:lnRef>
           <a:fillRef idx="1">
-            <a:schemeClr val="lt1"/>
+            <a:schemeClr val="accent1"/>
           </a:fillRef>
           <a:effectRef idx="0">
-            <a:schemeClr val="accent6"/>
+            <a:schemeClr val="accent1"/>
           </a:effectRef>
           <a:fontRef idx="minor">
-            <a:schemeClr val="dk1"/>
+            <a:schemeClr val="lt1"/>
           </a:fontRef>
         </p:style>
         <p:txBody>
-          <a:bodyPr rtlCol="0" anchor="ctr"/>
+          <a:bodyPr rtlCol="0" anchor="ctr">
+            <a:spAutoFit/>
+          </a:bodyPr>
           <a:lstStyle/>
           <a:p>
             <a:pPr algn="ctr"/>
-            <a:endParaRPr kumimoji="1" lang="ja-JP" altLang="en-US" dirty="0"/>
-          </a:p>
-        </p:txBody>
-      </p:sp>
-      <p:sp>
-        <p:nvSpPr>
-          <p:cNvPr id="11" name="正方形/長方形 10"/>
+            <a:r>
+              <a:rPr lang="ja-JP" altLang="en-US" sz="2000" dirty="0">
+                <a:latin typeface="メイリオ" pitchFamily="50" charset="-128"/>
+                <a:ea typeface="メイリオ" pitchFamily="50" charset="-128"/>
+                <a:cs typeface="メイリオ" pitchFamily="50" charset="-128"/>
+              </a:rPr>
+              <a:t>ドリフトターン</a:t>
+            </a:r>
+            <a:endParaRPr kumimoji="1" lang="ja-JP" altLang="en-US" sz="2000" dirty="0">
+              <a:latin typeface="メイリオ" pitchFamily="50" charset="-128"/>
+              <a:ea typeface="メイリオ" pitchFamily="50" charset="-128"/>
+              <a:cs typeface="メイリオ" pitchFamily="50" charset="-128"/>
+            </a:endParaRPr>
+          </a:p>
+        </p:txBody>
+      </p:sp>
+      <p:sp>
+        <p:nvSpPr>
+          <p:cNvPr id="15" name="正方形/長方形 14"/>
           <p:cNvSpPr/>
           <p:nvPr/>
         </p:nvSpPr>
         <p:spPr>
           <a:xfrm>
-            <a:off x="549864" y="926992"/>
+            <a:off x="7408912" y="4832538"/>
             <a:ext cx="1224136" cy="400110"/>
           </a:xfrm>
           <a:prstGeom prst="rect">
@@ -3723,195 +3880,13 @@
                 <a:ea typeface="メイリオ" pitchFamily="50" charset="-128"/>
                 <a:cs typeface="メイリオ" pitchFamily="50" charset="-128"/>
               </a:rPr>
-              <a:t>階段</a:t>
+              <a:t>シーソー</a:t>
             </a:r>
             <a:endParaRPr kumimoji="1" lang="ja-JP" altLang="en-US" sz="2000" dirty="0">
               <a:latin typeface="メイリオ" pitchFamily="50" charset="-128"/>
               <a:ea typeface="メイリオ" pitchFamily="50" charset="-128"/>
               <a:cs typeface="メイリオ" pitchFamily="50" charset="-128"/>
             </a:endParaRPr>
-          </a:p>
-        </p:txBody>
-      </p:sp>
-      <p:sp>
-        <p:nvSpPr>
-          <p:cNvPr id="13" name="正方形/長方形 12"/>
-          <p:cNvSpPr/>
-          <p:nvPr/>
-        </p:nvSpPr>
-        <p:spPr>
-          <a:xfrm>
-            <a:off x="549864" y="5137714"/>
-            <a:ext cx="2034512" cy="400110"/>
-          </a:xfrm>
-          <a:prstGeom prst="rect">
-            <a:avLst/>
-          </a:prstGeom>
-        </p:spPr>
-        <p:style>
-          <a:lnRef idx="2">
-            <a:schemeClr val="accent1">
-              <a:shade val="50000"/>
-            </a:schemeClr>
-          </a:lnRef>
-          <a:fillRef idx="1">
-            <a:schemeClr val="accent1"/>
-          </a:fillRef>
-          <a:effectRef idx="0">
-            <a:schemeClr val="accent1"/>
-          </a:effectRef>
-          <a:fontRef idx="minor">
-            <a:schemeClr val="lt1"/>
-          </a:fontRef>
-        </p:style>
-        <p:txBody>
-          <a:bodyPr rtlCol="0" anchor="ctr">
-            <a:spAutoFit/>
-          </a:bodyPr>
-          <a:lstStyle/>
-          <a:p>
-            <a:pPr algn="ctr"/>
-            <a:r>
-              <a:rPr lang="ja-JP" altLang="en-US" sz="2000" dirty="0">
-                <a:latin typeface="メイリオ" pitchFamily="50" charset="-128"/>
-                <a:ea typeface="メイリオ" pitchFamily="50" charset="-128"/>
-                <a:cs typeface="メイリオ" pitchFamily="50" charset="-128"/>
-              </a:rPr>
-              <a:t>ドリフトターン</a:t>
-            </a:r>
-            <a:endParaRPr kumimoji="1" lang="ja-JP" altLang="en-US" sz="2000" dirty="0">
-              <a:latin typeface="メイリオ" pitchFamily="50" charset="-128"/>
-              <a:ea typeface="メイリオ" pitchFamily="50" charset="-128"/>
-              <a:cs typeface="メイリオ" pitchFamily="50" charset="-128"/>
-            </a:endParaRPr>
-          </a:p>
-        </p:txBody>
-      </p:sp>
-      <p:sp>
-        <p:nvSpPr>
-          <p:cNvPr id="15" name="正方形/長方形 14"/>
-          <p:cNvSpPr/>
-          <p:nvPr/>
-        </p:nvSpPr>
-        <p:spPr>
-          <a:xfrm>
-            <a:off x="8128992" y="5137714"/>
-            <a:ext cx="1224136" cy="400110"/>
-          </a:xfrm>
-          <a:prstGeom prst="rect">
-            <a:avLst/>
-          </a:prstGeom>
-        </p:spPr>
-        <p:style>
-          <a:lnRef idx="2">
-            <a:schemeClr val="accent1">
-              <a:shade val="50000"/>
-            </a:schemeClr>
-          </a:lnRef>
-          <a:fillRef idx="1">
-            <a:schemeClr val="accent1"/>
-          </a:fillRef>
-          <a:effectRef idx="0">
-            <a:schemeClr val="accent1"/>
-          </a:effectRef>
-          <a:fontRef idx="minor">
-            <a:schemeClr val="lt1"/>
-          </a:fontRef>
-        </p:style>
-        <p:txBody>
-          <a:bodyPr rtlCol="0" anchor="ctr">
-            <a:spAutoFit/>
-          </a:bodyPr>
-          <a:lstStyle/>
-          <a:p>
-            <a:pPr algn="ctr"/>
-            <a:r>
-              <a:rPr lang="ja-JP" altLang="en-US" sz="2000" dirty="0">
-                <a:latin typeface="メイリオ" pitchFamily="50" charset="-128"/>
-                <a:ea typeface="メイリオ" pitchFamily="50" charset="-128"/>
-                <a:cs typeface="メイリオ" pitchFamily="50" charset="-128"/>
-              </a:rPr>
-              <a:t>シーソー</a:t>
-            </a:r>
-            <a:endParaRPr kumimoji="1" lang="ja-JP" altLang="en-US" sz="2000" dirty="0">
-              <a:latin typeface="メイリオ" pitchFamily="50" charset="-128"/>
-              <a:ea typeface="メイリオ" pitchFamily="50" charset="-128"/>
-              <a:cs typeface="メイリオ" pitchFamily="50" charset="-128"/>
-            </a:endParaRPr>
-          </a:p>
-        </p:txBody>
-      </p:sp>
-      <p:sp>
-        <p:nvSpPr>
-          <p:cNvPr id="16" name="正方形/長方形 15"/>
-          <p:cNvSpPr/>
-          <p:nvPr/>
-        </p:nvSpPr>
-        <p:spPr>
-          <a:xfrm>
-            <a:off x="549864" y="1488232"/>
-            <a:ext cx="2682584" cy="2016224"/>
-          </a:xfrm>
-          <a:prstGeom prst="rect">
-            <a:avLst/>
-          </a:prstGeom>
-        </p:spPr>
-        <p:style>
-          <a:lnRef idx="2">
-            <a:schemeClr val="accent6"/>
-          </a:lnRef>
-          <a:fillRef idx="1">
-            <a:schemeClr val="lt1"/>
-          </a:fillRef>
-          <a:effectRef idx="0">
-            <a:schemeClr val="accent6"/>
-          </a:effectRef>
-          <a:fontRef idx="minor">
-            <a:schemeClr val="dk1"/>
-          </a:fontRef>
-        </p:style>
-        <p:txBody>
-          <a:bodyPr rtlCol="0" anchor="ctr"/>
-          <a:lstStyle/>
-          <a:p>
-            <a:pPr algn="ctr"/>
-            <a:r>
-              <a:rPr lang="ja-JP" altLang="en-US" dirty="0"/>
-              <a:t>アクティビティ</a:t>
-            </a:r>
-            <a:r>
-              <a:rPr kumimoji="1" lang="ja-JP" altLang="en-US" dirty="0" smtClean="0"/>
-              <a:t>図</a:t>
-            </a:r>
-            <a:endParaRPr kumimoji="1" lang="en-US" altLang="ja-JP" dirty="0" smtClean="0"/>
-          </a:p>
-          <a:p>
-            <a:pPr algn="ctr"/>
-            <a:r>
-              <a:rPr lang="ja-JP" altLang="en-US" dirty="0" smtClean="0"/>
-              <a:t>及び</a:t>
-            </a:r>
-            <a:endParaRPr lang="en-US" altLang="ja-JP" dirty="0" smtClean="0"/>
-          </a:p>
-          <a:p>
-            <a:pPr algn="ctr"/>
-            <a:r>
-              <a:rPr kumimoji="1" lang="ja-JP" altLang="en-US" dirty="0" smtClean="0"/>
-              <a:t>注釈</a:t>
-            </a:r>
-            <a:endParaRPr kumimoji="1" lang="en-US" altLang="ja-JP" dirty="0" smtClean="0"/>
-          </a:p>
-          <a:p>
-            <a:pPr algn="ctr"/>
-            <a:r>
-              <a:rPr lang="en-US" altLang="ja-JP" dirty="0" smtClean="0"/>
-              <a:t>(</a:t>
-            </a:r>
-            <a:r>
-              <a:rPr lang="ja-JP" altLang="en-US" dirty="0" smtClean="0"/>
-              <a:t>登り、直角で分ける）</a:t>
-            </a:r>
-            <a:endParaRPr kumimoji="1" lang="ja-JP" altLang="en-US" dirty="0"/>
           </a:p>
         </p:txBody>
       </p:sp>
@@ -3958,26 +3933,10 @@
           <a:p>
             <a:pPr algn="ctr"/>
             <a:r>
-              <a:rPr lang="ja-JP" altLang="en-US" dirty="0" smtClean="0"/>
-              <a:t>及び</a:t>
+              <a:rPr lang="ja-JP" altLang="en-US" smtClean="0"/>
+              <a:t>（未確定）</a:t>
             </a:r>
             <a:endParaRPr lang="en-US" altLang="ja-JP" dirty="0" smtClean="0"/>
-          </a:p>
-          <a:p>
-            <a:pPr algn="ctr"/>
-            <a:r>
-              <a:rPr kumimoji="1" lang="ja-JP" altLang="en-US" dirty="0" smtClean="0"/>
-              <a:t>注釈</a:t>
-            </a:r>
-            <a:endParaRPr kumimoji="1" lang="en-US" altLang="ja-JP" dirty="0" smtClean="0"/>
-          </a:p>
-          <a:p>
-            <a:pPr algn="ctr"/>
-            <a:r>
-              <a:rPr lang="ja-JP" altLang="en-US" dirty="0" smtClean="0"/>
-              <a:t>（検知、走行で分ける）</a:t>
-            </a:r>
-            <a:endParaRPr kumimoji="1" lang="ja-JP" altLang="en-US" dirty="0"/>
           </a:p>
         </p:txBody>
       </p:sp>
@@ -3989,7 +3948,7 @@
         </p:nvSpPr>
         <p:spPr>
           <a:xfrm>
-            <a:off x="8201000" y="5736704"/>
+            <a:off x="7555550" y="5457056"/>
             <a:ext cx="1944216" cy="2376264"/>
           </a:xfrm>
           <a:prstGeom prst="rect">
@@ -4042,108 +4001,6 @@
           </a:p>
         </p:txBody>
       </p:sp>
-      <p:sp>
-        <p:nvSpPr>
-          <p:cNvPr id="23" name="テキスト ボックス 22"/>
-          <p:cNvSpPr txBox="1"/>
-          <p:nvPr/>
-        </p:nvSpPr>
-        <p:spPr>
-          <a:xfrm>
-            <a:off x="3205588" y="1344216"/>
-            <a:ext cx="4347340" cy="477054"/>
-          </a:xfrm>
-          <a:prstGeom prst="rect">
-            <a:avLst/>
-          </a:prstGeom>
-          <a:noFill/>
-        </p:spPr>
-        <p:txBody>
-          <a:bodyPr wrap="square" rtlCol="0">
-            <a:spAutoFit/>
-          </a:bodyPr>
-          <a:lstStyle/>
-          <a:p>
-            <a:r>
-              <a:rPr kumimoji="1" lang="ja-JP" altLang="en-US" dirty="0" smtClean="0"/>
-              <a:t>ポイント</a:t>
-            </a:r>
-            <a:r>
-              <a:rPr kumimoji="1" lang="en-US" altLang="ja-JP" dirty="0" smtClean="0"/>
-              <a:t>:</a:t>
-            </a:r>
-            <a:endParaRPr kumimoji="1" lang="ja-JP" altLang="en-US" dirty="0"/>
-          </a:p>
-        </p:txBody>
-      </p:sp>
-      <p:sp>
-        <p:nvSpPr>
-          <p:cNvPr id="24" name="テキスト ボックス 23"/>
-          <p:cNvSpPr txBox="1"/>
-          <p:nvPr/>
-        </p:nvSpPr>
-        <p:spPr>
-          <a:xfrm>
-            <a:off x="3241632" y="5759560"/>
-            <a:ext cx="3168352" cy="477054"/>
-          </a:xfrm>
-          <a:prstGeom prst="rect">
-            <a:avLst/>
-          </a:prstGeom>
-          <a:noFill/>
-        </p:spPr>
-        <p:txBody>
-          <a:bodyPr wrap="square" rtlCol="0">
-            <a:spAutoFit/>
-          </a:bodyPr>
-          <a:lstStyle/>
-          <a:p>
-            <a:r>
-              <a:rPr kumimoji="1" lang="ja-JP" altLang="en-US" dirty="0" smtClean="0"/>
-              <a:t>ポイント</a:t>
-            </a:r>
-            <a:r>
-              <a:rPr kumimoji="1" lang="en-US" altLang="ja-JP" dirty="0" smtClean="0"/>
-              <a:t>:</a:t>
-            </a:r>
-            <a:endParaRPr kumimoji="1" lang="ja-JP" altLang="en-US" dirty="0"/>
-          </a:p>
-        </p:txBody>
-      </p:sp>
-      <p:sp>
-        <p:nvSpPr>
-          <p:cNvPr id="26" name="テキスト ボックス 25"/>
-          <p:cNvSpPr txBox="1"/>
-          <p:nvPr/>
-        </p:nvSpPr>
-        <p:spPr>
-          <a:xfrm>
-            <a:off x="10145216" y="5764128"/>
-            <a:ext cx="4347340" cy="477054"/>
-          </a:xfrm>
-          <a:prstGeom prst="rect">
-            <a:avLst/>
-          </a:prstGeom>
-          <a:noFill/>
-        </p:spPr>
-        <p:txBody>
-          <a:bodyPr wrap="square" rtlCol="0">
-            <a:spAutoFit/>
-          </a:bodyPr>
-          <a:lstStyle/>
-          <a:p>
-            <a:r>
-              <a:rPr kumimoji="1" lang="ja-JP" altLang="en-US" dirty="0" smtClean="0"/>
-              <a:t>ポイント</a:t>
-            </a:r>
-            <a:r>
-              <a:rPr kumimoji="1" lang="en-US" altLang="ja-JP" dirty="0" smtClean="0"/>
-              <a:t>:</a:t>
-            </a:r>
-            <a:endParaRPr kumimoji="1" lang="ja-JP" altLang="en-US" dirty="0"/>
-          </a:p>
-        </p:txBody>
-      </p:sp>
       <p:pic>
         <p:nvPicPr>
           <p:cNvPr id="9" name="図 8"/>
@@ -4153,7 +4010,7 @@
           <p:nvPr/>
         </p:nvPicPr>
         <p:blipFill>
-          <a:blip r:embed="rId2" cstate="print">
+          <a:blip r:embed="rId4" cstate="print">
             <a:extLst>
               <a:ext uri="{28A0092B-C50C-407E-A947-70E740481C1C}">
                 <a14:useLocalDpi xmlns:a14="http://schemas.microsoft.com/office/drawing/2010/main" val="0"/>
@@ -4166,7 +4023,7 @@
         </p:blipFill>
         <p:spPr>
           <a:xfrm>
-            <a:off x="8182712" y="8315494"/>
+            <a:off x="7574178" y="8336584"/>
             <a:ext cx="2754592" cy="776906"/>
           </a:xfrm>
           <a:prstGeom prst="rect">
@@ -4176,56 +4033,13 @@
       </p:pic>
       <p:sp>
         <p:nvSpPr>
-          <p:cNvPr id="19" name="正方形/長方形 18"/>
-          <p:cNvSpPr/>
-          <p:nvPr/>
-        </p:nvSpPr>
-        <p:spPr>
-          <a:xfrm>
-            <a:off x="8056984" y="875592"/>
-            <a:ext cx="4176464" cy="3960440"/>
-          </a:xfrm>
-          <a:prstGeom prst="rect">
-            <a:avLst/>
-          </a:prstGeom>
-          <a:ln>
-            <a:solidFill>
-              <a:schemeClr val="tx1"/>
-            </a:solidFill>
-          </a:ln>
-        </p:spPr>
-        <p:style>
-          <a:lnRef idx="2">
-            <a:schemeClr val="accent6"/>
-          </a:lnRef>
-          <a:fillRef idx="1">
-            <a:schemeClr val="lt1"/>
-          </a:fillRef>
-          <a:effectRef idx="0">
-            <a:schemeClr val="accent6"/>
-          </a:effectRef>
-          <a:fontRef idx="minor">
-            <a:schemeClr val="dk1"/>
-          </a:fontRef>
-        </p:style>
-        <p:txBody>
-          <a:bodyPr rtlCol="0" anchor="ctr"/>
-          <a:lstStyle/>
-          <a:p>
-            <a:pPr algn="ctr"/>
-            <a:endParaRPr kumimoji="1" lang="ja-JP" altLang="en-US" dirty="0"/>
-          </a:p>
-        </p:txBody>
-      </p:sp>
-      <p:sp>
-        <p:nvSpPr>
           <p:cNvPr id="14" name="正方形/長方形 13"/>
           <p:cNvSpPr/>
           <p:nvPr/>
         </p:nvSpPr>
         <p:spPr>
           <a:xfrm>
-            <a:off x="8128992" y="930456"/>
+            <a:off x="7390624" y="840160"/>
             <a:ext cx="2538568" cy="400110"/>
           </a:xfrm>
           <a:prstGeom prst="rect">
@@ -4271,102 +4085,6 @@
           </a:p>
         </p:txBody>
       </p:sp>
-      <p:sp>
-        <p:nvSpPr>
-          <p:cNvPr id="21" name="正方形/長方形 20"/>
-          <p:cNvSpPr/>
-          <p:nvPr/>
-        </p:nvSpPr>
-        <p:spPr>
-          <a:xfrm>
-            <a:off x="8182712" y="1488232"/>
-            <a:ext cx="1962504" cy="2016224"/>
-          </a:xfrm>
-          <a:prstGeom prst="rect">
-            <a:avLst/>
-          </a:prstGeom>
-        </p:spPr>
-        <p:style>
-          <a:lnRef idx="2">
-            <a:schemeClr val="accent6"/>
-          </a:lnRef>
-          <a:fillRef idx="1">
-            <a:schemeClr val="lt1"/>
-          </a:fillRef>
-          <a:effectRef idx="0">
-            <a:schemeClr val="accent6"/>
-          </a:effectRef>
-          <a:fontRef idx="minor">
-            <a:schemeClr val="dk1"/>
-          </a:fontRef>
-        </p:style>
-        <p:txBody>
-          <a:bodyPr rtlCol="0" anchor="ctr"/>
-          <a:lstStyle/>
-          <a:p>
-            <a:pPr algn="ctr"/>
-            <a:r>
-              <a:rPr lang="ja-JP" altLang="en-US" dirty="0"/>
-              <a:t>アクティビティ</a:t>
-            </a:r>
-            <a:r>
-              <a:rPr kumimoji="1" lang="ja-JP" altLang="en-US" dirty="0" smtClean="0"/>
-              <a:t>図</a:t>
-            </a:r>
-            <a:endParaRPr kumimoji="1" lang="en-US" altLang="ja-JP" dirty="0" smtClean="0"/>
-          </a:p>
-          <a:p>
-            <a:pPr algn="ctr"/>
-            <a:r>
-              <a:rPr lang="ja-JP" altLang="en-US" dirty="0" smtClean="0"/>
-              <a:t>及び</a:t>
-            </a:r>
-            <a:endParaRPr lang="en-US" altLang="ja-JP" dirty="0" smtClean="0"/>
-          </a:p>
-          <a:p>
-            <a:pPr algn="ctr"/>
-            <a:r>
-              <a:rPr kumimoji="1" lang="ja-JP" altLang="en-US" dirty="0" smtClean="0"/>
-              <a:t>注釈</a:t>
-            </a:r>
-            <a:endParaRPr kumimoji="1" lang="en-US" altLang="ja-JP" dirty="0" smtClean="0"/>
-          </a:p>
-        </p:txBody>
-      </p:sp>
-      <p:sp>
-        <p:nvSpPr>
-          <p:cNvPr id="25" name="テキスト ボックス 24"/>
-          <p:cNvSpPr txBox="1"/>
-          <p:nvPr/>
-        </p:nvSpPr>
-        <p:spPr>
-          <a:xfrm>
-            <a:off x="10289232" y="1488232"/>
-            <a:ext cx="2763164" cy="477054"/>
-          </a:xfrm>
-          <a:prstGeom prst="rect">
-            <a:avLst/>
-          </a:prstGeom>
-          <a:noFill/>
-        </p:spPr>
-        <p:txBody>
-          <a:bodyPr wrap="square" rtlCol="0">
-            <a:spAutoFit/>
-          </a:bodyPr>
-          <a:lstStyle/>
-          <a:p>
-            <a:r>
-              <a:rPr kumimoji="1" lang="ja-JP" altLang="en-US" dirty="0" smtClean="0"/>
-              <a:t>ポイント</a:t>
-            </a:r>
-            <a:r>
-              <a:rPr kumimoji="1" lang="en-US" altLang="ja-JP" dirty="0" smtClean="0"/>
-              <a:t>:</a:t>
-            </a:r>
-            <a:endParaRPr kumimoji="1" lang="ja-JP" altLang="en-US" dirty="0"/>
-          </a:p>
-        </p:txBody>
-      </p:sp>
       <p:pic>
         <p:nvPicPr>
           <p:cNvPr id="10" name="図 9"/>
@@ -4376,7 +4094,7 @@
           <p:nvPr/>
         </p:nvPicPr>
         <p:blipFill>
-          <a:blip r:embed="rId3" cstate="print">
+          <a:blip r:embed="rId5" cstate="print">
             <a:extLst>
               <a:ext uri="{28A0092B-C50C-407E-A947-70E740481C1C}">
                 <a14:useLocalDpi xmlns:a14="http://schemas.microsoft.com/office/drawing/2010/main" val="0"/>
@@ -4389,38 +4107,8 @@
         </p:blipFill>
         <p:spPr>
           <a:xfrm>
-            <a:off x="8229927" y="3714622"/>
-            <a:ext cx="2275329" cy="1045918"/>
-          </a:xfrm>
-          <a:prstGeom prst="rect">
-            <a:avLst/>
-          </a:prstGeom>
-        </p:spPr>
-      </p:pic>
-      <p:pic>
-        <p:nvPicPr>
-          <p:cNvPr id="12" name="図 11"/>
-          <p:cNvPicPr>
-            <a:picLocks noChangeAspect="1"/>
-          </p:cNvPicPr>
-          <p:nvPr/>
-        </p:nvPicPr>
-        <p:blipFill>
-          <a:blip r:embed="rId4" cstate="print">
-            <a:extLst>
-              <a:ext uri="{28A0092B-C50C-407E-A947-70E740481C1C}">
-                <a14:useLocalDpi xmlns:a14="http://schemas.microsoft.com/office/drawing/2010/main" val="0"/>
-              </a:ext>
-            </a:extLst>
-          </a:blip>
-          <a:stretch>
-            <a:fillRect/>
-          </a:stretch>
-        </p:blipFill>
-        <p:spPr>
-          <a:xfrm>
-            <a:off x="549864" y="3648471"/>
-            <a:ext cx="2976672" cy="1078407"/>
+            <a:off x="7810514" y="3826691"/>
+            <a:ext cx="2118678" cy="973909"/>
           </a:xfrm>
           <a:prstGeom prst="rect">
             <a:avLst/>
@@ -4436,7 +4124,7 @@
           <p:nvPr/>
         </p:nvPicPr>
         <p:blipFill>
-          <a:blip r:embed="rId5" cstate="print">
+          <a:blip r:embed="rId6" cstate="print">
             <a:extLst>
               <a:ext uri="{28A0092B-C50C-407E-A947-70E740481C1C}">
                 <a14:useLocalDpi xmlns:a14="http://schemas.microsoft.com/office/drawing/2010/main" val="0"/>
@@ -4457,6 +4145,2589 @@
           </a:prstGeom>
         </p:spPr>
       </p:pic>
+      <p:pic>
+        <p:nvPicPr>
+          <p:cNvPr id="12" name="図 11"/>
+          <p:cNvPicPr>
+            <a:picLocks noChangeAspect="1"/>
+          </p:cNvPicPr>
+          <p:nvPr/>
+        </p:nvPicPr>
+        <p:blipFill>
+          <a:blip r:embed="rId7" cstate="print">
+            <a:extLst>
+              <a:ext uri="{28A0092B-C50C-407E-A947-70E740481C1C}">
+                <a14:useLocalDpi xmlns:a14="http://schemas.microsoft.com/office/drawing/2010/main" val="0"/>
+              </a:ext>
+            </a:extLst>
+          </a:blip>
+          <a:stretch>
+            <a:fillRect/>
+          </a:stretch>
+        </p:blipFill>
+        <p:spPr>
+          <a:xfrm>
+            <a:off x="424136" y="3576464"/>
+            <a:ext cx="2976672" cy="1078407"/>
+          </a:xfrm>
+          <a:prstGeom prst="rect">
+            <a:avLst/>
+          </a:prstGeom>
+        </p:spPr>
+      </p:pic>
+      <p:sp>
+        <p:nvSpPr>
+          <p:cNvPr id="18" name="テキスト ボックス 17"/>
+          <p:cNvSpPr txBox="1"/>
+          <p:nvPr/>
+        </p:nvSpPr>
+        <p:spPr>
+          <a:xfrm>
+            <a:off x="7914543" y="1896343"/>
+            <a:ext cx="296876" cy="307777"/>
+          </a:xfrm>
+          <a:prstGeom prst="rect">
+            <a:avLst/>
+          </a:prstGeom>
+          <a:noFill/>
+        </p:spPr>
+        <p:txBody>
+          <a:bodyPr wrap="none" rtlCol="0">
+            <a:spAutoFit/>
+          </a:bodyPr>
+          <a:lstStyle/>
+          <a:p>
+            <a:pPr algn="ctr"/>
+            <a:r>
+              <a:rPr kumimoji="1" lang="en-US" altLang="ja-JP" sz="1400" smtClean="0">
+                <a:solidFill>
+                  <a:srgbClr val="00B050"/>
+                </a:solidFill>
+                <a:latin typeface="メイリオ" pitchFamily="50" charset="-128"/>
+                <a:ea typeface="メイリオ" pitchFamily="50" charset="-128"/>
+                <a:cs typeface="メイリオ" pitchFamily="50" charset="-128"/>
+              </a:rPr>
+              <a:t>2</a:t>
+            </a:r>
+            <a:endParaRPr kumimoji="1" lang="ja-JP" altLang="en-US" sz="1400">
+              <a:solidFill>
+                <a:srgbClr val="00B050"/>
+              </a:solidFill>
+              <a:latin typeface="メイリオ" pitchFamily="50" charset="-128"/>
+              <a:ea typeface="メイリオ" pitchFamily="50" charset="-128"/>
+              <a:cs typeface="メイリオ" pitchFamily="50" charset="-128"/>
+            </a:endParaRPr>
+          </a:p>
+        </p:txBody>
+      </p:sp>
+      <p:sp>
+        <p:nvSpPr>
+          <p:cNvPr id="27" name="テキスト ボックス 26"/>
+          <p:cNvSpPr txBox="1"/>
+          <p:nvPr/>
+        </p:nvSpPr>
+        <p:spPr>
+          <a:xfrm>
+            <a:off x="7914543" y="2326345"/>
+            <a:ext cx="296876" cy="307777"/>
+          </a:xfrm>
+          <a:prstGeom prst="rect">
+            <a:avLst/>
+          </a:prstGeom>
+          <a:noFill/>
+        </p:spPr>
+        <p:txBody>
+          <a:bodyPr wrap="none" rtlCol="0">
+            <a:spAutoFit/>
+          </a:bodyPr>
+          <a:lstStyle/>
+          <a:p>
+            <a:pPr algn="ctr"/>
+            <a:r>
+              <a:rPr kumimoji="1" lang="en-US" altLang="ja-JP" sz="1400" smtClean="0">
+                <a:solidFill>
+                  <a:srgbClr val="FF0000"/>
+                </a:solidFill>
+                <a:latin typeface="メイリオ" pitchFamily="50" charset="-128"/>
+                <a:ea typeface="メイリオ" pitchFamily="50" charset="-128"/>
+                <a:cs typeface="メイリオ" pitchFamily="50" charset="-128"/>
+              </a:rPr>
+              <a:t>3</a:t>
+            </a:r>
+            <a:endParaRPr kumimoji="1" lang="ja-JP" altLang="en-US" sz="1400">
+              <a:solidFill>
+                <a:srgbClr val="FF0000"/>
+              </a:solidFill>
+              <a:latin typeface="メイリオ" pitchFamily="50" charset="-128"/>
+              <a:ea typeface="メイリオ" pitchFamily="50" charset="-128"/>
+              <a:cs typeface="メイリオ" pitchFamily="50" charset="-128"/>
+            </a:endParaRPr>
+          </a:p>
+        </p:txBody>
+      </p:sp>
+      <p:sp>
+        <p:nvSpPr>
+          <p:cNvPr id="28" name="テキスト ボックス 27"/>
+          <p:cNvSpPr txBox="1"/>
+          <p:nvPr/>
+        </p:nvSpPr>
+        <p:spPr>
+          <a:xfrm>
+            <a:off x="7914543" y="2816953"/>
+            <a:ext cx="296876" cy="307777"/>
+          </a:xfrm>
+          <a:prstGeom prst="rect">
+            <a:avLst/>
+          </a:prstGeom>
+          <a:noFill/>
+        </p:spPr>
+        <p:txBody>
+          <a:bodyPr wrap="none" rtlCol="0">
+            <a:spAutoFit/>
+          </a:bodyPr>
+          <a:lstStyle/>
+          <a:p>
+            <a:pPr algn="ctr"/>
+            <a:r>
+              <a:rPr kumimoji="1" lang="en-US" altLang="ja-JP" sz="1400" smtClean="0">
+                <a:solidFill>
+                  <a:srgbClr val="FF33CC"/>
+                </a:solidFill>
+                <a:latin typeface="メイリオ" pitchFamily="50" charset="-128"/>
+                <a:ea typeface="メイリオ" pitchFamily="50" charset="-128"/>
+                <a:cs typeface="メイリオ" pitchFamily="50" charset="-128"/>
+              </a:rPr>
+              <a:t>4</a:t>
+            </a:r>
+            <a:endParaRPr kumimoji="1" lang="ja-JP" altLang="en-US" sz="1400">
+              <a:solidFill>
+                <a:srgbClr val="FF33CC"/>
+              </a:solidFill>
+              <a:latin typeface="メイリオ" pitchFamily="50" charset="-128"/>
+              <a:ea typeface="メイリオ" pitchFamily="50" charset="-128"/>
+              <a:cs typeface="メイリオ" pitchFamily="50" charset="-128"/>
+            </a:endParaRPr>
+          </a:p>
+        </p:txBody>
+      </p:sp>
+      <p:sp>
+        <p:nvSpPr>
+          <p:cNvPr id="29" name="テキスト ボックス 28"/>
+          <p:cNvSpPr txBox="1"/>
+          <p:nvPr/>
+        </p:nvSpPr>
+        <p:spPr>
+          <a:xfrm>
+            <a:off x="7914543" y="3275543"/>
+            <a:ext cx="296876" cy="307777"/>
+          </a:xfrm>
+          <a:prstGeom prst="rect">
+            <a:avLst/>
+          </a:prstGeom>
+          <a:noFill/>
+        </p:spPr>
+        <p:txBody>
+          <a:bodyPr wrap="none" rtlCol="0">
+            <a:spAutoFit/>
+          </a:bodyPr>
+          <a:lstStyle/>
+          <a:p>
+            <a:pPr algn="ctr"/>
+            <a:r>
+              <a:rPr kumimoji="1" lang="en-US" altLang="ja-JP" sz="1400" smtClean="0">
+                <a:solidFill>
+                  <a:srgbClr val="FFC000"/>
+                </a:solidFill>
+                <a:latin typeface="メイリオ" pitchFamily="50" charset="-128"/>
+                <a:ea typeface="メイリオ" pitchFamily="50" charset="-128"/>
+                <a:cs typeface="メイリオ" pitchFamily="50" charset="-128"/>
+              </a:rPr>
+              <a:t>5</a:t>
+            </a:r>
+            <a:endParaRPr kumimoji="1" lang="ja-JP" altLang="en-US" sz="1400">
+              <a:solidFill>
+                <a:srgbClr val="FFC000"/>
+              </a:solidFill>
+              <a:latin typeface="メイリオ" pitchFamily="50" charset="-128"/>
+              <a:ea typeface="メイリオ" pitchFamily="50" charset="-128"/>
+              <a:cs typeface="メイリオ" pitchFamily="50" charset="-128"/>
+            </a:endParaRPr>
+          </a:p>
+        </p:txBody>
+      </p:sp>
+      <p:sp>
+        <p:nvSpPr>
+          <p:cNvPr id="30" name="テキスト ボックス 29"/>
+          <p:cNvSpPr txBox="1"/>
+          <p:nvPr/>
+        </p:nvSpPr>
+        <p:spPr>
+          <a:xfrm>
+            <a:off x="7964472" y="1397559"/>
+            <a:ext cx="197019" cy="307777"/>
+          </a:xfrm>
+          <a:prstGeom prst="rect">
+            <a:avLst/>
+          </a:prstGeom>
+          <a:noFill/>
+        </p:spPr>
+        <p:txBody>
+          <a:bodyPr wrap="square" rtlCol="0">
+            <a:spAutoFit/>
+          </a:bodyPr>
+          <a:lstStyle/>
+          <a:p>
+            <a:pPr algn="ctr"/>
+            <a:r>
+              <a:rPr kumimoji="1" lang="en-US" altLang="ja-JP" sz="1400" smtClean="0">
+                <a:solidFill>
+                  <a:schemeClr val="tx2">
+                    <a:lumMod val="60000"/>
+                    <a:lumOff val="40000"/>
+                  </a:schemeClr>
+                </a:solidFill>
+                <a:latin typeface="メイリオ" pitchFamily="50" charset="-128"/>
+                <a:ea typeface="メイリオ" pitchFamily="50" charset="-128"/>
+                <a:cs typeface="メイリオ" pitchFamily="50" charset="-128"/>
+              </a:rPr>
+              <a:t>1</a:t>
+            </a:r>
+            <a:endParaRPr kumimoji="1" lang="ja-JP" altLang="en-US" sz="1400">
+              <a:solidFill>
+                <a:schemeClr val="tx2">
+                  <a:lumMod val="60000"/>
+                  <a:lumOff val="40000"/>
+                </a:schemeClr>
+              </a:solidFill>
+              <a:latin typeface="メイリオ" pitchFamily="50" charset="-128"/>
+              <a:ea typeface="メイリオ" pitchFamily="50" charset="-128"/>
+              <a:cs typeface="メイリオ" pitchFamily="50" charset="-128"/>
+            </a:endParaRPr>
+          </a:p>
+        </p:txBody>
+      </p:sp>
+      <p:sp>
+        <p:nvSpPr>
+          <p:cNvPr id="31" name="角丸四角形 30"/>
+          <p:cNvSpPr/>
+          <p:nvPr/>
+        </p:nvSpPr>
+        <p:spPr>
+          <a:xfrm>
+            <a:off x="10172954" y="1488593"/>
+            <a:ext cx="1872208" cy="1058403"/>
+          </a:xfrm>
+          <a:prstGeom prst="roundRect">
+            <a:avLst/>
+          </a:prstGeom>
+        </p:spPr>
+        <p:style>
+          <a:lnRef idx="2">
+            <a:schemeClr val="accent2"/>
+          </a:lnRef>
+          <a:fillRef idx="1">
+            <a:schemeClr val="lt1"/>
+          </a:fillRef>
+          <a:effectRef idx="0">
+            <a:schemeClr val="accent2"/>
+          </a:effectRef>
+          <a:fontRef idx="minor">
+            <a:schemeClr val="dk1"/>
+          </a:fontRef>
+        </p:style>
+        <p:txBody>
+          <a:bodyPr rtlCol="0" anchor="ctr"/>
+          <a:lstStyle/>
+          <a:p>
+            <a:pPr algn="ctr"/>
+            <a:r>
+              <a:rPr lang="en-US" altLang="ja-JP" sz="1200" smtClean="0">
+                <a:ln w="3175">
+                  <a:solidFill>
+                    <a:srgbClr val="FF0000"/>
+                  </a:solidFill>
+                  <a:prstDash val="solid"/>
+                </a:ln>
+                <a:solidFill>
+                  <a:srgbClr val="FFFFFF"/>
+                </a:solidFill>
+                <a:effectLst>
+                  <a:outerShdw blurRad="38100" dist="32000" dir="5400000" algn="tl">
+                    <a:srgbClr val="000000">
+                      <a:alpha val="30000"/>
+                    </a:srgbClr>
+                  </a:outerShdw>
+                </a:effectLst>
+                <a:latin typeface="メイリオ" pitchFamily="50" charset="-128"/>
+                <a:ea typeface="メイリオ" pitchFamily="50" charset="-128"/>
+                <a:cs typeface="メイリオ" pitchFamily="50" charset="-128"/>
+              </a:rPr>
+              <a:t>-</a:t>
+            </a:r>
+            <a:r>
+              <a:rPr lang="ja-JP" altLang="en-US" sz="1200">
+                <a:ln w="3175">
+                  <a:solidFill>
+                    <a:srgbClr val="FF0000"/>
+                  </a:solidFill>
+                  <a:prstDash val="solid"/>
+                </a:ln>
+                <a:solidFill>
+                  <a:srgbClr val="FFFFFF"/>
+                </a:solidFill>
+                <a:effectLst>
+                  <a:outerShdw blurRad="38100" dist="32000" dir="5400000" algn="tl">
+                    <a:srgbClr val="000000">
+                      <a:alpha val="30000"/>
+                    </a:srgbClr>
+                  </a:outerShdw>
+                </a:effectLst>
+                <a:latin typeface="メイリオ" pitchFamily="50" charset="-128"/>
+                <a:ea typeface="メイリオ" pitchFamily="50" charset="-128"/>
+                <a:cs typeface="メイリオ" pitchFamily="50" charset="-128"/>
+              </a:rPr>
+              <a:t>危険</a:t>
+            </a:r>
+            <a:r>
+              <a:rPr lang="ja-JP" altLang="en-US" sz="1200" smtClean="0">
+                <a:ln w="3175">
+                  <a:solidFill>
+                    <a:srgbClr val="FF0000"/>
+                  </a:solidFill>
+                  <a:prstDash val="solid"/>
+                </a:ln>
+                <a:solidFill>
+                  <a:srgbClr val="FFFFFF"/>
+                </a:solidFill>
+                <a:effectLst>
+                  <a:outerShdw blurRad="38100" dist="32000" dir="5400000" algn="tl">
+                    <a:srgbClr val="000000">
+                      <a:alpha val="30000"/>
+                    </a:srgbClr>
+                  </a:outerShdw>
+                </a:effectLst>
+                <a:latin typeface="メイリオ" pitchFamily="50" charset="-128"/>
+                <a:ea typeface="メイリオ" pitchFamily="50" charset="-128"/>
+                <a:cs typeface="メイリオ" pitchFamily="50" charset="-128"/>
+              </a:rPr>
+              <a:t>ポイント</a:t>
+            </a:r>
+            <a:r>
+              <a:rPr lang="en-US" altLang="ja-JP" sz="1200" smtClean="0">
+                <a:ln w="3175">
+                  <a:solidFill>
+                    <a:srgbClr val="FF0000"/>
+                  </a:solidFill>
+                  <a:prstDash val="solid"/>
+                </a:ln>
+                <a:solidFill>
+                  <a:srgbClr val="FFFFFF"/>
+                </a:solidFill>
+                <a:effectLst>
+                  <a:outerShdw blurRad="38100" dist="32000" dir="5400000" algn="tl">
+                    <a:srgbClr val="000000">
+                      <a:alpha val="30000"/>
+                    </a:srgbClr>
+                  </a:outerShdw>
+                </a:effectLst>
+                <a:latin typeface="メイリオ" pitchFamily="50" charset="-128"/>
+                <a:ea typeface="メイリオ" pitchFamily="50" charset="-128"/>
+                <a:cs typeface="メイリオ" pitchFamily="50" charset="-128"/>
+              </a:rPr>
+              <a:t>-</a:t>
+            </a:r>
+            <a:endParaRPr lang="en-US" altLang="ja-JP" sz="1200">
+              <a:ln w="3175">
+                <a:solidFill>
+                  <a:srgbClr val="FF0000"/>
+                </a:solidFill>
+                <a:prstDash val="solid"/>
+              </a:ln>
+              <a:solidFill>
+                <a:srgbClr val="FFFFFF"/>
+              </a:solidFill>
+              <a:effectLst>
+                <a:outerShdw blurRad="38100" dist="32000" dir="5400000" algn="tl">
+                  <a:srgbClr val="000000">
+                    <a:alpha val="30000"/>
+                  </a:srgbClr>
+                </a:outerShdw>
+              </a:effectLst>
+              <a:latin typeface="メイリオ" pitchFamily="50" charset="-128"/>
+              <a:ea typeface="メイリオ" pitchFamily="50" charset="-128"/>
+              <a:cs typeface="メイリオ" pitchFamily="50" charset="-128"/>
+            </a:endParaRPr>
+          </a:p>
+          <a:p>
+            <a:pPr marL="228600" indent="-228600" algn="ctr">
+              <a:buFont typeface="+mj-lt"/>
+              <a:buAutoNum type="arabicPeriod"/>
+            </a:pPr>
+            <a:r>
+              <a:rPr lang="ja-JP" altLang="en-US" sz="1050">
+                <a:latin typeface="メイリオ" pitchFamily="50" charset="-128"/>
+                <a:ea typeface="メイリオ" pitchFamily="50" charset="-128"/>
+                <a:cs typeface="メイリオ" pitchFamily="50" charset="-128"/>
+              </a:rPr>
+              <a:t>ゲート検知失敗</a:t>
+            </a:r>
+          </a:p>
+          <a:p>
+            <a:pPr marL="228600" indent="-228600" algn="ctr">
+              <a:buFont typeface="+mj-lt"/>
+              <a:buAutoNum type="arabicPeriod"/>
+            </a:pPr>
+            <a:r>
+              <a:rPr lang="ja-JP" altLang="en-US" sz="1050">
+                <a:latin typeface="メイリオ" pitchFamily="50" charset="-128"/>
+                <a:ea typeface="メイリオ" pitchFamily="50" charset="-128"/>
+                <a:cs typeface="メイリオ" pitchFamily="50" charset="-128"/>
+              </a:rPr>
+              <a:t>ゲート通過角度</a:t>
+            </a:r>
+            <a:r>
+              <a:rPr lang="ja-JP" altLang="en-US" sz="1050">
+                <a:latin typeface="メイリオ" pitchFamily="50" charset="-128"/>
+                <a:ea typeface="メイリオ" pitchFamily="50" charset="-128"/>
+                <a:cs typeface="メイリオ" pitchFamily="50" charset="-128"/>
+              </a:rPr>
+              <a:t>で</a:t>
+            </a:r>
+            <a:r>
+              <a:rPr lang="ja-JP" altLang="en-US" sz="1050" smtClean="0">
+                <a:latin typeface="メイリオ" pitchFamily="50" charset="-128"/>
+                <a:ea typeface="メイリオ" pitchFamily="50" charset="-128"/>
+                <a:cs typeface="メイリオ" pitchFamily="50" charset="-128"/>
+              </a:rPr>
+              <a:t>の</a:t>
+            </a:r>
+            <a:r>
+              <a:rPr lang="en-US" altLang="ja-JP" sz="1050" smtClean="0">
+                <a:latin typeface="メイリオ" pitchFamily="50" charset="-128"/>
+                <a:ea typeface="メイリオ" pitchFamily="50" charset="-128"/>
+                <a:cs typeface="メイリオ" pitchFamily="50" charset="-128"/>
+              </a:rPr>
+              <a:t/>
+            </a:r>
+            <a:br>
+              <a:rPr lang="en-US" altLang="ja-JP" sz="1050" smtClean="0">
+                <a:latin typeface="メイリオ" pitchFamily="50" charset="-128"/>
+                <a:ea typeface="メイリオ" pitchFamily="50" charset="-128"/>
+                <a:cs typeface="メイリオ" pitchFamily="50" charset="-128"/>
+              </a:rPr>
+            </a:br>
+            <a:r>
+              <a:rPr lang="ja-JP" altLang="en-US" sz="1050" smtClean="0">
+                <a:latin typeface="メイリオ" pitchFamily="50" charset="-128"/>
+                <a:ea typeface="メイリオ" pitchFamily="50" charset="-128"/>
+                <a:cs typeface="メイリオ" pitchFamily="50" charset="-128"/>
+              </a:rPr>
+              <a:t>ライントレース</a:t>
+            </a:r>
+            <a:r>
+              <a:rPr lang="ja-JP" altLang="en-US" sz="1050">
+                <a:latin typeface="メイリオ" pitchFamily="50" charset="-128"/>
+                <a:ea typeface="メイリオ" pitchFamily="50" charset="-128"/>
+                <a:cs typeface="メイリオ" pitchFamily="50" charset="-128"/>
+              </a:rPr>
+              <a:t>失敗</a:t>
+            </a:r>
+          </a:p>
+          <a:p>
+            <a:pPr marL="228600" indent="-228600" algn="ctr">
+              <a:buFont typeface="+mj-lt"/>
+              <a:buAutoNum type="arabicPeriod"/>
+            </a:pPr>
+            <a:r>
+              <a:rPr lang="ja-JP" altLang="en-US" sz="1050">
+                <a:latin typeface="メイリオ" pitchFamily="50" charset="-128"/>
+                <a:ea typeface="メイリオ" pitchFamily="50" charset="-128"/>
+                <a:cs typeface="メイリオ" pitchFamily="50" charset="-128"/>
+              </a:rPr>
+              <a:t>ゲート</a:t>
+            </a:r>
+            <a:r>
+              <a:rPr lang="ja-JP" altLang="en-US" sz="1050">
+                <a:latin typeface="メイリオ" pitchFamily="50" charset="-128"/>
+                <a:ea typeface="メイリオ" pitchFamily="50" charset="-128"/>
+                <a:cs typeface="メイリオ" pitchFamily="50" charset="-128"/>
+              </a:rPr>
+              <a:t>通過後</a:t>
+            </a:r>
+            <a:r>
+              <a:rPr lang="ja-JP" altLang="en-US" sz="1050" smtClean="0">
+                <a:latin typeface="メイリオ" pitchFamily="50" charset="-128"/>
+                <a:ea typeface="メイリオ" pitchFamily="50" charset="-128"/>
+                <a:cs typeface="メイリオ" pitchFamily="50" charset="-128"/>
+              </a:rPr>
+              <a:t>の</a:t>
+            </a:r>
+            <a:r>
+              <a:rPr lang="en-US" altLang="ja-JP" sz="1050">
+                <a:latin typeface="メイリオ" pitchFamily="50" charset="-128"/>
+                <a:ea typeface="メイリオ" pitchFamily="50" charset="-128"/>
+                <a:cs typeface="メイリオ" pitchFamily="50" charset="-128"/>
+              </a:rPr>
+              <a:t/>
+            </a:r>
+            <a:br>
+              <a:rPr lang="en-US" altLang="ja-JP" sz="1050">
+                <a:latin typeface="メイリオ" pitchFamily="50" charset="-128"/>
+                <a:ea typeface="メイリオ" pitchFamily="50" charset="-128"/>
+                <a:cs typeface="メイリオ" pitchFamily="50" charset="-128"/>
+              </a:rPr>
+            </a:br>
+            <a:r>
+              <a:rPr lang="ja-JP" altLang="en-US" sz="1050" smtClean="0">
+                <a:latin typeface="メイリオ" pitchFamily="50" charset="-128"/>
+                <a:ea typeface="メイリオ" pitchFamily="50" charset="-128"/>
+                <a:cs typeface="メイリオ" pitchFamily="50" charset="-128"/>
+              </a:rPr>
+              <a:t>角度</a:t>
+            </a:r>
+            <a:r>
+              <a:rPr lang="ja-JP" altLang="en-US" sz="1050">
+                <a:latin typeface="メイリオ" pitchFamily="50" charset="-128"/>
+                <a:ea typeface="メイリオ" pitchFamily="50" charset="-128"/>
+                <a:cs typeface="メイリオ" pitchFamily="50" charset="-128"/>
+              </a:rPr>
+              <a:t>復帰失敗</a:t>
+            </a:r>
+          </a:p>
+        </p:txBody>
+      </p:sp>
+      <p:sp>
+        <p:nvSpPr>
+          <p:cNvPr id="32" name="角丸四角形 31"/>
+          <p:cNvSpPr/>
+          <p:nvPr/>
+        </p:nvSpPr>
+        <p:spPr>
+          <a:xfrm>
+            <a:off x="10001199" y="3010179"/>
+            <a:ext cx="2131665" cy="1553694"/>
+          </a:xfrm>
+          <a:prstGeom prst="roundRect">
+            <a:avLst/>
+          </a:prstGeom>
+        </p:spPr>
+        <p:style>
+          <a:lnRef idx="2">
+            <a:schemeClr val="accent1"/>
+          </a:lnRef>
+          <a:fillRef idx="1">
+            <a:schemeClr val="lt1"/>
+          </a:fillRef>
+          <a:effectRef idx="0">
+            <a:schemeClr val="accent1"/>
+          </a:effectRef>
+          <a:fontRef idx="minor">
+            <a:schemeClr val="dk1"/>
+          </a:fontRef>
+        </p:style>
+        <p:txBody>
+          <a:bodyPr rtlCol="0" anchor="ctr"/>
+          <a:lstStyle/>
+          <a:p>
+            <a:pPr algn="ctr"/>
+            <a:r>
+              <a:rPr lang="en-US" altLang="ja-JP" sz="1200" smtClean="0">
+                <a:ln w="3175">
+                  <a:solidFill>
+                    <a:srgbClr val="0070C0"/>
+                  </a:solidFill>
+                  <a:prstDash val="solid"/>
+                </a:ln>
+                <a:solidFill>
+                  <a:srgbClr val="FFFFFF"/>
+                </a:solidFill>
+                <a:effectLst>
+                  <a:outerShdw blurRad="38100" dist="32000" dir="5400000" algn="tl">
+                    <a:srgbClr val="000000">
+                      <a:alpha val="30000"/>
+                    </a:srgbClr>
+                  </a:outerShdw>
+                </a:effectLst>
+                <a:latin typeface="メイリオ" pitchFamily="50" charset="-128"/>
+                <a:ea typeface="メイリオ" pitchFamily="50" charset="-128"/>
+                <a:cs typeface="メイリオ" pitchFamily="50" charset="-128"/>
+              </a:rPr>
+              <a:t>-</a:t>
+            </a:r>
+            <a:r>
+              <a:rPr lang="ja-JP" altLang="en-US" sz="1200" smtClean="0">
+                <a:ln w="3175">
+                  <a:solidFill>
+                    <a:srgbClr val="0070C0"/>
+                  </a:solidFill>
+                  <a:prstDash val="solid"/>
+                </a:ln>
+                <a:solidFill>
+                  <a:srgbClr val="FFFFFF"/>
+                </a:solidFill>
+                <a:effectLst>
+                  <a:outerShdw blurRad="38100" dist="32000" dir="5400000" algn="tl">
+                    <a:srgbClr val="000000">
+                      <a:alpha val="30000"/>
+                    </a:srgbClr>
+                  </a:outerShdw>
+                </a:effectLst>
+                <a:latin typeface="メイリオ" pitchFamily="50" charset="-128"/>
+                <a:ea typeface="メイリオ" pitchFamily="50" charset="-128"/>
+                <a:cs typeface="メイリオ" pitchFamily="50" charset="-128"/>
+              </a:rPr>
+              <a:t>難関クリア</a:t>
+            </a:r>
+            <a:r>
+              <a:rPr lang="en-US" altLang="ja-JP" sz="1200" smtClean="0">
+                <a:ln w="3175">
+                  <a:solidFill>
+                    <a:srgbClr val="0070C0"/>
+                  </a:solidFill>
+                  <a:prstDash val="solid"/>
+                </a:ln>
+                <a:solidFill>
+                  <a:srgbClr val="FFFFFF"/>
+                </a:solidFill>
+                <a:effectLst>
+                  <a:outerShdw blurRad="38100" dist="32000" dir="5400000" algn="tl">
+                    <a:srgbClr val="000000">
+                      <a:alpha val="30000"/>
+                    </a:srgbClr>
+                  </a:outerShdw>
+                </a:effectLst>
+                <a:latin typeface="メイリオ" pitchFamily="50" charset="-128"/>
+                <a:ea typeface="メイリオ" pitchFamily="50" charset="-128"/>
+                <a:cs typeface="メイリオ" pitchFamily="50" charset="-128"/>
+              </a:rPr>
+              <a:t>-</a:t>
+            </a:r>
+            <a:endParaRPr lang="en-US" altLang="ja-JP" sz="1200">
+              <a:ln w="3175">
+                <a:solidFill>
+                  <a:srgbClr val="0070C0"/>
+                </a:solidFill>
+                <a:prstDash val="solid"/>
+              </a:ln>
+              <a:solidFill>
+                <a:srgbClr val="FFFFFF"/>
+              </a:solidFill>
+              <a:effectLst>
+                <a:outerShdw blurRad="38100" dist="32000" dir="5400000" algn="tl">
+                  <a:srgbClr val="000000">
+                    <a:alpha val="30000"/>
+                  </a:srgbClr>
+                </a:outerShdw>
+              </a:effectLst>
+              <a:latin typeface="メイリオ" pitchFamily="50" charset="-128"/>
+              <a:ea typeface="メイリオ" pitchFamily="50" charset="-128"/>
+              <a:cs typeface="メイリオ" pitchFamily="50" charset="-128"/>
+            </a:endParaRPr>
+          </a:p>
+          <a:p>
+            <a:pPr marL="228600" indent="-228600" algn="ctr">
+              <a:buFont typeface="+mj-lt"/>
+              <a:buAutoNum type="arabicPeriod"/>
+            </a:pPr>
+            <a:r>
+              <a:rPr lang="ja-JP" altLang="en-US" sz="1050" smtClean="0">
+                <a:latin typeface="メイリオ" pitchFamily="50" charset="-128"/>
+                <a:ea typeface="メイリオ" pitchFamily="50" charset="-128"/>
+                <a:cs typeface="メイリオ" pitchFamily="50" charset="-128"/>
+              </a:rPr>
+              <a:t>滑らかな尻尾走行で区間突入。</a:t>
+            </a:r>
+            <a:endParaRPr lang="ja-JP" altLang="en-US" sz="1050">
+              <a:latin typeface="メイリオ" pitchFamily="50" charset="-128"/>
+              <a:ea typeface="メイリオ" pitchFamily="50" charset="-128"/>
+              <a:cs typeface="メイリオ" pitchFamily="50" charset="-128"/>
+            </a:endParaRPr>
+          </a:p>
+          <a:p>
+            <a:pPr marL="228600" indent="-228600" algn="ctr">
+              <a:buFont typeface="+mj-lt"/>
+              <a:buAutoNum type="arabicPeriod"/>
+            </a:pPr>
+            <a:r>
+              <a:rPr lang="ja-JP" altLang="en-US" sz="1050" smtClean="0">
+                <a:latin typeface="メイリオ" pitchFamily="50" charset="-128"/>
+                <a:ea typeface="メイリオ" pitchFamily="50" charset="-128"/>
+                <a:cs typeface="メイリオ" pitchFamily="50" charset="-128"/>
+              </a:rPr>
+              <a:t>ゲート通過時に</a:t>
+            </a:r>
+            <a:r>
+              <a:rPr lang="en-US" altLang="ja-JP" sz="1050" smtClean="0">
+                <a:latin typeface="メイリオ" pitchFamily="50" charset="-128"/>
+                <a:ea typeface="メイリオ" pitchFamily="50" charset="-128"/>
+                <a:cs typeface="メイリオ" pitchFamily="50" charset="-128"/>
+              </a:rPr>
+              <a:t/>
+            </a:r>
+            <a:br>
+              <a:rPr lang="en-US" altLang="ja-JP" sz="1050" smtClean="0">
+                <a:latin typeface="メイリオ" pitchFamily="50" charset="-128"/>
+                <a:ea typeface="メイリオ" pitchFamily="50" charset="-128"/>
+                <a:cs typeface="メイリオ" pitchFamily="50" charset="-128"/>
+              </a:rPr>
+            </a:br>
+            <a:r>
+              <a:rPr lang="ja-JP" altLang="en-US" sz="1050" smtClean="0">
+                <a:latin typeface="メイリオ" pitchFamily="50" charset="-128"/>
+                <a:ea typeface="メイリオ" pitchFamily="50" charset="-128"/>
+                <a:cs typeface="メイリオ" pitchFamily="50" charset="-128"/>
+              </a:rPr>
+              <a:t>目標輝度値を変更</a:t>
+            </a:r>
+            <a:endParaRPr lang="ja-JP" altLang="en-US" sz="1050">
+              <a:latin typeface="メイリオ" pitchFamily="50" charset="-128"/>
+              <a:ea typeface="メイリオ" pitchFamily="50" charset="-128"/>
+              <a:cs typeface="メイリオ" pitchFamily="50" charset="-128"/>
+            </a:endParaRPr>
+          </a:p>
+          <a:p>
+            <a:pPr marL="228600" indent="-228600" algn="ctr">
+              <a:buFont typeface="+mj-lt"/>
+              <a:buAutoNum type="arabicPeriod"/>
+            </a:pPr>
+            <a:r>
+              <a:rPr lang="ja-JP" altLang="en-US" sz="1050" smtClean="0">
+                <a:latin typeface="メイリオ" pitchFamily="50" charset="-128"/>
+                <a:ea typeface="メイリオ" pitchFamily="50" charset="-128"/>
+                <a:cs typeface="メイリオ" pitchFamily="50" charset="-128"/>
+              </a:rPr>
+              <a:t>安定した尻尾角度制御</a:t>
+            </a:r>
+            <a:r>
+              <a:rPr lang="en-US" altLang="ja-JP" sz="1050" smtClean="0">
+                <a:latin typeface="メイリオ" pitchFamily="50" charset="-128"/>
+                <a:ea typeface="メイリオ" pitchFamily="50" charset="-128"/>
+                <a:cs typeface="メイリオ" pitchFamily="50" charset="-128"/>
+              </a:rPr>
+              <a:t/>
+            </a:r>
+            <a:br>
+              <a:rPr lang="en-US" altLang="ja-JP" sz="1050" smtClean="0">
+                <a:latin typeface="メイリオ" pitchFamily="50" charset="-128"/>
+                <a:ea typeface="メイリオ" pitchFamily="50" charset="-128"/>
+                <a:cs typeface="メイリオ" pitchFamily="50" charset="-128"/>
+              </a:rPr>
+            </a:br>
+            <a:r>
+              <a:rPr lang="en-US" altLang="ja-JP" sz="1050" smtClean="0">
+                <a:latin typeface="メイリオ" pitchFamily="50" charset="-128"/>
+                <a:ea typeface="メイリオ" pitchFamily="50" charset="-128"/>
+                <a:cs typeface="メイリオ" pitchFamily="50" charset="-128"/>
+              </a:rPr>
+              <a:t>(p.5 </a:t>
+            </a:r>
+            <a:r>
+              <a:rPr lang="ja-JP" altLang="en-US" sz="1050" smtClean="0">
+                <a:latin typeface="メイリオ" pitchFamily="50" charset="-128"/>
+                <a:ea typeface="メイリオ" pitchFamily="50" charset="-128"/>
+                <a:cs typeface="メイリオ" pitchFamily="50" charset="-128"/>
+              </a:rPr>
+              <a:t>要素技術</a:t>
+            </a:r>
+            <a:r>
+              <a:rPr lang="en-US" altLang="ja-JP" sz="1050" smtClean="0">
+                <a:latin typeface="メイリオ" pitchFamily="50" charset="-128"/>
+                <a:ea typeface="メイリオ" pitchFamily="50" charset="-128"/>
+                <a:cs typeface="メイリオ" pitchFamily="50" charset="-128"/>
+              </a:rPr>
+              <a:t>)</a:t>
+            </a:r>
+            <a:endParaRPr lang="ja-JP" altLang="en-US" sz="1050">
+              <a:latin typeface="メイリオ" pitchFamily="50" charset="-128"/>
+              <a:ea typeface="メイリオ" pitchFamily="50" charset="-128"/>
+              <a:cs typeface="メイリオ" pitchFamily="50" charset="-128"/>
+            </a:endParaRPr>
+          </a:p>
+        </p:txBody>
+      </p:sp>
+      <p:sp>
+        <p:nvSpPr>
+          <p:cNvPr id="33" name="右矢印 32"/>
+          <p:cNvSpPr/>
+          <p:nvPr/>
+        </p:nvSpPr>
+        <p:spPr>
+          <a:xfrm rot="5400000">
+            <a:off x="10907973" y="2611029"/>
+            <a:ext cx="428271" cy="350471"/>
+          </a:xfrm>
+          <a:prstGeom prst="rightArrow">
+            <a:avLst/>
+          </a:prstGeom>
+        </p:spPr>
+        <p:style>
+          <a:lnRef idx="2">
+            <a:schemeClr val="accent1">
+              <a:shade val="50000"/>
+            </a:schemeClr>
+          </a:lnRef>
+          <a:fillRef idx="1">
+            <a:schemeClr val="accent1"/>
+          </a:fillRef>
+          <a:effectRef idx="0">
+            <a:schemeClr val="accent1"/>
+          </a:effectRef>
+          <a:fontRef idx="minor">
+            <a:schemeClr val="lt1"/>
+          </a:fontRef>
+        </p:style>
+        <p:txBody>
+          <a:bodyPr rtlCol="0" anchor="ctr"/>
+          <a:lstStyle/>
+          <a:p>
+            <a:pPr algn="ctr"/>
+            <a:endParaRPr kumimoji="1" lang="ja-JP" altLang="en-US"/>
+          </a:p>
+        </p:txBody>
+      </p:sp>
+      <p:sp>
+        <p:nvSpPr>
+          <p:cNvPr id="34" name="角丸四角形 33"/>
+          <p:cNvSpPr/>
+          <p:nvPr/>
+        </p:nvSpPr>
+        <p:spPr>
+          <a:xfrm>
+            <a:off x="4168552" y="940470"/>
+            <a:ext cx="3194124" cy="1195834"/>
+          </a:xfrm>
+          <a:prstGeom prst="roundRect">
+            <a:avLst/>
+          </a:prstGeom>
+        </p:spPr>
+        <p:style>
+          <a:lnRef idx="2">
+            <a:schemeClr val="accent2"/>
+          </a:lnRef>
+          <a:fillRef idx="1">
+            <a:schemeClr val="lt1"/>
+          </a:fillRef>
+          <a:effectRef idx="0">
+            <a:schemeClr val="accent2"/>
+          </a:effectRef>
+          <a:fontRef idx="minor">
+            <a:schemeClr val="dk1"/>
+          </a:fontRef>
+        </p:style>
+        <p:txBody>
+          <a:bodyPr rtlCol="0" anchor="ctr"/>
+          <a:lstStyle/>
+          <a:p>
+            <a:pPr algn="ctr"/>
+            <a:r>
+              <a:rPr lang="en-US" altLang="ja-JP" sz="1200" smtClean="0">
+                <a:ln w="3175">
+                  <a:solidFill>
+                    <a:srgbClr val="FF0000"/>
+                  </a:solidFill>
+                  <a:prstDash val="solid"/>
+                </a:ln>
+                <a:solidFill>
+                  <a:srgbClr val="FFFFFF"/>
+                </a:solidFill>
+                <a:effectLst>
+                  <a:outerShdw blurRad="38100" dist="32000" dir="5400000" algn="tl">
+                    <a:srgbClr val="000000">
+                      <a:alpha val="30000"/>
+                    </a:srgbClr>
+                  </a:outerShdw>
+                </a:effectLst>
+                <a:latin typeface="メイリオ" pitchFamily="50" charset="-128"/>
+                <a:ea typeface="メイリオ" pitchFamily="50" charset="-128"/>
+                <a:cs typeface="メイリオ" pitchFamily="50" charset="-128"/>
+              </a:rPr>
+              <a:t>-</a:t>
+            </a:r>
+            <a:r>
+              <a:rPr lang="ja-JP" altLang="en-US" sz="1200">
+                <a:ln w="3175">
+                  <a:solidFill>
+                    <a:srgbClr val="FF0000"/>
+                  </a:solidFill>
+                  <a:prstDash val="solid"/>
+                </a:ln>
+                <a:solidFill>
+                  <a:srgbClr val="FFFFFF"/>
+                </a:solidFill>
+                <a:effectLst>
+                  <a:outerShdw blurRad="38100" dist="32000" dir="5400000" algn="tl">
+                    <a:srgbClr val="000000">
+                      <a:alpha val="30000"/>
+                    </a:srgbClr>
+                  </a:outerShdw>
+                </a:effectLst>
+                <a:latin typeface="メイリオ" pitchFamily="50" charset="-128"/>
+                <a:ea typeface="メイリオ" pitchFamily="50" charset="-128"/>
+                <a:cs typeface="メイリオ" pitchFamily="50" charset="-128"/>
+              </a:rPr>
+              <a:t>危険</a:t>
+            </a:r>
+            <a:r>
+              <a:rPr lang="ja-JP" altLang="en-US" sz="1200" smtClean="0">
+                <a:ln w="3175">
+                  <a:solidFill>
+                    <a:srgbClr val="FF0000"/>
+                  </a:solidFill>
+                  <a:prstDash val="solid"/>
+                </a:ln>
+                <a:solidFill>
+                  <a:srgbClr val="FFFFFF"/>
+                </a:solidFill>
+                <a:effectLst>
+                  <a:outerShdw blurRad="38100" dist="32000" dir="5400000" algn="tl">
+                    <a:srgbClr val="000000">
+                      <a:alpha val="30000"/>
+                    </a:srgbClr>
+                  </a:outerShdw>
+                </a:effectLst>
+                <a:latin typeface="メイリオ" pitchFamily="50" charset="-128"/>
+                <a:ea typeface="メイリオ" pitchFamily="50" charset="-128"/>
+                <a:cs typeface="メイリオ" pitchFamily="50" charset="-128"/>
+              </a:rPr>
+              <a:t>ポイント</a:t>
+            </a:r>
+            <a:r>
+              <a:rPr lang="en-US" altLang="ja-JP" sz="1200" smtClean="0">
+                <a:ln w="3175">
+                  <a:solidFill>
+                    <a:srgbClr val="FF0000"/>
+                  </a:solidFill>
+                  <a:prstDash val="solid"/>
+                </a:ln>
+                <a:solidFill>
+                  <a:srgbClr val="FFFFFF"/>
+                </a:solidFill>
+                <a:effectLst>
+                  <a:outerShdw blurRad="38100" dist="32000" dir="5400000" algn="tl">
+                    <a:srgbClr val="000000">
+                      <a:alpha val="30000"/>
+                    </a:srgbClr>
+                  </a:outerShdw>
+                </a:effectLst>
+                <a:latin typeface="メイリオ" pitchFamily="50" charset="-128"/>
+                <a:ea typeface="メイリオ" pitchFamily="50" charset="-128"/>
+                <a:cs typeface="メイリオ" pitchFamily="50" charset="-128"/>
+              </a:rPr>
+              <a:t>-</a:t>
+            </a:r>
+            <a:endParaRPr lang="en-US" altLang="ja-JP" sz="1200">
+              <a:ln w="3175">
+                <a:solidFill>
+                  <a:srgbClr val="FF0000"/>
+                </a:solidFill>
+                <a:prstDash val="solid"/>
+              </a:ln>
+              <a:solidFill>
+                <a:srgbClr val="FFFFFF"/>
+              </a:solidFill>
+              <a:effectLst>
+                <a:outerShdw blurRad="38100" dist="32000" dir="5400000" algn="tl">
+                  <a:srgbClr val="000000">
+                    <a:alpha val="30000"/>
+                  </a:srgbClr>
+                </a:outerShdw>
+              </a:effectLst>
+              <a:latin typeface="メイリオ" pitchFamily="50" charset="-128"/>
+              <a:ea typeface="メイリオ" pitchFamily="50" charset="-128"/>
+              <a:cs typeface="メイリオ" pitchFamily="50" charset="-128"/>
+            </a:endParaRPr>
+          </a:p>
+          <a:p>
+            <a:pPr marL="228600" indent="-228600" algn="ctr">
+              <a:buFont typeface="+mj-lt"/>
+              <a:buAutoNum type="arabicPeriod"/>
+            </a:pPr>
+            <a:r>
+              <a:rPr lang="ja-JP" altLang="en-US" sz="1050" u="sng" smtClean="0">
+                <a:latin typeface="メイリオ" pitchFamily="50" charset="-128"/>
+                <a:ea typeface="メイリオ" pitchFamily="50" charset="-128"/>
+                <a:cs typeface="メイリオ" pitchFamily="50" charset="-128"/>
+              </a:rPr>
+              <a:t>段差通過</a:t>
+            </a:r>
+            <a:r>
+              <a:rPr lang="ja-JP" altLang="en-US" sz="1050" smtClean="0">
+                <a:latin typeface="メイリオ" pitchFamily="50" charset="-128"/>
+                <a:ea typeface="メイリオ" pitchFamily="50" charset="-128"/>
+                <a:cs typeface="メイリオ" pitchFamily="50" charset="-128"/>
+              </a:rPr>
+              <a:t>失敗</a:t>
+            </a:r>
+            <a:endParaRPr lang="ja-JP" altLang="en-US" sz="1050">
+              <a:latin typeface="メイリオ" pitchFamily="50" charset="-128"/>
+              <a:ea typeface="メイリオ" pitchFamily="50" charset="-128"/>
+              <a:cs typeface="メイリオ" pitchFamily="50" charset="-128"/>
+            </a:endParaRPr>
+          </a:p>
+          <a:p>
+            <a:pPr marL="228600" indent="-228600" algn="ctr">
+              <a:buFont typeface="+mj-lt"/>
+              <a:buAutoNum type="arabicPeriod"/>
+            </a:pPr>
+            <a:r>
+              <a:rPr lang="ja-JP" altLang="en-US" sz="1050" u="sng" smtClean="0">
+                <a:latin typeface="メイリオ" pitchFamily="50" charset="-128"/>
+                <a:ea typeface="メイリオ" pitchFamily="50" charset="-128"/>
+                <a:cs typeface="メイリオ" pitchFamily="50" charset="-128"/>
+              </a:rPr>
+              <a:t>段上でライントレース</a:t>
+            </a:r>
+            <a:r>
+              <a:rPr lang="ja-JP" altLang="en-US" sz="1050" smtClean="0">
+                <a:latin typeface="メイリオ" pitchFamily="50" charset="-128"/>
+                <a:ea typeface="メイリオ" pitchFamily="50" charset="-128"/>
+                <a:cs typeface="メイリオ" pitchFamily="50" charset="-128"/>
+              </a:rPr>
+              <a:t>失敗</a:t>
+            </a:r>
+            <a:endParaRPr lang="ja-JP" altLang="en-US" sz="1050">
+              <a:latin typeface="メイリオ" pitchFamily="50" charset="-128"/>
+              <a:ea typeface="メイリオ" pitchFamily="50" charset="-128"/>
+              <a:cs typeface="メイリオ" pitchFamily="50" charset="-128"/>
+            </a:endParaRPr>
+          </a:p>
+          <a:p>
+            <a:pPr marL="228600" indent="-228600" algn="ctr">
+              <a:buFont typeface="+mj-lt"/>
+              <a:buAutoNum type="arabicPeriod"/>
+            </a:pPr>
+            <a:r>
+              <a:rPr lang="ja-JP" altLang="en-US" sz="1050" u="sng" smtClean="0">
+                <a:latin typeface="メイリオ" pitchFamily="50" charset="-128"/>
+                <a:ea typeface="メイリオ" pitchFamily="50" charset="-128"/>
+                <a:cs typeface="メイリオ" pitchFamily="50" charset="-128"/>
+              </a:rPr>
+              <a:t>直角カーブ検知</a:t>
+            </a:r>
+            <a:r>
+              <a:rPr lang="ja-JP" altLang="en-US" sz="1050" smtClean="0">
+                <a:latin typeface="メイリオ" pitchFamily="50" charset="-128"/>
+                <a:ea typeface="メイリオ" pitchFamily="50" charset="-128"/>
+                <a:cs typeface="メイリオ" pitchFamily="50" charset="-128"/>
+              </a:rPr>
+              <a:t>失敗でコースアウト</a:t>
+            </a:r>
+            <a:endParaRPr lang="en-US" altLang="ja-JP" sz="1050" smtClean="0">
+              <a:latin typeface="メイリオ" pitchFamily="50" charset="-128"/>
+              <a:ea typeface="メイリオ" pitchFamily="50" charset="-128"/>
+              <a:cs typeface="メイリオ" pitchFamily="50" charset="-128"/>
+            </a:endParaRPr>
+          </a:p>
+          <a:p>
+            <a:pPr marL="228600" indent="-228600" algn="ctr">
+              <a:buFont typeface="+mj-lt"/>
+              <a:buAutoNum type="arabicPeriod"/>
+            </a:pPr>
+            <a:r>
+              <a:rPr lang="ja-JP" altLang="en-US" sz="1050" u="sng">
+                <a:latin typeface="メイリオ" pitchFamily="50" charset="-128"/>
+                <a:ea typeface="メイリオ" pitchFamily="50" charset="-128"/>
+                <a:cs typeface="メイリオ" pitchFamily="50" charset="-128"/>
+              </a:rPr>
+              <a:t>直角</a:t>
+            </a:r>
+            <a:r>
+              <a:rPr lang="ja-JP" altLang="en-US" sz="1050" u="sng" smtClean="0">
+                <a:latin typeface="メイリオ" pitchFamily="50" charset="-128"/>
+                <a:ea typeface="メイリオ" pitchFamily="50" charset="-128"/>
+                <a:cs typeface="メイリオ" pitchFamily="50" charset="-128"/>
+              </a:rPr>
+              <a:t>カーブ旋回</a:t>
+            </a:r>
+            <a:r>
+              <a:rPr lang="ja-JP" altLang="en-US" sz="1050" smtClean="0">
+                <a:latin typeface="メイリオ" pitchFamily="50" charset="-128"/>
+                <a:ea typeface="メイリオ" pitchFamily="50" charset="-128"/>
+                <a:cs typeface="メイリオ" pitchFamily="50" charset="-128"/>
+              </a:rPr>
+              <a:t>失敗でコースアウト</a:t>
+            </a:r>
+            <a:endParaRPr lang="en-US" altLang="ja-JP" sz="1050" smtClean="0">
+              <a:latin typeface="メイリオ" pitchFamily="50" charset="-128"/>
+              <a:ea typeface="メイリオ" pitchFamily="50" charset="-128"/>
+              <a:cs typeface="メイリオ" pitchFamily="50" charset="-128"/>
+            </a:endParaRPr>
+          </a:p>
+          <a:p>
+            <a:pPr marL="228600" indent="-228600" algn="ctr">
+              <a:buFont typeface="+mj-lt"/>
+              <a:buAutoNum type="arabicPeriod"/>
+            </a:pPr>
+            <a:r>
+              <a:rPr lang="ja-JP" altLang="en-US" sz="1050" u="sng" smtClean="0">
+                <a:latin typeface="メイリオ" pitchFamily="50" charset="-128"/>
+                <a:ea typeface="メイリオ" pitchFamily="50" charset="-128"/>
+                <a:cs typeface="メイリオ" pitchFamily="50" charset="-128"/>
+              </a:rPr>
+              <a:t>段差からの落下</a:t>
+            </a:r>
+            <a:r>
+              <a:rPr lang="ja-JP" altLang="en-US" sz="1050" smtClean="0">
+                <a:latin typeface="メイリオ" pitchFamily="50" charset="-128"/>
+                <a:ea typeface="メイリオ" pitchFamily="50" charset="-128"/>
+                <a:cs typeface="メイリオ" pitchFamily="50" charset="-128"/>
+              </a:rPr>
+              <a:t>失敗</a:t>
+            </a:r>
+            <a:endParaRPr lang="ja-JP" altLang="en-US" sz="1050">
+              <a:latin typeface="メイリオ" pitchFamily="50" charset="-128"/>
+              <a:ea typeface="メイリオ" pitchFamily="50" charset="-128"/>
+              <a:cs typeface="メイリオ" pitchFamily="50" charset="-128"/>
+            </a:endParaRPr>
+          </a:p>
+        </p:txBody>
+      </p:sp>
+      <p:sp>
+        <p:nvSpPr>
+          <p:cNvPr id="35" name="角丸四角形 34"/>
+          <p:cNvSpPr/>
+          <p:nvPr/>
+        </p:nvSpPr>
+        <p:spPr>
+          <a:xfrm>
+            <a:off x="4168552" y="2483455"/>
+            <a:ext cx="3168352" cy="1453049"/>
+          </a:xfrm>
+          <a:prstGeom prst="roundRect">
+            <a:avLst/>
+          </a:prstGeom>
+        </p:spPr>
+        <p:style>
+          <a:lnRef idx="2">
+            <a:schemeClr val="accent1"/>
+          </a:lnRef>
+          <a:fillRef idx="1">
+            <a:schemeClr val="lt1"/>
+          </a:fillRef>
+          <a:effectRef idx="0">
+            <a:schemeClr val="accent1"/>
+          </a:effectRef>
+          <a:fontRef idx="minor">
+            <a:schemeClr val="dk1"/>
+          </a:fontRef>
+        </p:style>
+        <p:txBody>
+          <a:bodyPr rtlCol="0" anchor="ctr"/>
+          <a:lstStyle/>
+          <a:p>
+            <a:pPr algn="ctr"/>
+            <a:r>
+              <a:rPr lang="en-US" altLang="ja-JP" sz="1200" smtClean="0">
+                <a:ln w="3175">
+                  <a:solidFill>
+                    <a:srgbClr val="0070C0"/>
+                  </a:solidFill>
+                  <a:prstDash val="solid"/>
+                </a:ln>
+                <a:solidFill>
+                  <a:srgbClr val="FFFFFF"/>
+                </a:solidFill>
+                <a:effectLst>
+                  <a:outerShdw blurRad="38100" dist="32000" dir="5400000" algn="tl">
+                    <a:srgbClr val="000000">
+                      <a:alpha val="30000"/>
+                    </a:srgbClr>
+                  </a:outerShdw>
+                </a:effectLst>
+                <a:latin typeface="メイリオ" pitchFamily="50" charset="-128"/>
+                <a:ea typeface="メイリオ" pitchFamily="50" charset="-128"/>
+                <a:cs typeface="メイリオ" pitchFamily="50" charset="-128"/>
+              </a:rPr>
+              <a:t>-</a:t>
+            </a:r>
+            <a:r>
+              <a:rPr lang="ja-JP" altLang="en-US" sz="1200" smtClean="0">
+                <a:ln w="3175">
+                  <a:solidFill>
+                    <a:srgbClr val="0070C0"/>
+                  </a:solidFill>
+                  <a:prstDash val="solid"/>
+                </a:ln>
+                <a:solidFill>
+                  <a:srgbClr val="FFFFFF"/>
+                </a:solidFill>
+                <a:effectLst>
+                  <a:outerShdw blurRad="38100" dist="32000" dir="5400000" algn="tl">
+                    <a:srgbClr val="000000">
+                      <a:alpha val="30000"/>
+                    </a:srgbClr>
+                  </a:outerShdw>
+                </a:effectLst>
+                <a:latin typeface="メイリオ" pitchFamily="50" charset="-128"/>
+                <a:ea typeface="メイリオ" pitchFamily="50" charset="-128"/>
+                <a:cs typeface="メイリオ" pitchFamily="50" charset="-128"/>
+              </a:rPr>
+              <a:t>難関クリア</a:t>
+            </a:r>
+            <a:r>
+              <a:rPr lang="en-US" altLang="ja-JP" sz="1200" smtClean="0">
+                <a:ln w="3175">
+                  <a:solidFill>
+                    <a:srgbClr val="0070C0"/>
+                  </a:solidFill>
+                  <a:prstDash val="solid"/>
+                </a:ln>
+                <a:solidFill>
+                  <a:srgbClr val="FFFFFF"/>
+                </a:solidFill>
+                <a:effectLst>
+                  <a:outerShdw blurRad="38100" dist="32000" dir="5400000" algn="tl">
+                    <a:srgbClr val="000000">
+                      <a:alpha val="30000"/>
+                    </a:srgbClr>
+                  </a:outerShdw>
+                </a:effectLst>
+                <a:latin typeface="メイリオ" pitchFamily="50" charset="-128"/>
+                <a:ea typeface="メイリオ" pitchFamily="50" charset="-128"/>
+                <a:cs typeface="メイリオ" pitchFamily="50" charset="-128"/>
+              </a:rPr>
+              <a:t>-</a:t>
+            </a:r>
+          </a:p>
+          <a:p>
+            <a:pPr marL="228600" indent="-228600" algn="ctr">
+              <a:buFont typeface="+mj-lt"/>
+              <a:buAutoNum type="arabicPeriod"/>
+            </a:pPr>
+            <a:r>
+              <a:rPr lang="ja-JP" altLang="en-US" sz="1050" smtClean="0">
+                <a:latin typeface="メイリオ" pitchFamily="50" charset="-128"/>
+                <a:ea typeface="メイリオ" pitchFamily="50" charset="-128"/>
+                <a:cs typeface="メイリオ" pitchFamily="50" charset="-128"/>
+              </a:rPr>
+              <a:t>短距離での十分な加速を実現</a:t>
+            </a:r>
+            <a:endParaRPr lang="ja-JP" altLang="en-US" sz="1050">
+              <a:latin typeface="メイリオ" pitchFamily="50" charset="-128"/>
+              <a:ea typeface="メイリオ" pitchFamily="50" charset="-128"/>
+              <a:cs typeface="メイリオ" pitchFamily="50" charset="-128"/>
+            </a:endParaRPr>
+          </a:p>
+          <a:p>
+            <a:pPr marL="228600" indent="-228600" algn="ctr">
+              <a:buFont typeface="+mj-lt"/>
+              <a:buAutoNum type="arabicPeriod"/>
+            </a:pPr>
+            <a:r>
+              <a:rPr lang="ja-JP" altLang="en-US" sz="1050" smtClean="0">
+                <a:latin typeface="メイリオ" pitchFamily="50" charset="-128"/>
+                <a:ea typeface="メイリオ" pitchFamily="50" charset="-128"/>
+                <a:cs typeface="メイリオ" pitchFamily="50" charset="-128"/>
+              </a:rPr>
+              <a:t>段上での目標輝度値を変更</a:t>
+            </a:r>
+            <a:endParaRPr lang="ja-JP" altLang="en-US" sz="1050">
+              <a:latin typeface="メイリオ" pitchFamily="50" charset="-128"/>
+              <a:ea typeface="メイリオ" pitchFamily="50" charset="-128"/>
+              <a:cs typeface="メイリオ" pitchFamily="50" charset="-128"/>
+            </a:endParaRPr>
+          </a:p>
+          <a:p>
+            <a:pPr marL="228600" indent="-228600" algn="ctr">
+              <a:buFont typeface="+mj-lt"/>
+              <a:buAutoNum type="arabicPeriod"/>
+            </a:pPr>
+            <a:r>
+              <a:rPr lang="ja-JP" altLang="en-US" sz="1050" smtClean="0">
+                <a:latin typeface="メイリオ" pitchFamily="50" charset="-128"/>
+                <a:ea typeface="メイリオ" pitchFamily="50" charset="-128"/>
+                <a:cs typeface="メイリオ" pitchFamily="50" charset="-128"/>
+              </a:rPr>
+              <a:t>走行ログから、直角カーブ時の輝度値の変化の傾向を算出し実装</a:t>
+            </a:r>
+            <a:endParaRPr lang="en-US" altLang="ja-JP" sz="1050" smtClean="0">
+              <a:latin typeface="メイリオ" pitchFamily="50" charset="-128"/>
+              <a:ea typeface="メイリオ" pitchFamily="50" charset="-128"/>
+              <a:cs typeface="メイリオ" pitchFamily="50" charset="-128"/>
+            </a:endParaRPr>
+          </a:p>
+          <a:p>
+            <a:pPr marL="228600" indent="-228600" algn="ctr">
+              <a:buFont typeface="+mj-lt"/>
+              <a:buAutoNum type="arabicPeriod"/>
+            </a:pPr>
+            <a:r>
+              <a:rPr lang="ja-JP" altLang="en-US" sz="1050" smtClean="0">
+                <a:latin typeface="メイリオ" pitchFamily="50" charset="-128"/>
+                <a:ea typeface="メイリオ" pitchFamily="50" charset="-128"/>
+                <a:cs typeface="メイリオ" pitchFamily="50" charset="-128"/>
+              </a:rPr>
+              <a:t>検出後、その場で回転することで安定した旋回を実現</a:t>
+            </a:r>
+            <a:endParaRPr lang="en-US" altLang="ja-JP" sz="1050" smtClean="0">
+              <a:latin typeface="メイリオ" pitchFamily="50" charset="-128"/>
+              <a:ea typeface="メイリオ" pitchFamily="50" charset="-128"/>
+              <a:cs typeface="メイリオ" pitchFamily="50" charset="-128"/>
+            </a:endParaRPr>
+          </a:p>
+          <a:p>
+            <a:pPr marL="228600" indent="-228600" algn="ctr">
+              <a:buFont typeface="+mj-lt"/>
+              <a:buAutoNum type="arabicPeriod"/>
+            </a:pPr>
+            <a:r>
+              <a:rPr lang="ja-JP" altLang="en-US" sz="1050" smtClean="0">
+                <a:latin typeface="メイリオ" pitchFamily="50" charset="-128"/>
+                <a:ea typeface="メイリオ" pitchFamily="50" charset="-128"/>
+                <a:cs typeface="メイリオ" pitchFamily="50" charset="-128"/>
+              </a:rPr>
+              <a:t>低速落下及び落下後のライン復帰でクリア</a:t>
+            </a:r>
+            <a:endParaRPr lang="en-US" altLang="ja-JP" sz="1050" smtClean="0">
+              <a:latin typeface="メイリオ" pitchFamily="50" charset="-128"/>
+              <a:ea typeface="メイリオ" pitchFamily="50" charset="-128"/>
+              <a:cs typeface="メイリオ" pitchFamily="50" charset="-128"/>
+            </a:endParaRPr>
+          </a:p>
+        </p:txBody>
+      </p:sp>
+      <p:sp>
+        <p:nvSpPr>
+          <p:cNvPr id="11" name="正方形/長方形 10"/>
+          <p:cNvSpPr/>
+          <p:nvPr/>
+        </p:nvSpPr>
+        <p:spPr>
+          <a:xfrm>
+            <a:off x="236687" y="840160"/>
+            <a:ext cx="1224136" cy="400110"/>
+          </a:xfrm>
+          <a:prstGeom prst="rect">
+            <a:avLst/>
+          </a:prstGeom>
+        </p:spPr>
+        <p:style>
+          <a:lnRef idx="2">
+            <a:schemeClr val="accent1">
+              <a:shade val="50000"/>
+            </a:schemeClr>
+          </a:lnRef>
+          <a:fillRef idx="1">
+            <a:schemeClr val="accent1"/>
+          </a:fillRef>
+          <a:effectRef idx="0">
+            <a:schemeClr val="accent1"/>
+          </a:effectRef>
+          <a:fontRef idx="minor">
+            <a:schemeClr val="lt1"/>
+          </a:fontRef>
+        </p:style>
+        <p:txBody>
+          <a:bodyPr rtlCol="0" anchor="ctr">
+            <a:spAutoFit/>
+          </a:bodyPr>
+          <a:lstStyle/>
+          <a:p>
+            <a:pPr algn="ctr"/>
+            <a:r>
+              <a:rPr lang="ja-JP" altLang="en-US" sz="2000" dirty="0">
+                <a:latin typeface="メイリオ" pitchFamily="50" charset="-128"/>
+                <a:ea typeface="メイリオ" pitchFamily="50" charset="-128"/>
+                <a:cs typeface="メイリオ" pitchFamily="50" charset="-128"/>
+              </a:rPr>
+              <a:t>階段</a:t>
+            </a:r>
+            <a:endParaRPr kumimoji="1" lang="ja-JP" altLang="en-US" sz="2000" dirty="0">
+              <a:latin typeface="メイリオ" pitchFamily="50" charset="-128"/>
+              <a:ea typeface="メイリオ" pitchFamily="50" charset="-128"/>
+              <a:cs typeface="メイリオ" pitchFamily="50" charset="-128"/>
+            </a:endParaRPr>
+          </a:p>
+        </p:txBody>
+      </p:sp>
+      <p:sp>
+        <p:nvSpPr>
+          <p:cNvPr id="38" name="角丸四角形 37"/>
+          <p:cNvSpPr/>
+          <p:nvPr/>
+        </p:nvSpPr>
+        <p:spPr>
+          <a:xfrm>
+            <a:off x="4142780" y="4944616"/>
+            <a:ext cx="3194124" cy="1195834"/>
+          </a:xfrm>
+          <a:prstGeom prst="roundRect">
+            <a:avLst/>
+          </a:prstGeom>
+        </p:spPr>
+        <p:style>
+          <a:lnRef idx="2">
+            <a:schemeClr val="accent2"/>
+          </a:lnRef>
+          <a:fillRef idx="1">
+            <a:schemeClr val="lt1"/>
+          </a:fillRef>
+          <a:effectRef idx="0">
+            <a:schemeClr val="accent2"/>
+          </a:effectRef>
+          <a:fontRef idx="minor">
+            <a:schemeClr val="dk1"/>
+          </a:fontRef>
+        </p:style>
+        <p:txBody>
+          <a:bodyPr rtlCol="0" anchor="ctr"/>
+          <a:lstStyle/>
+          <a:p>
+            <a:pPr algn="ctr"/>
+            <a:r>
+              <a:rPr lang="en-US" altLang="ja-JP" sz="1200" smtClean="0">
+                <a:ln w="3175">
+                  <a:solidFill>
+                    <a:srgbClr val="FF0000"/>
+                  </a:solidFill>
+                  <a:prstDash val="solid"/>
+                </a:ln>
+                <a:solidFill>
+                  <a:srgbClr val="FFFFFF"/>
+                </a:solidFill>
+                <a:effectLst>
+                  <a:outerShdw blurRad="38100" dist="32000" dir="5400000" algn="tl">
+                    <a:srgbClr val="000000">
+                      <a:alpha val="30000"/>
+                    </a:srgbClr>
+                  </a:outerShdw>
+                </a:effectLst>
+                <a:latin typeface="メイリオ" pitchFamily="50" charset="-128"/>
+                <a:ea typeface="メイリオ" pitchFamily="50" charset="-128"/>
+                <a:cs typeface="メイリオ" pitchFamily="50" charset="-128"/>
+              </a:rPr>
+              <a:t>-</a:t>
+            </a:r>
+            <a:r>
+              <a:rPr lang="ja-JP" altLang="en-US" sz="1200">
+                <a:ln w="3175">
+                  <a:solidFill>
+                    <a:srgbClr val="FF0000"/>
+                  </a:solidFill>
+                  <a:prstDash val="solid"/>
+                </a:ln>
+                <a:solidFill>
+                  <a:srgbClr val="FFFFFF"/>
+                </a:solidFill>
+                <a:effectLst>
+                  <a:outerShdw blurRad="38100" dist="32000" dir="5400000" algn="tl">
+                    <a:srgbClr val="000000">
+                      <a:alpha val="30000"/>
+                    </a:srgbClr>
+                  </a:outerShdw>
+                </a:effectLst>
+                <a:latin typeface="メイリオ" pitchFamily="50" charset="-128"/>
+                <a:ea typeface="メイリオ" pitchFamily="50" charset="-128"/>
+                <a:cs typeface="メイリオ" pitchFamily="50" charset="-128"/>
+              </a:rPr>
+              <a:t>危険</a:t>
+            </a:r>
+            <a:r>
+              <a:rPr lang="ja-JP" altLang="en-US" sz="1200" smtClean="0">
+                <a:ln w="3175">
+                  <a:solidFill>
+                    <a:srgbClr val="FF0000"/>
+                  </a:solidFill>
+                  <a:prstDash val="solid"/>
+                </a:ln>
+                <a:solidFill>
+                  <a:srgbClr val="FFFFFF"/>
+                </a:solidFill>
+                <a:effectLst>
+                  <a:outerShdw blurRad="38100" dist="32000" dir="5400000" algn="tl">
+                    <a:srgbClr val="000000">
+                      <a:alpha val="30000"/>
+                    </a:srgbClr>
+                  </a:outerShdw>
+                </a:effectLst>
+                <a:latin typeface="メイリオ" pitchFamily="50" charset="-128"/>
+                <a:ea typeface="メイリオ" pitchFamily="50" charset="-128"/>
+                <a:cs typeface="メイリオ" pitchFamily="50" charset="-128"/>
+              </a:rPr>
+              <a:t>ポイント</a:t>
+            </a:r>
+            <a:r>
+              <a:rPr lang="en-US" altLang="ja-JP" sz="1200" smtClean="0">
+                <a:ln w="3175">
+                  <a:solidFill>
+                    <a:srgbClr val="FF0000"/>
+                  </a:solidFill>
+                  <a:prstDash val="solid"/>
+                </a:ln>
+                <a:solidFill>
+                  <a:srgbClr val="FFFFFF"/>
+                </a:solidFill>
+                <a:effectLst>
+                  <a:outerShdw blurRad="38100" dist="32000" dir="5400000" algn="tl">
+                    <a:srgbClr val="000000">
+                      <a:alpha val="30000"/>
+                    </a:srgbClr>
+                  </a:outerShdw>
+                </a:effectLst>
+                <a:latin typeface="メイリオ" pitchFamily="50" charset="-128"/>
+                <a:ea typeface="メイリオ" pitchFamily="50" charset="-128"/>
+                <a:cs typeface="メイリオ" pitchFamily="50" charset="-128"/>
+              </a:rPr>
+              <a:t>-</a:t>
+            </a:r>
+            <a:endParaRPr lang="en-US" altLang="ja-JP" sz="1200">
+              <a:ln w="3175">
+                <a:solidFill>
+                  <a:srgbClr val="FF0000"/>
+                </a:solidFill>
+                <a:prstDash val="solid"/>
+              </a:ln>
+              <a:solidFill>
+                <a:srgbClr val="FFFFFF"/>
+              </a:solidFill>
+              <a:effectLst>
+                <a:outerShdw blurRad="38100" dist="32000" dir="5400000" algn="tl">
+                  <a:srgbClr val="000000">
+                    <a:alpha val="30000"/>
+                  </a:srgbClr>
+                </a:outerShdw>
+              </a:effectLst>
+              <a:latin typeface="メイリオ" pitchFamily="50" charset="-128"/>
+              <a:ea typeface="メイリオ" pitchFamily="50" charset="-128"/>
+              <a:cs typeface="メイリオ" pitchFamily="50" charset="-128"/>
+            </a:endParaRPr>
+          </a:p>
+          <a:p>
+            <a:pPr marL="228600" indent="-228600" algn="ctr">
+              <a:buFont typeface="+mj-lt"/>
+              <a:buAutoNum type="arabicPeriod"/>
+            </a:pPr>
+            <a:r>
+              <a:rPr lang="ja-JP" altLang="en-US" sz="1050" u="sng" smtClean="0">
+                <a:latin typeface="メイリオ" pitchFamily="50" charset="-128"/>
+                <a:ea typeface="メイリオ" pitchFamily="50" charset="-128"/>
+                <a:cs typeface="メイリオ" pitchFamily="50" charset="-128"/>
+              </a:rPr>
+              <a:t>ペットボトル検知</a:t>
+            </a:r>
+            <a:r>
+              <a:rPr lang="ja-JP" altLang="en-US" sz="1050" smtClean="0">
+                <a:latin typeface="メイリオ" pitchFamily="50" charset="-128"/>
+                <a:ea typeface="メイリオ" pitchFamily="50" charset="-128"/>
+                <a:cs typeface="メイリオ" pitchFamily="50" charset="-128"/>
+              </a:rPr>
+              <a:t>で誤判定</a:t>
+            </a:r>
+            <a:endParaRPr lang="ja-JP" altLang="en-US" sz="1050">
+              <a:latin typeface="メイリオ" pitchFamily="50" charset="-128"/>
+              <a:ea typeface="メイリオ" pitchFamily="50" charset="-128"/>
+              <a:cs typeface="メイリオ" pitchFamily="50" charset="-128"/>
+            </a:endParaRPr>
+          </a:p>
+          <a:p>
+            <a:pPr marL="228600" indent="-228600" algn="ctr">
+              <a:buFont typeface="+mj-lt"/>
+              <a:buAutoNum type="arabicPeriod"/>
+            </a:pPr>
+            <a:r>
+              <a:rPr lang="ja-JP" altLang="en-US" sz="1050" smtClean="0">
+                <a:latin typeface="メイリオ" pitchFamily="50" charset="-128"/>
+                <a:ea typeface="メイリオ" pitchFamily="50" charset="-128"/>
+                <a:cs typeface="メイリオ" pitchFamily="50" charset="-128"/>
+              </a:rPr>
+              <a:t>ペットボトル検知後の</a:t>
+            </a:r>
+            <a:r>
+              <a:rPr lang="en-US" altLang="ja-JP" sz="1050">
+                <a:latin typeface="メイリオ" pitchFamily="50" charset="-128"/>
+                <a:ea typeface="メイリオ" pitchFamily="50" charset="-128"/>
+                <a:cs typeface="メイリオ" pitchFamily="50" charset="-128"/>
+              </a:rPr>
+              <a:t/>
+            </a:r>
+            <a:br>
+              <a:rPr lang="en-US" altLang="ja-JP" sz="1050">
+                <a:latin typeface="メイリオ" pitchFamily="50" charset="-128"/>
+                <a:ea typeface="メイリオ" pitchFamily="50" charset="-128"/>
+                <a:cs typeface="メイリオ" pitchFamily="50" charset="-128"/>
+              </a:rPr>
+            </a:br>
+            <a:r>
+              <a:rPr lang="ja-JP" altLang="en-US" sz="1050" u="sng" smtClean="0">
+                <a:latin typeface="メイリオ" pitchFamily="50" charset="-128"/>
+                <a:ea typeface="メイリオ" pitchFamily="50" charset="-128"/>
+                <a:cs typeface="メイリオ" pitchFamily="50" charset="-128"/>
+              </a:rPr>
+              <a:t>ライントレース再開</a:t>
+            </a:r>
+            <a:r>
+              <a:rPr lang="ja-JP" altLang="en-US" sz="1050" smtClean="0">
+                <a:latin typeface="メイリオ" pitchFamily="50" charset="-128"/>
+                <a:ea typeface="メイリオ" pitchFamily="50" charset="-128"/>
+                <a:cs typeface="メイリオ" pitchFamily="50" charset="-128"/>
+              </a:rPr>
+              <a:t>失敗</a:t>
+            </a:r>
+            <a:endParaRPr lang="en-US" altLang="ja-JP" sz="1050" smtClean="0">
+              <a:latin typeface="メイリオ" pitchFamily="50" charset="-128"/>
+              <a:ea typeface="メイリオ" pitchFamily="50" charset="-128"/>
+              <a:cs typeface="メイリオ" pitchFamily="50" charset="-128"/>
+            </a:endParaRPr>
+          </a:p>
+          <a:p>
+            <a:pPr marL="228600" indent="-228600" algn="ctr">
+              <a:buFont typeface="+mj-lt"/>
+              <a:buAutoNum type="arabicPeriod"/>
+            </a:pPr>
+            <a:r>
+              <a:rPr lang="ja-JP" altLang="en-US" sz="1050" u="sng">
+                <a:latin typeface="メイリオ" pitchFamily="50" charset="-128"/>
+                <a:ea typeface="メイリオ" pitchFamily="50" charset="-128"/>
+                <a:cs typeface="メイリオ" pitchFamily="50" charset="-128"/>
+              </a:rPr>
+              <a:t>ライン消滅エリアでのコース</a:t>
+            </a:r>
+            <a:r>
+              <a:rPr lang="ja-JP" altLang="en-US" sz="1050" u="sng">
+                <a:latin typeface="メイリオ" pitchFamily="50" charset="-128"/>
+                <a:ea typeface="メイリオ" pitchFamily="50" charset="-128"/>
+                <a:cs typeface="メイリオ" pitchFamily="50" charset="-128"/>
+              </a:rPr>
+              <a:t>選択</a:t>
+            </a:r>
+            <a:r>
+              <a:rPr lang="ja-JP" altLang="en-US" sz="1050" smtClean="0">
+                <a:latin typeface="メイリオ" pitchFamily="50" charset="-128"/>
+                <a:ea typeface="メイリオ" pitchFamily="50" charset="-128"/>
+                <a:cs typeface="メイリオ" pitchFamily="50" charset="-128"/>
+              </a:rPr>
+              <a:t>ミス</a:t>
+            </a:r>
+            <a:endParaRPr lang="ja-JP" altLang="en-US" sz="1050">
+              <a:latin typeface="メイリオ" pitchFamily="50" charset="-128"/>
+              <a:ea typeface="メイリオ" pitchFamily="50" charset="-128"/>
+              <a:cs typeface="メイリオ" pitchFamily="50" charset="-128"/>
+            </a:endParaRPr>
+          </a:p>
+          <a:p>
+            <a:pPr marL="228600" indent="-228600" algn="ctr">
+              <a:buFont typeface="+mj-lt"/>
+              <a:buAutoNum type="arabicPeriod"/>
+            </a:pPr>
+            <a:r>
+              <a:rPr lang="ja-JP" altLang="en-US" sz="1050" u="sng" smtClean="0">
+                <a:latin typeface="メイリオ" pitchFamily="50" charset="-128"/>
+                <a:ea typeface="メイリオ" pitchFamily="50" charset="-128"/>
+                <a:cs typeface="メイリオ" pitchFamily="50" charset="-128"/>
+              </a:rPr>
+              <a:t>ライン消滅エリア走行</a:t>
+            </a:r>
+            <a:r>
+              <a:rPr lang="ja-JP" altLang="en-US" sz="1050" smtClean="0">
+                <a:latin typeface="メイリオ" pitchFamily="50" charset="-128"/>
+                <a:ea typeface="メイリオ" pitchFamily="50" charset="-128"/>
+                <a:cs typeface="メイリオ" pitchFamily="50" charset="-128"/>
+              </a:rPr>
+              <a:t>時のコースアウト</a:t>
+            </a:r>
+            <a:endParaRPr lang="en-US" altLang="ja-JP" sz="1050" smtClean="0">
+              <a:latin typeface="メイリオ" pitchFamily="50" charset="-128"/>
+              <a:ea typeface="メイリオ" pitchFamily="50" charset="-128"/>
+              <a:cs typeface="メイリオ" pitchFamily="50" charset="-128"/>
+            </a:endParaRPr>
+          </a:p>
+          <a:p>
+            <a:pPr marL="228600" indent="-228600" algn="ctr">
+              <a:buFont typeface="+mj-lt"/>
+              <a:buAutoNum type="arabicPeriod"/>
+            </a:pPr>
+            <a:r>
+              <a:rPr lang="ja-JP" altLang="en-US" sz="1050" smtClean="0">
+                <a:latin typeface="メイリオ" pitchFamily="50" charset="-128"/>
+                <a:ea typeface="メイリオ" pitchFamily="50" charset="-128"/>
+                <a:cs typeface="メイリオ" pitchFamily="50" charset="-128"/>
+              </a:rPr>
+              <a:t>ライン消滅エリア終了後の</a:t>
+            </a:r>
+            <a:r>
+              <a:rPr lang="ja-JP" altLang="en-US" sz="1050" u="sng" smtClean="0">
+                <a:latin typeface="メイリオ" pitchFamily="50" charset="-128"/>
+                <a:ea typeface="メイリオ" pitchFamily="50" charset="-128"/>
+                <a:cs typeface="メイリオ" pitchFamily="50" charset="-128"/>
+              </a:rPr>
+              <a:t>ライン復帰</a:t>
+            </a:r>
+            <a:r>
+              <a:rPr lang="ja-JP" altLang="en-US" sz="1050" smtClean="0">
+                <a:latin typeface="メイリオ" pitchFamily="50" charset="-128"/>
+                <a:ea typeface="メイリオ" pitchFamily="50" charset="-128"/>
+                <a:cs typeface="メイリオ" pitchFamily="50" charset="-128"/>
+              </a:rPr>
+              <a:t>ミス</a:t>
+            </a:r>
+            <a:endParaRPr lang="ja-JP" altLang="en-US" sz="1050">
+              <a:latin typeface="メイリオ" pitchFamily="50" charset="-128"/>
+              <a:ea typeface="メイリオ" pitchFamily="50" charset="-128"/>
+              <a:cs typeface="メイリオ" pitchFamily="50" charset="-128"/>
+            </a:endParaRPr>
+          </a:p>
+        </p:txBody>
+      </p:sp>
+      <p:sp>
+        <p:nvSpPr>
+          <p:cNvPr id="39" name="角丸四角形 38"/>
+          <p:cNvSpPr/>
+          <p:nvPr/>
+        </p:nvSpPr>
+        <p:spPr>
+          <a:xfrm>
+            <a:off x="4168552" y="6227871"/>
+            <a:ext cx="3168352" cy="1453049"/>
+          </a:xfrm>
+          <a:prstGeom prst="roundRect">
+            <a:avLst/>
+          </a:prstGeom>
+        </p:spPr>
+        <p:style>
+          <a:lnRef idx="2">
+            <a:schemeClr val="accent1"/>
+          </a:lnRef>
+          <a:fillRef idx="1">
+            <a:schemeClr val="lt1"/>
+          </a:fillRef>
+          <a:effectRef idx="0">
+            <a:schemeClr val="accent1"/>
+          </a:effectRef>
+          <a:fontRef idx="minor">
+            <a:schemeClr val="dk1"/>
+          </a:fontRef>
+        </p:style>
+        <p:txBody>
+          <a:bodyPr rtlCol="0" anchor="ctr"/>
+          <a:lstStyle/>
+          <a:p>
+            <a:pPr algn="ctr"/>
+            <a:r>
+              <a:rPr lang="en-US" altLang="ja-JP" sz="1200" smtClean="0">
+                <a:ln w="3175">
+                  <a:solidFill>
+                    <a:srgbClr val="0070C0"/>
+                  </a:solidFill>
+                  <a:prstDash val="solid"/>
+                </a:ln>
+                <a:solidFill>
+                  <a:srgbClr val="FFFFFF"/>
+                </a:solidFill>
+                <a:effectLst>
+                  <a:outerShdw blurRad="38100" dist="32000" dir="5400000" algn="tl">
+                    <a:srgbClr val="000000">
+                      <a:alpha val="30000"/>
+                    </a:srgbClr>
+                  </a:outerShdw>
+                </a:effectLst>
+                <a:latin typeface="メイリオ" pitchFamily="50" charset="-128"/>
+                <a:ea typeface="メイリオ" pitchFamily="50" charset="-128"/>
+                <a:cs typeface="メイリオ" pitchFamily="50" charset="-128"/>
+              </a:rPr>
+              <a:t>-</a:t>
+            </a:r>
+            <a:r>
+              <a:rPr lang="ja-JP" altLang="en-US" sz="1200" smtClean="0">
+                <a:ln w="3175">
+                  <a:solidFill>
+                    <a:srgbClr val="0070C0"/>
+                  </a:solidFill>
+                  <a:prstDash val="solid"/>
+                </a:ln>
+                <a:solidFill>
+                  <a:srgbClr val="FFFFFF"/>
+                </a:solidFill>
+                <a:effectLst>
+                  <a:outerShdw blurRad="38100" dist="32000" dir="5400000" algn="tl">
+                    <a:srgbClr val="000000">
+                      <a:alpha val="30000"/>
+                    </a:srgbClr>
+                  </a:outerShdw>
+                </a:effectLst>
+                <a:latin typeface="メイリオ" pitchFamily="50" charset="-128"/>
+                <a:ea typeface="メイリオ" pitchFamily="50" charset="-128"/>
+                <a:cs typeface="メイリオ" pitchFamily="50" charset="-128"/>
+              </a:rPr>
+              <a:t>難関クリア</a:t>
+            </a:r>
+            <a:r>
+              <a:rPr lang="en-US" altLang="ja-JP" sz="1200" smtClean="0">
+                <a:ln w="3175">
+                  <a:solidFill>
+                    <a:srgbClr val="0070C0"/>
+                  </a:solidFill>
+                  <a:prstDash val="solid"/>
+                </a:ln>
+                <a:solidFill>
+                  <a:srgbClr val="FFFFFF"/>
+                </a:solidFill>
+                <a:effectLst>
+                  <a:outerShdw blurRad="38100" dist="32000" dir="5400000" algn="tl">
+                    <a:srgbClr val="000000">
+                      <a:alpha val="30000"/>
+                    </a:srgbClr>
+                  </a:outerShdw>
+                </a:effectLst>
+                <a:latin typeface="メイリオ" pitchFamily="50" charset="-128"/>
+                <a:ea typeface="メイリオ" pitchFamily="50" charset="-128"/>
+                <a:cs typeface="メイリオ" pitchFamily="50" charset="-128"/>
+              </a:rPr>
+              <a:t>-</a:t>
+            </a:r>
+          </a:p>
+          <a:p>
+            <a:pPr marL="228600" indent="-228600" algn="ctr">
+              <a:buFont typeface="+mj-lt"/>
+              <a:buAutoNum type="arabicPeriod"/>
+            </a:pPr>
+            <a:r>
+              <a:rPr lang="ja-JP" altLang="en-US" sz="1050" smtClean="0">
+                <a:latin typeface="メイリオ" pitchFamily="50" charset="-128"/>
+                <a:ea typeface="メイリオ" pitchFamily="50" charset="-128"/>
+                <a:cs typeface="メイリオ" pitchFamily="50" charset="-128"/>
+              </a:rPr>
+              <a:t>ライン上かつペットボトルに</a:t>
+            </a:r>
+            <a:r>
+              <a:rPr lang="en-US" altLang="ja-JP" sz="1050" smtClean="0">
+                <a:latin typeface="メイリオ" pitchFamily="50" charset="-128"/>
+                <a:ea typeface="メイリオ" pitchFamily="50" charset="-128"/>
+                <a:cs typeface="メイリオ" pitchFamily="50" charset="-128"/>
+              </a:rPr>
+              <a:t/>
+            </a:r>
+            <a:br>
+              <a:rPr lang="en-US" altLang="ja-JP" sz="1050" smtClean="0">
+                <a:latin typeface="メイリオ" pitchFamily="50" charset="-128"/>
+                <a:ea typeface="メイリオ" pitchFamily="50" charset="-128"/>
+                <a:cs typeface="メイリオ" pitchFamily="50" charset="-128"/>
+              </a:rPr>
+            </a:br>
+            <a:r>
+              <a:rPr lang="ja-JP" altLang="en-US" sz="1050" smtClean="0">
+                <a:latin typeface="メイリオ" pitchFamily="50" charset="-128"/>
+                <a:ea typeface="メイリオ" pitchFamily="50" charset="-128"/>
+                <a:cs typeface="メイリオ" pitchFamily="50" charset="-128"/>
+              </a:rPr>
+              <a:t>最も近い位置での検知</a:t>
+            </a:r>
+            <a:endParaRPr lang="ja-JP" altLang="en-US" sz="1050">
+              <a:latin typeface="メイリオ" pitchFamily="50" charset="-128"/>
+              <a:ea typeface="メイリオ" pitchFamily="50" charset="-128"/>
+              <a:cs typeface="メイリオ" pitchFamily="50" charset="-128"/>
+            </a:endParaRPr>
+          </a:p>
+          <a:p>
+            <a:pPr marL="228600" indent="-228600" algn="ctr">
+              <a:buFont typeface="+mj-lt"/>
+              <a:buAutoNum type="arabicPeriod"/>
+            </a:pPr>
+            <a:r>
+              <a:rPr lang="ja-JP" altLang="en-US" sz="1050" smtClean="0">
+                <a:latin typeface="メイリオ" pitchFamily="50" charset="-128"/>
+                <a:ea typeface="メイリオ" pitchFamily="50" charset="-128"/>
+                <a:cs typeface="メイリオ" pitchFamily="50" charset="-128"/>
+              </a:rPr>
+              <a:t>安定した旋回の実現によって検知前の</a:t>
+            </a:r>
+            <a:r>
+              <a:rPr lang="en-US" altLang="ja-JP" sz="1050" smtClean="0">
+                <a:latin typeface="メイリオ" pitchFamily="50" charset="-128"/>
+                <a:ea typeface="メイリオ" pitchFamily="50" charset="-128"/>
+                <a:cs typeface="メイリオ" pitchFamily="50" charset="-128"/>
+              </a:rPr>
+              <a:t/>
+            </a:r>
+            <a:br>
+              <a:rPr lang="en-US" altLang="ja-JP" sz="1050" smtClean="0">
+                <a:latin typeface="メイリオ" pitchFamily="50" charset="-128"/>
+                <a:ea typeface="メイリオ" pitchFamily="50" charset="-128"/>
+                <a:cs typeface="メイリオ" pitchFamily="50" charset="-128"/>
+              </a:rPr>
+            </a:br>
+            <a:r>
+              <a:rPr lang="ja-JP" altLang="en-US" sz="1050" smtClean="0">
+                <a:latin typeface="メイリオ" pitchFamily="50" charset="-128"/>
+                <a:ea typeface="メイリオ" pitchFamily="50" charset="-128"/>
+                <a:cs typeface="メイリオ" pitchFamily="50" charset="-128"/>
+              </a:rPr>
+              <a:t>正確な位置に復帰（階段と同様）</a:t>
+            </a:r>
+            <a:endParaRPr lang="ja-JP" altLang="en-US" sz="1050">
+              <a:latin typeface="メイリオ" pitchFamily="50" charset="-128"/>
+              <a:ea typeface="メイリオ" pitchFamily="50" charset="-128"/>
+              <a:cs typeface="メイリオ" pitchFamily="50" charset="-128"/>
+            </a:endParaRPr>
+          </a:p>
+          <a:p>
+            <a:pPr marL="228600" indent="-228600" algn="ctr">
+              <a:buFont typeface="+mj-lt"/>
+              <a:buAutoNum type="arabicPeriod"/>
+            </a:pPr>
+            <a:r>
+              <a:rPr lang="en-US" altLang="ja-JP" sz="1050" smtClean="0">
+                <a:latin typeface="メイリオ" pitchFamily="50" charset="-128"/>
+                <a:ea typeface="メイリオ" pitchFamily="50" charset="-128"/>
+                <a:cs typeface="メイリオ" pitchFamily="50" charset="-128"/>
+              </a:rPr>
+              <a:t>1</a:t>
+            </a:r>
+            <a:r>
+              <a:rPr lang="ja-JP" altLang="en-US" sz="1050" smtClean="0">
+                <a:latin typeface="メイリオ" pitchFamily="50" charset="-128"/>
+                <a:ea typeface="メイリオ" pitchFamily="50" charset="-128"/>
+                <a:cs typeface="メイリオ" pitchFamily="50" charset="-128"/>
+              </a:rPr>
+              <a:t>の実現により達成</a:t>
+            </a:r>
+            <a:endParaRPr lang="en-US" altLang="ja-JP" sz="1050" smtClean="0">
+              <a:latin typeface="メイリオ" pitchFamily="50" charset="-128"/>
+              <a:ea typeface="メイリオ" pitchFamily="50" charset="-128"/>
+              <a:cs typeface="メイリオ" pitchFamily="50" charset="-128"/>
+            </a:endParaRPr>
+          </a:p>
+          <a:p>
+            <a:pPr marL="228600" indent="-228600" algn="ctr">
+              <a:buFont typeface="+mj-lt"/>
+              <a:buAutoNum type="arabicPeriod"/>
+            </a:pPr>
+            <a:r>
+              <a:rPr lang="ja-JP" altLang="en-US" sz="1050" smtClean="0">
+                <a:latin typeface="メイリオ" pitchFamily="50" charset="-128"/>
+                <a:ea typeface="メイリオ" pitchFamily="50" charset="-128"/>
+                <a:cs typeface="メイリオ" pitchFamily="50" charset="-128"/>
+              </a:rPr>
+              <a:t>曲率制御によって</a:t>
+            </a:r>
+            <a:r>
+              <a:rPr lang="en-US" altLang="ja-JP" sz="1050" smtClean="0">
+                <a:latin typeface="メイリオ" pitchFamily="50" charset="-128"/>
+                <a:ea typeface="メイリオ" pitchFamily="50" charset="-128"/>
+                <a:cs typeface="メイリオ" pitchFamily="50" charset="-128"/>
+              </a:rPr>
+              <a:t/>
+            </a:r>
+            <a:br>
+              <a:rPr lang="en-US" altLang="ja-JP" sz="1050" smtClean="0">
+                <a:latin typeface="メイリオ" pitchFamily="50" charset="-128"/>
+                <a:ea typeface="メイリオ" pitchFamily="50" charset="-128"/>
+                <a:cs typeface="メイリオ" pitchFamily="50" charset="-128"/>
+              </a:rPr>
+            </a:br>
+            <a:r>
+              <a:rPr lang="ja-JP" altLang="en-US" sz="1050" smtClean="0">
+                <a:latin typeface="メイリオ" pitchFamily="50" charset="-128"/>
+                <a:ea typeface="メイリオ" pitchFamily="50" charset="-128"/>
+                <a:cs typeface="メイリオ" pitchFamily="50" charset="-128"/>
+              </a:rPr>
+              <a:t>擬似ライントレースを実現</a:t>
+            </a:r>
+            <a:endParaRPr lang="en-US" altLang="ja-JP" sz="1050" smtClean="0">
+              <a:latin typeface="メイリオ" pitchFamily="50" charset="-128"/>
+              <a:ea typeface="メイリオ" pitchFamily="50" charset="-128"/>
+              <a:cs typeface="メイリオ" pitchFamily="50" charset="-128"/>
+            </a:endParaRPr>
+          </a:p>
+          <a:p>
+            <a:pPr marL="228600" indent="-228600" algn="ctr">
+              <a:buFont typeface="+mj-lt"/>
+              <a:buAutoNum type="arabicPeriod"/>
+            </a:pPr>
+            <a:r>
+              <a:rPr lang="en-US" altLang="ja-JP" sz="1050" smtClean="0">
+                <a:latin typeface="メイリオ" pitchFamily="50" charset="-128"/>
+                <a:ea typeface="メイリオ" pitchFamily="50" charset="-128"/>
+                <a:cs typeface="メイリオ" pitchFamily="50" charset="-128"/>
+              </a:rPr>
+              <a:t>4</a:t>
+            </a:r>
+            <a:r>
+              <a:rPr lang="ja-JP" altLang="en-US" sz="1050" smtClean="0">
+                <a:latin typeface="メイリオ" pitchFamily="50" charset="-128"/>
+                <a:ea typeface="メイリオ" pitchFamily="50" charset="-128"/>
+                <a:cs typeface="メイリオ" pitchFamily="50" charset="-128"/>
+              </a:rPr>
+              <a:t>の実現により達成</a:t>
+            </a:r>
+            <a:endParaRPr lang="en-US" altLang="ja-JP" sz="1050" smtClean="0">
+              <a:latin typeface="メイリオ" pitchFamily="50" charset="-128"/>
+              <a:ea typeface="メイリオ" pitchFamily="50" charset="-128"/>
+              <a:cs typeface="メイリオ" pitchFamily="50" charset="-128"/>
+            </a:endParaRPr>
+          </a:p>
+        </p:txBody>
+      </p:sp>
+      <p:sp>
+        <p:nvSpPr>
+          <p:cNvPr id="40" name="角丸四角形 39"/>
+          <p:cNvSpPr/>
+          <p:nvPr/>
+        </p:nvSpPr>
+        <p:spPr>
+          <a:xfrm>
+            <a:off x="10172953" y="4949180"/>
+            <a:ext cx="2317965" cy="1195834"/>
+          </a:xfrm>
+          <a:prstGeom prst="roundRect">
+            <a:avLst/>
+          </a:prstGeom>
+        </p:spPr>
+        <p:style>
+          <a:lnRef idx="2">
+            <a:schemeClr val="accent2"/>
+          </a:lnRef>
+          <a:fillRef idx="1">
+            <a:schemeClr val="lt1"/>
+          </a:fillRef>
+          <a:effectRef idx="0">
+            <a:schemeClr val="accent2"/>
+          </a:effectRef>
+          <a:fontRef idx="minor">
+            <a:schemeClr val="dk1"/>
+          </a:fontRef>
+        </p:style>
+        <p:txBody>
+          <a:bodyPr rtlCol="0" anchor="ctr"/>
+          <a:lstStyle/>
+          <a:p>
+            <a:pPr algn="ctr"/>
+            <a:r>
+              <a:rPr lang="en-US" altLang="ja-JP" sz="1200" smtClean="0">
+                <a:ln w="3175">
+                  <a:solidFill>
+                    <a:srgbClr val="FF0000"/>
+                  </a:solidFill>
+                  <a:prstDash val="solid"/>
+                </a:ln>
+                <a:solidFill>
+                  <a:srgbClr val="FFFFFF"/>
+                </a:solidFill>
+                <a:effectLst>
+                  <a:outerShdw blurRad="38100" dist="32000" dir="5400000" algn="tl">
+                    <a:srgbClr val="000000">
+                      <a:alpha val="30000"/>
+                    </a:srgbClr>
+                  </a:outerShdw>
+                </a:effectLst>
+                <a:latin typeface="メイリオ" pitchFamily="50" charset="-128"/>
+                <a:ea typeface="メイリオ" pitchFamily="50" charset="-128"/>
+                <a:cs typeface="メイリオ" pitchFamily="50" charset="-128"/>
+              </a:rPr>
+              <a:t>-</a:t>
+            </a:r>
+            <a:r>
+              <a:rPr lang="ja-JP" altLang="en-US" sz="1200">
+                <a:ln w="3175">
+                  <a:solidFill>
+                    <a:srgbClr val="FF0000"/>
+                  </a:solidFill>
+                  <a:prstDash val="solid"/>
+                </a:ln>
+                <a:solidFill>
+                  <a:srgbClr val="FFFFFF"/>
+                </a:solidFill>
+                <a:effectLst>
+                  <a:outerShdw blurRad="38100" dist="32000" dir="5400000" algn="tl">
+                    <a:srgbClr val="000000">
+                      <a:alpha val="30000"/>
+                    </a:srgbClr>
+                  </a:outerShdw>
+                </a:effectLst>
+                <a:latin typeface="メイリオ" pitchFamily="50" charset="-128"/>
+                <a:ea typeface="メイリオ" pitchFamily="50" charset="-128"/>
+                <a:cs typeface="メイリオ" pitchFamily="50" charset="-128"/>
+              </a:rPr>
+              <a:t>危険</a:t>
+            </a:r>
+            <a:r>
+              <a:rPr lang="ja-JP" altLang="en-US" sz="1200" smtClean="0">
+                <a:ln w="3175">
+                  <a:solidFill>
+                    <a:srgbClr val="FF0000"/>
+                  </a:solidFill>
+                  <a:prstDash val="solid"/>
+                </a:ln>
+                <a:solidFill>
+                  <a:srgbClr val="FFFFFF"/>
+                </a:solidFill>
+                <a:effectLst>
+                  <a:outerShdw blurRad="38100" dist="32000" dir="5400000" algn="tl">
+                    <a:srgbClr val="000000">
+                      <a:alpha val="30000"/>
+                    </a:srgbClr>
+                  </a:outerShdw>
+                </a:effectLst>
+                <a:latin typeface="メイリオ" pitchFamily="50" charset="-128"/>
+                <a:ea typeface="メイリオ" pitchFamily="50" charset="-128"/>
+                <a:cs typeface="メイリオ" pitchFamily="50" charset="-128"/>
+              </a:rPr>
+              <a:t>ポイント</a:t>
+            </a:r>
+            <a:r>
+              <a:rPr lang="en-US" altLang="ja-JP" sz="1200" smtClean="0">
+                <a:ln w="3175">
+                  <a:solidFill>
+                    <a:srgbClr val="FF0000"/>
+                  </a:solidFill>
+                  <a:prstDash val="solid"/>
+                </a:ln>
+                <a:solidFill>
+                  <a:srgbClr val="FFFFFF"/>
+                </a:solidFill>
+                <a:effectLst>
+                  <a:outerShdw blurRad="38100" dist="32000" dir="5400000" algn="tl">
+                    <a:srgbClr val="000000">
+                      <a:alpha val="30000"/>
+                    </a:srgbClr>
+                  </a:outerShdw>
+                </a:effectLst>
+                <a:latin typeface="メイリオ" pitchFamily="50" charset="-128"/>
+                <a:ea typeface="メイリオ" pitchFamily="50" charset="-128"/>
+                <a:cs typeface="メイリオ" pitchFamily="50" charset="-128"/>
+              </a:rPr>
+              <a:t>-</a:t>
+            </a:r>
+            <a:endParaRPr lang="en-US" altLang="ja-JP" sz="1200">
+              <a:ln w="3175">
+                <a:solidFill>
+                  <a:srgbClr val="FF0000"/>
+                </a:solidFill>
+                <a:prstDash val="solid"/>
+              </a:ln>
+              <a:solidFill>
+                <a:srgbClr val="FFFFFF"/>
+              </a:solidFill>
+              <a:effectLst>
+                <a:outerShdw blurRad="38100" dist="32000" dir="5400000" algn="tl">
+                  <a:srgbClr val="000000">
+                    <a:alpha val="30000"/>
+                  </a:srgbClr>
+                </a:outerShdw>
+              </a:effectLst>
+              <a:latin typeface="メイリオ" pitchFamily="50" charset="-128"/>
+              <a:ea typeface="メイリオ" pitchFamily="50" charset="-128"/>
+              <a:cs typeface="メイリオ" pitchFamily="50" charset="-128"/>
+            </a:endParaRPr>
+          </a:p>
+          <a:p>
+            <a:pPr marL="228600" indent="-228600" algn="ctr">
+              <a:buFont typeface="+mj-lt"/>
+              <a:buAutoNum type="arabicPeriod"/>
+            </a:pPr>
+            <a:r>
+              <a:rPr lang="ja-JP" altLang="en-US" sz="1050" u="sng" smtClean="0">
+                <a:latin typeface="メイリオ" pitchFamily="50" charset="-128"/>
+                <a:ea typeface="メイリオ" pitchFamily="50" charset="-128"/>
+                <a:cs typeface="メイリオ" pitchFamily="50" charset="-128"/>
+              </a:rPr>
+              <a:t>シーソー突入</a:t>
+            </a:r>
+            <a:r>
+              <a:rPr lang="ja-JP" altLang="en-US" sz="1050" smtClean="0">
+                <a:latin typeface="メイリオ" pitchFamily="50" charset="-128"/>
+                <a:ea typeface="メイリオ" pitchFamily="50" charset="-128"/>
+                <a:cs typeface="メイリオ" pitchFamily="50" charset="-128"/>
+              </a:rPr>
+              <a:t>失敗</a:t>
+            </a:r>
+            <a:endParaRPr lang="ja-JP" altLang="en-US" sz="1050">
+              <a:latin typeface="メイリオ" pitchFamily="50" charset="-128"/>
+              <a:ea typeface="メイリオ" pitchFamily="50" charset="-128"/>
+              <a:cs typeface="メイリオ" pitchFamily="50" charset="-128"/>
+            </a:endParaRPr>
+          </a:p>
+          <a:p>
+            <a:pPr marL="228600" indent="-228600" algn="ctr">
+              <a:buFont typeface="+mj-lt"/>
+              <a:buAutoNum type="arabicPeriod"/>
+            </a:pPr>
+            <a:r>
+              <a:rPr lang="ja-JP" altLang="en-US" sz="1050" u="sng" smtClean="0">
+                <a:latin typeface="メイリオ" pitchFamily="50" charset="-128"/>
+                <a:ea typeface="メイリオ" pitchFamily="50" charset="-128"/>
+                <a:cs typeface="メイリオ" pitchFamily="50" charset="-128"/>
+              </a:rPr>
+              <a:t>シーソー上走行</a:t>
+            </a:r>
+            <a:r>
+              <a:rPr lang="ja-JP" altLang="en-US" sz="1050" smtClean="0">
+                <a:latin typeface="メイリオ" pitchFamily="50" charset="-128"/>
+                <a:ea typeface="メイリオ" pitchFamily="50" charset="-128"/>
+                <a:cs typeface="メイリオ" pitchFamily="50" charset="-128"/>
+              </a:rPr>
+              <a:t>中、</a:t>
+            </a:r>
+            <a:r>
+              <a:rPr lang="en-US" altLang="ja-JP" sz="1050" smtClean="0">
+                <a:latin typeface="メイリオ" pitchFamily="50" charset="-128"/>
+                <a:ea typeface="メイリオ" pitchFamily="50" charset="-128"/>
+                <a:cs typeface="メイリオ" pitchFamily="50" charset="-128"/>
+              </a:rPr>
+              <a:t/>
+            </a:r>
+            <a:br>
+              <a:rPr lang="en-US" altLang="ja-JP" sz="1050" smtClean="0">
+                <a:latin typeface="メイリオ" pitchFamily="50" charset="-128"/>
+                <a:ea typeface="メイリオ" pitchFamily="50" charset="-128"/>
+                <a:cs typeface="メイリオ" pitchFamily="50" charset="-128"/>
+              </a:rPr>
+            </a:br>
+            <a:r>
+              <a:rPr lang="ja-JP" altLang="en-US" sz="1050" smtClean="0">
+                <a:latin typeface="メイリオ" pitchFamily="50" charset="-128"/>
+                <a:ea typeface="メイリオ" pitchFamily="50" charset="-128"/>
+                <a:cs typeface="メイリオ" pitchFamily="50" charset="-128"/>
+              </a:rPr>
+              <a:t>傾きに耐えられず落下</a:t>
+            </a:r>
+            <a:endParaRPr lang="en-US" altLang="ja-JP" sz="1050" smtClean="0">
+              <a:latin typeface="メイリオ" pitchFamily="50" charset="-128"/>
+              <a:ea typeface="メイリオ" pitchFamily="50" charset="-128"/>
+              <a:cs typeface="メイリオ" pitchFamily="50" charset="-128"/>
+            </a:endParaRPr>
+          </a:p>
+          <a:p>
+            <a:pPr marL="228600" indent="-228600" algn="ctr">
+              <a:buFont typeface="+mj-lt"/>
+              <a:buAutoNum type="arabicPeriod"/>
+            </a:pPr>
+            <a:r>
+              <a:rPr lang="ja-JP" altLang="en-US" sz="1050" u="sng" smtClean="0">
+                <a:latin typeface="メイリオ" pitchFamily="50" charset="-128"/>
+                <a:ea typeface="メイリオ" pitchFamily="50" charset="-128"/>
+                <a:cs typeface="メイリオ" pitchFamily="50" charset="-128"/>
+              </a:rPr>
+              <a:t>シーソーの降下</a:t>
+            </a:r>
+            <a:r>
+              <a:rPr lang="ja-JP" altLang="en-US" sz="1050" smtClean="0">
+                <a:latin typeface="メイリオ" pitchFamily="50" charset="-128"/>
+                <a:ea typeface="メイリオ" pitchFamily="50" charset="-128"/>
+                <a:cs typeface="メイリオ" pitchFamily="50" charset="-128"/>
+              </a:rPr>
+              <a:t>に</a:t>
+            </a:r>
+            <a:r>
+              <a:rPr lang="en-US" altLang="ja-JP" sz="1050" smtClean="0">
+                <a:latin typeface="メイリオ" pitchFamily="50" charset="-128"/>
+                <a:ea typeface="メイリオ" pitchFamily="50" charset="-128"/>
+                <a:cs typeface="メイリオ" pitchFamily="50" charset="-128"/>
+              </a:rPr>
+              <a:t/>
+            </a:r>
+            <a:br>
+              <a:rPr lang="en-US" altLang="ja-JP" sz="1050" smtClean="0">
+                <a:latin typeface="メイリオ" pitchFamily="50" charset="-128"/>
+                <a:ea typeface="メイリオ" pitchFamily="50" charset="-128"/>
+                <a:cs typeface="メイリオ" pitchFamily="50" charset="-128"/>
+              </a:rPr>
+            </a:br>
+            <a:r>
+              <a:rPr lang="ja-JP" altLang="en-US" sz="1050" smtClean="0">
+                <a:latin typeface="メイリオ" pitchFamily="50" charset="-128"/>
+                <a:ea typeface="メイリオ" pitchFamily="50" charset="-128"/>
+                <a:cs typeface="メイリオ" pitchFamily="50" charset="-128"/>
+              </a:rPr>
+              <a:t>耐えられず落下</a:t>
+            </a:r>
+            <a:endParaRPr lang="ja-JP" altLang="en-US" sz="1050">
+              <a:latin typeface="メイリオ" pitchFamily="50" charset="-128"/>
+              <a:ea typeface="メイリオ" pitchFamily="50" charset="-128"/>
+              <a:cs typeface="メイリオ" pitchFamily="50" charset="-128"/>
+            </a:endParaRPr>
+          </a:p>
+          <a:p>
+            <a:pPr marL="228600" indent="-228600" algn="ctr">
+              <a:buFont typeface="+mj-lt"/>
+              <a:buAutoNum type="arabicPeriod"/>
+            </a:pPr>
+            <a:r>
+              <a:rPr lang="ja-JP" altLang="en-US" sz="1050" u="sng" smtClean="0">
+                <a:latin typeface="メイリオ" pitchFamily="50" charset="-128"/>
+                <a:ea typeface="メイリオ" pitchFamily="50" charset="-128"/>
+                <a:cs typeface="メイリオ" pitchFamily="50" charset="-128"/>
+              </a:rPr>
+              <a:t>シーソーからの落下</a:t>
+            </a:r>
+            <a:r>
+              <a:rPr lang="ja-JP" altLang="en-US" sz="1050" smtClean="0">
+                <a:latin typeface="メイリオ" pitchFamily="50" charset="-128"/>
+                <a:ea typeface="メイリオ" pitchFamily="50" charset="-128"/>
+                <a:cs typeface="メイリオ" pitchFamily="50" charset="-128"/>
+              </a:rPr>
+              <a:t>失敗</a:t>
+            </a:r>
+            <a:endParaRPr lang="en-US" altLang="ja-JP" sz="1050" smtClean="0">
+              <a:latin typeface="メイリオ" pitchFamily="50" charset="-128"/>
+              <a:ea typeface="メイリオ" pitchFamily="50" charset="-128"/>
+              <a:cs typeface="メイリオ" pitchFamily="50" charset="-128"/>
+            </a:endParaRPr>
+          </a:p>
+        </p:txBody>
+      </p:sp>
+      <p:sp>
+        <p:nvSpPr>
+          <p:cNvPr id="41" name="角丸四角形 40"/>
+          <p:cNvSpPr/>
+          <p:nvPr/>
+        </p:nvSpPr>
+        <p:spPr>
+          <a:xfrm>
+            <a:off x="10172953" y="6232435"/>
+            <a:ext cx="2317966" cy="1453049"/>
+          </a:xfrm>
+          <a:prstGeom prst="roundRect">
+            <a:avLst/>
+          </a:prstGeom>
+        </p:spPr>
+        <p:style>
+          <a:lnRef idx="2">
+            <a:schemeClr val="accent1"/>
+          </a:lnRef>
+          <a:fillRef idx="1">
+            <a:schemeClr val="lt1"/>
+          </a:fillRef>
+          <a:effectRef idx="0">
+            <a:schemeClr val="accent1"/>
+          </a:effectRef>
+          <a:fontRef idx="minor">
+            <a:schemeClr val="dk1"/>
+          </a:fontRef>
+        </p:style>
+        <p:txBody>
+          <a:bodyPr rtlCol="0" anchor="ctr"/>
+          <a:lstStyle/>
+          <a:p>
+            <a:pPr algn="ctr"/>
+            <a:r>
+              <a:rPr lang="en-US" altLang="ja-JP" sz="1200" smtClean="0">
+                <a:ln w="3175">
+                  <a:solidFill>
+                    <a:srgbClr val="0070C0"/>
+                  </a:solidFill>
+                  <a:prstDash val="solid"/>
+                </a:ln>
+                <a:solidFill>
+                  <a:srgbClr val="FFFFFF"/>
+                </a:solidFill>
+                <a:effectLst>
+                  <a:outerShdw blurRad="38100" dist="32000" dir="5400000" algn="tl">
+                    <a:srgbClr val="000000">
+                      <a:alpha val="30000"/>
+                    </a:srgbClr>
+                  </a:outerShdw>
+                </a:effectLst>
+                <a:latin typeface="メイリオ" pitchFamily="50" charset="-128"/>
+                <a:ea typeface="メイリオ" pitchFamily="50" charset="-128"/>
+                <a:cs typeface="メイリオ" pitchFamily="50" charset="-128"/>
+              </a:rPr>
+              <a:t>-</a:t>
+            </a:r>
+            <a:r>
+              <a:rPr lang="ja-JP" altLang="en-US" sz="1200" smtClean="0">
+                <a:ln w="3175">
+                  <a:solidFill>
+                    <a:srgbClr val="0070C0"/>
+                  </a:solidFill>
+                  <a:prstDash val="solid"/>
+                </a:ln>
+                <a:solidFill>
+                  <a:srgbClr val="FFFFFF"/>
+                </a:solidFill>
+                <a:effectLst>
+                  <a:outerShdw blurRad="38100" dist="32000" dir="5400000" algn="tl">
+                    <a:srgbClr val="000000">
+                      <a:alpha val="30000"/>
+                    </a:srgbClr>
+                  </a:outerShdw>
+                </a:effectLst>
+                <a:latin typeface="メイリオ" pitchFamily="50" charset="-128"/>
+                <a:ea typeface="メイリオ" pitchFamily="50" charset="-128"/>
+                <a:cs typeface="メイリオ" pitchFamily="50" charset="-128"/>
+              </a:rPr>
+              <a:t>難関クリア</a:t>
+            </a:r>
+            <a:r>
+              <a:rPr lang="en-US" altLang="ja-JP" sz="1200" smtClean="0">
+                <a:ln w="3175">
+                  <a:solidFill>
+                    <a:srgbClr val="0070C0"/>
+                  </a:solidFill>
+                  <a:prstDash val="solid"/>
+                </a:ln>
+                <a:solidFill>
+                  <a:srgbClr val="FFFFFF"/>
+                </a:solidFill>
+                <a:effectLst>
+                  <a:outerShdw blurRad="38100" dist="32000" dir="5400000" algn="tl">
+                    <a:srgbClr val="000000">
+                      <a:alpha val="30000"/>
+                    </a:srgbClr>
+                  </a:outerShdw>
+                </a:effectLst>
+                <a:latin typeface="メイリオ" pitchFamily="50" charset="-128"/>
+                <a:ea typeface="メイリオ" pitchFamily="50" charset="-128"/>
+                <a:cs typeface="メイリオ" pitchFamily="50" charset="-128"/>
+              </a:rPr>
+              <a:t>-</a:t>
+            </a:r>
+          </a:p>
+          <a:p>
+            <a:pPr marL="228600" indent="-228600" algn="ctr">
+              <a:buFont typeface="+mj-lt"/>
+              <a:buAutoNum type="arabicPeriod"/>
+            </a:pPr>
+            <a:r>
+              <a:rPr lang="ja-JP" altLang="en-US" sz="1050" smtClean="0">
+                <a:latin typeface="メイリオ" pitchFamily="50" charset="-128"/>
+                <a:ea typeface="メイリオ" pitchFamily="50" charset="-128"/>
+                <a:cs typeface="メイリオ" pitchFamily="50" charset="-128"/>
+              </a:rPr>
+              <a:t>段差</a:t>
+            </a:r>
+            <a:r>
+              <a:rPr lang="en-US" altLang="ja-JP" sz="1050" smtClean="0">
+                <a:latin typeface="メイリオ" pitchFamily="50" charset="-128"/>
+                <a:ea typeface="メイリオ" pitchFamily="50" charset="-128"/>
+                <a:cs typeface="メイリオ" pitchFamily="50" charset="-128"/>
+              </a:rPr>
+              <a:t>1</a:t>
+            </a:r>
+            <a:r>
+              <a:rPr lang="ja-JP" altLang="en-US" sz="1050" smtClean="0">
+                <a:latin typeface="メイリオ" pitchFamily="50" charset="-128"/>
+                <a:ea typeface="メイリオ" pitchFamily="50" charset="-128"/>
+                <a:cs typeface="メイリオ" pitchFamily="50" charset="-128"/>
+              </a:rPr>
+              <a:t>と同様の技術でクリア</a:t>
+            </a:r>
+            <a:endParaRPr lang="ja-JP" altLang="en-US" sz="1050">
+              <a:latin typeface="メイリオ" pitchFamily="50" charset="-128"/>
+              <a:ea typeface="メイリオ" pitchFamily="50" charset="-128"/>
+              <a:cs typeface="メイリオ" pitchFamily="50" charset="-128"/>
+            </a:endParaRPr>
+          </a:p>
+          <a:p>
+            <a:pPr marL="228600" indent="-228600" algn="ctr">
+              <a:buFont typeface="+mj-lt"/>
+              <a:buAutoNum type="arabicPeriod"/>
+            </a:pPr>
+            <a:r>
+              <a:rPr lang="ja-JP" altLang="en-US" sz="1050" smtClean="0">
+                <a:latin typeface="メイリオ" pitchFamily="50" charset="-128"/>
+                <a:ea typeface="メイリオ" pitchFamily="50" charset="-128"/>
+                <a:cs typeface="メイリオ" pitchFamily="50" charset="-128"/>
+              </a:rPr>
+              <a:t>倒立制御の基準を変更し、</a:t>
+            </a:r>
+            <a:r>
+              <a:rPr lang="en-US" altLang="ja-JP" sz="1050" smtClean="0">
+                <a:latin typeface="メイリオ" pitchFamily="50" charset="-128"/>
+                <a:ea typeface="メイリオ" pitchFamily="50" charset="-128"/>
+                <a:cs typeface="メイリオ" pitchFamily="50" charset="-128"/>
+              </a:rPr>
+              <a:t/>
+            </a:r>
+            <a:br>
+              <a:rPr lang="en-US" altLang="ja-JP" sz="1050" smtClean="0">
+                <a:latin typeface="メイリオ" pitchFamily="50" charset="-128"/>
+                <a:ea typeface="メイリオ" pitchFamily="50" charset="-128"/>
+                <a:cs typeface="メイリオ" pitchFamily="50" charset="-128"/>
+              </a:rPr>
+            </a:br>
+            <a:r>
+              <a:rPr lang="ja-JP" altLang="en-US" sz="1050" smtClean="0">
+                <a:latin typeface="メイリオ" pitchFamily="50" charset="-128"/>
+                <a:ea typeface="メイリオ" pitchFamily="50" charset="-128"/>
+                <a:cs typeface="メイリオ" pitchFamily="50" charset="-128"/>
+              </a:rPr>
+              <a:t>安定した斜面走行を実現</a:t>
+            </a:r>
+            <a:endParaRPr lang="en-US" altLang="ja-JP" sz="1050">
+              <a:latin typeface="メイリオ" pitchFamily="50" charset="-128"/>
+              <a:ea typeface="メイリオ" pitchFamily="50" charset="-128"/>
+              <a:cs typeface="メイリオ" pitchFamily="50" charset="-128"/>
+            </a:endParaRPr>
+          </a:p>
+          <a:p>
+            <a:pPr marL="228600" indent="-228600" algn="ctr">
+              <a:buFont typeface="+mj-lt"/>
+              <a:buAutoNum type="arabicPeriod"/>
+            </a:pPr>
+            <a:r>
+              <a:rPr lang="ja-JP" altLang="en-US" sz="1050" smtClean="0">
+                <a:latin typeface="メイリオ" pitchFamily="50" charset="-128"/>
+                <a:ea typeface="メイリオ" pitchFamily="50" charset="-128"/>
+                <a:cs typeface="メイリオ" pitchFamily="50" charset="-128"/>
+              </a:rPr>
+              <a:t>シーソーの降下を検知し、</a:t>
+            </a:r>
+            <a:r>
+              <a:rPr lang="en-US" altLang="ja-JP" sz="1050" smtClean="0">
+                <a:latin typeface="メイリオ" pitchFamily="50" charset="-128"/>
+                <a:ea typeface="メイリオ" pitchFamily="50" charset="-128"/>
+                <a:cs typeface="メイリオ" pitchFamily="50" charset="-128"/>
+              </a:rPr>
+              <a:t/>
+            </a:r>
+            <a:br>
+              <a:rPr lang="en-US" altLang="ja-JP" sz="1050" smtClean="0">
+                <a:latin typeface="メイリオ" pitchFamily="50" charset="-128"/>
+                <a:ea typeface="メイリオ" pitchFamily="50" charset="-128"/>
+                <a:cs typeface="メイリオ" pitchFamily="50" charset="-128"/>
+              </a:rPr>
+            </a:br>
+            <a:r>
+              <a:rPr lang="ja-JP" altLang="en-US" sz="1050" smtClean="0">
+                <a:latin typeface="メイリオ" pitchFamily="50" charset="-128"/>
+                <a:ea typeface="メイリオ" pitchFamily="50" charset="-128"/>
+                <a:cs typeface="メイリオ" pitchFamily="50" charset="-128"/>
+              </a:rPr>
+              <a:t>衝撃を吸収してクリア</a:t>
+            </a:r>
+            <a:endParaRPr lang="en-US" altLang="ja-JP" sz="1050" smtClean="0">
+              <a:latin typeface="メイリオ" pitchFamily="50" charset="-128"/>
+              <a:ea typeface="メイリオ" pitchFamily="50" charset="-128"/>
+              <a:cs typeface="メイリオ" pitchFamily="50" charset="-128"/>
+            </a:endParaRPr>
+          </a:p>
+          <a:p>
+            <a:pPr marL="228600" indent="-228600" algn="ctr">
+              <a:buFont typeface="+mj-lt"/>
+              <a:buAutoNum type="arabicPeriod"/>
+            </a:pPr>
+            <a:r>
+              <a:rPr lang="ja-JP" altLang="en-US" sz="1050" smtClean="0">
+                <a:latin typeface="メイリオ" pitchFamily="50" charset="-128"/>
+                <a:ea typeface="メイリオ" pitchFamily="50" charset="-128"/>
+                <a:cs typeface="メイリオ" pitchFamily="50" charset="-128"/>
+              </a:rPr>
+              <a:t>段差</a:t>
+            </a:r>
+            <a:r>
+              <a:rPr lang="en-US" altLang="ja-JP" sz="1050" smtClean="0">
+                <a:latin typeface="メイリオ" pitchFamily="50" charset="-128"/>
+                <a:ea typeface="メイリオ" pitchFamily="50" charset="-128"/>
+                <a:cs typeface="メイリオ" pitchFamily="50" charset="-128"/>
+              </a:rPr>
+              <a:t>5</a:t>
+            </a:r>
+            <a:r>
+              <a:rPr lang="ja-JP" altLang="en-US" sz="1050" smtClean="0">
+                <a:latin typeface="メイリオ" pitchFamily="50" charset="-128"/>
+                <a:ea typeface="メイリオ" pitchFamily="50" charset="-128"/>
+                <a:cs typeface="メイリオ" pitchFamily="50" charset="-128"/>
+              </a:rPr>
+              <a:t>と同様の技術でクリア</a:t>
+            </a:r>
+            <a:endParaRPr lang="en-US" altLang="ja-JP" sz="1050" smtClean="0">
+              <a:latin typeface="メイリオ" pitchFamily="50" charset="-128"/>
+              <a:ea typeface="メイリオ" pitchFamily="50" charset="-128"/>
+              <a:cs typeface="メイリオ" pitchFamily="50" charset="-128"/>
+            </a:endParaRPr>
+          </a:p>
+        </p:txBody>
+      </p:sp>
     </p:spTree>
     <p:extLst>
       <p:ext uri="{BB962C8B-B14F-4D97-AF65-F5344CB8AC3E}">

--- a/models/N_MURA.pptx
+++ b/models/N_MURA.pptx
@@ -4,9 +4,12 @@
   <p:sldMasterIdLst>
     <p:sldMasterId id="2147483648" r:id="rId1"/>
   </p:sldMasterIdLst>
+  <p:notesMasterIdLst>
+    <p:notesMasterId r:id="rId4"/>
+  </p:notesMasterIdLst>
   <p:sldIdLst>
-    <p:sldId id="256" r:id="rId2"/>
-    <p:sldId id="257" r:id="rId3"/>
+    <p:sldId id="257" r:id="rId2"/>
+    <p:sldId id="258" r:id="rId3"/>
   </p:sldIdLst>
   <p:sldSz cx="12801600" cy="9601200" type="A3"/>
   <p:notesSz cx="6797675" cy="9872663"/>
@@ -106,6 +109,472 @@
     </a:lvl9pPr>
   </p:defaultTextStyle>
 </p:presentation>
+</file>
+
+<file path=ppt/notesMasters/notesMaster1.xml><?xml version="1.0" encoding="utf-8"?>
+<p:notesMaster xmlns:a="http://schemas.openxmlformats.org/drawingml/2006/main" xmlns:r="http://schemas.openxmlformats.org/officeDocument/2006/relationships" xmlns:p="http://schemas.openxmlformats.org/presentationml/2006/main">
+  <p:cSld>
+    <p:bg>
+      <p:bgRef idx="1001">
+        <a:schemeClr val="bg1"/>
+      </p:bgRef>
+    </p:bg>
+    <p:spTree>
+      <p:nvGrpSpPr>
+        <p:cNvPr id="1" name=""/>
+        <p:cNvGrpSpPr/>
+        <p:nvPr/>
+      </p:nvGrpSpPr>
+      <p:grpSpPr>
+        <a:xfrm>
+          <a:off x="0" y="0"/>
+          <a:ext cx="0" cy="0"/>
+          <a:chOff x="0" y="0"/>
+          <a:chExt cx="0" cy="0"/>
+        </a:xfrm>
+      </p:grpSpPr>
+      <p:sp>
+        <p:nvSpPr>
+          <p:cNvPr id="2" name="ヘッダー プレースホルダー 1"/>
+          <p:cNvSpPr>
+            <a:spLocks noGrp="1"/>
+          </p:cNvSpPr>
+          <p:nvPr>
+            <p:ph type="hdr" sz="quarter"/>
+          </p:nvPr>
+        </p:nvSpPr>
+        <p:spPr>
+          <a:xfrm>
+            <a:off x="0" y="0"/>
+            <a:ext cx="2946400" cy="493713"/>
+          </a:xfrm>
+          <a:prstGeom prst="rect">
+            <a:avLst/>
+          </a:prstGeom>
+        </p:spPr>
+        <p:txBody>
+          <a:bodyPr vert="horz" lIns="91440" tIns="45720" rIns="91440" bIns="45720" rtlCol="0"/>
+          <a:lstStyle>
+            <a:lvl1pPr algn="l">
+              <a:defRPr sz="1200"/>
+            </a:lvl1pPr>
+          </a:lstStyle>
+          <a:p>
+            <a:endParaRPr kumimoji="1" lang="ja-JP" altLang="en-US"/>
+          </a:p>
+        </p:txBody>
+      </p:sp>
+      <p:sp>
+        <p:nvSpPr>
+          <p:cNvPr id="3" name="日付プレースホルダー 2"/>
+          <p:cNvSpPr>
+            <a:spLocks noGrp="1"/>
+          </p:cNvSpPr>
+          <p:nvPr>
+            <p:ph type="dt" idx="1"/>
+          </p:nvPr>
+        </p:nvSpPr>
+        <p:spPr>
+          <a:xfrm>
+            <a:off x="3849688" y="0"/>
+            <a:ext cx="2946400" cy="493713"/>
+          </a:xfrm>
+          <a:prstGeom prst="rect">
+            <a:avLst/>
+          </a:prstGeom>
+        </p:spPr>
+        <p:txBody>
+          <a:bodyPr vert="horz" lIns="91440" tIns="45720" rIns="91440" bIns="45720" rtlCol="0"/>
+          <a:lstStyle>
+            <a:lvl1pPr algn="r">
+              <a:defRPr sz="1200"/>
+            </a:lvl1pPr>
+          </a:lstStyle>
+          <a:p>
+            <a:fld id="{5B270A06-F2D3-45A5-8CBA-0AAA8C67E922}" type="datetimeFigureOut">
+              <a:rPr kumimoji="1" lang="ja-JP" altLang="en-US" smtClean="0"/>
+              <a:t>2012/9/6</a:t>
+            </a:fld>
+            <a:endParaRPr kumimoji="1" lang="ja-JP" altLang="en-US"/>
+          </a:p>
+        </p:txBody>
+      </p:sp>
+      <p:sp>
+        <p:nvSpPr>
+          <p:cNvPr id="4" name="スライド イメージ プレースホルダー 3"/>
+          <p:cNvSpPr>
+            <a:spLocks noGrp="1" noRot="1" noChangeAspect="1"/>
+          </p:cNvSpPr>
+          <p:nvPr>
+            <p:ph type="sldImg" idx="2"/>
+          </p:nvPr>
+        </p:nvSpPr>
+        <p:spPr>
+          <a:xfrm>
+            <a:off x="930275" y="739775"/>
+            <a:ext cx="4937125" cy="3703638"/>
+          </a:xfrm>
+          <a:prstGeom prst="rect">
+            <a:avLst/>
+          </a:prstGeom>
+          <a:noFill/>
+          <a:ln w="12700">
+            <a:solidFill>
+              <a:prstClr val="black"/>
+            </a:solidFill>
+          </a:ln>
+        </p:spPr>
+        <p:txBody>
+          <a:bodyPr vert="horz" lIns="91440" tIns="45720" rIns="91440" bIns="45720" rtlCol="0" anchor="ctr"/>
+          <a:lstStyle/>
+          <a:p>
+            <a:endParaRPr lang="ja-JP" altLang="en-US"/>
+          </a:p>
+        </p:txBody>
+      </p:sp>
+      <p:sp>
+        <p:nvSpPr>
+          <p:cNvPr id="5" name="ノート プレースホルダー 4"/>
+          <p:cNvSpPr>
+            <a:spLocks noGrp="1"/>
+          </p:cNvSpPr>
+          <p:nvPr>
+            <p:ph type="body" sz="quarter" idx="3"/>
+          </p:nvPr>
+        </p:nvSpPr>
+        <p:spPr>
+          <a:xfrm>
+            <a:off x="679450" y="4689475"/>
+            <a:ext cx="5438775" cy="4443413"/>
+          </a:xfrm>
+          <a:prstGeom prst="rect">
+            <a:avLst/>
+          </a:prstGeom>
+        </p:spPr>
+        <p:txBody>
+          <a:bodyPr vert="horz" lIns="91440" tIns="45720" rIns="91440" bIns="45720" rtlCol="0"/>
+          <a:lstStyle/>
+          <a:p>
+            <a:pPr lvl="0"/>
+            <a:r>
+              <a:rPr kumimoji="1" lang="ja-JP" altLang="en-US" smtClean="0"/>
+              <a:t>マスター テキストの書式設定</a:t>
+            </a:r>
+          </a:p>
+          <a:p>
+            <a:pPr lvl="1"/>
+            <a:r>
+              <a:rPr kumimoji="1" lang="ja-JP" altLang="en-US" smtClean="0"/>
+              <a:t>第 </a:t>
+            </a:r>
+            <a:r>
+              <a:rPr kumimoji="1" lang="en-US" altLang="ja-JP" smtClean="0"/>
+              <a:t>2 </a:t>
+            </a:r>
+            <a:r>
+              <a:rPr kumimoji="1" lang="ja-JP" altLang="en-US" smtClean="0"/>
+              <a:t>レベル</a:t>
+            </a:r>
+          </a:p>
+          <a:p>
+            <a:pPr lvl="2"/>
+            <a:r>
+              <a:rPr kumimoji="1" lang="ja-JP" altLang="en-US" smtClean="0"/>
+              <a:t>第 </a:t>
+            </a:r>
+            <a:r>
+              <a:rPr kumimoji="1" lang="en-US" altLang="ja-JP" smtClean="0"/>
+              <a:t>3 </a:t>
+            </a:r>
+            <a:r>
+              <a:rPr kumimoji="1" lang="ja-JP" altLang="en-US" smtClean="0"/>
+              <a:t>レベル</a:t>
+            </a:r>
+          </a:p>
+          <a:p>
+            <a:pPr lvl="3"/>
+            <a:r>
+              <a:rPr kumimoji="1" lang="ja-JP" altLang="en-US" smtClean="0"/>
+              <a:t>第 </a:t>
+            </a:r>
+            <a:r>
+              <a:rPr kumimoji="1" lang="en-US" altLang="ja-JP" smtClean="0"/>
+              <a:t>4 </a:t>
+            </a:r>
+            <a:r>
+              <a:rPr kumimoji="1" lang="ja-JP" altLang="en-US" smtClean="0"/>
+              <a:t>レベル</a:t>
+            </a:r>
+          </a:p>
+          <a:p>
+            <a:pPr lvl="4"/>
+            <a:r>
+              <a:rPr kumimoji="1" lang="ja-JP" altLang="en-US" smtClean="0"/>
+              <a:t>第 </a:t>
+            </a:r>
+            <a:r>
+              <a:rPr kumimoji="1" lang="en-US" altLang="ja-JP" smtClean="0"/>
+              <a:t>5 </a:t>
+            </a:r>
+            <a:r>
+              <a:rPr kumimoji="1" lang="ja-JP" altLang="en-US" smtClean="0"/>
+              <a:t>レベル</a:t>
+            </a:r>
+            <a:endParaRPr kumimoji="1" lang="ja-JP" altLang="en-US"/>
+          </a:p>
+        </p:txBody>
+      </p:sp>
+      <p:sp>
+        <p:nvSpPr>
+          <p:cNvPr id="6" name="フッター プレースホルダー 5"/>
+          <p:cNvSpPr>
+            <a:spLocks noGrp="1"/>
+          </p:cNvSpPr>
+          <p:nvPr>
+            <p:ph type="ftr" sz="quarter" idx="4"/>
+          </p:nvPr>
+        </p:nvSpPr>
+        <p:spPr>
+          <a:xfrm>
+            <a:off x="0" y="9377363"/>
+            <a:ext cx="2946400" cy="493712"/>
+          </a:xfrm>
+          <a:prstGeom prst="rect">
+            <a:avLst/>
+          </a:prstGeom>
+        </p:spPr>
+        <p:txBody>
+          <a:bodyPr vert="horz" lIns="91440" tIns="45720" rIns="91440" bIns="45720" rtlCol="0" anchor="b"/>
+          <a:lstStyle>
+            <a:lvl1pPr algn="l">
+              <a:defRPr sz="1200"/>
+            </a:lvl1pPr>
+          </a:lstStyle>
+          <a:p>
+            <a:endParaRPr kumimoji="1" lang="ja-JP" altLang="en-US"/>
+          </a:p>
+        </p:txBody>
+      </p:sp>
+      <p:sp>
+        <p:nvSpPr>
+          <p:cNvPr id="7" name="スライド番号プレースホルダー 6"/>
+          <p:cNvSpPr>
+            <a:spLocks noGrp="1"/>
+          </p:cNvSpPr>
+          <p:nvPr>
+            <p:ph type="sldNum" sz="quarter" idx="5"/>
+          </p:nvPr>
+        </p:nvSpPr>
+        <p:spPr>
+          <a:xfrm>
+            <a:off x="3849688" y="9377363"/>
+            <a:ext cx="2946400" cy="493712"/>
+          </a:xfrm>
+          <a:prstGeom prst="rect">
+            <a:avLst/>
+          </a:prstGeom>
+        </p:spPr>
+        <p:txBody>
+          <a:bodyPr vert="horz" lIns="91440" tIns="45720" rIns="91440" bIns="45720" rtlCol="0" anchor="b"/>
+          <a:lstStyle>
+            <a:lvl1pPr algn="r">
+              <a:defRPr sz="1200"/>
+            </a:lvl1pPr>
+          </a:lstStyle>
+          <a:p>
+            <a:fld id="{B790BF9C-EE01-4023-9F4A-05B89A3D4721}" type="slidenum">
+              <a:rPr kumimoji="1" lang="ja-JP" altLang="en-US" smtClean="0"/>
+              <a:t>‹#›</a:t>
+            </a:fld>
+            <a:endParaRPr kumimoji="1" lang="ja-JP" altLang="en-US"/>
+          </a:p>
+        </p:txBody>
+      </p:sp>
+    </p:spTree>
+    <p:extLst>
+      <p:ext uri="{BB962C8B-B14F-4D97-AF65-F5344CB8AC3E}">
+        <p14:creationId xmlns:p14="http://schemas.microsoft.com/office/powerpoint/2010/main" val="2456670357"/>
+      </p:ext>
+    </p:extLst>
+  </p:cSld>
+  <p:clrMap bg1="lt1" tx1="dk1" bg2="lt2" tx2="dk2" accent1="accent1" accent2="accent2" accent3="accent3" accent4="accent4" accent5="accent5" accent6="accent6" hlink="hlink" folHlink="folHlink"/>
+  <p:notesStyle>
+    <a:lvl1pPr marL="0" algn="l" defTabSz="914400" rtl="0" eaLnBrk="1" latinLnBrk="0" hangingPunct="1">
+      <a:defRPr kumimoji="1" sz="1200" kern="1200">
+        <a:solidFill>
+          <a:schemeClr val="tx1"/>
+        </a:solidFill>
+        <a:latin typeface="+mn-lt"/>
+        <a:ea typeface="+mn-ea"/>
+        <a:cs typeface="+mn-cs"/>
+      </a:defRPr>
+    </a:lvl1pPr>
+    <a:lvl2pPr marL="457200" algn="l" defTabSz="914400" rtl="0" eaLnBrk="1" latinLnBrk="0" hangingPunct="1">
+      <a:defRPr kumimoji="1" sz="1200" kern="1200">
+        <a:solidFill>
+          <a:schemeClr val="tx1"/>
+        </a:solidFill>
+        <a:latin typeface="+mn-lt"/>
+        <a:ea typeface="+mn-ea"/>
+        <a:cs typeface="+mn-cs"/>
+      </a:defRPr>
+    </a:lvl2pPr>
+    <a:lvl3pPr marL="914400" algn="l" defTabSz="914400" rtl="0" eaLnBrk="1" latinLnBrk="0" hangingPunct="1">
+      <a:defRPr kumimoji="1" sz="1200" kern="1200">
+        <a:solidFill>
+          <a:schemeClr val="tx1"/>
+        </a:solidFill>
+        <a:latin typeface="+mn-lt"/>
+        <a:ea typeface="+mn-ea"/>
+        <a:cs typeface="+mn-cs"/>
+      </a:defRPr>
+    </a:lvl3pPr>
+    <a:lvl4pPr marL="1371600" algn="l" defTabSz="914400" rtl="0" eaLnBrk="1" latinLnBrk="0" hangingPunct="1">
+      <a:defRPr kumimoji="1" sz="1200" kern="1200">
+        <a:solidFill>
+          <a:schemeClr val="tx1"/>
+        </a:solidFill>
+        <a:latin typeface="+mn-lt"/>
+        <a:ea typeface="+mn-ea"/>
+        <a:cs typeface="+mn-cs"/>
+      </a:defRPr>
+    </a:lvl4pPr>
+    <a:lvl5pPr marL="1828800" algn="l" defTabSz="914400" rtl="0" eaLnBrk="1" latinLnBrk="0" hangingPunct="1">
+      <a:defRPr kumimoji="1" sz="1200" kern="1200">
+        <a:solidFill>
+          <a:schemeClr val="tx1"/>
+        </a:solidFill>
+        <a:latin typeface="+mn-lt"/>
+        <a:ea typeface="+mn-ea"/>
+        <a:cs typeface="+mn-cs"/>
+      </a:defRPr>
+    </a:lvl5pPr>
+    <a:lvl6pPr marL="2286000" algn="l" defTabSz="914400" rtl="0" eaLnBrk="1" latinLnBrk="0" hangingPunct="1">
+      <a:defRPr kumimoji="1" sz="1200" kern="1200">
+        <a:solidFill>
+          <a:schemeClr val="tx1"/>
+        </a:solidFill>
+        <a:latin typeface="+mn-lt"/>
+        <a:ea typeface="+mn-ea"/>
+        <a:cs typeface="+mn-cs"/>
+      </a:defRPr>
+    </a:lvl6pPr>
+    <a:lvl7pPr marL="2743200" algn="l" defTabSz="914400" rtl="0" eaLnBrk="1" latinLnBrk="0" hangingPunct="1">
+      <a:defRPr kumimoji="1" sz="1200" kern="1200">
+        <a:solidFill>
+          <a:schemeClr val="tx1"/>
+        </a:solidFill>
+        <a:latin typeface="+mn-lt"/>
+        <a:ea typeface="+mn-ea"/>
+        <a:cs typeface="+mn-cs"/>
+      </a:defRPr>
+    </a:lvl7pPr>
+    <a:lvl8pPr marL="3200400" algn="l" defTabSz="914400" rtl="0" eaLnBrk="1" latinLnBrk="0" hangingPunct="1">
+      <a:defRPr kumimoji="1" sz="1200" kern="1200">
+        <a:solidFill>
+          <a:schemeClr val="tx1"/>
+        </a:solidFill>
+        <a:latin typeface="+mn-lt"/>
+        <a:ea typeface="+mn-ea"/>
+        <a:cs typeface="+mn-cs"/>
+      </a:defRPr>
+    </a:lvl8pPr>
+    <a:lvl9pPr marL="3657600" algn="l" defTabSz="914400" rtl="0" eaLnBrk="1" latinLnBrk="0" hangingPunct="1">
+      <a:defRPr kumimoji="1" sz="1200" kern="1200">
+        <a:solidFill>
+          <a:schemeClr val="tx1"/>
+        </a:solidFill>
+        <a:latin typeface="+mn-lt"/>
+        <a:ea typeface="+mn-ea"/>
+        <a:cs typeface="+mn-cs"/>
+      </a:defRPr>
+    </a:lvl9pPr>
+  </p:notesStyle>
+</p:notesMaster>
+</file>
+
+<file path=ppt/notesSlides/notesSlide1.xml><?xml version="1.0" encoding="utf-8"?>
+<p:notes xmlns:a="http://schemas.openxmlformats.org/drawingml/2006/main" xmlns:r="http://schemas.openxmlformats.org/officeDocument/2006/relationships" xmlns:p="http://schemas.openxmlformats.org/presentationml/2006/main">
+  <p:cSld>
+    <p:spTree>
+      <p:nvGrpSpPr>
+        <p:cNvPr id="1" name=""/>
+        <p:cNvGrpSpPr/>
+        <p:nvPr/>
+      </p:nvGrpSpPr>
+      <p:grpSpPr>
+        <a:xfrm>
+          <a:off x="0" y="0"/>
+          <a:ext cx="0" cy="0"/>
+          <a:chOff x="0" y="0"/>
+          <a:chExt cx="0" cy="0"/>
+        </a:xfrm>
+      </p:grpSpPr>
+      <p:sp>
+        <p:nvSpPr>
+          <p:cNvPr id="2" name="スライド イメージ プレースホルダー 1"/>
+          <p:cNvSpPr>
+            <a:spLocks noGrp="1" noRot="1" noChangeAspect="1"/>
+          </p:cNvSpPr>
+          <p:nvPr>
+            <p:ph type="sldImg"/>
+          </p:nvPr>
+        </p:nvSpPr>
+        <p:spPr/>
+      </p:sp>
+      <p:sp>
+        <p:nvSpPr>
+          <p:cNvPr id="3" name="ノート プレースホルダー 2"/>
+          <p:cNvSpPr>
+            <a:spLocks noGrp="1"/>
+          </p:cNvSpPr>
+          <p:nvPr>
+            <p:ph type="body" idx="1"/>
+          </p:nvPr>
+        </p:nvSpPr>
+        <p:spPr/>
+        <p:txBody>
+          <a:bodyPr/>
+          <a:lstStyle/>
+          <a:p>
+            <a:endParaRPr kumimoji="1" lang="ja-JP" altLang="en-US" dirty="0"/>
+          </a:p>
+        </p:txBody>
+      </p:sp>
+      <p:sp>
+        <p:nvSpPr>
+          <p:cNvPr id="4" name="スライド番号プレースホルダー 3"/>
+          <p:cNvSpPr>
+            <a:spLocks noGrp="1"/>
+          </p:cNvSpPr>
+          <p:nvPr>
+            <p:ph type="sldNum" sz="quarter" idx="10"/>
+          </p:nvPr>
+        </p:nvSpPr>
+        <p:spPr/>
+        <p:txBody>
+          <a:bodyPr/>
+          <a:lstStyle/>
+          <a:p>
+            <a:fld id="{B790BF9C-EE01-4023-9F4A-05B89A3D4721}" type="slidenum">
+              <a:rPr kumimoji="1" lang="ja-JP" altLang="en-US" smtClean="0"/>
+              <a:t>1</a:t>
+            </a:fld>
+            <a:endParaRPr kumimoji="1" lang="ja-JP" altLang="en-US"/>
+          </a:p>
+        </p:txBody>
+      </p:sp>
+    </p:spTree>
+    <p:extLst>
+      <p:ext uri="{BB962C8B-B14F-4D97-AF65-F5344CB8AC3E}">
+        <p14:creationId xmlns:p14="http://schemas.microsoft.com/office/powerpoint/2010/main" val="2895326617"/>
+      </p:ext>
+    </p:extLst>
+  </p:cSld>
+  <p:clrMapOvr>
+    <a:masterClrMapping/>
+  </p:clrMapOvr>
+</p:notes>
 </file>
 
 <file path=ppt/slideLayouts/slideLayout1.xml><?xml version="1.0" encoding="utf-8"?>
@@ -3386,46 +3855,4358 @@
       </p:grpSpPr>
       <p:sp>
         <p:nvSpPr>
-          <p:cNvPr id="2" name="タイトル 1"/>
-          <p:cNvSpPr>
-            <a:spLocks noGrp="1"/>
-          </p:cNvSpPr>
-          <p:nvPr>
-            <p:ph type="ctrTitle"/>
-          </p:nvPr>
-        </p:nvSpPr>
-        <p:spPr/>
-        <p:txBody>
-          <a:bodyPr/>
+          <p:cNvPr id="19" name="正方形/長方形 18"/>
+          <p:cNvSpPr/>
+          <p:nvPr/>
+        </p:nvSpPr>
+        <p:spPr>
+          <a:xfrm>
+            <a:off x="7408912" y="875592"/>
+            <a:ext cx="5112568" cy="3984826"/>
+          </a:xfrm>
+          <a:prstGeom prst="rect">
+            <a:avLst/>
+          </a:prstGeom>
+          <a:ln>
+            <a:solidFill>
+              <a:schemeClr val="tx1"/>
+            </a:solidFill>
+          </a:ln>
+        </p:spPr>
+        <p:style>
+          <a:lnRef idx="2">
+            <a:schemeClr val="accent6"/>
+          </a:lnRef>
+          <a:fillRef idx="1">
+            <a:schemeClr val="lt1"/>
+          </a:fillRef>
+          <a:effectRef idx="0">
+            <a:schemeClr val="accent6"/>
+          </a:effectRef>
+          <a:fontRef idx="minor">
+            <a:schemeClr val="dk1"/>
+          </a:fontRef>
+        </p:style>
+        <p:txBody>
+          <a:bodyPr rtlCol="0" anchor="ctr"/>
           <a:lstStyle/>
           <a:p>
-            <a:endParaRPr kumimoji="1" lang="ja-JP" altLang="en-US"/>
-          </a:p>
-        </p:txBody>
-      </p:sp>
-      <p:sp>
-        <p:nvSpPr>
-          <p:cNvPr id="3" name="サブタイトル 2"/>
-          <p:cNvSpPr>
-            <a:spLocks noGrp="1"/>
-          </p:cNvSpPr>
-          <p:nvPr>
-            <p:ph type="subTitle" idx="1"/>
-          </p:nvPr>
-        </p:nvSpPr>
-        <p:spPr/>
-        <p:txBody>
-          <a:bodyPr/>
+            <a:pPr algn="ctr"/>
+            <a:endParaRPr kumimoji="1" lang="ja-JP" altLang="en-US" dirty="0"/>
+          </a:p>
+        </p:txBody>
+      </p:sp>
+      <p:pic>
+        <p:nvPicPr>
+          <p:cNvPr id="1032" name="Picture 8"/>
+          <p:cNvPicPr>
+            <a:picLocks noChangeAspect="1" noChangeArrowheads="1"/>
+          </p:cNvPicPr>
+          <p:nvPr/>
+        </p:nvPicPr>
+        <p:blipFill>
+          <a:blip r:embed="rId3">
+            <a:extLst>
+              <a:ext uri="{28A0092B-C50C-407E-A947-70E740481C1C}">
+                <a14:useLocalDpi xmlns:a14="http://schemas.microsoft.com/office/drawing/2010/main" val="0"/>
+              </a:ext>
+            </a:extLst>
+          </a:blip>
+          <a:srcRect/>
+          <a:stretch>
+            <a:fillRect/>
+          </a:stretch>
+        </p:blipFill>
+        <p:spPr bwMode="auto">
+          <a:xfrm>
+            <a:off x="7497650" y="1374404"/>
+            <a:ext cx="2907647" cy="2377002"/>
+          </a:xfrm>
+          <a:prstGeom prst="rect">
+            <a:avLst/>
+          </a:prstGeom>
+          <a:noFill/>
+          <a:ln>
+            <a:noFill/>
+          </a:ln>
+          <a:effectLst/>
+          <a:extLst>
+            <a:ext uri="{909E8E84-426E-40DD-AFC4-6F175D3DCCD1}">
+              <a14:hiddenFill xmlns:a14="http://schemas.microsoft.com/office/drawing/2010/main">
+                <a:solidFill>
+                  <a:schemeClr val="accent1"/>
+                </a:solidFill>
+              </a14:hiddenFill>
+            </a:ext>
+            <a:ext uri="{91240B29-F687-4F45-9708-019B960494DF}">
+              <a14:hiddenLine xmlns:a14="http://schemas.microsoft.com/office/drawing/2010/main" w="9525">
+                <a:solidFill>
+                  <a:schemeClr val="tx1"/>
+                </a:solidFill>
+                <a:miter lim="800000"/>
+                <a:headEnd/>
+                <a:tailEnd/>
+              </a14:hiddenLine>
+            </a:ext>
+            <a:ext uri="{AF507438-7753-43E0-B8FC-AC1667EBCBE1}">
+              <a14:hiddenEffects xmlns:a14="http://schemas.microsoft.com/office/drawing/2010/main">
+                <a:effectLst>
+                  <a:outerShdw dist="35921" dir="2700000" algn="ctr" rotWithShape="0">
+                    <a:schemeClr val="bg2"/>
+                  </a:outerShdw>
+                </a:effectLst>
+              </a14:hiddenEffects>
+            </a:ext>
+          </a:extLst>
+        </p:spPr>
+      </p:pic>
+      <p:sp>
+        <p:nvSpPr>
+          <p:cNvPr id="20" name="正方形/長方形 19"/>
+          <p:cNvSpPr/>
+          <p:nvPr/>
+        </p:nvSpPr>
+        <p:spPr>
+          <a:xfrm>
+            <a:off x="7408912" y="4836032"/>
+            <a:ext cx="5112568" cy="4501072"/>
+          </a:xfrm>
+          <a:prstGeom prst="rect">
+            <a:avLst/>
+          </a:prstGeom>
+          <a:ln>
+            <a:solidFill>
+              <a:schemeClr val="tx1"/>
+            </a:solidFill>
+          </a:ln>
+        </p:spPr>
+        <p:style>
+          <a:lnRef idx="2">
+            <a:schemeClr val="accent6"/>
+          </a:lnRef>
+          <a:fillRef idx="1">
+            <a:schemeClr val="lt1"/>
+          </a:fillRef>
+          <a:effectRef idx="0">
+            <a:schemeClr val="accent6"/>
+          </a:effectRef>
+          <a:fontRef idx="minor">
+            <a:schemeClr val="dk1"/>
+          </a:fontRef>
+        </p:style>
+        <p:txBody>
+          <a:bodyPr rtlCol="0" anchor="ctr"/>
           <a:lstStyle/>
           <a:p>
-            <a:endParaRPr kumimoji="1" lang="ja-JP" altLang="en-US"/>
+            <a:pPr algn="ctr"/>
+            <a:endParaRPr kumimoji="1" lang="ja-JP" altLang="en-US" dirty="0"/>
+          </a:p>
+        </p:txBody>
+      </p:sp>
+      <p:sp>
+        <p:nvSpPr>
+          <p:cNvPr id="5" name="正方形/長方形 4"/>
+          <p:cNvSpPr/>
+          <p:nvPr/>
+        </p:nvSpPr>
+        <p:spPr>
+          <a:xfrm>
+            <a:off x="280120" y="875592"/>
+            <a:ext cx="7128792" cy="3960440"/>
+          </a:xfrm>
+          <a:prstGeom prst="rect">
+            <a:avLst/>
+          </a:prstGeom>
+          <a:ln>
+            <a:solidFill>
+              <a:schemeClr val="tx1"/>
+            </a:solidFill>
+          </a:ln>
+        </p:spPr>
+        <p:style>
+          <a:lnRef idx="2">
+            <a:schemeClr val="accent6"/>
+          </a:lnRef>
+          <a:fillRef idx="1">
+            <a:schemeClr val="lt1"/>
+          </a:fillRef>
+          <a:effectRef idx="0">
+            <a:schemeClr val="accent6"/>
+          </a:effectRef>
+          <a:fontRef idx="minor">
+            <a:schemeClr val="dk1"/>
+          </a:fontRef>
+        </p:style>
+        <p:txBody>
+          <a:bodyPr rtlCol="0" anchor="ctr"/>
+          <a:lstStyle/>
+          <a:p>
+            <a:pPr algn="ctr"/>
+            <a:endParaRPr kumimoji="1" lang="ja-JP" altLang="en-US" dirty="0"/>
+          </a:p>
+        </p:txBody>
+      </p:sp>
+      <p:sp>
+        <p:nvSpPr>
+          <p:cNvPr id="4" name="正方形/長方形 3"/>
+          <p:cNvSpPr/>
+          <p:nvPr/>
+        </p:nvSpPr>
+        <p:spPr>
+          <a:xfrm>
+            <a:off x="280120" y="120080"/>
+            <a:ext cx="12241360" cy="576064"/>
+          </a:xfrm>
+          <a:prstGeom prst="rect">
+            <a:avLst/>
+          </a:prstGeom>
+        </p:spPr>
+        <p:style>
+          <a:lnRef idx="2">
+            <a:schemeClr val="accent1">
+              <a:shade val="50000"/>
+            </a:schemeClr>
+          </a:lnRef>
+          <a:fillRef idx="1">
+            <a:schemeClr val="accent1"/>
+          </a:fillRef>
+          <a:effectRef idx="0">
+            <a:schemeClr val="accent1"/>
+          </a:effectRef>
+          <a:fontRef idx="minor">
+            <a:schemeClr val="lt1"/>
+          </a:fontRef>
+        </p:style>
+        <p:txBody>
+          <a:bodyPr tIns="180000" rtlCol="0" anchor="ctr" anchorCtr="0"/>
+          <a:lstStyle/>
+          <a:p>
+            <a:r>
+              <a:rPr kumimoji="1" lang="en-US" altLang="ja-JP" sz="3600" dirty="0" smtClean="0">
+                <a:latin typeface="メイリオ" pitchFamily="50" charset="-128"/>
+                <a:ea typeface="メイリオ" pitchFamily="50" charset="-128"/>
+                <a:cs typeface="メイリオ" pitchFamily="50" charset="-128"/>
+              </a:rPr>
+              <a:t>4.</a:t>
+            </a:r>
+            <a:r>
+              <a:rPr kumimoji="1" lang="ja-JP" altLang="en-US" sz="3600" dirty="0" smtClean="0">
+                <a:latin typeface="メイリオ" pitchFamily="50" charset="-128"/>
+                <a:ea typeface="メイリオ" pitchFamily="50" charset="-128"/>
+                <a:cs typeface="メイリオ" pitchFamily="50" charset="-128"/>
+              </a:rPr>
+              <a:t>走行戦略</a:t>
+            </a:r>
+            <a:r>
+              <a:rPr kumimoji="1" lang="en-US" altLang="ja-JP" sz="3600" dirty="0" smtClean="0">
+                <a:latin typeface="メイリオ" pitchFamily="50" charset="-128"/>
+                <a:ea typeface="メイリオ" pitchFamily="50" charset="-128"/>
+                <a:cs typeface="メイリオ" pitchFamily="50" charset="-128"/>
+              </a:rPr>
+              <a:t>						</a:t>
+            </a:r>
+            <a:r>
+              <a:rPr kumimoji="1" lang="ja-JP" altLang="en-US" sz="3600" dirty="0" smtClean="0">
+                <a:latin typeface="メイリオ" pitchFamily="50" charset="-128"/>
+                <a:ea typeface="メイリオ" pitchFamily="50" charset="-128"/>
+                <a:cs typeface="メイリオ" pitchFamily="50" charset="-128"/>
+              </a:rPr>
+              <a:t>　</a:t>
+            </a:r>
+            <a:r>
+              <a:rPr kumimoji="1" lang="ja-JP" altLang="en-US" sz="3600" dirty="0" err="1" smtClean="0">
+                <a:latin typeface="メイリオ" pitchFamily="50" charset="-128"/>
+                <a:ea typeface="メイリオ" pitchFamily="50" charset="-128"/>
+                <a:cs typeface="メイリオ" pitchFamily="50" charset="-128"/>
+              </a:rPr>
+              <a:t>良いこん</a:t>
+            </a:r>
+            <a:r>
+              <a:rPr kumimoji="1" lang="ja-JP" altLang="en-US" sz="3600" dirty="0" smtClean="0">
+                <a:latin typeface="メイリオ" pitchFamily="50" charset="-128"/>
+                <a:ea typeface="メイリオ" pitchFamily="50" charset="-128"/>
+                <a:cs typeface="メイリオ" pitchFamily="50" charset="-128"/>
+              </a:rPr>
+              <a:t>ぶ</a:t>
+            </a:r>
+            <a:endParaRPr kumimoji="1" lang="ja-JP" altLang="en-US" sz="3600" dirty="0">
+              <a:latin typeface="メイリオ" pitchFamily="50" charset="-128"/>
+              <a:ea typeface="メイリオ" pitchFamily="50" charset="-128"/>
+              <a:cs typeface="メイリオ" pitchFamily="50" charset="-128"/>
+            </a:endParaRPr>
+          </a:p>
+        </p:txBody>
+      </p:sp>
+      <p:sp>
+        <p:nvSpPr>
+          <p:cNvPr id="6" name="正方形/長方形 5"/>
+          <p:cNvSpPr/>
+          <p:nvPr/>
+        </p:nvSpPr>
+        <p:spPr>
+          <a:xfrm>
+            <a:off x="280120" y="4838699"/>
+            <a:ext cx="7128792" cy="4498405"/>
+          </a:xfrm>
+          <a:prstGeom prst="rect">
+            <a:avLst/>
+          </a:prstGeom>
+          <a:ln>
+            <a:solidFill>
+              <a:schemeClr val="tx1"/>
+            </a:solidFill>
+          </a:ln>
+        </p:spPr>
+        <p:style>
+          <a:lnRef idx="2">
+            <a:schemeClr val="accent6"/>
+          </a:lnRef>
+          <a:fillRef idx="1">
+            <a:schemeClr val="lt1"/>
+          </a:fillRef>
+          <a:effectRef idx="0">
+            <a:schemeClr val="accent6"/>
+          </a:effectRef>
+          <a:fontRef idx="minor">
+            <a:schemeClr val="dk1"/>
+          </a:fontRef>
+        </p:style>
+        <p:txBody>
+          <a:bodyPr rtlCol="0" anchor="ctr"/>
+          <a:lstStyle/>
+          <a:p>
+            <a:pPr algn="ctr"/>
+            <a:endParaRPr kumimoji="1" lang="ja-JP" altLang="en-US" dirty="0"/>
+          </a:p>
+        </p:txBody>
+      </p:sp>
+      <p:sp>
+        <p:nvSpPr>
+          <p:cNvPr id="13" name="正方形/長方形 12"/>
+          <p:cNvSpPr/>
+          <p:nvPr/>
+        </p:nvSpPr>
+        <p:spPr>
+          <a:xfrm>
+            <a:off x="280120" y="4832538"/>
+            <a:ext cx="2034512" cy="400110"/>
+          </a:xfrm>
+          <a:prstGeom prst="rect">
+            <a:avLst/>
+          </a:prstGeom>
+        </p:spPr>
+        <p:style>
+          <a:lnRef idx="2">
+            <a:schemeClr val="accent1">
+              <a:shade val="50000"/>
+            </a:schemeClr>
+          </a:lnRef>
+          <a:fillRef idx="1">
+            <a:schemeClr val="accent1"/>
+          </a:fillRef>
+          <a:effectRef idx="0">
+            <a:schemeClr val="accent1"/>
+          </a:effectRef>
+          <a:fontRef idx="minor">
+            <a:schemeClr val="lt1"/>
+          </a:fontRef>
+        </p:style>
+        <p:txBody>
+          <a:bodyPr rtlCol="0" anchor="ctr">
+            <a:spAutoFit/>
+          </a:bodyPr>
+          <a:lstStyle/>
+          <a:p>
+            <a:pPr algn="ctr"/>
+            <a:r>
+              <a:rPr lang="ja-JP" altLang="en-US" sz="2000" dirty="0">
+                <a:latin typeface="メイリオ" pitchFamily="50" charset="-128"/>
+                <a:ea typeface="メイリオ" pitchFamily="50" charset="-128"/>
+                <a:cs typeface="メイリオ" pitchFamily="50" charset="-128"/>
+              </a:rPr>
+              <a:t>ドリフトターン</a:t>
+            </a:r>
+            <a:endParaRPr kumimoji="1" lang="ja-JP" altLang="en-US" sz="2000" dirty="0">
+              <a:latin typeface="メイリオ" pitchFamily="50" charset="-128"/>
+              <a:ea typeface="メイリオ" pitchFamily="50" charset="-128"/>
+              <a:cs typeface="メイリオ" pitchFamily="50" charset="-128"/>
+            </a:endParaRPr>
+          </a:p>
+        </p:txBody>
+      </p:sp>
+      <p:sp>
+        <p:nvSpPr>
+          <p:cNvPr id="17" name="正方形/長方形 16"/>
+          <p:cNvSpPr/>
+          <p:nvPr/>
+        </p:nvSpPr>
+        <p:spPr>
+          <a:xfrm>
+            <a:off x="568152" y="5736704"/>
+            <a:ext cx="2682584" cy="2232248"/>
+          </a:xfrm>
+          <a:prstGeom prst="rect">
+            <a:avLst/>
+          </a:prstGeom>
+        </p:spPr>
+        <p:style>
+          <a:lnRef idx="2">
+            <a:schemeClr val="accent6"/>
+          </a:lnRef>
+          <a:fillRef idx="1">
+            <a:schemeClr val="lt1"/>
+          </a:fillRef>
+          <a:effectRef idx="0">
+            <a:schemeClr val="accent6"/>
+          </a:effectRef>
+          <a:fontRef idx="minor">
+            <a:schemeClr val="dk1"/>
+          </a:fontRef>
+        </p:style>
+        <p:txBody>
+          <a:bodyPr rtlCol="0" anchor="ctr"/>
+          <a:lstStyle/>
+          <a:p>
+            <a:pPr algn="ctr"/>
+            <a:r>
+              <a:rPr kumimoji="1" lang="ja-JP" altLang="en-US" dirty="0" smtClean="0"/>
+              <a:t>アクティビティ図</a:t>
+            </a:r>
+            <a:endParaRPr kumimoji="1" lang="en-US" altLang="ja-JP" dirty="0" smtClean="0"/>
+          </a:p>
+          <a:p>
+            <a:pPr algn="ctr"/>
+            <a:r>
+              <a:rPr lang="ja-JP" altLang="en-US" smtClean="0"/>
+              <a:t>（未確定）</a:t>
+            </a:r>
+            <a:endParaRPr lang="en-US" altLang="ja-JP" dirty="0" smtClean="0"/>
+          </a:p>
+        </p:txBody>
+      </p:sp>
+      <p:pic>
+        <p:nvPicPr>
+          <p:cNvPr id="9" name="図 8"/>
+          <p:cNvPicPr>
+            <a:picLocks noChangeAspect="1"/>
+          </p:cNvPicPr>
+          <p:nvPr/>
+        </p:nvPicPr>
+        <p:blipFill>
+          <a:blip r:embed="rId4" cstate="print">
+            <a:extLst>
+              <a:ext uri="{28A0092B-C50C-407E-A947-70E740481C1C}">
+                <a14:useLocalDpi xmlns:a14="http://schemas.microsoft.com/office/drawing/2010/main" val="0"/>
+              </a:ext>
+            </a:extLst>
+          </a:blip>
+          <a:stretch>
+            <a:fillRect/>
+          </a:stretch>
+        </p:blipFill>
+        <p:spPr>
+          <a:xfrm>
+            <a:off x="7462632" y="8336584"/>
+            <a:ext cx="2754592" cy="776906"/>
+          </a:xfrm>
+          <a:prstGeom prst="rect">
+            <a:avLst/>
+          </a:prstGeom>
+        </p:spPr>
+      </p:pic>
+      <p:sp>
+        <p:nvSpPr>
+          <p:cNvPr id="14" name="正方形/長方形 13"/>
+          <p:cNvSpPr/>
+          <p:nvPr/>
+        </p:nvSpPr>
+        <p:spPr>
+          <a:xfrm>
+            <a:off x="7390624" y="840160"/>
+            <a:ext cx="2538568" cy="400110"/>
+          </a:xfrm>
+          <a:prstGeom prst="rect">
+            <a:avLst/>
+          </a:prstGeom>
+        </p:spPr>
+        <p:style>
+          <a:lnRef idx="2">
+            <a:schemeClr val="accent1">
+              <a:shade val="50000"/>
+            </a:schemeClr>
+          </a:lnRef>
+          <a:fillRef idx="1">
+            <a:schemeClr val="accent1"/>
+          </a:fillRef>
+          <a:effectRef idx="0">
+            <a:schemeClr val="accent1"/>
+          </a:effectRef>
+          <a:fontRef idx="minor">
+            <a:schemeClr val="lt1"/>
+          </a:fontRef>
+        </p:style>
+        <p:txBody>
+          <a:bodyPr wrap="square" rtlCol="0" anchor="ctr">
+            <a:spAutoFit/>
+          </a:bodyPr>
+          <a:lstStyle/>
+          <a:p>
+            <a:pPr algn="ctr"/>
+            <a:r>
+              <a:rPr lang="ja-JP" altLang="en-US" sz="2000" dirty="0">
+                <a:latin typeface="メイリオ" pitchFamily="50" charset="-128"/>
+                <a:ea typeface="メイリオ" pitchFamily="50" charset="-128"/>
+                <a:cs typeface="メイリオ" pitchFamily="50" charset="-128"/>
+              </a:rPr>
+              <a:t>ルックアップゲート</a:t>
+            </a:r>
+            <a:endParaRPr kumimoji="1" lang="ja-JP" altLang="en-US" sz="2000" dirty="0">
+              <a:latin typeface="メイリオ" pitchFamily="50" charset="-128"/>
+              <a:ea typeface="メイリオ" pitchFamily="50" charset="-128"/>
+              <a:cs typeface="メイリオ" pitchFamily="50" charset="-128"/>
+            </a:endParaRPr>
+          </a:p>
+        </p:txBody>
+      </p:sp>
+      <p:pic>
+        <p:nvPicPr>
+          <p:cNvPr id="10" name="図 9"/>
+          <p:cNvPicPr>
+            <a:picLocks noChangeAspect="1"/>
+          </p:cNvPicPr>
+          <p:nvPr/>
+        </p:nvPicPr>
+        <p:blipFill>
+          <a:blip r:embed="rId5" cstate="print">
+            <a:extLst>
+              <a:ext uri="{28A0092B-C50C-407E-A947-70E740481C1C}">
+                <a14:useLocalDpi xmlns:a14="http://schemas.microsoft.com/office/drawing/2010/main" val="0"/>
+              </a:ext>
+            </a:extLst>
+          </a:blip>
+          <a:stretch>
+            <a:fillRect/>
+          </a:stretch>
+        </p:blipFill>
+        <p:spPr>
+          <a:xfrm>
+            <a:off x="7810514" y="3792488"/>
+            <a:ext cx="2118678" cy="973909"/>
+          </a:xfrm>
+          <a:prstGeom prst="rect">
+            <a:avLst/>
+          </a:prstGeom>
+        </p:spPr>
+      </p:pic>
+      <p:pic>
+        <p:nvPicPr>
+          <p:cNvPr id="7" name="図 6"/>
+          <p:cNvPicPr>
+            <a:picLocks noChangeAspect="1"/>
+          </p:cNvPicPr>
+          <p:nvPr/>
+        </p:nvPicPr>
+        <p:blipFill>
+          <a:blip r:embed="rId6" cstate="print">
+            <a:extLst>
+              <a:ext uri="{28A0092B-C50C-407E-A947-70E740481C1C}">
+                <a14:useLocalDpi xmlns:a14="http://schemas.microsoft.com/office/drawing/2010/main" val="0"/>
+              </a:ext>
+            </a:extLst>
+          </a:blip>
+          <a:stretch>
+            <a:fillRect/>
+          </a:stretch>
+        </p:blipFill>
+        <p:spPr>
+          <a:xfrm>
+            <a:off x="352128" y="8112968"/>
+            <a:ext cx="4166884" cy="1158891"/>
+          </a:xfrm>
+          <a:prstGeom prst="rect">
+            <a:avLst/>
+          </a:prstGeom>
+        </p:spPr>
+      </p:pic>
+      <p:sp>
+        <p:nvSpPr>
+          <p:cNvPr id="34" name="角丸四角形 33"/>
+          <p:cNvSpPr/>
+          <p:nvPr/>
+        </p:nvSpPr>
+        <p:spPr>
+          <a:xfrm>
+            <a:off x="4155852" y="940470"/>
+            <a:ext cx="3194124" cy="1195834"/>
+          </a:xfrm>
+          <a:prstGeom prst="roundRect">
+            <a:avLst/>
+          </a:prstGeom>
+        </p:spPr>
+        <p:style>
+          <a:lnRef idx="2">
+            <a:schemeClr val="accent2"/>
+          </a:lnRef>
+          <a:fillRef idx="1">
+            <a:schemeClr val="lt1"/>
+          </a:fillRef>
+          <a:effectRef idx="0">
+            <a:schemeClr val="accent2"/>
+          </a:effectRef>
+          <a:fontRef idx="minor">
+            <a:schemeClr val="dk1"/>
+          </a:fontRef>
+        </p:style>
+        <p:txBody>
+          <a:bodyPr rtlCol="0" anchor="ctr"/>
+          <a:lstStyle/>
+          <a:p>
+            <a:pPr algn="ctr"/>
+            <a:r>
+              <a:rPr lang="en-US" altLang="ja-JP" sz="1200" smtClean="0">
+                <a:ln w="3175">
+                  <a:solidFill>
+                    <a:srgbClr val="FF0000"/>
+                  </a:solidFill>
+                  <a:prstDash val="solid"/>
+                </a:ln>
+                <a:solidFill>
+                  <a:srgbClr val="FFFFFF"/>
+                </a:solidFill>
+                <a:effectLst>
+                  <a:outerShdw blurRad="38100" dist="32000" dir="5400000" algn="tl">
+                    <a:srgbClr val="000000">
+                      <a:alpha val="30000"/>
+                    </a:srgbClr>
+                  </a:outerShdw>
+                </a:effectLst>
+                <a:latin typeface="メイリオ" pitchFamily="50" charset="-128"/>
+                <a:ea typeface="メイリオ" pitchFamily="50" charset="-128"/>
+                <a:cs typeface="メイリオ" pitchFamily="50" charset="-128"/>
+              </a:rPr>
+              <a:t>-</a:t>
+            </a:r>
+            <a:r>
+              <a:rPr lang="ja-JP" altLang="en-US" sz="1200">
+                <a:ln w="3175">
+                  <a:solidFill>
+                    <a:srgbClr val="FF0000"/>
+                  </a:solidFill>
+                  <a:prstDash val="solid"/>
+                </a:ln>
+                <a:solidFill>
+                  <a:srgbClr val="FFFFFF"/>
+                </a:solidFill>
+                <a:effectLst>
+                  <a:outerShdw blurRad="38100" dist="32000" dir="5400000" algn="tl">
+                    <a:srgbClr val="000000">
+                      <a:alpha val="30000"/>
+                    </a:srgbClr>
+                  </a:outerShdw>
+                </a:effectLst>
+                <a:latin typeface="メイリオ" pitchFamily="50" charset="-128"/>
+                <a:ea typeface="メイリオ" pitchFamily="50" charset="-128"/>
+                <a:cs typeface="メイリオ" pitchFamily="50" charset="-128"/>
+              </a:rPr>
+              <a:t>危険</a:t>
+            </a:r>
+            <a:r>
+              <a:rPr lang="ja-JP" altLang="en-US" sz="1200" smtClean="0">
+                <a:ln w="3175">
+                  <a:solidFill>
+                    <a:srgbClr val="FF0000"/>
+                  </a:solidFill>
+                  <a:prstDash val="solid"/>
+                </a:ln>
+                <a:solidFill>
+                  <a:srgbClr val="FFFFFF"/>
+                </a:solidFill>
+                <a:effectLst>
+                  <a:outerShdw blurRad="38100" dist="32000" dir="5400000" algn="tl">
+                    <a:srgbClr val="000000">
+                      <a:alpha val="30000"/>
+                    </a:srgbClr>
+                  </a:outerShdw>
+                </a:effectLst>
+                <a:latin typeface="メイリオ" pitchFamily="50" charset="-128"/>
+                <a:ea typeface="メイリオ" pitchFamily="50" charset="-128"/>
+                <a:cs typeface="メイリオ" pitchFamily="50" charset="-128"/>
+              </a:rPr>
+              <a:t>ポイント</a:t>
+            </a:r>
+            <a:r>
+              <a:rPr lang="en-US" altLang="ja-JP" sz="1200" smtClean="0">
+                <a:ln w="3175">
+                  <a:solidFill>
+                    <a:srgbClr val="FF0000"/>
+                  </a:solidFill>
+                  <a:prstDash val="solid"/>
+                </a:ln>
+                <a:solidFill>
+                  <a:srgbClr val="FFFFFF"/>
+                </a:solidFill>
+                <a:effectLst>
+                  <a:outerShdw blurRad="38100" dist="32000" dir="5400000" algn="tl">
+                    <a:srgbClr val="000000">
+                      <a:alpha val="30000"/>
+                    </a:srgbClr>
+                  </a:outerShdw>
+                </a:effectLst>
+                <a:latin typeface="メイリオ" pitchFamily="50" charset="-128"/>
+                <a:ea typeface="メイリオ" pitchFamily="50" charset="-128"/>
+                <a:cs typeface="メイリオ" pitchFamily="50" charset="-128"/>
+              </a:rPr>
+              <a:t>-</a:t>
+            </a:r>
+            <a:endParaRPr lang="en-US" altLang="ja-JP" sz="1200">
+              <a:ln w="3175">
+                <a:solidFill>
+                  <a:srgbClr val="FF0000"/>
+                </a:solidFill>
+                <a:prstDash val="solid"/>
+              </a:ln>
+              <a:solidFill>
+                <a:srgbClr val="FFFFFF"/>
+              </a:solidFill>
+              <a:effectLst>
+                <a:outerShdw blurRad="38100" dist="32000" dir="5400000" algn="tl">
+                  <a:srgbClr val="000000">
+                    <a:alpha val="30000"/>
+                  </a:srgbClr>
+                </a:outerShdw>
+              </a:effectLst>
+              <a:latin typeface="メイリオ" pitchFamily="50" charset="-128"/>
+              <a:ea typeface="メイリオ" pitchFamily="50" charset="-128"/>
+              <a:cs typeface="メイリオ" pitchFamily="50" charset="-128"/>
+            </a:endParaRPr>
+          </a:p>
+          <a:p>
+            <a:pPr marL="228600" indent="-228600" algn="ctr">
+              <a:buFont typeface="+mj-lt"/>
+              <a:buAutoNum type="arabicPeriod"/>
+            </a:pPr>
+            <a:r>
+              <a:rPr lang="ja-JP" altLang="en-US" sz="1050" u="sng" smtClean="0">
+                <a:latin typeface="メイリオ" pitchFamily="50" charset="-128"/>
+                <a:ea typeface="メイリオ" pitchFamily="50" charset="-128"/>
+                <a:cs typeface="メイリオ" pitchFamily="50" charset="-128"/>
+              </a:rPr>
+              <a:t>段差通過</a:t>
+            </a:r>
+            <a:r>
+              <a:rPr lang="ja-JP" altLang="en-US" sz="1050" smtClean="0">
+                <a:latin typeface="メイリオ" pitchFamily="50" charset="-128"/>
+                <a:ea typeface="メイリオ" pitchFamily="50" charset="-128"/>
+                <a:cs typeface="メイリオ" pitchFamily="50" charset="-128"/>
+              </a:rPr>
+              <a:t>失敗</a:t>
+            </a:r>
+            <a:endParaRPr lang="ja-JP" altLang="en-US" sz="1050">
+              <a:latin typeface="メイリオ" pitchFamily="50" charset="-128"/>
+              <a:ea typeface="メイリオ" pitchFamily="50" charset="-128"/>
+              <a:cs typeface="メイリオ" pitchFamily="50" charset="-128"/>
+            </a:endParaRPr>
+          </a:p>
+          <a:p>
+            <a:pPr marL="228600" indent="-228600" algn="ctr">
+              <a:buFont typeface="+mj-lt"/>
+              <a:buAutoNum type="arabicPeriod"/>
+            </a:pPr>
+            <a:r>
+              <a:rPr lang="ja-JP" altLang="en-US" sz="1050" u="sng" smtClean="0">
+                <a:latin typeface="メイリオ" pitchFamily="50" charset="-128"/>
+                <a:ea typeface="メイリオ" pitchFamily="50" charset="-128"/>
+                <a:cs typeface="メイリオ" pitchFamily="50" charset="-128"/>
+              </a:rPr>
+              <a:t>段上でライントレース</a:t>
+            </a:r>
+            <a:r>
+              <a:rPr lang="ja-JP" altLang="en-US" sz="1050" smtClean="0">
+                <a:latin typeface="メイリオ" pitchFamily="50" charset="-128"/>
+                <a:ea typeface="メイリオ" pitchFamily="50" charset="-128"/>
+                <a:cs typeface="メイリオ" pitchFamily="50" charset="-128"/>
+              </a:rPr>
+              <a:t>失敗</a:t>
+            </a:r>
+            <a:endParaRPr lang="ja-JP" altLang="en-US" sz="1050">
+              <a:latin typeface="メイリオ" pitchFamily="50" charset="-128"/>
+              <a:ea typeface="メイリオ" pitchFamily="50" charset="-128"/>
+              <a:cs typeface="メイリオ" pitchFamily="50" charset="-128"/>
+            </a:endParaRPr>
+          </a:p>
+          <a:p>
+            <a:pPr marL="228600" indent="-228600" algn="ctr">
+              <a:buFont typeface="+mj-lt"/>
+              <a:buAutoNum type="arabicPeriod"/>
+            </a:pPr>
+            <a:r>
+              <a:rPr lang="ja-JP" altLang="en-US" sz="1050" u="sng" smtClean="0">
+                <a:latin typeface="メイリオ" pitchFamily="50" charset="-128"/>
+                <a:ea typeface="メイリオ" pitchFamily="50" charset="-128"/>
+                <a:cs typeface="メイリオ" pitchFamily="50" charset="-128"/>
+              </a:rPr>
+              <a:t>直角カーブ検知</a:t>
+            </a:r>
+            <a:r>
+              <a:rPr lang="ja-JP" altLang="en-US" sz="1050" smtClean="0">
+                <a:latin typeface="メイリオ" pitchFamily="50" charset="-128"/>
+                <a:ea typeface="メイリオ" pitchFamily="50" charset="-128"/>
+                <a:cs typeface="メイリオ" pitchFamily="50" charset="-128"/>
+              </a:rPr>
+              <a:t>失敗でコースアウト</a:t>
+            </a:r>
+            <a:endParaRPr lang="en-US" altLang="ja-JP" sz="1050" smtClean="0">
+              <a:latin typeface="メイリオ" pitchFamily="50" charset="-128"/>
+              <a:ea typeface="メイリオ" pitchFamily="50" charset="-128"/>
+              <a:cs typeface="メイリオ" pitchFamily="50" charset="-128"/>
+            </a:endParaRPr>
+          </a:p>
+          <a:p>
+            <a:pPr marL="228600" indent="-228600" algn="ctr">
+              <a:buFont typeface="+mj-lt"/>
+              <a:buAutoNum type="arabicPeriod"/>
+            </a:pPr>
+            <a:r>
+              <a:rPr lang="ja-JP" altLang="en-US" sz="1050" u="sng">
+                <a:latin typeface="メイリオ" pitchFamily="50" charset="-128"/>
+                <a:ea typeface="メイリオ" pitchFamily="50" charset="-128"/>
+                <a:cs typeface="メイリオ" pitchFamily="50" charset="-128"/>
+              </a:rPr>
+              <a:t>直角</a:t>
+            </a:r>
+            <a:r>
+              <a:rPr lang="ja-JP" altLang="en-US" sz="1050" u="sng" smtClean="0">
+                <a:latin typeface="メイリオ" pitchFamily="50" charset="-128"/>
+                <a:ea typeface="メイリオ" pitchFamily="50" charset="-128"/>
+                <a:cs typeface="メイリオ" pitchFamily="50" charset="-128"/>
+              </a:rPr>
+              <a:t>カーブ旋回</a:t>
+            </a:r>
+            <a:r>
+              <a:rPr lang="ja-JP" altLang="en-US" sz="1050" smtClean="0">
+                <a:latin typeface="メイリオ" pitchFamily="50" charset="-128"/>
+                <a:ea typeface="メイリオ" pitchFamily="50" charset="-128"/>
+                <a:cs typeface="メイリオ" pitchFamily="50" charset="-128"/>
+              </a:rPr>
+              <a:t>失敗でコースアウト</a:t>
+            </a:r>
+            <a:endParaRPr lang="en-US" altLang="ja-JP" sz="1050" smtClean="0">
+              <a:latin typeface="メイリオ" pitchFamily="50" charset="-128"/>
+              <a:ea typeface="メイリオ" pitchFamily="50" charset="-128"/>
+              <a:cs typeface="メイリオ" pitchFamily="50" charset="-128"/>
+            </a:endParaRPr>
+          </a:p>
+          <a:p>
+            <a:pPr marL="228600" indent="-228600" algn="ctr">
+              <a:buFont typeface="+mj-lt"/>
+              <a:buAutoNum type="arabicPeriod"/>
+            </a:pPr>
+            <a:r>
+              <a:rPr lang="ja-JP" altLang="en-US" sz="1050" u="sng" smtClean="0">
+                <a:latin typeface="メイリオ" pitchFamily="50" charset="-128"/>
+                <a:ea typeface="メイリオ" pitchFamily="50" charset="-128"/>
+                <a:cs typeface="メイリオ" pitchFamily="50" charset="-128"/>
+              </a:rPr>
+              <a:t>段差からの落下</a:t>
+            </a:r>
+            <a:r>
+              <a:rPr lang="ja-JP" altLang="en-US" sz="1050" smtClean="0">
+                <a:latin typeface="メイリオ" pitchFamily="50" charset="-128"/>
+                <a:ea typeface="メイリオ" pitchFamily="50" charset="-128"/>
+                <a:cs typeface="メイリオ" pitchFamily="50" charset="-128"/>
+              </a:rPr>
+              <a:t>失敗</a:t>
+            </a:r>
+            <a:endParaRPr lang="ja-JP" altLang="en-US" sz="1050">
+              <a:latin typeface="メイリオ" pitchFamily="50" charset="-128"/>
+              <a:ea typeface="メイリオ" pitchFamily="50" charset="-128"/>
+              <a:cs typeface="メイリオ" pitchFamily="50" charset="-128"/>
+            </a:endParaRPr>
+          </a:p>
+        </p:txBody>
+      </p:sp>
+      <p:sp>
+        <p:nvSpPr>
+          <p:cNvPr id="35" name="角丸四角形 34"/>
+          <p:cNvSpPr/>
+          <p:nvPr/>
+        </p:nvSpPr>
+        <p:spPr>
+          <a:xfrm>
+            <a:off x="4168552" y="2204055"/>
+            <a:ext cx="3168352" cy="1453049"/>
+          </a:xfrm>
+          <a:prstGeom prst="roundRect">
+            <a:avLst/>
+          </a:prstGeom>
+        </p:spPr>
+        <p:style>
+          <a:lnRef idx="2">
+            <a:schemeClr val="accent1"/>
+          </a:lnRef>
+          <a:fillRef idx="1">
+            <a:schemeClr val="lt1"/>
+          </a:fillRef>
+          <a:effectRef idx="0">
+            <a:schemeClr val="accent1"/>
+          </a:effectRef>
+          <a:fontRef idx="minor">
+            <a:schemeClr val="dk1"/>
+          </a:fontRef>
+        </p:style>
+        <p:txBody>
+          <a:bodyPr rtlCol="0" anchor="ctr"/>
+          <a:lstStyle/>
+          <a:p>
+            <a:pPr algn="ctr"/>
+            <a:r>
+              <a:rPr lang="en-US" altLang="ja-JP" sz="1200" smtClean="0">
+                <a:ln w="3175">
+                  <a:solidFill>
+                    <a:srgbClr val="0070C0"/>
+                  </a:solidFill>
+                  <a:prstDash val="solid"/>
+                </a:ln>
+                <a:solidFill>
+                  <a:srgbClr val="FFFFFF"/>
+                </a:solidFill>
+                <a:effectLst>
+                  <a:outerShdw blurRad="38100" dist="32000" dir="5400000" algn="tl">
+                    <a:srgbClr val="000000">
+                      <a:alpha val="30000"/>
+                    </a:srgbClr>
+                  </a:outerShdw>
+                </a:effectLst>
+                <a:latin typeface="メイリオ" pitchFamily="50" charset="-128"/>
+                <a:ea typeface="メイリオ" pitchFamily="50" charset="-128"/>
+                <a:cs typeface="メイリオ" pitchFamily="50" charset="-128"/>
+              </a:rPr>
+              <a:t>-</a:t>
+            </a:r>
+            <a:r>
+              <a:rPr lang="ja-JP" altLang="en-US" sz="1200" smtClean="0">
+                <a:ln w="3175">
+                  <a:solidFill>
+                    <a:srgbClr val="0070C0"/>
+                  </a:solidFill>
+                  <a:prstDash val="solid"/>
+                </a:ln>
+                <a:solidFill>
+                  <a:srgbClr val="FFFFFF"/>
+                </a:solidFill>
+                <a:effectLst>
+                  <a:outerShdw blurRad="38100" dist="32000" dir="5400000" algn="tl">
+                    <a:srgbClr val="000000">
+                      <a:alpha val="30000"/>
+                    </a:srgbClr>
+                  </a:outerShdw>
+                </a:effectLst>
+                <a:latin typeface="メイリオ" pitchFamily="50" charset="-128"/>
+                <a:ea typeface="メイリオ" pitchFamily="50" charset="-128"/>
+                <a:cs typeface="メイリオ" pitchFamily="50" charset="-128"/>
+              </a:rPr>
+              <a:t>難関クリア</a:t>
+            </a:r>
+            <a:r>
+              <a:rPr lang="en-US" altLang="ja-JP" sz="1200" smtClean="0">
+                <a:ln w="3175">
+                  <a:solidFill>
+                    <a:srgbClr val="0070C0"/>
+                  </a:solidFill>
+                  <a:prstDash val="solid"/>
+                </a:ln>
+                <a:solidFill>
+                  <a:srgbClr val="FFFFFF"/>
+                </a:solidFill>
+                <a:effectLst>
+                  <a:outerShdw blurRad="38100" dist="32000" dir="5400000" algn="tl">
+                    <a:srgbClr val="000000">
+                      <a:alpha val="30000"/>
+                    </a:srgbClr>
+                  </a:outerShdw>
+                </a:effectLst>
+                <a:latin typeface="メイリオ" pitchFamily="50" charset="-128"/>
+                <a:ea typeface="メイリオ" pitchFamily="50" charset="-128"/>
+                <a:cs typeface="メイリオ" pitchFamily="50" charset="-128"/>
+              </a:rPr>
+              <a:t>-</a:t>
+            </a:r>
+          </a:p>
+          <a:p>
+            <a:pPr marL="228600" indent="-228600" algn="ctr">
+              <a:buFont typeface="+mj-lt"/>
+              <a:buAutoNum type="arabicPeriod"/>
+            </a:pPr>
+            <a:r>
+              <a:rPr lang="ja-JP" altLang="en-US" sz="1050" smtClean="0">
+                <a:latin typeface="メイリオ" pitchFamily="50" charset="-128"/>
+                <a:ea typeface="メイリオ" pitchFamily="50" charset="-128"/>
+                <a:cs typeface="メイリオ" pitchFamily="50" charset="-128"/>
+              </a:rPr>
+              <a:t>短距離での十分な加速を実現</a:t>
+            </a:r>
+            <a:endParaRPr lang="ja-JP" altLang="en-US" sz="1050">
+              <a:latin typeface="メイリオ" pitchFamily="50" charset="-128"/>
+              <a:ea typeface="メイリオ" pitchFamily="50" charset="-128"/>
+              <a:cs typeface="メイリオ" pitchFamily="50" charset="-128"/>
+            </a:endParaRPr>
+          </a:p>
+          <a:p>
+            <a:pPr marL="228600" indent="-228600" algn="ctr">
+              <a:buFont typeface="+mj-lt"/>
+              <a:buAutoNum type="arabicPeriod"/>
+            </a:pPr>
+            <a:r>
+              <a:rPr lang="ja-JP" altLang="en-US" sz="1050" smtClean="0">
+                <a:latin typeface="メイリオ" pitchFamily="50" charset="-128"/>
+                <a:ea typeface="メイリオ" pitchFamily="50" charset="-128"/>
+                <a:cs typeface="メイリオ" pitchFamily="50" charset="-128"/>
+              </a:rPr>
+              <a:t>段上での目標輝度値を変更</a:t>
+            </a:r>
+            <a:endParaRPr lang="ja-JP" altLang="en-US" sz="1050">
+              <a:latin typeface="メイリオ" pitchFamily="50" charset="-128"/>
+              <a:ea typeface="メイリオ" pitchFamily="50" charset="-128"/>
+              <a:cs typeface="メイリオ" pitchFamily="50" charset="-128"/>
+            </a:endParaRPr>
+          </a:p>
+          <a:p>
+            <a:pPr marL="228600" indent="-228600" algn="ctr">
+              <a:buFont typeface="+mj-lt"/>
+              <a:buAutoNum type="arabicPeriod"/>
+            </a:pPr>
+            <a:r>
+              <a:rPr lang="ja-JP" altLang="en-US" sz="1050" smtClean="0">
+                <a:latin typeface="メイリオ" pitchFamily="50" charset="-128"/>
+                <a:ea typeface="メイリオ" pitchFamily="50" charset="-128"/>
+                <a:cs typeface="メイリオ" pitchFamily="50" charset="-128"/>
+              </a:rPr>
+              <a:t>走行ログから、直角カーブ時の輝度値の変化の傾向を算出し実装</a:t>
+            </a:r>
+            <a:endParaRPr lang="en-US" altLang="ja-JP" sz="1050" smtClean="0">
+              <a:latin typeface="メイリオ" pitchFamily="50" charset="-128"/>
+              <a:ea typeface="メイリオ" pitchFamily="50" charset="-128"/>
+              <a:cs typeface="メイリオ" pitchFamily="50" charset="-128"/>
+            </a:endParaRPr>
+          </a:p>
+          <a:p>
+            <a:pPr marL="228600" indent="-228600" algn="ctr">
+              <a:buFont typeface="+mj-lt"/>
+              <a:buAutoNum type="arabicPeriod"/>
+            </a:pPr>
+            <a:r>
+              <a:rPr lang="ja-JP" altLang="en-US" sz="1050" smtClean="0">
+                <a:latin typeface="メイリオ" pitchFamily="50" charset="-128"/>
+                <a:ea typeface="メイリオ" pitchFamily="50" charset="-128"/>
+                <a:cs typeface="メイリオ" pitchFamily="50" charset="-128"/>
+              </a:rPr>
+              <a:t>検出後、その場で回転することで安定した旋回を実現</a:t>
+            </a:r>
+            <a:endParaRPr lang="en-US" altLang="ja-JP" sz="1050" smtClean="0">
+              <a:latin typeface="メイリオ" pitchFamily="50" charset="-128"/>
+              <a:ea typeface="メイリオ" pitchFamily="50" charset="-128"/>
+              <a:cs typeface="メイリオ" pitchFamily="50" charset="-128"/>
+            </a:endParaRPr>
+          </a:p>
+          <a:p>
+            <a:pPr marL="228600" indent="-228600" algn="ctr">
+              <a:buFont typeface="+mj-lt"/>
+              <a:buAutoNum type="arabicPeriod"/>
+            </a:pPr>
+            <a:r>
+              <a:rPr lang="ja-JP" altLang="en-US" sz="1050" smtClean="0">
+                <a:latin typeface="メイリオ" pitchFamily="50" charset="-128"/>
+                <a:ea typeface="メイリオ" pitchFamily="50" charset="-128"/>
+                <a:cs typeface="メイリオ" pitchFamily="50" charset="-128"/>
+              </a:rPr>
+              <a:t>低速落下及び落下後のライン復帰でクリア</a:t>
+            </a:r>
+            <a:endParaRPr lang="en-US" altLang="ja-JP" sz="1050" smtClean="0">
+              <a:latin typeface="メイリオ" pitchFamily="50" charset="-128"/>
+              <a:ea typeface="メイリオ" pitchFamily="50" charset="-128"/>
+              <a:cs typeface="メイリオ" pitchFamily="50" charset="-128"/>
+            </a:endParaRPr>
+          </a:p>
+        </p:txBody>
+      </p:sp>
+      <p:sp>
+        <p:nvSpPr>
+          <p:cNvPr id="38" name="角丸四角形 37"/>
+          <p:cNvSpPr/>
+          <p:nvPr/>
+        </p:nvSpPr>
+        <p:spPr>
+          <a:xfrm>
+            <a:off x="4142780" y="4944616"/>
+            <a:ext cx="3194124" cy="1195834"/>
+          </a:xfrm>
+          <a:prstGeom prst="roundRect">
+            <a:avLst/>
+          </a:prstGeom>
+        </p:spPr>
+        <p:style>
+          <a:lnRef idx="2">
+            <a:schemeClr val="accent2"/>
+          </a:lnRef>
+          <a:fillRef idx="1">
+            <a:schemeClr val="lt1"/>
+          </a:fillRef>
+          <a:effectRef idx="0">
+            <a:schemeClr val="accent2"/>
+          </a:effectRef>
+          <a:fontRef idx="minor">
+            <a:schemeClr val="dk1"/>
+          </a:fontRef>
+        </p:style>
+        <p:txBody>
+          <a:bodyPr rtlCol="0" anchor="ctr"/>
+          <a:lstStyle/>
+          <a:p>
+            <a:pPr algn="ctr"/>
+            <a:r>
+              <a:rPr lang="en-US" altLang="ja-JP" sz="1200" smtClean="0">
+                <a:ln w="3175">
+                  <a:solidFill>
+                    <a:srgbClr val="FF0000"/>
+                  </a:solidFill>
+                  <a:prstDash val="solid"/>
+                </a:ln>
+                <a:solidFill>
+                  <a:srgbClr val="FFFFFF"/>
+                </a:solidFill>
+                <a:effectLst>
+                  <a:outerShdw blurRad="38100" dist="32000" dir="5400000" algn="tl">
+                    <a:srgbClr val="000000">
+                      <a:alpha val="30000"/>
+                    </a:srgbClr>
+                  </a:outerShdw>
+                </a:effectLst>
+                <a:latin typeface="メイリオ" pitchFamily="50" charset="-128"/>
+                <a:ea typeface="メイリオ" pitchFamily="50" charset="-128"/>
+                <a:cs typeface="メイリオ" pitchFamily="50" charset="-128"/>
+              </a:rPr>
+              <a:t>-</a:t>
+            </a:r>
+            <a:r>
+              <a:rPr lang="ja-JP" altLang="en-US" sz="1200">
+                <a:ln w="3175">
+                  <a:solidFill>
+                    <a:srgbClr val="FF0000"/>
+                  </a:solidFill>
+                  <a:prstDash val="solid"/>
+                </a:ln>
+                <a:solidFill>
+                  <a:srgbClr val="FFFFFF"/>
+                </a:solidFill>
+                <a:effectLst>
+                  <a:outerShdw blurRad="38100" dist="32000" dir="5400000" algn="tl">
+                    <a:srgbClr val="000000">
+                      <a:alpha val="30000"/>
+                    </a:srgbClr>
+                  </a:outerShdw>
+                </a:effectLst>
+                <a:latin typeface="メイリオ" pitchFamily="50" charset="-128"/>
+                <a:ea typeface="メイリオ" pitchFamily="50" charset="-128"/>
+                <a:cs typeface="メイリオ" pitchFamily="50" charset="-128"/>
+              </a:rPr>
+              <a:t>危険</a:t>
+            </a:r>
+            <a:r>
+              <a:rPr lang="ja-JP" altLang="en-US" sz="1200" smtClean="0">
+                <a:ln w="3175">
+                  <a:solidFill>
+                    <a:srgbClr val="FF0000"/>
+                  </a:solidFill>
+                  <a:prstDash val="solid"/>
+                </a:ln>
+                <a:solidFill>
+                  <a:srgbClr val="FFFFFF"/>
+                </a:solidFill>
+                <a:effectLst>
+                  <a:outerShdw blurRad="38100" dist="32000" dir="5400000" algn="tl">
+                    <a:srgbClr val="000000">
+                      <a:alpha val="30000"/>
+                    </a:srgbClr>
+                  </a:outerShdw>
+                </a:effectLst>
+                <a:latin typeface="メイリオ" pitchFamily="50" charset="-128"/>
+                <a:ea typeface="メイリオ" pitchFamily="50" charset="-128"/>
+                <a:cs typeface="メイリオ" pitchFamily="50" charset="-128"/>
+              </a:rPr>
+              <a:t>ポイント</a:t>
+            </a:r>
+            <a:r>
+              <a:rPr lang="en-US" altLang="ja-JP" sz="1200" smtClean="0">
+                <a:ln w="3175">
+                  <a:solidFill>
+                    <a:srgbClr val="FF0000"/>
+                  </a:solidFill>
+                  <a:prstDash val="solid"/>
+                </a:ln>
+                <a:solidFill>
+                  <a:srgbClr val="FFFFFF"/>
+                </a:solidFill>
+                <a:effectLst>
+                  <a:outerShdw blurRad="38100" dist="32000" dir="5400000" algn="tl">
+                    <a:srgbClr val="000000">
+                      <a:alpha val="30000"/>
+                    </a:srgbClr>
+                  </a:outerShdw>
+                </a:effectLst>
+                <a:latin typeface="メイリオ" pitchFamily="50" charset="-128"/>
+                <a:ea typeface="メイリオ" pitchFamily="50" charset="-128"/>
+                <a:cs typeface="メイリオ" pitchFamily="50" charset="-128"/>
+              </a:rPr>
+              <a:t>-</a:t>
+            </a:r>
+            <a:endParaRPr lang="en-US" altLang="ja-JP" sz="1200">
+              <a:ln w="3175">
+                <a:solidFill>
+                  <a:srgbClr val="FF0000"/>
+                </a:solidFill>
+                <a:prstDash val="solid"/>
+              </a:ln>
+              <a:solidFill>
+                <a:srgbClr val="FFFFFF"/>
+              </a:solidFill>
+              <a:effectLst>
+                <a:outerShdw blurRad="38100" dist="32000" dir="5400000" algn="tl">
+                  <a:srgbClr val="000000">
+                    <a:alpha val="30000"/>
+                  </a:srgbClr>
+                </a:outerShdw>
+              </a:effectLst>
+              <a:latin typeface="メイリオ" pitchFamily="50" charset="-128"/>
+              <a:ea typeface="メイリオ" pitchFamily="50" charset="-128"/>
+              <a:cs typeface="メイリオ" pitchFamily="50" charset="-128"/>
+            </a:endParaRPr>
+          </a:p>
+          <a:p>
+            <a:pPr marL="228600" indent="-228600" algn="ctr">
+              <a:buFont typeface="+mj-lt"/>
+              <a:buAutoNum type="arabicPeriod"/>
+            </a:pPr>
+            <a:r>
+              <a:rPr lang="ja-JP" altLang="en-US" sz="1050" u="sng" smtClean="0">
+                <a:latin typeface="メイリオ" pitchFamily="50" charset="-128"/>
+                <a:ea typeface="メイリオ" pitchFamily="50" charset="-128"/>
+                <a:cs typeface="メイリオ" pitchFamily="50" charset="-128"/>
+              </a:rPr>
+              <a:t>ペットボトル検知</a:t>
+            </a:r>
+            <a:r>
+              <a:rPr lang="ja-JP" altLang="en-US" sz="1050" smtClean="0">
+                <a:latin typeface="メイリオ" pitchFamily="50" charset="-128"/>
+                <a:ea typeface="メイリオ" pitchFamily="50" charset="-128"/>
+                <a:cs typeface="メイリオ" pitchFamily="50" charset="-128"/>
+              </a:rPr>
+              <a:t>で誤判定</a:t>
+            </a:r>
+            <a:endParaRPr lang="ja-JP" altLang="en-US" sz="1050">
+              <a:latin typeface="メイリオ" pitchFamily="50" charset="-128"/>
+              <a:ea typeface="メイリオ" pitchFamily="50" charset="-128"/>
+              <a:cs typeface="メイリオ" pitchFamily="50" charset="-128"/>
+            </a:endParaRPr>
+          </a:p>
+          <a:p>
+            <a:pPr marL="228600" indent="-228600" algn="ctr">
+              <a:buFont typeface="+mj-lt"/>
+              <a:buAutoNum type="arabicPeriod"/>
+            </a:pPr>
+            <a:r>
+              <a:rPr lang="ja-JP" altLang="en-US" sz="1050" smtClean="0">
+                <a:latin typeface="メイリオ" pitchFamily="50" charset="-128"/>
+                <a:ea typeface="メイリオ" pitchFamily="50" charset="-128"/>
+                <a:cs typeface="メイリオ" pitchFamily="50" charset="-128"/>
+              </a:rPr>
+              <a:t>ペットボトル検知後の</a:t>
+            </a:r>
+            <a:r>
+              <a:rPr lang="en-US" altLang="ja-JP" sz="1050">
+                <a:latin typeface="メイリオ" pitchFamily="50" charset="-128"/>
+                <a:ea typeface="メイリオ" pitchFamily="50" charset="-128"/>
+                <a:cs typeface="メイリオ" pitchFamily="50" charset="-128"/>
+              </a:rPr>
+              <a:t/>
+            </a:r>
+            <a:br>
+              <a:rPr lang="en-US" altLang="ja-JP" sz="1050">
+                <a:latin typeface="メイリオ" pitchFamily="50" charset="-128"/>
+                <a:ea typeface="メイリオ" pitchFamily="50" charset="-128"/>
+                <a:cs typeface="メイリオ" pitchFamily="50" charset="-128"/>
+              </a:rPr>
+            </a:br>
+            <a:r>
+              <a:rPr lang="ja-JP" altLang="en-US" sz="1050" u="sng" smtClean="0">
+                <a:latin typeface="メイリオ" pitchFamily="50" charset="-128"/>
+                <a:ea typeface="メイリオ" pitchFamily="50" charset="-128"/>
+                <a:cs typeface="メイリオ" pitchFamily="50" charset="-128"/>
+              </a:rPr>
+              <a:t>ライントレース再開</a:t>
+            </a:r>
+            <a:r>
+              <a:rPr lang="ja-JP" altLang="en-US" sz="1050" smtClean="0">
+                <a:latin typeface="メイリオ" pitchFamily="50" charset="-128"/>
+                <a:ea typeface="メイリオ" pitchFamily="50" charset="-128"/>
+                <a:cs typeface="メイリオ" pitchFamily="50" charset="-128"/>
+              </a:rPr>
+              <a:t>失敗</a:t>
+            </a:r>
+            <a:endParaRPr lang="en-US" altLang="ja-JP" sz="1050" smtClean="0">
+              <a:latin typeface="メイリオ" pitchFamily="50" charset="-128"/>
+              <a:ea typeface="メイリオ" pitchFamily="50" charset="-128"/>
+              <a:cs typeface="メイリオ" pitchFamily="50" charset="-128"/>
+            </a:endParaRPr>
+          </a:p>
+          <a:p>
+            <a:pPr marL="228600" indent="-228600" algn="ctr">
+              <a:buFont typeface="+mj-lt"/>
+              <a:buAutoNum type="arabicPeriod"/>
+            </a:pPr>
+            <a:r>
+              <a:rPr lang="ja-JP" altLang="en-US" sz="1050" u="sng">
+                <a:latin typeface="メイリオ" pitchFamily="50" charset="-128"/>
+                <a:ea typeface="メイリオ" pitchFamily="50" charset="-128"/>
+                <a:cs typeface="メイリオ" pitchFamily="50" charset="-128"/>
+              </a:rPr>
+              <a:t>ライン消滅エリアでのコース選択</a:t>
+            </a:r>
+            <a:r>
+              <a:rPr lang="ja-JP" altLang="en-US" sz="1050" smtClean="0">
+                <a:latin typeface="メイリオ" pitchFamily="50" charset="-128"/>
+                <a:ea typeface="メイリオ" pitchFamily="50" charset="-128"/>
+                <a:cs typeface="メイリオ" pitchFamily="50" charset="-128"/>
+              </a:rPr>
+              <a:t>ミス</a:t>
+            </a:r>
+            <a:endParaRPr lang="ja-JP" altLang="en-US" sz="1050">
+              <a:latin typeface="メイリオ" pitchFamily="50" charset="-128"/>
+              <a:ea typeface="メイリオ" pitchFamily="50" charset="-128"/>
+              <a:cs typeface="メイリオ" pitchFamily="50" charset="-128"/>
+            </a:endParaRPr>
+          </a:p>
+          <a:p>
+            <a:pPr marL="228600" indent="-228600" algn="ctr">
+              <a:buFont typeface="+mj-lt"/>
+              <a:buAutoNum type="arabicPeriod"/>
+            </a:pPr>
+            <a:r>
+              <a:rPr lang="ja-JP" altLang="en-US" sz="1050" u="sng" smtClean="0">
+                <a:latin typeface="メイリオ" pitchFamily="50" charset="-128"/>
+                <a:ea typeface="メイリオ" pitchFamily="50" charset="-128"/>
+                <a:cs typeface="メイリオ" pitchFamily="50" charset="-128"/>
+              </a:rPr>
+              <a:t>ライン消滅エリア走行</a:t>
+            </a:r>
+            <a:r>
+              <a:rPr lang="ja-JP" altLang="en-US" sz="1050" smtClean="0">
+                <a:latin typeface="メイリオ" pitchFamily="50" charset="-128"/>
+                <a:ea typeface="メイリオ" pitchFamily="50" charset="-128"/>
+                <a:cs typeface="メイリオ" pitchFamily="50" charset="-128"/>
+              </a:rPr>
+              <a:t>時のコースアウト</a:t>
+            </a:r>
+            <a:endParaRPr lang="en-US" altLang="ja-JP" sz="1050" smtClean="0">
+              <a:latin typeface="メイリオ" pitchFamily="50" charset="-128"/>
+              <a:ea typeface="メイリオ" pitchFamily="50" charset="-128"/>
+              <a:cs typeface="メイリオ" pitchFamily="50" charset="-128"/>
+            </a:endParaRPr>
+          </a:p>
+          <a:p>
+            <a:pPr marL="228600" indent="-228600" algn="ctr">
+              <a:buFont typeface="+mj-lt"/>
+              <a:buAutoNum type="arabicPeriod"/>
+            </a:pPr>
+            <a:r>
+              <a:rPr lang="ja-JP" altLang="en-US" sz="1050" smtClean="0">
+                <a:latin typeface="メイリオ" pitchFamily="50" charset="-128"/>
+                <a:ea typeface="メイリオ" pitchFamily="50" charset="-128"/>
+                <a:cs typeface="メイリオ" pitchFamily="50" charset="-128"/>
+              </a:rPr>
+              <a:t>ライン消滅エリア終了後の</a:t>
+            </a:r>
+            <a:r>
+              <a:rPr lang="ja-JP" altLang="en-US" sz="1050" u="sng" smtClean="0">
+                <a:latin typeface="メイリオ" pitchFamily="50" charset="-128"/>
+                <a:ea typeface="メイリオ" pitchFamily="50" charset="-128"/>
+                <a:cs typeface="メイリオ" pitchFamily="50" charset="-128"/>
+              </a:rPr>
+              <a:t>ライン復帰</a:t>
+            </a:r>
+            <a:r>
+              <a:rPr lang="ja-JP" altLang="en-US" sz="1050" smtClean="0">
+                <a:latin typeface="メイリオ" pitchFamily="50" charset="-128"/>
+                <a:ea typeface="メイリオ" pitchFamily="50" charset="-128"/>
+                <a:cs typeface="メイリオ" pitchFamily="50" charset="-128"/>
+              </a:rPr>
+              <a:t>ミス</a:t>
+            </a:r>
+            <a:endParaRPr lang="ja-JP" altLang="en-US" sz="1050">
+              <a:latin typeface="メイリオ" pitchFamily="50" charset="-128"/>
+              <a:ea typeface="メイリオ" pitchFamily="50" charset="-128"/>
+              <a:cs typeface="メイリオ" pitchFamily="50" charset="-128"/>
+            </a:endParaRPr>
+          </a:p>
+        </p:txBody>
+      </p:sp>
+      <p:sp>
+        <p:nvSpPr>
+          <p:cNvPr id="39" name="角丸四角形 38"/>
+          <p:cNvSpPr/>
+          <p:nvPr/>
+        </p:nvSpPr>
+        <p:spPr>
+          <a:xfrm>
+            <a:off x="4168552" y="6227871"/>
+            <a:ext cx="3168352" cy="1453049"/>
+          </a:xfrm>
+          <a:prstGeom prst="roundRect">
+            <a:avLst/>
+          </a:prstGeom>
+        </p:spPr>
+        <p:style>
+          <a:lnRef idx="2">
+            <a:schemeClr val="accent1"/>
+          </a:lnRef>
+          <a:fillRef idx="1">
+            <a:schemeClr val="lt1"/>
+          </a:fillRef>
+          <a:effectRef idx="0">
+            <a:schemeClr val="accent1"/>
+          </a:effectRef>
+          <a:fontRef idx="minor">
+            <a:schemeClr val="dk1"/>
+          </a:fontRef>
+        </p:style>
+        <p:txBody>
+          <a:bodyPr rtlCol="0" anchor="ctr"/>
+          <a:lstStyle/>
+          <a:p>
+            <a:pPr algn="ctr"/>
+            <a:r>
+              <a:rPr lang="en-US" altLang="ja-JP" sz="1200" smtClean="0">
+                <a:ln w="3175">
+                  <a:solidFill>
+                    <a:srgbClr val="0070C0"/>
+                  </a:solidFill>
+                  <a:prstDash val="solid"/>
+                </a:ln>
+                <a:solidFill>
+                  <a:srgbClr val="FFFFFF"/>
+                </a:solidFill>
+                <a:effectLst>
+                  <a:outerShdw blurRad="38100" dist="32000" dir="5400000" algn="tl">
+                    <a:srgbClr val="000000">
+                      <a:alpha val="30000"/>
+                    </a:srgbClr>
+                  </a:outerShdw>
+                </a:effectLst>
+                <a:latin typeface="メイリオ" pitchFamily="50" charset="-128"/>
+                <a:ea typeface="メイリオ" pitchFamily="50" charset="-128"/>
+                <a:cs typeface="メイリオ" pitchFamily="50" charset="-128"/>
+              </a:rPr>
+              <a:t>-</a:t>
+            </a:r>
+            <a:r>
+              <a:rPr lang="ja-JP" altLang="en-US" sz="1200" smtClean="0">
+                <a:ln w="3175">
+                  <a:solidFill>
+                    <a:srgbClr val="0070C0"/>
+                  </a:solidFill>
+                  <a:prstDash val="solid"/>
+                </a:ln>
+                <a:solidFill>
+                  <a:srgbClr val="FFFFFF"/>
+                </a:solidFill>
+                <a:effectLst>
+                  <a:outerShdw blurRad="38100" dist="32000" dir="5400000" algn="tl">
+                    <a:srgbClr val="000000">
+                      <a:alpha val="30000"/>
+                    </a:srgbClr>
+                  </a:outerShdw>
+                </a:effectLst>
+                <a:latin typeface="メイリオ" pitchFamily="50" charset="-128"/>
+                <a:ea typeface="メイリオ" pitchFamily="50" charset="-128"/>
+                <a:cs typeface="メイリオ" pitchFamily="50" charset="-128"/>
+              </a:rPr>
+              <a:t>難関クリア</a:t>
+            </a:r>
+            <a:r>
+              <a:rPr lang="en-US" altLang="ja-JP" sz="1200" smtClean="0">
+                <a:ln w="3175">
+                  <a:solidFill>
+                    <a:srgbClr val="0070C0"/>
+                  </a:solidFill>
+                  <a:prstDash val="solid"/>
+                </a:ln>
+                <a:solidFill>
+                  <a:srgbClr val="FFFFFF"/>
+                </a:solidFill>
+                <a:effectLst>
+                  <a:outerShdw blurRad="38100" dist="32000" dir="5400000" algn="tl">
+                    <a:srgbClr val="000000">
+                      <a:alpha val="30000"/>
+                    </a:srgbClr>
+                  </a:outerShdw>
+                </a:effectLst>
+                <a:latin typeface="メイリオ" pitchFamily="50" charset="-128"/>
+                <a:ea typeface="メイリオ" pitchFamily="50" charset="-128"/>
+                <a:cs typeface="メイリオ" pitchFamily="50" charset="-128"/>
+              </a:rPr>
+              <a:t>-</a:t>
+            </a:r>
+          </a:p>
+          <a:p>
+            <a:pPr marL="228600" indent="-228600" algn="ctr">
+              <a:buFont typeface="+mj-lt"/>
+              <a:buAutoNum type="arabicPeriod"/>
+            </a:pPr>
+            <a:r>
+              <a:rPr lang="ja-JP" altLang="en-US" sz="1050" smtClean="0">
+                <a:latin typeface="メイリオ" pitchFamily="50" charset="-128"/>
+                <a:ea typeface="メイリオ" pitchFamily="50" charset="-128"/>
+                <a:cs typeface="メイリオ" pitchFamily="50" charset="-128"/>
+              </a:rPr>
+              <a:t>ライン上かつペットボトルに</a:t>
+            </a:r>
+            <a:r>
+              <a:rPr lang="en-US" altLang="ja-JP" sz="1050" smtClean="0">
+                <a:latin typeface="メイリオ" pitchFamily="50" charset="-128"/>
+                <a:ea typeface="メイリオ" pitchFamily="50" charset="-128"/>
+                <a:cs typeface="メイリオ" pitchFamily="50" charset="-128"/>
+              </a:rPr>
+              <a:t/>
+            </a:r>
+            <a:br>
+              <a:rPr lang="en-US" altLang="ja-JP" sz="1050" smtClean="0">
+                <a:latin typeface="メイリオ" pitchFamily="50" charset="-128"/>
+                <a:ea typeface="メイリオ" pitchFamily="50" charset="-128"/>
+                <a:cs typeface="メイリオ" pitchFamily="50" charset="-128"/>
+              </a:rPr>
+            </a:br>
+            <a:r>
+              <a:rPr lang="ja-JP" altLang="en-US" sz="1050" smtClean="0">
+                <a:latin typeface="メイリオ" pitchFamily="50" charset="-128"/>
+                <a:ea typeface="メイリオ" pitchFamily="50" charset="-128"/>
+                <a:cs typeface="メイリオ" pitchFamily="50" charset="-128"/>
+              </a:rPr>
+              <a:t>最も近い位置での検知</a:t>
+            </a:r>
+            <a:endParaRPr lang="ja-JP" altLang="en-US" sz="1050">
+              <a:latin typeface="メイリオ" pitchFamily="50" charset="-128"/>
+              <a:ea typeface="メイリオ" pitchFamily="50" charset="-128"/>
+              <a:cs typeface="メイリオ" pitchFamily="50" charset="-128"/>
+            </a:endParaRPr>
+          </a:p>
+          <a:p>
+            <a:pPr marL="228600" indent="-228600" algn="ctr">
+              <a:buFont typeface="+mj-lt"/>
+              <a:buAutoNum type="arabicPeriod"/>
+            </a:pPr>
+            <a:r>
+              <a:rPr lang="ja-JP" altLang="en-US" sz="1050" smtClean="0">
+                <a:latin typeface="メイリオ" pitchFamily="50" charset="-128"/>
+                <a:ea typeface="メイリオ" pitchFamily="50" charset="-128"/>
+                <a:cs typeface="メイリオ" pitchFamily="50" charset="-128"/>
+              </a:rPr>
+              <a:t>安定した旋回の実現によって検知前の</a:t>
+            </a:r>
+            <a:r>
+              <a:rPr lang="en-US" altLang="ja-JP" sz="1050" smtClean="0">
+                <a:latin typeface="メイリオ" pitchFamily="50" charset="-128"/>
+                <a:ea typeface="メイリオ" pitchFamily="50" charset="-128"/>
+                <a:cs typeface="メイリオ" pitchFamily="50" charset="-128"/>
+              </a:rPr>
+              <a:t/>
+            </a:r>
+            <a:br>
+              <a:rPr lang="en-US" altLang="ja-JP" sz="1050" smtClean="0">
+                <a:latin typeface="メイリオ" pitchFamily="50" charset="-128"/>
+                <a:ea typeface="メイリオ" pitchFamily="50" charset="-128"/>
+                <a:cs typeface="メイリオ" pitchFamily="50" charset="-128"/>
+              </a:rPr>
+            </a:br>
+            <a:r>
+              <a:rPr lang="ja-JP" altLang="en-US" sz="1050" smtClean="0">
+                <a:latin typeface="メイリオ" pitchFamily="50" charset="-128"/>
+                <a:ea typeface="メイリオ" pitchFamily="50" charset="-128"/>
+                <a:cs typeface="メイリオ" pitchFamily="50" charset="-128"/>
+              </a:rPr>
+              <a:t>正確な位置に復帰（階段と同様）</a:t>
+            </a:r>
+            <a:endParaRPr lang="ja-JP" altLang="en-US" sz="1050">
+              <a:latin typeface="メイリオ" pitchFamily="50" charset="-128"/>
+              <a:ea typeface="メイリオ" pitchFamily="50" charset="-128"/>
+              <a:cs typeface="メイリオ" pitchFamily="50" charset="-128"/>
+            </a:endParaRPr>
+          </a:p>
+          <a:p>
+            <a:pPr marL="228600" indent="-228600" algn="ctr">
+              <a:buFont typeface="+mj-lt"/>
+              <a:buAutoNum type="arabicPeriod"/>
+            </a:pPr>
+            <a:r>
+              <a:rPr lang="en-US" altLang="ja-JP" sz="1050" smtClean="0">
+                <a:latin typeface="メイリオ" pitchFamily="50" charset="-128"/>
+                <a:ea typeface="メイリオ" pitchFamily="50" charset="-128"/>
+                <a:cs typeface="メイリオ" pitchFamily="50" charset="-128"/>
+              </a:rPr>
+              <a:t>1</a:t>
+            </a:r>
+            <a:r>
+              <a:rPr lang="ja-JP" altLang="en-US" sz="1050" smtClean="0">
+                <a:latin typeface="メイリオ" pitchFamily="50" charset="-128"/>
+                <a:ea typeface="メイリオ" pitchFamily="50" charset="-128"/>
+                <a:cs typeface="メイリオ" pitchFamily="50" charset="-128"/>
+              </a:rPr>
+              <a:t>の実現により達成</a:t>
+            </a:r>
+            <a:endParaRPr lang="en-US" altLang="ja-JP" sz="1050" smtClean="0">
+              <a:latin typeface="メイリオ" pitchFamily="50" charset="-128"/>
+              <a:ea typeface="メイリオ" pitchFamily="50" charset="-128"/>
+              <a:cs typeface="メイリオ" pitchFamily="50" charset="-128"/>
+            </a:endParaRPr>
+          </a:p>
+          <a:p>
+            <a:pPr marL="228600" indent="-228600" algn="ctr">
+              <a:buFont typeface="+mj-lt"/>
+              <a:buAutoNum type="arabicPeriod"/>
+            </a:pPr>
+            <a:r>
+              <a:rPr lang="ja-JP" altLang="en-US" sz="1050" smtClean="0">
+                <a:latin typeface="メイリオ" pitchFamily="50" charset="-128"/>
+                <a:ea typeface="メイリオ" pitchFamily="50" charset="-128"/>
+                <a:cs typeface="メイリオ" pitchFamily="50" charset="-128"/>
+              </a:rPr>
+              <a:t>曲率制御によって</a:t>
+            </a:r>
+            <a:r>
+              <a:rPr lang="en-US" altLang="ja-JP" sz="1050" smtClean="0">
+                <a:latin typeface="メイリオ" pitchFamily="50" charset="-128"/>
+                <a:ea typeface="メイリオ" pitchFamily="50" charset="-128"/>
+                <a:cs typeface="メイリオ" pitchFamily="50" charset="-128"/>
+              </a:rPr>
+              <a:t/>
+            </a:r>
+            <a:br>
+              <a:rPr lang="en-US" altLang="ja-JP" sz="1050" smtClean="0">
+                <a:latin typeface="メイリオ" pitchFamily="50" charset="-128"/>
+                <a:ea typeface="メイリオ" pitchFamily="50" charset="-128"/>
+                <a:cs typeface="メイリオ" pitchFamily="50" charset="-128"/>
+              </a:rPr>
+            </a:br>
+            <a:r>
+              <a:rPr lang="ja-JP" altLang="en-US" sz="1050" smtClean="0">
+                <a:latin typeface="メイリオ" pitchFamily="50" charset="-128"/>
+                <a:ea typeface="メイリオ" pitchFamily="50" charset="-128"/>
+                <a:cs typeface="メイリオ" pitchFamily="50" charset="-128"/>
+              </a:rPr>
+              <a:t>擬似ライントレースを実現</a:t>
+            </a:r>
+            <a:endParaRPr lang="en-US" altLang="ja-JP" sz="1050" smtClean="0">
+              <a:latin typeface="メイリオ" pitchFamily="50" charset="-128"/>
+              <a:ea typeface="メイリオ" pitchFamily="50" charset="-128"/>
+              <a:cs typeface="メイリオ" pitchFamily="50" charset="-128"/>
+            </a:endParaRPr>
+          </a:p>
+          <a:p>
+            <a:pPr marL="228600" indent="-228600" algn="ctr">
+              <a:buFont typeface="+mj-lt"/>
+              <a:buAutoNum type="arabicPeriod"/>
+            </a:pPr>
+            <a:r>
+              <a:rPr lang="en-US" altLang="ja-JP" sz="1050" smtClean="0">
+                <a:latin typeface="メイリオ" pitchFamily="50" charset="-128"/>
+                <a:ea typeface="メイリオ" pitchFamily="50" charset="-128"/>
+                <a:cs typeface="メイリオ" pitchFamily="50" charset="-128"/>
+              </a:rPr>
+              <a:t>4</a:t>
+            </a:r>
+            <a:r>
+              <a:rPr lang="ja-JP" altLang="en-US" sz="1050" smtClean="0">
+                <a:latin typeface="メイリオ" pitchFamily="50" charset="-128"/>
+                <a:ea typeface="メイリオ" pitchFamily="50" charset="-128"/>
+                <a:cs typeface="メイリオ" pitchFamily="50" charset="-128"/>
+              </a:rPr>
+              <a:t>の実現により達成</a:t>
+            </a:r>
+            <a:endParaRPr lang="en-US" altLang="ja-JP" sz="1050" smtClean="0">
+              <a:latin typeface="メイリオ" pitchFamily="50" charset="-128"/>
+              <a:ea typeface="メイリオ" pitchFamily="50" charset="-128"/>
+              <a:cs typeface="メイリオ" pitchFamily="50" charset="-128"/>
+            </a:endParaRPr>
+          </a:p>
+        </p:txBody>
+      </p:sp>
+      <p:sp>
+        <p:nvSpPr>
+          <p:cNvPr id="40" name="角丸四角形 39"/>
+          <p:cNvSpPr/>
+          <p:nvPr/>
+        </p:nvSpPr>
+        <p:spPr>
+          <a:xfrm>
+            <a:off x="10172953" y="4949180"/>
+            <a:ext cx="2317965" cy="1195834"/>
+          </a:xfrm>
+          <a:prstGeom prst="roundRect">
+            <a:avLst/>
+          </a:prstGeom>
+        </p:spPr>
+        <p:style>
+          <a:lnRef idx="2">
+            <a:schemeClr val="accent2"/>
+          </a:lnRef>
+          <a:fillRef idx="1">
+            <a:schemeClr val="lt1"/>
+          </a:fillRef>
+          <a:effectRef idx="0">
+            <a:schemeClr val="accent2"/>
+          </a:effectRef>
+          <a:fontRef idx="minor">
+            <a:schemeClr val="dk1"/>
+          </a:fontRef>
+        </p:style>
+        <p:txBody>
+          <a:bodyPr rtlCol="0" anchor="ctr"/>
+          <a:lstStyle/>
+          <a:p>
+            <a:pPr algn="ctr"/>
+            <a:r>
+              <a:rPr lang="en-US" altLang="ja-JP" sz="1200" dirty="0" smtClean="0">
+                <a:ln w="3175">
+                  <a:solidFill>
+                    <a:srgbClr val="FF0000"/>
+                  </a:solidFill>
+                  <a:prstDash val="solid"/>
+                </a:ln>
+                <a:solidFill>
+                  <a:srgbClr val="FFFFFF"/>
+                </a:solidFill>
+                <a:effectLst>
+                  <a:outerShdw blurRad="38100" dist="32000" dir="5400000" algn="tl">
+                    <a:srgbClr val="000000">
+                      <a:alpha val="30000"/>
+                    </a:srgbClr>
+                  </a:outerShdw>
+                </a:effectLst>
+                <a:latin typeface="メイリオ" pitchFamily="50" charset="-128"/>
+                <a:ea typeface="メイリオ" pitchFamily="50" charset="-128"/>
+                <a:cs typeface="メイリオ" pitchFamily="50" charset="-128"/>
+              </a:rPr>
+              <a:t>-</a:t>
+            </a:r>
+            <a:r>
+              <a:rPr lang="ja-JP" altLang="en-US" sz="1200" dirty="0">
+                <a:ln w="3175">
+                  <a:solidFill>
+                    <a:srgbClr val="FF0000"/>
+                  </a:solidFill>
+                  <a:prstDash val="solid"/>
+                </a:ln>
+                <a:solidFill>
+                  <a:srgbClr val="FFFFFF"/>
+                </a:solidFill>
+                <a:effectLst>
+                  <a:outerShdw blurRad="38100" dist="32000" dir="5400000" algn="tl">
+                    <a:srgbClr val="000000">
+                      <a:alpha val="30000"/>
+                    </a:srgbClr>
+                  </a:outerShdw>
+                </a:effectLst>
+                <a:latin typeface="メイリオ" pitchFamily="50" charset="-128"/>
+                <a:ea typeface="メイリオ" pitchFamily="50" charset="-128"/>
+                <a:cs typeface="メイリオ" pitchFamily="50" charset="-128"/>
+              </a:rPr>
+              <a:t>危険</a:t>
+            </a:r>
+            <a:r>
+              <a:rPr lang="ja-JP" altLang="en-US" sz="1200" dirty="0" smtClean="0">
+                <a:ln w="3175">
+                  <a:solidFill>
+                    <a:srgbClr val="FF0000"/>
+                  </a:solidFill>
+                  <a:prstDash val="solid"/>
+                </a:ln>
+                <a:solidFill>
+                  <a:srgbClr val="FFFFFF"/>
+                </a:solidFill>
+                <a:effectLst>
+                  <a:outerShdw blurRad="38100" dist="32000" dir="5400000" algn="tl">
+                    <a:srgbClr val="000000">
+                      <a:alpha val="30000"/>
+                    </a:srgbClr>
+                  </a:outerShdw>
+                </a:effectLst>
+                <a:latin typeface="メイリオ" pitchFamily="50" charset="-128"/>
+                <a:ea typeface="メイリオ" pitchFamily="50" charset="-128"/>
+                <a:cs typeface="メイリオ" pitchFamily="50" charset="-128"/>
+              </a:rPr>
+              <a:t>ポイント</a:t>
+            </a:r>
+            <a:r>
+              <a:rPr lang="en-US" altLang="ja-JP" sz="1200" dirty="0" smtClean="0">
+                <a:ln w="3175">
+                  <a:solidFill>
+                    <a:srgbClr val="FF0000"/>
+                  </a:solidFill>
+                  <a:prstDash val="solid"/>
+                </a:ln>
+                <a:solidFill>
+                  <a:srgbClr val="FFFFFF"/>
+                </a:solidFill>
+                <a:effectLst>
+                  <a:outerShdw blurRad="38100" dist="32000" dir="5400000" algn="tl">
+                    <a:srgbClr val="000000">
+                      <a:alpha val="30000"/>
+                    </a:srgbClr>
+                  </a:outerShdw>
+                </a:effectLst>
+                <a:latin typeface="メイリオ" pitchFamily="50" charset="-128"/>
+                <a:ea typeface="メイリオ" pitchFamily="50" charset="-128"/>
+                <a:cs typeface="メイリオ" pitchFamily="50" charset="-128"/>
+              </a:rPr>
+              <a:t>-</a:t>
+            </a:r>
+            <a:endParaRPr lang="en-US" altLang="ja-JP" sz="1200" dirty="0">
+              <a:ln w="3175">
+                <a:solidFill>
+                  <a:srgbClr val="FF0000"/>
+                </a:solidFill>
+                <a:prstDash val="solid"/>
+              </a:ln>
+              <a:solidFill>
+                <a:srgbClr val="FFFFFF"/>
+              </a:solidFill>
+              <a:effectLst>
+                <a:outerShdw blurRad="38100" dist="32000" dir="5400000" algn="tl">
+                  <a:srgbClr val="000000">
+                    <a:alpha val="30000"/>
+                  </a:srgbClr>
+                </a:outerShdw>
+              </a:effectLst>
+              <a:latin typeface="メイリオ" pitchFamily="50" charset="-128"/>
+              <a:ea typeface="メイリオ" pitchFamily="50" charset="-128"/>
+              <a:cs typeface="メイリオ" pitchFamily="50" charset="-128"/>
+            </a:endParaRPr>
+          </a:p>
+          <a:p>
+            <a:pPr marL="228600" indent="-228600" algn="ctr">
+              <a:buFont typeface="+mj-lt"/>
+              <a:buAutoNum type="arabicPeriod"/>
+            </a:pPr>
+            <a:r>
+              <a:rPr lang="ja-JP" altLang="en-US" sz="1050" u="sng" dirty="0" smtClean="0">
+                <a:latin typeface="メイリオ" pitchFamily="50" charset="-128"/>
+                <a:ea typeface="メイリオ" pitchFamily="50" charset="-128"/>
+                <a:cs typeface="メイリオ" pitchFamily="50" charset="-128"/>
+              </a:rPr>
+              <a:t>シーソー突入</a:t>
+            </a:r>
+            <a:r>
+              <a:rPr lang="ja-JP" altLang="en-US" sz="1050" dirty="0" smtClean="0">
+                <a:latin typeface="メイリオ" pitchFamily="50" charset="-128"/>
+                <a:ea typeface="メイリオ" pitchFamily="50" charset="-128"/>
+                <a:cs typeface="メイリオ" pitchFamily="50" charset="-128"/>
+              </a:rPr>
+              <a:t>失敗</a:t>
+            </a:r>
+            <a:endParaRPr lang="ja-JP" altLang="en-US" sz="1050" dirty="0">
+              <a:latin typeface="メイリオ" pitchFamily="50" charset="-128"/>
+              <a:ea typeface="メイリオ" pitchFamily="50" charset="-128"/>
+              <a:cs typeface="メイリオ" pitchFamily="50" charset="-128"/>
+            </a:endParaRPr>
+          </a:p>
+          <a:p>
+            <a:pPr marL="228600" indent="-228600" algn="ctr">
+              <a:buFont typeface="+mj-lt"/>
+              <a:buAutoNum type="arabicPeriod"/>
+            </a:pPr>
+            <a:r>
+              <a:rPr lang="ja-JP" altLang="en-US" sz="1050" u="sng" dirty="0" smtClean="0">
+                <a:latin typeface="メイリオ" pitchFamily="50" charset="-128"/>
+                <a:ea typeface="メイリオ" pitchFamily="50" charset="-128"/>
+                <a:cs typeface="メイリオ" pitchFamily="50" charset="-128"/>
+              </a:rPr>
+              <a:t>シーソー走行</a:t>
+            </a:r>
+            <a:r>
+              <a:rPr lang="ja-JP" altLang="en-US" sz="1050" dirty="0" smtClean="0">
+                <a:latin typeface="メイリオ" pitchFamily="50" charset="-128"/>
+                <a:ea typeface="メイリオ" pitchFamily="50" charset="-128"/>
+                <a:cs typeface="メイリオ" pitchFamily="50" charset="-128"/>
+              </a:rPr>
+              <a:t>中</a:t>
+            </a:r>
+            <a:r>
+              <a:rPr lang="ja-JP" altLang="en-US" sz="1050" dirty="0" smtClean="0">
+                <a:latin typeface="メイリオ" pitchFamily="50" charset="-128"/>
+                <a:ea typeface="メイリオ" pitchFamily="50" charset="-128"/>
+                <a:cs typeface="メイリオ" pitchFamily="50" charset="-128"/>
+              </a:rPr>
+              <a:t>、</a:t>
+            </a:r>
+            <a:r>
+              <a:rPr lang="en-US" altLang="ja-JP" sz="1050" dirty="0" smtClean="0">
+                <a:latin typeface="メイリオ" pitchFamily="50" charset="-128"/>
+                <a:ea typeface="メイリオ" pitchFamily="50" charset="-128"/>
+                <a:cs typeface="メイリオ" pitchFamily="50" charset="-128"/>
+              </a:rPr>
+              <a:t/>
+            </a:r>
+            <a:br>
+              <a:rPr lang="en-US" altLang="ja-JP" sz="1050" dirty="0" smtClean="0">
+                <a:latin typeface="メイリオ" pitchFamily="50" charset="-128"/>
+                <a:ea typeface="メイリオ" pitchFamily="50" charset="-128"/>
+                <a:cs typeface="メイリオ" pitchFamily="50" charset="-128"/>
+              </a:rPr>
+            </a:br>
+            <a:r>
+              <a:rPr lang="ja-JP" altLang="en-US" sz="1050" dirty="0" smtClean="0">
+                <a:latin typeface="メイリオ" pitchFamily="50" charset="-128"/>
+                <a:ea typeface="メイリオ" pitchFamily="50" charset="-128"/>
+                <a:cs typeface="メイリオ" pitchFamily="50" charset="-128"/>
+              </a:rPr>
+              <a:t>傾きに耐えられず落下</a:t>
+            </a:r>
+            <a:endParaRPr lang="en-US" altLang="ja-JP" sz="1050" dirty="0" smtClean="0">
+              <a:latin typeface="メイリオ" pitchFamily="50" charset="-128"/>
+              <a:ea typeface="メイリオ" pitchFamily="50" charset="-128"/>
+              <a:cs typeface="メイリオ" pitchFamily="50" charset="-128"/>
+            </a:endParaRPr>
+          </a:p>
+          <a:p>
+            <a:pPr marL="228600" indent="-228600" algn="ctr">
+              <a:buFont typeface="+mj-lt"/>
+              <a:buAutoNum type="arabicPeriod"/>
+            </a:pPr>
+            <a:r>
+              <a:rPr lang="ja-JP" altLang="en-US" sz="1050" u="sng" dirty="0" smtClean="0">
+                <a:latin typeface="メイリオ" pitchFamily="50" charset="-128"/>
+                <a:ea typeface="メイリオ" pitchFamily="50" charset="-128"/>
+                <a:cs typeface="メイリオ" pitchFamily="50" charset="-128"/>
+              </a:rPr>
+              <a:t>シーソーの降下</a:t>
+            </a:r>
+            <a:r>
+              <a:rPr lang="ja-JP" altLang="en-US" sz="1050" dirty="0" smtClean="0">
+                <a:latin typeface="メイリオ" pitchFamily="50" charset="-128"/>
+                <a:ea typeface="メイリオ" pitchFamily="50" charset="-128"/>
+                <a:cs typeface="メイリオ" pitchFamily="50" charset="-128"/>
+              </a:rPr>
+              <a:t>に</a:t>
+            </a:r>
+            <a:r>
+              <a:rPr lang="en-US" altLang="ja-JP" sz="1050" dirty="0" smtClean="0">
+                <a:latin typeface="メイリオ" pitchFamily="50" charset="-128"/>
+                <a:ea typeface="メイリオ" pitchFamily="50" charset="-128"/>
+                <a:cs typeface="メイリオ" pitchFamily="50" charset="-128"/>
+              </a:rPr>
+              <a:t/>
+            </a:r>
+            <a:br>
+              <a:rPr lang="en-US" altLang="ja-JP" sz="1050" dirty="0" smtClean="0">
+                <a:latin typeface="メイリオ" pitchFamily="50" charset="-128"/>
+                <a:ea typeface="メイリオ" pitchFamily="50" charset="-128"/>
+                <a:cs typeface="メイリオ" pitchFamily="50" charset="-128"/>
+              </a:rPr>
+            </a:br>
+            <a:r>
+              <a:rPr lang="ja-JP" altLang="en-US" sz="1050" dirty="0" smtClean="0">
+                <a:latin typeface="メイリオ" pitchFamily="50" charset="-128"/>
+                <a:ea typeface="メイリオ" pitchFamily="50" charset="-128"/>
+                <a:cs typeface="メイリオ" pitchFamily="50" charset="-128"/>
+              </a:rPr>
+              <a:t>耐えられず落下</a:t>
+            </a:r>
+            <a:endParaRPr lang="ja-JP" altLang="en-US" sz="1050" dirty="0">
+              <a:latin typeface="メイリオ" pitchFamily="50" charset="-128"/>
+              <a:ea typeface="メイリオ" pitchFamily="50" charset="-128"/>
+              <a:cs typeface="メイリオ" pitchFamily="50" charset="-128"/>
+            </a:endParaRPr>
+          </a:p>
+          <a:p>
+            <a:pPr marL="228600" indent="-228600" algn="ctr">
+              <a:buFont typeface="+mj-lt"/>
+              <a:buAutoNum type="arabicPeriod"/>
+            </a:pPr>
+            <a:r>
+              <a:rPr lang="ja-JP" altLang="en-US" sz="1050" u="sng" dirty="0" smtClean="0">
+                <a:latin typeface="メイリオ" pitchFamily="50" charset="-128"/>
+                <a:ea typeface="メイリオ" pitchFamily="50" charset="-128"/>
+                <a:cs typeface="メイリオ" pitchFamily="50" charset="-128"/>
+              </a:rPr>
+              <a:t>シーソーからの落下</a:t>
+            </a:r>
+            <a:r>
+              <a:rPr lang="ja-JP" altLang="en-US" sz="1050" dirty="0" smtClean="0">
+                <a:latin typeface="メイリオ" pitchFamily="50" charset="-128"/>
+                <a:ea typeface="メイリオ" pitchFamily="50" charset="-128"/>
+                <a:cs typeface="メイリオ" pitchFamily="50" charset="-128"/>
+              </a:rPr>
+              <a:t>失敗</a:t>
+            </a:r>
+            <a:endParaRPr lang="en-US" altLang="ja-JP" sz="1050" dirty="0" smtClean="0">
+              <a:latin typeface="メイリオ" pitchFamily="50" charset="-128"/>
+              <a:ea typeface="メイリオ" pitchFamily="50" charset="-128"/>
+              <a:cs typeface="メイリオ" pitchFamily="50" charset="-128"/>
+            </a:endParaRPr>
+          </a:p>
+        </p:txBody>
+      </p:sp>
+      <p:sp>
+        <p:nvSpPr>
+          <p:cNvPr id="41" name="角丸四角形 40"/>
+          <p:cNvSpPr/>
+          <p:nvPr/>
+        </p:nvSpPr>
+        <p:spPr>
+          <a:xfrm>
+            <a:off x="10172953" y="6232435"/>
+            <a:ext cx="2317966" cy="1453049"/>
+          </a:xfrm>
+          <a:prstGeom prst="roundRect">
+            <a:avLst/>
+          </a:prstGeom>
+        </p:spPr>
+        <p:style>
+          <a:lnRef idx="2">
+            <a:schemeClr val="accent1"/>
+          </a:lnRef>
+          <a:fillRef idx="1">
+            <a:schemeClr val="lt1"/>
+          </a:fillRef>
+          <a:effectRef idx="0">
+            <a:schemeClr val="accent1"/>
+          </a:effectRef>
+          <a:fontRef idx="minor">
+            <a:schemeClr val="dk1"/>
+          </a:fontRef>
+        </p:style>
+        <p:txBody>
+          <a:bodyPr rtlCol="0" anchor="ctr"/>
+          <a:lstStyle/>
+          <a:p>
+            <a:pPr algn="ctr"/>
+            <a:r>
+              <a:rPr lang="en-US" altLang="ja-JP" sz="1200" smtClean="0">
+                <a:ln w="3175">
+                  <a:solidFill>
+                    <a:srgbClr val="0070C0"/>
+                  </a:solidFill>
+                  <a:prstDash val="solid"/>
+                </a:ln>
+                <a:solidFill>
+                  <a:srgbClr val="FFFFFF"/>
+                </a:solidFill>
+                <a:effectLst>
+                  <a:outerShdw blurRad="38100" dist="32000" dir="5400000" algn="tl">
+                    <a:srgbClr val="000000">
+                      <a:alpha val="30000"/>
+                    </a:srgbClr>
+                  </a:outerShdw>
+                </a:effectLst>
+                <a:latin typeface="メイリオ" pitchFamily="50" charset="-128"/>
+                <a:ea typeface="メイリオ" pitchFamily="50" charset="-128"/>
+                <a:cs typeface="メイリオ" pitchFamily="50" charset="-128"/>
+              </a:rPr>
+              <a:t>-</a:t>
+            </a:r>
+            <a:r>
+              <a:rPr lang="ja-JP" altLang="en-US" sz="1200" smtClean="0">
+                <a:ln w="3175">
+                  <a:solidFill>
+                    <a:srgbClr val="0070C0"/>
+                  </a:solidFill>
+                  <a:prstDash val="solid"/>
+                </a:ln>
+                <a:solidFill>
+                  <a:srgbClr val="FFFFFF"/>
+                </a:solidFill>
+                <a:effectLst>
+                  <a:outerShdw blurRad="38100" dist="32000" dir="5400000" algn="tl">
+                    <a:srgbClr val="000000">
+                      <a:alpha val="30000"/>
+                    </a:srgbClr>
+                  </a:outerShdw>
+                </a:effectLst>
+                <a:latin typeface="メイリオ" pitchFamily="50" charset="-128"/>
+                <a:ea typeface="メイリオ" pitchFamily="50" charset="-128"/>
+                <a:cs typeface="メイリオ" pitchFamily="50" charset="-128"/>
+              </a:rPr>
+              <a:t>難関クリア</a:t>
+            </a:r>
+            <a:r>
+              <a:rPr lang="en-US" altLang="ja-JP" sz="1200" smtClean="0">
+                <a:ln w="3175">
+                  <a:solidFill>
+                    <a:srgbClr val="0070C0"/>
+                  </a:solidFill>
+                  <a:prstDash val="solid"/>
+                </a:ln>
+                <a:solidFill>
+                  <a:srgbClr val="FFFFFF"/>
+                </a:solidFill>
+                <a:effectLst>
+                  <a:outerShdw blurRad="38100" dist="32000" dir="5400000" algn="tl">
+                    <a:srgbClr val="000000">
+                      <a:alpha val="30000"/>
+                    </a:srgbClr>
+                  </a:outerShdw>
+                </a:effectLst>
+                <a:latin typeface="メイリオ" pitchFamily="50" charset="-128"/>
+                <a:ea typeface="メイリオ" pitchFamily="50" charset="-128"/>
+                <a:cs typeface="メイリオ" pitchFamily="50" charset="-128"/>
+              </a:rPr>
+              <a:t>-</a:t>
+            </a:r>
+          </a:p>
+          <a:p>
+            <a:pPr marL="228600" indent="-228600" algn="ctr">
+              <a:buFont typeface="+mj-lt"/>
+              <a:buAutoNum type="arabicPeriod"/>
+            </a:pPr>
+            <a:r>
+              <a:rPr lang="ja-JP" altLang="en-US" sz="1050" smtClean="0">
+                <a:latin typeface="メイリオ" pitchFamily="50" charset="-128"/>
+                <a:ea typeface="メイリオ" pitchFamily="50" charset="-128"/>
+                <a:cs typeface="メイリオ" pitchFamily="50" charset="-128"/>
+              </a:rPr>
+              <a:t>段差</a:t>
+            </a:r>
+            <a:r>
+              <a:rPr lang="en-US" altLang="ja-JP" sz="1050" smtClean="0">
+                <a:latin typeface="メイリオ" pitchFamily="50" charset="-128"/>
+                <a:ea typeface="メイリオ" pitchFamily="50" charset="-128"/>
+                <a:cs typeface="メイリオ" pitchFamily="50" charset="-128"/>
+              </a:rPr>
+              <a:t>1</a:t>
+            </a:r>
+            <a:r>
+              <a:rPr lang="ja-JP" altLang="en-US" sz="1050" smtClean="0">
+                <a:latin typeface="メイリオ" pitchFamily="50" charset="-128"/>
+                <a:ea typeface="メイリオ" pitchFamily="50" charset="-128"/>
+                <a:cs typeface="メイリオ" pitchFamily="50" charset="-128"/>
+              </a:rPr>
+              <a:t>と同様の技術でクリア</a:t>
+            </a:r>
+            <a:endParaRPr lang="ja-JP" altLang="en-US" sz="1050">
+              <a:latin typeface="メイリオ" pitchFamily="50" charset="-128"/>
+              <a:ea typeface="メイリオ" pitchFamily="50" charset="-128"/>
+              <a:cs typeface="メイリオ" pitchFamily="50" charset="-128"/>
+            </a:endParaRPr>
+          </a:p>
+          <a:p>
+            <a:pPr marL="228600" indent="-228600" algn="ctr">
+              <a:buFont typeface="+mj-lt"/>
+              <a:buAutoNum type="arabicPeriod"/>
+            </a:pPr>
+            <a:r>
+              <a:rPr lang="ja-JP" altLang="en-US" sz="1050" smtClean="0">
+                <a:latin typeface="メイリオ" pitchFamily="50" charset="-128"/>
+                <a:ea typeface="メイリオ" pitchFamily="50" charset="-128"/>
+                <a:cs typeface="メイリオ" pitchFamily="50" charset="-128"/>
+              </a:rPr>
+              <a:t>倒立制御の基準を変更し、</a:t>
+            </a:r>
+            <a:r>
+              <a:rPr lang="en-US" altLang="ja-JP" sz="1050" smtClean="0">
+                <a:latin typeface="メイリオ" pitchFamily="50" charset="-128"/>
+                <a:ea typeface="メイリオ" pitchFamily="50" charset="-128"/>
+                <a:cs typeface="メイリオ" pitchFamily="50" charset="-128"/>
+              </a:rPr>
+              <a:t/>
+            </a:r>
+            <a:br>
+              <a:rPr lang="en-US" altLang="ja-JP" sz="1050" smtClean="0">
+                <a:latin typeface="メイリオ" pitchFamily="50" charset="-128"/>
+                <a:ea typeface="メイリオ" pitchFamily="50" charset="-128"/>
+                <a:cs typeface="メイリオ" pitchFamily="50" charset="-128"/>
+              </a:rPr>
+            </a:br>
+            <a:r>
+              <a:rPr lang="ja-JP" altLang="en-US" sz="1050" smtClean="0">
+                <a:latin typeface="メイリオ" pitchFamily="50" charset="-128"/>
+                <a:ea typeface="メイリオ" pitchFamily="50" charset="-128"/>
+                <a:cs typeface="メイリオ" pitchFamily="50" charset="-128"/>
+              </a:rPr>
+              <a:t>安定した斜面走行を実現</a:t>
+            </a:r>
+            <a:endParaRPr lang="en-US" altLang="ja-JP" sz="1050">
+              <a:latin typeface="メイリオ" pitchFamily="50" charset="-128"/>
+              <a:ea typeface="メイリオ" pitchFamily="50" charset="-128"/>
+              <a:cs typeface="メイリオ" pitchFamily="50" charset="-128"/>
+            </a:endParaRPr>
+          </a:p>
+          <a:p>
+            <a:pPr marL="228600" indent="-228600" algn="ctr">
+              <a:buFont typeface="+mj-lt"/>
+              <a:buAutoNum type="arabicPeriod"/>
+            </a:pPr>
+            <a:r>
+              <a:rPr lang="ja-JP" altLang="en-US" sz="1050" smtClean="0">
+                <a:latin typeface="メイリオ" pitchFamily="50" charset="-128"/>
+                <a:ea typeface="メイリオ" pitchFamily="50" charset="-128"/>
+                <a:cs typeface="メイリオ" pitchFamily="50" charset="-128"/>
+              </a:rPr>
+              <a:t>シーソーの降下を検知し、</a:t>
+            </a:r>
+            <a:r>
+              <a:rPr lang="en-US" altLang="ja-JP" sz="1050" smtClean="0">
+                <a:latin typeface="メイリオ" pitchFamily="50" charset="-128"/>
+                <a:ea typeface="メイリオ" pitchFamily="50" charset="-128"/>
+                <a:cs typeface="メイリオ" pitchFamily="50" charset="-128"/>
+              </a:rPr>
+              <a:t/>
+            </a:r>
+            <a:br>
+              <a:rPr lang="en-US" altLang="ja-JP" sz="1050" smtClean="0">
+                <a:latin typeface="メイリオ" pitchFamily="50" charset="-128"/>
+                <a:ea typeface="メイリオ" pitchFamily="50" charset="-128"/>
+                <a:cs typeface="メイリオ" pitchFamily="50" charset="-128"/>
+              </a:rPr>
+            </a:br>
+            <a:r>
+              <a:rPr lang="ja-JP" altLang="en-US" sz="1050" smtClean="0">
+                <a:latin typeface="メイリオ" pitchFamily="50" charset="-128"/>
+                <a:ea typeface="メイリオ" pitchFamily="50" charset="-128"/>
+                <a:cs typeface="メイリオ" pitchFamily="50" charset="-128"/>
+              </a:rPr>
+              <a:t>衝撃を吸収してクリア</a:t>
+            </a:r>
+            <a:endParaRPr lang="en-US" altLang="ja-JP" sz="1050" smtClean="0">
+              <a:latin typeface="メイリオ" pitchFamily="50" charset="-128"/>
+              <a:ea typeface="メイリオ" pitchFamily="50" charset="-128"/>
+              <a:cs typeface="メイリオ" pitchFamily="50" charset="-128"/>
+            </a:endParaRPr>
+          </a:p>
+          <a:p>
+            <a:pPr marL="228600" indent="-228600" algn="ctr">
+              <a:buFont typeface="+mj-lt"/>
+              <a:buAutoNum type="arabicPeriod"/>
+            </a:pPr>
+            <a:r>
+              <a:rPr lang="ja-JP" altLang="en-US" sz="1050" smtClean="0">
+                <a:latin typeface="メイリオ" pitchFamily="50" charset="-128"/>
+                <a:ea typeface="メイリオ" pitchFamily="50" charset="-128"/>
+                <a:cs typeface="メイリオ" pitchFamily="50" charset="-128"/>
+              </a:rPr>
+              <a:t>段差</a:t>
+            </a:r>
+            <a:r>
+              <a:rPr lang="en-US" altLang="ja-JP" sz="1050" smtClean="0">
+                <a:latin typeface="メイリオ" pitchFamily="50" charset="-128"/>
+                <a:ea typeface="メイリオ" pitchFamily="50" charset="-128"/>
+                <a:cs typeface="メイリオ" pitchFamily="50" charset="-128"/>
+              </a:rPr>
+              <a:t>5</a:t>
+            </a:r>
+            <a:r>
+              <a:rPr lang="ja-JP" altLang="en-US" sz="1050" smtClean="0">
+                <a:latin typeface="メイリオ" pitchFamily="50" charset="-128"/>
+                <a:ea typeface="メイリオ" pitchFamily="50" charset="-128"/>
+                <a:cs typeface="メイリオ" pitchFamily="50" charset="-128"/>
+              </a:rPr>
+              <a:t>と同様の技術でクリア</a:t>
+            </a:r>
+            <a:endParaRPr lang="en-US" altLang="ja-JP" sz="1050" smtClean="0">
+              <a:latin typeface="メイリオ" pitchFamily="50" charset="-128"/>
+              <a:ea typeface="メイリオ" pitchFamily="50" charset="-128"/>
+              <a:cs typeface="メイリオ" pitchFamily="50" charset="-128"/>
+            </a:endParaRPr>
+          </a:p>
+        </p:txBody>
+      </p:sp>
+      <p:pic>
+        <p:nvPicPr>
+          <p:cNvPr id="1027" name="Picture 3"/>
+          <p:cNvPicPr>
+            <a:picLocks noChangeAspect="1" noChangeArrowheads="1"/>
+          </p:cNvPicPr>
+          <p:nvPr/>
+        </p:nvPicPr>
+        <p:blipFill>
+          <a:blip r:embed="rId7">
+            <a:extLst>
+              <a:ext uri="{28A0092B-C50C-407E-A947-70E740481C1C}">
+                <a14:useLocalDpi xmlns:a14="http://schemas.microsoft.com/office/drawing/2010/main" val="0"/>
+              </a:ext>
+            </a:extLst>
+          </a:blip>
+          <a:srcRect/>
+          <a:stretch>
+            <a:fillRect/>
+          </a:stretch>
+        </p:blipFill>
+        <p:spPr bwMode="auto">
+          <a:xfrm>
+            <a:off x="7659999" y="5208083"/>
+            <a:ext cx="2413209" cy="3128501"/>
+          </a:xfrm>
+          <a:prstGeom prst="rect">
+            <a:avLst/>
+          </a:prstGeom>
+          <a:noFill/>
+          <a:ln>
+            <a:noFill/>
+          </a:ln>
+          <a:effectLst/>
+          <a:extLst>
+            <a:ext uri="{909E8E84-426E-40DD-AFC4-6F175D3DCCD1}">
+              <a14:hiddenFill xmlns:a14="http://schemas.microsoft.com/office/drawing/2010/main">
+                <a:solidFill>
+                  <a:schemeClr val="accent1"/>
+                </a:solidFill>
+              </a14:hiddenFill>
+            </a:ext>
+            <a:ext uri="{91240B29-F687-4F45-9708-019B960494DF}">
+              <a14:hiddenLine xmlns:a14="http://schemas.microsoft.com/office/drawing/2010/main" w="9525">
+                <a:solidFill>
+                  <a:schemeClr val="tx1"/>
+                </a:solidFill>
+                <a:miter lim="800000"/>
+                <a:headEnd/>
+                <a:tailEnd/>
+              </a14:hiddenLine>
+            </a:ext>
+            <a:ext uri="{AF507438-7753-43E0-B8FC-AC1667EBCBE1}">
+              <a14:hiddenEffects xmlns:a14="http://schemas.microsoft.com/office/drawing/2010/main">
+                <a:effectLst>
+                  <a:outerShdw dist="35921" dir="2700000" algn="ctr" rotWithShape="0">
+                    <a:schemeClr val="bg2"/>
+                  </a:outerShdw>
+                </a:effectLst>
+              </a14:hiddenEffects>
+            </a:ext>
+          </a:extLst>
+        </p:spPr>
+      </p:pic>
+      <p:sp>
+        <p:nvSpPr>
+          <p:cNvPr id="15" name="正方形/長方形 14"/>
+          <p:cNvSpPr/>
+          <p:nvPr/>
+        </p:nvSpPr>
+        <p:spPr>
+          <a:xfrm>
+            <a:off x="7408912" y="4832538"/>
+            <a:ext cx="1224136" cy="400110"/>
+          </a:xfrm>
+          <a:prstGeom prst="rect">
+            <a:avLst/>
+          </a:prstGeom>
+        </p:spPr>
+        <p:style>
+          <a:lnRef idx="2">
+            <a:schemeClr val="accent1">
+              <a:shade val="50000"/>
+            </a:schemeClr>
+          </a:lnRef>
+          <a:fillRef idx="1">
+            <a:schemeClr val="accent1"/>
+          </a:fillRef>
+          <a:effectRef idx="0">
+            <a:schemeClr val="accent1"/>
+          </a:effectRef>
+          <a:fontRef idx="minor">
+            <a:schemeClr val="lt1"/>
+          </a:fontRef>
+        </p:style>
+        <p:txBody>
+          <a:bodyPr rtlCol="0" anchor="ctr">
+            <a:spAutoFit/>
+          </a:bodyPr>
+          <a:lstStyle/>
+          <a:p>
+            <a:pPr algn="ctr"/>
+            <a:r>
+              <a:rPr lang="ja-JP" altLang="en-US" sz="2000" dirty="0">
+                <a:latin typeface="メイリオ" pitchFamily="50" charset="-128"/>
+                <a:ea typeface="メイリオ" pitchFamily="50" charset="-128"/>
+                <a:cs typeface="メイリオ" pitchFamily="50" charset="-128"/>
+              </a:rPr>
+              <a:t>シーソー</a:t>
+            </a:r>
+            <a:endParaRPr kumimoji="1" lang="ja-JP" altLang="en-US" sz="2000" dirty="0">
+              <a:latin typeface="メイリオ" pitchFamily="50" charset="-128"/>
+              <a:ea typeface="メイリオ" pitchFamily="50" charset="-128"/>
+              <a:cs typeface="メイリオ" pitchFamily="50" charset="-128"/>
+            </a:endParaRPr>
+          </a:p>
+        </p:txBody>
+      </p:sp>
+      <p:sp>
+        <p:nvSpPr>
+          <p:cNvPr id="47" name="テキスト ボックス 46"/>
+          <p:cNvSpPr txBox="1"/>
+          <p:nvPr/>
+        </p:nvSpPr>
+        <p:spPr>
+          <a:xfrm>
+            <a:off x="7544084" y="6096744"/>
+            <a:ext cx="296876" cy="307777"/>
+          </a:xfrm>
+          <a:prstGeom prst="rect">
+            <a:avLst/>
+          </a:prstGeom>
+          <a:noFill/>
+        </p:spPr>
+        <p:txBody>
+          <a:bodyPr wrap="none" rtlCol="0">
+            <a:spAutoFit/>
+          </a:bodyPr>
+          <a:lstStyle/>
+          <a:p>
+            <a:pPr algn="ctr"/>
+            <a:r>
+              <a:rPr kumimoji="1" lang="en-US" altLang="ja-JP" sz="1400" dirty="0" smtClean="0">
+                <a:solidFill>
+                  <a:srgbClr val="00B050"/>
+                </a:solidFill>
+                <a:latin typeface="メイリオ" pitchFamily="50" charset="-128"/>
+                <a:ea typeface="メイリオ" pitchFamily="50" charset="-128"/>
+                <a:cs typeface="メイリオ" pitchFamily="50" charset="-128"/>
+              </a:rPr>
+              <a:t>2</a:t>
+            </a:r>
+            <a:endParaRPr kumimoji="1" lang="ja-JP" altLang="en-US" sz="1400" dirty="0">
+              <a:solidFill>
+                <a:srgbClr val="00B050"/>
+              </a:solidFill>
+              <a:latin typeface="メイリオ" pitchFamily="50" charset="-128"/>
+              <a:ea typeface="メイリオ" pitchFamily="50" charset="-128"/>
+              <a:cs typeface="メイリオ" pitchFamily="50" charset="-128"/>
+            </a:endParaRPr>
+          </a:p>
+        </p:txBody>
+      </p:sp>
+      <p:sp>
+        <p:nvSpPr>
+          <p:cNvPr id="48" name="テキスト ボックス 47"/>
+          <p:cNvSpPr txBox="1"/>
+          <p:nvPr/>
+        </p:nvSpPr>
+        <p:spPr>
+          <a:xfrm>
+            <a:off x="7554596" y="7295798"/>
+            <a:ext cx="296876" cy="307777"/>
+          </a:xfrm>
+          <a:prstGeom prst="rect">
+            <a:avLst/>
+          </a:prstGeom>
+          <a:noFill/>
+        </p:spPr>
+        <p:txBody>
+          <a:bodyPr wrap="none" rtlCol="0">
+            <a:spAutoFit/>
+          </a:bodyPr>
+          <a:lstStyle/>
+          <a:p>
+            <a:pPr algn="ctr"/>
+            <a:r>
+              <a:rPr kumimoji="1" lang="en-US" altLang="ja-JP" sz="1400" dirty="0" smtClean="0">
+                <a:solidFill>
+                  <a:srgbClr val="FF0000"/>
+                </a:solidFill>
+                <a:latin typeface="メイリオ" pitchFamily="50" charset="-128"/>
+                <a:ea typeface="メイリオ" pitchFamily="50" charset="-128"/>
+                <a:cs typeface="メイリオ" pitchFamily="50" charset="-128"/>
+              </a:rPr>
+              <a:t>3</a:t>
+            </a:r>
+            <a:endParaRPr kumimoji="1" lang="ja-JP" altLang="en-US" sz="1400" dirty="0">
+              <a:solidFill>
+                <a:srgbClr val="FF0000"/>
+              </a:solidFill>
+              <a:latin typeface="メイリオ" pitchFamily="50" charset="-128"/>
+              <a:ea typeface="メイリオ" pitchFamily="50" charset="-128"/>
+              <a:cs typeface="メイリオ" pitchFamily="50" charset="-128"/>
+            </a:endParaRPr>
+          </a:p>
+        </p:txBody>
+      </p:sp>
+      <p:sp>
+        <p:nvSpPr>
+          <p:cNvPr id="49" name="テキスト ボックス 48"/>
+          <p:cNvSpPr txBox="1"/>
+          <p:nvPr/>
+        </p:nvSpPr>
+        <p:spPr>
+          <a:xfrm>
+            <a:off x="9903561" y="6071179"/>
+            <a:ext cx="296876" cy="307777"/>
+          </a:xfrm>
+          <a:prstGeom prst="rect">
+            <a:avLst/>
+          </a:prstGeom>
+          <a:noFill/>
+        </p:spPr>
+        <p:txBody>
+          <a:bodyPr wrap="none" rtlCol="0">
+            <a:spAutoFit/>
+          </a:bodyPr>
+          <a:lstStyle/>
+          <a:p>
+            <a:pPr algn="ctr"/>
+            <a:r>
+              <a:rPr kumimoji="1" lang="en-US" altLang="ja-JP" sz="1400" dirty="0" smtClean="0">
+                <a:solidFill>
+                  <a:srgbClr val="FF33CC"/>
+                </a:solidFill>
+                <a:latin typeface="メイリオ" pitchFamily="50" charset="-128"/>
+                <a:ea typeface="メイリオ" pitchFamily="50" charset="-128"/>
+                <a:cs typeface="メイリオ" pitchFamily="50" charset="-128"/>
+              </a:rPr>
+              <a:t>4</a:t>
+            </a:r>
+            <a:endParaRPr kumimoji="1" lang="ja-JP" altLang="en-US" sz="1400" dirty="0">
+              <a:solidFill>
+                <a:srgbClr val="FF33CC"/>
+              </a:solidFill>
+              <a:latin typeface="メイリオ" pitchFamily="50" charset="-128"/>
+              <a:ea typeface="メイリオ" pitchFamily="50" charset="-128"/>
+              <a:cs typeface="メイリオ" pitchFamily="50" charset="-128"/>
+            </a:endParaRPr>
+          </a:p>
+        </p:txBody>
+      </p:sp>
+      <p:sp>
+        <p:nvSpPr>
+          <p:cNvPr id="50" name="テキスト ボックス 49"/>
+          <p:cNvSpPr txBox="1"/>
+          <p:nvPr/>
+        </p:nvSpPr>
+        <p:spPr>
+          <a:xfrm>
+            <a:off x="9920348" y="6698939"/>
+            <a:ext cx="296876" cy="307777"/>
+          </a:xfrm>
+          <a:prstGeom prst="rect">
+            <a:avLst/>
+          </a:prstGeom>
+          <a:noFill/>
+        </p:spPr>
+        <p:txBody>
+          <a:bodyPr wrap="none" rtlCol="0">
+            <a:spAutoFit/>
+          </a:bodyPr>
+          <a:lstStyle/>
+          <a:p>
+            <a:pPr algn="ctr"/>
+            <a:r>
+              <a:rPr kumimoji="1" lang="en-US" altLang="ja-JP" sz="1400" dirty="0" smtClean="0">
+                <a:solidFill>
+                  <a:srgbClr val="FFC000"/>
+                </a:solidFill>
+                <a:latin typeface="メイリオ" pitchFamily="50" charset="-128"/>
+                <a:ea typeface="メイリオ" pitchFamily="50" charset="-128"/>
+                <a:cs typeface="メイリオ" pitchFamily="50" charset="-128"/>
+              </a:rPr>
+              <a:t>5</a:t>
+            </a:r>
+            <a:endParaRPr kumimoji="1" lang="ja-JP" altLang="en-US" sz="1400" dirty="0">
+              <a:solidFill>
+                <a:srgbClr val="FFC000"/>
+              </a:solidFill>
+              <a:latin typeface="メイリオ" pitchFamily="50" charset="-128"/>
+              <a:ea typeface="メイリオ" pitchFamily="50" charset="-128"/>
+              <a:cs typeface="メイリオ" pitchFamily="50" charset="-128"/>
+            </a:endParaRPr>
+          </a:p>
+        </p:txBody>
+      </p:sp>
+      <p:sp>
+        <p:nvSpPr>
+          <p:cNvPr id="51" name="テキスト ボックス 50"/>
+          <p:cNvSpPr txBox="1"/>
+          <p:nvPr/>
+        </p:nvSpPr>
+        <p:spPr>
+          <a:xfrm>
+            <a:off x="7593141" y="5448672"/>
+            <a:ext cx="197019" cy="307777"/>
+          </a:xfrm>
+          <a:prstGeom prst="rect">
+            <a:avLst/>
+          </a:prstGeom>
+          <a:noFill/>
+        </p:spPr>
+        <p:txBody>
+          <a:bodyPr wrap="square" rtlCol="0">
+            <a:spAutoFit/>
+          </a:bodyPr>
+          <a:lstStyle/>
+          <a:p>
+            <a:pPr algn="ctr"/>
+            <a:r>
+              <a:rPr kumimoji="1" lang="en-US" altLang="ja-JP" sz="1400" dirty="0" smtClean="0">
+                <a:solidFill>
+                  <a:schemeClr val="tx2">
+                    <a:lumMod val="60000"/>
+                    <a:lumOff val="40000"/>
+                  </a:schemeClr>
+                </a:solidFill>
+                <a:latin typeface="メイリオ" pitchFamily="50" charset="-128"/>
+                <a:ea typeface="メイリオ" pitchFamily="50" charset="-128"/>
+                <a:cs typeface="メイリオ" pitchFamily="50" charset="-128"/>
+              </a:rPr>
+              <a:t>1</a:t>
+            </a:r>
+            <a:endParaRPr kumimoji="1" lang="ja-JP" altLang="en-US" sz="1400" dirty="0">
+              <a:solidFill>
+                <a:schemeClr val="tx2">
+                  <a:lumMod val="60000"/>
+                  <a:lumOff val="40000"/>
+                </a:schemeClr>
+              </a:solidFill>
+              <a:latin typeface="メイリオ" pitchFamily="50" charset="-128"/>
+              <a:ea typeface="メイリオ" pitchFamily="50" charset="-128"/>
+              <a:cs typeface="メイリオ" pitchFamily="50" charset="-128"/>
+            </a:endParaRPr>
+          </a:p>
+        </p:txBody>
+      </p:sp>
+      <p:sp>
+        <p:nvSpPr>
+          <p:cNvPr id="31" name="角丸四角形 30"/>
+          <p:cNvSpPr/>
+          <p:nvPr/>
+        </p:nvSpPr>
+        <p:spPr>
+          <a:xfrm>
+            <a:off x="10328770" y="912168"/>
+            <a:ext cx="2120702" cy="1058403"/>
+          </a:xfrm>
+          <a:prstGeom prst="roundRect">
+            <a:avLst/>
+          </a:prstGeom>
+        </p:spPr>
+        <p:style>
+          <a:lnRef idx="2">
+            <a:schemeClr val="accent2"/>
+          </a:lnRef>
+          <a:fillRef idx="1">
+            <a:schemeClr val="lt1"/>
+          </a:fillRef>
+          <a:effectRef idx="0">
+            <a:schemeClr val="accent2"/>
+          </a:effectRef>
+          <a:fontRef idx="minor">
+            <a:schemeClr val="dk1"/>
+          </a:fontRef>
+        </p:style>
+        <p:txBody>
+          <a:bodyPr rtlCol="0" anchor="ctr"/>
+          <a:lstStyle/>
+          <a:p>
+            <a:pPr algn="ctr"/>
+            <a:r>
+              <a:rPr lang="en-US" altLang="ja-JP" sz="1200" dirty="0" smtClean="0">
+                <a:ln w="3175">
+                  <a:solidFill>
+                    <a:srgbClr val="FF0000"/>
+                  </a:solidFill>
+                  <a:prstDash val="solid"/>
+                </a:ln>
+                <a:solidFill>
+                  <a:srgbClr val="FFFFFF"/>
+                </a:solidFill>
+                <a:effectLst>
+                  <a:outerShdw blurRad="38100" dist="32000" dir="5400000" algn="tl">
+                    <a:srgbClr val="000000">
+                      <a:alpha val="30000"/>
+                    </a:srgbClr>
+                  </a:outerShdw>
+                </a:effectLst>
+                <a:latin typeface="メイリオ" pitchFamily="50" charset="-128"/>
+                <a:ea typeface="メイリオ" pitchFamily="50" charset="-128"/>
+                <a:cs typeface="メイリオ" pitchFamily="50" charset="-128"/>
+              </a:rPr>
+              <a:t>-</a:t>
+            </a:r>
+            <a:r>
+              <a:rPr lang="ja-JP" altLang="en-US" sz="1200" dirty="0">
+                <a:ln w="3175">
+                  <a:solidFill>
+                    <a:srgbClr val="FF0000"/>
+                  </a:solidFill>
+                  <a:prstDash val="solid"/>
+                </a:ln>
+                <a:solidFill>
+                  <a:srgbClr val="FFFFFF"/>
+                </a:solidFill>
+                <a:effectLst>
+                  <a:outerShdw blurRad="38100" dist="32000" dir="5400000" algn="tl">
+                    <a:srgbClr val="000000">
+                      <a:alpha val="30000"/>
+                    </a:srgbClr>
+                  </a:outerShdw>
+                </a:effectLst>
+                <a:latin typeface="メイリオ" pitchFamily="50" charset="-128"/>
+                <a:ea typeface="メイリオ" pitchFamily="50" charset="-128"/>
+                <a:cs typeface="メイリオ" pitchFamily="50" charset="-128"/>
+              </a:rPr>
+              <a:t>危険</a:t>
+            </a:r>
+            <a:r>
+              <a:rPr lang="ja-JP" altLang="en-US" sz="1200" dirty="0" smtClean="0">
+                <a:ln w="3175">
+                  <a:solidFill>
+                    <a:srgbClr val="FF0000"/>
+                  </a:solidFill>
+                  <a:prstDash val="solid"/>
+                </a:ln>
+                <a:solidFill>
+                  <a:srgbClr val="FFFFFF"/>
+                </a:solidFill>
+                <a:effectLst>
+                  <a:outerShdw blurRad="38100" dist="32000" dir="5400000" algn="tl">
+                    <a:srgbClr val="000000">
+                      <a:alpha val="30000"/>
+                    </a:srgbClr>
+                  </a:outerShdw>
+                </a:effectLst>
+                <a:latin typeface="メイリオ" pitchFamily="50" charset="-128"/>
+                <a:ea typeface="メイリオ" pitchFamily="50" charset="-128"/>
+                <a:cs typeface="メイリオ" pitchFamily="50" charset="-128"/>
+              </a:rPr>
+              <a:t>ポイント</a:t>
+            </a:r>
+            <a:r>
+              <a:rPr lang="en-US" altLang="ja-JP" sz="1200" dirty="0" smtClean="0">
+                <a:ln w="3175">
+                  <a:solidFill>
+                    <a:srgbClr val="FF0000"/>
+                  </a:solidFill>
+                  <a:prstDash val="solid"/>
+                </a:ln>
+                <a:solidFill>
+                  <a:srgbClr val="FFFFFF"/>
+                </a:solidFill>
+                <a:effectLst>
+                  <a:outerShdw blurRad="38100" dist="32000" dir="5400000" algn="tl">
+                    <a:srgbClr val="000000">
+                      <a:alpha val="30000"/>
+                    </a:srgbClr>
+                  </a:outerShdw>
+                </a:effectLst>
+                <a:latin typeface="メイリオ" pitchFamily="50" charset="-128"/>
+                <a:ea typeface="メイリオ" pitchFamily="50" charset="-128"/>
+                <a:cs typeface="メイリオ" pitchFamily="50" charset="-128"/>
+              </a:rPr>
+              <a:t>-</a:t>
+            </a:r>
+            <a:endParaRPr lang="en-US" altLang="ja-JP" sz="1200" dirty="0">
+              <a:ln w="3175">
+                <a:solidFill>
+                  <a:srgbClr val="FF0000"/>
+                </a:solidFill>
+                <a:prstDash val="solid"/>
+              </a:ln>
+              <a:solidFill>
+                <a:srgbClr val="FFFFFF"/>
+              </a:solidFill>
+              <a:effectLst>
+                <a:outerShdw blurRad="38100" dist="32000" dir="5400000" algn="tl">
+                  <a:srgbClr val="000000">
+                    <a:alpha val="30000"/>
+                  </a:srgbClr>
+                </a:outerShdw>
+              </a:effectLst>
+              <a:latin typeface="メイリオ" pitchFamily="50" charset="-128"/>
+              <a:ea typeface="メイリオ" pitchFamily="50" charset="-128"/>
+              <a:cs typeface="メイリオ" pitchFamily="50" charset="-128"/>
+            </a:endParaRPr>
+          </a:p>
+          <a:p>
+            <a:pPr marL="228600" indent="-228600" algn="ctr">
+              <a:buFont typeface="+mj-lt"/>
+              <a:buAutoNum type="arabicPeriod"/>
+            </a:pPr>
+            <a:r>
+              <a:rPr lang="ja-JP" altLang="en-US" sz="1050" dirty="0">
+                <a:latin typeface="メイリオ" pitchFamily="50" charset="-128"/>
+                <a:ea typeface="メイリオ" pitchFamily="50" charset="-128"/>
+                <a:cs typeface="メイリオ" pitchFamily="50" charset="-128"/>
+              </a:rPr>
+              <a:t>ゲート検知失敗</a:t>
+            </a:r>
+          </a:p>
+          <a:p>
+            <a:pPr marL="228600" indent="-228600" algn="ctr">
+              <a:buFont typeface="+mj-lt"/>
+              <a:buAutoNum type="arabicPeriod"/>
+            </a:pPr>
+            <a:r>
+              <a:rPr lang="ja-JP" altLang="en-US" sz="1050" dirty="0">
+                <a:latin typeface="メイリオ" pitchFamily="50" charset="-128"/>
+                <a:ea typeface="メイリオ" pitchFamily="50" charset="-128"/>
+                <a:cs typeface="メイリオ" pitchFamily="50" charset="-128"/>
+              </a:rPr>
+              <a:t>ゲート通過角度で</a:t>
+            </a:r>
+            <a:r>
+              <a:rPr lang="ja-JP" altLang="en-US" sz="1050" dirty="0" smtClean="0">
+                <a:latin typeface="メイリオ" pitchFamily="50" charset="-128"/>
+                <a:ea typeface="メイリオ" pitchFamily="50" charset="-128"/>
+                <a:cs typeface="メイリオ" pitchFamily="50" charset="-128"/>
+              </a:rPr>
+              <a:t>の</a:t>
+            </a:r>
+            <a:r>
+              <a:rPr lang="en-US" altLang="ja-JP" sz="1050" dirty="0" smtClean="0">
+                <a:latin typeface="メイリオ" pitchFamily="50" charset="-128"/>
+                <a:ea typeface="メイリオ" pitchFamily="50" charset="-128"/>
+                <a:cs typeface="メイリオ" pitchFamily="50" charset="-128"/>
+              </a:rPr>
+              <a:t/>
+            </a:r>
+            <a:br>
+              <a:rPr lang="en-US" altLang="ja-JP" sz="1050" dirty="0" smtClean="0">
+                <a:latin typeface="メイリオ" pitchFamily="50" charset="-128"/>
+                <a:ea typeface="メイリオ" pitchFamily="50" charset="-128"/>
+                <a:cs typeface="メイリオ" pitchFamily="50" charset="-128"/>
+              </a:rPr>
+            </a:br>
+            <a:r>
+              <a:rPr lang="ja-JP" altLang="en-US" sz="1050" dirty="0" smtClean="0">
+                <a:latin typeface="メイリオ" pitchFamily="50" charset="-128"/>
+                <a:ea typeface="メイリオ" pitchFamily="50" charset="-128"/>
+                <a:cs typeface="メイリオ" pitchFamily="50" charset="-128"/>
+              </a:rPr>
+              <a:t>ライントレース</a:t>
+            </a:r>
+            <a:r>
+              <a:rPr lang="ja-JP" altLang="en-US" sz="1050" dirty="0">
+                <a:latin typeface="メイリオ" pitchFamily="50" charset="-128"/>
+                <a:ea typeface="メイリオ" pitchFamily="50" charset="-128"/>
+                <a:cs typeface="メイリオ" pitchFamily="50" charset="-128"/>
+              </a:rPr>
+              <a:t>失敗</a:t>
+            </a:r>
+          </a:p>
+          <a:p>
+            <a:pPr marL="228600" indent="-228600" algn="ctr">
+              <a:buFont typeface="+mj-lt"/>
+              <a:buAutoNum type="arabicPeriod"/>
+            </a:pPr>
+            <a:r>
+              <a:rPr lang="ja-JP" altLang="en-US" sz="1050" dirty="0">
+                <a:latin typeface="メイリオ" pitchFamily="50" charset="-128"/>
+                <a:ea typeface="メイリオ" pitchFamily="50" charset="-128"/>
+                <a:cs typeface="メイリオ" pitchFamily="50" charset="-128"/>
+              </a:rPr>
+              <a:t>ゲート通過後</a:t>
+            </a:r>
+            <a:r>
+              <a:rPr lang="ja-JP" altLang="en-US" sz="1050" dirty="0" smtClean="0">
+                <a:latin typeface="メイリオ" pitchFamily="50" charset="-128"/>
+                <a:ea typeface="メイリオ" pitchFamily="50" charset="-128"/>
+                <a:cs typeface="メイリオ" pitchFamily="50" charset="-128"/>
+              </a:rPr>
+              <a:t>の</a:t>
+            </a:r>
+            <a:r>
+              <a:rPr lang="en-US" altLang="ja-JP" sz="1050" dirty="0">
+                <a:latin typeface="メイリオ" pitchFamily="50" charset="-128"/>
+                <a:ea typeface="メイリオ" pitchFamily="50" charset="-128"/>
+                <a:cs typeface="メイリオ" pitchFamily="50" charset="-128"/>
+              </a:rPr>
+              <a:t/>
+            </a:r>
+            <a:br>
+              <a:rPr lang="en-US" altLang="ja-JP" sz="1050" dirty="0">
+                <a:latin typeface="メイリオ" pitchFamily="50" charset="-128"/>
+                <a:ea typeface="メイリオ" pitchFamily="50" charset="-128"/>
+                <a:cs typeface="メイリオ" pitchFamily="50" charset="-128"/>
+              </a:rPr>
+            </a:br>
+            <a:r>
+              <a:rPr lang="ja-JP" altLang="en-US" sz="1050" dirty="0" smtClean="0">
+                <a:latin typeface="メイリオ" pitchFamily="50" charset="-128"/>
+                <a:ea typeface="メイリオ" pitchFamily="50" charset="-128"/>
+                <a:cs typeface="メイリオ" pitchFamily="50" charset="-128"/>
+              </a:rPr>
+              <a:t>角度</a:t>
+            </a:r>
+            <a:r>
+              <a:rPr lang="ja-JP" altLang="en-US" sz="1050" dirty="0">
+                <a:latin typeface="メイリオ" pitchFamily="50" charset="-128"/>
+                <a:ea typeface="メイリオ" pitchFamily="50" charset="-128"/>
+                <a:cs typeface="メイリオ" pitchFamily="50" charset="-128"/>
+              </a:rPr>
+              <a:t>復帰失敗</a:t>
+            </a:r>
+          </a:p>
+        </p:txBody>
+      </p:sp>
+      <p:sp>
+        <p:nvSpPr>
+          <p:cNvPr id="32" name="角丸四角形 31"/>
+          <p:cNvSpPr/>
+          <p:nvPr/>
+        </p:nvSpPr>
+        <p:spPr>
+          <a:xfrm>
+            <a:off x="10317807" y="2022770"/>
+            <a:ext cx="2131665" cy="1553694"/>
+          </a:xfrm>
+          <a:prstGeom prst="roundRect">
+            <a:avLst/>
+          </a:prstGeom>
+        </p:spPr>
+        <p:style>
+          <a:lnRef idx="2">
+            <a:schemeClr val="accent1"/>
+          </a:lnRef>
+          <a:fillRef idx="1">
+            <a:schemeClr val="lt1"/>
+          </a:fillRef>
+          <a:effectRef idx="0">
+            <a:schemeClr val="accent1"/>
+          </a:effectRef>
+          <a:fontRef idx="minor">
+            <a:schemeClr val="dk1"/>
+          </a:fontRef>
+        </p:style>
+        <p:txBody>
+          <a:bodyPr rtlCol="0" anchor="ctr"/>
+          <a:lstStyle/>
+          <a:p>
+            <a:pPr algn="ctr"/>
+            <a:r>
+              <a:rPr lang="en-US" altLang="ja-JP" sz="1200" dirty="0" smtClean="0">
+                <a:ln w="3175">
+                  <a:solidFill>
+                    <a:srgbClr val="0070C0"/>
+                  </a:solidFill>
+                  <a:prstDash val="solid"/>
+                </a:ln>
+                <a:solidFill>
+                  <a:srgbClr val="FFFFFF"/>
+                </a:solidFill>
+                <a:effectLst>
+                  <a:outerShdw blurRad="38100" dist="32000" dir="5400000" algn="tl">
+                    <a:srgbClr val="000000">
+                      <a:alpha val="30000"/>
+                    </a:srgbClr>
+                  </a:outerShdw>
+                </a:effectLst>
+                <a:latin typeface="メイリオ" pitchFamily="50" charset="-128"/>
+                <a:ea typeface="メイリオ" pitchFamily="50" charset="-128"/>
+                <a:cs typeface="メイリオ" pitchFamily="50" charset="-128"/>
+              </a:rPr>
+              <a:t>-</a:t>
+            </a:r>
+            <a:r>
+              <a:rPr lang="ja-JP" altLang="en-US" sz="1200" dirty="0" smtClean="0">
+                <a:ln w="3175">
+                  <a:solidFill>
+                    <a:srgbClr val="0070C0"/>
+                  </a:solidFill>
+                  <a:prstDash val="solid"/>
+                </a:ln>
+                <a:solidFill>
+                  <a:srgbClr val="FFFFFF"/>
+                </a:solidFill>
+                <a:effectLst>
+                  <a:outerShdw blurRad="38100" dist="32000" dir="5400000" algn="tl">
+                    <a:srgbClr val="000000">
+                      <a:alpha val="30000"/>
+                    </a:srgbClr>
+                  </a:outerShdw>
+                </a:effectLst>
+                <a:latin typeface="メイリオ" pitchFamily="50" charset="-128"/>
+                <a:ea typeface="メイリオ" pitchFamily="50" charset="-128"/>
+                <a:cs typeface="メイリオ" pitchFamily="50" charset="-128"/>
+              </a:rPr>
+              <a:t>難関クリア</a:t>
+            </a:r>
+            <a:r>
+              <a:rPr lang="en-US" altLang="ja-JP" sz="1200" dirty="0" smtClean="0">
+                <a:ln w="3175">
+                  <a:solidFill>
+                    <a:srgbClr val="0070C0"/>
+                  </a:solidFill>
+                  <a:prstDash val="solid"/>
+                </a:ln>
+                <a:solidFill>
+                  <a:srgbClr val="FFFFFF"/>
+                </a:solidFill>
+                <a:effectLst>
+                  <a:outerShdw blurRad="38100" dist="32000" dir="5400000" algn="tl">
+                    <a:srgbClr val="000000">
+                      <a:alpha val="30000"/>
+                    </a:srgbClr>
+                  </a:outerShdw>
+                </a:effectLst>
+                <a:latin typeface="メイリオ" pitchFamily="50" charset="-128"/>
+                <a:ea typeface="メイリオ" pitchFamily="50" charset="-128"/>
+                <a:cs typeface="メイリオ" pitchFamily="50" charset="-128"/>
+              </a:rPr>
+              <a:t>-</a:t>
+            </a:r>
+            <a:endParaRPr lang="en-US" altLang="ja-JP" sz="1200" dirty="0">
+              <a:ln w="3175">
+                <a:solidFill>
+                  <a:srgbClr val="0070C0"/>
+                </a:solidFill>
+                <a:prstDash val="solid"/>
+              </a:ln>
+              <a:solidFill>
+                <a:srgbClr val="FFFFFF"/>
+              </a:solidFill>
+              <a:effectLst>
+                <a:outerShdw blurRad="38100" dist="32000" dir="5400000" algn="tl">
+                  <a:srgbClr val="000000">
+                    <a:alpha val="30000"/>
+                  </a:srgbClr>
+                </a:outerShdw>
+              </a:effectLst>
+              <a:latin typeface="メイリオ" pitchFamily="50" charset="-128"/>
+              <a:ea typeface="メイリオ" pitchFamily="50" charset="-128"/>
+              <a:cs typeface="メイリオ" pitchFamily="50" charset="-128"/>
+            </a:endParaRPr>
+          </a:p>
+          <a:p>
+            <a:pPr marL="228600" indent="-228600" algn="ctr">
+              <a:buFont typeface="+mj-lt"/>
+              <a:buAutoNum type="arabicPeriod"/>
+            </a:pPr>
+            <a:r>
+              <a:rPr lang="ja-JP" altLang="en-US" sz="1050" dirty="0" smtClean="0">
+                <a:latin typeface="メイリオ" pitchFamily="50" charset="-128"/>
+                <a:ea typeface="メイリオ" pitchFamily="50" charset="-128"/>
+                <a:cs typeface="メイリオ" pitchFamily="50" charset="-128"/>
+              </a:rPr>
+              <a:t>滑らかな尻尾走行で区間突入。</a:t>
+            </a:r>
+            <a:endParaRPr lang="ja-JP" altLang="en-US" sz="1050" dirty="0">
+              <a:latin typeface="メイリオ" pitchFamily="50" charset="-128"/>
+              <a:ea typeface="メイリオ" pitchFamily="50" charset="-128"/>
+              <a:cs typeface="メイリオ" pitchFamily="50" charset="-128"/>
+            </a:endParaRPr>
+          </a:p>
+          <a:p>
+            <a:pPr marL="228600" indent="-228600" algn="ctr">
+              <a:buFont typeface="+mj-lt"/>
+              <a:buAutoNum type="arabicPeriod"/>
+            </a:pPr>
+            <a:r>
+              <a:rPr lang="ja-JP" altLang="en-US" sz="1050" dirty="0" smtClean="0">
+                <a:latin typeface="メイリオ" pitchFamily="50" charset="-128"/>
+                <a:ea typeface="メイリオ" pitchFamily="50" charset="-128"/>
+                <a:cs typeface="メイリオ" pitchFamily="50" charset="-128"/>
+              </a:rPr>
+              <a:t>ゲート通過時に</a:t>
+            </a:r>
+            <a:r>
+              <a:rPr lang="en-US" altLang="ja-JP" sz="1050" dirty="0" smtClean="0">
+                <a:latin typeface="メイリオ" pitchFamily="50" charset="-128"/>
+                <a:ea typeface="メイリオ" pitchFamily="50" charset="-128"/>
+                <a:cs typeface="メイリオ" pitchFamily="50" charset="-128"/>
+              </a:rPr>
+              <a:t/>
+            </a:r>
+            <a:br>
+              <a:rPr lang="en-US" altLang="ja-JP" sz="1050" dirty="0" smtClean="0">
+                <a:latin typeface="メイリオ" pitchFamily="50" charset="-128"/>
+                <a:ea typeface="メイリオ" pitchFamily="50" charset="-128"/>
+                <a:cs typeface="メイリオ" pitchFamily="50" charset="-128"/>
+              </a:rPr>
+            </a:br>
+            <a:r>
+              <a:rPr lang="ja-JP" altLang="en-US" sz="1050" dirty="0" smtClean="0">
+                <a:latin typeface="メイリオ" pitchFamily="50" charset="-128"/>
+                <a:ea typeface="メイリオ" pitchFamily="50" charset="-128"/>
+                <a:cs typeface="メイリオ" pitchFamily="50" charset="-128"/>
+              </a:rPr>
+              <a:t>目標輝度値を変更</a:t>
+            </a:r>
+            <a:endParaRPr lang="ja-JP" altLang="en-US" sz="1050" dirty="0">
+              <a:latin typeface="メイリオ" pitchFamily="50" charset="-128"/>
+              <a:ea typeface="メイリオ" pitchFamily="50" charset="-128"/>
+              <a:cs typeface="メイリオ" pitchFamily="50" charset="-128"/>
+            </a:endParaRPr>
+          </a:p>
+          <a:p>
+            <a:pPr marL="228600" indent="-228600" algn="ctr">
+              <a:buFont typeface="+mj-lt"/>
+              <a:buAutoNum type="arabicPeriod"/>
+            </a:pPr>
+            <a:r>
+              <a:rPr lang="ja-JP" altLang="en-US" sz="1050" dirty="0" smtClean="0">
+                <a:latin typeface="メイリオ" pitchFamily="50" charset="-128"/>
+                <a:ea typeface="メイリオ" pitchFamily="50" charset="-128"/>
+                <a:cs typeface="メイリオ" pitchFamily="50" charset="-128"/>
+              </a:rPr>
+              <a:t>安定した尻尾角度制御</a:t>
+            </a:r>
+            <a:r>
+              <a:rPr lang="en-US" altLang="ja-JP" sz="1050" dirty="0" smtClean="0">
+                <a:latin typeface="メイリオ" pitchFamily="50" charset="-128"/>
+                <a:ea typeface="メイリオ" pitchFamily="50" charset="-128"/>
+                <a:cs typeface="メイリオ" pitchFamily="50" charset="-128"/>
+              </a:rPr>
+              <a:t/>
+            </a:r>
+            <a:br>
+              <a:rPr lang="en-US" altLang="ja-JP" sz="1050" dirty="0" smtClean="0">
+                <a:latin typeface="メイリオ" pitchFamily="50" charset="-128"/>
+                <a:ea typeface="メイリオ" pitchFamily="50" charset="-128"/>
+                <a:cs typeface="メイリオ" pitchFamily="50" charset="-128"/>
+              </a:rPr>
+            </a:br>
+            <a:r>
+              <a:rPr lang="en-US" altLang="ja-JP" sz="1050" dirty="0" smtClean="0">
+                <a:latin typeface="メイリオ" pitchFamily="50" charset="-128"/>
+                <a:ea typeface="メイリオ" pitchFamily="50" charset="-128"/>
+                <a:cs typeface="メイリオ" pitchFamily="50" charset="-128"/>
+              </a:rPr>
+              <a:t>(p.5 </a:t>
+            </a:r>
+            <a:r>
+              <a:rPr lang="ja-JP" altLang="en-US" sz="1050" dirty="0" smtClean="0">
+                <a:latin typeface="メイリオ" pitchFamily="50" charset="-128"/>
+                <a:ea typeface="メイリオ" pitchFamily="50" charset="-128"/>
+                <a:cs typeface="メイリオ" pitchFamily="50" charset="-128"/>
+              </a:rPr>
+              <a:t>要素技術</a:t>
+            </a:r>
+            <a:r>
+              <a:rPr lang="en-US" altLang="ja-JP" sz="1050" dirty="0" smtClean="0">
+                <a:latin typeface="メイリオ" pitchFamily="50" charset="-128"/>
+                <a:ea typeface="メイリオ" pitchFamily="50" charset="-128"/>
+                <a:cs typeface="メイリオ" pitchFamily="50" charset="-128"/>
+              </a:rPr>
+              <a:t>)</a:t>
+            </a:r>
+            <a:endParaRPr lang="ja-JP" altLang="en-US" sz="1050" dirty="0">
+              <a:latin typeface="メイリオ" pitchFamily="50" charset="-128"/>
+              <a:ea typeface="メイリオ" pitchFamily="50" charset="-128"/>
+              <a:cs typeface="メイリオ" pitchFamily="50" charset="-128"/>
+            </a:endParaRPr>
+          </a:p>
+        </p:txBody>
+      </p:sp>
+      <p:sp>
+        <p:nvSpPr>
+          <p:cNvPr id="2" name="テキスト ボックス 1"/>
+          <p:cNvSpPr txBox="1"/>
+          <p:nvPr/>
+        </p:nvSpPr>
+        <p:spPr>
+          <a:xfrm>
+            <a:off x="9920348" y="7695853"/>
+            <a:ext cx="296876" cy="307777"/>
+          </a:xfrm>
+          <a:prstGeom prst="rect">
+            <a:avLst/>
+          </a:prstGeom>
+          <a:noFill/>
+        </p:spPr>
+        <p:txBody>
+          <a:bodyPr wrap="none" rtlCol="0">
+            <a:spAutoFit/>
+          </a:bodyPr>
+          <a:lstStyle/>
+          <a:p>
+            <a:r>
+              <a:rPr kumimoji="1" lang="en-US" altLang="ja-JP" sz="1400" dirty="0" smtClean="0">
+                <a:solidFill>
+                  <a:srgbClr val="92D050"/>
+                </a:solidFill>
+                <a:latin typeface="メイリオ" pitchFamily="50" charset="-128"/>
+                <a:ea typeface="メイリオ" pitchFamily="50" charset="-128"/>
+                <a:cs typeface="メイリオ" pitchFamily="50" charset="-128"/>
+              </a:rPr>
+              <a:t>6</a:t>
+            </a:r>
+            <a:endParaRPr kumimoji="1" lang="ja-JP" altLang="en-US" sz="1400" dirty="0">
+              <a:solidFill>
+                <a:srgbClr val="92D050"/>
+              </a:solidFill>
+              <a:latin typeface="メイリオ" pitchFamily="50" charset="-128"/>
+              <a:ea typeface="メイリオ" pitchFamily="50" charset="-128"/>
+              <a:cs typeface="メイリオ" pitchFamily="50" charset="-128"/>
+            </a:endParaRPr>
+          </a:p>
+        </p:txBody>
+      </p:sp>
+      <p:sp>
+        <p:nvSpPr>
+          <p:cNvPr id="53" name="テキスト ボックス 52"/>
+          <p:cNvSpPr txBox="1"/>
+          <p:nvPr/>
+        </p:nvSpPr>
+        <p:spPr>
+          <a:xfrm>
+            <a:off x="7480473" y="1538387"/>
+            <a:ext cx="197019" cy="307777"/>
+          </a:xfrm>
+          <a:prstGeom prst="rect">
+            <a:avLst/>
+          </a:prstGeom>
+          <a:noFill/>
+        </p:spPr>
+        <p:txBody>
+          <a:bodyPr wrap="square" rtlCol="0">
+            <a:spAutoFit/>
+          </a:bodyPr>
+          <a:lstStyle/>
+          <a:p>
+            <a:pPr algn="ctr"/>
+            <a:r>
+              <a:rPr kumimoji="1" lang="en-US" altLang="ja-JP" sz="1400" dirty="0" smtClean="0">
+                <a:solidFill>
+                  <a:schemeClr val="tx2">
+                    <a:lumMod val="60000"/>
+                    <a:lumOff val="40000"/>
+                  </a:schemeClr>
+                </a:solidFill>
+                <a:latin typeface="メイリオ" pitchFamily="50" charset="-128"/>
+                <a:ea typeface="メイリオ" pitchFamily="50" charset="-128"/>
+                <a:cs typeface="メイリオ" pitchFamily="50" charset="-128"/>
+              </a:rPr>
+              <a:t>1</a:t>
+            </a:r>
+            <a:endParaRPr kumimoji="1" lang="ja-JP" altLang="en-US" sz="1400" dirty="0">
+              <a:solidFill>
+                <a:schemeClr val="tx2">
+                  <a:lumMod val="60000"/>
+                  <a:lumOff val="40000"/>
+                </a:schemeClr>
+              </a:solidFill>
+              <a:latin typeface="メイリオ" pitchFamily="50" charset="-128"/>
+              <a:ea typeface="メイリオ" pitchFamily="50" charset="-128"/>
+              <a:cs typeface="メイリオ" pitchFamily="50" charset="-128"/>
+            </a:endParaRPr>
+          </a:p>
+        </p:txBody>
+      </p:sp>
+      <p:sp>
+        <p:nvSpPr>
+          <p:cNvPr id="54" name="テキスト ボックス 53"/>
+          <p:cNvSpPr txBox="1"/>
+          <p:nvPr/>
+        </p:nvSpPr>
+        <p:spPr>
+          <a:xfrm>
+            <a:off x="7444703" y="2098413"/>
+            <a:ext cx="296876" cy="307777"/>
+          </a:xfrm>
+          <a:prstGeom prst="rect">
+            <a:avLst/>
+          </a:prstGeom>
+          <a:noFill/>
+        </p:spPr>
+        <p:txBody>
+          <a:bodyPr wrap="none" rtlCol="0">
+            <a:spAutoFit/>
+          </a:bodyPr>
+          <a:lstStyle/>
+          <a:p>
+            <a:pPr algn="ctr"/>
+            <a:r>
+              <a:rPr kumimoji="1" lang="en-US" altLang="ja-JP" sz="1400" dirty="0" smtClean="0">
+                <a:solidFill>
+                  <a:srgbClr val="00B050"/>
+                </a:solidFill>
+                <a:latin typeface="メイリオ" pitchFamily="50" charset="-128"/>
+                <a:ea typeface="メイリオ" pitchFamily="50" charset="-128"/>
+                <a:cs typeface="メイリオ" pitchFamily="50" charset="-128"/>
+              </a:rPr>
+              <a:t>2</a:t>
+            </a:r>
+            <a:endParaRPr kumimoji="1" lang="ja-JP" altLang="en-US" sz="1400" dirty="0">
+              <a:solidFill>
+                <a:srgbClr val="00B050"/>
+              </a:solidFill>
+              <a:latin typeface="メイリオ" pitchFamily="50" charset="-128"/>
+              <a:ea typeface="メイリオ" pitchFamily="50" charset="-128"/>
+              <a:cs typeface="メイリオ" pitchFamily="50" charset="-128"/>
+            </a:endParaRPr>
+          </a:p>
+        </p:txBody>
+      </p:sp>
+      <p:sp>
+        <p:nvSpPr>
+          <p:cNvPr id="55" name="テキスト ボックス 54"/>
+          <p:cNvSpPr txBox="1"/>
+          <p:nvPr/>
+        </p:nvSpPr>
+        <p:spPr>
+          <a:xfrm>
+            <a:off x="7474607" y="2714116"/>
+            <a:ext cx="296876" cy="307777"/>
+          </a:xfrm>
+          <a:prstGeom prst="rect">
+            <a:avLst/>
+          </a:prstGeom>
+          <a:noFill/>
+        </p:spPr>
+        <p:txBody>
+          <a:bodyPr wrap="none" rtlCol="0">
+            <a:spAutoFit/>
+          </a:bodyPr>
+          <a:lstStyle/>
+          <a:p>
+            <a:pPr algn="ctr"/>
+            <a:r>
+              <a:rPr kumimoji="1" lang="en-US" altLang="ja-JP" sz="1400" dirty="0" smtClean="0">
+                <a:solidFill>
+                  <a:srgbClr val="FF0000"/>
+                </a:solidFill>
+                <a:latin typeface="メイリオ" pitchFamily="50" charset="-128"/>
+                <a:ea typeface="メイリオ" pitchFamily="50" charset="-128"/>
+                <a:cs typeface="メイリオ" pitchFamily="50" charset="-128"/>
+              </a:rPr>
+              <a:t>3</a:t>
+            </a:r>
+            <a:endParaRPr kumimoji="1" lang="ja-JP" altLang="en-US" sz="1400" dirty="0">
+              <a:solidFill>
+                <a:srgbClr val="FF0000"/>
+              </a:solidFill>
+              <a:latin typeface="メイリオ" pitchFamily="50" charset="-128"/>
+              <a:ea typeface="メイリオ" pitchFamily="50" charset="-128"/>
+              <a:cs typeface="メイリオ" pitchFamily="50" charset="-128"/>
+            </a:endParaRPr>
+          </a:p>
+        </p:txBody>
+      </p:sp>
+      <p:sp>
+        <p:nvSpPr>
+          <p:cNvPr id="56" name="テキスト ボックス 55"/>
+          <p:cNvSpPr txBox="1"/>
+          <p:nvPr/>
+        </p:nvSpPr>
+        <p:spPr>
+          <a:xfrm>
+            <a:off x="10001200" y="1577066"/>
+            <a:ext cx="296876" cy="307777"/>
+          </a:xfrm>
+          <a:prstGeom prst="rect">
+            <a:avLst/>
+          </a:prstGeom>
+          <a:noFill/>
+        </p:spPr>
+        <p:txBody>
+          <a:bodyPr wrap="none" rtlCol="0">
+            <a:spAutoFit/>
+          </a:bodyPr>
+          <a:lstStyle/>
+          <a:p>
+            <a:pPr algn="ctr"/>
+            <a:r>
+              <a:rPr kumimoji="1" lang="en-US" altLang="ja-JP" sz="1400" dirty="0" smtClean="0">
+                <a:solidFill>
+                  <a:srgbClr val="FF33CC"/>
+                </a:solidFill>
+                <a:latin typeface="メイリオ" pitchFamily="50" charset="-128"/>
+                <a:ea typeface="メイリオ" pitchFamily="50" charset="-128"/>
+                <a:cs typeface="メイリオ" pitchFamily="50" charset="-128"/>
+              </a:rPr>
+              <a:t>4</a:t>
+            </a:r>
+            <a:endParaRPr kumimoji="1" lang="ja-JP" altLang="en-US" sz="1400" dirty="0">
+              <a:solidFill>
+                <a:srgbClr val="FF33CC"/>
+              </a:solidFill>
+              <a:latin typeface="メイリオ" pitchFamily="50" charset="-128"/>
+              <a:ea typeface="メイリオ" pitchFamily="50" charset="-128"/>
+              <a:cs typeface="メイリオ" pitchFamily="50" charset="-128"/>
+            </a:endParaRPr>
+          </a:p>
+        </p:txBody>
+      </p:sp>
+      <p:sp>
+        <p:nvSpPr>
+          <p:cNvPr id="57" name="テキスト ボックス 56"/>
+          <p:cNvSpPr txBox="1"/>
+          <p:nvPr/>
+        </p:nvSpPr>
+        <p:spPr>
+          <a:xfrm>
+            <a:off x="9996003" y="2714115"/>
+            <a:ext cx="296876" cy="307777"/>
+          </a:xfrm>
+          <a:prstGeom prst="rect">
+            <a:avLst/>
+          </a:prstGeom>
+          <a:noFill/>
+        </p:spPr>
+        <p:txBody>
+          <a:bodyPr wrap="none" rtlCol="0">
+            <a:spAutoFit/>
+          </a:bodyPr>
+          <a:lstStyle/>
+          <a:p>
+            <a:pPr algn="ctr"/>
+            <a:r>
+              <a:rPr kumimoji="1" lang="en-US" altLang="ja-JP" sz="1400" dirty="0" smtClean="0">
+                <a:solidFill>
+                  <a:srgbClr val="FFC000"/>
+                </a:solidFill>
+                <a:latin typeface="メイリオ" pitchFamily="50" charset="-128"/>
+                <a:ea typeface="メイリオ" pitchFamily="50" charset="-128"/>
+                <a:cs typeface="メイリオ" pitchFamily="50" charset="-128"/>
+              </a:rPr>
+              <a:t>5</a:t>
+            </a:r>
+            <a:endParaRPr kumimoji="1" lang="ja-JP" altLang="en-US" sz="1400" dirty="0">
+              <a:solidFill>
+                <a:srgbClr val="FFC000"/>
+              </a:solidFill>
+              <a:latin typeface="メイリオ" pitchFamily="50" charset="-128"/>
+              <a:ea typeface="メイリオ" pitchFamily="50" charset="-128"/>
+              <a:cs typeface="メイリオ" pitchFamily="50" charset="-128"/>
+            </a:endParaRPr>
+          </a:p>
+        </p:txBody>
+      </p:sp>
+      <p:sp>
+        <p:nvSpPr>
+          <p:cNvPr id="3" name="1 つの角を切り取った四角形 2"/>
+          <p:cNvSpPr/>
+          <p:nvPr/>
+        </p:nvSpPr>
+        <p:spPr>
+          <a:xfrm>
+            <a:off x="3844516" y="3863876"/>
+            <a:ext cx="3348372" cy="792088"/>
+          </a:xfrm>
+          <a:prstGeom prst="snip1Rect">
+            <a:avLst/>
+          </a:prstGeom>
+        </p:spPr>
+        <p:style>
+          <a:lnRef idx="1">
+            <a:schemeClr val="accent6"/>
+          </a:lnRef>
+          <a:fillRef idx="2">
+            <a:schemeClr val="accent6"/>
+          </a:fillRef>
+          <a:effectRef idx="1">
+            <a:schemeClr val="accent6"/>
+          </a:effectRef>
+          <a:fontRef idx="minor">
+            <a:schemeClr val="dk1"/>
+          </a:fontRef>
+        </p:style>
+        <p:txBody>
+          <a:bodyPr tIns="108000" rtlCol="0" anchor="ctr" anchorCtr="0"/>
+          <a:lstStyle/>
+          <a:p>
+            <a:r>
+              <a:rPr kumimoji="1" lang="ja-JP" altLang="en-US" sz="1600" u="sng" dirty="0" smtClean="0">
+                <a:latin typeface="メイリオ" pitchFamily="50" charset="-128"/>
+                <a:ea typeface="メイリオ" pitchFamily="50" charset="-128"/>
+                <a:cs typeface="メイリオ" pitchFamily="50" charset="-128"/>
+              </a:rPr>
+              <a:t>要素技術</a:t>
+            </a:r>
+            <a:r>
+              <a:rPr kumimoji="1" lang="en-US" altLang="ja-JP" sz="1600" dirty="0" smtClean="0">
+                <a:latin typeface="メイリオ" pitchFamily="50" charset="-128"/>
+                <a:ea typeface="メイリオ" pitchFamily="50" charset="-128"/>
+                <a:cs typeface="メイリオ" pitchFamily="50" charset="-128"/>
+              </a:rPr>
+              <a:t>(</a:t>
+            </a:r>
+            <a:r>
+              <a:rPr kumimoji="1" lang="ja-JP" altLang="en-US" sz="1600" dirty="0" smtClean="0">
+                <a:latin typeface="メイリオ" pitchFamily="50" charset="-128"/>
+                <a:ea typeface="メイリオ" pitchFamily="50" charset="-128"/>
+                <a:cs typeface="メイリオ" pitchFamily="50" charset="-128"/>
+              </a:rPr>
+              <a:t>詳細</a:t>
+            </a:r>
+            <a:r>
+              <a:rPr kumimoji="1" lang="en-US" altLang="ja-JP" sz="1600" dirty="0" smtClean="0">
+                <a:latin typeface="メイリオ" pitchFamily="50" charset="-128"/>
+                <a:ea typeface="メイリオ" pitchFamily="50" charset="-128"/>
+                <a:cs typeface="メイリオ" pitchFamily="50" charset="-128"/>
+              </a:rPr>
+              <a:t>:p.5):</a:t>
+            </a:r>
+          </a:p>
+          <a:p>
+            <a:r>
+              <a:rPr lang="ja-JP" altLang="en-US" sz="1400" dirty="0" smtClean="0">
+                <a:latin typeface="メイリオ" pitchFamily="50" charset="-128"/>
+                <a:ea typeface="メイリオ" pitchFamily="50" charset="-128"/>
+                <a:cs typeface="メイリオ" pitchFamily="50" charset="-128"/>
+              </a:rPr>
+              <a:t>方位計測、路面輝度値変化検出、車体傾き検知、衝撃吸収、ライン復帰</a:t>
+            </a:r>
+            <a:endParaRPr kumimoji="1" lang="en-US" altLang="ja-JP" sz="1400" dirty="0" smtClean="0">
+              <a:latin typeface="メイリオ" pitchFamily="50" charset="-128"/>
+              <a:ea typeface="メイリオ" pitchFamily="50" charset="-128"/>
+              <a:cs typeface="メイリオ" pitchFamily="50" charset="-128"/>
+            </a:endParaRPr>
+          </a:p>
+          <a:p>
+            <a:endParaRPr kumimoji="1" lang="ja-JP" altLang="en-US" sz="1400" dirty="0">
+              <a:latin typeface="メイリオ" pitchFamily="50" charset="-128"/>
+              <a:ea typeface="メイリオ" pitchFamily="50" charset="-128"/>
+              <a:cs typeface="メイリオ" pitchFamily="50" charset="-128"/>
+            </a:endParaRPr>
+          </a:p>
+        </p:txBody>
+      </p:sp>
+      <p:sp>
+        <p:nvSpPr>
+          <p:cNvPr id="59" name="1 つの角を切り取った四角形 58"/>
+          <p:cNvSpPr/>
+          <p:nvPr/>
+        </p:nvSpPr>
+        <p:spPr>
+          <a:xfrm>
+            <a:off x="10073208" y="3801120"/>
+            <a:ext cx="2305031" cy="854844"/>
+          </a:xfrm>
+          <a:prstGeom prst="snip1Rect">
+            <a:avLst/>
+          </a:prstGeom>
+        </p:spPr>
+        <p:style>
+          <a:lnRef idx="1">
+            <a:schemeClr val="accent6"/>
+          </a:lnRef>
+          <a:fillRef idx="2">
+            <a:schemeClr val="accent6"/>
+          </a:fillRef>
+          <a:effectRef idx="1">
+            <a:schemeClr val="accent6"/>
+          </a:effectRef>
+          <a:fontRef idx="minor">
+            <a:schemeClr val="dk1"/>
+          </a:fontRef>
+        </p:style>
+        <p:txBody>
+          <a:bodyPr tIns="108000" rtlCol="0" anchor="ctr" anchorCtr="0"/>
+          <a:lstStyle/>
+          <a:p>
+            <a:r>
+              <a:rPr lang="ja-JP" altLang="en-US" sz="1600" u="sng" dirty="0">
+                <a:latin typeface="メイリオ" pitchFamily="50" charset="-128"/>
+                <a:ea typeface="メイリオ" pitchFamily="50" charset="-128"/>
+                <a:cs typeface="メイリオ" pitchFamily="50" charset="-128"/>
+              </a:rPr>
+              <a:t>要素技術</a:t>
+            </a:r>
+            <a:r>
+              <a:rPr lang="en-US" altLang="ja-JP" sz="1600" dirty="0">
+                <a:latin typeface="メイリオ" pitchFamily="50" charset="-128"/>
+                <a:ea typeface="メイリオ" pitchFamily="50" charset="-128"/>
+                <a:cs typeface="メイリオ" pitchFamily="50" charset="-128"/>
+              </a:rPr>
+              <a:t>(</a:t>
+            </a:r>
+            <a:r>
+              <a:rPr lang="ja-JP" altLang="en-US" sz="1600" dirty="0">
+                <a:latin typeface="メイリオ" pitchFamily="50" charset="-128"/>
+                <a:ea typeface="メイリオ" pitchFamily="50" charset="-128"/>
+                <a:cs typeface="メイリオ" pitchFamily="50" charset="-128"/>
+              </a:rPr>
+              <a:t>詳細</a:t>
+            </a:r>
+            <a:r>
+              <a:rPr lang="en-US" altLang="ja-JP" sz="1600" dirty="0">
+                <a:latin typeface="メイリオ" pitchFamily="50" charset="-128"/>
+                <a:ea typeface="メイリオ" pitchFamily="50" charset="-128"/>
+                <a:cs typeface="メイリオ" pitchFamily="50" charset="-128"/>
+              </a:rPr>
+              <a:t>:p.5):</a:t>
+            </a:r>
+          </a:p>
+          <a:p>
+            <a:r>
+              <a:rPr lang="ja-JP" altLang="en-US" sz="1400" dirty="0" smtClean="0">
+                <a:latin typeface="メイリオ" pitchFamily="50" charset="-128"/>
+                <a:ea typeface="メイリオ" pitchFamily="50" charset="-128"/>
+                <a:cs typeface="メイリオ" pitchFamily="50" charset="-128"/>
+              </a:rPr>
+              <a:t>車体仰角制御、前方障害物検知</a:t>
+            </a:r>
+            <a:endParaRPr kumimoji="1" lang="en-US" altLang="ja-JP" sz="1400" dirty="0" smtClean="0">
+              <a:latin typeface="メイリオ" pitchFamily="50" charset="-128"/>
+              <a:ea typeface="メイリオ" pitchFamily="50" charset="-128"/>
+              <a:cs typeface="メイリオ" pitchFamily="50" charset="-128"/>
+            </a:endParaRPr>
+          </a:p>
+          <a:p>
+            <a:endParaRPr kumimoji="1" lang="ja-JP" altLang="en-US" sz="1400" dirty="0">
+              <a:latin typeface="メイリオ" pitchFamily="50" charset="-128"/>
+              <a:ea typeface="メイリオ" pitchFamily="50" charset="-128"/>
+              <a:cs typeface="メイリオ" pitchFamily="50" charset="-128"/>
+            </a:endParaRPr>
+          </a:p>
+        </p:txBody>
+      </p:sp>
+      <p:sp>
+        <p:nvSpPr>
+          <p:cNvPr id="60" name="1 つの角を切り取った四角形 59"/>
+          <p:cNvSpPr/>
+          <p:nvPr/>
+        </p:nvSpPr>
+        <p:spPr>
+          <a:xfrm>
+            <a:off x="4672608" y="8112967"/>
+            <a:ext cx="2577065" cy="975489"/>
+          </a:xfrm>
+          <a:prstGeom prst="snip1Rect">
+            <a:avLst/>
+          </a:prstGeom>
+        </p:spPr>
+        <p:style>
+          <a:lnRef idx="1">
+            <a:schemeClr val="accent6"/>
+          </a:lnRef>
+          <a:fillRef idx="2">
+            <a:schemeClr val="accent6"/>
+          </a:fillRef>
+          <a:effectRef idx="1">
+            <a:schemeClr val="accent6"/>
+          </a:effectRef>
+          <a:fontRef idx="minor">
+            <a:schemeClr val="dk1"/>
+          </a:fontRef>
+        </p:style>
+        <p:txBody>
+          <a:bodyPr tIns="108000" rtlCol="0" anchor="ctr" anchorCtr="0"/>
+          <a:lstStyle/>
+          <a:p>
+            <a:r>
+              <a:rPr lang="ja-JP" altLang="en-US" sz="1600" u="sng" dirty="0">
+                <a:latin typeface="メイリオ" pitchFamily="50" charset="-128"/>
+                <a:ea typeface="メイリオ" pitchFamily="50" charset="-128"/>
+                <a:cs typeface="メイリオ" pitchFamily="50" charset="-128"/>
+              </a:rPr>
+              <a:t>要素技術</a:t>
+            </a:r>
+            <a:r>
+              <a:rPr lang="en-US" altLang="ja-JP" sz="1600" dirty="0">
+                <a:latin typeface="メイリオ" pitchFamily="50" charset="-128"/>
+                <a:ea typeface="メイリオ" pitchFamily="50" charset="-128"/>
+                <a:cs typeface="メイリオ" pitchFamily="50" charset="-128"/>
+              </a:rPr>
+              <a:t>(</a:t>
+            </a:r>
+            <a:r>
+              <a:rPr lang="ja-JP" altLang="en-US" sz="1600" dirty="0">
+                <a:latin typeface="メイリオ" pitchFamily="50" charset="-128"/>
+                <a:ea typeface="メイリオ" pitchFamily="50" charset="-128"/>
+                <a:cs typeface="メイリオ" pitchFamily="50" charset="-128"/>
+              </a:rPr>
+              <a:t>詳細</a:t>
+            </a:r>
+            <a:r>
+              <a:rPr lang="en-US" altLang="ja-JP" sz="1600" dirty="0">
+                <a:latin typeface="メイリオ" pitchFamily="50" charset="-128"/>
+                <a:ea typeface="メイリオ" pitchFamily="50" charset="-128"/>
+                <a:cs typeface="メイリオ" pitchFamily="50" charset="-128"/>
+              </a:rPr>
+              <a:t>:p.5):</a:t>
+            </a:r>
+          </a:p>
+          <a:p>
+            <a:r>
+              <a:rPr lang="ja-JP" altLang="en-US" sz="1400" dirty="0" smtClean="0">
+                <a:latin typeface="メイリオ" pitchFamily="50" charset="-128"/>
+                <a:ea typeface="メイリオ" pitchFamily="50" charset="-128"/>
+                <a:cs typeface="メイリオ" pitchFamily="50" charset="-128"/>
+              </a:rPr>
+              <a:t>前方障害物検知、方位計測</a:t>
+            </a:r>
+            <a:endParaRPr kumimoji="1" lang="en-US" altLang="ja-JP" sz="1400" dirty="0" smtClean="0">
+              <a:latin typeface="メイリオ" pitchFamily="50" charset="-128"/>
+              <a:ea typeface="メイリオ" pitchFamily="50" charset="-128"/>
+              <a:cs typeface="メイリオ" pitchFamily="50" charset="-128"/>
+            </a:endParaRPr>
+          </a:p>
+          <a:p>
+            <a:endParaRPr kumimoji="1" lang="ja-JP" altLang="en-US" sz="1400" dirty="0">
+              <a:latin typeface="メイリオ" pitchFamily="50" charset="-128"/>
+              <a:ea typeface="メイリオ" pitchFamily="50" charset="-128"/>
+              <a:cs typeface="メイリオ" pitchFamily="50" charset="-128"/>
+            </a:endParaRPr>
+          </a:p>
+        </p:txBody>
+      </p:sp>
+      <p:sp>
+        <p:nvSpPr>
+          <p:cNvPr id="61" name="1 つの角を切り取った四角形 60"/>
+          <p:cNvSpPr/>
+          <p:nvPr/>
+        </p:nvSpPr>
+        <p:spPr>
+          <a:xfrm>
+            <a:off x="10317807" y="7968952"/>
+            <a:ext cx="2131665" cy="1080120"/>
+          </a:xfrm>
+          <a:prstGeom prst="snip1Rect">
+            <a:avLst/>
+          </a:prstGeom>
+        </p:spPr>
+        <p:style>
+          <a:lnRef idx="1">
+            <a:schemeClr val="accent6"/>
+          </a:lnRef>
+          <a:fillRef idx="2">
+            <a:schemeClr val="accent6"/>
+          </a:fillRef>
+          <a:effectRef idx="1">
+            <a:schemeClr val="accent6"/>
+          </a:effectRef>
+          <a:fontRef idx="minor">
+            <a:schemeClr val="dk1"/>
+          </a:fontRef>
+        </p:style>
+        <p:txBody>
+          <a:bodyPr tIns="180000" rtlCol="0" anchor="ctr" anchorCtr="0"/>
+          <a:lstStyle/>
+          <a:p>
+            <a:r>
+              <a:rPr lang="ja-JP" altLang="en-US" sz="1600" u="sng" dirty="0">
+                <a:latin typeface="メイリオ" pitchFamily="50" charset="-128"/>
+                <a:ea typeface="メイリオ" pitchFamily="50" charset="-128"/>
+                <a:cs typeface="メイリオ" pitchFamily="50" charset="-128"/>
+              </a:rPr>
+              <a:t>要素</a:t>
+            </a:r>
+            <a:r>
+              <a:rPr lang="ja-JP" altLang="en-US" sz="1600" u="sng" dirty="0" smtClean="0">
+                <a:latin typeface="メイリオ" pitchFamily="50" charset="-128"/>
+                <a:ea typeface="メイリオ" pitchFamily="50" charset="-128"/>
+                <a:cs typeface="メイリオ" pitchFamily="50" charset="-128"/>
+              </a:rPr>
+              <a:t>技術</a:t>
+            </a:r>
+            <a:r>
+              <a:rPr lang="en-US" altLang="ja-JP" sz="1600" dirty="0" smtClean="0">
+                <a:latin typeface="メイリオ" pitchFamily="50" charset="-128"/>
+                <a:ea typeface="メイリオ" pitchFamily="50" charset="-128"/>
+                <a:cs typeface="メイリオ" pitchFamily="50" charset="-128"/>
+              </a:rPr>
+              <a:t/>
+            </a:r>
+            <a:br>
+              <a:rPr lang="en-US" altLang="ja-JP" sz="1600" dirty="0" smtClean="0">
+                <a:latin typeface="メイリオ" pitchFamily="50" charset="-128"/>
+                <a:ea typeface="メイリオ" pitchFamily="50" charset="-128"/>
+                <a:cs typeface="メイリオ" pitchFamily="50" charset="-128"/>
+              </a:rPr>
+            </a:br>
+            <a:r>
+              <a:rPr lang="en-US" altLang="ja-JP" sz="1600" dirty="0" smtClean="0">
+                <a:latin typeface="メイリオ" pitchFamily="50" charset="-128"/>
+                <a:ea typeface="メイリオ" pitchFamily="50" charset="-128"/>
+                <a:cs typeface="メイリオ" pitchFamily="50" charset="-128"/>
+              </a:rPr>
+              <a:t>(</a:t>
+            </a:r>
+            <a:r>
+              <a:rPr lang="ja-JP" altLang="en-US" sz="1600" dirty="0">
+                <a:latin typeface="メイリオ" pitchFamily="50" charset="-128"/>
+                <a:ea typeface="メイリオ" pitchFamily="50" charset="-128"/>
+                <a:cs typeface="メイリオ" pitchFamily="50" charset="-128"/>
+              </a:rPr>
+              <a:t>詳細</a:t>
+            </a:r>
+            <a:r>
+              <a:rPr lang="en-US" altLang="ja-JP" sz="1600" dirty="0">
+                <a:latin typeface="メイリオ" pitchFamily="50" charset="-128"/>
+                <a:ea typeface="メイリオ" pitchFamily="50" charset="-128"/>
+                <a:cs typeface="メイリオ" pitchFamily="50" charset="-128"/>
+              </a:rPr>
+              <a:t>:p.5):</a:t>
+            </a:r>
+          </a:p>
+          <a:p>
+            <a:r>
+              <a:rPr lang="ja-JP" altLang="en-US" sz="1400" dirty="0" smtClean="0">
+                <a:latin typeface="メイリオ" pitchFamily="50" charset="-128"/>
+                <a:ea typeface="メイリオ" pitchFamily="50" charset="-128"/>
+                <a:cs typeface="メイリオ" pitchFamily="50" charset="-128"/>
+              </a:rPr>
+              <a:t>車体傾き検知、衝撃吸収、ライン復帰</a:t>
+            </a:r>
+            <a:endParaRPr kumimoji="1" lang="en-US" altLang="ja-JP" sz="1400" dirty="0" smtClean="0">
+              <a:latin typeface="メイリオ" pitchFamily="50" charset="-128"/>
+              <a:ea typeface="メイリオ" pitchFamily="50" charset="-128"/>
+              <a:cs typeface="メイリオ" pitchFamily="50" charset="-128"/>
+            </a:endParaRPr>
+          </a:p>
+          <a:p>
+            <a:endParaRPr kumimoji="1" lang="ja-JP" altLang="en-US" sz="1400" dirty="0">
+              <a:latin typeface="メイリオ" pitchFamily="50" charset="-128"/>
+              <a:ea typeface="メイリオ" pitchFamily="50" charset="-128"/>
+              <a:cs typeface="メイリオ" pitchFamily="50" charset="-128"/>
+            </a:endParaRPr>
+          </a:p>
+        </p:txBody>
+      </p:sp>
+      <p:pic>
+        <p:nvPicPr>
+          <p:cNvPr id="1034" name="Picture 10"/>
+          <p:cNvPicPr>
+            <a:picLocks noChangeAspect="1" noChangeArrowheads="1"/>
+          </p:cNvPicPr>
+          <p:nvPr/>
+        </p:nvPicPr>
+        <p:blipFill>
+          <a:blip r:embed="rId8">
+            <a:extLst>
+              <a:ext uri="{28A0092B-C50C-407E-A947-70E740481C1C}">
+                <a14:useLocalDpi xmlns:a14="http://schemas.microsoft.com/office/drawing/2010/main" val="0"/>
+              </a:ext>
+            </a:extLst>
+          </a:blip>
+          <a:srcRect/>
+          <a:stretch>
+            <a:fillRect/>
+          </a:stretch>
+        </p:blipFill>
+        <p:spPr bwMode="auto">
+          <a:xfrm>
+            <a:off x="612515" y="1228156"/>
+            <a:ext cx="3268005" cy="2645162"/>
+          </a:xfrm>
+          <a:prstGeom prst="rect">
+            <a:avLst/>
+          </a:prstGeom>
+          <a:noFill/>
+          <a:ln>
+            <a:noFill/>
+          </a:ln>
+          <a:effectLst/>
+          <a:extLst>
+            <a:ext uri="{909E8E84-426E-40DD-AFC4-6F175D3DCCD1}">
+              <a14:hiddenFill xmlns:a14="http://schemas.microsoft.com/office/drawing/2010/main">
+                <a:solidFill>
+                  <a:schemeClr val="accent1"/>
+                </a:solidFill>
+              </a14:hiddenFill>
+            </a:ext>
+            <a:ext uri="{91240B29-F687-4F45-9708-019B960494DF}">
+              <a14:hiddenLine xmlns:a14="http://schemas.microsoft.com/office/drawing/2010/main" w="9525">
+                <a:solidFill>
+                  <a:schemeClr val="tx1"/>
+                </a:solidFill>
+                <a:miter lim="800000"/>
+                <a:headEnd/>
+                <a:tailEnd/>
+              </a14:hiddenLine>
+            </a:ext>
+            <a:ext uri="{AF507438-7753-43E0-B8FC-AC1667EBCBE1}">
+              <a14:hiddenEffects xmlns:a14="http://schemas.microsoft.com/office/drawing/2010/main">
+                <a:effectLst>
+                  <a:outerShdw dist="35921" dir="2700000" algn="ctr" rotWithShape="0">
+                    <a:schemeClr val="bg2"/>
+                  </a:outerShdw>
+                </a:effectLst>
+              </a14:hiddenEffects>
+            </a:ext>
+          </a:extLst>
+        </p:spPr>
+      </p:pic>
+      <p:sp>
+        <p:nvSpPr>
+          <p:cNvPr id="11" name="正方形/長方形 10"/>
+          <p:cNvSpPr/>
+          <p:nvPr/>
+        </p:nvSpPr>
+        <p:spPr>
+          <a:xfrm>
+            <a:off x="236687" y="840160"/>
+            <a:ext cx="1224136" cy="400110"/>
+          </a:xfrm>
+          <a:prstGeom prst="rect">
+            <a:avLst/>
+          </a:prstGeom>
+        </p:spPr>
+        <p:style>
+          <a:lnRef idx="2">
+            <a:schemeClr val="accent1">
+              <a:shade val="50000"/>
+            </a:schemeClr>
+          </a:lnRef>
+          <a:fillRef idx="1">
+            <a:schemeClr val="accent1"/>
+          </a:fillRef>
+          <a:effectRef idx="0">
+            <a:schemeClr val="accent1"/>
+          </a:effectRef>
+          <a:fontRef idx="minor">
+            <a:schemeClr val="lt1"/>
+          </a:fontRef>
+        </p:style>
+        <p:txBody>
+          <a:bodyPr rtlCol="0" anchor="ctr">
+            <a:spAutoFit/>
+          </a:bodyPr>
+          <a:lstStyle/>
+          <a:p>
+            <a:pPr algn="ctr"/>
+            <a:r>
+              <a:rPr lang="ja-JP" altLang="en-US" sz="2000" dirty="0">
+                <a:latin typeface="メイリオ" pitchFamily="50" charset="-128"/>
+                <a:ea typeface="メイリオ" pitchFamily="50" charset="-128"/>
+                <a:cs typeface="メイリオ" pitchFamily="50" charset="-128"/>
+              </a:rPr>
+              <a:t>階段</a:t>
+            </a:r>
+            <a:endParaRPr kumimoji="1" lang="ja-JP" altLang="en-US" sz="2000" dirty="0">
+              <a:latin typeface="メイリオ" pitchFamily="50" charset="-128"/>
+              <a:ea typeface="メイリオ" pitchFamily="50" charset="-128"/>
+              <a:cs typeface="メイリオ" pitchFamily="50" charset="-128"/>
+            </a:endParaRPr>
+          </a:p>
+        </p:txBody>
+      </p:sp>
+      <p:pic>
+        <p:nvPicPr>
+          <p:cNvPr id="12" name="図 11"/>
+          <p:cNvPicPr>
+            <a:picLocks noChangeAspect="1"/>
+          </p:cNvPicPr>
+          <p:nvPr/>
+        </p:nvPicPr>
+        <p:blipFill>
+          <a:blip r:embed="rId9" cstate="print">
+            <a:extLst>
+              <a:ext uri="{28A0092B-C50C-407E-A947-70E740481C1C}">
+                <a14:useLocalDpi xmlns:a14="http://schemas.microsoft.com/office/drawing/2010/main" val="0"/>
+              </a:ext>
+            </a:extLst>
+          </a:blip>
+          <a:stretch>
+            <a:fillRect/>
+          </a:stretch>
+        </p:blipFill>
+        <p:spPr>
+          <a:xfrm>
+            <a:off x="424136" y="3700129"/>
+            <a:ext cx="2976672" cy="1078407"/>
+          </a:xfrm>
+          <a:prstGeom prst="rect">
+            <a:avLst/>
+          </a:prstGeom>
+        </p:spPr>
+      </p:pic>
+      <p:sp>
+        <p:nvSpPr>
+          <p:cNvPr id="63" name="テキスト ボックス 62"/>
+          <p:cNvSpPr txBox="1"/>
+          <p:nvPr/>
+        </p:nvSpPr>
+        <p:spPr>
+          <a:xfrm>
+            <a:off x="469642" y="1424864"/>
+            <a:ext cx="197019" cy="307777"/>
+          </a:xfrm>
+          <a:prstGeom prst="rect">
+            <a:avLst/>
+          </a:prstGeom>
+          <a:noFill/>
+        </p:spPr>
+        <p:txBody>
+          <a:bodyPr wrap="square" rtlCol="0">
+            <a:spAutoFit/>
+          </a:bodyPr>
+          <a:lstStyle/>
+          <a:p>
+            <a:pPr algn="ctr"/>
+            <a:r>
+              <a:rPr kumimoji="1" lang="en-US" altLang="ja-JP" sz="1400" dirty="0" smtClean="0">
+                <a:solidFill>
+                  <a:schemeClr val="tx2">
+                    <a:lumMod val="60000"/>
+                    <a:lumOff val="40000"/>
+                  </a:schemeClr>
+                </a:solidFill>
+                <a:latin typeface="メイリオ" pitchFamily="50" charset="-128"/>
+                <a:ea typeface="メイリオ" pitchFamily="50" charset="-128"/>
+                <a:cs typeface="メイリオ" pitchFamily="50" charset="-128"/>
+              </a:rPr>
+              <a:t>1</a:t>
+            </a:r>
+            <a:endParaRPr kumimoji="1" lang="ja-JP" altLang="en-US" sz="1400" dirty="0">
+              <a:solidFill>
+                <a:schemeClr val="tx2">
+                  <a:lumMod val="60000"/>
+                  <a:lumOff val="40000"/>
+                </a:schemeClr>
+              </a:solidFill>
+              <a:latin typeface="メイリオ" pitchFamily="50" charset="-128"/>
+              <a:ea typeface="メイリオ" pitchFamily="50" charset="-128"/>
+              <a:cs typeface="メイリオ" pitchFamily="50" charset="-128"/>
+            </a:endParaRPr>
+          </a:p>
+        </p:txBody>
+      </p:sp>
+      <p:sp>
+        <p:nvSpPr>
+          <p:cNvPr id="64" name="テキスト ボックス 63"/>
+          <p:cNvSpPr txBox="1"/>
+          <p:nvPr/>
+        </p:nvSpPr>
+        <p:spPr>
+          <a:xfrm>
+            <a:off x="419713" y="1944524"/>
+            <a:ext cx="296876" cy="307777"/>
+          </a:xfrm>
+          <a:prstGeom prst="rect">
+            <a:avLst/>
+          </a:prstGeom>
+          <a:noFill/>
+        </p:spPr>
+        <p:txBody>
+          <a:bodyPr wrap="none" rtlCol="0">
+            <a:spAutoFit/>
+          </a:bodyPr>
+          <a:lstStyle/>
+          <a:p>
+            <a:pPr algn="ctr"/>
+            <a:r>
+              <a:rPr kumimoji="1" lang="en-US" altLang="ja-JP" sz="1400" dirty="0" smtClean="0">
+                <a:solidFill>
+                  <a:srgbClr val="00B050"/>
+                </a:solidFill>
+                <a:latin typeface="メイリオ" pitchFamily="50" charset="-128"/>
+                <a:ea typeface="メイリオ" pitchFamily="50" charset="-128"/>
+                <a:cs typeface="メイリオ" pitchFamily="50" charset="-128"/>
+              </a:rPr>
+              <a:t>2</a:t>
+            </a:r>
+            <a:endParaRPr kumimoji="1" lang="ja-JP" altLang="en-US" sz="1400" dirty="0">
+              <a:solidFill>
+                <a:srgbClr val="00B050"/>
+              </a:solidFill>
+              <a:latin typeface="メイリオ" pitchFamily="50" charset="-128"/>
+              <a:ea typeface="メイリオ" pitchFamily="50" charset="-128"/>
+              <a:cs typeface="メイリオ" pitchFamily="50" charset="-128"/>
+            </a:endParaRPr>
+          </a:p>
+        </p:txBody>
+      </p:sp>
+      <p:sp>
+        <p:nvSpPr>
+          <p:cNvPr id="65" name="テキスト ボックス 64"/>
+          <p:cNvSpPr txBox="1"/>
+          <p:nvPr/>
+        </p:nvSpPr>
+        <p:spPr>
+          <a:xfrm>
+            <a:off x="374845" y="3002110"/>
+            <a:ext cx="296876" cy="307777"/>
+          </a:xfrm>
+          <a:prstGeom prst="rect">
+            <a:avLst/>
+          </a:prstGeom>
+          <a:noFill/>
+        </p:spPr>
+        <p:txBody>
+          <a:bodyPr wrap="none" rtlCol="0">
+            <a:spAutoFit/>
+          </a:bodyPr>
+          <a:lstStyle/>
+          <a:p>
+            <a:pPr algn="ctr"/>
+            <a:r>
+              <a:rPr kumimoji="1" lang="en-US" altLang="ja-JP" sz="1400" dirty="0" smtClean="0">
+                <a:solidFill>
+                  <a:srgbClr val="FF0000"/>
+                </a:solidFill>
+                <a:latin typeface="メイリオ" pitchFamily="50" charset="-128"/>
+                <a:ea typeface="メイリオ" pitchFamily="50" charset="-128"/>
+                <a:cs typeface="メイリオ" pitchFamily="50" charset="-128"/>
+              </a:rPr>
+              <a:t>3</a:t>
+            </a:r>
+            <a:endParaRPr kumimoji="1" lang="ja-JP" altLang="en-US" sz="1400" dirty="0">
+              <a:solidFill>
+                <a:srgbClr val="FF0000"/>
+              </a:solidFill>
+              <a:latin typeface="メイリオ" pitchFamily="50" charset="-128"/>
+              <a:ea typeface="メイリオ" pitchFamily="50" charset="-128"/>
+              <a:cs typeface="メイリオ" pitchFamily="50" charset="-128"/>
+            </a:endParaRPr>
+          </a:p>
+        </p:txBody>
+      </p:sp>
+      <p:sp>
+        <p:nvSpPr>
+          <p:cNvPr id="66" name="テキスト ボックス 65"/>
+          <p:cNvSpPr txBox="1"/>
+          <p:nvPr/>
+        </p:nvSpPr>
+        <p:spPr>
+          <a:xfrm>
+            <a:off x="2512368" y="1538386"/>
+            <a:ext cx="296876" cy="307777"/>
+          </a:xfrm>
+          <a:prstGeom prst="rect">
+            <a:avLst/>
+          </a:prstGeom>
+          <a:noFill/>
+        </p:spPr>
+        <p:txBody>
+          <a:bodyPr wrap="none" rtlCol="0">
+            <a:spAutoFit/>
+          </a:bodyPr>
+          <a:lstStyle/>
+          <a:p>
+            <a:pPr algn="ctr"/>
+            <a:r>
+              <a:rPr kumimoji="1" lang="en-US" altLang="ja-JP" sz="1400" dirty="0" smtClean="0">
+                <a:solidFill>
+                  <a:srgbClr val="FF33CC"/>
+                </a:solidFill>
+                <a:latin typeface="メイリオ" pitchFamily="50" charset="-128"/>
+                <a:ea typeface="メイリオ" pitchFamily="50" charset="-128"/>
+                <a:cs typeface="メイリオ" pitchFamily="50" charset="-128"/>
+              </a:rPr>
+              <a:t>4</a:t>
+            </a:r>
+            <a:endParaRPr kumimoji="1" lang="ja-JP" altLang="en-US" sz="1400" dirty="0">
+              <a:solidFill>
+                <a:srgbClr val="FF33CC"/>
+              </a:solidFill>
+              <a:latin typeface="メイリオ" pitchFamily="50" charset="-128"/>
+              <a:ea typeface="メイリオ" pitchFamily="50" charset="-128"/>
+              <a:cs typeface="メイリオ" pitchFamily="50" charset="-128"/>
+            </a:endParaRPr>
+          </a:p>
+        </p:txBody>
+      </p:sp>
+      <p:sp>
+        <p:nvSpPr>
+          <p:cNvPr id="67" name="テキスト ボックス 66"/>
+          <p:cNvSpPr txBox="1"/>
+          <p:nvPr/>
+        </p:nvSpPr>
+        <p:spPr>
+          <a:xfrm>
+            <a:off x="2543647" y="2667245"/>
+            <a:ext cx="296876" cy="307777"/>
+          </a:xfrm>
+          <a:prstGeom prst="rect">
+            <a:avLst/>
+          </a:prstGeom>
+          <a:noFill/>
+        </p:spPr>
+        <p:txBody>
+          <a:bodyPr wrap="none" rtlCol="0">
+            <a:spAutoFit/>
+          </a:bodyPr>
+          <a:lstStyle/>
+          <a:p>
+            <a:pPr algn="ctr"/>
+            <a:r>
+              <a:rPr kumimoji="1" lang="en-US" altLang="ja-JP" sz="1400" dirty="0" smtClean="0">
+                <a:solidFill>
+                  <a:srgbClr val="FFC000"/>
+                </a:solidFill>
+                <a:latin typeface="メイリオ" pitchFamily="50" charset="-128"/>
+                <a:ea typeface="メイリオ" pitchFamily="50" charset="-128"/>
+                <a:cs typeface="メイリオ" pitchFamily="50" charset="-128"/>
+              </a:rPr>
+              <a:t>5</a:t>
+            </a:r>
+            <a:endParaRPr kumimoji="1" lang="ja-JP" altLang="en-US" sz="1400" dirty="0">
+              <a:solidFill>
+                <a:srgbClr val="FFC000"/>
+              </a:solidFill>
+              <a:latin typeface="メイリオ" pitchFamily="50" charset="-128"/>
+              <a:ea typeface="メイリオ" pitchFamily="50" charset="-128"/>
+              <a:cs typeface="メイリオ" pitchFamily="50" charset="-128"/>
+            </a:endParaRPr>
+          </a:p>
+        </p:txBody>
+      </p:sp>
+      <p:sp>
+        <p:nvSpPr>
+          <p:cNvPr id="68" name="テキスト ボックス 67"/>
+          <p:cNvSpPr txBox="1"/>
+          <p:nvPr/>
+        </p:nvSpPr>
+        <p:spPr>
+          <a:xfrm>
+            <a:off x="2562226" y="3244428"/>
+            <a:ext cx="296876" cy="307777"/>
+          </a:xfrm>
+          <a:prstGeom prst="rect">
+            <a:avLst/>
+          </a:prstGeom>
+          <a:noFill/>
+        </p:spPr>
+        <p:txBody>
+          <a:bodyPr wrap="none" rtlCol="0">
+            <a:spAutoFit/>
+          </a:bodyPr>
+          <a:lstStyle/>
+          <a:p>
+            <a:r>
+              <a:rPr kumimoji="1" lang="en-US" altLang="ja-JP" sz="1400" dirty="0" smtClean="0">
+                <a:solidFill>
+                  <a:srgbClr val="92D050"/>
+                </a:solidFill>
+                <a:latin typeface="メイリオ" pitchFamily="50" charset="-128"/>
+                <a:ea typeface="メイリオ" pitchFamily="50" charset="-128"/>
+                <a:cs typeface="メイリオ" pitchFamily="50" charset="-128"/>
+              </a:rPr>
+              <a:t>6</a:t>
+            </a:r>
+            <a:endParaRPr kumimoji="1" lang="ja-JP" altLang="en-US" sz="1400" dirty="0">
+              <a:solidFill>
+                <a:srgbClr val="92D050"/>
+              </a:solidFill>
+              <a:latin typeface="メイリオ" pitchFamily="50" charset="-128"/>
+              <a:ea typeface="メイリオ" pitchFamily="50" charset="-128"/>
+              <a:cs typeface="メイリオ" pitchFamily="50" charset="-128"/>
+            </a:endParaRPr>
+          </a:p>
+        </p:txBody>
+      </p:sp>
+      <p:sp>
+        <p:nvSpPr>
+          <p:cNvPr id="69" name="テキスト ボックス 68"/>
+          <p:cNvSpPr txBox="1"/>
+          <p:nvPr/>
+        </p:nvSpPr>
+        <p:spPr>
+          <a:xfrm>
+            <a:off x="3696078" y="1493855"/>
+            <a:ext cx="296876" cy="307777"/>
+          </a:xfrm>
+          <a:prstGeom prst="rect">
+            <a:avLst/>
+          </a:prstGeom>
+          <a:noFill/>
+        </p:spPr>
+        <p:txBody>
+          <a:bodyPr wrap="none" rtlCol="0">
+            <a:spAutoFit/>
+          </a:bodyPr>
+          <a:lstStyle/>
+          <a:p>
+            <a:pPr algn="ctr"/>
+            <a:r>
+              <a:rPr lang="en-US" altLang="ja-JP" sz="1400" dirty="0">
+                <a:solidFill>
+                  <a:srgbClr val="7030A0"/>
+                </a:solidFill>
+                <a:latin typeface="メイリオ" pitchFamily="50" charset="-128"/>
+                <a:ea typeface="メイリオ" pitchFamily="50" charset="-128"/>
+                <a:cs typeface="メイリオ" pitchFamily="50" charset="-128"/>
+              </a:rPr>
+              <a:t>7</a:t>
+            </a:r>
+            <a:endParaRPr kumimoji="1" lang="ja-JP" altLang="en-US" sz="1400" dirty="0">
+              <a:solidFill>
+                <a:srgbClr val="7030A0"/>
+              </a:solidFill>
+              <a:latin typeface="メイリオ" pitchFamily="50" charset="-128"/>
+              <a:ea typeface="メイリオ" pitchFamily="50" charset="-128"/>
+              <a:cs typeface="メイリオ" pitchFamily="50" charset="-128"/>
+            </a:endParaRPr>
+          </a:p>
+        </p:txBody>
+      </p:sp>
+      <p:sp>
+        <p:nvSpPr>
+          <p:cNvPr id="70" name="テキスト ボックス 69"/>
+          <p:cNvSpPr txBox="1"/>
+          <p:nvPr/>
+        </p:nvSpPr>
+        <p:spPr>
+          <a:xfrm>
+            <a:off x="3732082" y="2022770"/>
+            <a:ext cx="296876" cy="307777"/>
+          </a:xfrm>
+          <a:prstGeom prst="rect">
+            <a:avLst/>
+          </a:prstGeom>
+          <a:noFill/>
+        </p:spPr>
+        <p:txBody>
+          <a:bodyPr wrap="none" rtlCol="0">
+            <a:spAutoFit/>
+          </a:bodyPr>
+          <a:lstStyle/>
+          <a:p>
+            <a:pPr algn="ctr"/>
+            <a:r>
+              <a:rPr lang="en-US" altLang="ja-JP" sz="1400" dirty="0">
+                <a:solidFill>
+                  <a:schemeClr val="accent6">
+                    <a:lumMod val="75000"/>
+                  </a:schemeClr>
+                </a:solidFill>
+                <a:latin typeface="メイリオ" pitchFamily="50" charset="-128"/>
+                <a:ea typeface="メイリオ" pitchFamily="50" charset="-128"/>
+                <a:cs typeface="メイリオ" pitchFamily="50" charset="-128"/>
+              </a:rPr>
+              <a:t>8</a:t>
+            </a:r>
+            <a:endParaRPr kumimoji="1" lang="en-US" altLang="ja-JP" sz="1400" dirty="0" smtClean="0">
+              <a:solidFill>
+                <a:schemeClr val="accent6">
+                  <a:lumMod val="75000"/>
+                </a:schemeClr>
+              </a:solidFill>
+              <a:latin typeface="メイリオ" pitchFamily="50" charset="-128"/>
+              <a:ea typeface="メイリオ" pitchFamily="50" charset="-128"/>
+              <a:cs typeface="メイリオ" pitchFamily="50" charset="-128"/>
+            </a:endParaRPr>
+          </a:p>
+        </p:txBody>
+      </p:sp>
+      <p:sp>
+        <p:nvSpPr>
+          <p:cNvPr id="71" name="テキスト ボックス 70"/>
+          <p:cNvSpPr txBox="1"/>
+          <p:nvPr/>
+        </p:nvSpPr>
+        <p:spPr>
+          <a:xfrm>
+            <a:off x="3732082" y="2564783"/>
+            <a:ext cx="296876" cy="307777"/>
+          </a:xfrm>
+          <a:prstGeom prst="rect">
+            <a:avLst/>
+          </a:prstGeom>
+          <a:noFill/>
+        </p:spPr>
+        <p:txBody>
+          <a:bodyPr wrap="none" rtlCol="0">
+            <a:spAutoFit/>
+          </a:bodyPr>
+          <a:lstStyle/>
+          <a:p>
+            <a:pPr algn="ctr"/>
+            <a:r>
+              <a:rPr lang="en-US" altLang="ja-JP" sz="1400" dirty="0">
+                <a:latin typeface="メイリオ" pitchFamily="50" charset="-128"/>
+                <a:ea typeface="メイリオ" pitchFamily="50" charset="-128"/>
+                <a:cs typeface="メイリオ" pitchFamily="50" charset="-128"/>
+              </a:rPr>
+              <a:t>9</a:t>
+            </a:r>
+            <a:endParaRPr kumimoji="1" lang="ja-JP" altLang="en-US" sz="1400" dirty="0">
+              <a:latin typeface="メイリオ" pitchFamily="50" charset="-128"/>
+              <a:ea typeface="メイリオ" pitchFamily="50" charset="-128"/>
+              <a:cs typeface="メイリオ" pitchFamily="50" charset="-128"/>
+            </a:endParaRPr>
           </a:p>
         </p:txBody>
       </p:sp>
     </p:spTree>
     <p:extLst>
       <p:ext uri="{BB962C8B-B14F-4D97-AF65-F5344CB8AC3E}">
-        <p14:creationId xmlns:p14="http://schemas.microsoft.com/office/powerpoint/2010/main" val="1871423295"/>
+        <p14:creationId xmlns:p14="http://schemas.microsoft.com/office/powerpoint/2010/main" val="855894064"/>
       </p:ext>
     </p:extLst>
   </p:cSld>
@@ -3461,447 +8242,16 @@
       </p:grpSpPr>
       <p:sp>
         <p:nvSpPr>
-          <p:cNvPr id="5" name="正方形/長方形 4"/>
+          <p:cNvPr id="4" name="角丸四角形 3"/>
           <p:cNvSpPr/>
           <p:nvPr/>
         </p:nvSpPr>
         <p:spPr>
           <a:xfrm>
-            <a:off x="280120" y="875592"/>
-            <a:ext cx="7128792" cy="3960440"/>
+            <a:off x="1720280" y="1488232"/>
+            <a:ext cx="3888432" cy="5040560"/>
           </a:xfrm>
-          <a:prstGeom prst="rect">
-            <a:avLst/>
-          </a:prstGeom>
-          <a:ln>
-            <a:solidFill>
-              <a:schemeClr val="tx1"/>
-            </a:solidFill>
-          </a:ln>
-        </p:spPr>
-        <p:style>
-          <a:lnRef idx="2">
-            <a:schemeClr val="accent6"/>
-          </a:lnRef>
-          <a:fillRef idx="1">
-            <a:schemeClr val="lt1"/>
-          </a:fillRef>
-          <a:effectRef idx="0">
-            <a:schemeClr val="accent6"/>
-          </a:effectRef>
-          <a:fontRef idx="minor">
-            <a:schemeClr val="dk1"/>
-          </a:fontRef>
-        </p:style>
-        <p:txBody>
-          <a:bodyPr rtlCol="0" anchor="ctr"/>
-          <a:lstStyle/>
-          <a:p>
-            <a:pPr algn="ctr"/>
-            <a:endParaRPr kumimoji="1" lang="ja-JP" altLang="en-US" dirty="0"/>
-          </a:p>
-        </p:txBody>
-      </p:sp>
-      <p:pic>
-        <p:nvPicPr>
-          <p:cNvPr id="37" name="図 36"/>
-          <p:cNvPicPr>
-            <a:picLocks noChangeAspect="1"/>
-          </p:cNvPicPr>
-          <p:nvPr/>
-        </p:nvPicPr>
-        <p:blipFill>
-          <a:blip r:embed="rId2" cstate="print">
-            <a:extLst>
-              <a:ext uri="{28A0092B-C50C-407E-A947-70E740481C1C}">
-                <a14:useLocalDpi xmlns:a14="http://schemas.microsoft.com/office/drawing/2010/main" val="0"/>
-              </a:ext>
-            </a:extLst>
-          </a:blip>
-          <a:stretch>
-            <a:fillRect/>
-          </a:stretch>
-        </p:blipFill>
-        <p:spPr>
-          <a:xfrm>
-            <a:off x="-9820" y="861921"/>
-            <a:ext cx="4106364" cy="3938679"/>
-          </a:xfrm>
-          <a:prstGeom prst="rect">
-            <a:avLst/>
-          </a:prstGeom>
-        </p:spPr>
-      </p:pic>
-      <p:sp>
-        <p:nvSpPr>
-          <p:cNvPr id="19" name="正方形/長方形 18"/>
-          <p:cNvSpPr/>
-          <p:nvPr/>
-        </p:nvSpPr>
-        <p:spPr>
-          <a:xfrm>
-            <a:off x="7408912" y="875592"/>
-            <a:ext cx="5112568" cy="3984826"/>
-          </a:xfrm>
-          <a:prstGeom prst="rect">
-            <a:avLst/>
-          </a:prstGeom>
-          <a:ln>
-            <a:solidFill>
-              <a:schemeClr val="tx1"/>
-            </a:solidFill>
-          </a:ln>
-        </p:spPr>
-        <p:style>
-          <a:lnRef idx="2">
-            <a:schemeClr val="accent6"/>
-          </a:lnRef>
-          <a:fillRef idx="1">
-            <a:schemeClr val="lt1"/>
-          </a:fillRef>
-          <a:effectRef idx="0">
-            <a:schemeClr val="accent6"/>
-          </a:effectRef>
-          <a:fontRef idx="minor">
-            <a:schemeClr val="dk1"/>
-          </a:fontRef>
-        </p:style>
-        <p:txBody>
-          <a:bodyPr rtlCol="0" anchor="ctr"/>
-          <a:lstStyle/>
-          <a:p>
-            <a:pPr algn="ctr"/>
-            <a:endParaRPr kumimoji="1" lang="ja-JP" altLang="en-US" dirty="0"/>
-          </a:p>
-        </p:txBody>
-      </p:sp>
-      <p:pic>
-        <p:nvPicPr>
-          <p:cNvPr id="8" name="図 7"/>
-          <p:cNvPicPr>
-            <a:picLocks noChangeAspect="1"/>
-          </p:cNvPicPr>
-          <p:nvPr/>
-        </p:nvPicPr>
-        <p:blipFill>
-          <a:blip r:embed="rId3" cstate="print">
-            <a:extLst>
-              <a:ext uri="{28A0092B-C50C-407E-A947-70E740481C1C}">
-                <a14:useLocalDpi xmlns:a14="http://schemas.microsoft.com/office/drawing/2010/main" val="0"/>
-              </a:ext>
-            </a:extLst>
-          </a:blip>
-          <a:stretch>
-            <a:fillRect/>
-          </a:stretch>
-        </p:blipFill>
-        <p:spPr>
-          <a:xfrm>
-            <a:off x="8201000" y="1357716"/>
-            <a:ext cx="1291150" cy="2434772"/>
-          </a:xfrm>
-          <a:prstGeom prst="rect">
-            <a:avLst/>
-          </a:prstGeom>
-        </p:spPr>
-      </p:pic>
-      <p:sp>
-        <p:nvSpPr>
-          <p:cNvPr id="20" name="正方形/長方形 19"/>
-          <p:cNvSpPr/>
-          <p:nvPr/>
-        </p:nvSpPr>
-        <p:spPr>
-          <a:xfrm>
-            <a:off x="7408912" y="4836032"/>
-            <a:ext cx="5112568" cy="4501072"/>
-          </a:xfrm>
-          <a:prstGeom prst="rect">
-            <a:avLst/>
-          </a:prstGeom>
-          <a:ln>
-            <a:solidFill>
-              <a:schemeClr val="tx1"/>
-            </a:solidFill>
-          </a:ln>
-        </p:spPr>
-        <p:style>
-          <a:lnRef idx="2">
-            <a:schemeClr val="accent6"/>
-          </a:lnRef>
-          <a:fillRef idx="1">
-            <a:schemeClr val="lt1"/>
-          </a:fillRef>
-          <a:effectRef idx="0">
-            <a:schemeClr val="accent6"/>
-          </a:effectRef>
-          <a:fontRef idx="minor">
-            <a:schemeClr val="dk1"/>
-          </a:fontRef>
-        </p:style>
-        <p:txBody>
-          <a:bodyPr rtlCol="0" anchor="ctr"/>
-          <a:lstStyle/>
-          <a:p>
-            <a:pPr algn="ctr"/>
-            <a:endParaRPr kumimoji="1" lang="ja-JP" altLang="en-US" dirty="0"/>
-          </a:p>
-        </p:txBody>
-      </p:sp>
-      <p:sp>
-        <p:nvSpPr>
-          <p:cNvPr id="4" name="正方形/長方形 3"/>
-          <p:cNvSpPr/>
-          <p:nvPr/>
-        </p:nvSpPr>
-        <p:spPr>
-          <a:xfrm>
-            <a:off x="280120" y="120080"/>
-            <a:ext cx="12241360" cy="576064"/>
-          </a:xfrm>
-          <a:prstGeom prst="rect">
-            <a:avLst/>
-          </a:prstGeom>
-        </p:spPr>
-        <p:style>
-          <a:lnRef idx="2">
-            <a:schemeClr val="accent1">
-              <a:shade val="50000"/>
-            </a:schemeClr>
-          </a:lnRef>
-          <a:fillRef idx="1">
-            <a:schemeClr val="accent1"/>
-          </a:fillRef>
-          <a:effectRef idx="0">
-            <a:schemeClr val="accent1"/>
-          </a:effectRef>
-          <a:fontRef idx="minor">
-            <a:schemeClr val="lt1"/>
-          </a:fontRef>
-        </p:style>
-        <p:txBody>
-          <a:bodyPr rtlCol="0" anchor="b"/>
-          <a:lstStyle/>
-          <a:p>
-            <a:r>
-              <a:rPr kumimoji="1" lang="en-US" altLang="ja-JP" sz="3600" dirty="0" smtClean="0">
-                <a:latin typeface="メイリオ" pitchFamily="50" charset="-128"/>
-                <a:ea typeface="メイリオ" pitchFamily="50" charset="-128"/>
-                <a:cs typeface="メイリオ" pitchFamily="50" charset="-128"/>
-              </a:rPr>
-              <a:t>4.</a:t>
-            </a:r>
-            <a:r>
-              <a:rPr kumimoji="1" lang="ja-JP" altLang="en-US" sz="3600" dirty="0" smtClean="0">
-                <a:latin typeface="メイリオ" pitchFamily="50" charset="-128"/>
-                <a:ea typeface="メイリオ" pitchFamily="50" charset="-128"/>
-                <a:cs typeface="メイリオ" pitchFamily="50" charset="-128"/>
-              </a:rPr>
-              <a:t>走行戦略</a:t>
-            </a:r>
-            <a:r>
-              <a:rPr kumimoji="1" lang="en-US" altLang="ja-JP" sz="3600" dirty="0" smtClean="0">
-                <a:latin typeface="メイリオ" pitchFamily="50" charset="-128"/>
-                <a:ea typeface="メイリオ" pitchFamily="50" charset="-128"/>
-                <a:cs typeface="メイリオ" pitchFamily="50" charset="-128"/>
-              </a:rPr>
-              <a:t>						</a:t>
-            </a:r>
-            <a:r>
-              <a:rPr kumimoji="1" lang="ja-JP" altLang="en-US" sz="3600" dirty="0" smtClean="0">
-                <a:latin typeface="メイリオ" pitchFamily="50" charset="-128"/>
-                <a:ea typeface="メイリオ" pitchFamily="50" charset="-128"/>
-                <a:cs typeface="メイリオ" pitchFamily="50" charset="-128"/>
-              </a:rPr>
-              <a:t>　</a:t>
-            </a:r>
-            <a:r>
-              <a:rPr kumimoji="1" lang="ja-JP" altLang="en-US" sz="3600" dirty="0" err="1" smtClean="0">
-                <a:latin typeface="メイリオ" pitchFamily="50" charset="-128"/>
-                <a:ea typeface="メイリオ" pitchFamily="50" charset="-128"/>
-                <a:cs typeface="メイリオ" pitchFamily="50" charset="-128"/>
-              </a:rPr>
-              <a:t>良いこん</a:t>
-            </a:r>
-            <a:r>
-              <a:rPr kumimoji="1" lang="ja-JP" altLang="en-US" sz="3600" dirty="0" smtClean="0">
-                <a:latin typeface="メイリオ" pitchFamily="50" charset="-128"/>
-                <a:ea typeface="メイリオ" pitchFamily="50" charset="-128"/>
-                <a:cs typeface="メイリオ" pitchFamily="50" charset="-128"/>
-              </a:rPr>
-              <a:t>ぶ</a:t>
-            </a:r>
-            <a:endParaRPr kumimoji="1" lang="ja-JP" altLang="en-US" sz="3600" dirty="0">
-              <a:latin typeface="メイリオ" pitchFamily="50" charset="-128"/>
-              <a:ea typeface="メイリオ" pitchFamily="50" charset="-128"/>
-              <a:cs typeface="メイリオ" pitchFamily="50" charset="-128"/>
-            </a:endParaRPr>
-          </a:p>
-        </p:txBody>
-      </p:sp>
-      <p:sp>
-        <p:nvSpPr>
-          <p:cNvPr id="6" name="正方形/長方形 5"/>
-          <p:cNvSpPr/>
-          <p:nvPr/>
-        </p:nvSpPr>
-        <p:spPr>
-          <a:xfrm>
-            <a:off x="280120" y="4838699"/>
-            <a:ext cx="7128792" cy="4498405"/>
-          </a:xfrm>
-          <a:prstGeom prst="rect">
-            <a:avLst/>
-          </a:prstGeom>
-          <a:ln>
-            <a:solidFill>
-              <a:schemeClr val="tx1"/>
-            </a:solidFill>
-          </a:ln>
-        </p:spPr>
-        <p:style>
-          <a:lnRef idx="2">
-            <a:schemeClr val="accent6"/>
-          </a:lnRef>
-          <a:fillRef idx="1">
-            <a:schemeClr val="lt1"/>
-          </a:fillRef>
-          <a:effectRef idx="0">
-            <a:schemeClr val="accent6"/>
-          </a:effectRef>
-          <a:fontRef idx="minor">
-            <a:schemeClr val="dk1"/>
-          </a:fontRef>
-        </p:style>
-        <p:txBody>
-          <a:bodyPr rtlCol="0" anchor="ctr"/>
-          <a:lstStyle/>
-          <a:p>
-            <a:pPr algn="ctr"/>
-            <a:endParaRPr kumimoji="1" lang="ja-JP" altLang="en-US" dirty="0"/>
-          </a:p>
-        </p:txBody>
-      </p:sp>
-      <p:sp>
-        <p:nvSpPr>
-          <p:cNvPr id="13" name="正方形/長方形 12"/>
-          <p:cNvSpPr/>
-          <p:nvPr/>
-        </p:nvSpPr>
-        <p:spPr>
-          <a:xfrm>
-            <a:off x="280120" y="4832538"/>
-            <a:ext cx="2034512" cy="400110"/>
-          </a:xfrm>
-          <a:prstGeom prst="rect">
-            <a:avLst/>
-          </a:prstGeom>
-        </p:spPr>
-        <p:style>
-          <a:lnRef idx="2">
-            <a:schemeClr val="accent1">
-              <a:shade val="50000"/>
-            </a:schemeClr>
-          </a:lnRef>
-          <a:fillRef idx="1">
-            <a:schemeClr val="accent1"/>
-          </a:fillRef>
-          <a:effectRef idx="0">
-            <a:schemeClr val="accent1"/>
-          </a:effectRef>
-          <a:fontRef idx="minor">
-            <a:schemeClr val="lt1"/>
-          </a:fontRef>
-        </p:style>
-        <p:txBody>
-          <a:bodyPr rtlCol="0" anchor="ctr">
-            <a:spAutoFit/>
-          </a:bodyPr>
-          <a:lstStyle/>
-          <a:p>
-            <a:pPr algn="ctr"/>
-            <a:r>
-              <a:rPr lang="ja-JP" altLang="en-US" sz="2000" dirty="0">
-                <a:latin typeface="メイリオ" pitchFamily="50" charset="-128"/>
-                <a:ea typeface="メイリオ" pitchFamily="50" charset="-128"/>
-                <a:cs typeface="メイリオ" pitchFamily="50" charset="-128"/>
-              </a:rPr>
-              <a:t>ドリフトターン</a:t>
-            </a:r>
-            <a:endParaRPr kumimoji="1" lang="ja-JP" altLang="en-US" sz="2000" dirty="0">
-              <a:latin typeface="メイリオ" pitchFamily="50" charset="-128"/>
-              <a:ea typeface="メイリオ" pitchFamily="50" charset="-128"/>
-              <a:cs typeface="メイリオ" pitchFamily="50" charset="-128"/>
-            </a:endParaRPr>
-          </a:p>
-        </p:txBody>
-      </p:sp>
-      <p:sp>
-        <p:nvSpPr>
-          <p:cNvPr id="15" name="正方形/長方形 14"/>
-          <p:cNvSpPr/>
-          <p:nvPr/>
-        </p:nvSpPr>
-        <p:spPr>
-          <a:xfrm>
-            <a:off x="7408912" y="4832538"/>
-            <a:ext cx="1224136" cy="400110"/>
-          </a:xfrm>
-          <a:prstGeom prst="rect">
-            <a:avLst/>
-          </a:prstGeom>
-        </p:spPr>
-        <p:style>
-          <a:lnRef idx="2">
-            <a:schemeClr val="accent1">
-              <a:shade val="50000"/>
-            </a:schemeClr>
-          </a:lnRef>
-          <a:fillRef idx="1">
-            <a:schemeClr val="accent1"/>
-          </a:fillRef>
-          <a:effectRef idx="0">
-            <a:schemeClr val="accent1"/>
-          </a:effectRef>
-          <a:fontRef idx="minor">
-            <a:schemeClr val="lt1"/>
-          </a:fontRef>
-        </p:style>
-        <p:txBody>
-          <a:bodyPr rtlCol="0" anchor="ctr">
-            <a:spAutoFit/>
-          </a:bodyPr>
-          <a:lstStyle/>
-          <a:p>
-            <a:pPr algn="ctr"/>
-            <a:r>
-              <a:rPr lang="ja-JP" altLang="en-US" sz="2000" dirty="0">
-                <a:latin typeface="メイリオ" pitchFamily="50" charset="-128"/>
-                <a:ea typeface="メイリオ" pitchFamily="50" charset="-128"/>
-                <a:cs typeface="メイリオ" pitchFamily="50" charset="-128"/>
-              </a:rPr>
-              <a:t>シーソー</a:t>
-            </a:r>
-            <a:endParaRPr kumimoji="1" lang="ja-JP" altLang="en-US" sz="2000" dirty="0">
-              <a:latin typeface="メイリオ" pitchFamily="50" charset="-128"/>
-              <a:ea typeface="メイリオ" pitchFamily="50" charset="-128"/>
-              <a:cs typeface="メイリオ" pitchFamily="50" charset="-128"/>
-            </a:endParaRPr>
-          </a:p>
-        </p:txBody>
-      </p:sp>
-      <p:sp>
-        <p:nvSpPr>
-          <p:cNvPr id="17" name="正方形/長方形 16"/>
-          <p:cNvSpPr/>
-          <p:nvPr/>
-        </p:nvSpPr>
-        <p:spPr>
-          <a:xfrm>
-            <a:off x="568152" y="5736704"/>
-            <a:ext cx="2682584" cy="2232248"/>
-          </a:xfrm>
-          <a:prstGeom prst="rect">
+          <a:prstGeom prst="roundRect">
             <a:avLst/>
           </a:prstGeom>
         </p:spPr>
@@ -3920,38 +8270,236 @@
           </a:fontRef>
         </p:style>
         <p:txBody>
-          <a:bodyPr rtlCol="0" anchor="ctr"/>
+          <a:bodyPr rtlCol="0" anchor="t"/>
           <a:lstStyle/>
           <a:p>
             <a:pPr algn="ctr"/>
             <a:r>
-              <a:rPr kumimoji="1" lang="ja-JP" altLang="en-US" dirty="0" smtClean="0"/>
-              <a:t>アクティビティ図</a:t>
-            </a:r>
-            <a:endParaRPr kumimoji="1" lang="en-US" altLang="ja-JP" dirty="0" smtClean="0"/>
+              <a:rPr lang="ja-JP" altLang="en-US" sz="2000" dirty="0">
+                <a:latin typeface="メイリオ" pitchFamily="50" charset="-128"/>
+                <a:ea typeface="メイリオ" pitchFamily="50" charset="-128"/>
+                <a:cs typeface="メイリオ" pitchFamily="50" charset="-128"/>
+              </a:rPr>
+              <a:t>しっぽ</a:t>
+            </a:r>
+            <a:r>
+              <a:rPr lang="ja-JP" altLang="en-US" sz="2000" dirty="0" smtClean="0">
+                <a:latin typeface="メイリオ" pitchFamily="50" charset="-128"/>
+                <a:ea typeface="メイリオ" pitchFamily="50" charset="-128"/>
+                <a:cs typeface="メイリオ" pitchFamily="50" charset="-128"/>
+              </a:rPr>
+              <a:t>を用いた車体仰角制御</a:t>
+            </a:r>
+            <a:endParaRPr lang="en-US" altLang="ja-JP" sz="2000" dirty="0" smtClean="0">
+              <a:latin typeface="メイリオ" pitchFamily="50" charset="-128"/>
+              <a:ea typeface="メイリオ" pitchFamily="50" charset="-128"/>
+              <a:cs typeface="メイリオ" pitchFamily="50" charset="-128"/>
+            </a:endParaRPr>
           </a:p>
           <a:p>
             <a:pPr algn="ctr"/>
-            <a:r>
-              <a:rPr lang="ja-JP" altLang="en-US" smtClean="0"/>
-              <a:t>（未確定）</a:t>
-            </a:r>
-            <a:endParaRPr lang="en-US" altLang="ja-JP" dirty="0" smtClean="0"/>
-          </a:p>
-        </p:txBody>
-      </p:sp>
-      <p:sp>
-        <p:nvSpPr>
-          <p:cNvPr id="22" name="正方形/長方形 21"/>
+            <a:endParaRPr lang="en-US" altLang="ja-JP" sz="1400" dirty="0" smtClean="0">
+              <a:latin typeface="メイリオ" pitchFamily="50" charset="-128"/>
+              <a:ea typeface="メイリオ" pitchFamily="50" charset="-128"/>
+              <a:cs typeface="メイリオ" pitchFamily="50" charset="-128"/>
+            </a:endParaRPr>
+          </a:p>
+          <a:p>
+            <a:pPr algn="ctr"/>
+            <a:r>
+              <a:rPr lang="ja-JP" altLang="en-US" sz="1400" dirty="0" smtClean="0">
+                <a:latin typeface="メイリオ" pitchFamily="50" charset="-128"/>
+                <a:ea typeface="メイリオ" pitchFamily="50" charset="-128"/>
+                <a:cs typeface="メイリオ" pitchFamily="50" charset="-128"/>
+              </a:rPr>
+              <a:t>しっぽの角度を制御する際、</a:t>
+            </a:r>
+            <a:r>
+              <a:rPr lang="en-US" altLang="ja-JP" sz="1400" dirty="0" smtClean="0">
+                <a:latin typeface="メイリオ" pitchFamily="50" charset="-128"/>
+                <a:ea typeface="メイリオ" pitchFamily="50" charset="-128"/>
+                <a:cs typeface="メイリオ" pitchFamily="50" charset="-128"/>
+              </a:rPr>
+              <a:t>PID</a:t>
+            </a:r>
+            <a:r>
+              <a:rPr lang="ja-JP" altLang="en-US" sz="1400" dirty="0" smtClean="0">
+                <a:latin typeface="メイリオ" pitchFamily="50" charset="-128"/>
+                <a:ea typeface="メイリオ" pitchFamily="50" charset="-128"/>
+                <a:cs typeface="メイリオ" pitchFamily="50" charset="-128"/>
+              </a:rPr>
+              <a:t>制御だけでは</a:t>
+            </a:r>
+            <a:endParaRPr lang="en-US" altLang="ja-JP" sz="1400" dirty="0" smtClean="0">
+              <a:latin typeface="メイリオ" pitchFamily="50" charset="-128"/>
+              <a:ea typeface="メイリオ" pitchFamily="50" charset="-128"/>
+              <a:cs typeface="メイリオ" pitchFamily="50" charset="-128"/>
+            </a:endParaRPr>
+          </a:p>
+          <a:p>
+            <a:pPr algn="ctr"/>
+            <a:r>
+              <a:rPr lang="ja-JP" altLang="en-US" sz="1400" dirty="0">
+                <a:latin typeface="メイリオ" pitchFamily="50" charset="-128"/>
+                <a:ea typeface="メイリオ" pitchFamily="50" charset="-128"/>
+                <a:cs typeface="メイリオ" pitchFamily="50" charset="-128"/>
+              </a:rPr>
+              <a:t>以下</a:t>
+            </a:r>
+            <a:r>
+              <a:rPr lang="ja-JP" altLang="en-US" sz="1400" dirty="0" smtClean="0">
+                <a:latin typeface="メイリオ" pitchFamily="50" charset="-128"/>
+                <a:ea typeface="メイリオ" pitchFamily="50" charset="-128"/>
+                <a:cs typeface="メイリオ" pitchFamily="50" charset="-128"/>
+              </a:rPr>
+              <a:t>の問題が生じてしまった</a:t>
+            </a:r>
+            <a:endParaRPr lang="en-US" altLang="ja-JP" sz="1400" dirty="0" smtClean="0">
+              <a:latin typeface="メイリオ" pitchFamily="50" charset="-128"/>
+              <a:ea typeface="メイリオ" pitchFamily="50" charset="-128"/>
+              <a:cs typeface="メイリオ" pitchFamily="50" charset="-128"/>
+            </a:endParaRPr>
+          </a:p>
+          <a:p>
+            <a:pPr algn="ctr"/>
+            <a:endParaRPr lang="en-US" altLang="ja-JP" sz="1400" dirty="0" smtClean="0">
+              <a:latin typeface="メイリオ" pitchFamily="50" charset="-128"/>
+              <a:ea typeface="メイリオ" pitchFamily="50" charset="-128"/>
+              <a:cs typeface="メイリオ" pitchFamily="50" charset="-128"/>
+            </a:endParaRPr>
+          </a:p>
+          <a:p>
+            <a:pPr marL="285750" indent="-285750" algn="ctr">
+              <a:buFont typeface="Arial" pitchFamily="34" charset="0"/>
+              <a:buChar char="•"/>
+            </a:pPr>
+            <a:r>
+              <a:rPr lang="ja-JP" altLang="en-US" sz="1400" dirty="0" smtClean="0">
+                <a:latin typeface="メイリオ" pitchFamily="50" charset="-128"/>
+                <a:ea typeface="メイリオ" pitchFamily="50" charset="-128"/>
+                <a:cs typeface="メイリオ" pitchFamily="50" charset="-128"/>
+              </a:rPr>
+              <a:t>モータを制御する強さが足りずに車体を支えられない</a:t>
+            </a:r>
+            <a:endParaRPr lang="en-US" altLang="ja-JP" sz="1400" dirty="0" smtClean="0">
+              <a:latin typeface="メイリオ" pitchFamily="50" charset="-128"/>
+              <a:ea typeface="メイリオ" pitchFamily="50" charset="-128"/>
+              <a:cs typeface="メイリオ" pitchFamily="50" charset="-128"/>
+            </a:endParaRPr>
+          </a:p>
+          <a:p>
+            <a:pPr marL="285750" indent="-285750" algn="ctr">
+              <a:buFont typeface="Arial" pitchFamily="34" charset="0"/>
+              <a:buChar char="•"/>
+            </a:pPr>
+            <a:r>
+              <a:rPr lang="ja-JP" altLang="en-US" sz="1400" dirty="0" smtClean="0">
+                <a:latin typeface="メイリオ" pitchFamily="50" charset="-128"/>
+                <a:ea typeface="メイリオ" pitchFamily="50" charset="-128"/>
+                <a:cs typeface="メイリオ" pitchFamily="50" charset="-128"/>
+              </a:rPr>
+              <a:t>モータ制御が強すぎて持ち上げる際に勢いで車体を倒してしまう</a:t>
+            </a:r>
+            <a:endParaRPr lang="en-US" altLang="ja-JP" sz="1400" dirty="0" smtClean="0">
+              <a:latin typeface="メイリオ" pitchFamily="50" charset="-128"/>
+              <a:ea typeface="メイリオ" pitchFamily="50" charset="-128"/>
+              <a:cs typeface="メイリオ" pitchFamily="50" charset="-128"/>
+            </a:endParaRPr>
+          </a:p>
+          <a:p>
+            <a:pPr algn="ctr"/>
+            <a:endParaRPr lang="en-US" altLang="ja-JP" sz="1400" dirty="0" smtClean="0">
+              <a:latin typeface="メイリオ" pitchFamily="50" charset="-128"/>
+              <a:ea typeface="メイリオ" pitchFamily="50" charset="-128"/>
+              <a:cs typeface="メイリオ" pitchFamily="50" charset="-128"/>
+            </a:endParaRPr>
+          </a:p>
+          <a:p>
+            <a:pPr algn="ctr"/>
+            <a:r>
+              <a:rPr lang="ja-JP" altLang="en-US" sz="1400" dirty="0">
+                <a:latin typeface="メイリオ" pitchFamily="50" charset="-128"/>
+                <a:ea typeface="メイリオ" pitchFamily="50" charset="-128"/>
+                <a:cs typeface="メイリオ" pitchFamily="50" charset="-128"/>
+              </a:rPr>
+              <a:t>そこ</a:t>
+            </a:r>
+            <a:r>
+              <a:rPr lang="ja-JP" altLang="en-US" sz="1400" dirty="0" smtClean="0">
+                <a:latin typeface="メイリオ" pitchFamily="50" charset="-128"/>
+                <a:ea typeface="メイリオ" pitchFamily="50" charset="-128"/>
+                <a:cs typeface="メイリオ" pitchFamily="50" charset="-128"/>
+              </a:rPr>
+              <a:t>で、目標角度まで一気に駆動させるのではなく、小刻みに角度を制御していくことで、強いモータ制御でも車体を倒さないような仰角制御を実現した。</a:t>
+            </a:r>
+            <a:endParaRPr lang="en-US" altLang="ja-JP" sz="1400" dirty="0" smtClean="0">
+              <a:latin typeface="メイリオ" pitchFamily="50" charset="-128"/>
+              <a:ea typeface="メイリオ" pitchFamily="50" charset="-128"/>
+              <a:cs typeface="メイリオ" pitchFamily="50" charset="-128"/>
+            </a:endParaRPr>
+          </a:p>
+          <a:p>
+            <a:pPr algn="ctr"/>
+            <a:endParaRPr lang="en-US" altLang="ja-JP" sz="1400" dirty="0">
+              <a:latin typeface="メイリオ" pitchFamily="50" charset="-128"/>
+              <a:ea typeface="メイリオ" pitchFamily="50" charset="-128"/>
+              <a:cs typeface="メイリオ" pitchFamily="50" charset="-128"/>
+            </a:endParaRPr>
+          </a:p>
+          <a:p>
+            <a:pPr algn="ctr"/>
+            <a:r>
+              <a:rPr lang="ja-JP" altLang="en-US" sz="1400" dirty="0" smtClean="0">
+                <a:latin typeface="メイリオ" pitchFamily="50" charset="-128"/>
+                <a:ea typeface="メイリオ" pitchFamily="50" charset="-128"/>
+                <a:cs typeface="メイリオ" pitchFamily="50" charset="-128"/>
+              </a:rPr>
+              <a:t>以下、写真 </a:t>
+            </a:r>
+            <a:r>
+              <a:rPr lang="en-US" altLang="ja-JP" sz="1400" dirty="0" smtClean="0">
+                <a:latin typeface="メイリオ" pitchFamily="50" charset="-128"/>
+                <a:ea typeface="メイリオ" pitchFamily="50" charset="-128"/>
+                <a:cs typeface="メイリオ" pitchFamily="50" charset="-128"/>
+              </a:rPr>
+              <a:t>or </a:t>
+            </a:r>
+            <a:r>
+              <a:rPr lang="ja-JP" altLang="en-US" sz="1400" dirty="0" smtClean="0">
+                <a:latin typeface="メイリオ" pitchFamily="50" charset="-128"/>
+                <a:ea typeface="メイリオ" pitchFamily="50" charset="-128"/>
+                <a:cs typeface="メイリオ" pitchFamily="50" charset="-128"/>
+              </a:rPr>
+              <a:t>グラフ</a:t>
+            </a:r>
+            <a:endParaRPr lang="en-US" altLang="ja-JP" sz="1400" dirty="0">
+              <a:latin typeface="メイリオ" pitchFamily="50" charset="-128"/>
+              <a:ea typeface="メイリオ" pitchFamily="50" charset="-128"/>
+              <a:cs typeface="メイリオ" pitchFamily="50" charset="-128"/>
+            </a:endParaRPr>
+          </a:p>
+          <a:p>
+            <a:pPr algn="ctr"/>
+            <a:endParaRPr lang="en-US" altLang="ja-JP" sz="1400" dirty="0">
+              <a:latin typeface="メイリオ" pitchFamily="50" charset="-128"/>
+              <a:ea typeface="メイリオ" pitchFamily="50" charset="-128"/>
+              <a:cs typeface="メイリオ" pitchFamily="50" charset="-128"/>
+            </a:endParaRPr>
+          </a:p>
+        </p:txBody>
+      </p:sp>
+      <p:sp>
+        <p:nvSpPr>
+          <p:cNvPr id="5" name="角丸四角形 4"/>
           <p:cNvSpPr/>
           <p:nvPr/>
         </p:nvSpPr>
         <p:spPr>
           <a:xfrm>
-            <a:off x="7555550" y="5457056"/>
-            <a:ext cx="1944216" cy="2376264"/>
+            <a:off x="7048872" y="1490564"/>
+            <a:ext cx="4464496" cy="5040560"/>
           </a:xfrm>
-          <a:prstGeom prst="rect">
+          <a:prstGeom prst="roundRect">
             <a:avLst/>
           </a:prstGeom>
         </p:spPr>
@@ -3970,339 +8518,43 @@
           </a:fontRef>
         </p:style>
         <p:txBody>
-          <a:bodyPr rtlCol="0" anchor="ctr"/>
+          <a:bodyPr rtlCol="0" anchor="t"/>
           <a:lstStyle/>
           <a:p>
             <a:pPr algn="ctr"/>
             <a:r>
-              <a:rPr lang="ja-JP" altLang="en-US" dirty="0"/>
-              <a:t>アクティビティ</a:t>
-            </a:r>
-            <a:r>
-              <a:rPr kumimoji="1" lang="ja-JP" altLang="en-US" dirty="0" smtClean="0"/>
-              <a:t>図</a:t>
-            </a:r>
-            <a:endParaRPr kumimoji="1" lang="en-US" altLang="ja-JP" dirty="0" smtClean="0"/>
-          </a:p>
-          <a:p>
-            <a:pPr algn="ctr"/>
-            <a:r>
-              <a:rPr lang="ja-JP" altLang="en-US" dirty="0" smtClean="0"/>
-              <a:t>及び</a:t>
-            </a:r>
-            <a:endParaRPr lang="en-US" altLang="ja-JP" dirty="0" smtClean="0"/>
-          </a:p>
-          <a:p>
-            <a:pPr algn="ctr"/>
-            <a:r>
-              <a:rPr kumimoji="1" lang="ja-JP" altLang="en-US" dirty="0"/>
-              <a:t>注釈</a:t>
-            </a:r>
-          </a:p>
-        </p:txBody>
-      </p:sp>
-      <p:pic>
-        <p:nvPicPr>
-          <p:cNvPr id="9" name="図 8"/>
-          <p:cNvPicPr>
-            <a:picLocks noChangeAspect="1"/>
-          </p:cNvPicPr>
-          <p:nvPr/>
-        </p:nvPicPr>
-        <p:blipFill>
-          <a:blip r:embed="rId4" cstate="print">
-            <a:extLst>
-              <a:ext uri="{28A0092B-C50C-407E-A947-70E740481C1C}">
-                <a14:useLocalDpi xmlns:a14="http://schemas.microsoft.com/office/drawing/2010/main" val="0"/>
-              </a:ext>
-            </a:extLst>
-          </a:blip>
-          <a:stretch>
-            <a:fillRect/>
-          </a:stretch>
-        </p:blipFill>
-        <p:spPr>
-          <a:xfrm>
-            <a:off x="7574178" y="8336584"/>
-            <a:ext cx="2754592" cy="776906"/>
-          </a:xfrm>
-          <a:prstGeom prst="rect">
-            <a:avLst/>
-          </a:prstGeom>
-        </p:spPr>
-      </p:pic>
-      <p:sp>
-        <p:nvSpPr>
-          <p:cNvPr id="14" name="正方形/長方形 13"/>
-          <p:cNvSpPr/>
-          <p:nvPr/>
-        </p:nvSpPr>
-        <p:spPr>
-          <a:xfrm>
-            <a:off x="7390624" y="840160"/>
-            <a:ext cx="2538568" cy="400110"/>
-          </a:xfrm>
-          <a:prstGeom prst="rect">
-            <a:avLst/>
-          </a:prstGeom>
-        </p:spPr>
-        <p:style>
-          <a:lnRef idx="2">
-            <a:schemeClr val="accent1">
-              <a:shade val="50000"/>
-            </a:schemeClr>
-          </a:lnRef>
-          <a:fillRef idx="1">
-            <a:schemeClr val="accent1"/>
-          </a:fillRef>
-          <a:effectRef idx="0">
-            <a:schemeClr val="accent1"/>
-          </a:effectRef>
-          <a:fontRef idx="minor">
-            <a:schemeClr val="lt1"/>
-          </a:fontRef>
-        </p:style>
-        <p:txBody>
-          <a:bodyPr wrap="square" rtlCol="0" anchor="ctr">
-            <a:spAutoFit/>
-          </a:bodyPr>
-          <a:lstStyle/>
-          <a:p>
-            <a:pPr algn="ctr"/>
-            <a:r>
-              <a:rPr lang="ja-JP" altLang="en-US" sz="2000" dirty="0">
-                <a:latin typeface="メイリオ" pitchFamily="50" charset="-128"/>
-                <a:ea typeface="メイリオ" pitchFamily="50" charset="-128"/>
-                <a:cs typeface="メイリオ" pitchFamily="50" charset="-128"/>
-              </a:rPr>
-              <a:t>ルックアップゲート</a:t>
-            </a:r>
-            <a:endParaRPr kumimoji="1" lang="ja-JP" altLang="en-US" sz="2000" dirty="0">
+              <a:rPr lang="ja-JP" altLang="en-US" sz="1800" dirty="0" smtClean="0">
+                <a:latin typeface="メイリオ" pitchFamily="50" charset="-128"/>
+                <a:ea typeface="メイリオ" pitchFamily="50" charset="-128"/>
+                <a:cs typeface="メイリオ" pitchFamily="50" charset="-128"/>
+              </a:rPr>
+              <a:t>ジャイロセンサを使った衝撃吸収</a:t>
+            </a:r>
+            <a:endParaRPr lang="en-US" altLang="ja-JP" sz="1800" dirty="0" smtClean="0">
               <a:latin typeface="メイリオ" pitchFamily="50" charset="-128"/>
               <a:ea typeface="メイリオ" pitchFamily="50" charset="-128"/>
               <a:cs typeface="メイリオ" pitchFamily="50" charset="-128"/>
             </a:endParaRPr>
           </a:p>
-        </p:txBody>
-      </p:sp>
-      <p:pic>
-        <p:nvPicPr>
-          <p:cNvPr id="10" name="図 9"/>
-          <p:cNvPicPr>
-            <a:picLocks noChangeAspect="1"/>
-          </p:cNvPicPr>
-          <p:nvPr/>
-        </p:nvPicPr>
-        <p:blipFill>
-          <a:blip r:embed="rId5" cstate="print">
-            <a:extLst>
-              <a:ext uri="{28A0092B-C50C-407E-A947-70E740481C1C}">
-                <a14:useLocalDpi xmlns:a14="http://schemas.microsoft.com/office/drawing/2010/main" val="0"/>
-              </a:ext>
-            </a:extLst>
-          </a:blip>
-          <a:stretch>
-            <a:fillRect/>
-          </a:stretch>
-        </p:blipFill>
-        <p:spPr>
-          <a:xfrm>
-            <a:off x="7810514" y="3826691"/>
-            <a:ext cx="2118678" cy="973909"/>
-          </a:xfrm>
-          <a:prstGeom prst="rect">
-            <a:avLst/>
-          </a:prstGeom>
-        </p:spPr>
-      </p:pic>
-      <p:pic>
-        <p:nvPicPr>
-          <p:cNvPr id="7" name="図 6"/>
-          <p:cNvPicPr>
-            <a:picLocks noChangeAspect="1"/>
-          </p:cNvPicPr>
-          <p:nvPr/>
-        </p:nvPicPr>
-        <p:blipFill>
-          <a:blip r:embed="rId6" cstate="print">
-            <a:extLst>
-              <a:ext uri="{28A0092B-C50C-407E-A947-70E740481C1C}">
-                <a14:useLocalDpi xmlns:a14="http://schemas.microsoft.com/office/drawing/2010/main" val="0"/>
-              </a:ext>
-            </a:extLst>
-          </a:blip>
-          <a:stretch>
-            <a:fillRect/>
-          </a:stretch>
-        </p:blipFill>
-        <p:spPr>
-          <a:xfrm>
-            <a:off x="577732" y="8112969"/>
-            <a:ext cx="4401476" cy="1224136"/>
-          </a:xfrm>
-          <a:prstGeom prst="rect">
-            <a:avLst/>
-          </a:prstGeom>
-        </p:spPr>
-      </p:pic>
-      <p:pic>
-        <p:nvPicPr>
-          <p:cNvPr id="12" name="図 11"/>
-          <p:cNvPicPr>
-            <a:picLocks noChangeAspect="1"/>
-          </p:cNvPicPr>
-          <p:nvPr/>
-        </p:nvPicPr>
-        <p:blipFill>
-          <a:blip r:embed="rId7" cstate="print">
-            <a:extLst>
-              <a:ext uri="{28A0092B-C50C-407E-A947-70E740481C1C}">
-                <a14:useLocalDpi xmlns:a14="http://schemas.microsoft.com/office/drawing/2010/main" val="0"/>
-              </a:ext>
-            </a:extLst>
-          </a:blip>
-          <a:stretch>
-            <a:fillRect/>
-          </a:stretch>
-        </p:blipFill>
-        <p:spPr>
-          <a:xfrm>
-            <a:off x="424136" y="3576464"/>
-            <a:ext cx="2976672" cy="1078407"/>
-          </a:xfrm>
-          <a:prstGeom prst="rect">
-            <a:avLst/>
-          </a:prstGeom>
-        </p:spPr>
-      </p:pic>
-      <p:sp>
-        <p:nvSpPr>
-          <p:cNvPr id="18" name="テキスト ボックス 17"/>
-          <p:cNvSpPr txBox="1"/>
-          <p:nvPr/>
-        </p:nvSpPr>
-        <p:spPr>
-          <a:xfrm>
-            <a:off x="7914543" y="1896343"/>
-            <a:ext cx="296876" cy="307777"/>
-          </a:xfrm>
-          <a:prstGeom prst="rect">
-            <a:avLst/>
-          </a:prstGeom>
-          <a:noFill/>
-        </p:spPr>
-        <p:txBody>
-          <a:bodyPr wrap="none" rtlCol="0">
-            <a:spAutoFit/>
-          </a:bodyPr>
-          <a:lstStyle/>
           <a:p>
             <a:pPr algn="ctr"/>
-            <a:r>
-              <a:rPr kumimoji="1" lang="en-US" altLang="ja-JP" sz="1400" smtClean="0">
-                <a:solidFill>
-                  <a:srgbClr val="00B050"/>
-                </a:solidFill>
-                <a:latin typeface="メイリオ" pitchFamily="50" charset="-128"/>
-                <a:ea typeface="メイリオ" pitchFamily="50" charset="-128"/>
-                <a:cs typeface="メイリオ" pitchFamily="50" charset="-128"/>
-              </a:rPr>
-              <a:t>2</a:t>
-            </a:r>
-            <a:endParaRPr kumimoji="1" lang="ja-JP" altLang="en-US" sz="1400">
-              <a:solidFill>
-                <a:srgbClr val="00B050"/>
-              </a:solidFill>
+            <a:endParaRPr lang="en-US" altLang="ja-JP" sz="1400" dirty="0" smtClean="0">
               <a:latin typeface="メイリオ" pitchFamily="50" charset="-128"/>
               <a:ea typeface="メイリオ" pitchFamily="50" charset="-128"/>
               <a:cs typeface="メイリオ" pitchFamily="50" charset="-128"/>
             </a:endParaRPr>
           </a:p>
-        </p:txBody>
-      </p:sp>
-      <p:sp>
-        <p:nvSpPr>
-          <p:cNvPr id="27" name="テキスト ボックス 26"/>
-          <p:cNvSpPr txBox="1"/>
-          <p:nvPr/>
-        </p:nvSpPr>
-        <p:spPr>
-          <a:xfrm>
-            <a:off x="7914543" y="2326345"/>
-            <a:ext cx="296876" cy="307777"/>
-          </a:xfrm>
-          <a:prstGeom prst="rect">
-            <a:avLst/>
-          </a:prstGeom>
-          <a:noFill/>
-        </p:spPr>
-        <p:txBody>
-          <a:bodyPr wrap="none" rtlCol="0">
-            <a:spAutoFit/>
-          </a:bodyPr>
-          <a:lstStyle/>
           <a:p>
             <a:pPr algn="ctr"/>
-            <a:r>
-              <a:rPr kumimoji="1" lang="en-US" altLang="ja-JP" sz="1400" smtClean="0">
-                <a:solidFill>
-                  <a:srgbClr val="FF0000"/>
-                </a:solidFill>
-                <a:latin typeface="メイリオ" pitchFamily="50" charset="-128"/>
-                <a:ea typeface="メイリオ" pitchFamily="50" charset="-128"/>
-                <a:cs typeface="メイリオ" pitchFamily="50" charset="-128"/>
-              </a:rPr>
-              <a:t>3</a:t>
-            </a:r>
-            <a:endParaRPr kumimoji="1" lang="ja-JP" altLang="en-US" sz="1400">
-              <a:solidFill>
-                <a:srgbClr val="FF0000"/>
-              </a:solidFill>
+            <a:endParaRPr lang="en-US" altLang="ja-JP" sz="1400" dirty="0">
               <a:latin typeface="メイリオ" pitchFamily="50" charset="-128"/>
               <a:ea typeface="メイリオ" pitchFamily="50" charset="-128"/>
               <a:cs typeface="メイリオ" pitchFamily="50" charset="-128"/>
             </a:endParaRPr>
           </a:p>
-        </p:txBody>
-      </p:sp>
-      <p:sp>
-        <p:nvSpPr>
-          <p:cNvPr id="28" name="テキスト ボックス 27"/>
-          <p:cNvSpPr txBox="1"/>
-          <p:nvPr/>
-        </p:nvSpPr>
-        <p:spPr>
-          <a:xfrm>
-            <a:off x="7914543" y="2816953"/>
-            <a:ext cx="296876" cy="307777"/>
-          </a:xfrm>
-          <a:prstGeom prst="rect">
-            <a:avLst/>
-          </a:prstGeom>
-          <a:noFill/>
-        </p:spPr>
-        <p:txBody>
-          <a:bodyPr wrap="none" rtlCol="0">
-            <a:spAutoFit/>
-          </a:bodyPr>
-          <a:lstStyle/>
           <a:p>
             <a:pPr algn="ctr"/>
-            <a:r>
-              <a:rPr kumimoji="1" lang="en-US" altLang="ja-JP" sz="1400" smtClean="0">
-                <a:solidFill>
-                  <a:srgbClr val="FF33CC"/>
-                </a:solidFill>
-                <a:latin typeface="メイリオ" pitchFamily="50" charset="-128"/>
-                <a:ea typeface="メイリオ" pitchFamily="50" charset="-128"/>
-                <a:cs typeface="メイリオ" pitchFamily="50" charset="-128"/>
-              </a:rPr>
-              <a:t>4</a:t>
-            </a:r>
-            <a:endParaRPr kumimoji="1" lang="ja-JP" altLang="en-US" sz="1400">
-              <a:solidFill>
-                <a:srgbClr val="FF33CC"/>
-              </a:solidFill>
+            <a:endParaRPr lang="en-US" altLang="ja-JP" sz="1400" dirty="0">
               <a:latin typeface="メイリオ" pitchFamily="50" charset="-128"/>
               <a:ea typeface="メイリオ" pitchFamily="50" charset="-128"/>
               <a:cs typeface="メイリオ" pitchFamily="50" charset="-128"/>
@@ -4310,2441 +8562,16 @@
           </a:p>
         </p:txBody>
       </p:sp>
-      <p:sp>
-        <p:nvSpPr>
-          <p:cNvPr id="29" name="テキスト ボックス 28"/>
-          <p:cNvSpPr txBox="1"/>
-          <p:nvPr/>
-        </p:nvSpPr>
-        <p:spPr>
-          <a:xfrm>
-            <a:off x="7914543" y="3275543"/>
-            <a:ext cx="296876" cy="307777"/>
-          </a:xfrm>
-          <a:prstGeom prst="rect">
-            <a:avLst/>
-          </a:prstGeom>
-          <a:noFill/>
-        </p:spPr>
-        <p:txBody>
-          <a:bodyPr wrap="none" rtlCol="0">
-            <a:spAutoFit/>
-          </a:bodyPr>
-          <a:lstStyle/>
-          <a:p>
-            <a:pPr algn="ctr"/>
-            <a:r>
-              <a:rPr kumimoji="1" lang="en-US" altLang="ja-JP" sz="1400" smtClean="0">
-                <a:solidFill>
-                  <a:srgbClr val="FFC000"/>
-                </a:solidFill>
-                <a:latin typeface="メイリオ" pitchFamily="50" charset="-128"/>
-                <a:ea typeface="メイリオ" pitchFamily="50" charset="-128"/>
-                <a:cs typeface="メイリオ" pitchFamily="50" charset="-128"/>
-              </a:rPr>
-              <a:t>5</a:t>
-            </a:r>
-            <a:endParaRPr kumimoji="1" lang="ja-JP" altLang="en-US" sz="1400">
-              <a:solidFill>
-                <a:srgbClr val="FFC000"/>
-              </a:solidFill>
-              <a:latin typeface="メイリオ" pitchFamily="50" charset="-128"/>
-              <a:ea typeface="メイリオ" pitchFamily="50" charset="-128"/>
-              <a:cs typeface="メイリオ" pitchFamily="50" charset="-128"/>
-            </a:endParaRPr>
-          </a:p>
-        </p:txBody>
-      </p:sp>
-      <p:sp>
-        <p:nvSpPr>
-          <p:cNvPr id="30" name="テキスト ボックス 29"/>
-          <p:cNvSpPr txBox="1"/>
-          <p:nvPr/>
-        </p:nvSpPr>
-        <p:spPr>
-          <a:xfrm>
-            <a:off x="7964472" y="1397559"/>
-            <a:ext cx="197019" cy="307777"/>
-          </a:xfrm>
-          <a:prstGeom prst="rect">
-            <a:avLst/>
-          </a:prstGeom>
-          <a:noFill/>
-        </p:spPr>
-        <p:txBody>
-          <a:bodyPr wrap="square" rtlCol="0">
-            <a:spAutoFit/>
-          </a:bodyPr>
-          <a:lstStyle/>
-          <a:p>
-            <a:pPr algn="ctr"/>
-            <a:r>
-              <a:rPr kumimoji="1" lang="en-US" altLang="ja-JP" sz="1400" smtClean="0">
-                <a:solidFill>
-                  <a:schemeClr val="tx2">
-                    <a:lumMod val="60000"/>
-                    <a:lumOff val="40000"/>
-                  </a:schemeClr>
-                </a:solidFill>
-                <a:latin typeface="メイリオ" pitchFamily="50" charset="-128"/>
-                <a:ea typeface="メイリオ" pitchFamily="50" charset="-128"/>
-                <a:cs typeface="メイリオ" pitchFamily="50" charset="-128"/>
-              </a:rPr>
-              <a:t>1</a:t>
-            </a:r>
-            <a:endParaRPr kumimoji="1" lang="ja-JP" altLang="en-US" sz="1400">
-              <a:solidFill>
-                <a:schemeClr val="tx2">
-                  <a:lumMod val="60000"/>
-                  <a:lumOff val="40000"/>
-                </a:schemeClr>
-              </a:solidFill>
-              <a:latin typeface="メイリオ" pitchFamily="50" charset="-128"/>
-              <a:ea typeface="メイリオ" pitchFamily="50" charset="-128"/>
-              <a:cs typeface="メイリオ" pitchFamily="50" charset="-128"/>
-            </a:endParaRPr>
-          </a:p>
-        </p:txBody>
-      </p:sp>
-      <p:sp>
-        <p:nvSpPr>
-          <p:cNvPr id="31" name="角丸四角形 30"/>
-          <p:cNvSpPr/>
-          <p:nvPr/>
-        </p:nvSpPr>
-        <p:spPr>
-          <a:xfrm>
-            <a:off x="10172954" y="1488593"/>
-            <a:ext cx="1872208" cy="1058403"/>
-          </a:xfrm>
-          <a:prstGeom prst="roundRect">
-            <a:avLst/>
-          </a:prstGeom>
-        </p:spPr>
-        <p:style>
-          <a:lnRef idx="2">
-            <a:schemeClr val="accent2"/>
-          </a:lnRef>
-          <a:fillRef idx="1">
-            <a:schemeClr val="lt1"/>
-          </a:fillRef>
-          <a:effectRef idx="0">
-            <a:schemeClr val="accent2"/>
-          </a:effectRef>
-          <a:fontRef idx="minor">
-            <a:schemeClr val="dk1"/>
-          </a:fontRef>
-        </p:style>
-        <p:txBody>
-          <a:bodyPr rtlCol="0" anchor="ctr"/>
-          <a:lstStyle/>
-          <a:p>
-            <a:pPr algn="ctr"/>
-            <a:r>
-              <a:rPr lang="en-US" altLang="ja-JP" sz="1200" smtClean="0">
-                <a:ln w="3175">
-                  <a:solidFill>
-                    <a:srgbClr val="FF0000"/>
-                  </a:solidFill>
-                  <a:prstDash val="solid"/>
-                </a:ln>
-                <a:solidFill>
-                  <a:srgbClr val="FFFFFF"/>
-                </a:solidFill>
-                <a:effectLst>
-                  <a:outerShdw blurRad="38100" dist="32000" dir="5400000" algn="tl">
-                    <a:srgbClr val="000000">
-                      <a:alpha val="30000"/>
-                    </a:srgbClr>
-                  </a:outerShdw>
-                </a:effectLst>
-                <a:latin typeface="メイリオ" pitchFamily="50" charset="-128"/>
-                <a:ea typeface="メイリオ" pitchFamily="50" charset="-128"/>
-                <a:cs typeface="メイリオ" pitchFamily="50" charset="-128"/>
-              </a:rPr>
-              <a:t>-</a:t>
-            </a:r>
-            <a:r>
-              <a:rPr lang="ja-JP" altLang="en-US" sz="1200">
-                <a:ln w="3175">
-                  <a:solidFill>
-                    <a:srgbClr val="FF0000"/>
-                  </a:solidFill>
-                  <a:prstDash val="solid"/>
-                </a:ln>
-                <a:solidFill>
-                  <a:srgbClr val="FFFFFF"/>
-                </a:solidFill>
-                <a:effectLst>
-                  <a:outerShdw blurRad="38100" dist="32000" dir="5400000" algn="tl">
-                    <a:srgbClr val="000000">
-                      <a:alpha val="30000"/>
-                    </a:srgbClr>
-                  </a:outerShdw>
-                </a:effectLst>
-                <a:latin typeface="メイリオ" pitchFamily="50" charset="-128"/>
-                <a:ea typeface="メイリオ" pitchFamily="50" charset="-128"/>
-                <a:cs typeface="メイリオ" pitchFamily="50" charset="-128"/>
-              </a:rPr>
-              <a:t>危険</a:t>
-            </a:r>
-            <a:r>
-              <a:rPr lang="ja-JP" altLang="en-US" sz="1200" smtClean="0">
-                <a:ln w="3175">
-                  <a:solidFill>
-                    <a:srgbClr val="FF0000"/>
-                  </a:solidFill>
-                  <a:prstDash val="solid"/>
-                </a:ln>
-                <a:solidFill>
-                  <a:srgbClr val="FFFFFF"/>
-                </a:solidFill>
-                <a:effectLst>
-                  <a:outerShdw blurRad="38100" dist="32000" dir="5400000" algn="tl">
-                    <a:srgbClr val="000000">
-                      <a:alpha val="30000"/>
-                    </a:srgbClr>
-                  </a:outerShdw>
-                </a:effectLst>
-                <a:latin typeface="メイリオ" pitchFamily="50" charset="-128"/>
-                <a:ea typeface="メイリオ" pitchFamily="50" charset="-128"/>
-                <a:cs typeface="メイリオ" pitchFamily="50" charset="-128"/>
-              </a:rPr>
-              <a:t>ポイント</a:t>
-            </a:r>
-            <a:r>
-              <a:rPr lang="en-US" altLang="ja-JP" sz="1200" smtClean="0">
-                <a:ln w="3175">
-                  <a:solidFill>
-                    <a:srgbClr val="FF0000"/>
-                  </a:solidFill>
-                  <a:prstDash val="solid"/>
-                </a:ln>
-                <a:solidFill>
-                  <a:srgbClr val="FFFFFF"/>
-                </a:solidFill>
-                <a:effectLst>
-                  <a:outerShdw blurRad="38100" dist="32000" dir="5400000" algn="tl">
-                    <a:srgbClr val="000000">
-                      <a:alpha val="30000"/>
-                    </a:srgbClr>
-                  </a:outerShdw>
-                </a:effectLst>
-                <a:latin typeface="メイリオ" pitchFamily="50" charset="-128"/>
-                <a:ea typeface="メイリオ" pitchFamily="50" charset="-128"/>
-                <a:cs typeface="メイリオ" pitchFamily="50" charset="-128"/>
-              </a:rPr>
-              <a:t>-</a:t>
-            </a:r>
-            <a:endParaRPr lang="en-US" altLang="ja-JP" sz="1200">
-              <a:ln w="3175">
-                <a:solidFill>
-                  <a:srgbClr val="FF0000"/>
-                </a:solidFill>
-                <a:prstDash val="solid"/>
-              </a:ln>
-              <a:solidFill>
-                <a:srgbClr val="FFFFFF"/>
-              </a:solidFill>
-              <a:effectLst>
-                <a:outerShdw blurRad="38100" dist="32000" dir="5400000" algn="tl">
-                  <a:srgbClr val="000000">
-                    <a:alpha val="30000"/>
-                  </a:srgbClr>
-                </a:outerShdw>
-              </a:effectLst>
-              <a:latin typeface="メイリオ" pitchFamily="50" charset="-128"/>
-              <a:ea typeface="メイリオ" pitchFamily="50" charset="-128"/>
-              <a:cs typeface="メイリオ" pitchFamily="50" charset="-128"/>
-            </a:endParaRPr>
-          </a:p>
-          <a:p>
-            <a:pPr marL="228600" indent="-228600" algn="ctr">
-              <a:buFont typeface="+mj-lt"/>
-              <a:buAutoNum type="arabicPeriod"/>
-            </a:pPr>
-            <a:r>
-              <a:rPr lang="ja-JP" altLang="en-US" sz="1050">
-                <a:latin typeface="メイリオ" pitchFamily="50" charset="-128"/>
-                <a:ea typeface="メイリオ" pitchFamily="50" charset="-128"/>
-                <a:cs typeface="メイリオ" pitchFamily="50" charset="-128"/>
-              </a:rPr>
-              <a:t>ゲート検知失敗</a:t>
-            </a:r>
-          </a:p>
-          <a:p>
-            <a:pPr marL="228600" indent="-228600" algn="ctr">
-              <a:buFont typeface="+mj-lt"/>
-              <a:buAutoNum type="arabicPeriod"/>
-            </a:pPr>
-            <a:r>
-              <a:rPr lang="ja-JP" altLang="en-US" sz="1050">
-                <a:latin typeface="メイリオ" pitchFamily="50" charset="-128"/>
-                <a:ea typeface="メイリオ" pitchFamily="50" charset="-128"/>
-                <a:cs typeface="メイリオ" pitchFamily="50" charset="-128"/>
-              </a:rPr>
-              <a:t>ゲート通過角度</a:t>
-            </a:r>
-            <a:r>
-              <a:rPr lang="ja-JP" altLang="en-US" sz="1050">
-                <a:latin typeface="メイリオ" pitchFamily="50" charset="-128"/>
-                <a:ea typeface="メイリオ" pitchFamily="50" charset="-128"/>
-                <a:cs typeface="メイリオ" pitchFamily="50" charset="-128"/>
-              </a:rPr>
-              <a:t>で</a:t>
-            </a:r>
-            <a:r>
-              <a:rPr lang="ja-JP" altLang="en-US" sz="1050" smtClean="0">
-                <a:latin typeface="メイリオ" pitchFamily="50" charset="-128"/>
-                <a:ea typeface="メイリオ" pitchFamily="50" charset="-128"/>
-                <a:cs typeface="メイリオ" pitchFamily="50" charset="-128"/>
-              </a:rPr>
-              <a:t>の</a:t>
-            </a:r>
-            <a:r>
-              <a:rPr lang="en-US" altLang="ja-JP" sz="1050" smtClean="0">
-                <a:latin typeface="メイリオ" pitchFamily="50" charset="-128"/>
-                <a:ea typeface="メイリオ" pitchFamily="50" charset="-128"/>
-                <a:cs typeface="メイリオ" pitchFamily="50" charset="-128"/>
-              </a:rPr>
-              <a:t/>
-            </a:r>
-            <a:br>
-              <a:rPr lang="en-US" altLang="ja-JP" sz="1050" smtClean="0">
-                <a:latin typeface="メイリオ" pitchFamily="50" charset="-128"/>
-                <a:ea typeface="メイリオ" pitchFamily="50" charset="-128"/>
-                <a:cs typeface="メイリオ" pitchFamily="50" charset="-128"/>
-              </a:rPr>
-            </a:br>
-            <a:r>
-              <a:rPr lang="ja-JP" altLang="en-US" sz="1050" smtClean="0">
-                <a:latin typeface="メイリオ" pitchFamily="50" charset="-128"/>
-                <a:ea typeface="メイリオ" pitchFamily="50" charset="-128"/>
-                <a:cs typeface="メイリオ" pitchFamily="50" charset="-128"/>
-              </a:rPr>
-              <a:t>ライントレース</a:t>
-            </a:r>
-            <a:r>
-              <a:rPr lang="ja-JP" altLang="en-US" sz="1050">
-                <a:latin typeface="メイリオ" pitchFamily="50" charset="-128"/>
-                <a:ea typeface="メイリオ" pitchFamily="50" charset="-128"/>
-                <a:cs typeface="メイリオ" pitchFamily="50" charset="-128"/>
-              </a:rPr>
-              <a:t>失敗</a:t>
-            </a:r>
-          </a:p>
-          <a:p>
-            <a:pPr marL="228600" indent="-228600" algn="ctr">
-              <a:buFont typeface="+mj-lt"/>
-              <a:buAutoNum type="arabicPeriod"/>
-            </a:pPr>
-            <a:r>
-              <a:rPr lang="ja-JP" altLang="en-US" sz="1050">
-                <a:latin typeface="メイリオ" pitchFamily="50" charset="-128"/>
-                <a:ea typeface="メイリオ" pitchFamily="50" charset="-128"/>
-                <a:cs typeface="メイリオ" pitchFamily="50" charset="-128"/>
-              </a:rPr>
-              <a:t>ゲート</a:t>
-            </a:r>
-            <a:r>
-              <a:rPr lang="ja-JP" altLang="en-US" sz="1050">
-                <a:latin typeface="メイリオ" pitchFamily="50" charset="-128"/>
-                <a:ea typeface="メイリオ" pitchFamily="50" charset="-128"/>
-                <a:cs typeface="メイリオ" pitchFamily="50" charset="-128"/>
-              </a:rPr>
-              <a:t>通過後</a:t>
-            </a:r>
-            <a:r>
-              <a:rPr lang="ja-JP" altLang="en-US" sz="1050" smtClean="0">
-                <a:latin typeface="メイリオ" pitchFamily="50" charset="-128"/>
-                <a:ea typeface="メイリオ" pitchFamily="50" charset="-128"/>
-                <a:cs typeface="メイリオ" pitchFamily="50" charset="-128"/>
-              </a:rPr>
-              <a:t>の</a:t>
-            </a:r>
-            <a:r>
-              <a:rPr lang="en-US" altLang="ja-JP" sz="1050">
-                <a:latin typeface="メイリオ" pitchFamily="50" charset="-128"/>
-                <a:ea typeface="メイリオ" pitchFamily="50" charset="-128"/>
-                <a:cs typeface="メイリオ" pitchFamily="50" charset="-128"/>
-              </a:rPr>
-              <a:t/>
-            </a:r>
-            <a:br>
-              <a:rPr lang="en-US" altLang="ja-JP" sz="1050">
-                <a:latin typeface="メイリオ" pitchFamily="50" charset="-128"/>
-                <a:ea typeface="メイリオ" pitchFamily="50" charset="-128"/>
-                <a:cs typeface="メイリオ" pitchFamily="50" charset="-128"/>
-              </a:rPr>
-            </a:br>
-            <a:r>
-              <a:rPr lang="ja-JP" altLang="en-US" sz="1050" smtClean="0">
-                <a:latin typeface="メイリオ" pitchFamily="50" charset="-128"/>
-                <a:ea typeface="メイリオ" pitchFamily="50" charset="-128"/>
-                <a:cs typeface="メイリオ" pitchFamily="50" charset="-128"/>
-              </a:rPr>
-              <a:t>角度</a:t>
-            </a:r>
-            <a:r>
-              <a:rPr lang="ja-JP" altLang="en-US" sz="1050">
-                <a:latin typeface="メイリオ" pitchFamily="50" charset="-128"/>
-                <a:ea typeface="メイリオ" pitchFamily="50" charset="-128"/>
-                <a:cs typeface="メイリオ" pitchFamily="50" charset="-128"/>
-              </a:rPr>
-              <a:t>復帰失敗</a:t>
-            </a:r>
-          </a:p>
-        </p:txBody>
-      </p:sp>
-      <p:sp>
-        <p:nvSpPr>
-          <p:cNvPr id="32" name="角丸四角形 31"/>
-          <p:cNvSpPr/>
-          <p:nvPr/>
-        </p:nvSpPr>
-        <p:spPr>
-          <a:xfrm>
-            <a:off x="10001199" y="3010179"/>
-            <a:ext cx="2131665" cy="1553694"/>
-          </a:xfrm>
-          <a:prstGeom prst="roundRect">
-            <a:avLst/>
-          </a:prstGeom>
-        </p:spPr>
-        <p:style>
-          <a:lnRef idx="2">
-            <a:schemeClr val="accent1"/>
-          </a:lnRef>
-          <a:fillRef idx="1">
-            <a:schemeClr val="lt1"/>
-          </a:fillRef>
-          <a:effectRef idx="0">
-            <a:schemeClr val="accent1"/>
-          </a:effectRef>
-          <a:fontRef idx="minor">
-            <a:schemeClr val="dk1"/>
-          </a:fontRef>
-        </p:style>
-        <p:txBody>
-          <a:bodyPr rtlCol="0" anchor="ctr"/>
-          <a:lstStyle/>
-          <a:p>
-            <a:pPr algn="ctr"/>
-            <a:r>
-              <a:rPr lang="en-US" altLang="ja-JP" sz="1200" smtClean="0">
-                <a:ln w="3175">
-                  <a:solidFill>
-                    <a:srgbClr val="0070C0"/>
-                  </a:solidFill>
-                  <a:prstDash val="solid"/>
-                </a:ln>
-                <a:solidFill>
-                  <a:srgbClr val="FFFFFF"/>
-                </a:solidFill>
-                <a:effectLst>
-                  <a:outerShdw blurRad="38100" dist="32000" dir="5400000" algn="tl">
-                    <a:srgbClr val="000000">
-                      <a:alpha val="30000"/>
-                    </a:srgbClr>
-                  </a:outerShdw>
-                </a:effectLst>
-                <a:latin typeface="メイリオ" pitchFamily="50" charset="-128"/>
-                <a:ea typeface="メイリオ" pitchFamily="50" charset="-128"/>
-                <a:cs typeface="メイリオ" pitchFamily="50" charset="-128"/>
-              </a:rPr>
-              <a:t>-</a:t>
-            </a:r>
-            <a:r>
-              <a:rPr lang="ja-JP" altLang="en-US" sz="1200" smtClean="0">
-                <a:ln w="3175">
-                  <a:solidFill>
-                    <a:srgbClr val="0070C0"/>
-                  </a:solidFill>
-                  <a:prstDash val="solid"/>
-                </a:ln>
-                <a:solidFill>
-                  <a:srgbClr val="FFFFFF"/>
-                </a:solidFill>
-                <a:effectLst>
-                  <a:outerShdw blurRad="38100" dist="32000" dir="5400000" algn="tl">
-                    <a:srgbClr val="000000">
-                      <a:alpha val="30000"/>
-                    </a:srgbClr>
-                  </a:outerShdw>
-                </a:effectLst>
-                <a:latin typeface="メイリオ" pitchFamily="50" charset="-128"/>
-                <a:ea typeface="メイリオ" pitchFamily="50" charset="-128"/>
-                <a:cs typeface="メイリオ" pitchFamily="50" charset="-128"/>
-              </a:rPr>
-              <a:t>難関クリア</a:t>
-            </a:r>
-            <a:r>
-              <a:rPr lang="en-US" altLang="ja-JP" sz="1200" smtClean="0">
-                <a:ln w="3175">
-                  <a:solidFill>
-                    <a:srgbClr val="0070C0"/>
-                  </a:solidFill>
-                  <a:prstDash val="solid"/>
-                </a:ln>
-                <a:solidFill>
-                  <a:srgbClr val="FFFFFF"/>
-                </a:solidFill>
-                <a:effectLst>
-                  <a:outerShdw blurRad="38100" dist="32000" dir="5400000" algn="tl">
-                    <a:srgbClr val="000000">
-                      <a:alpha val="30000"/>
-                    </a:srgbClr>
-                  </a:outerShdw>
-                </a:effectLst>
-                <a:latin typeface="メイリオ" pitchFamily="50" charset="-128"/>
-                <a:ea typeface="メイリオ" pitchFamily="50" charset="-128"/>
-                <a:cs typeface="メイリオ" pitchFamily="50" charset="-128"/>
-              </a:rPr>
-              <a:t>-</a:t>
-            </a:r>
-            <a:endParaRPr lang="en-US" altLang="ja-JP" sz="1200">
-              <a:ln w="3175">
-                <a:solidFill>
-                  <a:srgbClr val="0070C0"/>
-                </a:solidFill>
-                <a:prstDash val="solid"/>
-              </a:ln>
-              <a:solidFill>
-                <a:srgbClr val="FFFFFF"/>
-              </a:solidFill>
-              <a:effectLst>
-                <a:outerShdw blurRad="38100" dist="32000" dir="5400000" algn="tl">
-                  <a:srgbClr val="000000">
-                    <a:alpha val="30000"/>
-                  </a:srgbClr>
-                </a:outerShdw>
-              </a:effectLst>
-              <a:latin typeface="メイリオ" pitchFamily="50" charset="-128"/>
-              <a:ea typeface="メイリオ" pitchFamily="50" charset="-128"/>
-              <a:cs typeface="メイリオ" pitchFamily="50" charset="-128"/>
-            </a:endParaRPr>
-          </a:p>
-          <a:p>
-            <a:pPr marL="228600" indent="-228600" algn="ctr">
-              <a:buFont typeface="+mj-lt"/>
-              <a:buAutoNum type="arabicPeriod"/>
-            </a:pPr>
-            <a:r>
-              <a:rPr lang="ja-JP" altLang="en-US" sz="1050" smtClean="0">
-                <a:latin typeface="メイリオ" pitchFamily="50" charset="-128"/>
-                <a:ea typeface="メイリオ" pitchFamily="50" charset="-128"/>
-                <a:cs typeface="メイリオ" pitchFamily="50" charset="-128"/>
-              </a:rPr>
-              <a:t>滑らかな尻尾走行で区間突入。</a:t>
-            </a:r>
-            <a:endParaRPr lang="ja-JP" altLang="en-US" sz="1050">
-              <a:latin typeface="メイリオ" pitchFamily="50" charset="-128"/>
-              <a:ea typeface="メイリオ" pitchFamily="50" charset="-128"/>
-              <a:cs typeface="メイリオ" pitchFamily="50" charset="-128"/>
-            </a:endParaRPr>
-          </a:p>
-          <a:p>
-            <a:pPr marL="228600" indent="-228600" algn="ctr">
-              <a:buFont typeface="+mj-lt"/>
-              <a:buAutoNum type="arabicPeriod"/>
-            </a:pPr>
-            <a:r>
-              <a:rPr lang="ja-JP" altLang="en-US" sz="1050" smtClean="0">
-                <a:latin typeface="メイリオ" pitchFamily="50" charset="-128"/>
-                <a:ea typeface="メイリオ" pitchFamily="50" charset="-128"/>
-                <a:cs typeface="メイリオ" pitchFamily="50" charset="-128"/>
-              </a:rPr>
-              <a:t>ゲート通過時に</a:t>
-            </a:r>
-            <a:r>
-              <a:rPr lang="en-US" altLang="ja-JP" sz="1050" smtClean="0">
-                <a:latin typeface="メイリオ" pitchFamily="50" charset="-128"/>
-                <a:ea typeface="メイリオ" pitchFamily="50" charset="-128"/>
-                <a:cs typeface="メイリオ" pitchFamily="50" charset="-128"/>
-              </a:rPr>
-              <a:t/>
-            </a:r>
-            <a:br>
-              <a:rPr lang="en-US" altLang="ja-JP" sz="1050" smtClean="0">
-                <a:latin typeface="メイリオ" pitchFamily="50" charset="-128"/>
-                <a:ea typeface="メイリオ" pitchFamily="50" charset="-128"/>
-                <a:cs typeface="メイリオ" pitchFamily="50" charset="-128"/>
-              </a:rPr>
-            </a:br>
-            <a:r>
-              <a:rPr lang="ja-JP" altLang="en-US" sz="1050" smtClean="0">
-                <a:latin typeface="メイリオ" pitchFamily="50" charset="-128"/>
-                <a:ea typeface="メイリオ" pitchFamily="50" charset="-128"/>
-                <a:cs typeface="メイリオ" pitchFamily="50" charset="-128"/>
-              </a:rPr>
-              <a:t>目標輝度値を変更</a:t>
-            </a:r>
-            <a:endParaRPr lang="ja-JP" altLang="en-US" sz="1050">
-              <a:latin typeface="メイリオ" pitchFamily="50" charset="-128"/>
-              <a:ea typeface="メイリオ" pitchFamily="50" charset="-128"/>
-              <a:cs typeface="メイリオ" pitchFamily="50" charset="-128"/>
-            </a:endParaRPr>
-          </a:p>
-          <a:p>
-            <a:pPr marL="228600" indent="-228600" algn="ctr">
-              <a:buFont typeface="+mj-lt"/>
-              <a:buAutoNum type="arabicPeriod"/>
-            </a:pPr>
-            <a:r>
-              <a:rPr lang="ja-JP" altLang="en-US" sz="1050" smtClean="0">
-                <a:latin typeface="メイリオ" pitchFamily="50" charset="-128"/>
-                <a:ea typeface="メイリオ" pitchFamily="50" charset="-128"/>
-                <a:cs typeface="メイリオ" pitchFamily="50" charset="-128"/>
-              </a:rPr>
-              <a:t>安定した尻尾角度制御</a:t>
-            </a:r>
-            <a:r>
-              <a:rPr lang="en-US" altLang="ja-JP" sz="1050" smtClean="0">
-                <a:latin typeface="メイリオ" pitchFamily="50" charset="-128"/>
-                <a:ea typeface="メイリオ" pitchFamily="50" charset="-128"/>
-                <a:cs typeface="メイリオ" pitchFamily="50" charset="-128"/>
-              </a:rPr>
-              <a:t/>
-            </a:r>
-            <a:br>
-              <a:rPr lang="en-US" altLang="ja-JP" sz="1050" smtClean="0">
-                <a:latin typeface="メイリオ" pitchFamily="50" charset="-128"/>
-                <a:ea typeface="メイリオ" pitchFamily="50" charset="-128"/>
-                <a:cs typeface="メイリオ" pitchFamily="50" charset="-128"/>
-              </a:rPr>
-            </a:br>
-            <a:r>
-              <a:rPr lang="en-US" altLang="ja-JP" sz="1050" smtClean="0">
-                <a:latin typeface="メイリオ" pitchFamily="50" charset="-128"/>
-                <a:ea typeface="メイリオ" pitchFamily="50" charset="-128"/>
-                <a:cs typeface="メイリオ" pitchFamily="50" charset="-128"/>
-              </a:rPr>
-              <a:t>(p.5 </a:t>
-            </a:r>
-            <a:r>
-              <a:rPr lang="ja-JP" altLang="en-US" sz="1050" smtClean="0">
-                <a:latin typeface="メイリオ" pitchFamily="50" charset="-128"/>
-                <a:ea typeface="メイリオ" pitchFamily="50" charset="-128"/>
-                <a:cs typeface="メイリオ" pitchFamily="50" charset="-128"/>
-              </a:rPr>
-              <a:t>要素技術</a:t>
-            </a:r>
-            <a:r>
-              <a:rPr lang="en-US" altLang="ja-JP" sz="1050" smtClean="0">
-                <a:latin typeface="メイリオ" pitchFamily="50" charset="-128"/>
-                <a:ea typeface="メイリオ" pitchFamily="50" charset="-128"/>
-                <a:cs typeface="メイリオ" pitchFamily="50" charset="-128"/>
-              </a:rPr>
-              <a:t>)</a:t>
-            </a:r>
-            <a:endParaRPr lang="ja-JP" altLang="en-US" sz="1050">
-              <a:latin typeface="メイリオ" pitchFamily="50" charset="-128"/>
-              <a:ea typeface="メイリオ" pitchFamily="50" charset="-128"/>
-              <a:cs typeface="メイリオ" pitchFamily="50" charset="-128"/>
-            </a:endParaRPr>
-          </a:p>
-        </p:txBody>
-      </p:sp>
-      <p:sp>
-        <p:nvSpPr>
-          <p:cNvPr id="33" name="右矢印 32"/>
-          <p:cNvSpPr/>
-          <p:nvPr/>
-        </p:nvSpPr>
-        <p:spPr>
-          <a:xfrm rot="5400000">
-            <a:off x="10907973" y="2611029"/>
-            <a:ext cx="428271" cy="350471"/>
-          </a:xfrm>
-          <a:prstGeom prst="rightArrow">
-            <a:avLst/>
-          </a:prstGeom>
-        </p:spPr>
-        <p:style>
-          <a:lnRef idx="2">
-            <a:schemeClr val="accent1">
-              <a:shade val="50000"/>
-            </a:schemeClr>
-          </a:lnRef>
-          <a:fillRef idx="1">
-            <a:schemeClr val="accent1"/>
-          </a:fillRef>
-          <a:effectRef idx="0">
-            <a:schemeClr val="accent1"/>
-          </a:effectRef>
-          <a:fontRef idx="minor">
-            <a:schemeClr val="lt1"/>
-          </a:fontRef>
-        </p:style>
-        <p:txBody>
-          <a:bodyPr rtlCol="0" anchor="ctr"/>
-          <a:lstStyle/>
-          <a:p>
-            <a:pPr algn="ctr"/>
-            <a:endParaRPr kumimoji="1" lang="ja-JP" altLang="en-US"/>
-          </a:p>
-        </p:txBody>
-      </p:sp>
-      <p:sp>
-        <p:nvSpPr>
-          <p:cNvPr id="34" name="角丸四角形 33"/>
-          <p:cNvSpPr/>
-          <p:nvPr/>
-        </p:nvSpPr>
-        <p:spPr>
-          <a:xfrm>
-            <a:off x="4168552" y="940470"/>
-            <a:ext cx="3194124" cy="1195834"/>
-          </a:xfrm>
-          <a:prstGeom prst="roundRect">
-            <a:avLst/>
-          </a:prstGeom>
-        </p:spPr>
-        <p:style>
-          <a:lnRef idx="2">
-            <a:schemeClr val="accent2"/>
-          </a:lnRef>
-          <a:fillRef idx="1">
-            <a:schemeClr val="lt1"/>
-          </a:fillRef>
-          <a:effectRef idx="0">
-            <a:schemeClr val="accent2"/>
-          </a:effectRef>
-          <a:fontRef idx="minor">
-            <a:schemeClr val="dk1"/>
-          </a:fontRef>
-        </p:style>
-        <p:txBody>
-          <a:bodyPr rtlCol="0" anchor="ctr"/>
-          <a:lstStyle/>
-          <a:p>
-            <a:pPr algn="ctr"/>
-            <a:r>
-              <a:rPr lang="en-US" altLang="ja-JP" sz="1200" smtClean="0">
-                <a:ln w="3175">
-                  <a:solidFill>
-                    <a:srgbClr val="FF0000"/>
-                  </a:solidFill>
-                  <a:prstDash val="solid"/>
-                </a:ln>
-                <a:solidFill>
-                  <a:srgbClr val="FFFFFF"/>
-                </a:solidFill>
-                <a:effectLst>
-                  <a:outerShdw blurRad="38100" dist="32000" dir="5400000" algn="tl">
-                    <a:srgbClr val="000000">
-                      <a:alpha val="30000"/>
-                    </a:srgbClr>
-                  </a:outerShdw>
-                </a:effectLst>
-                <a:latin typeface="メイリオ" pitchFamily="50" charset="-128"/>
-                <a:ea typeface="メイリオ" pitchFamily="50" charset="-128"/>
-                <a:cs typeface="メイリオ" pitchFamily="50" charset="-128"/>
-              </a:rPr>
-              <a:t>-</a:t>
-            </a:r>
-            <a:r>
-              <a:rPr lang="ja-JP" altLang="en-US" sz="1200">
-                <a:ln w="3175">
-                  <a:solidFill>
-                    <a:srgbClr val="FF0000"/>
-                  </a:solidFill>
-                  <a:prstDash val="solid"/>
-                </a:ln>
-                <a:solidFill>
-                  <a:srgbClr val="FFFFFF"/>
-                </a:solidFill>
-                <a:effectLst>
-                  <a:outerShdw blurRad="38100" dist="32000" dir="5400000" algn="tl">
-                    <a:srgbClr val="000000">
-                      <a:alpha val="30000"/>
-                    </a:srgbClr>
-                  </a:outerShdw>
-                </a:effectLst>
-                <a:latin typeface="メイリオ" pitchFamily="50" charset="-128"/>
-                <a:ea typeface="メイリオ" pitchFamily="50" charset="-128"/>
-                <a:cs typeface="メイリオ" pitchFamily="50" charset="-128"/>
-              </a:rPr>
-              <a:t>危険</a:t>
-            </a:r>
-            <a:r>
-              <a:rPr lang="ja-JP" altLang="en-US" sz="1200" smtClean="0">
-                <a:ln w="3175">
-                  <a:solidFill>
-                    <a:srgbClr val="FF0000"/>
-                  </a:solidFill>
-                  <a:prstDash val="solid"/>
-                </a:ln>
-                <a:solidFill>
-                  <a:srgbClr val="FFFFFF"/>
-                </a:solidFill>
-                <a:effectLst>
-                  <a:outerShdw blurRad="38100" dist="32000" dir="5400000" algn="tl">
-                    <a:srgbClr val="000000">
-                      <a:alpha val="30000"/>
-                    </a:srgbClr>
-                  </a:outerShdw>
-                </a:effectLst>
-                <a:latin typeface="メイリオ" pitchFamily="50" charset="-128"/>
-                <a:ea typeface="メイリオ" pitchFamily="50" charset="-128"/>
-                <a:cs typeface="メイリオ" pitchFamily="50" charset="-128"/>
-              </a:rPr>
-              <a:t>ポイント</a:t>
-            </a:r>
-            <a:r>
-              <a:rPr lang="en-US" altLang="ja-JP" sz="1200" smtClean="0">
-                <a:ln w="3175">
-                  <a:solidFill>
-                    <a:srgbClr val="FF0000"/>
-                  </a:solidFill>
-                  <a:prstDash val="solid"/>
-                </a:ln>
-                <a:solidFill>
-                  <a:srgbClr val="FFFFFF"/>
-                </a:solidFill>
-                <a:effectLst>
-                  <a:outerShdw blurRad="38100" dist="32000" dir="5400000" algn="tl">
-                    <a:srgbClr val="000000">
-                      <a:alpha val="30000"/>
-                    </a:srgbClr>
-                  </a:outerShdw>
-                </a:effectLst>
-                <a:latin typeface="メイリオ" pitchFamily="50" charset="-128"/>
-                <a:ea typeface="メイリオ" pitchFamily="50" charset="-128"/>
-                <a:cs typeface="メイリオ" pitchFamily="50" charset="-128"/>
-              </a:rPr>
-              <a:t>-</a:t>
-            </a:r>
-            <a:endParaRPr lang="en-US" altLang="ja-JP" sz="1200">
-              <a:ln w="3175">
-                <a:solidFill>
-                  <a:srgbClr val="FF0000"/>
-                </a:solidFill>
-                <a:prstDash val="solid"/>
-              </a:ln>
-              <a:solidFill>
-                <a:srgbClr val="FFFFFF"/>
-              </a:solidFill>
-              <a:effectLst>
-                <a:outerShdw blurRad="38100" dist="32000" dir="5400000" algn="tl">
-                  <a:srgbClr val="000000">
-                    <a:alpha val="30000"/>
-                  </a:srgbClr>
-                </a:outerShdw>
-              </a:effectLst>
-              <a:latin typeface="メイリオ" pitchFamily="50" charset="-128"/>
-              <a:ea typeface="メイリオ" pitchFamily="50" charset="-128"/>
-              <a:cs typeface="メイリオ" pitchFamily="50" charset="-128"/>
-            </a:endParaRPr>
-          </a:p>
-          <a:p>
-            <a:pPr marL="228600" indent="-228600" algn="ctr">
-              <a:buFont typeface="+mj-lt"/>
-              <a:buAutoNum type="arabicPeriod"/>
-            </a:pPr>
-            <a:r>
-              <a:rPr lang="ja-JP" altLang="en-US" sz="1050" u="sng" smtClean="0">
-                <a:latin typeface="メイリオ" pitchFamily="50" charset="-128"/>
-                <a:ea typeface="メイリオ" pitchFamily="50" charset="-128"/>
-                <a:cs typeface="メイリオ" pitchFamily="50" charset="-128"/>
-              </a:rPr>
-              <a:t>段差通過</a:t>
-            </a:r>
-            <a:r>
-              <a:rPr lang="ja-JP" altLang="en-US" sz="1050" smtClean="0">
-                <a:latin typeface="メイリオ" pitchFamily="50" charset="-128"/>
-                <a:ea typeface="メイリオ" pitchFamily="50" charset="-128"/>
-                <a:cs typeface="メイリオ" pitchFamily="50" charset="-128"/>
-              </a:rPr>
-              <a:t>失敗</a:t>
-            </a:r>
-            <a:endParaRPr lang="ja-JP" altLang="en-US" sz="1050">
-              <a:latin typeface="メイリオ" pitchFamily="50" charset="-128"/>
-              <a:ea typeface="メイリオ" pitchFamily="50" charset="-128"/>
-              <a:cs typeface="メイリオ" pitchFamily="50" charset="-128"/>
-            </a:endParaRPr>
-          </a:p>
-          <a:p>
-            <a:pPr marL="228600" indent="-228600" algn="ctr">
-              <a:buFont typeface="+mj-lt"/>
-              <a:buAutoNum type="arabicPeriod"/>
-            </a:pPr>
-            <a:r>
-              <a:rPr lang="ja-JP" altLang="en-US" sz="1050" u="sng" smtClean="0">
-                <a:latin typeface="メイリオ" pitchFamily="50" charset="-128"/>
-                <a:ea typeface="メイリオ" pitchFamily="50" charset="-128"/>
-                <a:cs typeface="メイリオ" pitchFamily="50" charset="-128"/>
-              </a:rPr>
-              <a:t>段上でライントレース</a:t>
-            </a:r>
-            <a:r>
-              <a:rPr lang="ja-JP" altLang="en-US" sz="1050" smtClean="0">
-                <a:latin typeface="メイリオ" pitchFamily="50" charset="-128"/>
-                <a:ea typeface="メイリオ" pitchFamily="50" charset="-128"/>
-                <a:cs typeface="メイリオ" pitchFamily="50" charset="-128"/>
-              </a:rPr>
-              <a:t>失敗</a:t>
-            </a:r>
-            <a:endParaRPr lang="ja-JP" altLang="en-US" sz="1050">
-              <a:latin typeface="メイリオ" pitchFamily="50" charset="-128"/>
-              <a:ea typeface="メイリオ" pitchFamily="50" charset="-128"/>
-              <a:cs typeface="メイリオ" pitchFamily="50" charset="-128"/>
-            </a:endParaRPr>
-          </a:p>
-          <a:p>
-            <a:pPr marL="228600" indent="-228600" algn="ctr">
-              <a:buFont typeface="+mj-lt"/>
-              <a:buAutoNum type="arabicPeriod"/>
-            </a:pPr>
-            <a:r>
-              <a:rPr lang="ja-JP" altLang="en-US" sz="1050" u="sng" smtClean="0">
-                <a:latin typeface="メイリオ" pitchFamily="50" charset="-128"/>
-                <a:ea typeface="メイリオ" pitchFamily="50" charset="-128"/>
-                <a:cs typeface="メイリオ" pitchFamily="50" charset="-128"/>
-              </a:rPr>
-              <a:t>直角カーブ検知</a:t>
-            </a:r>
-            <a:r>
-              <a:rPr lang="ja-JP" altLang="en-US" sz="1050" smtClean="0">
-                <a:latin typeface="メイリオ" pitchFamily="50" charset="-128"/>
-                <a:ea typeface="メイリオ" pitchFamily="50" charset="-128"/>
-                <a:cs typeface="メイリオ" pitchFamily="50" charset="-128"/>
-              </a:rPr>
-              <a:t>失敗でコースアウト</a:t>
-            </a:r>
-            <a:endParaRPr lang="en-US" altLang="ja-JP" sz="1050" smtClean="0">
-              <a:latin typeface="メイリオ" pitchFamily="50" charset="-128"/>
-              <a:ea typeface="メイリオ" pitchFamily="50" charset="-128"/>
-              <a:cs typeface="メイリオ" pitchFamily="50" charset="-128"/>
-            </a:endParaRPr>
-          </a:p>
-          <a:p>
-            <a:pPr marL="228600" indent="-228600" algn="ctr">
-              <a:buFont typeface="+mj-lt"/>
-              <a:buAutoNum type="arabicPeriod"/>
-            </a:pPr>
-            <a:r>
-              <a:rPr lang="ja-JP" altLang="en-US" sz="1050" u="sng">
-                <a:latin typeface="メイリオ" pitchFamily="50" charset="-128"/>
-                <a:ea typeface="メイリオ" pitchFamily="50" charset="-128"/>
-                <a:cs typeface="メイリオ" pitchFamily="50" charset="-128"/>
-              </a:rPr>
-              <a:t>直角</a:t>
-            </a:r>
-            <a:r>
-              <a:rPr lang="ja-JP" altLang="en-US" sz="1050" u="sng" smtClean="0">
-                <a:latin typeface="メイリオ" pitchFamily="50" charset="-128"/>
-                <a:ea typeface="メイリオ" pitchFamily="50" charset="-128"/>
-                <a:cs typeface="メイリオ" pitchFamily="50" charset="-128"/>
-              </a:rPr>
-              <a:t>カーブ旋回</a:t>
-            </a:r>
-            <a:r>
-              <a:rPr lang="ja-JP" altLang="en-US" sz="1050" smtClean="0">
-                <a:latin typeface="メイリオ" pitchFamily="50" charset="-128"/>
-                <a:ea typeface="メイリオ" pitchFamily="50" charset="-128"/>
-                <a:cs typeface="メイリオ" pitchFamily="50" charset="-128"/>
-              </a:rPr>
-              <a:t>失敗でコースアウト</a:t>
-            </a:r>
-            <a:endParaRPr lang="en-US" altLang="ja-JP" sz="1050" smtClean="0">
-              <a:latin typeface="メイリオ" pitchFamily="50" charset="-128"/>
-              <a:ea typeface="メイリオ" pitchFamily="50" charset="-128"/>
-              <a:cs typeface="メイリオ" pitchFamily="50" charset="-128"/>
-            </a:endParaRPr>
-          </a:p>
-          <a:p>
-            <a:pPr marL="228600" indent="-228600" algn="ctr">
-              <a:buFont typeface="+mj-lt"/>
-              <a:buAutoNum type="arabicPeriod"/>
-            </a:pPr>
-            <a:r>
-              <a:rPr lang="ja-JP" altLang="en-US" sz="1050" u="sng" smtClean="0">
-                <a:latin typeface="メイリオ" pitchFamily="50" charset="-128"/>
-                <a:ea typeface="メイリオ" pitchFamily="50" charset="-128"/>
-                <a:cs typeface="メイリオ" pitchFamily="50" charset="-128"/>
-              </a:rPr>
-              <a:t>段差からの落下</a:t>
-            </a:r>
-            <a:r>
-              <a:rPr lang="ja-JP" altLang="en-US" sz="1050" smtClean="0">
-                <a:latin typeface="メイリオ" pitchFamily="50" charset="-128"/>
-                <a:ea typeface="メイリオ" pitchFamily="50" charset="-128"/>
-                <a:cs typeface="メイリオ" pitchFamily="50" charset="-128"/>
-              </a:rPr>
-              <a:t>失敗</a:t>
-            </a:r>
-            <a:endParaRPr lang="ja-JP" altLang="en-US" sz="1050">
-              <a:latin typeface="メイリオ" pitchFamily="50" charset="-128"/>
-              <a:ea typeface="メイリオ" pitchFamily="50" charset="-128"/>
-              <a:cs typeface="メイリオ" pitchFamily="50" charset="-128"/>
-            </a:endParaRPr>
-          </a:p>
-        </p:txBody>
-      </p:sp>
-      <p:sp>
-        <p:nvSpPr>
-          <p:cNvPr id="35" name="角丸四角形 34"/>
-          <p:cNvSpPr/>
-          <p:nvPr/>
-        </p:nvSpPr>
-        <p:spPr>
-          <a:xfrm>
-            <a:off x="4168552" y="2483455"/>
-            <a:ext cx="3168352" cy="1453049"/>
-          </a:xfrm>
-          <a:prstGeom prst="roundRect">
-            <a:avLst/>
-          </a:prstGeom>
-        </p:spPr>
-        <p:style>
-          <a:lnRef idx="2">
-            <a:schemeClr val="accent1"/>
-          </a:lnRef>
-          <a:fillRef idx="1">
-            <a:schemeClr val="lt1"/>
-          </a:fillRef>
-          <a:effectRef idx="0">
-            <a:schemeClr val="accent1"/>
-          </a:effectRef>
-          <a:fontRef idx="minor">
-            <a:schemeClr val="dk1"/>
-          </a:fontRef>
-        </p:style>
-        <p:txBody>
-          <a:bodyPr rtlCol="0" anchor="ctr"/>
-          <a:lstStyle/>
-          <a:p>
-            <a:pPr algn="ctr"/>
-            <a:r>
-              <a:rPr lang="en-US" altLang="ja-JP" sz="1200" smtClean="0">
-                <a:ln w="3175">
-                  <a:solidFill>
-                    <a:srgbClr val="0070C0"/>
-                  </a:solidFill>
-                  <a:prstDash val="solid"/>
-                </a:ln>
-                <a:solidFill>
-                  <a:srgbClr val="FFFFFF"/>
-                </a:solidFill>
-                <a:effectLst>
-                  <a:outerShdw blurRad="38100" dist="32000" dir="5400000" algn="tl">
-                    <a:srgbClr val="000000">
-                      <a:alpha val="30000"/>
-                    </a:srgbClr>
-                  </a:outerShdw>
-                </a:effectLst>
-                <a:latin typeface="メイリオ" pitchFamily="50" charset="-128"/>
-                <a:ea typeface="メイリオ" pitchFamily="50" charset="-128"/>
-                <a:cs typeface="メイリオ" pitchFamily="50" charset="-128"/>
-              </a:rPr>
-              <a:t>-</a:t>
-            </a:r>
-            <a:r>
-              <a:rPr lang="ja-JP" altLang="en-US" sz="1200" smtClean="0">
-                <a:ln w="3175">
-                  <a:solidFill>
-                    <a:srgbClr val="0070C0"/>
-                  </a:solidFill>
-                  <a:prstDash val="solid"/>
-                </a:ln>
-                <a:solidFill>
-                  <a:srgbClr val="FFFFFF"/>
-                </a:solidFill>
-                <a:effectLst>
-                  <a:outerShdw blurRad="38100" dist="32000" dir="5400000" algn="tl">
-                    <a:srgbClr val="000000">
-                      <a:alpha val="30000"/>
-                    </a:srgbClr>
-                  </a:outerShdw>
-                </a:effectLst>
-                <a:latin typeface="メイリオ" pitchFamily="50" charset="-128"/>
-                <a:ea typeface="メイリオ" pitchFamily="50" charset="-128"/>
-                <a:cs typeface="メイリオ" pitchFamily="50" charset="-128"/>
-              </a:rPr>
-              <a:t>難関クリア</a:t>
-            </a:r>
-            <a:r>
-              <a:rPr lang="en-US" altLang="ja-JP" sz="1200" smtClean="0">
-                <a:ln w="3175">
-                  <a:solidFill>
-                    <a:srgbClr val="0070C0"/>
-                  </a:solidFill>
-                  <a:prstDash val="solid"/>
-                </a:ln>
-                <a:solidFill>
-                  <a:srgbClr val="FFFFFF"/>
-                </a:solidFill>
-                <a:effectLst>
-                  <a:outerShdw blurRad="38100" dist="32000" dir="5400000" algn="tl">
-                    <a:srgbClr val="000000">
-                      <a:alpha val="30000"/>
-                    </a:srgbClr>
-                  </a:outerShdw>
-                </a:effectLst>
-                <a:latin typeface="メイリオ" pitchFamily="50" charset="-128"/>
-                <a:ea typeface="メイリオ" pitchFamily="50" charset="-128"/>
-                <a:cs typeface="メイリオ" pitchFamily="50" charset="-128"/>
-              </a:rPr>
-              <a:t>-</a:t>
-            </a:r>
-          </a:p>
-          <a:p>
-            <a:pPr marL="228600" indent="-228600" algn="ctr">
-              <a:buFont typeface="+mj-lt"/>
-              <a:buAutoNum type="arabicPeriod"/>
-            </a:pPr>
-            <a:r>
-              <a:rPr lang="ja-JP" altLang="en-US" sz="1050" smtClean="0">
-                <a:latin typeface="メイリオ" pitchFamily="50" charset="-128"/>
-                <a:ea typeface="メイリオ" pitchFamily="50" charset="-128"/>
-                <a:cs typeface="メイリオ" pitchFamily="50" charset="-128"/>
-              </a:rPr>
-              <a:t>短距離での十分な加速を実現</a:t>
-            </a:r>
-            <a:endParaRPr lang="ja-JP" altLang="en-US" sz="1050">
-              <a:latin typeface="メイリオ" pitchFamily="50" charset="-128"/>
-              <a:ea typeface="メイリオ" pitchFamily="50" charset="-128"/>
-              <a:cs typeface="メイリオ" pitchFamily="50" charset="-128"/>
-            </a:endParaRPr>
-          </a:p>
-          <a:p>
-            <a:pPr marL="228600" indent="-228600" algn="ctr">
-              <a:buFont typeface="+mj-lt"/>
-              <a:buAutoNum type="arabicPeriod"/>
-            </a:pPr>
-            <a:r>
-              <a:rPr lang="ja-JP" altLang="en-US" sz="1050" smtClean="0">
-                <a:latin typeface="メイリオ" pitchFamily="50" charset="-128"/>
-                <a:ea typeface="メイリオ" pitchFamily="50" charset="-128"/>
-                <a:cs typeface="メイリオ" pitchFamily="50" charset="-128"/>
-              </a:rPr>
-              <a:t>段上での目標輝度値を変更</a:t>
-            </a:r>
-            <a:endParaRPr lang="ja-JP" altLang="en-US" sz="1050">
-              <a:latin typeface="メイリオ" pitchFamily="50" charset="-128"/>
-              <a:ea typeface="メイリオ" pitchFamily="50" charset="-128"/>
-              <a:cs typeface="メイリオ" pitchFamily="50" charset="-128"/>
-            </a:endParaRPr>
-          </a:p>
-          <a:p>
-            <a:pPr marL="228600" indent="-228600" algn="ctr">
-              <a:buFont typeface="+mj-lt"/>
-              <a:buAutoNum type="arabicPeriod"/>
-            </a:pPr>
-            <a:r>
-              <a:rPr lang="ja-JP" altLang="en-US" sz="1050" smtClean="0">
-                <a:latin typeface="メイリオ" pitchFamily="50" charset="-128"/>
-                <a:ea typeface="メイリオ" pitchFamily="50" charset="-128"/>
-                <a:cs typeface="メイリオ" pitchFamily="50" charset="-128"/>
-              </a:rPr>
-              <a:t>走行ログから、直角カーブ時の輝度値の変化の傾向を算出し実装</a:t>
-            </a:r>
-            <a:endParaRPr lang="en-US" altLang="ja-JP" sz="1050" smtClean="0">
-              <a:latin typeface="メイリオ" pitchFamily="50" charset="-128"/>
-              <a:ea typeface="メイリオ" pitchFamily="50" charset="-128"/>
-              <a:cs typeface="メイリオ" pitchFamily="50" charset="-128"/>
-            </a:endParaRPr>
-          </a:p>
-          <a:p>
-            <a:pPr marL="228600" indent="-228600" algn="ctr">
-              <a:buFont typeface="+mj-lt"/>
-              <a:buAutoNum type="arabicPeriod"/>
-            </a:pPr>
-            <a:r>
-              <a:rPr lang="ja-JP" altLang="en-US" sz="1050" smtClean="0">
-                <a:latin typeface="メイリオ" pitchFamily="50" charset="-128"/>
-                <a:ea typeface="メイリオ" pitchFamily="50" charset="-128"/>
-                <a:cs typeface="メイリオ" pitchFamily="50" charset="-128"/>
-              </a:rPr>
-              <a:t>検出後、その場で回転することで安定した旋回を実現</a:t>
-            </a:r>
-            <a:endParaRPr lang="en-US" altLang="ja-JP" sz="1050" smtClean="0">
-              <a:latin typeface="メイリオ" pitchFamily="50" charset="-128"/>
-              <a:ea typeface="メイリオ" pitchFamily="50" charset="-128"/>
-              <a:cs typeface="メイリオ" pitchFamily="50" charset="-128"/>
-            </a:endParaRPr>
-          </a:p>
-          <a:p>
-            <a:pPr marL="228600" indent="-228600" algn="ctr">
-              <a:buFont typeface="+mj-lt"/>
-              <a:buAutoNum type="arabicPeriod"/>
-            </a:pPr>
-            <a:r>
-              <a:rPr lang="ja-JP" altLang="en-US" sz="1050" smtClean="0">
-                <a:latin typeface="メイリオ" pitchFamily="50" charset="-128"/>
-                <a:ea typeface="メイリオ" pitchFamily="50" charset="-128"/>
-                <a:cs typeface="メイリオ" pitchFamily="50" charset="-128"/>
-              </a:rPr>
-              <a:t>低速落下及び落下後のライン復帰でクリア</a:t>
-            </a:r>
-            <a:endParaRPr lang="en-US" altLang="ja-JP" sz="1050" smtClean="0">
-              <a:latin typeface="メイリオ" pitchFamily="50" charset="-128"/>
-              <a:ea typeface="メイリオ" pitchFamily="50" charset="-128"/>
-              <a:cs typeface="メイリオ" pitchFamily="50" charset="-128"/>
-            </a:endParaRPr>
-          </a:p>
-        </p:txBody>
-      </p:sp>
-      <p:sp>
-        <p:nvSpPr>
-          <p:cNvPr id="11" name="正方形/長方形 10"/>
-          <p:cNvSpPr/>
-          <p:nvPr/>
-        </p:nvSpPr>
-        <p:spPr>
-          <a:xfrm>
-            <a:off x="236687" y="840160"/>
-            <a:ext cx="1224136" cy="400110"/>
-          </a:xfrm>
-          <a:prstGeom prst="rect">
-            <a:avLst/>
-          </a:prstGeom>
-        </p:spPr>
-        <p:style>
-          <a:lnRef idx="2">
-            <a:schemeClr val="accent1">
-              <a:shade val="50000"/>
-            </a:schemeClr>
-          </a:lnRef>
-          <a:fillRef idx="1">
-            <a:schemeClr val="accent1"/>
-          </a:fillRef>
-          <a:effectRef idx="0">
-            <a:schemeClr val="accent1"/>
-          </a:effectRef>
-          <a:fontRef idx="minor">
-            <a:schemeClr val="lt1"/>
-          </a:fontRef>
-        </p:style>
-        <p:txBody>
-          <a:bodyPr rtlCol="0" anchor="ctr">
-            <a:spAutoFit/>
-          </a:bodyPr>
-          <a:lstStyle/>
-          <a:p>
-            <a:pPr algn="ctr"/>
-            <a:r>
-              <a:rPr lang="ja-JP" altLang="en-US" sz="2000" dirty="0">
-                <a:latin typeface="メイリオ" pitchFamily="50" charset="-128"/>
-                <a:ea typeface="メイリオ" pitchFamily="50" charset="-128"/>
-                <a:cs typeface="メイリオ" pitchFamily="50" charset="-128"/>
-              </a:rPr>
-              <a:t>階段</a:t>
-            </a:r>
-            <a:endParaRPr kumimoji="1" lang="ja-JP" altLang="en-US" sz="2000" dirty="0">
-              <a:latin typeface="メイリオ" pitchFamily="50" charset="-128"/>
-              <a:ea typeface="メイリオ" pitchFamily="50" charset="-128"/>
-              <a:cs typeface="メイリオ" pitchFamily="50" charset="-128"/>
-            </a:endParaRPr>
-          </a:p>
-        </p:txBody>
-      </p:sp>
-      <p:sp>
-        <p:nvSpPr>
-          <p:cNvPr id="38" name="角丸四角形 37"/>
-          <p:cNvSpPr/>
-          <p:nvPr/>
-        </p:nvSpPr>
-        <p:spPr>
-          <a:xfrm>
-            <a:off x="4142780" y="4944616"/>
-            <a:ext cx="3194124" cy="1195834"/>
-          </a:xfrm>
-          <a:prstGeom prst="roundRect">
-            <a:avLst/>
-          </a:prstGeom>
-        </p:spPr>
-        <p:style>
-          <a:lnRef idx="2">
-            <a:schemeClr val="accent2"/>
-          </a:lnRef>
-          <a:fillRef idx="1">
-            <a:schemeClr val="lt1"/>
-          </a:fillRef>
-          <a:effectRef idx="0">
-            <a:schemeClr val="accent2"/>
-          </a:effectRef>
-          <a:fontRef idx="minor">
-            <a:schemeClr val="dk1"/>
-          </a:fontRef>
-        </p:style>
-        <p:txBody>
-          <a:bodyPr rtlCol="0" anchor="ctr"/>
-          <a:lstStyle/>
-          <a:p>
-            <a:pPr algn="ctr"/>
-            <a:r>
-              <a:rPr lang="en-US" altLang="ja-JP" sz="1200" smtClean="0">
-                <a:ln w="3175">
-                  <a:solidFill>
-                    <a:srgbClr val="FF0000"/>
-                  </a:solidFill>
-                  <a:prstDash val="solid"/>
-                </a:ln>
-                <a:solidFill>
-                  <a:srgbClr val="FFFFFF"/>
-                </a:solidFill>
-                <a:effectLst>
-                  <a:outerShdw blurRad="38100" dist="32000" dir="5400000" algn="tl">
-                    <a:srgbClr val="000000">
-                      <a:alpha val="30000"/>
-                    </a:srgbClr>
-                  </a:outerShdw>
-                </a:effectLst>
-                <a:latin typeface="メイリオ" pitchFamily="50" charset="-128"/>
-                <a:ea typeface="メイリオ" pitchFamily="50" charset="-128"/>
-                <a:cs typeface="メイリオ" pitchFamily="50" charset="-128"/>
-              </a:rPr>
-              <a:t>-</a:t>
-            </a:r>
-            <a:r>
-              <a:rPr lang="ja-JP" altLang="en-US" sz="1200">
-                <a:ln w="3175">
-                  <a:solidFill>
-                    <a:srgbClr val="FF0000"/>
-                  </a:solidFill>
-                  <a:prstDash val="solid"/>
-                </a:ln>
-                <a:solidFill>
-                  <a:srgbClr val="FFFFFF"/>
-                </a:solidFill>
-                <a:effectLst>
-                  <a:outerShdw blurRad="38100" dist="32000" dir="5400000" algn="tl">
-                    <a:srgbClr val="000000">
-                      <a:alpha val="30000"/>
-                    </a:srgbClr>
-                  </a:outerShdw>
-                </a:effectLst>
-                <a:latin typeface="メイリオ" pitchFamily="50" charset="-128"/>
-                <a:ea typeface="メイリオ" pitchFamily="50" charset="-128"/>
-                <a:cs typeface="メイリオ" pitchFamily="50" charset="-128"/>
-              </a:rPr>
-              <a:t>危険</a:t>
-            </a:r>
-            <a:r>
-              <a:rPr lang="ja-JP" altLang="en-US" sz="1200" smtClean="0">
-                <a:ln w="3175">
-                  <a:solidFill>
-                    <a:srgbClr val="FF0000"/>
-                  </a:solidFill>
-                  <a:prstDash val="solid"/>
-                </a:ln>
-                <a:solidFill>
-                  <a:srgbClr val="FFFFFF"/>
-                </a:solidFill>
-                <a:effectLst>
-                  <a:outerShdw blurRad="38100" dist="32000" dir="5400000" algn="tl">
-                    <a:srgbClr val="000000">
-                      <a:alpha val="30000"/>
-                    </a:srgbClr>
-                  </a:outerShdw>
-                </a:effectLst>
-                <a:latin typeface="メイリオ" pitchFamily="50" charset="-128"/>
-                <a:ea typeface="メイリオ" pitchFamily="50" charset="-128"/>
-                <a:cs typeface="メイリオ" pitchFamily="50" charset="-128"/>
-              </a:rPr>
-              <a:t>ポイント</a:t>
-            </a:r>
-            <a:r>
-              <a:rPr lang="en-US" altLang="ja-JP" sz="1200" smtClean="0">
-                <a:ln w="3175">
-                  <a:solidFill>
-                    <a:srgbClr val="FF0000"/>
-                  </a:solidFill>
-                  <a:prstDash val="solid"/>
-                </a:ln>
-                <a:solidFill>
-                  <a:srgbClr val="FFFFFF"/>
-                </a:solidFill>
-                <a:effectLst>
-                  <a:outerShdw blurRad="38100" dist="32000" dir="5400000" algn="tl">
-                    <a:srgbClr val="000000">
-                      <a:alpha val="30000"/>
-                    </a:srgbClr>
-                  </a:outerShdw>
-                </a:effectLst>
-                <a:latin typeface="メイリオ" pitchFamily="50" charset="-128"/>
-                <a:ea typeface="メイリオ" pitchFamily="50" charset="-128"/>
-                <a:cs typeface="メイリオ" pitchFamily="50" charset="-128"/>
-              </a:rPr>
-              <a:t>-</a:t>
-            </a:r>
-            <a:endParaRPr lang="en-US" altLang="ja-JP" sz="1200">
-              <a:ln w="3175">
-                <a:solidFill>
-                  <a:srgbClr val="FF0000"/>
-                </a:solidFill>
-                <a:prstDash val="solid"/>
-              </a:ln>
-              <a:solidFill>
-                <a:srgbClr val="FFFFFF"/>
-              </a:solidFill>
-              <a:effectLst>
-                <a:outerShdw blurRad="38100" dist="32000" dir="5400000" algn="tl">
-                  <a:srgbClr val="000000">
-                    <a:alpha val="30000"/>
-                  </a:srgbClr>
-                </a:outerShdw>
-              </a:effectLst>
-              <a:latin typeface="メイリオ" pitchFamily="50" charset="-128"/>
-              <a:ea typeface="メイリオ" pitchFamily="50" charset="-128"/>
-              <a:cs typeface="メイリオ" pitchFamily="50" charset="-128"/>
-            </a:endParaRPr>
-          </a:p>
-          <a:p>
-            <a:pPr marL="228600" indent="-228600" algn="ctr">
-              <a:buFont typeface="+mj-lt"/>
-              <a:buAutoNum type="arabicPeriod"/>
-            </a:pPr>
-            <a:r>
-              <a:rPr lang="ja-JP" altLang="en-US" sz="1050" u="sng" smtClean="0">
-                <a:latin typeface="メイリオ" pitchFamily="50" charset="-128"/>
-                <a:ea typeface="メイリオ" pitchFamily="50" charset="-128"/>
-                <a:cs typeface="メイリオ" pitchFamily="50" charset="-128"/>
-              </a:rPr>
-              <a:t>ペットボトル検知</a:t>
-            </a:r>
-            <a:r>
-              <a:rPr lang="ja-JP" altLang="en-US" sz="1050" smtClean="0">
-                <a:latin typeface="メイリオ" pitchFamily="50" charset="-128"/>
-                <a:ea typeface="メイリオ" pitchFamily="50" charset="-128"/>
-                <a:cs typeface="メイリオ" pitchFamily="50" charset="-128"/>
-              </a:rPr>
-              <a:t>で誤判定</a:t>
-            </a:r>
-            <a:endParaRPr lang="ja-JP" altLang="en-US" sz="1050">
-              <a:latin typeface="メイリオ" pitchFamily="50" charset="-128"/>
-              <a:ea typeface="メイリオ" pitchFamily="50" charset="-128"/>
-              <a:cs typeface="メイリオ" pitchFamily="50" charset="-128"/>
-            </a:endParaRPr>
-          </a:p>
-          <a:p>
-            <a:pPr marL="228600" indent="-228600" algn="ctr">
-              <a:buFont typeface="+mj-lt"/>
-              <a:buAutoNum type="arabicPeriod"/>
-            </a:pPr>
-            <a:r>
-              <a:rPr lang="ja-JP" altLang="en-US" sz="1050" smtClean="0">
-                <a:latin typeface="メイリオ" pitchFamily="50" charset="-128"/>
-                <a:ea typeface="メイリオ" pitchFamily="50" charset="-128"/>
-                <a:cs typeface="メイリオ" pitchFamily="50" charset="-128"/>
-              </a:rPr>
-              <a:t>ペットボトル検知後の</a:t>
-            </a:r>
-            <a:r>
-              <a:rPr lang="en-US" altLang="ja-JP" sz="1050">
-                <a:latin typeface="メイリオ" pitchFamily="50" charset="-128"/>
-                <a:ea typeface="メイリオ" pitchFamily="50" charset="-128"/>
-                <a:cs typeface="メイリオ" pitchFamily="50" charset="-128"/>
-              </a:rPr>
-              <a:t/>
-            </a:r>
-            <a:br>
-              <a:rPr lang="en-US" altLang="ja-JP" sz="1050">
-                <a:latin typeface="メイリオ" pitchFamily="50" charset="-128"/>
-                <a:ea typeface="メイリオ" pitchFamily="50" charset="-128"/>
-                <a:cs typeface="メイリオ" pitchFamily="50" charset="-128"/>
-              </a:rPr>
-            </a:br>
-            <a:r>
-              <a:rPr lang="ja-JP" altLang="en-US" sz="1050" u="sng" smtClean="0">
-                <a:latin typeface="メイリオ" pitchFamily="50" charset="-128"/>
-                <a:ea typeface="メイリオ" pitchFamily="50" charset="-128"/>
-                <a:cs typeface="メイリオ" pitchFamily="50" charset="-128"/>
-              </a:rPr>
-              <a:t>ライントレース再開</a:t>
-            </a:r>
-            <a:r>
-              <a:rPr lang="ja-JP" altLang="en-US" sz="1050" smtClean="0">
-                <a:latin typeface="メイリオ" pitchFamily="50" charset="-128"/>
-                <a:ea typeface="メイリオ" pitchFamily="50" charset="-128"/>
-                <a:cs typeface="メイリオ" pitchFamily="50" charset="-128"/>
-              </a:rPr>
-              <a:t>失敗</a:t>
-            </a:r>
-            <a:endParaRPr lang="en-US" altLang="ja-JP" sz="1050" smtClean="0">
-              <a:latin typeface="メイリオ" pitchFamily="50" charset="-128"/>
-              <a:ea typeface="メイリオ" pitchFamily="50" charset="-128"/>
-              <a:cs typeface="メイリオ" pitchFamily="50" charset="-128"/>
-            </a:endParaRPr>
-          </a:p>
-          <a:p>
-            <a:pPr marL="228600" indent="-228600" algn="ctr">
-              <a:buFont typeface="+mj-lt"/>
-              <a:buAutoNum type="arabicPeriod"/>
-            </a:pPr>
-            <a:r>
-              <a:rPr lang="ja-JP" altLang="en-US" sz="1050" u="sng">
-                <a:latin typeface="メイリオ" pitchFamily="50" charset="-128"/>
-                <a:ea typeface="メイリオ" pitchFamily="50" charset="-128"/>
-                <a:cs typeface="メイリオ" pitchFamily="50" charset="-128"/>
-              </a:rPr>
-              <a:t>ライン消滅エリアでのコース</a:t>
-            </a:r>
-            <a:r>
-              <a:rPr lang="ja-JP" altLang="en-US" sz="1050" u="sng">
-                <a:latin typeface="メイリオ" pitchFamily="50" charset="-128"/>
-                <a:ea typeface="メイリオ" pitchFamily="50" charset="-128"/>
-                <a:cs typeface="メイリオ" pitchFamily="50" charset="-128"/>
-              </a:rPr>
-              <a:t>選択</a:t>
-            </a:r>
-            <a:r>
-              <a:rPr lang="ja-JP" altLang="en-US" sz="1050" smtClean="0">
-                <a:latin typeface="メイリオ" pitchFamily="50" charset="-128"/>
-                <a:ea typeface="メイリオ" pitchFamily="50" charset="-128"/>
-                <a:cs typeface="メイリオ" pitchFamily="50" charset="-128"/>
-              </a:rPr>
-              <a:t>ミス</a:t>
-            </a:r>
-            <a:endParaRPr lang="ja-JP" altLang="en-US" sz="1050">
-              <a:latin typeface="メイリオ" pitchFamily="50" charset="-128"/>
-              <a:ea typeface="メイリオ" pitchFamily="50" charset="-128"/>
-              <a:cs typeface="メイリオ" pitchFamily="50" charset="-128"/>
-            </a:endParaRPr>
-          </a:p>
-          <a:p>
-            <a:pPr marL="228600" indent="-228600" algn="ctr">
-              <a:buFont typeface="+mj-lt"/>
-              <a:buAutoNum type="arabicPeriod"/>
-            </a:pPr>
-            <a:r>
-              <a:rPr lang="ja-JP" altLang="en-US" sz="1050" u="sng" smtClean="0">
-                <a:latin typeface="メイリオ" pitchFamily="50" charset="-128"/>
-                <a:ea typeface="メイリオ" pitchFamily="50" charset="-128"/>
-                <a:cs typeface="メイリオ" pitchFamily="50" charset="-128"/>
-              </a:rPr>
-              <a:t>ライン消滅エリア走行</a:t>
-            </a:r>
-            <a:r>
-              <a:rPr lang="ja-JP" altLang="en-US" sz="1050" smtClean="0">
-                <a:latin typeface="メイリオ" pitchFamily="50" charset="-128"/>
-                <a:ea typeface="メイリオ" pitchFamily="50" charset="-128"/>
-                <a:cs typeface="メイリオ" pitchFamily="50" charset="-128"/>
-              </a:rPr>
-              <a:t>時のコースアウト</a:t>
-            </a:r>
-            <a:endParaRPr lang="en-US" altLang="ja-JP" sz="1050" smtClean="0">
-              <a:latin typeface="メイリオ" pitchFamily="50" charset="-128"/>
-              <a:ea typeface="メイリオ" pitchFamily="50" charset="-128"/>
-              <a:cs typeface="メイリオ" pitchFamily="50" charset="-128"/>
-            </a:endParaRPr>
-          </a:p>
-          <a:p>
-            <a:pPr marL="228600" indent="-228600" algn="ctr">
-              <a:buFont typeface="+mj-lt"/>
-              <a:buAutoNum type="arabicPeriod"/>
-            </a:pPr>
-            <a:r>
-              <a:rPr lang="ja-JP" altLang="en-US" sz="1050" smtClean="0">
-                <a:latin typeface="メイリオ" pitchFamily="50" charset="-128"/>
-                <a:ea typeface="メイリオ" pitchFamily="50" charset="-128"/>
-                <a:cs typeface="メイリオ" pitchFamily="50" charset="-128"/>
-              </a:rPr>
-              <a:t>ライン消滅エリア終了後の</a:t>
-            </a:r>
-            <a:r>
-              <a:rPr lang="ja-JP" altLang="en-US" sz="1050" u="sng" smtClean="0">
-                <a:latin typeface="メイリオ" pitchFamily="50" charset="-128"/>
-                <a:ea typeface="メイリオ" pitchFamily="50" charset="-128"/>
-                <a:cs typeface="メイリオ" pitchFamily="50" charset="-128"/>
-              </a:rPr>
-              <a:t>ライン復帰</a:t>
-            </a:r>
-            <a:r>
-              <a:rPr lang="ja-JP" altLang="en-US" sz="1050" smtClean="0">
-                <a:latin typeface="メイリオ" pitchFamily="50" charset="-128"/>
-                <a:ea typeface="メイリオ" pitchFamily="50" charset="-128"/>
-                <a:cs typeface="メイリオ" pitchFamily="50" charset="-128"/>
-              </a:rPr>
-              <a:t>ミス</a:t>
-            </a:r>
-            <a:endParaRPr lang="ja-JP" altLang="en-US" sz="1050">
-              <a:latin typeface="メイリオ" pitchFamily="50" charset="-128"/>
-              <a:ea typeface="メイリオ" pitchFamily="50" charset="-128"/>
-              <a:cs typeface="メイリオ" pitchFamily="50" charset="-128"/>
-            </a:endParaRPr>
-          </a:p>
-        </p:txBody>
-      </p:sp>
-      <p:sp>
-        <p:nvSpPr>
-          <p:cNvPr id="39" name="角丸四角形 38"/>
-          <p:cNvSpPr/>
-          <p:nvPr/>
-        </p:nvSpPr>
-        <p:spPr>
-          <a:xfrm>
-            <a:off x="4168552" y="6227871"/>
-            <a:ext cx="3168352" cy="1453049"/>
-          </a:xfrm>
-          <a:prstGeom prst="roundRect">
-            <a:avLst/>
-          </a:prstGeom>
-        </p:spPr>
-        <p:style>
-          <a:lnRef idx="2">
-            <a:schemeClr val="accent1"/>
-          </a:lnRef>
-          <a:fillRef idx="1">
-            <a:schemeClr val="lt1"/>
-          </a:fillRef>
-          <a:effectRef idx="0">
-            <a:schemeClr val="accent1"/>
-          </a:effectRef>
-          <a:fontRef idx="minor">
-            <a:schemeClr val="dk1"/>
-          </a:fontRef>
-        </p:style>
-        <p:txBody>
-          <a:bodyPr rtlCol="0" anchor="ctr"/>
-          <a:lstStyle/>
-          <a:p>
-            <a:pPr algn="ctr"/>
-            <a:r>
-              <a:rPr lang="en-US" altLang="ja-JP" sz="1200" smtClean="0">
-                <a:ln w="3175">
-                  <a:solidFill>
-                    <a:srgbClr val="0070C0"/>
-                  </a:solidFill>
-                  <a:prstDash val="solid"/>
-                </a:ln>
-                <a:solidFill>
-                  <a:srgbClr val="FFFFFF"/>
-                </a:solidFill>
-                <a:effectLst>
-                  <a:outerShdw blurRad="38100" dist="32000" dir="5400000" algn="tl">
-                    <a:srgbClr val="000000">
-                      <a:alpha val="30000"/>
-                    </a:srgbClr>
-                  </a:outerShdw>
-                </a:effectLst>
-                <a:latin typeface="メイリオ" pitchFamily="50" charset="-128"/>
-                <a:ea typeface="メイリオ" pitchFamily="50" charset="-128"/>
-                <a:cs typeface="メイリオ" pitchFamily="50" charset="-128"/>
-              </a:rPr>
-              <a:t>-</a:t>
-            </a:r>
-            <a:r>
-              <a:rPr lang="ja-JP" altLang="en-US" sz="1200" smtClean="0">
-                <a:ln w="3175">
-                  <a:solidFill>
-                    <a:srgbClr val="0070C0"/>
-                  </a:solidFill>
-                  <a:prstDash val="solid"/>
-                </a:ln>
-                <a:solidFill>
-                  <a:srgbClr val="FFFFFF"/>
-                </a:solidFill>
-                <a:effectLst>
-                  <a:outerShdw blurRad="38100" dist="32000" dir="5400000" algn="tl">
-                    <a:srgbClr val="000000">
-                      <a:alpha val="30000"/>
-                    </a:srgbClr>
-                  </a:outerShdw>
-                </a:effectLst>
-                <a:latin typeface="メイリオ" pitchFamily="50" charset="-128"/>
-                <a:ea typeface="メイリオ" pitchFamily="50" charset="-128"/>
-                <a:cs typeface="メイリオ" pitchFamily="50" charset="-128"/>
-              </a:rPr>
-              <a:t>難関クリア</a:t>
-            </a:r>
-            <a:r>
-              <a:rPr lang="en-US" altLang="ja-JP" sz="1200" smtClean="0">
-                <a:ln w="3175">
-                  <a:solidFill>
-                    <a:srgbClr val="0070C0"/>
-                  </a:solidFill>
-                  <a:prstDash val="solid"/>
-                </a:ln>
-                <a:solidFill>
-                  <a:srgbClr val="FFFFFF"/>
-                </a:solidFill>
-                <a:effectLst>
-                  <a:outerShdw blurRad="38100" dist="32000" dir="5400000" algn="tl">
-                    <a:srgbClr val="000000">
-                      <a:alpha val="30000"/>
-                    </a:srgbClr>
-                  </a:outerShdw>
-                </a:effectLst>
-                <a:latin typeface="メイリオ" pitchFamily="50" charset="-128"/>
-                <a:ea typeface="メイリオ" pitchFamily="50" charset="-128"/>
-                <a:cs typeface="メイリオ" pitchFamily="50" charset="-128"/>
-              </a:rPr>
-              <a:t>-</a:t>
-            </a:r>
-          </a:p>
-          <a:p>
-            <a:pPr marL="228600" indent="-228600" algn="ctr">
-              <a:buFont typeface="+mj-lt"/>
-              <a:buAutoNum type="arabicPeriod"/>
-            </a:pPr>
-            <a:r>
-              <a:rPr lang="ja-JP" altLang="en-US" sz="1050" smtClean="0">
-                <a:latin typeface="メイリオ" pitchFamily="50" charset="-128"/>
-                <a:ea typeface="メイリオ" pitchFamily="50" charset="-128"/>
-                <a:cs typeface="メイリオ" pitchFamily="50" charset="-128"/>
-              </a:rPr>
-              <a:t>ライン上かつペットボトルに</a:t>
-            </a:r>
-            <a:r>
-              <a:rPr lang="en-US" altLang="ja-JP" sz="1050" smtClean="0">
-                <a:latin typeface="メイリオ" pitchFamily="50" charset="-128"/>
-                <a:ea typeface="メイリオ" pitchFamily="50" charset="-128"/>
-                <a:cs typeface="メイリオ" pitchFamily="50" charset="-128"/>
-              </a:rPr>
-              <a:t/>
-            </a:r>
-            <a:br>
-              <a:rPr lang="en-US" altLang="ja-JP" sz="1050" smtClean="0">
-                <a:latin typeface="メイリオ" pitchFamily="50" charset="-128"/>
-                <a:ea typeface="メイリオ" pitchFamily="50" charset="-128"/>
-                <a:cs typeface="メイリオ" pitchFamily="50" charset="-128"/>
-              </a:rPr>
-            </a:br>
-            <a:r>
-              <a:rPr lang="ja-JP" altLang="en-US" sz="1050" smtClean="0">
-                <a:latin typeface="メイリオ" pitchFamily="50" charset="-128"/>
-                <a:ea typeface="メイリオ" pitchFamily="50" charset="-128"/>
-                <a:cs typeface="メイリオ" pitchFamily="50" charset="-128"/>
-              </a:rPr>
-              <a:t>最も近い位置での検知</a:t>
-            </a:r>
-            <a:endParaRPr lang="ja-JP" altLang="en-US" sz="1050">
-              <a:latin typeface="メイリオ" pitchFamily="50" charset="-128"/>
-              <a:ea typeface="メイリオ" pitchFamily="50" charset="-128"/>
-              <a:cs typeface="メイリオ" pitchFamily="50" charset="-128"/>
-            </a:endParaRPr>
-          </a:p>
-          <a:p>
-            <a:pPr marL="228600" indent="-228600" algn="ctr">
-              <a:buFont typeface="+mj-lt"/>
-              <a:buAutoNum type="arabicPeriod"/>
-            </a:pPr>
-            <a:r>
-              <a:rPr lang="ja-JP" altLang="en-US" sz="1050" smtClean="0">
-                <a:latin typeface="メイリオ" pitchFamily="50" charset="-128"/>
-                <a:ea typeface="メイリオ" pitchFamily="50" charset="-128"/>
-                <a:cs typeface="メイリオ" pitchFamily="50" charset="-128"/>
-              </a:rPr>
-              <a:t>安定した旋回の実現によって検知前の</a:t>
-            </a:r>
-            <a:r>
-              <a:rPr lang="en-US" altLang="ja-JP" sz="1050" smtClean="0">
-                <a:latin typeface="メイリオ" pitchFamily="50" charset="-128"/>
-                <a:ea typeface="メイリオ" pitchFamily="50" charset="-128"/>
-                <a:cs typeface="メイリオ" pitchFamily="50" charset="-128"/>
-              </a:rPr>
-              <a:t/>
-            </a:r>
-            <a:br>
-              <a:rPr lang="en-US" altLang="ja-JP" sz="1050" smtClean="0">
-                <a:latin typeface="メイリオ" pitchFamily="50" charset="-128"/>
-                <a:ea typeface="メイリオ" pitchFamily="50" charset="-128"/>
-                <a:cs typeface="メイリオ" pitchFamily="50" charset="-128"/>
-              </a:rPr>
-            </a:br>
-            <a:r>
-              <a:rPr lang="ja-JP" altLang="en-US" sz="1050" smtClean="0">
-                <a:latin typeface="メイリオ" pitchFamily="50" charset="-128"/>
-                <a:ea typeface="メイリオ" pitchFamily="50" charset="-128"/>
-                <a:cs typeface="メイリオ" pitchFamily="50" charset="-128"/>
-              </a:rPr>
-              <a:t>正確な位置に復帰（階段と同様）</a:t>
-            </a:r>
-            <a:endParaRPr lang="ja-JP" altLang="en-US" sz="1050">
-              <a:latin typeface="メイリオ" pitchFamily="50" charset="-128"/>
-              <a:ea typeface="メイリオ" pitchFamily="50" charset="-128"/>
-              <a:cs typeface="メイリオ" pitchFamily="50" charset="-128"/>
-            </a:endParaRPr>
-          </a:p>
-          <a:p>
-            <a:pPr marL="228600" indent="-228600" algn="ctr">
-              <a:buFont typeface="+mj-lt"/>
-              <a:buAutoNum type="arabicPeriod"/>
-            </a:pPr>
-            <a:r>
-              <a:rPr lang="en-US" altLang="ja-JP" sz="1050" smtClean="0">
-                <a:latin typeface="メイリオ" pitchFamily="50" charset="-128"/>
-                <a:ea typeface="メイリオ" pitchFamily="50" charset="-128"/>
-                <a:cs typeface="メイリオ" pitchFamily="50" charset="-128"/>
-              </a:rPr>
-              <a:t>1</a:t>
-            </a:r>
-            <a:r>
-              <a:rPr lang="ja-JP" altLang="en-US" sz="1050" smtClean="0">
-                <a:latin typeface="メイリオ" pitchFamily="50" charset="-128"/>
-                <a:ea typeface="メイリオ" pitchFamily="50" charset="-128"/>
-                <a:cs typeface="メイリオ" pitchFamily="50" charset="-128"/>
-              </a:rPr>
-              <a:t>の実現により達成</a:t>
-            </a:r>
-            <a:endParaRPr lang="en-US" altLang="ja-JP" sz="1050" smtClean="0">
-              <a:latin typeface="メイリオ" pitchFamily="50" charset="-128"/>
-              <a:ea typeface="メイリオ" pitchFamily="50" charset="-128"/>
-              <a:cs typeface="メイリオ" pitchFamily="50" charset="-128"/>
-            </a:endParaRPr>
-          </a:p>
-          <a:p>
-            <a:pPr marL="228600" indent="-228600" algn="ctr">
-              <a:buFont typeface="+mj-lt"/>
-              <a:buAutoNum type="arabicPeriod"/>
-            </a:pPr>
-            <a:r>
-              <a:rPr lang="ja-JP" altLang="en-US" sz="1050" smtClean="0">
-                <a:latin typeface="メイリオ" pitchFamily="50" charset="-128"/>
-                <a:ea typeface="メイリオ" pitchFamily="50" charset="-128"/>
-                <a:cs typeface="メイリオ" pitchFamily="50" charset="-128"/>
-              </a:rPr>
-              <a:t>曲率制御によって</a:t>
-            </a:r>
-            <a:r>
-              <a:rPr lang="en-US" altLang="ja-JP" sz="1050" smtClean="0">
-                <a:latin typeface="メイリオ" pitchFamily="50" charset="-128"/>
-                <a:ea typeface="メイリオ" pitchFamily="50" charset="-128"/>
-                <a:cs typeface="メイリオ" pitchFamily="50" charset="-128"/>
-              </a:rPr>
-              <a:t/>
-            </a:r>
-            <a:br>
-              <a:rPr lang="en-US" altLang="ja-JP" sz="1050" smtClean="0">
-                <a:latin typeface="メイリオ" pitchFamily="50" charset="-128"/>
-                <a:ea typeface="メイリオ" pitchFamily="50" charset="-128"/>
-                <a:cs typeface="メイリオ" pitchFamily="50" charset="-128"/>
-              </a:rPr>
-            </a:br>
-            <a:r>
-              <a:rPr lang="ja-JP" altLang="en-US" sz="1050" smtClean="0">
-                <a:latin typeface="メイリオ" pitchFamily="50" charset="-128"/>
-                <a:ea typeface="メイリオ" pitchFamily="50" charset="-128"/>
-                <a:cs typeface="メイリオ" pitchFamily="50" charset="-128"/>
-              </a:rPr>
-              <a:t>擬似ライントレースを実現</a:t>
-            </a:r>
-            <a:endParaRPr lang="en-US" altLang="ja-JP" sz="1050" smtClean="0">
-              <a:latin typeface="メイリオ" pitchFamily="50" charset="-128"/>
-              <a:ea typeface="メイリオ" pitchFamily="50" charset="-128"/>
-              <a:cs typeface="メイリオ" pitchFamily="50" charset="-128"/>
-            </a:endParaRPr>
-          </a:p>
-          <a:p>
-            <a:pPr marL="228600" indent="-228600" algn="ctr">
-              <a:buFont typeface="+mj-lt"/>
-              <a:buAutoNum type="arabicPeriod"/>
-            </a:pPr>
-            <a:r>
-              <a:rPr lang="en-US" altLang="ja-JP" sz="1050" smtClean="0">
-                <a:latin typeface="メイリオ" pitchFamily="50" charset="-128"/>
-                <a:ea typeface="メイリオ" pitchFamily="50" charset="-128"/>
-                <a:cs typeface="メイリオ" pitchFamily="50" charset="-128"/>
-              </a:rPr>
-              <a:t>4</a:t>
-            </a:r>
-            <a:r>
-              <a:rPr lang="ja-JP" altLang="en-US" sz="1050" smtClean="0">
-                <a:latin typeface="メイリオ" pitchFamily="50" charset="-128"/>
-                <a:ea typeface="メイリオ" pitchFamily="50" charset="-128"/>
-                <a:cs typeface="メイリオ" pitchFamily="50" charset="-128"/>
-              </a:rPr>
-              <a:t>の実現により達成</a:t>
-            </a:r>
-            <a:endParaRPr lang="en-US" altLang="ja-JP" sz="1050" smtClean="0">
-              <a:latin typeface="メイリオ" pitchFamily="50" charset="-128"/>
-              <a:ea typeface="メイリオ" pitchFamily="50" charset="-128"/>
-              <a:cs typeface="メイリオ" pitchFamily="50" charset="-128"/>
-            </a:endParaRPr>
-          </a:p>
-        </p:txBody>
-      </p:sp>
-      <p:sp>
-        <p:nvSpPr>
-          <p:cNvPr id="40" name="角丸四角形 39"/>
-          <p:cNvSpPr/>
-          <p:nvPr/>
-        </p:nvSpPr>
-        <p:spPr>
-          <a:xfrm>
-            <a:off x="10172953" y="4949180"/>
-            <a:ext cx="2317965" cy="1195834"/>
-          </a:xfrm>
-          <a:prstGeom prst="roundRect">
-            <a:avLst/>
-          </a:prstGeom>
-        </p:spPr>
-        <p:style>
-          <a:lnRef idx="2">
-            <a:schemeClr val="accent2"/>
-          </a:lnRef>
-          <a:fillRef idx="1">
-            <a:schemeClr val="lt1"/>
-          </a:fillRef>
-          <a:effectRef idx="0">
-            <a:schemeClr val="accent2"/>
-          </a:effectRef>
-          <a:fontRef idx="minor">
-            <a:schemeClr val="dk1"/>
-          </a:fontRef>
-        </p:style>
-        <p:txBody>
-          <a:bodyPr rtlCol="0" anchor="ctr"/>
-          <a:lstStyle/>
-          <a:p>
-            <a:pPr algn="ctr"/>
-            <a:r>
-              <a:rPr lang="en-US" altLang="ja-JP" sz="1200" smtClean="0">
-                <a:ln w="3175">
-                  <a:solidFill>
-                    <a:srgbClr val="FF0000"/>
-                  </a:solidFill>
-                  <a:prstDash val="solid"/>
-                </a:ln>
-                <a:solidFill>
-                  <a:srgbClr val="FFFFFF"/>
-                </a:solidFill>
-                <a:effectLst>
-                  <a:outerShdw blurRad="38100" dist="32000" dir="5400000" algn="tl">
-                    <a:srgbClr val="000000">
-                      <a:alpha val="30000"/>
-                    </a:srgbClr>
-                  </a:outerShdw>
-                </a:effectLst>
-                <a:latin typeface="メイリオ" pitchFamily="50" charset="-128"/>
-                <a:ea typeface="メイリオ" pitchFamily="50" charset="-128"/>
-                <a:cs typeface="メイリオ" pitchFamily="50" charset="-128"/>
-              </a:rPr>
-              <a:t>-</a:t>
-            </a:r>
-            <a:r>
-              <a:rPr lang="ja-JP" altLang="en-US" sz="1200">
-                <a:ln w="3175">
-                  <a:solidFill>
-                    <a:srgbClr val="FF0000"/>
-                  </a:solidFill>
-                  <a:prstDash val="solid"/>
-                </a:ln>
-                <a:solidFill>
-                  <a:srgbClr val="FFFFFF"/>
-                </a:solidFill>
-                <a:effectLst>
-                  <a:outerShdw blurRad="38100" dist="32000" dir="5400000" algn="tl">
-                    <a:srgbClr val="000000">
-                      <a:alpha val="30000"/>
-                    </a:srgbClr>
-                  </a:outerShdw>
-                </a:effectLst>
-                <a:latin typeface="メイリオ" pitchFamily="50" charset="-128"/>
-                <a:ea typeface="メイリオ" pitchFamily="50" charset="-128"/>
-                <a:cs typeface="メイリオ" pitchFamily="50" charset="-128"/>
-              </a:rPr>
-              <a:t>危険</a:t>
-            </a:r>
-            <a:r>
-              <a:rPr lang="ja-JP" altLang="en-US" sz="1200" smtClean="0">
-                <a:ln w="3175">
-                  <a:solidFill>
-                    <a:srgbClr val="FF0000"/>
-                  </a:solidFill>
-                  <a:prstDash val="solid"/>
-                </a:ln>
-                <a:solidFill>
-                  <a:srgbClr val="FFFFFF"/>
-                </a:solidFill>
-                <a:effectLst>
-                  <a:outerShdw blurRad="38100" dist="32000" dir="5400000" algn="tl">
-                    <a:srgbClr val="000000">
-                      <a:alpha val="30000"/>
-                    </a:srgbClr>
-                  </a:outerShdw>
-                </a:effectLst>
-                <a:latin typeface="メイリオ" pitchFamily="50" charset="-128"/>
-                <a:ea typeface="メイリオ" pitchFamily="50" charset="-128"/>
-                <a:cs typeface="メイリオ" pitchFamily="50" charset="-128"/>
-              </a:rPr>
-              <a:t>ポイント</a:t>
-            </a:r>
-            <a:r>
-              <a:rPr lang="en-US" altLang="ja-JP" sz="1200" smtClean="0">
-                <a:ln w="3175">
-                  <a:solidFill>
-                    <a:srgbClr val="FF0000"/>
-                  </a:solidFill>
-                  <a:prstDash val="solid"/>
-                </a:ln>
-                <a:solidFill>
-                  <a:srgbClr val="FFFFFF"/>
-                </a:solidFill>
-                <a:effectLst>
-                  <a:outerShdw blurRad="38100" dist="32000" dir="5400000" algn="tl">
-                    <a:srgbClr val="000000">
-                      <a:alpha val="30000"/>
-                    </a:srgbClr>
-                  </a:outerShdw>
-                </a:effectLst>
-                <a:latin typeface="メイリオ" pitchFamily="50" charset="-128"/>
-                <a:ea typeface="メイリオ" pitchFamily="50" charset="-128"/>
-                <a:cs typeface="メイリオ" pitchFamily="50" charset="-128"/>
-              </a:rPr>
-              <a:t>-</a:t>
-            </a:r>
-            <a:endParaRPr lang="en-US" altLang="ja-JP" sz="1200">
-              <a:ln w="3175">
-                <a:solidFill>
-                  <a:srgbClr val="FF0000"/>
-                </a:solidFill>
-                <a:prstDash val="solid"/>
-              </a:ln>
-              <a:solidFill>
-                <a:srgbClr val="FFFFFF"/>
-              </a:solidFill>
-              <a:effectLst>
-                <a:outerShdw blurRad="38100" dist="32000" dir="5400000" algn="tl">
-                  <a:srgbClr val="000000">
-                    <a:alpha val="30000"/>
-                  </a:srgbClr>
-                </a:outerShdw>
-              </a:effectLst>
-              <a:latin typeface="メイリオ" pitchFamily="50" charset="-128"/>
-              <a:ea typeface="メイリオ" pitchFamily="50" charset="-128"/>
-              <a:cs typeface="メイリオ" pitchFamily="50" charset="-128"/>
-            </a:endParaRPr>
-          </a:p>
-          <a:p>
-            <a:pPr marL="228600" indent="-228600" algn="ctr">
-              <a:buFont typeface="+mj-lt"/>
-              <a:buAutoNum type="arabicPeriod"/>
-            </a:pPr>
-            <a:r>
-              <a:rPr lang="ja-JP" altLang="en-US" sz="1050" u="sng" smtClean="0">
-                <a:latin typeface="メイリオ" pitchFamily="50" charset="-128"/>
-                <a:ea typeface="メイリオ" pitchFamily="50" charset="-128"/>
-                <a:cs typeface="メイリオ" pitchFamily="50" charset="-128"/>
-              </a:rPr>
-              <a:t>シーソー突入</a:t>
-            </a:r>
-            <a:r>
-              <a:rPr lang="ja-JP" altLang="en-US" sz="1050" smtClean="0">
-                <a:latin typeface="メイリオ" pitchFamily="50" charset="-128"/>
-                <a:ea typeface="メイリオ" pitchFamily="50" charset="-128"/>
-                <a:cs typeface="メイリオ" pitchFamily="50" charset="-128"/>
-              </a:rPr>
-              <a:t>失敗</a:t>
-            </a:r>
-            <a:endParaRPr lang="ja-JP" altLang="en-US" sz="1050">
-              <a:latin typeface="メイリオ" pitchFamily="50" charset="-128"/>
-              <a:ea typeface="メイリオ" pitchFamily="50" charset="-128"/>
-              <a:cs typeface="メイリオ" pitchFamily="50" charset="-128"/>
-            </a:endParaRPr>
-          </a:p>
-          <a:p>
-            <a:pPr marL="228600" indent="-228600" algn="ctr">
-              <a:buFont typeface="+mj-lt"/>
-              <a:buAutoNum type="arabicPeriod"/>
-            </a:pPr>
-            <a:r>
-              <a:rPr lang="ja-JP" altLang="en-US" sz="1050" u="sng" smtClean="0">
-                <a:latin typeface="メイリオ" pitchFamily="50" charset="-128"/>
-                <a:ea typeface="メイリオ" pitchFamily="50" charset="-128"/>
-                <a:cs typeface="メイリオ" pitchFamily="50" charset="-128"/>
-              </a:rPr>
-              <a:t>シーソー上走行</a:t>
-            </a:r>
-            <a:r>
-              <a:rPr lang="ja-JP" altLang="en-US" sz="1050" smtClean="0">
-                <a:latin typeface="メイリオ" pitchFamily="50" charset="-128"/>
-                <a:ea typeface="メイリオ" pitchFamily="50" charset="-128"/>
-                <a:cs typeface="メイリオ" pitchFamily="50" charset="-128"/>
-              </a:rPr>
-              <a:t>中、</a:t>
-            </a:r>
-            <a:r>
-              <a:rPr lang="en-US" altLang="ja-JP" sz="1050" smtClean="0">
-                <a:latin typeface="メイリオ" pitchFamily="50" charset="-128"/>
-                <a:ea typeface="メイリオ" pitchFamily="50" charset="-128"/>
-                <a:cs typeface="メイリオ" pitchFamily="50" charset="-128"/>
-              </a:rPr>
-              <a:t/>
-            </a:r>
-            <a:br>
-              <a:rPr lang="en-US" altLang="ja-JP" sz="1050" smtClean="0">
-                <a:latin typeface="メイリオ" pitchFamily="50" charset="-128"/>
-                <a:ea typeface="メイリオ" pitchFamily="50" charset="-128"/>
-                <a:cs typeface="メイリオ" pitchFamily="50" charset="-128"/>
-              </a:rPr>
-            </a:br>
-            <a:r>
-              <a:rPr lang="ja-JP" altLang="en-US" sz="1050" smtClean="0">
-                <a:latin typeface="メイリオ" pitchFamily="50" charset="-128"/>
-                <a:ea typeface="メイリオ" pitchFamily="50" charset="-128"/>
-                <a:cs typeface="メイリオ" pitchFamily="50" charset="-128"/>
-              </a:rPr>
-              <a:t>傾きに耐えられず落下</a:t>
-            </a:r>
-            <a:endParaRPr lang="en-US" altLang="ja-JP" sz="1050" smtClean="0">
-              <a:latin typeface="メイリオ" pitchFamily="50" charset="-128"/>
-              <a:ea typeface="メイリオ" pitchFamily="50" charset="-128"/>
-              <a:cs typeface="メイリオ" pitchFamily="50" charset="-128"/>
-            </a:endParaRPr>
-          </a:p>
-          <a:p>
-            <a:pPr marL="228600" indent="-228600" algn="ctr">
-              <a:buFont typeface="+mj-lt"/>
-              <a:buAutoNum type="arabicPeriod"/>
-            </a:pPr>
-            <a:r>
-              <a:rPr lang="ja-JP" altLang="en-US" sz="1050" u="sng" smtClean="0">
-                <a:latin typeface="メイリオ" pitchFamily="50" charset="-128"/>
-                <a:ea typeface="メイリオ" pitchFamily="50" charset="-128"/>
-                <a:cs typeface="メイリオ" pitchFamily="50" charset="-128"/>
-              </a:rPr>
-              <a:t>シーソーの降下</a:t>
-            </a:r>
-            <a:r>
-              <a:rPr lang="ja-JP" altLang="en-US" sz="1050" smtClean="0">
-                <a:latin typeface="メイリオ" pitchFamily="50" charset="-128"/>
-                <a:ea typeface="メイリオ" pitchFamily="50" charset="-128"/>
-                <a:cs typeface="メイリオ" pitchFamily="50" charset="-128"/>
-              </a:rPr>
-              <a:t>に</a:t>
-            </a:r>
-            <a:r>
-              <a:rPr lang="en-US" altLang="ja-JP" sz="1050" smtClean="0">
-                <a:latin typeface="メイリオ" pitchFamily="50" charset="-128"/>
-                <a:ea typeface="メイリオ" pitchFamily="50" charset="-128"/>
-                <a:cs typeface="メイリオ" pitchFamily="50" charset="-128"/>
-              </a:rPr>
-              <a:t/>
-            </a:r>
-            <a:br>
-              <a:rPr lang="en-US" altLang="ja-JP" sz="1050" smtClean="0">
-                <a:latin typeface="メイリオ" pitchFamily="50" charset="-128"/>
-                <a:ea typeface="メイリオ" pitchFamily="50" charset="-128"/>
-                <a:cs typeface="メイリオ" pitchFamily="50" charset="-128"/>
-              </a:rPr>
-            </a:br>
-            <a:r>
-              <a:rPr lang="ja-JP" altLang="en-US" sz="1050" smtClean="0">
-                <a:latin typeface="メイリオ" pitchFamily="50" charset="-128"/>
-                <a:ea typeface="メイリオ" pitchFamily="50" charset="-128"/>
-                <a:cs typeface="メイリオ" pitchFamily="50" charset="-128"/>
-              </a:rPr>
-              <a:t>耐えられず落下</a:t>
-            </a:r>
-            <a:endParaRPr lang="ja-JP" altLang="en-US" sz="1050">
-              <a:latin typeface="メイリオ" pitchFamily="50" charset="-128"/>
-              <a:ea typeface="メイリオ" pitchFamily="50" charset="-128"/>
-              <a:cs typeface="メイリオ" pitchFamily="50" charset="-128"/>
-            </a:endParaRPr>
-          </a:p>
-          <a:p>
-            <a:pPr marL="228600" indent="-228600" algn="ctr">
-              <a:buFont typeface="+mj-lt"/>
-              <a:buAutoNum type="arabicPeriod"/>
-            </a:pPr>
-            <a:r>
-              <a:rPr lang="ja-JP" altLang="en-US" sz="1050" u="sng" smtClean="0">
-                <a:latin typeface="メイリオ" pitchFamily="50" charset="-128"/>
-                <a:ea typeface="メイリオ" pitchFamily="50" charset="-128"/>
-                <a:cs typeface="メイリオ" pitchFamily="50" charset="-128"/>
-              </a:rPr>
-              <a:t>シーソーからの落下</a:t>
-            </a:r>
-            <a:r>
-              <a:rPr lang="ja-JP" altLang="en-US" sz="1050" smtClean="0">
-                <a:latin typeface="メイリオ" pitchFamily="50" charset="-128"/>
-                <a:ea typeface="メイリオ" pitchFamily="50" charset="-128"/>
-                <a:cs typeface="メイリオ" pitchFamily="50" charset="-128"/>
-              </a:rPr>
-              <a:t>失敗</a:t>
-            </a:r>
-            <a:endParaRPr lang="en-US" altLang="ja-JP" sz="1050" smtClean="0">
-              <a:latin typeface="メイリオ" pitchFamily="50" charset="-128"/>
-              <a:ea typeface="メイリオ" pitchFamily="50" charset="-128"/>
-              <a:cs typeface="メイリオ" pitchFamily="50" charset="-128"/>
-            </a:endParaRPr>
-          </a:p>
-        </p:txBody>
-      </p:sp>
-      <p:sp>
-        <p:nvSpPr>
-          <p:cNvPr id="41" name="角丸四角形 40"/>
-          <p:cNvSpPr/>
-          <p:nvPr/>
-        </p:nvSpPr>
-        <p:spPr>
-          <a:xfrm>
-            <a:off x="10172953" y="6232435"/>
-            <a:ext cx="2317966" cy="1453049"/>
-          </a:xfrm>
-          <a:prstGeom prst="roundRect">
-            <a:avLst/>
-          </a:prstGeom>
-        </p:spPr>
-        <p:style>
-          <a:lnRef idx="2">
-            <a:schemeClr val="accent1"/>
-          </a:lnRef>
-          <a:fillRef idx="1">
-            <a:schemeClr val="lt1"/>
-          </a:fillRef>
-          <a:effectRef idx="0">
-            <a:schemeClr val="accent1"/>
-          </a:effectRef>
-          <a:fontRef idx="minor">
-            <a:schemeClr val="dk1"/>
-          </a:fontRef>
-        </p:style>
-        <p:txBody>
-          <a:bodyPr rtlCol="0" anchor="ctr"/>
-          <a:lstStyle/>
-          <a:p>
-            <a:pPr algn="ctr"/>
-            <a:r>
-              <a:rPr lang="en-US" altLang="ja-JP" sz="1200" smtClean="0">
-                <a:ln w="3175">
-                  <a:solidFill>
-                    <a:srgbClr val="0070C0"/>
-                  </a:solidFill>
-                  <a:prstDash val="solid"/>
-                </a:ln>
-                <a:solidFill>
-                  <a:srgbClr val="FFFFFF"/>
-                </a:solidFill>
-                <a:effectLst>
-                  <a:outerShdw blurRad="38100" dist="32000" dir="5400000" algn="tl">
-                    <a:srgbClr val="000000">
-                      <a:alpha val="30000"/>
-                    </a:srgbClr>
-                  </a:outerShdw>
-                </a:effectLst>
-                <a:latin typeface="メイリオ" pitchFamily="50" charset="-128"/>
-                <a:ea typeface="メイリオ" pitchFamily="50" charset="-128"/>
-                <a:cs typeface="メイリオ" pitchFamily="50" charset="-128"/>
-              </a:rPr>
-              <a:t>-</a:t>
-            </a:r>
-            <a:r>
-              <a:rPr lang="ja-JP" altLang="en-US" sz="1200" smtClean="0">
-                <a:ln w="3175">
-                  <a:solidFill>
-                    <a:srgbClr val="0070C0"/>
-                  </a:solidFill>
-                  <a:prstDash val="solid"/>
-                </a:ln>
-                <a:solidFill>
-                  <a:srgbClr val="FFFFFF"/>
-                </a:solidFill>
-                <a:effectLst>
-                  <a:outerShdw blurRad="38100" dist="32000" dir="5400000" algn="tl">
-                    <a:srgbClr val="000000">
-                      <a:alpha val="30000"/>
-                    </a:srgbClr>
-                  </a:outerShdw>
-                </a:effectLst>
-                <a:latin typeface="メイリオ" pitchFamily="50" charset="-128"/>
-                <a:ea typeface="メイリオ" pitchFamily="50" charset="-128"/>
-                <a:cs typeface="メイリオ" pitchFamily="50" charset="-128"/>
-              </a:rPr>
-              <a:t>難関クリア</a:t>
-            </a:r>
-            <a:r>
-              <a:rPr lang="en-US" altLang="ja-JP" sz="1200" smtClean="0">
-                <a:ln w="3175">
-                  <a:solidFill>
-                    <a:srgbClr val="0070C0"/>
-                  </a:solidFill>
-                  <a:prstDash val="solid"/>
-                </a:ln>
-                <a:solidFill>
-                  <a:srgbClr val="FFFFFF"/>
-                </a:solidFill>
-                <a:effectLst>
-                  <a:outerShdw blurRad="38100" dist="32000" dir="5400000" algn="tl">
-                    <a:srgbClr val="000000">
-                      <a:alpha val="30000"/>
-                    </a:srgbClr>
-                  </a:outerShdw>
-                </a:effectLst>
-                <a:latin typeface="メイリオ" pitchFamily="50" charset="-128"/>
-                <a:ea typeface="メイリオ" pitchFamily="50" charset="-128"/>
-                <a:cs typeface="メイリオ" pitchFamily="50" charset="-128"/>
-              </a:rPr>
-              <a:t>-</a:t>
-            </a:r>
-          </a:p>
-          <a:p>
-            <a:pPr marL="228600" indent="-228600" algn="ctr">
-              <a:buFont typeface="+mj-lt"/>
-              <a:buAutoNum type="arabicPeriod"/>
-            </a:pPr>
-            <a:r>
-              <a:rPr lang="ja-JP" altLang="en-US" sz="1050" smtClean="0">
-                <a:latin typeface="メイリオ" pitchFamily="50" charset="-128"/>
-                <a:ea typeface="メイリオ" pitchFamily="50" charset="-128"/>
-                <a:cs typeface="メイリオ" pitchFamily="50" charset="-128"/>
-              </a:rPr>
-              <a:t>段差</a:t>
-            </a:r>
-            <a:r>
-              <a:rPr lang="en-US" altLang="ja-JP" sz="1050" smtClean="0">
-                <a:latin typeface="メイリオ" pitchFamily="50" charset="-128"/>
-                <a:ea typeface="メイリオ" pitchFamily="50" charset="-128"/>
-                <a:cs typeface="メイリオ" pitchFamily="50" charset="-128"/>
-              </a:rPr>
-              <a:t>1</a:t>
-            </a:r>
-            <a:r>
-              <a:rPr lang="ja-JP" altLang="en-US" sz="1050" smtClean="0">
-                <a:latin typeface="メイリオ" pitchFamily="50" charset="-128"/>
-                <a:ea typeface="メイリオ" pitchFamily="50" charset="-128"/>
-                <a:cs typeface="メイリオ" pitchFamily="50" charset="-128"/>
-              </a:rPr>
-              <a:t>と同様の技術でクリア</a:t>
-            </a:r>
-            <a:endParaRPr lang="ja-JP" altLang="en-US" sz="1050">
-              <a:latin typeface="メイリオ" pitchFamily="50" charset="-128"/>
-              <a:ea typeface="メイリオ" pitchFamily="50" charset="-128"/>
-              <a:cs typeface="メイリオ" pitchFamily="50" charset="-128"/>
-            </a:endParaRPr>
-          </a:p>
-          <a:p>
-            <a:pPr marL="228600" indent="-228600" algn="ctr">
-              <a:buFont typeface="+mj-lt"/>
-              <a:buAutoNum type="arabicPeriod"/>
-            </a:pPr>
-            <a:r>
-              <a:rPr lang="ja-JP" altLang="en-US" sz="1050" smtClean="0">
-                <a:latin typeface="メイリオ" pitchFamily="50" charset="-128"/>
-                <a:ea typeface="メイリオ" pitchFamily="50" charset="-128"/>
-                <a:cs typeface="メイリオ" pitchFamily="50" charset="-128"/>
-              </a:rPr>
-              <a:t>倒立制御の基準を変更し、</a:t>
-            </a:r>
-            <a:r>
-              <a:rPr lang="en-US" altLang="ja-JP" sz="1050" smtClean="0">
-                <a:latin typeface="メイリオ" pitchFamily="50" charset="-128"/>
-                <a:ea typeface="メイリオ" pitchFamily="50" charset="-128"/>
-                <a:cs typeface="メイリオ" pitchFamily="50" charset="-128"/>
-              </a:rPr>
-              <a:t/>
-            </a:r>
-            <a:br>
-              <a:rPr lang="en-US" altLang="ja-JP" sz="1050" smtClean="0">
-                <a:latin typeface="メイリオ" pitchFamily="50" charset="-128"/>
-                <a:ea typeface="メイリオ" pitchFamily="50" charset="-128"/>
-                <a:cs typeface="メイリオ" pitchFamily="50" charset="-128"/>
-              </a:rPr>
-            </a:br>
-            <a:r>
-              <a:rPr lang="ja-JP" altLang="en-US" sz="1050" smtClean="0">
-                <a:latin typeface="メイリオ" pitchFamily="50" charset="-128"/>
-                <a:ea typeface="メイリオ" pitchFamily="50" charset="-128"/>
-                <a:cs typeface="メイリオ" pitchFamily="50" charset="-128"/>
-              </a:rPr>
-              <a:t>安定した斜面走行を実現</a:t>
-            </a:r>
-            <a:endParaRPr lang="en-US" altLang="ja-JP" sz="1050">
-              <a:latin typeface="メイリオ" pitchFamily="50" charset="-128"/>
-              <a:ea typeface="メイリオ" pitchFamily="50" charset="-128"/>
-              <a:cs typeface="メイリオ" pitchFamily="50" charset="-128"/>
-            </a:endParaRPr>
-          </a:p>
-          <a:p>
-            <a:pPr marL="228600" indent="-228600" algn="ctr">
-              <a:buFont typeface="+mj-lt"/>
-              <a:buAutoNum type="arabicPeriod"/>
-            </a:pPr>
-            <a:r>
-              <a:rPr lang="ja-JP" altLang="en-US" sz="1050" smtClean="0">
-                <a:latin typeface="メイリオ" pitchFamily="50" charset="-128"/>
-                <a:ea typeface="メイリオ" pitchFamily="50" charset="-128"/>
-                <a:cs typeface="メイリオ" pitchFamily="50" charset="-128"/>
-              </a:rPr>
-              <a:t>シーソーの降下を検知し、</a:t>
-            </a:r>
-            <a:r>
-              <a:rPr lang="en-US" altLang="ja-JP" sz="1050" smtClean="0">
-                <a:latin typeface="メイリオ" pitchFamily="50" charset="-128"/>
-                <a:ea typeface="メイリオ" pitchFamily="50" charset="-128"/>
-                <a:cs typeface="メイリオ" pitchFamily="50" charset="-128"/>
-              </a:rPr>
-              <a:t/>
-            </a:r>
-            <a:br>
-              <a:rPr lang="en-US" altLang="ja-JP" sz="1050" smtClean="0">
-                <a:latin typeface="メイリオ" pitchFamily="50" charset="-128"/>
-                <a:ea typeface="メイリオ" pitchFamily="50" charset="-128"/>
-                <a:cs typeface="メイリオ" pitchFamily="50" charset="-128"/>
-              </a:rPr>
-            </a:br>
-            <a:r>
-              <a:rPr lang="ja-JP" altLang="en-US" sz="1050" smtClean="0">
-                <a:latin typeface="メイリオ" pitchFamily="50" charset="-128"/>
-                <a:ea typeface="メイリオ" pitchFamily="50" charset="-128"/>
-                <a:cs typeface="メイリオ" pitchFamily="50" charset="-128"/>
-              </a:rPr>
-              <a:t>衝撃を吸収してクリア</a:t>
-            </a:r>
-            <a:endParaRPr lang="en-US" altLang="ja-JP" sz="1050" smtClean="0">
-              <a:latin typeface="メイリオ" pitchFamily="50" charset="-128"/>
-              <a:ea typeface="メイリオ" pitchFamily="50" charset="-128"/>
-              <a:cs typeface="メイリオ" pitchFamily="50" charset="-128"/>
-            </a:endParaRPr>
-          </a:p>
-          <a:p>
-            <a:pPr marL="228600" indent="-228600" algn="ctr">
-              <a:buFont typeface="+mj-lt"/>
-              <a:buAutoNum type="arabicPeriod"/>
-            </a:pPr>
-            <a:r>
-              <a:rPr lang="ja-JP" altLang="en-US" sz="1050" smtClean="0">
-                <a:latin typeface="メイリオ" pitchFamily="50" charset="-128"/>
-                <a:ea typeface="メイリオ" pitchFamily="50" charset="-128"/>
-                <a:cs typeface="メイリオ" pitchFamily="50" charset="-128"/>
-              </a:rPr>
-              <a:t>段差</a:t>
-            </a:r>
-            <a:r>
-              <a:rPr lang="en-US" altLang="ja-JP" sz="1050" smtClean="0">
-                <a:latin typeface="メイリオ" pitchFamily="50" charset="-128"/>
-                <a:ea typeface="メイリオ" pitchFamily="50" charset="-128"/>
-                <a:cs typeface="メイリオ" pitchFamily="50" charset="-128"/>
-              </a:rPr>
-              <a:t>5</a:t>
-            </a:r>
-            <a:r>
-              <a:rPr lang="ja-JP" altLang="en-US" sz="1050" smtClean="0">
-                <a:latin typeface="メイリオ" pitchFamily="50" charset="-128"/>
-                <a:ea typeface="メイリオ" pitchFamily="50" charset="-128"/>
-                <a:cs typeface="メイリオ" pitchFamily="50" charset="-128"/>
-              </a:rPr>
-              <a:t>と同様の技術でクリア</a:t>
-            </a:r>
-            <a:endParaRPr lang="en-US" altLang="ja-JP" sz="1050" smtClean="0">
-              <a:latin typeface="メイリオ" pitchFamily="50" charset="-128"/>
-              <a:ea typeface="メイリオ" pitchFamily="50" charset="-128"/>
-              <a:cs typeface="メイリオ" pitchFamily="50" charset="-128"/>
-            </a:endParaRPr>
-          </a:p>
-        </p:txBody>
-      </p:sp>
     </p:spTree>
     <p:extLst>
       <p:ext uri="{BB962C8B-B14F-4D97-AF65-F5344CB8AC3E}">
-        <p14:creationId xmlns:p14="http://schemas.microsoft.com/office/powerpoint/2010/main" val="855894064"/>
+        <p14:creationId xmlns:p14="http://schemas.microsoft.com/office/powerpoint/2010/main" val="3204631362"/>
       </p:ext>
     </p:extLst>
   </p:cSld>
   <p:clrMapOvr>
     <a:masterClrMapping/>
   </p:clrMapOvr>
-  <p:timing>
-    <p:tnLst>
-      <p:par>
-        <p:cTn id="1" dur="indefinite" restart="never" nodeType="tmRoot"/>
-      </p:par>
-    </p:tnLst>
-  </p:timing>
 </p:sld>
 </file>
 
@@ -7031,4 +8858,289 @@
   <a:objectDefaults/>
   <a:extraClrSchemeLst/>
 </a:theme>
+</file>
+
+<file path=ppt/theme/theme2.xml><?xml version="1.0" encoding="utf-8"?>
+<a:theme xmlns:a="http://schemas.openxmlformats.org/drawingml/2006/main" name="Office ​​テーマ">
+  <a:themeElements>
+    <a:clrScheme name="Office">
+      <a:dk1>
+        <a:sysClr val="windowText" lastClr="000000"/>
+      </a:dk1>
+      <a:lt1>
+        <a:sysClr val="window" lastClr="FFFFFF"/>
+      </a:lt1>
+      <a:dk2>
+        <a:srgbClr val="1F497D"/>
+      </a:dk2>
+      <a:lt2>
+        <a:srgbClr val="EEECE1"/>
+      </a:lt2>
+      <a:accent1>
+        <a:srgbClr val="4F81BD"/>
+      </a:accent1>
+      <a:accent2>
+        <a:srgbClr val="C0504D"/>
+      </a:accent2>
+      <a:accent3>
+        <a:srgbClr val="9BBB59"/>
+      </a:accent3>
+      <a:accent4>
+        <a:srgbClr val="8064A2"/>
+      </a:accent4>
+      <a:accent5>
+        <a:srgbClr val="4BACC6"/>
+      </a:accent5>
+      <a:accent6>
+        <a:srgbClr val="F79646"/>
+      </a:accent6>
+      <a:hlink>
+        <a:srgbClr val="0000FF"/>
+      </a:hlink>
+      <a:folHlink>
+        <a:srgbClr val="800080"/>
+      </a:folHlink>
+    </a:clrScheme>
+    <a:fontScheme name="Office">
+      <a:majorFont>
+        <a:latin typeface="Calibri"/>
+        <a:ea typeface=""/>
+        <a:cs typeface=""/>
+        <a:font script="Jpan" typeface="ＭＳ Ｐゴシック"/>
+        <a:font script="Hang" typeface="맑은 고딕"/>
+        <a:font script="Hans" typeface="宋体"/>
+        <a:font script="Hant" typeface="新細明體"/>
+        <a:font script="Arab" typeface="Times New Roman"/>
+        <a:font script="Hebr" typeface="Times New Roman"/>
+        <a:font script="Thai" typeface="Angsana New"/>
+        <a:font script="Ethi" typeface="Nyala"/>
+        <a:font script="Beng" typeface="Vrinda"/>
+        <a:font script="Gujr" typeface="Shruti"/>
+        <a:font script="Khmr" typeface="MoolBoran"/>
+        <a:font script="Knda" typeface="Tunga"/>
+        <a:font script="Guru" typeface="Raavi"/>
+        <a:font script="Cans" typeface="Euphemia"/>
+        <a:font script="Cher" typeface="Plantagenet Cherokee"/>
+        <a:font script="Yiii" typeface="Microsoft Yi Baiti"/>
+        <a:font script="Tibt" typeface="Microsoft Himalaya"/>
+        <a:font script="Thaa" typeface="MV Boli"/>
+        <a:font script="Deva" typeface="Mangal"/>
+        <a:font script="Telu" typeface="Gautami"/>
+        <a:font script="Taml" typeface="Latha"/>
+        <a:font script="Syrc" typeface="Estrangelo Edessa"/>
+        <a:font script="Orya" typeface="Kalinga"/>
+        <a:font script="Mlym" typeface="Kartika"/>
+        <a:font script="Laoo" typeface="DokChampa"/>
+        <a:font script="Sinh" typeface="Iskoola Pota"/>
+        <a:font script="Mong" typeface="Mongolian Baiti"/>
+        <a:font script="Viet" typeface="Times New Roman"/>
+        <a:font script="Uigh" typeface="Microsoft Uighur"/>
+        <a:font script="Geor" typeface="Sylfaen"/>
+      </a:majorFont>
+      <a:minorFont>
+        <a:latin typeface="Calibri"/>
+        <a:ea typeface=""/>
+        <a:cs typeface=""/>
+        <a:font script="Jpan" typeface="ＭＳ Ｐゴシック"/>
+        <a:font script="Hang" typeface="맑은 고딕"/>
+        <a:font script="Hans" typeface="宋体"/>
+        <a:font script="Hant" typeface="新細明體"/>
+        <a:font script="Arab" typeface="Arial"/>
+        <a:font script="Hebr" typeface="Arial"/>
+        <a:font script="Thai" typeface="Cordia New"/>
+        <a:font script="Ethi" typeface="Nyala"/>
+        <a:font script="Beng" typeface="Vrinda"/>
+        <a:font script="Gujr" typeface="Shruti"/>
+        <a:font script="Khmr" typeface="DaunPenh"/>
+        <a:font script="Knda" typeface="Tunga"/>
+        <a:font script="Guru" typeface="Raavi"/>
+        <a:font script="Cans" typeface="Euphemia"/>
+        <a:font script="Cher" typeface="Plantagenet Cherokee"/>
+        <a:font script="Yiii" typeface="Microsoft Yi Baiti"/>
+        <a:font script="Tibt" typeface="Microsoft Himalaya"/>
+        <a:font script="Thaa" typeface="MV Boli"/>
+        <a:font script="Deva" typeface="Mangal"/>
+        <a:font script="Telu" typeface="Gautami"/>
+        <a:font script="Taml" typeface="Latha"/>
+        <a:font script="Syrc" typeface="Estrangelo Edessa"/>
+        <a:font script="Orya" typeface="Kalinga"/>
+        <a:font script="Mlym" typeface="Kartika"/>
+        <a:font script="Laoo" typeface="DokChampa"/>
+        <a:font script="Sinh" typeface="Iskoola Pota"/>
+        <a:font script="Mong" typeface="Mongolian Baiti"/>
+        <a:font script="Viet" typeface="Arial"/>
+        <a:font script="Uigh" typeface="Microsoft Uighur"/>
+        <a:font script="Geor" typeface="Sylfaen"/>
+      </a:minorFont>
+    </a:fontScheme>
+    <a:fmtScheme name="Office">
+      <a:fillStyleLst>
+        <a:solidFill>
+          <a:schemeClr val="phClr"/>
+        </a:solidFill>
+        <a:gradFill rotWithShape="1">
+          <a:gsLst>
+            <a:gs pos="0">
+              <a:schemeClr val="phClr">
+                <a:tint val="50000"/>
+                <a:satMod val="300000"/>
+              </a:schemeClr>
+            </a:gs>
+            <a:gs pos="35000">
+              <a:schemeClr val="phClr">
+                <a:tint val="37000"/>
+                <a:satMod val="300000"/>
+              </a:schemeClr>
+            </a:gs>
+            <a:gs pos="100000">
+              <a:schemeClr val="phClr">
+                <a:tint val="15000"/>
+                <a:satMod val="350000"/>
+              </a:schemeClr>
+            </a:gs>
+          </a:gsLst>
+          <a:lin ang="16200000" scaled="1"/>
+        </a:gradFill>
+        <a:gradFill rotWithShape="1">
+          <a:gsLst>
+            <a:gs pos="0">
+              <a:schemeClr val="phClr">
+                <a:shade val="51000"/>
+                <a:satMod val="130000"/>
+              </a:schemeClr>
+            </a:gs>
+            <a:gs pos="80000">
+              <a:schemeClr val="phClr">
+                <a:shade val="93000"/>
+                <a:satMod val="130000"/>
+              </a:schemeClr>
+            </a:gs>
+            <a:gs pos="100000">
+              <a:schemeClr val="phClr">
+                <a:shade val="94000"/>
+                <a:satMod val="135000"/>
+              </a:schemeClr>
+            </a:gs>
+          </a:gsLst>
+          <a:lin ang="16200000" scaled="0"/>
+        </a:gradFill>
+      </a:fillStyleLst>
+      <a:lnStyleLst>
+        <a:ln w="9525" cap="flat" cmpd="sng" algn="ctr">
+          <a:solidFill>
+            <a:schemeClr val="phClr">
+              <a:shade val="95000"/>
+              <a:satMod val="105000"/>
+            </a:schemeClr>
+          </a:solidFill>
+          <a:prstDash val="solid"/>
+        </a:ln>
+        <a:ln w="25400" cap="flat" cmpd="sng" algn="ctr">
+          <a:solidFill>
+            <a:schemeClr val="phClr"/>
+          </a:solidFill>
+          <a:prstDash val="solid"/>
+        </a:ln>
+        <a:ln w="38100" cap="flat" cmpd="sng" algn="ctr">
+          <a:solidFill>
+            <a:schemeClr val="phClr"/>
+          </a:solidFill>
+          <a:prstDash val="solid"/>
+        </a:ln>
+      </a:lnStyleLst>
+      <a:effectStyleLst>
+        <a:effectStyle>
+          <a:effectLst>
+            <a:outerShdw blurRad="40000" dist="20000" dir="5400000" rotWithShape="0">
+              <a:srgbClr val="000000">
+                <a:alpha val="38000"/>
+              </a:srgbClr>
+            </a:outerShdw>
+          </a:effectLst>
+        </a:effectStyle>
+        <a:effectStyle>
+          <a:effectLst>
+            <a:outerShdw blurRad="40000" dist="23000" dir="5400000" rotWithShape="0">
+              <a:srgbClr val="000000">
+                <a:alpha val="35000"/>
+              </a:srgbClr>
+            </a:outerShdw>
+          </a:effectLst>
+        </a:effectStyle>
+        <a:effectStyle>
+          <a:effectLst>
+            <a:outerShdw blurRad="40000" dist="23000" dir="5400000" rotWithShape="0">
+              <a:srgbClr val="000000">
+                <a:alpha val="35000"/>
+              </a:srgbClr>
+            </a:outerShdw>
+          </a:effectLst>
+          <a:scene3d>
+            <a:camera prst="orthographicFront">
+              <a:rot lat="0" lon="0" rev="0"/>
+            </a:camera>
+            <a:lightRig rig="threePt" dir="t">
+              <a:rot lat="0" lon="0" rev="1200000"/>
+            </a:lightRig>
+          </a:scene3d>
+          <a:sp3d>
+            <a:bevelT w="63500" h="25400"/>
+          </a:sp3d>
+        </a:effectStyle>
+      </a:effectStyleLst>
+      <a:bgFillStyleLst>
+        <a:solidFill>
+          <a:schemeClr val="phClr"/>
+        </a:solidFill>
+        <a:gradFill rotWithShape="1">
+          <a:gsLst>
+            <a:gs pos="0">
+              <a:schemeClr val="phClr">
+                <a:tint val="40000"/>
+                <a:satMod val="350000"/>
+              </a:schemeClr>
+            </a:gs>
+            <a:gs pos="40000">
+              <a:schemeClr val="phClr">
+                <a:tint val="45000"/>
+                <a:shade val="99000"/>
+                <a:satMod val="350000"/>
+              </a:schemeClr>
+            </a:gs>
+            <a:gs pos="100000">
+              <a:schemeClr val="phClr">
+                <a:shade val="20000"/>
+                <a:satMod val="255000"/>
+              </a:schemeClr>
+            </a:gs>
+          </a:gsLst>
+          <a:path path="circle">
+            <a:fillToRect l="50000" t="-80000" r="50000" b="180000"/>
+          </a:path>
+        </a:gradFill>
+        <a:gradFill rotWithShape="1">
+          <a:gsLst>
+            <a:gs pos="0">
+              <a:schemeClr val="phClr">
+                <a:tint val="80000"/>
+                <a:satMod val="300000"/>
+              </a:schemeClr>
+            </a:gs>
+            <a:gs pos="100000">
+              <a:schemeClr val="phClr">
+                <a:shade val="30000"/>
+                <a:satMod val="200000"/>
+              </a:schemeClr>
+            </a:gs>
+          </a:gsLst>
+          <a:path path="circle">
+            <a:fillToRect l="50000" t="50000" r="50000" b="50000"/>
+          </a:path>
+        </a:gradFill>
+      </a:bgFillStyleLst>
+    </a:fmtScheme>
+  </a:themeElements>
+  <a:objectDefaults/>
+  <a:extraClrSchemeLst/>
+</a:theme>
 </file>
--- a/models/N_MURA.pptx
+++ b/models/N_MURA.pptx
@@ -3855,6 +3855,536 @@
       </p:grpSpPr>
       <p:sp>
         <p:nvSpPr>
+          <p:cNvPr id="5" name="正方形/長方形 4"/>
+          <p:cNvSpPr/>
+          <p:nvPr/>
+        </p:nvSpPr>
+        <p:spPr>
+          <a:xfrm>
+            <a:off x="280120" y="875592"/>
+            <a:ext cx="7128792" cy="3960440"/>
+          </a:xfrm>
+          <a:prstGeom prst="rect">
+            <a:avLst/>
+          </a:prstGeom>
+          <a:ln>
+            <a:solidFill>
+              <a:schemeClr val="tx1"/>
+            </a:solidFill>
+          </a:ln>
+        </p:spPr>
+        <p:style>
+          <a:lnRef idx="2">
+            <a:schemeClr val="accent6"/>
+          </a:lnRef>
+          <a:fillRef idx="1">
+            <a:schemeClr val="lt1"/>
+          </a:fillRef>
+          <a:effectRef idx="0">
+            <a:schemeClr val="accent6"/>
+          </a:effectRef>
+          <a:fontRef idx="minor">
+            <a:schemeClr val="dk1"/>
+          </a:fontRef>
+        </p:style>
+        <p:txBody>
+          <a:bodyPr rtlCol="0" anchor="ctr"/>
+          <a:lstStyle/>
+          <a:p>
+            <a:pPr algn="ctr"/>
+            <a:endParaRPr kumimoji="1" lang="ja-JP" altLang="en-US" sz="2800" dirty="0"/>
+          </a:p>
+        </p:txBody>
+      </p:sp>
+      <p:grpSp>
+        <p:nvGrpSpPr>
+          <p:cNvPr id="16" name="グループ化 15"/>
+          <p:cNvGrpSpPr/>
+          <p:nvPr/>
+        </p:nvGrpSpPr>
+        <p:grpSpPr>
+          <a:xfrm>
+            <a:off x="441923" y="2695655"/>
+            <a:ext cx="2574501" cy="2123494"/>
+            <a:chOff x="297906" y="1575435"/>
+            <a:chExt cx="2574501" cy="2123494"/>
+          </a:xfrm>
+        </p:grpSpPr>
+        <p:pic>
+          <p:nvPicPr>
+            <p:cNvPr id="1026" name="Picture 2"/>
+            <p:cNvPicPr>
+              <a:picLocks noChangeAspect="1" noChangeArrowheads="1"/>
+            </p:cNvPicPr>
+            <p:nvPr/>
+          </p:nvPicPr>
+          <p:blipFill>
+            <a:blip r:embed="rId3">
+              <a:extLst>
+                <a:ext uri="{28A0092B-C50C-407E-A947-70E740481C1C}">
+                  <a14:useLocalDpi xmlns:a14="http://schemas.microsoft.com/office/drawing/2010/main" val="0"/>
+                </a:ext>
+              </a:extLst>
+            </a:blip>
+            <a:srcRect/>
+            <a:stretch>
+              <a:fillRect/>
+            </a:stretch>
+          </p:blipFill>
+          <p:spPr bwMode="auto">
+            <a:xfrm>
+              <a:off x="297906" y="1575435"/>
+              <a:ext cx="2574501" cy="2123494"/>
+            </a:xfrm>
+            <a:prstGeom prst="rect">
+              <a:avLst/>
+            </a:prstGeom>
+            <a:noFill/>
+            <a:ln>
+              <a:noFill/>
+            </a:ln>
+            <a:effectLst/>
+            <a:extLst>
+              <a:ext uri="{909E8E84-426E-40DD-AFC4-6F175D3DCCD1}">
+                <a14:hiddenFill xmlns:a14="http://schemas.microsoft.com/office/drawing/2010/main">
+                  <a:solidFill>
+                    <a:schemeClr val="accent1"/>
+                  </a:solidFill>
+                </a14:hiddenFill>
+              </a:ext>
+              <a:ext uri="{91240B29-F687-4F45-9708-019B960494DF}">
+                <a14:hiddenLine xmlns:a14="http://schemas.microsoft.com/office/drawing/2010/main" w="9525">
+                  <a:solidFill>
+                    <a:schemeClr val="tx1"/>
+                  </a:solidFill>
+                  <a:miter lim="800000"/>
+                  <a:headEnd/>
+                  <a:tailEnd/>
+                </a14:hiddenLine>
+              </a:ext>
+              <a:ext uri="{AF507438-7753-43E0-B8FC-AC1667EBCBE1}">
+                <a14:hiddenEffects xmlns:a14="http://schemas.microsoft.com/office/drawing/2010/main">
+                  <a:effectLst>
+                    <a:outerShdw dist="35921" dir="2700000" algn="ctr" rotWithShape="0">
+                      <a:schemeClr val="bg2"/>
+                    </a:outerShdw>
+                  </a:effectLst>
+                </a14:hiddenEffects>
+              </a:ext>
+            </a:extLst>
+          </p:spPr>
+        </p:pic>
+        <p:sp>
+          <p:nvSpPr>
+            <p:cNvPr id="63" name="テキスト ボックス 62"/>
+            <p:cNvSpPr txBox="1"/>
+            <p:nvPr/>
+          </p:nvSpPr>
+          <p:spPr>
+            <a:xfrm>
+              <a:off x="385782" y="1669718"/>
+              <a:ext cx="197019" cy="261610"/>
+            </a:xfrm>
+            <a:prstGeom prst="rect">
+              <a:avLst/>
+            </a:prstGeom>
+            <a:noFill/>
+          </p:spPr>
+          <p:txBody>
+            <a:bodyPr wrap="square" rtlCol="0">
+              <a:spAutoFit/>
+            </a:bodyPr>
+            <a:lstStyle/>
+            <a:p>
+              <a:pPr algn="ctr"/>
+              <a:r>
+                <a:rPr kumimoji="1" lang="en-US" altLang="ja-JP" sz="1050" dirty="0" smtClean="0">
+                  <a:solidFill>
+                    <a:schemeClr val="tx2">
+                      <a:lumMod val="60000"/>
+                      <a:lumOff val="40000"/>
+                    </a:schemeClr>
+                  </a:solidFill>
+                  <a:latin typeface="メイリオ" pitchFamily="50" charset="-128"/>
+                  <a:ea typeface="メイリオ" pitchFamily="50" charset="-128"/>
+                  <a:cs typeface="メイリオ" pitchFamily="50" charset="-128"/>
+                </a:rPr>
+                <a:t>1</a:t>
+              </a:r>
+              <a:endParaRPr kumimoji="1" lang="ja-JP" altLang="en-US" sz="1050" dirty="0">
+                <a:solidFill>
+                  <a:schemeClr val="tx2">
+                    <a:lumMod val="60000"/>
+                    <a:lumOff val="40000"/>
+                  </a:schemeClr>
+                </a:solidFill>
+                <a:latin typeface="メイリオ" pitchFamily="50" charset="-128"/>
+                <a:ea typeface="メイリオ" pitchFamily="50" charset="-128"/>
+                <a:cs typeface="メイリオ" pitchFamily="50" charset="-128"/>
+              </a:endParaRPr>
+            </a:p>
+          </p:txBody>
+        </p:sp>
+        <p:sp>
+          <p:nvSpPr>
+            <p:cNvPr id="64" name="テキスト ボックス 63"/>
+            <p:cNvSpPr txBox="1"/>
+            <p:nvPr/>
+          </p:nvSpPr>
+          <p:spPr>
+            <a:xfrm>
+              <a:off x="347875" y="2109981"/>
+              <a:ext cx="272831" cy="261610"/>
+            </a:xfrm>
+            <a:prstGeom prst="rect">
+              <a:avLst/>
+            </a:prstGeom>
+            <a:noFill/>
+          </p:spPr>
+          <p:txBody>
+            <a:bodyPr wrap="none" rtlCol="0">
+              <a:spAutoFit/>
+            </a:bodyPr>
+            <a:lstStyle/>
+            <a:p>
+              <a:pPr algn="ctr"/>
+              <a:r>
+                <a:rPr kumimoji="1" lang="en-US" altLang="ja-JP" sz="1050" dirty="0" smtClean="0">
+                  <a:solidFill>
+                    <a:srgbClr val="00B050"/>
+                  </a:solidFill>
+                  <a:latin typeface="メイリオ" pitchFamily="50" charset="-128"/>
+                  <a:ea typeface="メイリオ" pitchFamily="50" charset="-128"/>
+                  <a:cs typeface="メイリオ" pitchFamily="50" charset="-128"/>
+                </a:rPr>
+                <a:t>2</a:t>
+              </a:r>
+              <a:endParaRPr kumimoji="1" lang="ja-JP" altLang="en-US" sz="1050" dirty="0">
+                <a:solidFill>
+                  <a:srgbClr val="00B050"/>
+                </a:solidFill>
+                <a:latin typeface="メイリオ" pitchFamily="50" charset="-128"/>
+                <a:ea typeface="メイリオ" pitchFamily="50" charset="-128"/>
+                <a:cs typeface="メイリオ" pitchFamily="50" charset="-128"/>
+              </a:endParaRPr>
+            </a:p>
+          </p:txBody>
+        </p:sp>
+        <p:sp>
+          <p:nvSpPr>
+            <p:cNvPr id="65" name="テキスト ボックス 64"/>
+            <p:cNvSpPr txBox="1"/>
+            <p:nvPr/>
+          </p:nvSpPr>
+          <p:spPr>
+            <a:xfrm>
+              <a:off x="354488" y="2641786"/>
+              <a:ext cx="268022" cy="253916"/>
+            </a:xfrm>
+            <a:prstGeom prst="rect">
+              <a:avLst/>
+            </a:prstGeom>
+            <a:noFill/>
+          </p:spPr>
+          <p:txBody>
+            <a:bodyPr wrap="none" rtlCol="0">
+              <a:spAutoFit/>
+            </a:bodyPr>
+            <a:lstStyle/>
+            <a:p>
+              <a:pPr algn="ctr"/>
+              <a:r>
+                <a:rPr kumimoji="1" lang="en-US" altLang="ja-JP" sz="1050" dirty="0" smtClean="0">
+                  <a:solidFill>
+                    <a:srgbClr val="FF0000"/>
+                  </a:solidFill>
+                  <a:latin typeface="メイリオ" pitchFamily="50" charset="-128"/>
+                  <a:ea typeface="メイリオ" pitchFamily="50" charset="-128"/>
+                  <a:cs typeface="メイリオ" pitchFamily="50" charset="-128"/>
+                </a:rPr>
+                <a:t>3</a:t>
+              </a:r>
+              <a:endParaRPr kumimoji="1" lang="ja-JP" altLang="en-US" sz="1050" dirty="0">
+                <a:solidFill>
+                  <a:srgbClr val="FF0000"/>
+                </a:solidFill>
+                <a:latin typeface="メイリオ" pitchFamily="50" charset="-128"/>
+                <a:ea typeface="メイリオ" pitchFamily="50" charset="-128"/>
+                <a:cs typeface="メイリオ" pitchFamily="50" charset="-128"/>
+              </a:endParaRPr>
+            </a:p>
+          </p:txBody>
+        </p:sp>
+        <p:sp>
+          <p:nvSpPr>
+            <p:cNvPr id="66" name="テキスト ボックス 65"/>
+            <p:cNvSpPr txBox="1"/>
+            <p:nvPr/>
+          </p:nvSpPr>
+          <p:spPr>
+            <a:xfrm>
+              <a:off x="1266546" y="1815150"/>
+              <a:ext cx="272831" cy="261610"/>
+            </a:xfrm>
+            <a:prstGeom prst="rect">
+              <a:avLst/>
+            </a:prstGeom>
+            <a:noFill/>
+          </p:spPr>
+          <p:txBody>
+            <a:bodyPr wrap="none" rtlCol="0">
+              <a:spAutoFit/>
+            </a:bodyPr>
+            <a:lstStyle/>
+            <a:p>
+              <a:pPr algn="ctr"/>
+              <a:r>
+                <a:rPr kumimoji="1" lang="en-US" altLang="ja-JP" sz="1050" dirty="0" smtClean="0">
+                  <a:solidFill>
+                    <a:srgbClr val="FF33CC"/>
+                  </a:solidFill>
+                  <a:latin typeface="メイリオ" pitchFamily="50" charset="-128"/>
+                  <a:ea typeface="メイリオ" pitchFamily="50" charset="-128"/>
+                  <a:cs typeface="メイリオ" pitchFamily="50" charset="-128"/>
+                </a:rPr>
+                <a:t>4</a:t>
+              </a:r>
+              <a:endParaRPr kumimoji="1" lang="ja-JP" altLang="en-US" sz="1050" dirty="0">
+                <a:solidFill>
+                  <a:srgbClr val="FF33CC"/>
+                </a:solidFill>
+                <a:latin typeface="メイリオ" pitchFamily="50" charset="-128"/>
+                <a:ea typeface="メイリオ" pitchFamily="50" charset="-128"/>
+                <a:cs typeface="メイリオ" pitchFamily="50" charset="-128"/>
+              </a:endParaRPr>
+            </a:p>
+          </p:txBody>
+        </p:sp>
+        <p:sp>
+          <p:nvSpPr>
+            <p:cNvPr id="67" name="テキスト ボックス 66"/>
+            <p:cNvSpPr txBox="1"/>
+            <p:nvPr/>
+          </p:nvSpPr>
+          <p:spPr>
+            <a:xfrm>
+              <a:off x="1270826" y="2332241"/>
+              <a:ext cx="272831" cy="261610"/>
+            </a:xfrm>
+            <a:prstGeom prst="rect">
+              <a:avLst/>
+            </a:prstGeom>
+            <a:noFill/>
+          </p:spPr>
+          <p:txBody>
+            <a:bodyPr wrap="none" rtlCol="0">
+              <a:spAutoFit/>
+            </a:bodyPr>
+            <a:lstStyle/>
+            <a:p>
+              <a:pPr algn="ctr"/>
+              <a:r>
+                <a:rPr kumimoji="1" lang="en-US" altLang="ja-JP" sz="1050" dirty="0" smtClean="0">
+                  <a:solidFill>
+                    <a:srgbClr val="FFC000"/>
+                  </a:solidFill>
+                  <a:latin typeface="メイリオ" pitchFamily="50" charset="-128"/>
+                  <a:ea typeface="メイリオ" pitchFamily="50" charset="-128"/>
+                  <a:cs typeface="メイリオ" pitchFamily="50" charset="-128"/>
+                </a:rPr>
+                <a:t>5</a:t>
+              </a:r>
+              <a:endParaRPr kumimoji="1" lang="ja-JP" altLang="en-US" sz="1050" dirty="0">
+                <a:solidFill>
+                  <a:srgbClr val="FFC000"/>
+                </a:solidFill>
+                <a:latin typeface="メイリオ" pitchFamily="50" charset="-128"/>
+                <a:ea typeface="メイリオ" pitchFamily="50" charset="-128"/>
+                <a:cs typeface="メイリオ" pitchFamily="50" charset="-128"/>
+              </a:endParaRPr>
+            </a:p>
+          </p:txBody>
+        </p:sp>
+        <p:sp>
+          <p:nvSpPr>
+            <p:cNvPr id="68" name="テキスト ボックス 67"/>
+            <p:cNvSpPr txBox="1"/>
+            <p:nvPr/>
+          </p:nvSpPr>
+          <p:spPr>
+            <a:xfrm>
+              <a:off x="1280612" y="2746276"/>
+              <a:ext cx="272832" cy="261610"/>
+            </a:xfrm>
+            <a:prstGeom prst="rect">
+              <a:avLst/>
+            </a:prstGeom>
+            <a:noFill/>
+          </p:spPr>
+          <p:txBody>
+            <a:bodyPr wrap="none" rtlCol="0">
+              <a:spAutoFit/>
+            </a:bodyPr>
+            <a:lstStyle/>
+            <a:p>
+              <a:r>
+                <a:rPr kumimoji="1" lang="en-US" altLang="ja-JP" sz="1050" dirty="0" smtClean="0">
+                  <a:solidFill>
+                    <a:srgbClr val="92D050"/>
+                  </a:solidFill>
+                  <a:latin typeface="メイリオ" pitchFamily="50" charset="-128"/>
+                  <a:ea typeface="メイリオ" pitchFamily="50" charset="-128"/>
+                  <a:cs typeface="メイリオ" pitchFamily="50" charset="-128"/>
+                </a:rPr>
+                <a:t>6</a:t>
+              </a:r>
+              <a:endParaRPr kumimoji="1" lang="ja-JP" altLang="en-US" sz="1050" dirty="0">
+                <a:solidFill>
+                  <a:srgbClr val="92D050"/>
+                </a:solidFill>
+                <a:latin typeface="メイリオ" pitchFamily="50" charset="-128"/>
+                <a:ea typeface="メイリオ" pitchFamily="50" charset="-128"/>
+                <a:cs typeface="メイリオ" pitchFamily="50" charset="-128"/>
+              </a:endParaRPr>
+            </a:p>
+          </p:txBody>
+        </p:sp>
+        <p:sp>
+          <p:nvSpPr>
+            <p:cNvPr id="69" name="テキスト ボックス 68"/>
+            <p:cNvSpPr txBox="1"/>
+            <p:nvPr/>
+          </p:nvSpPr>
+          <p:spPr>
+            <a:xfrm>
+              <a:off x="2094243" y="1805357"/>
+              <a:ext cx="272831" cy="261610"/>
+            </a:xfrm>
+            <a:prstGeom prst="rect">
+              <a:avLst/>
+            </a:prstGeom>
+            <a:noFill/>
+          </p:spPr>
+          <p:txBody>
+            <a:bodyPr wrap="none" rtlCol="0">
+              <a:spAutoFit/>
+            </a:bodyPr>
+            <a:lstStyle/>
+            <a:p>
+              <a:pPr algn="ctr"/>
+              <a:r>
+                <a:rPr lang="en-US" altLang="ja-JP" sz="1050" dirty="0">
+                  <a:solidFill>
+                    <a:srgbClr val="7030A0"/>
+                  </a:solidFill>
+                  <a:latin typeface="メイリオ" pitchFamily="50" charset="-128"/>
+                  <a:ea typeface="メイリオ" pitchFamily="50" charset="-128"/>
+                  <a:cs typeface="メイリオ" pitchFamily="50" charset="-128"/>
+                </a:rPr>
+                <a:t>7</a:t>
+              </a:r>
+              <a:endParaRPr kumimoji="1" lang="ja-JP" altLang="en-US" sz="1050" dirty="0">
+                <a:solidFill>
+                  <a:srgbClr val="7030A0"/>
+                </a:solidFill>
+                <a:latin typeface="メイリオ" pitchFamily="50" charset="-128"/>
+                <a:ea typeface="メイリオ" pitchFamily="50" charset="-128"/>
+                <a:cs typeface="メイリオ" pitchFamily="50" charset="-128"/>
+              </a:endParaRPr>
+            </a:p>
+          </p:txBody>
+        </p:sp>
+        <p:sp>
+          <p:nvSpPr>
+            <p:cNvPr id="70" name="テキスト ボックス 69"/>
+            <p:cNvSpPr txBox="1"/>
+            <p:nvPr/>
+          </p:nvSpPr>
+          <p:spPr>
+            <a:xfrm>
+              <a:off x="2095521" y="2189157"/>
+              <a:ext cx="272831" cy="261610"/>
+            </a:xfrm>
+            <a:prstGeom prst="rect">
+              <a:avLst/>
+            </a:prstGeom>
+            <a:noFill/>
+          </p:spPr>
+          <p:txBody>
+            <a:bodyPr wrap="none" rtlCol="0">
+              <a:spAutoFit/>
+            </a:bodyPr>
+            <a:lstStyle/>
+            <a:p>
+              <a:pPr algn="ctr"/>
+              <a:r>
+                <a:rPr lang="en-US" altLang="ja-JP" sz="1050" dirty="0">
+                  <a:solidFill>
+                    <a:schemeClr val="accent6">
+                      <a:lumMod val="75000"/>
+                    </a:schemeClr>
+                  </a:solidFill>
+                  <a:latin typeface="メイリオ" pitchFamily="50" charset="-128"/>
+                  <a:ea typeface="メイリオ" pitchFamily="50" charset="-128"/>
+                  <a:cs typeface="メイリオ" pitchFamily="50" charset="-128"/>
+                </a:rPr>
+                <a:t>8</a:t>
+              </a:r>
+              <a:endParaRPr kumimoji="1" lang="en-US" altLang="ja-JP" sz="1050" dirty="0" smtClean="0">
+                <a:solidFill>
+                  <a:schemeClr val="accent6">
+                    <a:lumMod val="75000"/>
+                  </a:schemeClr>
+                </a:solidFill>
+                <a:latin typeface="メイリオ" pitchFamily="50" charset="-128"/>
+                <a:ea typeface="メイリオ" pitchFamily="50" charset="-128"/>
+                <a:cs typeface="メイリオ" pitchFamily="50" charset="-128"/>
+              </a:endParaRPr>
+            </a:p>
+          </p:txBody>
+        </p:sp>
+        <p:sp>
+          <p:nvSpPr>
+            <p:cNvPr id="71" name="テキスト ボックス 70"/>
+            <p:cNvSpPr txBox="1"/>
+            <p:nvPr/>
+          </p:nvSpPr>
+          <p:spPr>
+            <a:xfrm>
+              <a:off x="2094243" y="2693070"/>
+              <a:ext cx="272831" cy="261610"/>
+            </a:xfrm>
+            <a:prstGeom prst="rect">
+              <a:avLst/>
+            </a:prstGeom>
+            <a:noFill/>
+          </p:spPr>
+          <p:txBody>
+            <a:bodyPr wrap="none" rtlCol="0">
+              <a:spAutoFit/>
+            </a:bodyPr>
+            <a:lstStyle/>
+            <a:p>
+              <a:pPr algn="ctr"/>
+              <a:r>
+                <a:rPr lang="en-US" altLang="ja-JP" sz="1050" dirty="0">
+                  <a:latin typeface="メイリオ" pitchFamily="50" charset="-128"/>
+                  <a:ea typeface="メイリオ" pitchFamily="50" charset="-128"/>
+                  <a:cs typeface="メイリオ" pitchFamily="50" charset="-128"/>
+                </a:rPr>
+                <a:t>9</a:t>
+              </a:r>
+              <a:endParaRPr kumimoji="1" lang="ja-JP" altLang="en-US" sz="1050" dirty="0">
+                <a:latin typeface="メイリオ" pitchFamily="50" charset="-128"/>
+                <a:ea typeface="メイリオ" pitchFamily="50" charset="-128"/>
+                <a:cs typeface="メイリオ" pitchFamily="50" charset="-128"/>
+              </a:endParaRPr>
+            </a:p>
+          </p:txBody>
+        </p:sp>
+      </p:grpSp>
+      <p:sp>
+        <p:nvSpPr>
           <p:cNvPr id="19" name="正方形/長方形 18"/>
           <p:cNvSpPr/>
           <p:nvPr/>
@@ -3905,7 +4435,7 @@
           <p:nvPr/>
         </p:nvPicPr>
         <p:blipFill>
-          <a:blip r:embed="rId3">
+          <a:blip r:embed="rId4">
             <a:extLst>
               <a:ext uri="{28A0092B-C50C-407E-A947-70E740481C1C}">
                 <a14:useLocalDpi xmlns:a14="http://schemas.microsoft.com/office/drawing/2010/main" val="0"/>
@@ -4005,49 +4535,6 @@
       </p:sp>
       <p:sp>
         <p:nvSpPr>
-          <p:cNvPr id="5" name="正方形/長方形 4"/>
-          <p:cNvSpPr/>
-          <p:nvPr/>
-        </p:nvSpPr>
-        <p:spPr>
-          <a:xfrm>
-            <a:off x="280120" y="875592"/>
-            <a:ext cx="7128792" cy="3960440"/>
-          </a:xfrm>
-          <a:prstGeom prst="rect">
-            <a:avLst/>
-          </a:prstGeom>
-          <a:ln>
-            <a:solidFill>
-              <a:schemeClr val="tx1"/>
-            </a:solidFill>
-          </a:ln>
-        </p:spPr>
-        <p:style>
-          <a:lnRef idx="2">
-            <a:schemeClr val="accent6"/>
-          </a:lnRef>
-          <a:fillRef idx="1">
-            <a:schemeClr val="lt1"/>
-          </a:fillRef>
-          <a:effectRef idx="0">
-            <a:schemeClr val="accent6"/>
-          </a:effectRef>
-          <a:fontRef idx="minor">
-            <a:schemeClr val="dk1"/>
-          </a:fontRef>
-        </p:style>
-        <p:txBody>
-          <a:bodyPr rtlCol="0" anchor="ctr"/>
-          <a:lstStyle/>
-          <a:p>
-            <a:pPr algn="ctr"/>
-            <a:endParaRPr kumimoji="1" lang="ja-JP" altLang="en-US" dirty="0"/>
-          </a:p>
-        </p:txBody>
-      </p:sp>
-      <p:sp>
-        <p:nvSpPr>
           <p:cNvPr id="4" name="正方形/長方形 3"/>
           <p:cNvSpPr/>
           <p:nvPr/>
@@ -4293,7 +4780,7 @@
           <p:nvPr/>
         </p:nvPicPr>
         <p:blipFill>
-          <a:blip r:embed="rId4" cstate="print">
+          <a:blip r:embed="rId5" cstate="print">
             <a:extLst>
               <a:ext uri="{28A0092B-C50C-407E-A947-70E740481C1C}">
                 <a14:useLocalDpi xmlns:a14="http://schemas.microsoft.com/office/drawing/2010/main" val="0"/>
@@ -4377,7 +4864,7 @@
           <p:nvPr/>
         </p:nvPicPr>
         <p:blipFill>
-          <a:blip r:embed="rId5" cstate="print">
+          <a:blip r:embed="rId6" cstate="print">
             <a:extLst>
               <a:ext uri="{28A0092B-C50C-407E-A947-70E740481C1C}">
                 <a14:useLocalDpi xmlns:a14="http://schemas.microsoft.com/office/drawing/2010/main" val="0"/>
@@ -4407,7 +4894,7 @@
           <p:nvPr/>
         </p:nvPicPr>
         <p:blipFill>
-          <a:blip r:embed="rId6" cstate="print">
+          <a:blip r:embed="rId7" cstate="print">
             <a:extLst>
               <a:ext uri="{28A0092B-C50C-407E-A947-70E740481C1C}">
                 <a14:useLocalDpi xmlns:a14="http://schemas.microsoft.com/office/drawing/2010/main" val="0"/>
@@ -4436,8 +4923,8 @@
         </p:nvSpPr>
         <p:spPr>
           <a:xfrm>
-            <a:off x="4155852" y="940470"/>
-            <a:ext cx="3194124" cy="1195834"/>
+            <a:off x="361609" y="1272208"/>
+            <a:ext cx="4094975" cy="1263586"/>
           </a:xfrm>
           <a:prstGeom prst="roundRect">
             <a:avLst/>
@@ -4458,12 +4945,12 @@
           </a:fontRef>
         </p:style>
         <p:txBody>
-          <a:bodyPr rtlCol="0" anchor="ctr"/>
+          <a:bodyPr lIns="0" rIns="0" rtlCol="0" anchor="ctr"/>
           <a:lstStyle/>
           <a:p>
             <a:pPr algn="ctr"/>
             <a:r>
-              <a:rPr lang="en-US" altLang="ja-JP" sz="1200" smtClean="0">
+              <a:rPr lang="en-US" altLang="ja-JP" sz="1200" dirty="0" smtClean="0">
                 <a:ln w="3175">
                   <a:solidFill>
                     <a:srgbClr val="FF0000"/>
@@ -4487,7 +4974,7 @@
               <a:t>-</a:t>
             </a:r>
             <a:r>
-              <a:rPr lang="ja-JP" altLang="en-US" sz="1200">
+              <a:rPr lang="ja-JP" altLang="en-US" sz="1200" dirty="0">
                 <a:ln w="3175">
                   <a:solidFill>
                     <a:srgbClr val="FF0000"/>
@@ -4511,7 +4998,7 @@
               <a:t>危険</a:t>
             </a:r>
             <a:r>
-              <a:rPr lang="ja-JP" altLang="en-US" sz="1200" smtClean="0">
+              <a:rPr lang="ja-JP" altLang="en-US" sz="1200" dirty="0" smtClean="0">
                 <a:ln w="3175">
                   <a:solidFill>
                     <a:srgbClr val="FF0000"/>
@@ -4535,7 +5022,7 @@
               <a:t>ポイント</a:t>
             </a:r>
             <a:r>
-              <a:rPr lang="en-US" altLang="ja-JP" sz="1200" smtClean="0">
+              <a:rPr lang="en-US" altLang="ja-JP" sz="1200" dirty="0" smtClean="0">
                 <a:ln w="3175">
                   <a:solidFill>
                     <a:srgbClr val="FF0000"/>
@@ -4558,7 +5045,7 @@
               </a:rPr>
               <a:t>-</a:t>
             </a:r>
-            <a:endParaRPr lang="en-US" altLang="ja-JP" sz="1200">
+            <a:endParaRPr lang="en-US" altLang="ja-JP" sz="1200" dirty="0">
               <a:ln w="3175">
                 <a:solidFill>
                   <a:srgbClr val="FF0000"/>
@@ -4586,22 +5073,30 @@
               <a:buAutoNum type="arabicPeriod"/>
             </a:pPr>
             <a:r>
-              <a:rPr lang="ja-JP" altLang="en-US" sz="1050" u="sng" smtClean="0">
-                <a:latin typeface="メイリオ" pitchFamily="50" charset="-128"/>
-                <a:ea typeface="メイリオ" pitchFamily="50" charset="-128"/>
-                <a:cs typeface="メイリオ" pitchFamily="50" charset="-128"/>
-              </a:rPr>
-              <a:t>段差通過</a:t>
-            </a:r>
-            <a:r>
-              <a:rPr lang="ja-JP" altLang="en-US" sz="1050" smtClean="0">
-                <a:latin typeface="メイリオ" pitchFamily="50" charset="-128"/>
-                <a:ea typeface="メイリオ" pitchFamily="50" charset="-128"/>
-                <a:cs typeface="メイリオ" pitchFamily="50" charset="-128"/>
-              </a:rPr>
-              <a:t>失敗</a:t>
-            </a:r>
-            <a:endParaRPr lang="ja-JP" altLang="en-US" sz="1050">
+              <a:rPr lang="ja-JP" altLang="en-US" sz="1050" dirty="0" smtClean="0">
+                <a:latin typeface="メイリオ" pitchFamily="50" charset="-128"/>
+                <a:ea typeface="メイリオ" pitchFamily="50" charset="-128"/>
+                <a:cs typeface="メイリオ" pitchFamily="50" charset="-128"/>
+              </a:rPr>
+              <a:t>段差衝突時に車体が不安定</a:t>
+            </a:r>
+            <a:r>
+              <a:rPr lang="en-US" altLang="ja-JP" sz="1050" dirty="0" smtClean="0">
+                <a:latin typeface="メイリオ" pitchFamily="50" charset="-128"/>
+                <a:ea typeface="メイリオ" pitchFamily="50" charset="-128"/>
+                <a:cs typeface="メイリオ" pitchFamily="50" charset="-128"/>
+              </a:rPr>
+              <a:t>:</a:t>
+            </a:r>
+            <a:r>
+              <a:rPr lang="ja-JP" altLang="en-US" sz="1050" dirty="0" smtClean="0">
+                <a:latin typeface="メイリオ" pitchFamily="50" charset="-128"/>
+                <a:ea typeface="メイリオ" pitchFamily="50" charset="-128"/>
+                <a:cs typeface="メイリオ" pitchFamily="50" charset="-128"/>
+              </a:rPr>
+              <a:t>転倒</a:t>
+            </a:r>
+            <a:endParaRPr lang="en-US" altLang="ja-JP" sz="1050" dirty="0" smtClean="0">
               <a:latin typeface="メイリオ" pitchFamily="50" charset="-128"/>
               <a:ea typeface="メイリオ" pitchFamily="50" charset="-128"/>
               <a:cs typeface="メイリオ" pitchFamily="50" charset="-128"/>
@@ -4613,22 +5108,30 @@
               <a:buAutoNum type="arabicPeriod"/>
             </a:pPr>
             <a:r>
-              <a:rPr lang="ja-JP" altLang="en-US" sz="1050" u="sng" smtClean="0">
-                <a:latin typeface="メイリオ" pitchFamily="50" charset="-128"/>
-                <a:ea typeface="メイリオ" pitchFamily="50" charset="-128"/>
-                <a:cs typeface="メイリオ" pitchFamily="50" charset="-128"/>
-              </a:rPr>
-              <a:t>段上でライントレース</a:t>
-            </a:r>
-            <a:r>
-              <a:rPr lang="ja-JP" altLang="en-US" sz="1050" smtClean="0">
-                <a:latin typeface="メイリオ" pitchFamily="50" charset="-128"/>
-                <a:ea typeface="メイリオ" pitchFamily="50" charset="-128"/>
-                <a:cs typeface="メイリオ" pitchFamily="50" charset="-128"/>
-              </a:rPr>
-              <a:t>失敗</a:t>
-            </a:r>
-            <a:endParaRPr lang="ja-JP" altLang="en-US" sz="1050">
+              <a:rPr lang="ja-JP" altLang="en-US" sz="1050" dirty="0" smtClean="0">
+                <a:latin typeface="メイリオ" pitchFamily="50" charset="-128"/>
+                <a:ea typeface="メイリオ" pitchFamily="50" charset="-128"/>
+                <a:cs typeface="メイリオ" pitchFamily="50" charset="-128"/>
+              </a:rPr>
+              <a:t>段差突破後に車体がライン上にいない</a:t>
+            </a:r>
+            <a:r>
+              <a:rPr lang="en-US" altLang="ja-JP" sz="1050" dirty="0" smtClean="0">
+                <a:latin typeface="メイリオ" pitchFamily="50" charset="-128"/>
+                <a:ea typeface="メイリオ" pitchFamily="50" charset="-128"/>
+                <a:cs typeface="メイリオ" pitchFamily="50" charset="-128"/>
+              </a:rPr>
+              <a:t>:</a:t>
+            </a:r>
+            <a:r>
+              <a:rPr lang="ja-JP" altLang="en-US" sz="1050" dirty="0" smtClean="0">
+                <a:latin typeface="メイリオ" pitchFamily="50" charset="-128"/>
+                <a:ea typeface="メイリオ" pitchFamily="50" charset="-128"/>
+                <a:cs typeface="メイリオ" pitchFamily="50" charset="-128"/>
+              </a:rPr>
+              <a:t>コースアウト</a:t>
+            </a:r>
+            <a:endParaRPr lang="ja-JP" altLang="en-US" sz="1050" dirty="0">
               <a:latin typeface="メイリオ" pitchFamily="50" charset="-128"/>
               <a:ea typeface="メイリオ" pitchFamily="50" charset="-128"/>
               <a:cs typeface="メイリオ" pitchFamily="50" charset="-128"/>
@@ -4640,22 +5143,30 @@
               <a:buAutoNum type="arabicPeriod"/>
             </a:pPr>
             <a:r>
-              <a:rPr lang="ja-JP" altLang="en-US" sz="1050" u="sng" smtClean="0">
-                <a:latin typeface="メイリオ" pitchFamily="50" charset="-128"/>
-                <a:ea typeface="メイリオ" pitchFamily="50" charset="-128"/>
-                <a:cs typeface="メイリオ" pitchFamily="50" charset="-128"/>
-              </a:rPr>
-              <a:t>直角カーブ検知</a:t>
-            </a:r>
-            <a:r>
-              <a:rPr lang="ja-JP" altLang="en-US" sz="1050" smtClean="0">
-                <a:latin typeface="メイリオ" pitchFamily="50" charset="-128"/>
-                <a:ea typeface="メイリオ" pitchFamily="50" charset="-128"/>
-                <a:cs typeface="メイリオ" pitchFamily="50" charset="-128"/>
-              </a:rPr>
-              <a:t>失敗でコースアウト</a:t>
-            </a:r>
-            <a:endParaRPr lang="en-US" altLang="ja-JP" sz="1050" smtClean="0">
+              <a:rPr lang="ja-JP" altLang="en-US" sz="1050" dirty="0" smtClean="0">
+                <a:latin typeface="メイリオ" pitchFamily="50" charset="-128"/>
+                <a:ea typeface="メイリオ" pitchFamily="50" charset="-128"/>
+                <a:cs typeface="メイリオ" pitchFamily="50" charset="-128"/>
+              </a:rPr>
+              <a:t>階段上とコースの輝度値の違いに対応できない</a:t>
+            </a:r>
+            <a:r>
+              <a:rPr lang="en-US" altLang="ja-JP" sz="1050" dirty="0" smtClean="0">
+                <a:latin typeface="メイリオ" pitchFamily="50" charset="-128"/>
+                <a:ea typeface="メイリオ" pitchFamily="50" charset="-128"/>
+                <a:cs typeface="メイリオ" pitchFamily="50" charset="-128"/>
+              </a:rPr>
+              <a:t>:</a:t>
+            </a:r>
+            <a:r>
+              <a:rPr lang="ja-JP" altLang="en-US" sz="1050" dirty="0" smtClean="0">
+                <a:latin typeface="メイリオ" pitchFamily="50" charset="-128"/>
+                <a:ea typeface="メイリオ" pitchFamily="50" charset="-128"/>
+                <a:cs typeface="メイリオ" pitchFamily="50" charset="-128"/>
+              </a:rPr>
+              <a:t>コースアウト</a:t>
+            </a:r>
+            <a:endParaRPr lang="ja-JP" altLang="en-US" sz="1050" dirty="0">
               <a:latin typeface="メイリオ" pitchFamily="50" charset="-128"/>
               <a:ea typeface="メイリオ" pitchFamily="50" charset="-128"/>
               <a:cs typeface="メイリオ" pitchFamily="50" charset="-128"/>
@@ -4667,30 +5178,30 @@
               <a:buAutoNum type="arabicPeriod"/>
             </a:pPr>
             <a:r>
-              <a:rPr lang="ja-JP" altLang="en-US" sz="1050" u="sng">
-                <a:latin typeface="メイリオ" pitchFamily="50" charset="-128"/>
-                <a:ea typeface="メイリオ" pitchFamily="50" charset="-128"/>
-                <a:cs typeface="メイリオ" pitchFamily="50" charset="-128"/>
-              </a:rPr>
-              <a:t>直角</a:t>
-            </a:r>
-            <a:r>
-              <a:rPr lang="ja-JP" altLang="en-US" sz="1050" u="sng" smtClean="0">
-                <a:latin typeface="メイリオ" pitchFamily="50" charset="-128"/>
-                <a:ea typeface="メイリオ" pitchFamily="50" charset="-128"/>
-                <a:cs typeface="メイリオ" pitchFamily="50" charset="-128"/>
-              </a:rPr>
-              <a:t>カーブ旋回</a:t>
-            </a:r>
-            <a:r>
-              <a:rPr lang="ja-JP" altLang="en-US" sz="1050" smtClean="0">
-                <a:latin typeface="メイリオ" pitchFamily="50" charset="-128"/>
-                <a:ea typeface="メイリオ" pitchFamily="50" charset="-128"/>
-                <a:cs typeface="メイリオ" pitchFamily="50" charset="-128"/>
-              </a:rPr>
-              <a:t>失敗でコースアウト</a:t>
-            </a:r>
-            <a:endParaRPr lang="en-US" altLang="ja-JP" sz="1050" smtClean="0">
+              <a:rPr lang="ja-JP" altLang="en-US" sz="1050" dirty="0" smtClean="0">
+                <a:latin typeface="メイリオ" pitchFamily="50" charset="-128"/>
+                <a:ea typeface="メイリオ" pitchFamily="50" charset="-128"/>
+                <a:cs typeface="メイリオ" pitchFamily="50" charset="-128"/>
+              </a:rPr>
+              <a:t>直角部分を曲がり切れない</a:t>
+            </a:r>
+            <a:r>
+              <a:rPr lang="en-US" altLang="ja-JP" sz="1050" dirty="0" smtClean="0">
+                <a:latin typeface="メイリオ" pitchFamily="50" charset="-128"/>
+                <a:ea typeface="メイリオ" pitchFamily="50" charset="-128"/>
+                <a:cs typeface="メイリオ" pitchFamily="50" charset="-128"/>
+              </a:rPr>
+              <a:t>:</a:t>
+            </a:r>
+            <a:r>
+              <a:rPr lang="ja-JP" altLang="en-US" sz="1050" dirty="0" smtClean="0">
+                <a:latin typeface="メイリオ" pitchFamily="50" charset="-128"/>
+                <a:ea typeface="メイリオ" pitchFamily="50" charset="-128"/>
+                <a:cs typeface="メイリオ" pitchFamily="50" charset="-128"/>
+              </a:rPr>
+              <a:t>コースアウト</a:t>
+            </a:r>
+            <a:endParaRPr lang="en-US" altLang="ja-JP" sz="1050" dirty="0" smtClean="0">
               <a:latin typeface="メイリオ" pitchFamily="50" charset="-128"/>
               <a:ea typeface="メイリオ" pitchFamily="50" charset="-128"/>
               <a:cs typeface="メイリオ" pitchFamily="50" charset="-128"/>
@@ -4702,27 +5213,70 @@
               <a:buAutoNum type="arabicPeriod"/>
             </a:pPr>
             <a:r>
-              <a:rPr lang="ja-JP" altLang="en-US" sz="1050" u="sng" smtClean="0">
-                <a:latin typeface="メイリオ" pitchFamily="50" charset="-128"/>
-                <a:ea typeface="メイリオ" pitchFamily="50" charset="-128"/>
-                <a:cs typeface="メイリオ" pitchFamily="50" charset="-128"/>
-              </a:rPr>
-              <a:t>段差からの落下</a:t>
-            </a:r>
-            <a:r>
-              <a:rPr lang="ja-JP" altLang="en-US" sz="1050" smtClean="0">
-                <a:latin typeface="メイリオ" pitchFamily="50" charset="-128"/>
-                <a:ea typeface="メイリオ" pitchFamily="50" charset="-128"/>
-                <a:cs typeface="メイリオ" pitchFamily="50" charset="-128"/>
-              </a:rPr>
-              <a:t>失敗</a:t>
-            </a:r>
-            <a:endParaRPr lang="ja-JP" altLang="en-US" sz="1050">
+              <a:rPr lang="ja-JP" altLang="en-US" sz="1050" dirty="0" smtClean="0">
+                <a:latin typeface="メイリオ" pitchFamily="50" charset="-128"/>
+                <a:ea typeface="メイリオ" pitchFamily="50" charset="-128"/>
+                <a:cs typeface="メイリオ" pitchFamily="50" charset="-128"/>
+              </a:rPr>
+              <a:t>段差落下時に車体が不安定</a:t>
+            </a:r>
+            <a:r>
+              <a:rPr lang="en-US" altLang="ja-JP" sz="1050" dirty="0" smtClean="0">
+                <a:latin typeface="メイリオ" pitchFamily="50" charset="-128"/>
+                <a:ea typeface="メイリオ" pitchFamily="50" charset="-128"/>
+                <a:cs typeface="メイリオ" pitchFamily="50" charset="-128"/>
+              </a:rPr>
+              <a:t>:</a:t>
+            </a:r>
+            <a:r>
+              <a:rPr lang="ja-JP" altLang="en-US" sz="1050" dirty="0" smtClean="0">
+                <a:latin typeface="メイリオ" pitchFamily="50" charset="-128"/>
+                <a:ea typeface="メイリオ" pitchFamily="50" charset="-128"/>
+                <a:cs typeface="メイリオ" pitchFamily="50" charset="-128"/>
+              </a:rPr>
+              <a:t>転倒</a:t>
+            </a:r>
+            <a:endParaRPr lang="en-US" altLang="ja-JP" sz="1050" dirty="0" smtClean="0">
               <a:latin typeface="メイリオ" pitchFamily="50" charset="-128"/>
               <a:ea typeface="メイリオ" pitchFamily="50" charset="-128"/>
               <a:cs typeface="メイリオ" pitchFamily="50" charset="-128"/>
             </a:endParaRPr>
           </a:p>
+          <a:p>
+            <a:pPr marL="228600" indent="-228600" algn="ctr">
+              <a:buFont typeface="+mj-lt"/>
+              <a:buAutoNum type="arabicPeriod"/>
+            </a:pPr>
+            <a:r>
+              <a:rPr lang="ja-JP" altLang="en-US" sz="1050" dirty="0" smtClean="0">
+                <a:latin typeface="メイリオ" pitchFamily="50" charset="-128"/>
+                <a:ea typeface="メイリオ" pitchFamily="50" charset="-128"/>
+                <a:cs typeface="メイリオ" pitchFamily="50" charset="-128"/>
+              </a:rPr>
+              <a:t>段差落下後に車体がライン上にいない</a:t>
+            </a:r>
+            <a:r>
+              <a:rPr lang="en-US" altLang="ja-JP" sz="1050" dirty="0" smtClean="0">
+                <a:latin typeface="メイリオ" pitchFamily="50" charset="-128"/>
+                <a:ea typeface="メイリオ" pitchFamily="50" charset="-128"/>
+                <a:cs typeface="メイリオ" pitchFamily="50" charset="-128"/>
+              </a:rPr>
+              <a:t>:</a:t>
+            </a:r>
+            <a:r>
+              <a:rPr lang="ja-JP" altLang="en-US" sz="1050" dirty="0" smtClean="0">
+                <a:latin typeface="メイリオ" pitchFamily="50" charset="-128"/>
+                <a:ea typeface="メイリオ" pitchFamily="50" charset="-128"/>
+                <a:cs typeface="メイリオ" pitchFamily="50" charset="-128"/>
+              </a:rPr>
+              <a:t>コースアウト</a:t>
+            </a:r>
+            <a:endParaRPr lang="en-US" altLang="ja-JP" sz="1050" dirty="0" smtClean="0">
+              <a:latin typeface="メイリオ" pitchFamily="50" charset="-128"/>
+              <a:ea typeface="メイリオ" pitchFamily="50" charset="-128"/>
+              <a:cs typeface="メイリオ" pitchFamily="50" charset="-128"/>
+            </a:endParaRPr>
+          </a:p>
         </p:txBody>
       </p:sp>
       <p:sp>
@@ -4733,8 +5287,8 @@
         </p:nvSpPr>
         <p:spPr>
           <a:xfrm>
-            <a:off x="4168552" y="2204055"/>
-            <a:ext cx="3168352" cy="1453049"/>
+            <a:off x="4456584" y="1200200"/>
+            <a:ext cx="2952328" cy="1453049"/>
           </a:xfrm>
           <a:prstGeom prst="roundRect">
             <a:avLst/>
@@ -4760,7 +5314,7 @@
           <a:p>
             <a:pPr algn="ctr"/>
             <a:r>
-              <a:rPr lang="en-US" altLang="ja-JP" sz="1200" smtClean="0">
+              <a:rPr lang="en-US" altLang="ja-JP" sz="1200" dirty="0" smtClean="0">
                 <a:ln w="3175">
                   <a:solidFill>
                     <a:srgbClr val="0070C0"/>
@@ -4784,7 +5338,7 @@
               <a:t>-</a:t>
             </a:r>
             <a:r>
-              <a:rPr lang="ja-JP" altLang="en-US" sz="1200" smtClean="0">
+              <a:rPr lang="ja-JP" altLang="en-US" sz="1200" dirty="0" smtClean="0">
                 <a:ln w="3175">
                   <a:solidFill>
                     <a:srgbClr val="0070C0"/>
@@ -4805,10 +5359,10 @@
                 <a:ea typeface="メイリオ" pitchFamily="50" charset="-128"/>
                 <a:cs typeface="メイリオ" pitchFamily="50" charset="-128"/>
               </a:rPr>
-              <a:t>難関クリア</a:t>
-            </a:r>
-            <a:r>
-              <a:rPr lang="en-US" altLang="ja-JP" sz="1200" smtClean="0">
+              <a:t>危険回避実現</a:t>
+            </a:r>
+            <a:r>
+              <a:rPr lang="en-US" altLang="ja-JP" sz="1200" dirty="0" smtClean="0">
                 <a:ln w="3175">
                   <a:solidFill>
                     <a:srgbClr val="0070C0"/>
@@ -4831,6 +5385,27 @@
               </a:rPr>
               <a:t>-</a:t>
             </a:r>
+            <a:endParaRPr lang="en-US" altLang="ja-JP" sz="1200" dirty="0" smtClean="0">
+              <a:ln w="3175">
+                <a:solidFill>
+                  <a:srgbClr val="0070C0"/>
+                </a:solidFill>
+                <a:prstDash val="solid"/>
+              </a:ln>
+              <a:solidFill>
+                <a:srgbClr val="FFFFFF"/>
+              </a:solidFill>
+              <a:effectLst>
+                <a:outerShdw blurRad="38100" dist="32000" dir="5400000" algn="tl">
+                  <a:srgbClr val="000000">
+                    <a:alpha val="30000"/>
+                  </a:srgbClr>
+                </a:outerShdw>
+              </a:effectLst>
+              <a:latin typeface="メイリオ" pitchFamily="50" charset="-128"/>
+              <a:ea typeface="メイリオ" pitchFamily="50" charset="-128"/>
+              <a:cs typeface="メイリオ" pitchFamily="50" charset="-128"/>
+            </a:endParaRPr>
           </a:p>
           <a:p>
             <a:pPr marL="228600" indent="-228600" algn="ctr">
@@ -4838,14 +5413,14 @@
               <a:buAutoNum type="arabicPeriod"/>
             </a:pPr>
             <a:r>
-              <a:rPr lang="ja-JP" altLang="en-US" sz="1050" smtClean="0">
-                <a:latin typeface="メイリオ" pitchFamily="50" charset="-128"/>
-                <a:ea typeface="メイリオ" pitchFamily="50" charset="-128"/>
-                <a:cs typeface="メイリオ" pitchFamily="50" charset="-128"/>
-              </a:rPr>
-              <a:t>短距離での十分な加速を実現</a:t>
-            </a:r>
-            <a:endParaRPr lang="ja-JP" altLang="en-US" sz="1050">
+              <a:rPr lang="ja-JP" altLang="en-US" sz="1050" dirty="0" smtClean="0">
+                <a:latin typeface="メイリオ" pitchFamily="50" charset="-128"/>
+                <a:ea typeface="メイリオ" pitchFamily="50" charset="-128"/>
+                <a:cs typeface="メイリオ" pitchFamily="50" charset="-128"/>
+              </a:rPr>
+              <a:t>適切な速度で突破し、</a:t>
+            </a:r>
+            <a:endParaRPr lang="ja-JP" altLang="en-US" sz="1050" dirty="0">
               <a:latin typeface="メイリオ" pitchFamily="50" charset="-128"/>
               <a:ea typeface="メイリオ" pitchFamily="50" charset="-128"/>
               <a:cs typeface="メイリオ" pitchFamily="50" charset="-128"/>
@@ -4857,14 +5432,14 @@
               <a:buAutoNum type="arabicPeriod"/>
             </a:pPr>
             <a:r>
-              <a:rPr lang="ja-JP" altLang="en-US" sz="1050" smtClean="0">
+              <a:rPr lang="ja-JP" altLang="en-US" sz="1050" dirty="0" smtClean="0">
                 <a:latin typeface="メイリオ" pitchFamily="50" charset="-128"/>
                 <a:ea typeface="メイリオ" pitchFamily="50" charset="-128"/>
                 <a:cs typeface="メイリオ" pitchFamily="50" charset="-128"/>
               </a:rPr>
               <a:t>段上での目標輝度値を変更</a:t>
             </a:r>
-            <a:endParaRPr lang="ja-JP" altLang="en-US" sz="1050">
+            <a:endParaRPr lang="ja-JP" altLang="en-US" sz="1050" dirty="0">
               <a:latin typeface="メイリオ" pitchFamily="50" charset="-128"/>
               <a:ea typeface="メイリオ" pitchFamily="50" charset="-128"/>
               <a:cs typeface="メイリオ" pitchFamily="50" charset="-128"/>
@@ -4876,14 +5451,46 @@
               <a:buAutoNum type="arabicPeriod"/>
             </a:pPr>
             <a:r>
-              <a:rPr lang="ja-JP" altLang="en-US" sz="1050" smtClean="0">
-                <a:latin typeface="メイリオ" pitchFamily="50" charset="-128"/>
-                <a:ea typeface="メイリオ" pitchFamily="50" charset="-128"/>
-                <a:cs typeface="メイリオ" pitchFamily="50" charset="-128"/>
-              </a:rPr>
-              <a:t>走行ログから、直角カーブ時の輝度値の変化の傾向を算出し実装</a:t>
-            </a:r>
-            <a:endParaRPr lang="en-US" altLang="ja-JP" sz="1050" smtClean="0">
+              <a:rPr lang="ja-JP" altLang="en-US" sz="1050" dirty="0" smtClean="0">
+                <a:latin typeface="メイリオ" pitchFamily="50" charset="-128"/>
+                <a:ea typeface="メイリオ" pitchFamily="50" charset="-128"/>
+                <a:cs typeface="メイリオ" pitchFamily="50" charset="-128"/>
+              </a:rPr>
+              <a:t>走行ログから、</a:t>
+            </a:r>
+            <a:r>
+              <a:rPr lang="ja-JP" altLang="en-US" sz="1050" dirty="0" smtClean="0">
+                <a:latin typeface="メイリオ" pitchFamily="50" charset="-128"/>
+                <a:ea typeface="メイリオ" pitchFamily="50" charset="-128"/>
+                <a:cs typeface="メイリオ" pitchFamily="50" charset="-128"/>
+              </a:rPr>
+              <a:t>直角</a:t>
+            </a:r>
+            <a:r>
+              <a:rPr lang="ja-JP" altLang="en-US" sz="1050" dirty="0" smtClean="0">
+                <a:latin typeface="メイリオ" pitchFamily="50" charset="-128"/>
+                <a:ea typeface="メイリオ" pitchFamily="50" charset="-128"/>
+                <a:cs typeface="メイリオ" pitchFamily="50" charset="-128"/>
+              </a:rPr>
+              <a:t>部分走行</a:t>
+            </a:r>
+            <a:r>
+              <a:rPr lang="ja-JP" altLang="en-US" sz="1050" dirty="0" smtClean="0">
+                <a:latin typeface="メイリオ" pitchFamily="50" charset="-128"/>
+                <a:ea typeface="メイリオ" pitchFamily="50" charset="-128"/>
+                <a:cs typeface="メイリオ" pitchFamily="50" charset="-128"/>
+              </a:rPr>
+              <a:t>時</a:t>
+            </a:r>
+            <a:r>
+              <a:rPr lang="ja-JP" altLang="en-US" sz="1050" dirty="0" smtClean="0">
+                <a:latin typeface="メイリオ" pitchFamily="50" charset="-128"/>
+                <a:ea typeface="メイリオ" pitchFamily="50" charset="-128"/>
+                <a:cs typeface="メイリオ" pitchFamily="50" charset="-128"/>
+              </a:rPr>
+              <a:t>の輝度値の変化の傾向を算出し実装</a:t>
+            </a:r>
+            <a:endParaRPr lang="en-US" altLang="ja-JP" sz="1050" dirty="0" smtClean="0">
               <a:latin typeface="メイリオ" pitchFamily="50" charset="-128"/>
               <a:ea typeface="メイリオ" pitchFamily="50" charset="-128"/>
               <a:cs typeface="メイリオ" pitchFamily="50" charset="-128"/>
@@ -4895,14 +5502,14 @@
               <a:buAutoNum type="arabicPeriod"/>
             </a:pPr>
             <a:r>
-              <a:rPr lang="ja-JP" altLang="en-US" sz="1050" smtClean="0">
+              <a:rPr lang="ja-JP" altLang="en-US" sz="1050" dirty="0" smtClean="0">
                 <a:latin typeface="メイリオ" pitchFamily="50" charset="-128"/>
                 <a:ea typeface="メイリオ" pitchFamily="50" charset="-128"/>
                 <a:cs typeface="メイリオ" pitchFamily="50" charset="-128"/>
               </a:rPr>
               <a:t>検出後、その場で回転することで安定した旋回を実現</a:t>
             </a:r>
-            <a:endParaRPr lang="en-US" altLang="ja-JP" sz="1050" smtClean="0">
+            <a:endParaRPr lang="en-US" altLang="ja-JP" sz="1050" dirty="0" smtClean="0">
               <a:latin typeface="メイリオ" pitchFamily="50" charset="-128"/>
               <a:ea typeface="メイリオ" pitchFamily="50" charset="-128"/>
               <a:cs typeface="メイリオ" pitchFamily="50" charset="-128"/>
@@ -4914,14 +5521,14 @@
               <a:buAutoNum type="arabicPeriod"/>
             </a:pPr>
             <a:r>
-              <a:rPr lang="ja-JP" altLang="en-US" sz="1050" smtClean="0">
+              <a:rPr lang="ja-JP" altLang="en-US" sz="1050" dirty="0" smtClean="0">
                 <a:latin typeface="メイリオ" pitchFamily="50" charset="-128"/>
                 <a:ea typeface="メイリオ" pitchFamily="50" charset="-128"/>
                 <a:cs typeface="メイリオ" pitchFamily="50" charset="-128"/>
               </a:rPr>
               <a:t>低速落下及び落下後のライン復帰でクリア</a:t>
             </a:r>
-            <a:endParaRPr lang="en-US" altLang="ja-JP" sz="1050" smtClean="0">
+            <a:endParaRPr lang="en-US" altLang="ja-JP" sz="1050" dirty="0" smtClean="0">
               <a:latin typeface="メイリオ" pitchFamily="50" charset="-128"/>
               <a:ea typeface="メイリオ" pitchFamily="50" charset="-128"/>
               <a:cs typeface="メイリオ" pitchFamily="50" charset="-128"/>
@@ -5736,15 +6343,7 @@
                 <a:ea typeface="メイリオ" pitchFamily="50" charset="-128"/>
                 <a:cs typeface="メイリオ" pitchFamily="50" charset="-128"/>
               </a:rPr>
-              <a:t>中</a:t>
-            </a:r>
-            <a:r>
-              <a:rPr lang="ja-JP" altLang="en-US" sz="1050" dirty="0" smtClean="0">
-                <a:latin typeface="メイリオ" pitchFamily="50" charset="-128"/>
-                <a:ea typeface="メイリオ" pitchFamily="50" charset="-128"/>
-                <a:cs typeface="メイリオ" pitchFamily="50" charset="-128"/>
-              </a:rPr>
-              <a:t>、</a:t>
+              <a:t>中、</a:t>
             </a:r>
             <a:r>
               <a:rPr lang="en-US" altLang="ja-JP" sz="1050" dirty="0" smtClean="0">
@@ -6126,7 +6725,7 @@
           <p:nvPr/>
         </p:nvPicPr>
         <p:blipFill>
-          <a:blip r:embed="rId7">
+          <a:blip r:embed="rId8">
             <a:extLst>
               <a:ext uri="{28A0092B-C50C-407E-A947-70E740481C1C}">
                 <a14:useLocalDpi xmlns:a14="http://schemas.microsoft.com/office/drawing/2010/main" val="0"/>
@@ -7272,8 +7871,8 @@
         </p:nvSpPr>
         <p:spPr>
           <a:xfrm>
-            <a:off x="3844516" y="3863876"/>
-            <a:ext cx="3348372" cy="792088"/>
+            <a:off x="4732956" y="4698568"/>
+            <a:ext cx="2376264" cy="544066"/>
           </a:xfrm>
           <a:prstGeom prst="snip1Rect">
             <a:avLst/>
@@ -7298,7 +7897,7 @@
           <a:lstStyle/>
           <a:p>
             <a:r>
-              <a:rPr kumimoji="1" lang="ja-JP" altLang="en-US" sz="1600" u="sng" dirty="0" smtClean="0">
+              <a:rPr kumimoji="1" lang="ja-JP" altLang="en-US" sz="1100" u="sng" dirty="0" smtClean="0">
                 <a:latin typeface="メイリオ" pitchFamily="50" charset="-128"/>
                 <a:ea typeface="メイリオ" pitchFamily="50" charset="-128"/>
                 <a:cs typeface="メイリオ" pitchFamily="50" charset="-128"/>
@@ -7306,7 +7905,7 @@
               <a:t>要素技術</a:t>
             </a:r>
             <a:r>
-              <a:rPr kumimoji="1" lang="en-US" altLang="ja-JP" sz="1600" dirty="0" smtClean="0">
+              <a:rPr kumimoji="1" lang="en-US" altLang="ja-JP" sz="1100" dirty="0" smtClean="0">
                 <a:latin typeface="メイリオ" pitchFamily="50" charset="-128"/>
                 <a:ea typeface="メイリオ" pitchFamily="50" charset="-128"/>
                 <a:cs typeface="メイリオ" pitchFamily="50" charset="-128"/>
@@ -7314,7 +7913,7 @@
               <a:t>(</a:t>
             </a:r>
             <a:r>
-              <a:rPr kumimoji="1" lang="ja-JP" altLang="en-US" sz="1600" dirty="0" smtClean="0">
+              <a:rPr kumimoji="1" lang="ja-JP" altLang="en-US" sz="1100" dirty="0" smtClean="0">
                 <a:latin typeface="メイリオ" pitchFamily="50" charset="-128"/>
                 <a:ea typeface="メイリオ" pitchFamily="50" charset="-128"/>
                 <a:cs typeface="メイリオ" pitchFamily="50" charset="-128"/>
@@ -7322,7 +7921,7 @@
               <a:t>詳細</a:t>
             </a:r>
             <a:r>
-              <a:rPr kumimoji="1" lang="en-US" altLang="ja-JP" sz="1600" dirty="0" smtClean="0">
+              <a:rPr kumimoji="1" lang="en-US" altLang="ja-JP" sz="1100" dirty="0" smtClean="0">
                 <a:latin typeface="メイリオ" pitchFamily="50" charset="-128"/>
                 <a:ea typeface="メイリオ" pitchFamily="50" charset="-128"/>
                 <a:cs typeface="メイリオ" pitchFamily="50" charset="-128"/>
@@ -7332,21 +7931,21 @@
           </a:p>
           <a:p>
             <a:r>
-              <a:rPr lang="ja-JP" altLang="en-US" sz="1400" dirty="0" smtClean="0">
+              <a:rPr lang="ja-JP" altLang="en-US" sz="1050" dirty="0" smtClean="0">
                 <a:latin typeface="メイリオ" pitchFamily="50" charset="-128"/>
                 <a:ea typeface="メイリオ" pitchFamily="50" charset="-128"/>
                 <a:cs typeface="メイリオ" pitchFamily="50" charset="-128"/>
               </a:rPr>
               <a:t>方位計測、路面輝度値変化検出、車体傾き検知、衝撃吸収、ライン復帰</a:t>
             </a:r>
-            <a:endParaRPr kumimoji="1" lang="en-US" altLang="ja-JP" sz="1400" dirty="0" smtClean="0">
+            <a:endParaRPr kumimoji="1" lang="en-US" altLang="ja-JP" sz="1050" dirty="0" smtClean="0">
               <a:latin typeface="メイリオ" pitchFamily="50" charset="-128"/>
               <a:ea typeface="メイリオ" pitchFamily="50" charset="-128"/>
               <a:cs typeface="メイリオ" pitchFamily="50" charset="-128"/>
             </a:endParaRPr>
           </a:p>
           <a:p>
-            <a:endParaRPr kumimoji="1" lang="ja-JP" altLang="en-US" sz="1400" dirty="0">
+            <a:endParaRPr kumimoji="1" lang="ja-JP" altLang="en-US" sz="1050" dirty="0">
               <a:latin typeface="メイリオ" pitchFamily="50" charset="-128"/>
               <a:ea typeface="メイリオ" pitchFamily="50" charset="-128"/>
               <a:cs typeface="メイリオ" pitchFamily="50" charset="-128"/>
@@ -7647,70 +8246,6 @@
           </a:p>
         </p:txBody>
       </p:sp>
-      <p:pic>
-        <p:nvPicPr>
-          <p:cNvPr id="1034" name="Picture 10"/>
-          <p:cNvPicPr>
-            <a:picLocks noChangeAspect="1" noChangeArrowheads="1"/>
-          </p:cNvPicPr>
-          <p:nvPr/>
-        </p:nvPicPr>
-        <p:blipFill>
-          <a:blip r:embed="rId8">
-            <a:extLst>
-              <a:ext uri="{28A0092B-C50C-407E-A947-70E740481C1C}">
-                <a14:useLocalDpi xmlns:a14="http://schemas.microsoft.com/office/drawing/2010/main" val="0"/>
-              </a:ext>
-            </a:extLst>
-          </a:blip>
-          <a:srcRect/>
-          <a:stretch>
-            <a:fillRect/>
-          </a:stretch>
-        </p:blipFill>
-        <p:spPr bwMode="auto">
-          <a:xfrm>
-            <a:off x="612515" y="1228156"/>
-            <a:ext cx="3268005" cy="2645162"/>
-          </a:xfrm>
-          <a:prstGeom prst="rect">
-            <a:avLst/>
-          </a:prstGeom>
-          <a:noFill/>
-          <a:ln>
-            <a:noFill/>
-          </a:ln>
-          <a:effectLst/>
-          <a:extLst>
-            <a:ext uri="{909E8E84-426E-40DD-AFC4-6F175D3DCCD1}">
-              <a14:hiddenFill xmlns:a14="http://schemas.microsoft.com/office/drawing/2010/main">
-                <a:solidFill>
-                  <a:schemeClr val="accent1"/>
-                </a:solidFill>
-              </a14:hiddenFill>
-            </a:ext>
-            <a:ext uri="{91240B29-F687-4F45-9708-019B960494DF}">
-              <a14:hiddenLine xmlns:a14="http://schemas.microsoft.com/office/drawing/2010/main" w="9525">
-                <a:solidFill>
-                  <a:schemeClr val="tx1"/>
-                </a:solidFill>
-                <a:miter lim="800000"/>
-                <a:headEnd/>
-                <a:tailEnd/>
-              </a14:hiddenLine>
-            </a:ext>
-            <a:ext uri="{AF507438-7753-43E0-B8FC-AC1667EBCBE1}">
-              <a14:hiddenEffects xmlns:a14="http://schemas.microsoft.com/office/drawing/2010/main">
-                <a:effectLst>
-                  <a:outerShdw dist="35921" dir="2700000" algn="ctr" rotWithShape="0">
-                    <a:schemeClr val="bg2"/>
-                  </a:outerShdw>
-                </a:effectLst>
-              </a14:hiddenEffects>
-            </a:ext>
-          </a:extLst>
-        </p:spPr>
-      </p:pic>
       <p:sp>
         <p:nvSpPr>
           <p:cNvPr id="11" name="正方形/長方形 10"/>
@@ -7787,7 +8322,7 @@
         </p:blipFill>
         <p:spPr>
           <a:xfrm>
-            <a:off x="424136" y="3700129"/>
+            <a:off x="2944416" y="3700129"/>
             <a:ext cx="2976672" cy="1078407"/>
           </a:xfrm>
           <a:prstGeom prst="rect">
@@ -7795,414 +8330,6 @@
           </a:prstGeom>
         </p:spPr>
       </p:pic>
-      <p:sp>
-        <p:nvSpPr>
-          <p:cNvPr id="63" name="テキスト ボックス 62"/>
-          <p:cNvSpPr txBox="1"/>
-          <p:nvPr/>
-        </p:nvSpPr>
-        <p:spPr>
-          <a:xfrm>
-            <a:off x="469642" y="1424864"/>
-            <a:ext cx="197019" cy="307777"/>
-          </a:xfrm>
-          <a:prstGeom prst="rect">
-            <a:avLst/>
-          </a:prstGeom>
-          <a:noFill/>
-        </p:spPr>
-        <p:txBody>
-          <a:bodyPr wrap="square" rtlCol="0">
-            <a:spAutoFit/>
-          </a:bodyPr>
-          <a:lstStyle/>
-          <a:p>
-            <a:pPr algn="ctr"/>
-            <a:r>
-              <a:rPr kumimoji="1" lang="en-US" altLang="ja-JP" sz="1400" dirty="0" smtClean="0">
-                <a:solidFill>
-                  <a:schemeClr val="tx2">
-                    <a:lumMod val="60000"/>
-                    <a:lumOff val="40000"/>
-                  </a:schemeClr>
-                </a:solidFill>
-                <a:latin typeface="メイリオ" pitchFamily="50" charset="-128"/>
-                <a:ea typeface="メイリオ" pitchFamily="50" charset="-128"/>
-                <a:cs typeface="メイリオ" pitchFamily="50" charset="-128"/>
-              </a:rPr>
-              <a:t>1</a:t>
-            </a:r>
-            <a:endParaRPr kumimoji="1" lang="ja-JP" altLang="en-US" sz="1400" dirty="0">
-              <a:solidFill>
-                <a:schemeClr val="tx2">
-                  <a:lumMod val="60000"/>
-                  <a:lumOff val="40000"/>
-                </a:schemeClr>
-              </a:solidFill>
-              <a:latin typeface="メイリオ" pitchFamily="50" charset="-128"/>
-              <a:ea typeface="メイリオ" pitchFamily="50" charset="-128"/>
-              <a:cs typeface="メイリオ" pitchFamily="50" charset="-128"/>
-            </a:endParaRPr>
-          </a:p>
-        </p:txBody>
-      </p:sp>
-      <p:sp>
-        <p:nvSpPr>
-          <p:cNvPr id="64" name="テキスト ボックス 63"/>
-          <p:cNvSpPr txBox="1"/>
-          <p:nvPr/>
-        </p:nvSpPr>
-        <p:spPr>
-          <a:xfrm>
-            <a:off x="419713" y="1944524"/>
-            <a:ext cx="296876" cy="307777"/>
-          </a:xfrm>
-          <a:prstGeom prst="rect">
-            <a:avLst/>
-          </a:prstGeom>
-          <a:noFill/>
-        </p:spPr>
-        <p:txBody>
-          <a:bodyPr wrap="none" rtlCol="0">
-            <a:spAutoFit/>
-          </a:bodyPr>
-          <a:lstStyle/>
-          <a:p>
-            <a:pPr algn="ctr"/>
-            <a:r>
-              <a:rPr kumimoji="1" lang="en-US" altLang="ja-JP" sz="1400" dirty="0" smtClean="0">
-                <a:solidFill>
-                  <a:srgbClr val="00B050"/>
-                </a:solidFill>
-                <a:latin typeface="メイリオ" pitchFamily="50" charset="-128"/>
-                <a:ea typeface="メイリオ" pitchFamily="50" charset="-128"/>
-                <a:cs typeface="メイリオ" pitchFamily="50" charset="-128"/>
-              </a:rPr>
-              <a:t>2</a:t>
-            </a:r>
-            <a:endParaRPr kumimoji="1" lang="ja-JP" altLang="en-US" sz="1400" dirty="0">
-              <a:solidFill>
-                <a:srgbClr val="00B050"/>
-              </a:solidFill>
-              <a:latin typeface="メイリオ" pitchFamily="50" charset="-128"/>
-              <a:ea typeface="メイリオ" pitchFamily="50" charset="-128"/>
-              <a:cs typeface="メイリオ" pitchFamily="50" charset="-128"/>
-            </a:endParaRPr>
-          </a:p>
-        </p:txBody>
-      </p:sp>
-      <p:sp>
-        <p:nvSpPr>
-          <p:cNvPr id="65" name="テキスト ボックス 64"/>
-          <p:cNvSpPr txBox="1"/>
-          <p:nvPr/>
-        </p:nvSpPr>
-        <p:spPr>
-          <a:xfrm>
-            <a:off x="374845" y="3002110"/>
-            <a:ext cx="296876" cy="307777"/>
-          </a:xfrm>
-          <a:prstGeom prst="rect">
-            <a:avLst/>
-          </a:prstGeom>
-          <a:noFill/>
-        </p:spPr>
-        <p:txBody>
-          <a:bodyPr wrap="none" rtlCol="0">
-            <a:spAutoFit/>
-          </a:bodyPr>
-          <a:lstStyle/>
-          <a:p>
-            <a:pPr algn="ctr"/>
-            <a:r>
-              <a:rPr kumimoji="1" lang="en-US" altLang="ja-JP" sz="1400" dirty="0" smtClean="0">
-                <a:solidFill>
-                  <a:srgbClr val="FF0000"/>
-                </a:solidFill>
-                <a:latin typeface="メイリオ" pitchFamily="50" charset="-128"/>
-                <a:ea typeface="メイリオ" pitchFamily="50" charset="-128"/>
-                <a:cs typeface="メイリオ" pitchFamily="50" charset="-128"/>
-              </a:rPr>
-              <a:t>3</a:t>
-            </a:r>
-            <a:endParaRPr kumimoji="1" lang="ja-JP" altLang="en-US" sz="1400" dirty="0">
-              <a:solidFill>
-                <a:srgbClr val="FF0000"/>
-              </a:solidFill>
-              <a:latin typeface="メイリオ" pitchFamily="50" charset="-128"/>
-              <a:ea typeface="メイリオ" pitchFamily="50" charset="-128"/>
-              <a:cs typeface="メイリオ" pitchFamily="50" charset="-128"/>
-            </a:endParaRPr>
-          </a:p>
-        </p:txBody>
-      </p:sp>
-      <p:sp>
-        <p:nvSpPr>
-          <p:cNvPr id="66" name="テキスト ボックス 65"/>
-          <p:cNvSpPr txBox="1"/>
-          <p:nvPr/>
-        </p:nvSpPr>
-        <p:spPr>
-          <a:xfrm>
-            <a:off x="2512368" y="1538386"/>
-            <a:ext cx="296876" cy="307777"/>
-          </a:xfrm>
-          <a:prstGeom prst="rect">
-            <a:avLst/>
-          </a:prstGeom>
-          <a:noFill/>
-        </p:spPr>
-        <p:txBody>
-          <a:bodyPr wrap="none" rtlCol="0">
-            <a:spAutoFit/>
-          </a:bodyPr>
-          <a:lstStyle/>
-          <a:p>
-            <a:pPr algn="ctr"/>
-            <a:r>
-              <a:rPr kumimoji="1" lang="en-US" altLang="ja-JP" sz="1400" dirty="0" smtClean="0">
-                <a:solidFill>
-                  <a:srgbClr val="FF33CC"/>
-                </a:solidFill>
-                <a:latin typeface="メイリオ" pitchFamily="50" charset="-128"/>
-                <a:ea typeface="メイリオ" pitchFamily="50" charset="-128"/>
-                <a:cs typeface="メイリオ" pitchFamily="50" charset="-128"/>
-              </a:rPr>
-              <a:t>4</a:t>
-            </a:r>
-            <a:endParaRPr kumimoji="1" lang="ja-JP" altLang="en-US" sz="1400" dirty="0">
-              <a:solidFill>
-                <a:srgbClr val="FF33CC"/>
-              </a:solidFill>
-              <a:latin typeface="メイリオ" pitchFamily="50" charset="-128"/>
-              <a:ea typeface="メイリオ" pitchFamily="50" charset="-128"/>
-              <a:cs typeface="メイリオ" pitchFamily="50" charset="-128"/>
-            </a:endParaRPr>
-          </a:p>
-        </p:txBody>
-      </p:sp>
-      <p:sp>
-        <p:nvSpPr>
-          <p:cNvPr id="67" name="テキスト ボックス 66"/>
-          <p:cNvSpPr txBox="1"/>
-          <p:nvPr/>
-        </p:nvSpPr>
-        <p:spPr>
-          <a:xfrm>
-            <a:off x="2543647" y="2667245"/>
-            <a:ext cx="296876" cy="307777"/>
-          </a:xfrm>
-          <a:prstGeom prst="rect">
-            <a:avLst/>
-          </a:prstGeom>
-          <a:noFill/>
-        </p:spPr>
-        <p:txBody>
-          <a:bodyPr wrap="none" rtlCol="0">
-            <a:spAutoFit/>
-          </a:bodyPr>
-          <a:lstStyle/>
-          <a:p>
-            <a:pPr algn="ctr"/>
-            <a:r>
-              <a:rPr kumimoji="1" lang="en-US" altLang="ja-JP" sz="1400" dirty="0" smtClean="0">
-                <a:solidFill>
-                  <a:srgbClr val="FFC000"/>
-                </a:solidFill>
-                <a:latin typeface="メイリオ" pitchFamily="50" charset="-128"/>
-                <a:ea typeface="メイリオ" pitchFamily="50" charset="-128"/>
-                <a:cs typeface="メイリオ" pitchFamily="50" charset="-128"/>
-              </a:rPr>
-              <a:t>5</a:t>
-            </a:r>
-            <a:endParaRPr kumimoji="1" lang="ja-JP" altLang="en-US" sz="1400" dirty="0">
-              <a:solidFill>
-                <a:srgbClr val="FFC000"/>
-              </a:solidFill>
-              <a:latin typeface="メイリオ" pitchFamily="50" charset="-128"/>
-              <a:ea typeface="メイリオ" pitchFamily="50" charset="-128"/>
-              <a:cs typeface="メイリオ" pitchFamily="50" charset="-128"/>
-            </a:endParaRPr>
-          </a:p>
-        </p:txBody>
-      </p:sp>
-      <p:sp>
-        <p:nvSpPr>
-          <p:cNvPr id="68" name="テキスト ボックス 67"/>
-          <p:cNvSpPr txBox="1"/>
-          <p:nvPr/>
-        </p:nvSpPr>
-        <p:spPr>
-          <a:xfrm>
-            <a:off x="2562226" y="3244428"/>
-            <a:ext cx="296876" cy="307777"/>
-          </a:xfrm>
-          <a:prstGeom prst="rect">
-            <a:avLst/>
-          </a:prstGeom>
-          <a:noFill/>
-        </p:spPr>
-        <p:txBody>
-          <a:bodyPr wrap="none" rtlCol="0">
-            <a:spAutoFit/>
-          </a:bodyPr>
-          <a:lstStyle/>
-          <a:p>
-            <a:r>
-              <a:rPr kumimoji="1" lang="en-US" altLang="ja-JP" sz="1400" dirty="0" smtClean="0">
-                <a:solidFill>
-                  <a:srgbClr val="92D050"/>
-                </a:solidFill>
-                <a:latin typeface="メイリオ" pitchFamily="50" charset="-128"/>
-                <a:ea typeface="メイリオ" pitchFamily="50" charset="-128"/>
-                <a:cs typeface="メイリオ" pitchFamily="50" charset="-128"/>
-              </a:rPr>
-              <a:t>6</a:t>
-            </a:r>
-            <a:endParaRPr kumimoji="1" lang="ja-JP" altLang="en-US" sz="1400" dirty="0">
-              <a:solidFill>
-                <a:srgbClr val="92D050"/>
-              </a:solidFill>
-              <a:latin typeface="メイリオ" pitchFamily="50" charset="-128"/>
-              <a:ea typeface="メイリオ" pitchFamily="50" charset="-128"/>
-              <a:cs typeface="メイリオ" pitchFamily="50" charset="-128"/>
-            </a:endParaRPr>
-          </a:p>
-        </p:txBody>
-      </p:sp>
-      <p:sp>
-        <p:nvSpPr>
-          <p:cNvPr id="69" name="テキスト ボックス 68"/>
-          <p:cNvSpPr txBox="1"/>
-          <p:nvPr/>
-        </p:nvSpPr>
-        <p:spPr>
-          <a:xfrm>
-            <a:off x="3696078" y="1493855"/>
-            <a:ext cx="296876" cy="307777"/>
-          </a:xfrm>
-          <a:prstGeom prst="rect">
-            <a:avLst/>
-          </a:prstGeom>
-          <a:noFill/>
-        </p:spPr>
-        <p:txBody>
-          <a:bodyPr wrap="none" rtlCol="0">
-            <a:spAutoFit/>
-          </a:bodyPr>
-          <a:lstStyle/>
-          <a:p>
-            <a:pPr algn="ctr"/>
-            <a:r>
-              <a:rPr lang="en-US" altLang="ja-JP" sz="1400" dirty="0">
-                <a:solidFill>
-                  <a:srgbClr val="7030A0"/>
-                </a:solidFill>
-                <a:latin typeface="メイリオ" pitchFamily="50" charset="-128"/>
-                <a:ea typeface="メイリオ" pitchFamily="50" charset="-128"/>
-                <a:cs typeface="メイリオ" pitchFamily="50" charset="-128"/>
-              </a:rPr>
-              <a:t>7</a:t>
-            </a:r>
-            <a:endParaRPr kumimoji="1" lang="ja-JP" altLang="en-US" sz="1400" dirty="0">
-              <a:solidFill>
-                <a:srgbClr val="7030A0"/>
-              </a:solidFill>
-              <a:latin typeface="メイリオ" pitchFamily="50" charset="-128"/>
-              <a:ea typeface="メイリオ" pitchFamily="50" charset="-128"/>
-              <a:cs typeface="メイリオ" pitchFamily="50" charset="-128"/>
-            </a:endParaRPr>
-          </a:p>
-        </p:txBody>
-      </p:sp>
-      <p:sp>
-        <p:nvSpPr>
-          <p:cNvPr id="70" name="テキスト ボックス 69"/>
-          <p:cNvSpPr txBox="1"/>
-          <p:nvPr/>
-        </p:nvSpPr>
-        <p:spPr>
-          <a:xfrm>
-            <a:off x="3732082" y="2022770"/>
-            <a:ext cx="296876" cy="307777"/>
-          </a:xfrm>
-          <a:prstGeom prst="rect">
-            <a:avLst/>
-          </a:prstGeom>
-          <a:noFill/>
-        </p:spPr>
-        <p:txBody>
-          <a:bodyPr wrap="none" rtlCol="0">
-            <a:spAutoFit/>
-          </a:bodyPr>
-          <a:lstStyle/>
-          <a:p>
-            <a:pPr algn="ctr"/>
-            <a:r>
-              <a:rPr lang="en-US" altLang="ja-JP" sz="1400" dirty="0">
-                <a:solidFill>
-                  <a:schemeClr val="accent6">
-                    <a:lumMod val="75000"/>
-                  </a:schemeClr>
-                </a:solidFill>
-                <a:latin typeface="メイリオ" pitchFamily="50" charset="-128"/>
-                <a:ea typeface="メイリオ" pitchFamily="50" charset="-128"/>
-                <a:cs typeface="メイリオ" pitchFamily="50" charset="-128"/>
-              </a:rPr>
-              <a:t>8</a:t>
-            </a:r>
-            <a:endParaRPr kumimoji="1" lang="en-US" altLang="ja-JP" sz="1400" dirty="0" smtClean="0">
-              <a:solidFill>
-                <a:schemeClr val="accent6">
-                  <a:lumMod val="75000"/>
-                </a:schemeClr>
-              </a:solidFill>
-              <a:latin typeface="メイリオ" pitchFamily="50" charset="-128"/>
-              <a:ea typeface="メイリオ" pitchFamily="50" charset="-128"/>
-              <a:cs typeface="メイリオ" pitchFamily="50" charset="-128"/>
-            </a:endParaRPr>
-          </a:p>
-        </p:txBody>
-      </p:sp>
-      <p:sp>
-        <p:nvSpPr>
-          <p:cNvPr id="71" name="テキスト ボックス 70"/>
-          <p:cNvSpPr txBox="1"/>
-          <p:nvPr/>
-        </p:nvSpPr>
-        <p:spPr>
-          <a:xfrm>
-            <a:off x="3732082" y="2564783"/>
-            <a:ext cx="296876" cy="307777"/>
-          </a:xfrm>
-          <a:prstGeom prst="rect">
-            <a:avLst/>
-          </a:prstGeom>
-          <a:noFill/>
-        </p:spPr>
-        <p:txBody>
-          <a:bodyPr wrap="none" rtlCol="0">
-            <a:spAutoFit/>
-          </a:bodyPr>
-          <a:lstStyle/>
-          <a:p>
-            <a:pPr algn="ctr"/>
-            <a:r>
-              <a:rPr lang="en-US" altLang="ja-JP" sz="1400" dirty="0">
-                <a:latin typeface="メイリオ" pitchFamily="50" charset="-128"/>
-                <a:ea typeface="メイリオ" pitchFamily="50" charset="-128"/>
-                <a:cs typeface="メイリオ" pitchFamily="50" charset="-128"/>
-              </a:rPr>
-              <a:t>9</a:t>
-            </a:r>
-            <a:endParaRPr kumimoji="1" lang="ja-JP" altLang="en-US" sz="1400" dirty="0">
-              <a:latin typeface="メイリオ" pitchFamily="50" charset="-128"/>
-              <a:ea typeface="メイリオ" pitchFamily="50" charset="-128"/>
-              <a:cs typeface="メイリオ" pitchFamily="50" charset="-128"/>
-            </a:endParaRPr>
-          </a:p>
-        </p:txBody>
-      </p:sp>
     </p:spTree>
     <p:extLst>
       <p:ext uri="{BB962C8B-B14F-4D97-AF65-F5344CB8AC3E}">

--- a/models/N_MURA.pptx
+++ b/models/N_MURA.pptx
@@ -193,7 +193,7 @@
           <a:p>
             <a:fld id="{5B270A06-F2D3-45A5-8CBA-0AAA8C67E922}" type="datetimeFigureOut">
               <a:rPr kumimoji="1" lang="ja-JP" altLang="en-US" smtClean="0"/>
-              <a:t>2012/9/6</a:t>
+              <a:t>2012/9/7</a:t>
             </a:fld>
             <a:endParaRPr kumimoji="1" lang="ja-JP" altLang="en-US"/>
           </a:p>
@@ -758,7 +758,7 @@
           <a:p>
             <a:fld id="{56BC3579-71A0-4B81-AD3A-70821F25B07F}" type="datetimeFigureOut">
               <a:rPr kumimoji="1" lang="ja-JP" altLang="en-US" smtClean="0"/>
-              <a:t>2012/9/6</a:t>
+              <a:t>2012/9/7</a:t>
             </a:fld>
             <a:endParaRPr kumimoji="1" lang="ja-JP" altLang="en-US"/>
           </a:p>
@@ -960,7 +960,7 @@
           <a:p>
             <a:fld id="{56BC3579-71A0-4B81-AD3A-70821F25B07F}" type="datetimeFigureOut">
               <a:rPr kumimoji="1" lang="ja-JP" altLang="en-US" smtClean="0"/>
-              <a:t>2012/9/6</a:t>
+              <a:t>2012/9/7</a:t>
             </a:fld>
             <a:endParaRPr kumimoji="1" lang="ja-JP" altLang="en-US"/>
           </a:p>
@@ -1172,7 +1172,7 @@
           <a:p>
             <a:fld id="{56BC3579-71A0-4B81-AD3A-70821F25B07F}" type="datetimeFigureOut">
               <a:rPr kumimoji="1" lang="ja-JP" altLang="en-US" smtClean="0"/>
-              <a:t>2012/9/6</a:t>
+              <a:t>2012/9/7</a:t>
             </a:fld>
             <a:endParaRPr kumimoji="1" lang="ja-JP" altLang="en-US"/>
           </a:p>
@@ -1374,7 +1374,7 @@
           <a:p>
             <a:fld id="{56BC3579-71A0-4B81-AD3A-70821F25B07F}" type="datetimeFigureOut">
               <a:rPr kumimoji="1" lang="ja-JP" altLang="en-US" smtClean="0"/>
-              <a:t>2012/9/6</a:t>
+              <a:t>2012/9/7</a:t>
             </a:fld>
             <a:endParaRPr kumimoji="1" lang="ja-JP" altLang="en-US"/>
           </a:p>
@@ -1620,7 +1620,7 @@
           <a:p>
             <a:fld id="{56BC3579-71A0-4B81-AD3A-70821F25B07F}" type="datetimeFigureOut">
               <a:rPr kumimoji="1" lang="ja-JP" altLang="en-US" smtClean="0"/>
-              <a:t>2012/9/6</a:t>
+              <a:t>2012/9/7</a:t>
             </a:fld>
             <a:endParaRPr kumimoji="1" lang="ja-JP" altLang="en-US"/>
           </a:p>
@@ -1972,7 +1972,7 @@
           <a:p>
             <a:fld id="{56BC3579-71A0-4B81-AD3A-70821F25B07F}" type="datetimeFigureOut">
               <a:rPr kumimoji="1" lang="ja-JP" altLang="en-US" smtClean="0"/>
-              <a:t>2012/9/6</a:t>
+              <a:t>2012/9/7</a:t>
             </a:fld>
             <a:endParaRPr kumimoji="1" lang="ja-JP" altLang="en-US"/>
           </a:p>
@@ -2458,7 +2458,7 @@
           <a:p>
             <a:fld id="{56BC3579-71A0-4B81-AD3A-70821F25B07F}" type="datetimeFigureOut">
               <a:rPr kumimoji="1" lang="ja-JP" altLang="en-US" smtClean="0"/>
-              <a:t>2012/9/6</a:t>
+              <a:t>2012/9/7</a:t>
             </a:fld>
             <a:endParaRPr kumimoji="1" lang="ja-JP" altLang="en-US"/>
           </a:p>
@@ -2576,7 +2576,7 @@
           <a:p>
             <a:fld id="{56BC3579-71A0-4B81-AD3A-70821F25B07F}" type="datetimeFigureOut">
               <a:rPr kumimoji="1" lang="ja-JP" altLang="en-US" smtClean="0"/>
-              <a:t>2012/9/6</a:t>
+              <a:t>2012/9/7</a:t>
             </a:fld>
             <a:endParaRPr kumimoji="1" lang="ja-JP" altLang="en-US"/>
           </a:p>
@@ -2671,7 +2671,7 @@
           <a:p>
             <a:fld id="{56BC3579-71A0-4B81-AD3A-70821F25B07F}" type="datetimeFigureOut">
               <a:rPr kumimoji="1" lang="ja-JP" altLang="en-US" smtClean="0"/>
-              <a:t>2012/9/6</a:t>
+              <a:t>2012/9/7</a:t>
             </a:fld>
             <a:endParaRPr kumimoji="1" lang="ja-JP" altLang="en-US"/>
           </a:p>
@@ -2980,7 +2980,7 @@
           <a:p>
             <a:fld id="{56BC3579-71A0-4B81-AD3A-70821F25B07F}" type="datetimeFigureOut">
               <a:rPr kumimoji="1" lang="ja-JP" altLang="en-US" smtClean="0"/>
-              <a:t>2012/9/6</a:t>
+              <a:t>2012/9/7</a:t>
             </a:fld>
             <a:endParaRPr kumimoji="1" lang="ja-JP" altLang="en-US"/>
           </a:p>
@@ -3233,7 +3233,7 @@
           <a:p>
             <a:fld id="{56BC3579-71A0-4B81-AD3A-70821F25B07F}" type="datetimeFigureOut">
               <a:rPr kumimoji="1" lang="ja-JP" altLang="en-US" smtClean="0"/>
-              <a:t>2012/9/6</a:t>
+              <a:t>2012/9/7</a:t>
             </a:fld>
             <a:endParaRPr kumimoji="1" lang="ja-JP" altLang="en-US"/>
           </a:p>
@@ -3478,7 +3478,7 @@
           <a:p>
             <a:fld id="{56BC3579-71A0-4B81-AD3A-70821F25B07F}" type="datetimeFigureOut">
               <a:rPr kumimoji="1" lang="ja-JP" altLang="en-US" smtClean="0"/>
-              <a:t>2012/9/6</a:t>
+              <a:t>2012/9/7</a:t>
             </a:fld>
             <a:endParaRPr kumimoji="1" lang="ja-JP" altLang="en-US"/>
           </a:p>
@@ -4449,8 +4449,8 @@
         </p:blipFill>
         <p:spPr bwMode="auto">
           <a:xfrm>
-            <a:off x="7497650" y="1374404"/>
-            <a:ext cx="2907647" cy="2377002"/>
+            <a:off x="7497650" y="2496344"/>
+            <a:ext cx="2701971" cy="2208862"/>
           </a:xfrm>
           <a:prstGeom prst="rect">
             <a:avLst/>
@@ -4729,8 +4729,8 @@
         </p:nvSpPr>
         <p:spPr>
           <a:xfrm>
-            <a:off x="568152" y="5736704"/>
-            <a:ext cx="2682584" cy="2232248"/>
+            <a:off x="352128" y="6600800"/>
+            <a:ext cx="2682584" cy="2520280"/>
           </a:xfrm>
           <a:prstGeom prst="rect">
             <a:avLst/>
@@ -4793,7 +4793,7 @@
         </p:blipFill>
         <p:spPr>
           <a:xfrm>
-            <a:off x="7462632" y="8336584"/>
+            <a:off x="9622872" y="8488190"/>
             <a:ext cx="2754592" cy="776906"/>
           </a:xfrm>
           <a:prstGeom prst="rect">
@@ -4877,7 +4877,7 @@
         </p:blipFill>
         <p:spPr>
           <a:xfrm>
-            <a:off x="7810514" y="3792488"/>
+            <a:off x="10330794" y="3826691"/>
             <a:ext cx="2118678" cy="973909"/>
           </a:xfrm>
           <a:prstGeom prst="rect">
@@ -4907,7 +4907,7 @@
         </p:blipFill>
         <p:spPr>
           <a:xfrm>
-            <a:off x="352128" y="8112968"/>
+            <a:off x="3160440" y="8112968"/>
             <a:ext cx="4166884" cy="1158891"/>
           </a:xfrm>
           <a:prstGeom prst="rect">
@@ -4924,7 +4924,7 @@
         <p:spPr>
           <a:xfrm>
             <a:off x="361609" y="1272208"/>
-            <a:ext cx="4094975" cy="1263586"/>
+            <a:ext cx="4022967" cy="1263586"/>
           </a:xfrm>
           <a:prstGeom prst="roundRect">
             <a:avLst/>
@@ -5068,7 +5068,7 @@
             </a:endParaRPr>
           </a:p>
           <a:p>
-            <a:pPr marL="228600" indent="-228600" algn="ctr">
+            <a:pPr marL="228600" indent="-228600">
               <a:buFont typeface="+mj-lt"/>
               <a:buAutoNum type="arabicPeriod"/>
             </a:pPr>
@@ -5103,7 +5103,7 @@
             </a:endParaRPr>
           </a:p>
           <a:p>
-            <a:pPr marL="228600" indent="-228600" algn="ctr">
+            <a:pPr marL="228600" indent="-228600">
               <a:buFont typeface="+mj-lt"/>
               <a:buAutoNum type="arabicPeriod"/>
             </a:pPr>
@@ -5138,7 +5138,7 @@
             </a:endParaRPr>
           </a:p>
           <a:p>
-            <a:pPr marL="228600" indent="-228600" algn="ctr">
+            <a:pPr marL="228600" indent="-228600">
               <a:buFont typeface="+mj-lt"/>
               <a:buAutoNum type="arabicPeriod"/>
             </a:pPr>
@@ -5173,7 +5173,7 @@
             </a:endParaRPr>
           </a:p>
           <a:p>
-            <a:pPr marL="228600" indent="-228600" algn="ctr">
+            <a:pPr marL="228600" indent="-228600">
               <a:buFont typeface="+mj-lt"/>
               <a:buAutoNum type="arabicPeriod"/>
             </a:pPr>
@@ -5208,7 +5208,7 @@
             </a:endParaRPr>
           </a:p>
           <a:p>
-            <a:pPr marL="228600" indent="-228600" algn="ctr">
+            <a:pPr marL="228600" indent="-228600">
               <a:buFont typeface="+mj-lt"/>
               <a:buAutoNum type="arabicPeriod"/>
             </a:pPr>
@@ -5243,7 +5243,7 @@
             </a:endParaRPr>
           </a:p>
           <a:p>
-            <a:pPr marL="228600" indent="-228600" algn="ctr">
+            <a:pPr marL="228600" indent="-228600">
               <a:buFont typeface="+mj-lt"/>
               <a:buAutoNum type="arabicPeriod"/>
             </a:pPr>
@@ -5287,8 +5287,8 @@
         </p:nvSpPr>
         <p:spPr>
           <a:xfrm>
-            <a:off x="4456584" y="1200200"/>
-            <a:ext cx="2952328" cy="1453049"/>
+            <a:off x="4423227" y="1034692"/>
+            <a:ext cx="2938060" cy="1821692"/>
           </a:xfrm>
           <a:prstGeom prst="roundRect">
             <a:avLst/>
@@ -5385,30 +5385,9 @@
               </a:rPr>
               <a:t>-</a:t>
             </a:r>
-            <a:endParaRPr lang="en-US" altLang="ja-JP" sz="1200" dirty="0" smtClean="0">
-              <a:ln w="3175">
-                <a:solidFill>
-                  <a:srgbClr val="0070C0"/>
-                </a:solidFill>
-                <a:prstDash val="solid"/>
-              </a:ln>
-              <a:solidFill>
-                <a:srgbClr val="FFFFFF"/>
-              </a:solidFill>
-              <a:effectLst>
-                <a:outerShdw blurRad="38100" dist="32000" dir="5400000" algn="tl">
-                  <a:srgbClr val="000000">
-                    <a:alpha val="30000"/>
-                  </a:srgbClr>
-                </a:outerShdw>
-              </a:effectLst>
-              <a:latin typeface="メイリオ" pitchFamily="50" charset="-128"/>
-              <a:ea typeface="メイリオ" pitchFamily="50" charset="-128"/>
-              <a:cs typeface="メイリオ" pitchFamily="50" charset="-128"/>
-            </a:endParaRPr>
-          </a:p>
-          <a:p>
-            <a:pPr marL="228600" indent="-228600" algn="ctr">
+          </a:p>
+          <a:p>
+            <a:pPr marL="228600" indent="-228600">
               <a:buFont typeface="+mj-lt"/>
               <a:buAutoNum type="arabicPeriod"/>
             </a:pPr>
@@ -5418,7 +5397,7 @@
                 <a:ea typeface="メイリオ" pitchFamily="50" charset="-128"/>
                 <a:cs typeface="メイリオ" pitchFamily="50" charset="-128"/>
               </a:rPr>
-              <a:t>適切な速度で突破し、</a:t>
+              <a:t>適切な速度で上ることで、ブレを防ぐ</a:t>
             </a:r>
             <a:endParaRPr lang="ja-JP" altLang="en-US" sz="1050" dirty="0">
               <a:latin typeface="メイリオ" pitchFamily="50" charset="-128"/>
@@ -5427,7 +5406,7 @@
             </a:endParaRPr>
           </a:p>
           <a:p>
-            <a:pPr marL="228600" indent="-228600" algn="ctr">
+            <a:pPr marL="228600" indent="-228600">
               <a:buFont typeface="+mj-lt"/>
               <a:buAutoNum type="arabicPeriod"/>
             </a:pPr>
@@ -5437,7 +5416,7 @@
                 <a:ea typeface="メイリオ" pitchFamily="50" charset="-128"/>
                 <a:cs typeface="メイリオ" pitchFamily="50" charset="-128"/>
               </a:rPr>
-              <a:t>段上での目標輝度値を変更</a:t>
+              <a:t>上る際にブレを防ぐことでライン上に留まることが可能</a:t>
             </a:r>
             <a:endParaRPr lang="ja-JP" altLang="en-US" sz="1050" dirty="0">
               <a:latin typeface="メイリオ" pitchFamily="50" charset="-128"/>
@@ -5446,7 +5425,7 @@
             </a:endParaRPr>
           </a:p>
           <a:p>
-            <a:pPr marL="228600" indent="-228600" algn="ctr">
+            <a:pPr marL="228600" indent="-228600">
               <a:buFont typeface="+mj-lt"/>
               <a:buAutoNum type="arabicPeriod"/>
             </a:pPr>
@@ -5456,39 +5435,7 @@
                 <a:ea typeface="メイリオ" pitchFamily="50" charset="-128"/>
                 <a:cs typeface="メイリオ" pitchFamily="50" charset="-128"/>
               </a:rPr>
-              <a:t>走行ログから、</a:t>
-            </a:r>
-            <a:r>
-              <a:rPr lang="ja-JP" altLang="en-US" sz="1050" dirty="0" smtClean="0">
-                <a:latin typeface="メイリオ" pitchFamily="50" charset="-128"/>
-                <a:ea typeface="メイリオ" pitchFamily="50" charset="-128"/>
-                <a:cs typeface="メイリオ" pitchFamily="50" charset="-128"/>
-              </a:rPr>
-              <a:t>直角</a:t>
-            </a:r>
-            <a:r>
-              <a:rPr lang="ja-JP" altLang="en-US" sz="1050" dirty="0" smtClean="0">
-                <a:latin typeface="メイリオ" pitchFamily="50" charset="-128"/>
-                <a:ea typeface="メイリオ" pitchFamily="50" charset="-128"/>
-                <a:cs typeface="メイリオ" pitchFamily="50" charset="-128"/>
-              </a:rPr>
-              <a:t>部分走行</a:t>
-            </a:r>
-            <a:r>
-              <a:rPr lang="ja-JP" altLang="en-US" sz="1050" dirty="0" smtClean="0">
-                <a:latin typeface="メイリオ" pitchFamily="50" charset="-128"/>
-                <a:ea typeface="メイリオ" pitchFamily="50" charset="-128"/>
-                <a:cs typeface="メイリオ" pitchFamily="50" charset="-128"/>
-              </a:rPr>
-              <a:t>時</a:t>
-            </a:r>
-            <a:r>
-              <a:rPr lang="ja-JP" altLang="en-US" sz="1050" dirty="0" smtClean="0">
-                <a:latin typeface="メイリオ" pitchFamily="50" charset="-128"/>
-                <a:ea typeface="メイリオ" pitchFamily="50" charset="-128"/>
-                <a:cs typeface="メイリオ" pitchFamily="50" charset="-128"/>
-              </a:rPr>
-              <a:t>の輝度値の変化の傾向を算出し実装</a:t>
+              <a:t>調査の結果、特に対策する必要無し</a:t>
             </a:r>
             <a:endParaRPr lang="en-US" altLang="ja-JP" sz="1050" dirty="0" smtClean="0">
               <a:latin typeface="メイリオ" pitchFamily="50" charset="-128"/>
@@ -5497,7 +5444,7 @@
             </a:endParaRPr>
           </a:p>
           <a:p>
-            <a:pPr marL="228600" indent="-228600" algn="ctr">
+            <a:pPr marL="228600" indent="-228600">
               <a:buFont typeface="+mj-lt"/>
               <a:buAutoNum type="arabicPeriod"/>
             </a:pPr>
@@ -5507,7 +5454,7 @@
                 <a:ea typeface="メイリオ" pitchFamily="50" charset="-128"/>
                 <a:cs typeface="メイリオ" pitchFamily="50" charset="-128"/>
               </a:rPr>
-              <a:t>検出後、その場で回転することで安定した旋回を実現</a:t>
+              <a:t>左下参照</a:t>
             </a:r>
             <a:endParaRPr lang="en-US" altLang="ja-JP" sz="1050" dirty="0" smtClean="0">
               <a:latin typeface="メイリオ" pitchFamily="50" charset="-128"/>
@@ -5516,7 +5463,7 @@
             </a:endParaRPr>
           </a:p>
           <a:p>
-            <a:pPr marL="228600" indent="-228600" algn="ctr">
+            <a:pPr marL="228600" indent="-228600">
               <a:buFont typeface="+mj-lt"/>
               <a:buAutoNum type="arabicPeriod"/>
             </a:pPr>
@@ -5526,7 +5473,30 @@
                 <a:ea typeface="メイリオ" pitchFamily="50" charset="-128"/>
                 <a:cs typeface="メイリオ" pitchFamily="50" charset="-128"/>
               </a:rPr>
-              <a:t>低速落下及び落下後のライン復帰でクリア</a:t>
+              <a:t>低速で落下することで衝撃を軽減。</a:t>
+            </a:r>
+            <a:r>
+              <a:rPr lang="en-US" altLang="ja-JP" sz="1050" dirty="0" smtClean="0">
+                <a:latin typeface="メイリオ" pitchFamily="50" charset="-128"/>
+                <a:ea typeface="メイリオ" pitchFamily="50" charset="-128"/>
+                <a:cs typeface="メイリオ" pitchFamily="50" charset="-128"/>
+              </a:rPr>
+              <a:t/>
+            </a:r>
+            <a:br>
+              <a:rPr lang="en-US" altLang="ja-JP" sz="1050" dirty="0" smtClean="0">
+                <a:latin typeface="メイリオ" pitchFamily="50" charset="-128"/>
+                <a:ea typeface="メイリオ" pitchFamily="50" charset="-128"/>
+                <a:cs typeface="メイリオ" pitchFamily="50" charset="-128"/>
+              </a:rPr>
+            </a:br>
+            <a:r>
+              <a:rPr lang="ja-JP" altLang="en-US" sz="1050" dirty="0" smtClean="0">
+                <a:latin typeface="メイリオ" pitchFamily="50" charset="-128"/>
+                <a:ea typeface="メイリオ" pitchFamily="50" charset="-128"/>
+                <a:cs typeface="メイリオ" pitchFamily="50" charset="-128"/>
+              </a:rPr>
+              <a:t>また、落下時に衝撃吸収動作を実行</a:t>
             </a:r>
             <a:endParaRPr lang="en-US" altLang="ja-JP" sz="1050" dirty="0" smtClean="0">
               <a:latin typeface="メイリオ" pitchFamily="50" charset="-128"/>
@@ -5534,627 +5504,68 @@
               <a:cs typeface="メイリオ" pitchFamily="50" charset="-128"/>
             </a:endParaRPr>
           </a:p>
-        </p:txBody>
-      </p:sp>
-      <p:sp>
-        <p:nvSpPr>
-          <p:cNvPr id="38" name="角丸四角形 37"/>
-          <p:cNvSpPr/>
-          <p:nvPr/>
-        </p:nvSpPr>
-        <p:spPr>
-          <a:xfrm>
-            <a:off x="4142780" y="4944616"/>
-            <a:ext cx="3194124" cy="1195834"/>
-          </a:xfrm>
-          <a:prstGeom prst="roundRect">
-            <a:avLst/>
-          </a:prstGeom>
-        </p:spPr>
-        <p:style>
-          <a:lnRef idx="2">
-            <a:schemeClr val="accent2"/>
-          </a:lnRef>
-          <a:fillRef idx="1">
-            <a:schemeClr val="lt1"/>
-          </a:fillRef>
-          <a:effectRef idx="0">
-            <a:schemeClr val="accent2"/>
-          </a:effectRef>
-          <a:fontRef idx="minor">
-            <a:schemeClr val="dk1"/>
-          </a:fontRef>
-        </p:style>
-        <p:txBody>
-          <a:bodyPr rtlCol="0" anchor="ctr"/>
-          <a:lstStyle/>
-          <a:p>
-            <a:pPr algn="ctr"/>
-            <a:r>
-              <a:rPr lang="en-US" altLang="ja-JP" sz="1200" smtClean="0">
-                <a:ln w="3175">
-                  <a:solidFill>
-                    <a:srgbClr val="FF0000"/>
-                  </a:solidFill>
-                  <a:prstDash val="solid"/>
-                </a:ln>
-                <a:solidFill>
-                  <a:srgbClr val="FFFFFF"/>
-                </a:solidFill>
-                <a:effectLst>
-                  <a:outerShdw blurRad="38100" dist="32000" dir="5400000" algn="tl">
-                    <a:srgbClr val="000000">
-                      <a:alpha val="30000"/>
-                    </a:srgbClr>
-                  </a:outerShdw>
-                </a:effectLst>
-                <a:latin typeface="メイリオ" pitchFamily="50" charset="-128"/>
-                <a:ea typeface="メイリオ" pitchFamily="50" charset="-128"/>
-                <a:cs typeface="メイリオ" pitchFamily="50" charset="-128"/>
-              </a:rPr>
-              <a:t>-</a:t>
-            </a:r>
-            <a:r>
-              <a:rPr lang="ja-JP" altLang="en-US" sz="1200">
-                <a:ln w="3175">
-                  <a:solidFill>
-                    <a:srgbClr val="FF0000"/>
-                  </a:solidFill>
-                  <a:prstDash val="solid"/>
-                </a:ln>
-                <a:solidFill>
-                  <a:srgbClr val="FFFFFF"/>
-                </a:solidFill>
-                <a:effectLst>
-                  <a:outerShdw blurRad="38100" dist="32000" dir="5400000" algn="tl">
-                    <a:srgbClr val="000000">
-                      <a:alpha val="30000"/>
-                    </a:srgbClr>
-                  </a:outerShdw>
-                </a:effectLst>
-                <a:latin typeface="メイリオ" pitchFamily="50" charset="-128"/>
-                <a:ea typeface="メイリオ" pitchFamily="50" charset="-128"/>
-                <a:cs typeface="メイリオ" pitchFamily="50" charset="-128"/>
-              </a:rPr>
-              <a:t>危険</a:t>
-            </a:r>
-            <a:r>
-              <a:rPr lang="ja-JP" altLang="en-US" sz="1200" smtClean="0">
-                <a:ln w="3175">
-                  <a:solidFill>
-                    <a:srgbClr val="FF0000"/>
-                  </a:solidFill>
-                  <a:prstDash val="solid"/>
-                </a:ln>
-                <a:solidFill>
-                  <a:srgbClr val="FFFFFF"/>
-                </a:solidFill>
-                <a:effectLst>
-                  <a:outerShdw blurRad="38100" dist="32000" dir="5400000" algn="tl">
-                    <a:srgbClr val="000000">
-                      <a:alpha val="30000"/>
-                    </a:srgbClr>
-                  </a:outerShdw>
-                </a:effectLst>
-                <a:latin typeface="メイリオ" pitchFamily="50" charset="-128"/>
-                <a:ea typeface="メイリオ" pitchFamily="50" charset="-128"/>
-                <a:cs typeface="メイリオ" pitchFamily="50" charset="-128"/>
-              </a:rPr>
-              <a:t>ポイント</a:t>
-            </a:r>
-            <a:r>
-              <a:rPr lang="en-US" altLang="ja-JP" sz="1200" smtClean="0">
-                <a:ln w="3175">
-                  <a:solidFill>
-                    <a:srgbClr val="FF0000"/>
-                  </a:solidFill>
-                  <a:prstDash val="solid"/>
-                </a:ln>
-                <a:solidFill>
-                  <a:srgbClr val="FFFFFF"/>
-                </a:solidFill>
-                <a:effectLst>
-                  <a:outerShdw blurRad="38100" dist="32000" dir="5400000" algn="tl">
-                    <a:srgbClr val="000000">
-                      <a:alpha val="30000"/>
-                    </a:srgbClr>
-                  </a:outerShdw>
-                </a:effectLst>
-                <a:latin typeface="メイリオ" pitchFamily="50" charset="-128"/>
-                <a:ea typeface="メイリオ" pitchFamily="50" charset="-128"/>
-                <a:cs typeface="メイリオ" pitchFamily="50" charset="-128"/>
-              </a:rPr>
-              <a:t>-</a:t>
-            </a:r>
-            <a:endParaRPr lang="en-US" altLang="ja-JP" sz="1200">
-              <a:ln w="3175">
-                <a:solidFill>
-                  <a:srgbClr val="FF0000"/>
-                </a:solidFill>
-                <a:prstDash val="solid"/>
-              </a:ln>
-              <a:solidFill>
-                <a:srgbClr val="FFFFFF"/>
-              </a:solidFill>
-              <a:effectLst>
-                <a:outerShdw blurRad="38100" dist="32000" dir="5400000" algn="tl">
-                  <a:srgbClr val="000000">
-                    <a:alpha val="30000"/>
-                  </a:srgbClr>
-                </a:outerShdw>
-              </a:effectLst>
+          <a:p>
+            <a:pPr marL="228600" indent="-228600">
+              <a:buFont typeface="+mj-lt"/>
+              <a:buAutoNum type="arabicPeriod"/>
+            </a:pPr>
+            <a:r>
+              <a:rPr lang="ja-JP" altLang="en-US" sz="1050" dirty="0">
+                <a:latin typeface="メイリオ" pitchFamily="50" charset="-128"/>
+                <a:ea typeface="メイリオ" pitchFamily="50" charset="-128"/>
+                <a:cs typeface="メイリオ" pitchFamily="50" charset="-128"/>
+              </a:rPr>
+              <a:t>ライン</a:t>
+            </a:r>
+            <a:r>
+              <a:rPr lang="ja-JP" altLang="en-US" sz="1050" dirty="0" smtClean="0">
+                <a:latin typeface="メイリオ" pitchFamily="50" charset="-128"/>
+                <a:ea typeface="メイリオ" pitchFamily="50" charset="-128"/>
+                <a:cs typeface="メイリオ" pitchFamily="50" charset="-128"/>
+              </a:rPr>
+              <a:t>復帰動作を行い、</a:t>
+            </a:r>
+            <a:r>
+              <a:rPr lang="en-US" altLang="ja-JP" sz="1050" dirty="0">
+                <a:latin typeface="メイリオ" pitchFamily="50" charset="-128"/>
+                <a:ea typeface="メイリオ" pitchFamily="50" charset="-128"/>
+                <a:cs typeface="メイリオ" pitchFamily="50" charset="-128"/>
+              </a:rPr>
+              <a:t/>
+            </a:r>
+            <a:br>
+              <a:rPr lang="en-US" altLang="ja-JP" sz="1050" dirty="0">
+                <a:latin typeface="メイリオ" pitchFamily="50" charset="-128"/>
+                <a:ea typeface="メイリオ" pitchFamily="50" charset="-128"/>
+                <a:cs typeface="メイリオ" pitchFamily="50" charset="-128"/>
+              </a:rPr>
+            </a:br>
+            <a:r>
+              <a:rPr lang="ja-JP" altLang="en-US" sz="1050" dirty="0" smtClean="0">
+                <a:latin typeface="メイリオ" pitchFamily="50" charset="-128"/>
+                <a:ea typeface="メイリオ" pitchFamily="50" charset="-128"/>
+                <a:cs typeface="メイリオ" pitchFamily="50" charset="-128"/>
+              </a:rPr>
+              <a:t>ライン上に復帰</a:t>
+            </a:r>
+            <a:endParaRPr lang="en-US" altLang="ja-JP" sz="1050" dirty="0" smtClean="0">
               <a:latin typeface="メイリオ" pitchFamily="50" charset="-128"/>
               <a:ea typeface="メイリオ" pitchFamily="50" charset="-128"/>
               <a:cs typeface="メイリオ" pitchFamily="50" charset="-128"/>
             </a:endParaRPr>
           </a:p>
-          <a:p>
-            <a:pPr marL="228600" indent="-228600" algn="ctr">
-              <a:buFont typeface="+mj-lt"/>
-              <a:buAutoNum type="arabicPeriod"/>
-            </a:pPr>
-            <a:r>
-              <a:rPr lang="ja-JP" altLang="en-US" sz="1050" u="sng" smtClean="0">
-                <a:latin typeface="メイリオ" pitchFamily="50" charset="-128"/>
-                <a:ea typeface="メイリオ" pitchFamily="50" charset="-128"/>
-                <a:cs typeface="メイリオ" pitchFamily="50" charset="-128"/>
-              </a:rPr>
-              <a:t>ペットボトル検知</a:t>
-            </a:r>
-            <a:r>
-              <a:rPr lang="ja-JP" altLang="en-US" sz="1050" smtClean="0">
-                <a:latin typeface="メイリオ" pitchFamily="50" charset="-128"/>
-                <a:ea typeface="メイリオ" pitchFamily="50" charset="-128"/>
-                <a:cs typeface="メイリオ" pitchFamily="50" charset="-128"/>
-              </a:rPr>
-              <a:t>で誤判定</a:t>
-            </a:r>
-            <a:endParaRPr lang="ja-JP" altLang="en-US" sz="1050">
-              <a:latin typeface="メイリオ" pitchFamily="50" charset="-128"/>
-              <a:ea typeface="メイリオ" pitchFamily="50" charset="-128"/>
-              <a:cs typeface="メイリオ" pitchFamily="50" charset="-128"/>
-            </a:endParaRPr>
-          </a:p>
-          <a:p>
-            <a:pPr marL="228600" indent="-228600" algn="ctr">
-              <a:buFont typeface="+mj-lt"/>
-              <a:buAutoNum type="arabicPeriod"/>
-            </a:pPr>
-            <a:r>
-              <a:rPr lang="ja-JP" altLang="en-US" sz="1050" smtClean="0">
-                <a:latin typeface="メイリオ" pitchFamily="50" charset="-128"/>
-                <a:ea typeface="メイリオ" pitchFamily="50" charset="-128"/>
-                <a:cs typeface="メイリオ" pitchFamily="50" charset="-128"/>
-              </a:rPr>
-              <a:t>ペットボトル検知後の</a:t>
-            </a:r>
-            <a:r>
-              <a:rPr lang="en-US" altLang="ja-JP" sz="1050">
-                <a:latin typeface="メイリオ" pitchFamily="50" charset="-128"/>
-                <a:ea typeface="メイリオ" pitchFamily="50" charset="-128"/>
-                <a:cs typeface="メイリオ" pitchFamily="50" charset="-128"/>
-              </a:rPr>
-              <a:t/>
-            </a:r>
-            <a:br>
-              <a:rPr lang="en-US" altLang="ja-JP" sz="1050">
-                <a:latin typeface="メイリオ" pitchFamily="50" charset="-128"/>
-                <a:ea typeface="メイリオ" pitchFamily="50" charset="-128"/>
-                <a:cs typeface="メイリオ" pitchFamily="50" charset="-128"/>
-              </a:rPr>
-            </a:br>
-            <a:r>
-              <a:rPr lang="ja-JP" altLang="en-US" sz="1050" u="sng" smtClean="0">
-                <a:latin typeface="メイリオ" pitchFamily="50" charset="-128"/>
-                <a:ea typeface="メイリオ" pitchFamily="50" charset="-128"/>
-                <a:cs typeface="メイリオ" pitchFamily="50" charset="-128"/>
-              </a:rPr>
-              <a:t>ライントレース再開</a:t>
-            </a:r>
-            <a:r>
-              <a:rPr lang="ja-JP" altLang="en-US" sz="1050" smtClean="0">
-                <a:latin typeface="メイリオ" pitchFamily="50" charset="-128"/>
-                <a:ea typeface="メイリオ" pitchFamily="50" charset="-128"/>
-                <a:cs typeface="メイリオ" pitchFamily="50" charset="-128"/>
-              </a:rPr>
-              <a:t>失敗</a:t>
-            </a:r>
-            <a:endParaRPr lang="en-US" altLang="ja-JP" sz="1050" smtClean="0">
-              <a:latin typeface="メイリオ" pitchFamily="50" charset="-128"/>
-              <a:ea typeface="メイリオ" pitchFamily="50" charset="-128"/>
-              <a:cs typeface="メイリオ" pitchFamily="50" charset="-128"/>
-            </a:endParaRPr>
-          </a:p>
-          <a:p>
-            <a:pPr marL="228600" indent="-228600" algn="ctr">
-              <a:buFont typeface="+mj-lt"/>
-              <a:buAutoNum type="arabicPeriod"/>
-            </a:pPr>
-            <a:r>
-              <a:rPr lang="ja-JP" altLang="en-US" sz="1050" u="sng">
-                <a:latin typeface="メイリオ" pitchFamily="50" charset="-128"/>
-                <a:ea typeface="メイリオ" pitchFamily="50" charset="-128"/>
-                <a:cs typeface="メイリオ" pitchFamily="50" charset="-128"/>
-              </a:rPr>
-              <a:t>ライン消滅エリアでのコース選択</a:t>
-            </a:r>
-            <a:r>
-              <a:rPr lang="ja-JP" altLang="en-US" sz="1050" smtClean="0">
-                <a:latin typeface="メイリオ" pitchFamily="50" charset="-128"/>
-                <a:ea typeface="メイリオ" pitchFamily="50" charset="-128"/>
-                <a:cs typeface="メイリオ" pitchFamily="50" charset="-128"/>
-              </a:rPr>
-              <a:t>ミス</a:t>
-            </a:r>
-            <a:endParaRPr lang="ja-JP" altLang="en-US" sz="1050">
-              <a:latin typeface="メイリオ" pitchFamily="50" charset="-128"/>
-              <a:ea typeface="メイリオ" pitchFamily="50" charset="-128"/>
-              <a:cs typeface="メイリオ" pitchFamily="50" charset="-128"/>
-            </a:endParaRPr>
-          </a:p>
-          <a:p>
-            <a:pPr marL="228600" indent="-228600" algn="ctr">
-              <a:buFont typeface="+mj-lt"/>
-              <a:buAutoNum type="arabicPeriod"/>
-            </a:pPr>
-            <a:r>
-              <a:rPr lang="ja-JP" altLang="en-US" sz="1050" u="sng" smtClean="0">
-                <a:latin typeface="メイリオ" pitchFamily="50" charset="-128"/>
-                <a:ea typeface="メイリオ" pitchFamily="50" charset="-128"/>
-                <a:cs typeface="メイリオ" pitchFamily="50" charset="-128"/>
-              </a:rPr>
-              <a:t>ライン消滅エリア走行</a:t>
-            </a:r>
-            <a:r>
-              <a:rPr lang="ja-JP" altLang="en-US" sz="1050" smtClean="0">
-                <a:latin typeface="メイリオ" pitchFamily="50" charset="-128"/>
-                <a:ea typeface="メイリオ" pitchFamily="50" charset="-128"/>
-                <a:cs typeface="メイリオ" pitchFamily="50" charset="-128"/>
-              </a:rPr>
-              <a:t>時のコースアウト</a:t>
-            </a:r>
-            <a:endParaRPr lang="en-US" altLang="ja-JP" sz="1050" smtClean="0">
-              <a:latin typeface="メイリオ" pitchFamily="50" charset="-128"/>
-              <a:ea typeface="メイリオ" pitchFamily="50" charset="-128"/>
-              <a:cs typeface="メイリオ" pitchFamily="50" charset="-128"/>
-            </a:endParaRPr>
-          </a:p>
-          <a:p>
-            <a:pPr marL="228600" indent="-228600" algn="ctr">
-              <a:buFont typeface="+mj-lt"/>
-              <a:buAutoNum type="arabicPeriod"/>
-            </a:pPr>
-            <a:r>
-              <a:rPr lang="ja-JP" altLang="en-US" sz="1050" smtClean="0">
-                <a:latin typeface="メイリオ" pitchFamily="50" charset="-128"/>
-                <a:ea typeface="メイリオ" pitchFamily="50" charset="-128"/>
-                <a:cs typeface="メイリオ" pitchFamily="50" charset="-128"/>
-              </a:rPr>
-              <a:t>ライン消滅エリア終了後の</a:t>
-            </a:r>
-            <a:r>
-              <a:rPr lang="ja-JP" altLang="en-US" sz="1050" u="sng" smtClean="0">
-                <a:latin typeface="メイリオ" pitchFamily="50" charset="-128"/>
-                <a:ea typeface="メイリオ" pitchFamily="50" charset="-128"/>
-                <a:cs typeface="メイリオ" pitchFamily="50" charset="-128"/>
-              </a:rPr>
-              <a:t>ライン復帰</a:t>
-            </a:r>
-            <a:r>
-              <a:rPr lang="ja-JP" altLang="en-US" sz="1050" smtClean="0">
-                <a:latin typeface="メイリオ" pitchFamily="50" charset="-128"/>
-                <a:ea typeface="メイリオ" pitchFamily="50" charset="-128"/>
-                <a:cs typeface="メイリオ" pitchFamily="50" charset="-128"/>
-              </a:rPr>
-              <a:t>ミス</a:t>
-            </a:r>
-            <a:endParaRPr lang="ja-JP" altLang="en-US" sz="1050">
-              <a:latin typeface="メイリオ" pitchFamily="50" charset="-128"/>
-              <a:ea typeface="メイリオ" pitchFamily="50" charset="-128"/>
-              <a:cs typeface="メイリオ" pitchFamily="50" charset="-128"/>
-            </a:endParaRPr>
-          </a:p>
-        </p:txBody>
-      </p:sp>
-      <p:sp>
-        <p:nvSpPr>
-          <p:cNvPr id="39" name="角丸四角形 38"/>
+        </p:txBody>
+      </p:sp>
+      <p:sp>
+        <p:nvSpPr>
+          <p:cNvPr id="38" name="角丸四角形 37"/>
           <p:cNvSpPr/>
           <p:nvPr/>
         </p:nvSpPr>
         <p:spPr>
           <a:xfrm>
-            <a:off x="4168552" y="6227871"/>
-            <a:ext cx="3168352" cy="1453049"/>
-          </a:xfrm>
-          <a:prstGeom prst="roundRect">
-            <a:avLst/>
-          </a:prstGeom>
-        </p:spPr>
-        <p:style>
-          <a:lnRef idx="2">
-            <a:schemeClr val="accent1"/>
-          </a:lnRef>
-          <a:fillRef idx="1">
-            <a:schemeClr val="lt1"/>
-          </a:fillRef>
-          <a:effectRef idx="0">
-            <a:schemeClr val="accent1"/>
-          </a:effectRef>
-          <a:fontRef idx="minor">
-            <a:schemeClr val="dk1"/>
-          </a:fontRef>
-        </p:style>
-        <p:txBody>
-          <a:bodyPr rtlCol="0" anchor="ctr"/>
-          <a:lstStyle/>
-          <a:p>
-            <a:pPr algn="ctr"/>
-            <a:r>
-              <a:rPr lang="en-US" altLang="ja-JP" sz="1200" smtClean="0">
-                <a:ln w="3175">
-                  <a:solidFill>
-                    <a:srgbClr val="0070C0"/>
-                  </a:solidFill>
-                  <a:prstDash val="solid"/>
-                </a:ln>
-                <a:solidFill>
-                  <a:srgbClr val="FFFFFF"/>
-                </a:solidFill>
-                <a:effectLst>
-                  <a:outerShdw blurRad="38100" dist="32000" dir="5400000" algn="tl">
-                    <a:srgbClr val="000000">
-                      <a:alpha val="30000"/>
-                    </a:srgbClr>
-                  </a:outerShdw>
-                </a:effectLst>
-                <a:latin typeface="メイリオ" pitchFamily="50" charset="-128"/>
-                <a:ea typeface="メイリオ" pitchFamily="50" charset="-128"/>
-                <a:cs typeface="メイリオ" pitchFamily="50" charset="-128"/>
-              </a:rPr>
-              <a:t>-</a:t>
-            </a:r>
-            <a:r>
-              <a:rPr lang="ja-JP" altLang="en-US" sz="1200" smtClean="0">
-                <a:ln w="3175">
-                  <a:solidFill>
-                    <a:srgbClr val="0070C0"/>
-                  </a:solidFill>
-                  <a:prstDash val="solid"/>
-                </a:ln>
-                <a:solidFill>
-                  <a:srgbClr val="FFFFFF"/>
-                </a:solidFill>
-                <a:effectLst>
-                  <a:outerShdw blurRad="38100" dist="32000" dir="5400000" algn="tl">
-                    <a:srgbClr val="000000">
-                      <a:alpha val="30000"/>
-                    </a:srgbClr>
-                  </a:outerShdw>
-                </a:effectLst>
-                <a:latin typeface="メイリオ" pitchFamily="50" charset="-128"/>
-                <a:ea typeface="メイリオ" pitchFamily="50" charset="-128"/>
-                <a:cs typeface="メイリオ" pitchFamily="50" charset="-128"/>
-              </a:rPr>
-              <a:t>難関クリア</a:t>
-            </a:r>
-            <a:r>
-              <a:rPr lang="en-US" altLang="ja-JP" sz="1200" smtClean="0">
-                <a:ln w="3175">
-                  <a:solidFill>
-                    <a:srgbClr val="0070C0"/>
-                  </a:solidFill>
-                  <a:prstDash val="solid"/>
-                </a:ln>
-                <a:solidFill>
-                  <a:srgbClr val="FFFFFF"/>
-                </a:solidFill>
-                <a:effectLst>
-                  <a:outerShdw blurRad="38100" dist="32000" dir="5400000" algn="tl">
-                    <a:srgbClr val="000000">
-                      <a:alpha val="30000"/>
-                    </a:srgbClr>
-                  </a:outerShdw>
-                </a:effectLst>
-                <a:latin typeface="メイリオ" pitchFamily="50" charset="-128"/>
-                <a:ea typeface="メイリオ" pitchFamily="50" charset="-128"/>
-                <a:cs typeface="メイリオ" pitchFamily="50" charset="-128"/>
-              </a:rPr>
-              <a:t>-</a:t>
-            </a:r>
-          </a:p>
-          <a:p>
-            <a:pPr marL="228600" indent="-228600" algn="ctr">
-              <a:buFont typeface="+mj-lt"/>
-              <a:buAutoNum type="arabicPeriod"/>
-            </a:pPr>
-            <a:r>
-              <a:rPr lang="ja-JP" altLang="en-US" sz="1050" smtClean="0">
-                <a:latin typeface="メイリオ" pitchFamily="50" charset="-128"/>
-                <a:ea typeface="メイリオ" pitchFamily="50" charset="-128"/>
-                <a:cs typeface="メイリオ" pitchFamily="50" charset="-128"/>
-              </a:rPr>
-              <a:t>ライン上かつペットボトルに</a:t>
-            </a:r>
-            <a:r>
-              <a:rPr lang="en-US" altLang="ja-JP" sz="1050" smtClean="0">
-                <a:latin typeface="メイリオ" pitchFamily="50" charset="-128"/>
-                <a:ea typeface="メイリオ" pitchFamily="50" charset="-128"/>
-                <a:cs typeface="メイリオ" pitchFamily="50" charset="-128"/>
-              </a:rPr>
-              <a:t/>
-            </a:r>
-            <a:br>
-              <a:rPr lang="en-US" altLang="ja-JP" sz="1050" smtClean="0">
-                <a:latin typeface="メイリオ" pitchFamily="50" charset="-128"/>
-                <a:ea typeface="メイリオ" pitchFamily="50" charset="-128"/>
-                <a:cs typeface="メイリオ" pitchFamily="50" charset="-128"/>
-              </a:rPr>
-            </a:br>
-            <a:r>
-              <a:rPr lang="ja-JP" altLang="en-US" sz="1050" smtClean="0">
-                <a:latin typeface="メイリオ" pitchFamily="50" charset="-128"/>
-                <a:ea typeface="メイリオ" pitchFamily="50" charset="-128"/>
-                <a:cs typeface="メイリオ" pitchFamily="50" charset="-128"/>
-              </a:rPr>
-              <a:t>最も近い位置での検知</a:t>
-            </a:r>
-            <a:endParaRPr lang="ja-JP" altLang="en-US" sz="1050">
-              <a:latin typeface="メイリオ" pitchFamily="50" charset="-128"/>
-              <a:ea typeface="メイリオ" pitchFamily="50" charset="-128"/>
-              <a:cs typeface="メイリオ" pitchFamily="50" charset="-128"/>
-            </a:endParaRPr>
-          </a:p>
-          <a:p>
-            <a:pPr marL="228600" indent="-228600" algn="ctr">
-              <a:buFont typeface="+mj-lt"/>
-              <a:buAutoNum type="arabicPeriod"/>
-            </a:pPr>
-            <a:r>
-              <a:rPr lang="ja-JP" altLang="en-US" sz="1050" smtClean="0">
-                <a:latin typeface="メイリオ" pitchFamily="50" charset="-128"/>
-                <a:ea typeface="メイリオ" pitchFamily="50" charset="-128"/>
-                <a:cs typeface="メイリオ" pitchFamily="50" charset="-128"/>
-              </a:rPr>
-              <a:t>安定した旋回の実現によって検知前の</a:t>
-            </a:r>
-            <a:r>
-              <a:rPr lang="en-US" altLang="ja-JP" sz="1050" smtClean="0">
-                <a:latin typeface="メイリオ" pitchFamily="50" charset="-128"/>
-                <a:ea typeface="メイリオ" pitchFamily="50" charset="-128"/>
-                <a:cs typeface="メイリオ" pitchFamily="50" charset="-128"/>
-              </a:rPr>
-              <a:t/>
-            </a:r>
-            <a:br>
-              <a:rPr lang="en-US" altLang="ja-JP" sz="1050" smtClean="0">
-                <a:latin typeface="メイリオ" pitchFamily="50" charset="-128"/>
-                <a:ea typeface="メイリオ" pitchFamily="50" charset="-128"/>
-                <a:cs typeface="メイリオ" pitchFamily="50" charset="-128"/>
-              </a:rPr>
-            </a:br>
-            <a:r>
-              <a:rPr lang="ja-JP" altLang="en-US" sz="1050" smtClean="0">
-                <a:latin typeface="メイリオ" pitchFamily="50" charset="-128"/>
-                <a:ea typeface="メイリオ" pitchFamily="50" charset="-128"/>
-                <a:cs typeface="メイリオ" pitchFamily="50" charset="-128"/>
-              </a:rPr>
-              <a:t>正確な位置に復帰（階段と同様）</a:t>
-            </a:r>
-            <a:endParaRPr lang="ja-JP" altLang="en-US" sz="1050">
-              <a:latin typeface="メイリオ" pitchFamily="50" charset="-128"/>
-              <a:ea typeface="メイリオ" pitchFamily="50" charset="-128"/>
-              <a:cs typeface="メイリオ" pitchFamily="50" charset="-128"/>
-            </a:endParaRPr>
-          </a:p>
-          <a:p>
-            <a:pPr marL="228600" indent="-228600" algn="ctr">
-              <a:buFont typeface="+mj-lt"/>
-              <a:buAutoNum type="arabicPeriod"/>
-            </a:pPr>
-            <a:r>
-              <a:rPr lang="en-US" altLang="ja-JP" sz="1050" smtClean="0">
-                <a:latin typeface="メイリオ" pitchFamily="50" charset="-128"/>
-                <a:ea typeface="メイリオ" pitchFamily="50" charset="-128"/>
-                <a:cs typeface="メイリオ" pitchFamily="50" charset="-128"/>
-              </a:rPr>
-              <a:t>1</a:t>
-            </a:r>
-            <a:r>
-              <a:rPr lang="ja-JP" altLang="en-US" sz="1050" smtClean="0">
-                <a:latin typeface="メイリオ" pitchFamily="50" charset="-128"/>
-                <a:ea typeface="メイリオ" pitchFamily="50" charset="-128"/>
-                <a:cs typeface="メイリオ" pitchFamily="50" charset="-128"/>
-              </a:rPr>
-              <a:t>の実現により達成</a:t>
-            </a:r>
-            <a:endParaRPr lang="en-US" altLang="ja-JP" sz="1050" smtClean="0">
-              <a:latin typeface="メイリオ" pitchFamily="50" charset="-128"/>
-              <a:ea typeface="メイリオ" pitchFamily="50" charset="-128"/>
-              <a:cs typeface="メイリオ" pitchFamily="50" charset="-128"/>
-            </a:endParaRPr>
-          </a:p>
-          <a:p>
-            <a:pPr marL="228600" indent="-228600" algn="ctr">
-              <a:buFont typeface="+mj-lt"/>
-              <a:buAutoNum type="arabicPeriod"/>
-            </a:pPr>
-            <a:r>
-              <a:rPr lang="ja-JP" altLang="en-US" sz="1050" smtClean="0">
-                <a:latin typeface="メイリオ" pitchFamily="50" charset="-128"/>
-                <a:ea typeface="メイリオ" pitchFamily="50" charset="-128"/>
-                <a:cs typeface="メイリオ" pitchFamily="50" charset="-128"/>
-              </a:rPr>
-              <a:t>曲率制御によって</a:t>
-            </a:r>
-            <a:r>
-              <a:rPr lang="en-US" altLang="ja-JP" sz="1050" smtClean="0">
-                <a:latin typeface="メイリオ" pitchFamily="50" charset="-128"/>
-                <a:ea typeface="メイリオ" pitchFamily="50" charset="-128"/>
-                <a:cs typeface="メイリオ" pitchFamily="50" charset="-128"/>
-              </a:rPr>
-              <a:t/>
-            </a:r>
-            <a:br>
-              <a:rPr lang="en-US" altLang="ja-JP" sz="1050" smtClean="0">
-                <a:latin typeface="メイリオ" pitchFamily="50" charset="-128"/>
-                <a:ea typeface="メイリオ" pitchFamily="50" charset="-128"/>
-                <a:cs typeface="メイリオ" pitchFamily="50" charset="-128"/>
-              </a:rPr>
-            </a:br>
-            <a:r>
-              <a:rPr lang="ja-JP" altLang="en-US" sz="1050" smtClean="0">
-                <a:latin typeface="メイリオ" pitchFamily="50" charset="-128"/>
-                <a:ea typeface="メイリオ" pitchFamily="50" charset="-128"/>
-                <a:cs typeface="メイリオ" pitchFamily="50" charset="-128"/>
-              </a:rPr>
-              <a:t>擬似ライントレースを実現</a:t>
-            </a:r>
-            <a:endParaRPr lang="en-US" altLang="ja-JP" sz="1050" smtClean="0">
-              <a:latin typeface="メイリオ" pitchFamily="50" charset="-128"/>
-              <a:ea typeface="メイリオ" pitchFamily="50" charset="-128"/>
-              <a:cs typeface="メイリオ" pitchFamily="50" charset="-128"/>
-            </a:endParaRPr>
-          </a:p>
-          <a:p>
-            <a:pPr marL="228600" indent="-228600" algn="ctr">
-              <a:buFont typeface="+mj-lt"/>
-              <a:buAutoNum type="arabicPeriod"/>
-            </a:pPr>
-            <a:r>
-              <a:rPr lang="en-US" altLang="ja-JP" sz="1050" smtClean="0">
-                <a:latin typeface="メイリオ" pitchFamily="50" charset="-128"/>
-                <a:ea typeface="メイリオ" pitchFamily="50" charset="-128"/>
-                <a:cs typeface="メイリオ" pitchFamily="50" charset="-128"/>
-              </a:rPr>
-              <a:t>4</a:t>
-            </a:r>
-            <a:r>
-              <a:rPr lang="ja-JP" altLang="en-US" sz="1050" smtClean="0">
-                <a:latin typeface="メイリオ" pitchFamily="50" charset="-128"/>
-                <a:ea typeface="メイリオ" pitchFamily="50" charset="-128"/>
-                <a:cs typeface="メイリオ" pitchFamily="50" charset="-128"/>
-              </a:rPr>
-              <a:t>の実現により達成</a:t>
-            </a:r>
-            <a:endParaRPr lang="en-US" altLang="ja-JP" sz="1050" smtClean="0">
-              <a:latin typeface="メイリオ" pitchFamily="50" charset="-128"/>
-              <a:ea typeface="メイリオ" pitchFamily="50" charset="-128"/>
-              <a:cs typeface="メイリオ" pitchFamily="50" charset="-128"/>
-            </a:endParaRPr>
-          </a:p>
-        </p:txBody>
-      </p:sp>
-      <p:sp>
-        <p:nvSpPr>
-          <p:cNvPr id="40" name="角丸四角形 39"/>
-          <p:cNvSpPr/>
-          <p:nvPr/>
-        </p:nvSpPr>
-        <p:spPr>
-          <a:xfrm>
-            <a:off x="10172953" y="4949180"/>
-            <a:ext cx="2317965" cy="1195834"/>
+            <a:off x="312382" y="5304656"/>
+            <a:ext cx="4206630" cy="1195834"/>
           </a:xfrm>
           <a:prstGeom prst="roundRect">
             <a:avLst/>
@@ -6308,7 +5719,7 @@
                 <a:ea typeface="メイリオ" pitchFamily="50" charset="-128"/>
                 <a:cs typeface="メイリオ" pitchFamily="50" charset="-128"/>
               </a:rPr>
-              <a:t>シーソー突入</a:t>
+              <a:t>ペットボトル検知</a:t>
             </a:r>
             <a:r>
               <a:rPr lang="ja-JP" altLang="en-US" sz="1050" dirty="0" smtClean="0">
@@ -6316,7 +5727,87 @@
                 <a:ea typeface="メイリオ" pitchFamily="50" charset="-128"/>
                 <a:cs typeface="メイリオ" pitchFamily="50" charset="-128"/>
               </a:rPr>
-              <a:t>失敗</a:t>
+              <a:t>で誤検知</a:t>
+            </a:r>
+            <a:r>
+              <a:rPr lang="en-US" altLang="ja-JP" sz="1050" dirty="0" smtClean="0">
+                <a:latin typeface="メイリオ" pitchFamily="50" charset="-128"/>
+                <a:ea typeface="メイリオ" pitchFamily="50" charset="-128"/>
+                <a:cs typeface="メイリオ" pitchFamily="50" charset="-128"/>
+              </a:rPr>
+              <a:t>:</a:t>
+            </a:r>
+            <a:br>
+              <a:rPr lang="en-US" altLang="ja-JP" sz="1050" dirty="0" smtClean="0">
+                <a:latin typeface="メイリオ" pitchFamily="50" charset="-128"/>
+                <a:ea typeface="メイリオ" pitchFamily="50" charset="-128"/>
+                <a:cs typeface="メイリオ" pitchFamily="50" charset="-128"/>
+              </a:rPr>
+            </a:br>
+            <a:r>
+              <a:rPr lang="ja-JP" altLang="en-US" sz="1050" dirty="0" smtClean="0">
+                <a:latin typeface="メイリオ" pitchFamily="50" charset="-128"/>
+                <a:ea typeface="メイリオ" pitchFamily="50" charset="-128"/>
+                <a:cs typeface="メイリオ" pitchFamily="50" charset="-128"/>
+              </a:rPr>
+              <a:t>ライン消滅エリアでのコース選択ミス→</a:t>
+            </a:r>
+            <a:r>
+              <a:rPr lang="ja-JP" altLang="en-US" sz="1050" dirty="0" smtClean="0">
+                <a:solidFill>
+                  <a:srgbClr val="FF0000"/>
+                </a:solidFill>
+                <a:latin typeface="メイリオ" pitchFamily="50" charset="-128"/>
+                <a:ea typeface="メイリオ" pitchFamily="50" charset="-128"/>
+                <a:cs typeface="メイリオ" pitchFamily="50" charset="-128"/>
+              </a:rPr>
+              <a:t>タイム増加</a:t>
+            </a:r>
+            <a:endParaRPr lang="ja-JP" altLang="en-US" sz="1050" dirty="0">
+              <a:solidFill>
+                <a:srgbClr val="FF0000"/>
+              </a:solidFill>
+              <a:latin typeface="メイリオ" pitchFamily="50" charset="-128"/>
+              <a:ea typeface="メイリオ" pitchFamily="50" charset="-128"/>
+              <a:cs typeface="メイリオ" pitchFamily="50" charset="-128"/>
+            </a:endParaRPr>
+          </a:p>
+          <a:p>
+            <a:pPr marL="228600" indent="-228600" algn="ctr">
+              <a:buFont typeface="+mj-lt"/>
+              <a:buAutoNum type="arabicPeriod"/>
+            </a:pPr>
+            <a:r>
+              <a:rPr lang="ja-JP" altLang="en-US" sz="1050" dirty="0" smtClean="0">
+                <a:latin typeface="メイリオ" pitchFamily="50" charset="-128"/>
+                <a:ea typeface="メイリオ" pitchFamily="50" charset="-128"/>
+                <a:cs typeface="メイリオ" pitchFamily="50" charset="-128"/>
+              </a:rPr>
+              <a:t>ペットボトル</a:t>
+            </a:r>
+            <a:r>
+              <a:rPr lang="ja-JP" altLang="en-US" sz="1050" dirty="0" smtClean="0">
+                <a:latin typeface="メイリオ" pitchFamily="50" charset="-128"/>
+                <a:ea typeface="メイリオ" pitchFamily="50" charset="-128"/>
+                <a:cs typeface="メイリオ" pitchFamily="50" charset="-128"/>
+              </a:rPr>
+              <a:t>検知後に車体がライン上にいない</a:t>
+            </a:r>
+            <a:r>
+              <a:rPr lang="en-US" altLang="ja-JP" sz="1050" dirty="0" smtClean="0">
+                <a:latin typeface="メイリオ" pitchFamily="50" charset="-128"/>
+                <a:ea typeface="メイリオ" pitchFamily="50" charset="-128"/>
+                <a:cs typeface="メイリオ" pitchFamily="50" charset="-128"/>
+              </a:rPr>
+              <a:t>:</a:t>
+            </a:r>
+            <a:r>
+              <a:rPr lang="ja-JP" altLang="en-US" sz="1050" dirty="0" smtClean="0">
+                <a:latin typeface="メイリオ" pitchFamily="50" charset="-128"/>
+                <a:ea typeface="メイリオ" pitchFamily="50" charset="-128"/>
+                <a:cs typeface="メイリオ" pitchFamily="50" charset="-128"/>
+              </a:rPr>
+              <a:t>コースアウト</a:t>
             </a:r>
             <a:endParaRPr lang="ja-JP" altLang="en-US" sz="1050" dirty="0">
               <a:latin typeface="メイリオ" pitchFamily="50" charset="-128"/>
@@ -6335,38 +5826,23 @@
                 <a:ea typeface="メイリオ" pitchFamily="50" charset="-128"/>
                 <a:cs typeface="メイリオ" pitchFamily="50" charset="-128"/>
               </a:rPr>
-              <a:t>シーソー走行</a:t>
-            </a:r>
-            <a:r>
-              <a:rPr lang="ja-JP" altLang="en-US" sz="1050" dirty="0" smtClean="0">
-                <a:latin typeface="メイリオ" pitchFamily="50" charset="-128"/>
-                <a:ea typeface="メイリオ" pitchFamily="50" charset="-128"/>
-                <a:cs typeface="メイリオ" pitchFamily="50" charset="-128"/>
-              </a:rPr>
-              <a:t>中、</a:t>
-            </a:r>
-            <a:r>
-              <a:rPr lang="en-US" altLang="ja-JP" sz="1050" dirty="0" smtClean="0">
-                <a:latin typeface="メイリオ" pitchFamily="50" charset="-128"/>
-                <a:ea typeface="メイリオ" pitchFamily="50" charset="-128"/>
-                <a:cs typeface="メイリオ" pitchFamily="50" charset="-128"/>
-              </a:rPr>
-              <a:t/>
-            </a:r>
-            <a:br>
-              <a:rPr lang="en-US" altLang="ja-JP" sz="1050" dirty="0" smtClean="0">
-                <a:latin typeface="メイリオ" pitchFamily="50" charset="-128"/>
-                <a:ea typeface="メイリオ" pitchFamily="50" charset="-128"/>
-                <a:cs typeface="メイリオ" pitchFamily="50" charset="-128"/>
-              </a:rPr>
-            </a:br>
-            <a:r>
-              <a:rPr lang="ja-JP" altLang="en-US" sz="1050" dirty="0" smtClean="0">
-                <a:latin typeface="メイリオ" pitchFamily="50" charset="-128"/>
-                <a:ea typeface="メイリオ" pitchFamily="50" charset="-128"/>
-                <a:cs typeface="メイリオ" pitchFamily="50" charset="-128"/>
-              </a:rPr>
-              <a:t>傾きに耐えられず落下</a:t>
+              <a:t>ターンエリアでの走行失敗</a:t>
+            </a:r>
+            <a:r>
+              <a:rPr lang="en-US" altLang="ja-JP" sz="1050" u="sng" dirty="0" smtClean="0">
+                <a:latin typeface="メイリオ" pitchFamily="50" charset="-128"/>
+                <a:ea typeface="メイリオ" pitchFamily="50" charset="-128"/>
+                <a:cs typeface="メイリオ" pitchFamily="50" charset="-128"/>
+              </a:rPr>
+              <a:t>:</a:t>
+            </a:r>
+            <a:r>
+              <a:rPr lang="ja-JP" altLang="en-US" sz="1050" u="sng" dirty="0" smtClean="0">
+                <a:latin typeface="メイリオ" pitchFamily="50" charset="-128"/>
+                <a:ea typeface="メイリオ" pitchFamily="50" charset="-128"/>
+                <a:cs typeface="メイリオ" pitchFamily="50" charset="-128"/>
+              </a:rPr>
+              <a:t>コースアウト</a:t>
             </a:r>
             <a:endParaRPr lang="en-US" altLang="ja-JP" sz="1050" dirty="0" smtClean="0">
               <a:latin typeface="メイリオ" pitchFamily="50" charset="-128"/>
@@ -6380,20 +5856,20 @@
               <a:buAutoNum type="arabicPeriod"/>
             </a:pPr>
             <a:r>
-              <a:rPr lang="ja-JP" altLang="en-US" sz="1050" u="sng" dirty="0" smtClean="0">
-                <a:latin typeface="メイリオ" pitchFamily="50" charset="-128"/>
-                <a:ea typeface="メイリオ" pitchFamily="50" charset="-128"/>
-                <a:cs typeface="メイリオ" pitchFamily="50" charset="-128"/>
-              </a:rPr>
-              <a:t>シーソーの降下</a:t>
-            </a:r>
-            <a:r>
               <a:rPr lang="ja-JP" altLang="en-US" sz="1050" dirty="0" smtClean="0">
                 <a:latin typeface="メイリオ" pitchFamily="50" charset="-128"/>
                 <a:ea typeface="メイリオ" pitchFamily="50" charset="-128"/>
                 <a:cs typeface="メイリオ" pitchFamily="50" charset="-128"/>
               </a:rPr>
-              <a:t>に</a:t>
+              <a:t>ターン</a:t>
+            </a:r>
+            <a:r>
+              <a:rPr lang="ja-JP" altLang="en-US" sz="1050" dirty="0" smtClean="0">
+                <a:latin typeface="メイリオ" pitchFamily="50" charset="-128"/>
+                <a:ea typeface="メイリオ" pitchFamily="50" charset="-128"/>
+                <a:cs typeface="メイリオ" pitchFamily="50" charset="-128"/>
+              </a:rPr>
+              <a:t>エリア終了後に車体がライン上にいない</a:t>
             </a:r>
             <a:r>
               <a:rPr lang="en-US" altLang="ja-JP" sz="1050" dirty="0" smtClean="0">
@@ -6401,22 +5877,15 @@
                 <a:ea typeface="メイリオ" pitchFamily="50" charset="-128"/>
                 <a:cs typeface="メイリオ" pitchFamily="50" charset="-128"/>
               </a:rPr>
-              <a:t/>
-            </a:r>
-            <a:br>
-              <a:rPr lang="en-US" altLang="ja-JP" sz="1050" dirty="0" smtClean="0">
-                <a:latin typeface="メイリオ" pitchFamily="50" charset="-128"/>
-                <a:ea typeface="メイリオ" pitchFamily="50" charset="-128"/>
-                <a:cs typeface="メイリオ" pitchFamily="50" charset="-128"/>
-              </a:rPr>
-            </a:br>
+              <a:t>:</a:t>
+            </a:r>
             <a:r>
               <a:rPr lang="ja-JP" altLang="en-US" sz="1050" dirty="0" smtClean="0">
                 <a:latin typeface="メイリオ" pitchFamily="50" charset="-128"/>
                 <a:ea typeface="メイリオ" pitchFamily="50" charset="-128"/>
                 <a:cs typeface="メイリオ" pitchFamily="50" charset="-128"/>
               </a:rPr>
-              <a:t>耐えられず落下</a:t>
+              <a:t>コースアウト</a:t>
             </a:r>
             <a:endParaRPr lang="ja-JP" altLang="en-US" sz="1050" dirty="0">
               <a:latin typeface="メイリオ" pitchFamily="50" charset="-128"/>
@@ -6424,45 +5893,18 @@
               <a:cs typeface="メイリオ" pitchFamily="50" charset="-128"/>
             </a:endParaRPr>
           </a:p>
-          <a:p>
-            <a:pPr marL="228600" indent="-228600" algn="ctr">
-              <a:buFont typeface="+mj-lt"/>
-              <a:buAutoNum type="arabicPeriod"/>
-            </a:pPr>
-            <a:r>
-              <a:rPr lang="ja-JP" altLang="en-US" sz="1050" u="sng" dirty="0" smtClean="0">
-                <a:latin typeface="メイリオ" pitchFamily="50" charset="-128"/>
-                <a:ea typeface="メイリオ" pitchFamily="50" charset="-128"/>
-                <a:cs typeface="メイリオ" pitchFamily="50" charset="-128"/>
-              </a:rPr>
-              <a:t>シーソーからの落下</a:t>
-            </a:r>
-            <a:r>
-              <a:rPr lang="ja-JP" altLang="en-US" sz="1050" dirty="0" smtClean="0">
-                <a:latin typeface="メイリオ" pitchFamily="50" charset="-128"/>
-                <a:ea typeface="メイリオ" pitchFamily="50" charset="-128"/>
-                <a:cs typeface="メイリオ" pitchFamily="50" charset="-128"/>
-              </a:rPr>
-              <a:t>失敗</a:t>
-            </a:r>
-            <a:endParaRPr lang="en-US" altLang="ja-JP" sz="1050" dirty="0" smtClean="0">
-              <a:latin typeface="メイリオ" pitchFamily="50" charset="-128"/>
-              <a:ea typeface="メイリオ" pitchFamily="50" charset="-128"/>
-              <a:cs typeface="メイリオ" pitchFamily="50" charset="-128"/>
-            </a:endParaRPr>
-          </a:p>
-        </p:txBody>
-      </p:sp>
-      <p:sp>
-        <p:nvSpPr>
-          <p:cNvPr id="41" name="角丸四角形 40"/>
+        </p:txBody>
+      </p:sp>
+      <p:sp>
+        <p:nvSpPr>
+          <p:cNvPr id="39" name="角丸四角形 38"/>
           <p:cNvSpPr/>
           <p:nvPr/>
         </p:nvSpPr>
         <p:spPr>
           <a:xfrm>
-            <a:off x="10172953" y="6232435"/>
-            <a:ext cx="2317966" cy="1453049"/>
+            <a:off x="4600600" y="5219759"/>
+            <a:ext cx="2736304" cy="1453049"/>
           </a:xfrm>
           <a:prstGeom prst="roundRect">
             <a:avLst/>
@@ -6488,7 +5930,7 @@
           <a:p>
             <a:pPr algn="ctr"/>
             <a:r>
-              <a:rPr lang="en-US" altLang="ja-JP" sz="1200" smtClean="0">
+              <a:rPr lang="en-US" altLang="ja-JP" sz="1200" dirty="0" smtClean="0">
                 <a:ln w="3175">
                   <a:solidFill>
                     <a:srgbClr val="0070C0"/>
@@ -6512,7 +5954,7 @@
               <a:t>-</a:t>
             </a:r>
             <a:r>
-              <a:rPr lang="ja-JP" altLang="en-US" sz="1200" smtClean="0">
+              <a:rPr lang="ja-JP" altLang="en-US" sz="1200" dirty="0" smtClean="0">
                 <a:ln w="3175">
                   <a:solidFill>
                     <a:srgbClr val="0070C0"/>
@@ -6533,10 +5975,10 @@
                 <a:ea typeface="メイリオ" pitchFamily="50" charset="-128"/>
                 <a:cs typeface="メイリオ" pitchFamily="50" charset="-128"/>
               </a:rPr>
-              <a:t>難関クリア</a:t>
-            </a:r>
-            <a:r>
-              <a:rPr lang="en-US" altLang="ja-JP" sz="1200" smtClean="0">
+              <a:t>危険回避実現</a:t>
+            </a:r>
+            <a:r>
+              <a:rPr lang="en-US" altLang="ja-JP" sz="1200" dirty="0" smtClean="0">
                 <a:ln w="3175">
                   <a:solidFill>
                     <a:srgbClr val="0070C0"/>
@@ -6559,6 +6001,11 @@
               </a:rPr>
               <a:t>-</a:t>
             </a:r>
+            <a:endParaRPr lang="ja-JP" altLang="en-US" sz="1050" dirty="0">
+              <a:latin typeface="メイリオ" pitchFamily="50" charset="-128"/>
+              <a:ea typeface="メイリオ" pitchFamily="50" charset="-128"/>
+              <a:cs typeface="メイリオ" pitchFamily="50" charset="-128"/>
+            </a:endParaRPr>
           </a:p>
           <a:p>
             <a:pPr marL="228600" indent="-228600" algn="ctr">
@@ -6566,30 +6013,14 @@
               <a:buAutoNum type="arabicPeriod"/>
             </a:pPr>
             <a:r>
-              <a:rPr lang="ja-JP" altLang="en-US" sz="1050" smtClean="0">
-                <a:latin typeface="メイリオ" pitchFamily="50" charset="-128"/>
-                <a:ea typeface="メイリオ" pitchFamily="50" charset="-128"/>
-                <a:cs typeface="メイリオ" pitchFamily="50" charset="-128"/>
-              </a:rPr>
-              <a:t>段差</a:t>
-            </a:r>
-            <a:r>
-              <a:rPr lang="en-US" altLang="ja-JP" sz="1050" smtClean="0">
-                <a:latin typeface="メイリオ" pitchFamily="50" charset="-128"/>
-                <a:ea typeface="メイリオ" pitchFamily="50" charset="-128"/>
-                <a:cs typeface="メイリオ" pitchFamily="50" charset="-128"/>
-              </a:rPr>
-              <a:t>1</a:t>
-            </a:r>
-            <a:r>
-              <a:rPr lang="ja-JP" altLang="en-US" sz="1050" smtClean="0">
-                <a:latin typeface="メイリオ" pitchFamily="50" charset="-128"/>
-                <a:ea typeface="メイリオ" pitchFamily="50" charset="-128"/>
-                <a:cs typeface="メイリオ" pitchFamily="50" charset="-128"/>
-              </a:rPr>
-              <a:t>と同様の技術でクリア</a:t>
-            </a:r>
-            <a:endParaRPr lang="ja-JP" altLang="en-US" sz="1050">
+              <a:rPr lang="ja-JP" altLang="en-US" sz="1050" dirty="0" smtClean="0">
+                <a:latin typeface="メイリオ" pitchFamily="50" charset="-128"/>
+                <a:ea typeface="メイリオ" pitchFamily="50" charset="-128"/>
+                <a:cs typeface="メイリオ" pitchFamily="50" charset="-128"/>
+              </a:rPr>
+              <a:t>左下参照</a:t>
+            </a:r>
+            <a:endParaRPr lang="ja-JP" altLang="en-US" sz="1050" dirty="0">
               <a:latin typeface="メイリオ" pitchFamily="50" charset="-128"/>
               <a:ea typeface="メイリオ" pitchFamily="50" charset="-128"/>
               <a:cs typeface="メイリオ" pitchFamily="50" charset="-128"/>
@@ -6601,37 +6032,14 @@
               <a:buAutoNum type="arabicPeriod"/>
             </a:pPr>
             <a:r>
-              <a:rPr lang="ja-JP" altLang="en-US" sz="1050" smtClean="0">
-                <a:latin typeface="メイリオ" pitchFamily="50" charset="-128"/>
-                <a:ea typeface="メイリオ" pitchFamily="50" charset="-128"/>
-                <a:cs typeface="メイリオ" pitchFamily="50" charset="-128"/>
-              </a:rPr>
-              <a:t>倒立制御の基準を変更し、</a:t>
-            </a:r>
-            <a:r>
-              <a:rPr lang="en-US" altLang="ja-JP" sz="1050" smtClean="0">
-                <a:latin typeface="メイリオ" pitchFamily="50" charset="-128"/>
-                <a:ea typeface="メイリオ" pitchFamily="50" charset="-128"/>
-                <a:cs typeface="メイリオ" pitchFamily="50" charset="-128"/>
-              </a:rPr>
-              <a:t/>
-            </a:r>
-            <a:br>
-              <a:rPr lang="en-US" altLang="ja-JP" sz="1050" smtClean="0">
-                <a:latin typeface="メイリオ" pitchFamily="50" charset="-128"/>
-                <a:ea typeface="メイリオ" pitchFamily="50" charset="-128"/>
-                <a:cs typeface="メイリオ" pitchFamily="50" charset="-128"/>
-              </a:rPr>
-            </a:br>
-            <a:r>
-              <a:rPr lang="ja-JP" altLang="en-US" sz="1050" smtClean="0">
-                <a:latin typeface="メイリオ" pitchFamily="50" charset="-128"/>
-                <a:ea typeface="メイリオ" pitchFamily="50" charset="-128"/>
-                <a:cs typeface="メイリオ" pitchFamily="50" charset="-128"/>
-              </a:rPr>
-              <a:t>安定した斜面走行を実現</a:t>
-            </a:r>
-            <a:endParaRPr lang="en-US" altLang="ja-JP" sz="1050">
+              <a:rPr lang="ja-JP" altLang="en-US" sz="1050" dirty="0" smtClean="0">
+                <a:latin typeface="メイリオ" pitchFamily="50" charset="-128"/>
+                <a:ea typeface="メイリオ" pitchFamily="50" charset="-128"/>
+                <a:cs typeface="メイリオ" pitchFamily="50" charset="-128"/>
+              </a:rPr>
+              <a:t>左下参照</a:t>
+            </a:r>
+            <a:endParaRPr lang="en-US" altLang="ja-JP" sz="1050" dirty="0" smtClean="0">
               <a:latin typeface="メイリオ" pitchFamily="50" charset="-128"/>
               <a:ea typeface="メイリオ" pitchFamily="50" charset="-128"/>
               <a:cs typeface="メイリオ" pitchFamily="50" charset="-128"/>
@@ -6643,15 +6051,23 @@
               <a:buAutoNum type="arabicPeriod"/>
             </a:pPr>
             <a:r>
-              <a:rPr lang="ja-JP" altLang="en-US" sz="1050" smtClean="0">
-                <a:latin typeface="メイリオ" pitchFamily="50" charset="-128"/>
-                <a:ea typeface="メイリオ" pitchFamily="50" charset="-128"/>
-                <a:cs typeface="メイリオ" pitchFamily="50" charset="-128"/>
-              </a:rPr>
-              <a:t>シーソーの降下を検知し、</a:t>
-            </a:r>
-            <a:r>
-              <a:rPr lang="en-US" altLang="ja-JP" sz="1050" smtClean="0">
+              <a:rPr lang="ja-JP" altLang="en-US" sz="1050" dirty="0" smtClean="0">
+                <a:latin typeface="メイリオ" pitchFamily="50" charset="-128"/>
+                <a:ea typeface="メイリオ" pitchFamily="50" charset="-128"/>
+                <a:cs typeface="メイリオ" pitchFamily="50" charset="-128"/>
+              </a:rPr>
+              <a:t>曲率制御に</a:t>
+            </a:r>
+            <a:r>
+              <a:rPr lang="ja-JP" altLang="en-US" sz="1050" dirty="0" smtClean="0">
+                <a:latin typeface="メイリオ" pitchFamily="50" charset="-128"/>
+                <a:ea typeface="メイリオ" pitchFamily="50" charset="-128"/>
+                <a:cs typeface="メイリオ" pitchFamily="50" charset="-128"/>
+              </a:rPr>
+              <a:t>よって</a:t>
+            </a:r>
+            <a:r>
+              <a:rPr lang="en-US" altLang="ja-JP" sz="1050" dirty="0" smtClean="0">
                 <a:latin typeface="メイリオ" pitchFamily="50" charset="-128"/>
                 <a:ea typeface="メイリオ" pitchFamily="50" charset="-128"/>
                 <a:cs typeface="メイリオ" pitchFamily="50" charset="-128"/>
@@ -6659,21 +6075,29 @@
               <a:t/>
             </a:r>
             <a:br>
-              <a:rPr lang="en-US" altLang="ja-JP" sz="1050" smtClean="0">
+              <a:rPr lang="en-US" altLang="ja-JP" sz="1050" dirty="0" smtClean="0">
                 <a:latin typeface="メイリオ" pitchFamily="50" charset="-128"/>
                 <a:ea typeface="メイリオ" pitchFamily="50" charset="-128"/>
                 <a:cs typeface="メイリオ" pitchFamily="50" charset="-128"/>
               </a:rPr>
             </a:br>
             <a:r>
-              <a:rPr lang="ja-JP" altLang="en-US" sz="1050" smtClean="0">
-                <a:latin typeface="メイリオ" pitchFamily="50" charset="-128"/>
-                <a:ea typeface="メイリオ" pitchFamily="50" charset="-128"/>
-                <a:cs typeface="メイリオ" pitchFamily="50" charset="-128"/>
-              </a:rPr>
-              <a:t>衝撃を吸収してクリア</a:t>
-            </a:r>
-            <a:endParaRPr lang="en-US" altLang="ja-JP" sz="1050" smtClean="0">
+              <a:rPr lang="ja-JP" altLang="en-US" sz="1050" dirty="0" smtClean="0">
+                <a:latin typeface="メイリオ" pitchFamily="50" charset="-128"/>
+                <a:ea typeface="メイリオ" pitchFamily="50" charset="-128"/>
+                <a:cs typeface="メイリオ" pitchFamily="50" charset="-128"/>
+              </a:rPr>
+              <a:t>擬似</a:t>
+            </a:r>
+            <a:r>
+              <a:rPr lang="ja-JP" altLang="en-US" sz="1050" dirty="0" smtClean="0">
+                <a:latin typeface="メイリオ" pitchFamily="50" charset="-128"/>
+                <a:ea typeface="メイリオ" pitchFamily="50" charset="-128"/>
+                <a:cs typeface="メイリオ" pitchFamily="50" charset="-128"/>
+              </a:rPr>
+              <a:t>ライントレースを実現</a:t>
+            </a:r>
+            <a:endParaRPr lang="en-US" altLang="ja-JP" sz="1050" dirty="0" smtClean="0">
               <a:latin typeface="メイリオ" pitchFamily="50" charset="-128"/>
               <a:ea typeface="メイリオ" pitchFamily="50" charset="-128"/>
               <a:cs typeface="メイリオ" pitchFamily="50" charset="-128"/>
@@ -6685,7 +6109,554 @@
               <a:buAutoNum type="arabicPeriod"/>
             </a:pPr>
             <a:r>
-              <a:rPr lang="ja-JP" altLang="en-US" sz="1050" smtClean="0">
+              <a:rPr lang="ja-JP" altLang="en-US" sz="1050" dirty="0" smtClean="0">
+                <a:latin typeface="メイリオ" pitchFamily="50" charset="-128"/>
+                <a:ea typeface="メイリオ" pitchFamily="50" charset="-128"/>
+                <a:cs typeface="メイリオ" pitchFamily="50" charset="-128"/>
+              </a:rPr>
+              <a:t>擬似ライントレース終了後</a:t>
+            </a:r>
+            <a:r>
+              <a:rPr lang="en-US" altLang="ja-JP" sz="1050" dirty="0" smtClean="0">
+                <a:latin typeface="メイリオ" pitchFamily="50" charset="-128"/>
+                <a:ea typeface="メイリオ" pitchFamily="50" charset="-128"/>
+                <a:cs typeface="メイリオ" pitchFamily="50" charset="-128"/>
+              </a:rPr>
+              <a:t/>
+            </a:r>
+            <a:br>
+              <a:rPr lang="en-US" altLang="ja-JP" sz="1050" dirty="0" smtClean="0">
+                <a:latin typeface="メイリオ" pitchFamily="50" charset="-128"/>
+                <a:ea typeface="メイリオ" pitchFamily="50" charset="-128"/>
+                <a:cs typeface="メイリオ" pitchFamily="50" charset="-128"/>
+              </a:rPr>
+            </a:br>
+            <a:r>
+              <a:rPr lang="ja-JP" altLang="en-US" sz="1050" dirty="0" smtClean="0">
+                <a:latin typeface="メイリオ" pitchFamily="50" charset="-128"/>
+                <a:ea typeface="メイリオ" pitchFamily="50" charset="-128"/>
+                <a:cs typeface="メイリオ" pitchFamily="50" charset="-128"/>
+              </a:rPr>
+              <a:t>車体はライン上にいるためそのまま再開可能</a:t>
+            </a:r>
+            <a:endParaRPr lang="en-US" altLang="ja-JP" sz="1050" dirty="0" smtClean="0">
+              <a:latin typeface="メイリオ" pitchFamily="50" charset="-128"/>
+              <a:ea typeface="メイリオ" pitchFamily="50" charset="-128"/>
+              <a:cs typeface="メイリオ" pitchFamily="50" charset="-128"/>
+            </a:endParaRPr>
+          </a:p>
+        </p:txBody>
+      </p:sp>
+      <p:sp>
+        <p:nvSpPr>
+          <p:cNvPr id="40" name="角丸四角形 39"/>
+          <p:cNvSpPr/>
+          <p:nvPr/>
+        </p:nvSpPr>
+        <p:spPr>
+          <a:xfrm>
+            <a:off x="7480920" y="5304656"/>
+            <a:ext cx="4968552" cy="1195834"/>
+          </a:xfrm>
+          <a:prstGeom prst="roundRect">
+            <a:avLst/>
+          </a:prstGeom>
+        </p:spPr>
+        <p:style>
+          <a:lnRef idx="2">
+            <a:schemeClr val="accent2"/>
+          </a:lnRef>
+          <a:fillRef idx="1">
+            <a:schemeClr val="lt1"/>
+          </a:fillRef>
+          <a:effectRef idx="0">
+            <a:schemeClr val="accent2"/>
+          </a:effectRef>
+          <a:fontRef idx="minor">
+            <a:schemeClr val="dk1"/>
+          </a:fontRef>
+        </p:style>
+        <p:txBody>
+          <a:bodyPr rtlCol="0" anchor="ctr"/>
+          <a:lstStyle/>
+          <a:p>
+            <a:pPr algn="ctr"/>
+            <a:r>
+              <a:rPr lang="en-US" altLang="ja-JP" sz="1200" dirty="0" smtClean="0">
+                <a:ln w="3175">
+                  <a:solidFill>
+                    <a:srgbClr val="FF0000"/>
+                  </a:solidFill>
+                  <a:prstDash val="solid"/>
+                </a:ln>
+                <a:solidFill>
+                  <a:srgbClr val="FFFFFF"/>
+                </a:solidFill>
+                <a:effectLst>
+                  <a:outerShdw blurRad="38100" dist="32000" dir="5400000" algn="tl">
+                    <a:srgbClr val="000000">
+                      <a:alpha val="30000"/>
+                    </a:srgbClr>
+                  </a:outerShdw>
+                </a:effectLst>
+                <a:latin typeface="メイリオ" pitchFamily="50" charset="-128"/>
+                <a:ea typeface="メイリオ" pitchFamily="50" charset="-128"/>
+                <a:cs typeface="メイリオ" pitchFamily="50" charset="-128"/>
+              </a:rPr>
+              <a:t>-</a:t>
+            </a:r>
+            <a:r>
+              <a:rPr lang="ja-JP" altLang="en-US" sz="1200" dirty="0">
+                <a:ln w="3175">
+                  <a:solidFill>
+                    <a:srgbClr val="FF0000"/>
+                  </a:solidFill>
+                  <a:prstDash val="solid"/>
+                </a:ln>
+                <a:solidFill>
+                  <a:srgbClr val="FFFFFF"/>
+                </a:solidFill>
+                <a:effectLst>
+                  <a:outerShdw blurRad="38100" dist="32000" dir="5400000" algn="tl">
+                    <a:srgbClr val="000000">
+                      <a:alpha val="30000"/>
+                    </a:srgbClr>
+                  </a:outerShdw>
+                </a:effectLst>
+                <a:latin typeface="メイリオ" pitchFamily="50" charset="-128"/>
+                <a:ea typeface="メイリオ" pitchFamily="50" charset="-128"/>
+                <a:cs typeface="メイリオ" pitchFamily="50" charset="-128"/>
+              </a:rPr>
+              <a:t>危険</a:t>
+            </a:r>
+            <a:r>
+              <a:rPr lang="ja-JP" altLang="en-US" sz="1200" dirty="0" smtClean="0">
+                <a:ln w="3175">
+                  <a:solidFill>
+                    <a:srgbClr val="FF0000"/>
+                  </a:solidFill>
+                  <a:prstDash val="solid"/>
+                </a:ln>
+                <a:solidFill>
+                  <a:srgbClr val="FFFFFF"/>
+                </a:solidFill>
+                <a:effectLst>
+                  <a:outerShdw blurRad="38100" dist="32000" dir="5400000" algn="tl">
+                    <a:srgbClr val="000000">
+                      <a:alpha val="30000"/>
+                    </a:srgbClr>
+                  </a:outerShdw>
+                </a:effectLst>
+                <a:latin typeface="メイリオ" pitchFamily="50" charset="-128"/>
+                <a:ea typeface="メイリオ" pitchFamily="50" charset="-128"/>
+                <a:cs typeface="メイリオ" pitchFamily="50" charset="-128"/>
+              </a:rPr>
+              <a:t>ポイント</a:t>
+            </a:r>
+            <a:r>
+              <a:rPr lang="en-US" altLang="ja-JP" sz="1200" dirty="0" smtClean="0">
+                <a:ln w="3175">
+                  <a:solidFill>
+                    <a:srgbClr val="FF0000"/>
+                  </a:solidFill>
+                  <a:prstDash val="solid"/>
+                </a:ln>
+                <a:solidFill>
+                  <a:srgbClr val="FFFFFF"/>
+                </a:solidFill>
+                <a:effectLst>
+                  <a:outerShdw blurRad="38100" dist="32000" dir="5400000" algn="tl">
+                    <a:srgbClr val="000000">
+                      <a:alpha val="30000"/>
+                    </a:srgbClr>
+                  </a:outerShdw>
+                </a:effectLst>
+                <a:latin typeface="メイリオ" pitchFamily="50" charset="-128"/>
+                <a:ea typeface="メイリオ" pitchFamily="50" charset="-128"/>
+                <a:cs typeface="メイリオ" pitchFamily="50" charset="-128"/>
+              </a:rPr>
+              <a:t>-</a:t>
+            </a:r>
+            <a:endParaRPr lang="en-US" altLang="ja-JP" sz="1200" dirty="0">
+              <a:ln w="3175">
+                <a:solidFill>
+                  <a:srgbClr val="FF0000"/>
+                </a:solidFill>
+                <a:prstDash val="solid"/>
+              </a:ln>
+              <a:solidFill>
+                <a:srgbClr val="FFFFFF"/>
+              </a:solidFill>
+              <a:effectLst>
+                <a:outerShdw blurRad="38100" dist="32000" dir="5400000" algn="tl">
+                  <a:srgbClr val="000000">
+                    <a:alpha val="30000"/>
+                  </a:srgbClr>
+                </a:outerShdw>
+              </a:effectLst>
+              <a:latin typeface="メイリオ" pitchFamily="50" charset="-128"/>
+              <a:ea typeface="メイリオ" pitchFamily="50" charset="-128"/>
+              <a:cs typeface="メイリオ" pitchFamily="50" charset="-128"/>
+            </a:endParaRPr>
+          </a:p>
+          <a:p>
+            <a:pPr marL="228600" indent="-228600" algn="ctr">
+              <a:buFont typeface="+mj-lt"/>
+              <a:buAutoNum type="arabicPeriod"/>
+            </a:pPr>
+            <a:r>
+              <a:rPr lang="ja-JP" altLang="en-US" sz="1050" u="sng" dirty="0" smtClean="0">
+                <a:latin typeface="メイリオ" pitchFamily="50" charset="-128"/>
+                <a:ea typeface="メイリオ" pitchFamily="50" charset="-128"/>
+                <a:cs typeface="メイリオ" pitchFamily="50" charset="-128"/>
+              </a:rPr>
+              <a:t>シーソー</a:t>
+            </a:r>
+            <a:r>
+              <a:rPr lang="ja-JP" altLang="en-US" sz="1050" u="sng" dirty="0" smtClean="0">
+                <a:latin typeface="メイリオ" pitchFamily="50" charset="-128"/>
+                <a:ea typeface="メイリオ" pitchFamily="50" charset="-128"/>
+                <a:cs typeface="メイリオ" pitchFamily="50" charset="-128"/>
+              </a:rPr>
+              <a:t>突入</a:t>
+            </a:r>
+            <a:r>
+              <a:rPr lang="ja-JP" altLang="en-US" sz="1050" dirty="0" smtClean="0">
+                <a:latin typeface="メイリオ" pitchFamily="50" charset="-128"/>
+                <a:ea typeface="メイリオ" pitchFamily="50" charset="-128"/>
+                <a:cs typeface="メイリオ" pitchFamily="50" charset="-128"/>
+              </a:rPr>
+              <a:t>時に車体が不安定</a:t>
+            </a:r>
+            <a:r>
+              <a:rPr lang="en-US" altLang="ja-JP" sz="1050" dirty="0" smtClean="0">
+                <a:latin typeface="メイリオ" pitchFamily="50" charset="-128"/>
+                <a:ea typeface="メイリオ" pitchFamily="50" charset="-128"/>
+                <a:cs typeface="メイリオ" pitchFamily="50" charset="-128"/>
+              </a:rPr>
+              <a:t>:</a:t>
+            </a:r>
+            <a:r>
+              <a:rPr lang="ja-JP" altLang="en-US" sz="1050" dirty="0" smtClean="0">
+                <a:latin typeface="メイリオ" pitchFamily="50" charset="-128"/>
+                <a:ea typeface="メイリオ" pitchFamily="50" charset="-128"/>
+                <a:cs typeface="メイリオ" pitchFamily="50" charset="-128"/>
+              </a:rPr>
+              <a:t>転倒</a:t>
+            </a:r>
+            <a:endParaRPr lang="ja-JP" altLang="en-US" sz="1050" dirty="0">
+              <a:latin typeface="メイリオ" pitchFamily="50" charset="-128"/>
+              <a:ea typeface="メイリオ" pitchFamily="50" charset="-128"/>
+              <a:cs typeface="メイリオ" pitchFamily="50" charset="-128"/>
+            </a:endParaRPr>
+          </a:p>
+          <a:p>
+            <a:pPr marL="228600" indent="-228600" algn="ctr">
+              <a:buFont typeface="+mj-lt"/>
+              <a:buAutoNum type="arabicPeriod"/>
+            </a:pPr>
+            <a:r>
+              <a:rPr lang="ja-JP" altLang="en-US" sz="1050" u="sng" dirty="0" smtClean="0">
+                <a:latin typeface="メイリオ" pitchFamily="50" charset="-128"/>
+                <a:ea typeface="メイリオ" pitchFamily="50" charset="-128"/>
+                <a:cs typeface="メイリオ" pitchFamily="50" charset="-128"/>
+              </a:rPr>
+              <a:t>シーソーの傾きによって車体が不安定</a:t>
+            </a:r>
+            <a:r>
+              <a:rPr lang="en-US" altLang="ja-JP" sz="1050" u="sng" dirty="0" smtClean="0">
+                <a:latin typeface="メイリオ" pitchFamily="50" charset="-128"/>
+                <a:ea typeface="メイリオ" pitchFamily="50" charset="-128"/>
+                <a:cs typeface="メイリオ" pitchFamily="50" charset="-128"/>
+              </a:rPr>
+              <a:t>:</a:t>
+            </a:r>
+            <a:r>
+              <a:rPr lang="ja-JP" altLang="en-US" sz="1050" u="sng" dirty="0" smtClean="0">
+                <a:latin typeface="メイリオ" pitchFamily="50" charset="-128"/>
+                <a:ea typeface="メイリオ" pitchFamily="50" charset="-128"/>
+                <a:cs typeface="メイリオ" pitchFamily="50" charset="-128"/>
+              </a:rPr>
+              <a:t>落下及び転倒</a:t>
+            </a:r>
+            <a:endParaRPr lang="en-US" altLang="ja-JP" sz="1050" u="sng" dirty="0" smtClean="0">
+              <a:latin typeface="メイリオ" pitchFamily="50" charset="-128"/>
+              <a:ea typeface="メイリオ" pitchFamily="50" charset="-128"/>
+              <a:cs typeface="メイリオ" pitchFamily="50" charset="-128"/>
+            </a:endParaRPr>
+          </a:p>
+          <a:p>
+            <a:pPr marL="228600" indent="-228600" algn="ctr">
+              <a:buFont typeface="+mj-lt"/>
+              <a:buAutoNum type="arabicPeriod"/>
+            </a:pPr>
+            <a:r>
+              <a:rPr lang="ja-JP" altLang="en-US" sz="1050" u="sng" dirty="0" smtClean="0">
+                <a:latin typeface="メイリオ" pitchFamily="50" charset="-128"/>
+                <a:ea typeface="メイリオ" pitchFamily="50" charset="-128"/>
+                <a:cs typeface="メイリオ" pitchFamily="50" charset="-128"/>
+              </a:rPr>
+              <a:t>シーソー上とコース上の輝度値の違いに対応できない</a:t>
+            </a:r>
+            <a:r>
+              <a:rPr lang="en-US" altLang="ja-JP" sz="1050" u="sng" dirty="0" smtClean="0">
+                <a:latin typeface="メイリオ" pitchFamily="50" charset="-128"/>
+                <a:ea typeface="メイリオ" pitchFamily="50" charset="-128"/>
+                <a:cs typeface="メイリオ" pitchFamily="50" charset="-128"/>
+              </a:rPr>
+              <a:t>:</a:t>
+            </a:r>
+            <a:r>
+              <a:rPr lang="ja-JP" altLang="en-US" sz="1050" u="sng" dirty="0" smtClean="0">
+                <a:latin typeface="メイリオ" pitchFamily="50" charset="-128"/>
+                <a:ea typeface="メイリオ" pitchFamily="50" charset="-128"/>
+                <a:cs typeface="メイリオ" pitchFamily="50" charset="-128"/>
+              </a:rPr>
+              <a:t>コースアウト</a:t>
+            </a:r>
+            <a:endParaRPr lang="en-US" altLang="ja-JP" sz="1050" dirty="0" smtClean="0">
+              <a:latin typeface="メイリオ" pitchFamily="50" charset="-128"/>
+              <a:ea typeface="メイリオ" pitchFamily="50" charset="-128"/>
+              <a:cs typeface="メイリオ" pitchFamily="50" charset="-128"/>
+            </a:endParaRPr>
+          </a:p>
+          <a:p>
+            <a:pPr marL="228600" indent="-228600" algn="ctr">
+              <a:buFont typeface="+mj-lt"/>
+              <a:buAutoNum type="arabicPeriod"/>
+            </a:pPr>
+            <a:r>
+              <a:rPr lang="ja-JP" altLang="en-US" sz="1050" u="sng" dirty="0" smtClean="0">
+                <a:latin typeface="メイリオ" pitchFamily="50" charset="-128"/>
+                <a:ea typeface="メイリオ" pitchFamily="50" charset="-128"/>
+                <a:cs typeface="メイリオ" pitchFamily="50" charset="-128"/>
+              </a:rPr>
+              <a:t>シーソー降下</a:t>
+            </a:r>
+            <a:r>
+              <a:rPr lang="ja-JP" altLang="en-US" sz="1050" dirty="0" smtClean="0">
+                <a:latin typeface="メイリオ" pitchFamily="50" charset="-128"/>
+                <a:ea typeface="メイリオ" pitchFamily="50" charset="-128"/>
+                <a:cs typeface="メイリオ" pitchFamily="50" charset="-128"/>
+              </a:rPr>
+              <a:t>時に車体が不安定</a:t>
+            </a:r>
+            <a:r>
+              <a:rPr lang="en-US" altLang="ja-JP" sz="1050" dirty="0" smtClean="0">
+                <a:latin typeface="メイリオ" pitchFamily="50" charset="-128"/>
+                <a:ea typeface="メイリオ" pitchFamily="50" charset="-128"/>
+                <a:cs typeface="メイリオ" pitchFamily="50" charset="-128"/>
+              </a:rPr>
+              <a:t>:</a:t>
+            </a:r>
+            <a:r>
+              <a:rPr lang="ja-JP" altLang="en-US" sz="1050" dirty="0" smtClean="0">
+                <a:latin typeface="メイリオ" pitchFamily="50" charset="-128"/>
+                <a:ea typeface="メイリオ" pitchFamily="50" charset="-128"/>
+                <a:cs typeface="メイリオ" pitchFamily="50" charset="-128"/>
+              </a:rPr>
+              <a:t>落下及び転倒</a:t>
+            </a:r>
+            <a:endParaRPr lang="ja-JP" altLang="en-US" sz="1050" dirty="0">
+              <a:latin typeface="メイリオ" pitchFamily="50" charset="-128"/>
+              <a:ea typeface="メイリオ" pitchFamily="50" charset="-128"/>
+              <a:cs typeface="メイリオ" pitchFamily="50" charset="-128"/>
+            </a:endParaRPr>
+          </a:p>
+          <a:p>
+            <a:pPr marL="228600" indent="-228600" algn="ctr">
+              <a:buFont typeface="+mj-lt"/>
+              <a:buAutoNum type="arabicPeriod"/>
+            </a:pPr>
+            <a:r>
+              <a:rPr lang="ja-JP" altLang="en-US" sz="1050" u="sng" dirty="0" smtClean="0">
+                <a:latin typeface="メイリオ" pitchFamily="50" charset="-128"/>
+                <a:ea typeface="メイリオ" pitchFamily="50" charset="-128"/>
+                <a:cs typeface="メイリオ" pitchFamily="50" charset="-128"/>
+              </a:rPr>
+              <a:t>シーソー</a:t>
+            </a:r>
+            <a:r>
+              <a:rPr lang="ja-JP" altLang="en-US" sz="1050" dirty="0" smtClean="0">
+                <a:latin typeface="メイリオ" pitchFamily="50" charset="-128"/>
+                <a:ea typeface="メイリオ" pitchFamily="50" charset="-128"/>
+                <a:cs typeface="メイリオ" pitchFamily="50" charset="-128"/>
+              </a:rPr>
+              <a:t>落下時に車体が不安定</a:t>
+            </a:r>
+            <a:r>
+              <a:rPr lang="en-US" altLang="ja-JP" sz="1050" dirty="0" smtClean="0">
+                <a:latin typeface="メイリオ" pitchFamily="50" charset="-128"/>
+                <a:ea typeface="メイリオ" pitchFamily="50" charset="-128"/>
+                <a:cs typeface="メイリオ" pitchFamily="50" charset="-128"/>
+              </a:rPr>
+              <a:t>:</a:t>
+            </a:r>
+            <a:r>
+              <a:rPr lang="ja-JP" altLang="en-US" sz="1050" dirty="0" smtClean="0">
+                <a:latin typeface="メイリオ" pitchFamily="50" charset="-128"/>
+                <a:ea typeface="メイリオ" pitchFamily="50" charset="-128"/>
+                <a:cs typeface="メイリオ" pitchFamily="50" charset="-128"/>
+              </a:rPr>
+              <a:t>転倒</a:t>
+            </a:r>
+            <a:endParaRPr lang="en-US" altLang="ja-JP" sz="1050" dirty="0" smtClean="0">
+              <a:latin typeface="メイリオ" pitchFamily="50" charset="-128"/>
+              <a:ea typeface="メイリオ" pitchFamily="50" charset="-128"/>
+              <a:cs typeface="メイリオ" pitchFamily="50" charset="-128"/>
+            </a:endParaRPr>
+          </a:p>
+          <a:p>
+            <a:pPr marL="228600" indent="-228600" algn="ctr">
+              <a:buFont typeface="+mj-lt"/>
+              <a:buAutoNum type="arabicPeriod"/>
+            </a:pPr>
+            <a:r>
+              <a:rPr lang="ja-JP" altLang="en-US" sz="1050" dirty="0" smtClean="0">
+                <a:latin typeface="メイリオ" pitchFamily="50" charset="-128"/>
+                <a:ea typeface="メイリオ" pitchFamily="50" charset="-128"/>
+                <a:cs typeface="メイリオ" pitchFamily="50" charset="-128"/>
+              </a:rPr>
+              <a:t>シーソー落下後に車体がライン上にいない</a:t>
+            </a:r>
+            <a:r>
+              <a:rPr lang="en-US" altLang="ja-JP" sz="1050" dirty="0" smtClean="0">
+                <a:latin typeface="メイリオ" pitchFamily="50" charset="-128"/>
+                <a:ea typeface="メイリオ" pitchFamily="50" charset="-128"/>
+                <a:cs typeface="メイリオ" pitchFamily="50" charset="-128"/>
+              </a:rPr>
+              <a:t>:</a:t>
+            </a:r>
+            <a:r>
+              <a:rPr lang="ja-JP" altLang="en-US" sz="1050" dirty="0" smtClean="0">
+                <a:latin typeface="メイリオ" pitchFamily="50" charset="-128"/>
+                <a:ea typeface="メイリオ" pitchFamily="50" charset="-128"/>
+                <a:cs typeface="メイリオ" pitchFamily="50" charset="-128"/>
+              </a:rPr>
+              <a:t>コースアウト</a:t>
+            </a:r>
+            <a:endParaRPr lang="en-US" altLang="ja-JP" sz="1050" dirty="0" smtClean="0">
+              <a:latin typeface="メイリオ" pitchFamily="50" charset="-128"/>
+              <a:ea typeface="メイリオ" pitchFamily="50" charset="-128"/>
+              <a:cs typeface="メイリオ" pitchFamily="50" charset="-128"/>
+            </a:endParaRPr>
+          </a:p>
+        </p:txBody>
+      </p:sp>
+      <p:sp>
+        <p:nvSpPr>
+          <p:cNvPr id="41" name="角丸四角形 40"/>
+          <p:cNvSpPr/>
+          <p:nvPr/>
+        </p:nvSpPr>
+        <p:spPr>
+          <a:xfrm>
+            <a:off x="9622872" y="6600800"/>
+            <a:ext cx="2826600" cy="1512168"/>
+          </a:xfrm>
+          <a:prstGeom prst="roundRect">
+            <a:avLst/>
+          </a:prstGeom>
+        </p:spPr>
+        <p:style>
+          <a:lnRef idx="2">
+            <a:schemeClr val="accent1"/>
+          </a:lnRef>
+          <a:fillRef idx="1">
+            <a:schemeClr val="lt1"/>
+          </a:fillRef>
+          <a:effectRef idx="0">
+            <a:schemeClr val="accent1"/>
+          </a:effectRef>
+          <a:fontRef idx="minor">
+            <a:schemeClr val="dk1"/>
+          </a:fontRef>
+        </p:style>
+        <p:txBody>
+          <a:bodyPr lIns="0" tIns="36000" rIns="0" rtlCol="0" anchor="ctr"/>
+          <a:lstStyle/>
+          <a:p>
+            <a:pPr algn="ctr"/>
+            <a:r>
+              <a:rPr lang="en-US" altLang="ja-JP" sz="1200" dirty="0" smtClean="0">
+                <a:ln w="3175">
+                  <a:solidFill>
+                    <a:srgbClr val="0070C0"/>
+                  </a:solidFill>
+                  <a:prstDash val="solid"/>
+                </a:ln>
+                <a:solidFill>
+                  <a:srgbClr val="FFFFFF"/>
+                </a:solidFill>
+                <a:effectLst>
+                  <a:outerShdw blurRad="38100" dist="32000" dir="5400000" algn="tl">
+                    <a:srgbClr val="000000">
+                      <a:alpha val="30000"/>
+                    </a:srgbClr>
+                  </a:outerShdw>
+                </a:effectLst>
+                <a:latin typeface="メイリオ" pitchFamily="50" charset="-128"/>
+                <a:ea typeface="メイリオ" pitchFamily="50" charset="-128"/>
+                <a:cs typeface="メイリオ" pitchFamily="50" charset="-128"/>
+              </a:rPr>
+              <a:t>-</a:t>
+            </a:r>
+            <a:r>
+              <a:rPr lang="ja-JP" altLang="en-US" sz="1200" dirty="0" smtClean="0">
+                <a:ln w="3175">
+                  <a:solidFill>
+                    <a:srgbClr val="0070C0"/>
+                  </a:solidFill>
+                  <a:prstDash val="solid"/>
+                </a:ln>
+                <a:solidFill>
+                  <a:srgbClr val="FFFFFF"/>
+                </a:solidFill>
+                <a:effectLst>
+                  <a:outerShdw blurRad="38100" dist="32000" dir="5400000" algn="tl">
+                    <a:srgbClr val="000000">
+                      <a:alpha val="30000"/>
+                    </a:srgbClr>
+                  </a:outerShdw>
+                </a:effectLst>
+                <a:latin typeface="メイリオ" pitchFamily="50" charset="-128"/>
+                <a:ea typeface="メイリオ" pitchFamily="50" charset="-128"/>
+                <a:cs typeface="メイリオ" pitchFamily="50" charset="-128"/>
+              </a:rPr>
+              <a:t>難関クリア</a:t>
+            </a:r>
+            <a:r>
+              <a:rPr lang="en-US" altLang="ja-JP" sz="1200" dirty="0" smtClean="0">
+                <a:ln w="3175">
+                  <a:solidFill>
+                    <a:srgbClr val="0070C0"/>
+                  </a:solidFill>
+                  <a:prstDash val="solid"/>
+                </a:ln>
+                <a:solidFill>
+                  <a:srgbClr val="FFFFFF"/>
+                </a:solidFill>
+                <a:effectLst>
+                  <a:outerShdw blurRad="38100" dist="32000" dir="5400000" algn="tl">
+                    <a:srgbClr val="000000">
+                      <a:alpha val="30000"/>
+                    </a:srgbClr>
+                  </a:outerShdw>
+                </a:effectLst>
+                <a:latin typeface="メイリオ" pitchFamily="50" charset="-128"/>
+                <a:ea typeface="メイリオ" pitchFamily="50" charset="-128"/>
+                <a:cs typeface="メイリオ" pitchFamily="50" charset="-128"/>
+              </a:rPr>
+              <a:t>-</a:t>
+            </a:r>
+          </a:p>
+          <a:p>
+            <a:pPr marL="228600" indent="-228600" algn="ctr">
+              <a:buFont typeface="+mj-lt"/>
+              <a:buAutoNum type="arabicPeriod"/>
+            </a:pPr>
+            <a:r>
+              <a:rPr lang="ja-JP" altLang="en-US" sz="1050" dirty="0" smtClean="0">
                 <a:latin typeface="メイリオ" pitchFamily="50" charset="-128"/>
                 <a:ea typeface="メイリオ" pitchFamily="50" charset="-128"/>
                 <a:cs typeface="メイリオ" pitchFamily="50" charset="-128"/>
@@ -6693,7 +6664,161 @@
               <a:t>段差</a:t>
             </a:r>
             <a:r>
-              <a:rPr lang="en-US" altLang="ja-JP" sz="1050" smtClean="0">
+              <a:rPr lang="en-US" altLang="ja-JP" sz="1050" dirty="0" smtClean="0">
+                <a:latin typeface="メイリオ" pitchFamily="50" charset="-128"/>
+                <a:ea typeface="メイリオ" pitchFamily="50" charset="-128"/>
+                <a:cs typeface="メイリオ" pitchFamily="50" charset="-128"/>
+              </a:rPr>
+              <a:t>1</a:t>
+            </a:r>
+            <a:r>
+              <a:rPr lang="ja-JP" altLang="en-US" sz="1050" dirty="0" smtClean="0">
+                <a:latin typeface="メイリオ" pitchFamily="50" charset="-128"/>
+                <a:ea typeface="メイリオ" pitchFamily="50" charset="-128"/>
+                <a:cs typeface="メイリオ" pitchFamily="50" charset="-128"/>
+              </a:rPr>
+              <a:t>と</a:t>
+            </a:r>
+            <a:r>
+              <a:rPr lang="ja-JP" altLang="en-US" sz="1050" dirty="0" smtClean="0">
+                <a:latin typeface="メイリオ" pitchFamily="50" charset="-128"/>
+                <a:ea typeface="メイリオ" pitchFamily="50" charset="-128"/>
+                <a:cs typeface="メイリオ" pitchFamily="50" charset="-128"/>
+              </a:rPr>
+              <a:t>同様</a:t>
+            </a:r>
+            <a:endParaRPr lang="ja-JP" altLang="en-US" sz="1050" dirty="0">
+              <a:latin typeface="メイリオ" pitchFamily="50" charset="-128"/>
+              <a:ea typeface="メイリオ" pitchFamily="50" charset="-128"/>
+              <a:cs typeface="メイリオ" pitchFamily="50" charset="-128"/>
+            </a:endParaRPr>
+          </a:p>
+          <a:p>
+            <a:pPr marL="228600" indent="-228600" algn="ctr">
+              <a:buFont typeface="+mj-lt"/>
+              <a:buAutoNum type="arabicPeriod"/>
+            </a:pPr>
+            <a:r>
+              <a:rPr lang="ja-JP" altLang="en-US" sz="1050" dirty="0" smtClean="0">
+                <a:latin typeface="メイリオ" pitchFamily="50" charset="-128"/>
+                <a:ea typeface="メイリオ" pitchFamily="50" charset="-128"/>
+                <a:cs typeface="メイリオ" pitchFamily="50" charset="-128"/>
+              </a:rPr>
+              <a:t>倒立制御でのジャイロオフセット値を</a:t>
+            </a:r>
+            <a:r>
+              <a:rPr lang="en-US" altLang="ja-JP" sz="1050" dirty="0" smtClean="0">
+                <a:latin typeface="メイリオ" pitchFamily="50" charset="-128"/>
+                <a:ea typeface="メイリオ" pitchFamily="50" charset="-128"/>
+                <a:cs typeface="メイリオ" pitchFamily="50" charset="-128"/>
+              </a:rPr>
+              <a:t/>
+            </a:r>
+            <a:br>
+              <a:rPr lang="en-US" altLang="ja-JP" sz="1050" dirty="0" smtClean="0">
+                <a:latin typeface="メイリオ" pitchFamily="50" charset="-128"/>
+                <a:ea typeface="メイリオ" pitchFamily="50" charset="-128"/>
+                <a:cs typeface="メイリオ" pitchFamily="50" charset="-128"/>
+              </a:rPr>
+            </a:br>
+            <a:r>
+              <a:rPr lang="ja-JP" altLang="en-US" sz="1050" dirty="0" smtClean="0">
+                <a:latin typeface="メイリオ" pitchFamily="50" charset="-128"/>
+                <a:ea typeface="メイリオ" pitchFamily="50" charset="-128"/>
+                <a:cs typeface="メイリオ" pitchFamily="50" charset="-128"/>
+              </a:rPr>
+              <a:t>変更し、斜面に合った倒立制御を実行</a:t>
+            </a:r>
+            <a:endParaRPr lang="en-US" altLang="ja-JP" sz="1050" dirty="0">
+              <a:latin typeface="メイリオ" pitchFamily="50" charset="-128"/>
+              <a:ea typeface="メイリオ" pitchFamily="50" charset="-128"/>
+              <a:cs typeface="メイリオ" pitchFamily="50" charset="-128"/>
+            </a:endParaRPr>
+          </a:p>
+          <a:p>
+            <a:pPr marL="228600" indent="-228600" algn="ctr">
+              <a:buFont typeface="+mj-lt"/>
+              <a:buAutoNum type="arabicPeriod"/>
+            </a:pPr>
+            <a:r>
+              <a:rPr lang="ja-JP" altLang="en-US" sz="1050" dirty="0" smtClean="0">
+                <a:latin typeface="メイリオ" pitchFamily="50" charset="-128"/>
+                <a:ea typeface="メイリオ" pitchFamily="50" charset="-128"/>
+                <a:cs typeface="メイリオ" pitchFamily="50" charset="-128"/>
+              </a:rPr>
+              <a:t>ライントレースせず</a:t>
+            </a:r>
+            <a:r>
+              <a:rPr lang="ja-JP" altLang="en-US" sz="1050" dirty="0" smtClean="0">
+                <a:latin typeface="メイリオ" pitchFamily="50" charset="-128"/>
+                <a:ea typeface="メイリオ" pitchFamily="50" charset="-128"/>
+                <a:cs typeface="メイリオ" pitchFamily="50" charset="-128"/>
+              </a:rPr>
+              <a:t>に</a:t>
+            </a:r>
+            <a:r>
+              <a:rPr lang="en-US" altLang="ja-JP" sz="1050" dirty="0" smtClean="0">
+                <a:latin typeface="メイリオ" pitchFamily="50" charset="-128"/>
+                <a:ea typeface="メイリオ" pitchFamily="50" charset="-128"/>
+                <a:cs typeface="メイリオ" pitchFamily="50" charset="-128"/>
+              </a:rPr>
+              <a:t/>
+            </a:r>
+            <a:br>
+              <a:rPr lang="en-US" altLang="ja-JP" sz="1050" dirty="0" smtClean="0">
+                <a:latin typeface="メイリオ" pitchFamily="50" charset="-128"/>
+                <a:ea typeface="メイリオ" pitchFamily="50" charset="-128"/>
+                <a:cs typeface="メイリオ" pitchFamily="50" charset="-128"/>
+              </a:rPr>
+            </a:br>
+            <a:r>
+              <a:rPr lang="ja-JP" altLang="en-US" sz="1050" dirty="0" smtClean="0">
+                <a:latin typeface="メイリオ" pitchFamily="50" charset="-128"/>
+                <a:ea typeface="メイリオ" pitchFamily="50" charset="-128"/>
+                <a:cs typeface="メイリオ" pitchFamily="50" charset="-128"/>
+              </a:rPr>
+              <a:t>直進することでコースアウトを回避</a:t>
+            </a:r>
+            <a:endParaRPr lang="en-US" altLang="ja-JP" sz="1050" dirty="0" smtClean="0">
+              <a:latin typeface="メイリオ" pitchFamily="50" charset="-128"/>
+              <a:ea typeface="メイリオ" pitchFamily="50" charset="-128"/>
+              <a:cs typeface="メイリオ" pitchFamily="50" charset="-128"/>
+            </a:endParaRPr>
+          </a:p>
+          <a:p>
+            <a:pPr marL="228600" indent="-228600" algn="ctr">
+              <a:buFont typeface="+mj-lt"/>
+              <a:buAutoNum type="arabicPeriod"/>
+            </a:pPr>
+            <a:r>
+              <a:rPr lang="ja-JP" altLang="en-US" sz="1050" dirty="0" smtClean="0">
+                <a:latin typeface="メイリオ" pitchFamily="50" charset="-128"/>
+                <a:ea typeface="メイリオ" pitchFamily="50" charset="-128"/>
+                <a:cs typeface="メイリオ" pitchFamily="50" charset="-128"/>
+              </a:rPr>
+              <a:t>衝撃吸収動作を実行</a:t>
+            </a:r>
+            <a:endParaRPr lang="en-US" altLang="ja-JP" sz="1050" dirty="0" smtClean="0">
+              <a:latin typeface="メイリオ" pitchFamily="50" charset="-128"/>
+              <a:ea typeface="メイリオ" pitchFamily="50" charset="-128"/>
+              <a:cs typeface="メイリオ" pitchFamily="50" charset="-128"/>
+            </a:endParaRPr>
+          </a:p>
+          <a:p>
+            <a:pPr marL="228600" indent="-228600" algn="ctr">
+              <a:buFont typeface="+mj-lt"/>
+              <a:buAutoNum type="arabicPeriod"/>
+            </a:pPr>
+            <a:r>
+              <a:rPr lang="ja-JP" altLang="en-US" sz="1050" dirty="0" smtClean="0">
+                <a:latin typeface="メイリオ" pitchFamily="50" charset="-128"/>
+                <a:ea typeface="メイリオ" pitchFamily="50" charset="-128"/>
+                <a:cs typeface="メイリオ" pitchFamily="50" charset="-128"/>
+              </a:rPr>
+              <a:t>段差</a:t>
+            </a:r>
+            <a:r>
+              <a:rPr lang="en-US" altLang="ja-JP" sz="1050" dirty="0" smtClean="0">
                 <a:latin typeface="メイリオ" pitchFamily="50" charset="-128"/>
                 <a:ea typeface="メイリオ" pitchFamily="50" charset="-128"/>
                 <a:cs typeface="メイリオ" pitchFamily="50" charset="-128"/>
@@ -6701,14 +6826,49 @@
               <a:t>5</a:t>
             </a:r>
             <a:r>
-              <a:rPr lang="ja-JP" altLang="en-US" sz="1050" smtClean="0">
-                <a:latin typeface="メイリオ" pitchFamily="50" charset="-128"/>
-                <a:ea typeface="メイリオ" pitchFamily="50" charset="-128"/>
-                <a:cs typeface="メイリオ" pitchFamily="50" charset="-128"/>
-              </a:rPr>
-              <a:t>と同様の技術でクリア</a:t>
-            </a:r>
-            <a:endParaRPr lang="en-US" altLang="ja-JP" sz="1050" smtClean="0">
+              <a:rPr lang="ja-JP" altLang="en-US" sz="1050" dirty="0" smtClean="0">
+                <a:latin typeface="メイリオ" pitchFamily="50" charset="-128"/>
+                <a:ea typeface="メイリオ" pitchFamily="50" charset="-128"/>
+                <a:cs typeface="メイリオ" pitchFamily="50" charset="-128"/>
+              </a:rPr>
+              <a:t>と同様</a:t>
+            </a:r>
+            <a:endParaRPr lang="en-US" altLang="ja-JP" sz="1050" dirty="0" smtClean="0">
+              <a:latin typeface="メイリオ" pitchFamily="50" charset="-128"/>
+              <a:ea typeface="メイリオ" pitchFamily="50" charset="-128"/>
+              <a:cs typeface="メイリオ" pitchFamily="50" charset="-128"/>
+            </a:endParaRPr>
+          </a:p>
+          <a:p>
+            <a:pPr marL="228600" indent="-228600" algn="ctr">
+              <a:buFont typeface="+mj-lt"/>
+              <a:buAutoNum type="arabicPeriod"/>
+            </a:pPr>
+            <a:r>
+              <a:rPr lang="ja-JP" altLang="en-US" sz="1050" dirty="0" smtClean="0">
+                <a:latin typeface="メイリオ" pitchFamily="50" charset="-128"/>
+                <a:ea typeface="メイリオ" pitchFamily="50" charset="-128"/>
+                <a:cs typeface="メイリオ" pitchFamily="50" charset="-128"/>
+              </a:rPr>
+              <a:t>段差</a:t>
+            </a:r>
+            <a:r>
+              <a:rPr lang="en-US" altLang="ja-JP" sz="1050" dirty="0" smtClean="0">
+                <a:latin typeface="メイリオ" pitchFamily="50" charset="-128"/>
+                <a:ea typeface="メイリオ" pitchFamily="50" charset="-128"/>
+                <a:cs typeface="メイリオ" pitchFamily="50" charset="-128"/>
+              </a:rPr>
+              <a:t>6</a:t>
+            </a:r>
+            <a:r>
+              <a:rPr lang="ja-JP" altLang="en-US" sz="1050" dirty="0" smtClean="0">
+                <a:latin typeface="メイリオ" pitchFamily="50" charset="-128"/>
+                <a:ea typeface="メイリオ" pitchFamily="50" charset="-128"/>
+                <a:cs typeface="メイリオ" pitchFamily="50" charset="-128"/>
+              </a:rPr>
+              <a:t>と同様</a:t>
+            </a:r>
+            <a:endParaRPr lang="en-US" altLang="ja-JP" sz="1050" dirty="0" smtClean="0">
               <a:latin typeface="メイリオ" pitchFamily="50" charset="-128"/>
               <a:ea typeface="メイリオ" pitchFamily="50" charset="-128"/>
               <a:cs typeface="メイリオ" pitchFamily="50" charset="-128"/>
@@ -6739,8 +6899,8 @@
         </p:blipFill>
         <p:spPr bwMode="auto">
           <a:xfrm>
-            <a:off x="7659999" y="5208083"/>
-            <a:ext cx="2413209" cy="3128501"/>
+            <a:off x="7660000" y="6688729"/>
+            <a:ext cx="1765136" cy="2288335"/>
           </a:xfrm>
           <a:prstGeom prst="rect">
             <a:avLst/>
@@ -6789,7 +6949,7 @@
         <p:spPr>
           <a:xfrm>
             <a:off x="7408912" y="4832538"/>
-            <a:ext cx="1224136" cy="400110"/>
+            <a:ext cx="2673140" cy="400110"/>
           </a:xfrm>
           <a:prstGeom prst="rect">
             <a:avLst/>
@@ -6812,70 +6972,28 @@
           </a:fontRef>
         </p:style>
         <p:txBody>
-          <a:bodyPr rtlCol="0" anchor="ctr">
+          <a:bodyPr wrap="square" rtlCol="0" anchor="ctr">
             <a:spAutoFit/>
           </a:bodyPr>
           <a:lstStyle/>
           <a:p>
             <a:pPr algn="ctr"/>
             <a:r>
-              <a:rPr lang="ja-JP" altLang="en-US" sz="2000" dirty="0">
-                <a:latin typeface="メイリオ" pitchFamily="50" charset="-128"/>
-                <a:ea typeface="メイリオ" pitchFamily="50" charset="-128"/>
-                <a:cs typeface="メイリオ" pitchFamily="50" charset="-128"/>
-              </a:rPr>
-              <a:t>シーソー</a:t>
-            </a:r>
-            <a:endParaRPr kumimoji="1" lang="ja-JP" altLang="en-US" sz="2000" dirty="0">
-              <a:latin typeface="メイリオ" pitchFamily="50" charset="-128"/>
-              <a:ea typeface="メイリオ" pitchFamily="50" charset="-128"/>
-              <a:cs typeface="メイリオ" pitchFamily="50" charset="-128"/>
-            </a:endParaRPr>
-          </a:p>
-        </p:txBody>
-      </p:sp>
-      <p:sp>
-        <p:nvSpPr>
-          <p:cNvPr id="47" name="テキスト ボックス 46"/>
-          <p:cNvSpPr txBox="1"/>
-          <p:nvPr/>
-        </p:nvSpPr>
-        <p:spPr>
-          <a:xfrm>
-            <a:off x="7544084" y="6096744"/>
-            <a:ext cx="296876" cy="307777"/>
-          </a:xfrm>
-          <a:prstGeom prst="rect">
-            <a:avLst/>
-          </a:prstGeom>
-          <a:noFill/>
-        </p:spPr>
-        <p:txBody>
-          <a:bodyPr wrap="none" rtlCol="0">
-            <a:spAutoFit/>
-          </a:bodyPr>
-          <a:lstStyle/>
-          <a:p>
-            <a:pPr algn="ctr"/>
-            <a:r>
-              <a:rPr kumimoji="1" lang="en-US" altLang="ja-JP" sz="1400" dirty="0" smtClean="0">
-                <a:solidFill>
-                  <a:srgbClr val="00B050"/>
-                </a:solidFill>
-                <a:latin typeface="メイリオ" pitchFamily="50" charset="-128"/>
-                <a:ea typeface="メイリオ" pitchFamily="50" charset="-128"/>
-                <a:cs typeface="メイリオ" pitchFamily="50" charset="-128"/>
-              </a:rPr>
-              <a:t>2</a:t>
-            </a:r>
-            <a:endParaRPr kumimoji="1" lang="ja-JP" altLang="en-US" sz="1400" dirty="0">
-              <a:solidFill>
-                <a:srgbClr val="00B050"/>
-              </a:solidFill>
-              <a:latin typeface="メイリオ" pitchFamily="50" charset="-128"/>
-              <a:ea typeface="メイリオ" pitchFamily="50" charset="-128"/>
-              <a:cs typeface="メイリオ" pitchFamily="50" charset="-128"/>
-            </a:endParaRPr>
+              <a:rPr lang="ja-JP" altLang="en-US" sz="2000" dirty="0" smtClean="0">
+                <a:latin typeface="メイリオ" pitchFamily="50" charset="-128"/>
+                <a:ea typeface="メイリオ" pitchFamily="50" charset="-128"/>
+                <a:cs typeface="メイリオ" pitchFamily="50" charset="-128"/>
+              </a:rPr>
+              <a:t>シーソー（シングル</a:t>
+            </a:r>
+            <a:r>
+              <a:rPr lang="en-US" altLang="ja-JP" sz="2000" dirty="0" smtClean="0">
+                <a:latin typeface="メイリオ" pitchFamily="50" charset="-128"/>
+                <a:ea typeface="メイリオ" pitchFamily="50" charset="-128"/>
+                <a:cs typeface="メイリオ" pitchFamily="50" charset="-128"/>
+              </a:rPr>
+              <a:t>)</a:t>
+            </a:r>
           </a:p>
         </p:txBody>
       </p:sp>
@@ -6887,7 +7005,7 @@
         </p:nvSpPr>
         <p:spPr>
           <a:xfrm>
-            <a:off x="7554596" y="7295798"/>
+            <a:off x="7554596" y="8813303"/>
             <a:ext cx="296876" cy="307777"/>
           </a:xfrm>
           <a:prstGeom prst="rect">
@@ -6926,155 +7044,14 @@
       </p:sp>
       <p:sp>
         <p:nvSpPr>
-          <p:cNvPr id="49" name="テキスト ボックス 48"/>
-          <p:cNvSpPr txBox="1"/>
-          <p:nvPr/>
-        </p:nvSpPr>
-        <p:spPr>
-          <a:xfrm>
-            <a:off x="9903561" y="6071179"/>
-            <a:ext cx="296876" cy="307777"/>
-          </a:xfrm>
-          <a:prstGeom prst="rect">
-            <a:avLst/>
-          </a:prstGeom>
-          <a:noFill/>
-        </p:spPr>
-        <p:txBody>
-          <a:bodyPr wrap="none" rtlCol="0">
-            <a:spAutoFit/>
-          </a:bodyPr>
-          <a:lstStyle/>
-          <a:p>
-            <a:pPr algn="ctr"/>
-            <a:r>
-              <a:rPr kumimoji="1" lang="en-US" altLang="ja-JP" sz="1400" dirty="0" smtClean="0">
-                <a:solidFill>
-                  <a:srgbClr val="FF33CC"/>
-                </a:solidFill>
-                <a:latin typeface="メイリオ" pitchFamily="50" charset="-128"/>
-                <a:ea typeface="メイリオ" pitchFamily="50" charset="-128"/>
-                <a:cs typeface="メイリオ" pitchFamily="50" charset="-128"/>
-              </a:rPr>
-              <a:t>4</a:t>
-            </a:r>
-            <a:endParaRPr kumimoji="1" lang="ja-JP" altLang="en-US" sz="1400" dirty="0">
-              <a:solidFill>
-                <a:srgbClr val="FF33CC"/>
-              </a:solidFill>
-              <a:latin typeface="メイリオ" pitchFamily="50" charset="-128"/>
-              <a:ea typeface="メイリオ" pitchFamily="50" charset="-128"/>
-              <a:cs typeface="メイリオ" pitchFamily="50" charset="-128"/>
-            </a:endParaRPr>
-          </a:p>
-        </p:txBody>
-      </p:sp>
-      <p:sp>
-        <p:nvSpPr>
-          <p:cNvPr id="50" name="テキスト ボックス 49"/>
-          <p:cNvSpPr txBox="1"/>
-          <p:nvPr/>
-        </p:nvSpPr>
-        <p:spPr>
-          <a:xfrm>
-            <a:off x="9920348" y="6698939"/>
-            <a:ext cx="296876" cy="307777"/>
-          </a:xfrm>
-          <a:prstGeom prst="rect">
-            <a:avLst/>
-          </a:prstGeom>
-          <a:noFill/>
-        </p:spPr>
-        <p:txBody>
-          <a:bodyPr wrap="none" rtlCol="0">
-            <a:spAutoFit/>
-          </a:bodyPr>
-          <a:lstStyle/>
-          <a:p>
-            <a:pPr algn="ctr"/>
-            <a:r>
-              <a:rPr kumimoji="1" lang="en-US" altLang="ja-JP" sz="1400" dirty="0" smtClean="0">
-                <a:solidFill>
-                  <a:srgbClr val="FFC000"/>
-                </a:solidFill>
-                <a:latin typeface="メイリオ" pitchFamily="50" charset="-128"/>
-                <a:ea typeface="メイリオ" pitchFamily="50" charset="-128"/>
-                <a:cs typeface="メイリオ" pitchFamily="50" charset="-128"/>
-              </a:rPr>
-              <a:t>5</a:t>
-            </a:r>
-            <a:endParaRPr kumimoji="1" lang="ja-JP" altLang="en-US" sz="1400" dirty="0">
-              <a:solidFill>
-                <a:srgbClr val="FFC000"/>
-              </a:solidFill>
-              <a:latin typeface="メイリオ" pitchFamily="50" charset="-128"/>
-              <a:ea typeface="メイリオ" pitchFamily="50" charset="-128"/>
-              <a:cs typeface="メイリオ" pitchFamily="50" charset="-128"/>
-            </a:endParaRPr>
-          </a:p>
-        </p:txBody>
-      </p:sp>
-      <p:sp>
-        <p:nvSpPr>
-          <p:cNvPr id="51" name="テキスト ボックス 50"/>
-          <p:cNvSpPr txBox="1"/>
-          <p:nvPr/>
-        </p:nvSpPr>
-        <p:spPr>
-          <a:xfrm>
-            <a:off x="7593141" y="5448672"/>
-            <a:ext cx="197019" cy="307777"/>
-          </a:xfrm>
-          <a:prstGeom prst="rect">
-            <a:avLst/>
-          </a:prstGeom>
-          <a:noFill/>
-        </p:spPr>
-        <p:txBody>
-          <a:bodyPr wrap="square" rtlCol="0">
-            <a:spAutoFit/>
-          </a:bodyPr>
-          <a:lstStyle/>
-          <a:p>
-            <a:pPr algn="ctr"/>
-            <a:r>
-              <a:rPr kumimoji="1" lang="en-US" altLang="ja-JP" sz="1400" dirty="0" smtClean="0">
-                <a:solidFill>
-                  <a:schemeClr val="tx2">
-                    <a:lumMod val="60000"/>
-                    <a:lumOff val="40000"/>
-                  </a:schemeClr>
-                </a:solidFill>
-                <a:latin typeface="メイリオ" pitchFamily="50" charset="-128"/>
-                <a:ea typeface="メイリオ" pitchFamily="50" charset="-128"/>
-                <a:cs typeface="メイリオ" pitchFamily="50" charset="-128"/>
-              </a:rPr>
-              <a:t>1</a:t>
-            </a:r>
-            <a:endParaRPr kumimoji="1" lang="ja-JP" altLang="en-US" sz="1400" dirty="0">
-              <a:solidFill>
-                <a:schemeClr val="tx2">
-                  <a:lumMod val="60000"/>
-                  <a:lumOff val="40000"/>
-                </a:schemeClr>
-              </a:solidFill>
-              <a:latin typeface="メイリオ" pitchFamily="50" charset="-128"/>
-              <a:ea typeface="メイリオ" pitchFamily="50" charset="-128"/>
-              <a:cs typeface="メイリオ" pitchFamily="50" charset="-128"/>
-            </a:endParaRPr>
-          </a:p>
-        </p:txBody>
-      </p:sp>
-      <p:sp>
-        <p:nvSpPr>
           <p:cNvPr id="31" name="角丸四角形 30"/>
           <p:cNvSpPr/>
           <p:nvPr/>
         </p:nvSpPr>
         <p:spPr>
           <a:xfrm>
-            <a:off x="10328770" y="912168"/>
-            <a:ext cx="2120702" cy="1058403"/>
+            <a:off x="7452616" y="1344216"/>
+            <a:ext cx="2980632" cy="1224136"/>
           </a:xfrm>
           <a:prstGeom prst="roundRect">
             <a:avLst/>
@@ -7095,7 +7072,7 @@
           </a:fontRef>
         </p:style>
         <p:txBody>
-          <a:bodyPr rtlCol="0" anchor="ctr"/>
+          <a:bodyPr lIns="0" rIns="0" rtlCol="0" anchor="ctr"/>
           <a:lstStyle/>
           <a:p>
             <a:pPr algn="ctr"/>
@@ -7228,8 +7205,37 @@
                 <a:ea typeface="メイリオ" pitchFamily="50" charset="-128"/>
                 <a:cs typeface="メイリオ" pitchFamily="50" charset="-128"/>
               </a:rPr>
-              <a:t>ゲート検知失敗</a:t>
-            </a:r>
+              <a:t>ゲート</a:t>
+            </a:r>
+            <a:r>
+              <a:rPr lang="ja-JP" altLang="en-US" sz="1050" dirty="0" smtClean="0">
+                <a:latin typeface="メイリオ" pitchFamily="50" charset="-128"/>
+                <a:ea typeface="メイリオ" pitchFamily="50" charset="-128"/>
+                <a:cs typeface="メイリオ" pitchFamily="50" charset="-128"/>
+              </a:rPr>
+              <a:t>検知を失敗</a:t>
+            </a:r>
+            <a:r>
+              <a:rPr lang="en-US" altLang="ja-JP" sz="1050" dirty="0" smtClean="0">
+                <a:latin typeface="メイリオ" pitchFamily="50" charset="-128"/>
+                <a:ea typeface="メイリオ" pitchFamily="50" charset="-128"/>
+                <a:cs typeface="メイリオ" pitchFamily="50" charset="-128"/>
+              </a:rPr>
+              <a:t>:</a:t>
+            </a:r>
+            <a:r>
+              <a:rPr lang="ja-JP" altLang="en-US" sz="1050" dirty="0" smtClean="0">
+                <a:latin typeface="メイリオ" pitchFamily="50" charset="-128"/>
+                <a:ea typeface="メイリオ" pitchFamily="50" charset="-128"/>
+                <a:cs typeface="メイリオ" pitchFamily="50" charset="-128"/>
+              </a:rPr>
+              <a:t>ゲートに衝突</a:t>
+            </a:r>
+            <a:endParaRPr lang="ja-JP" altLang="en-US" sz="1050" dirty="0">
+              <a:latin typeface="メイリオ" pitchFamily="50" charset="-128"/>
+              <a:ea typeface="メイリオ" pitchFamily="50" charset="-128"/>
+              <a:cs typeface="メイリオ" pitchFamily="50" charset="-128"/>
+            </a:endParaRPr>
           </a:p>
           <a:p>
             <a:pPr marL="228600" indent="-228600" algn="ctr">
@@ -7237,20 +7243,12 @@
               <a:buAutoNum type="arabicPeriod"/>
             </a:pPr>
             <a:r>
-              <a:rPr lang="ja-JP" altLang="en-US" sz="1050" dirty="0">
-                <a:latin typeface="メイリオ" pitchFamily="50" charset="-128"/>
-                <a:ea typeface="メイリオ" pitchFamily="50" charset="-128"/>
-                <a:cs typeface="メイリオ" pitchFamily="50" charset="-128"/>
-              </a:rPr>
-              <a:t>ゲート通過角度で</a:t>
-            </a:r>
-            <a:r>
               <a:rPr lang="ja-JP" altLang="en-US" sz="1050" dirty="0" smtClean="0">
                 <a:latin typeface="メイリオ" pitchFamily="50" charset="-128"/>
                 <a:ea typeface="メイリオ" pitchFamily="50" charset="-128"/>
                 <a:cs typeface="メイリオ" pitchFamily="50" charset="-128"/>
               </a:rPr>
-              <a:t>の</a:t>
+              <a:t>ゲート通過角度への尻尾角度制御失敗</a:t>
             </a:r>
             <a:r>
               <a:rPr lang="en-US" altLang="ja-JP" sz="1050" dirty="0" smtClean="0">
@@ -7258,31 +7256,21 @@
                 <a:ea typeface="メイリオ" pitchFamily="50" charset="-128"/>
                 <a:cs typeface="メイリオ" pitchFamily="50" charset="-128"/>
               </a:rPr>
-              <a:t/>
-            </a:r>
-            <a:br>
-              <a:rPr lang="en-US" altLang="ja-JP" sz="1050" dirty="0" smtClean="0">
-                <a:latin typeface="メイリオ" pitchFamily="50" charset="-128"/>
-                <a:ea typeface="メイリオ" pitchFamily="50" charset="-128"/>
-                <a:cs typeface="メイリオ" pitchFamily="50" charset="-128"/>
-              </a:rPr>
-            </a:br>
+              <a:t>:</a:t>
+            </a:r>
             <a:r>
               <a:rPr lang="ja-JP" altLang="en-US" sz="1050" dirty="0" smtClean="0">
                 <a:latin typeface="メイリオ" pitchFamily="50" charset="-128"/>
                 <a:ea typeface="メイリオ" pitchFamily="50" charset="-128"/>
                 <a:cs typeface="メイリオ" pitchFamily="50" charset="-128"/>
               </a:rPr>
-              <a:t>ライントレース</a:t>
-            </a:r>
-            <a:r>
-              <a:rPr lang="ja-JP" altLang="en-US" sz="1050" dirty="0">
-                <a:latin typeface="メイリオ" pitchFamily="50" charset="-128"/>
-                <a:ea typeface="メイリオ" pitchFamily="50" charset="-128"/>
-                <a:cs typeface="メイリオ" pitchFamily="50" charset="-128"/>
-              </a:rPr>
-              <a:t>失敗</a:t>
-            </a:r>
+              <a:t>転倒</a:t>
+            </a:r>
+            <a:endParaRPr lang="en-US" altLang="ja-JP" sz="1050" dirty="0" smtClean="0">
+              <a:latin typeface="メイリオ" pitchFamily="50" charset="-128"/>
+              <a:ea typeface="メイリオ" pitchFamily="50" charset="-128"/>
+              <a:cs typeface="メイリオ" pitchFamily="50" charset="-128"/>
+            </a:endParaRPr>
           </a:p>
           <a:p>
             <a:pPr marL="228600" indent="-228600" algn="ctr">
@@ -7290,12 +7278,20 @@
               <a:buAutoNum type="arabicPeriod"/>
             </a:pPr>
             <a:r>
+              <a:rPr lang="ja-JP" altLang="en-US" sz="1050" dirty="0" smtClean="0">
+                <a:latin typeface="メイリオ" pitchFamily="50" charset="-128"/>
+                <a:ea typeface="メイリオ" pitchFamily="50" charset="-128"/>
+                <a:cs typeface="メイリオ" pitchFamily="50" charset="-128"/>
+              </a:rPr>
+              <a:t>通常走行角度とゲート</a:t>
+            </a:r>
+            <a:r>
               <a:rPr lang="ja-JP" altLang="en-US" sz="1050" dirty="0">
                 <a:latin typeface="メイリオ" pitchFamily="50" charset="-128"/>
                 <a:ea typeface="メイリオ" pitchFamily="50" charset="-128"/>
                 <a:cs typeface="メイリオ" pitchFamily="50" charset="-128"/>
               </a:rPr>
-              <a:t>ゲート通過後</a:t>
+              <a:t>通過角度で</a:t>
             </a:r>
             <a:r>
               <a:rPr lang="ja-JP" altLang="en-US" sz="1050" dirty="0" smtClean="0">
@@ -7306,7 +7302,7 @@
               <a:t>の</a:t>
             </a:r>
             <a:r>
-              <a:rPr lang="en-US" altLang="ja-JP" sz="1050" dirty="0">
+              <a:rPr lang="en-US" altLang="ja-JP" sz="1050" dirty="0" smtClean="0">
                 <a:latin typeface="メイリオ" pitchFamily="50" charset="-128"/>
                 <a:ea typeface="メイリオ" pitchFamily="50" charset="-128"/>
                 <a:cs typeface="メイリオ" pitchFamily="50" charset="-128"/>
@@ -7314,7 +7310,7 @@
               <a:t/>
             </a:r>
             <a:br>
-              <a:rPr lang="en-US" altLang="ja-JP" sz="1050" dirty="0">
+              <a:rPr lang="en-US" altLang="ja-JP" sz="1050" dirty="0" smtClean="0">
                 <a:latin typeface="メイリオ" pitchFamily="50" charset="-128"/>
                 <a:ea typeface="メイリオ" pitchFamily="50" charset="-128"/>
                 <a:cs typeface="メイリオ" pitchFamily="50" charset="-128"/>
@@ -7326,16 +7322,95 @@
                 <a:ea typeface="メイリオ" pitchFamily="50" charset="-128"/>
                 <a:cs typeface="メイリオ" pitchFamily="50" charset="-128"/>
               </a:rPr>
-              <a:t>角度</a:t>
-            </a:r>
-            <a:r>
-              <a:rPr lang="ja-JP" altLang="en-US" sz="1050" dirty="0">
-                <a:latin typeface="メイリオ" pitchFamily="50" charset="-128"/>
-                <a:ea typeface="メイリオ" pitchFamily="50" charset="-128"/>
-                <a:cs typeface="メイリオ" pitchFamily="50" charset="-128"/>
-              </a:rPr>
-              <a:t>復帰失敗</a:t>
-            </a:r>
+              <a:t>輝度値の違いに対応出来ない</a:t>
+            </a:r>
+            <a:r>
+              <a:rPr lang="en-US" altLang="ja-JP" sz="1050" dirty="0" smtClean="0">
+                <a:latin typeface="メイリオ" pitchFamily="50" charset="-128"/>
+                <a:ea typeface="メイリオ" pitchFamily="50" charset="-128"/>
+                <a:cs typeface="メイリオ" pitchFamily="50" charset="-128"/>
+              </a:rPr>
+              <a:t>:</a:t>
+            </a:r>
+            <a:r>
+              <a:rPr lang="ja-JP" altLang="en-US" sz="1050" dirty="0" smtClean="0">
+                <a:latin typeface="メイリオ" pitchFamily="50" charset="-128"/>
+                <a:ea typeface="メイリオ" pitchFamily="50" charset="-128"/>
+                <a:cs typeface="メイリオ" pitchFamily="50" charset="-128"/>
+              </a:rPr>
+              <a:t>コースアウト</a:t>
+            </a:r>
+            <a:endParaRPr lang="ja-JP" altLang="en-US" sz="1050" dirty="0">
+              <a:latin typeface="メイリオ" pitchFamily="50" charset="-128"/>
+              <a:ea typeface="メイリオ" pitchFamily="50" charset="-128"/>
+              <a:cs typeface="メイリオ" pitchFamily="50" charset="-128"/>
+            </a:endParaRPr>
+          </a:p>
+          <a:p>
+            <a:pPr marL="228600" indent="-228600" algn="ctr">
+              <a:buFont typeface="+mj-lt"/>
+              <a:buAutoNum type="arabicPeriod"/>
+            </a:pPr>
+            <a:r>
+              <a:rPr lang="ja-JP" altLang="en-US" sz="1050" dirty="0" smtClean="0">
+                <a:latin typeface="メイリオ" pitchFamily="50" charset="-128"/>
+                <a:ea typeface="メイリオ" pitchFamily="50" charset="-128"/>
+                <a:cs typeface="メイリオ" pitchFamily="50" charset="-128"/>
+              </a:rPr>
+              <a:t>ゲート通過角度から通常走行角度への</a:t>
+            </a:r>
+            <a:r>
+              <a:rPr lang="en-US" altLang="ja-JP" sz="1050" dirty="0" smtClean="0">
+                <a:latin typeface="メイリオ" pitchFamily="50" charset="-128"/>
+                <a:ea typeface="メイリオ" pitchFamily="50" charset="-128"/>
+                <a:cs typeface="メイリオ" pitchFamily="50" charset="-128"/>
+              </a:rPr>
+              <a:t/>
+            </a:r>
+            <a:br>
+              <a:rPr lang="en-US" altLang="ja-JP" sz="1050" dirty="0" smtClean="0">
+                <a:latin typeface="メイリオ" pitchFamily="50" charset="-128"/>
+                <a:ea typeface="メイリオ" pitchFamily="50" charset="-128"/>
+                <a:cs typeface="メイリオ" pitchFamily="50" charset="-128"/>
+              </a:rPr>
+            </a:br>
+            <a:r>
+              <a:rPr lang="ja-JP" altLang="en-US" sz="1050" dirty="0" smtClean="0">
+                <a:latin typeface="メイリオ" pitchFamily="50" charset="-128"/>
+                <a:ea typeface="メイリオ" pitchFamily="50" charset="-128"/>
+                <a:cs typeface="メイリオ" pitchFamily="50" charset="-128"/>
+              </a:rPr>
+              <a:t>尻尾角度制御</a:t>
+            </a:r>
+            <a:r>
+              <a:rPr lang="ja-JP" altLang="en-US" sz="1050" dirty="0" smtClean="0">
+                <a:latin typeface="メイリオ" pitchFamily="50" charset="-128"/>
+                <a:ea typeface="メイリオ" pitchFamily="50" charset="-128"/>
+                <a:cs typeface="メイリオ" pitchFamily="50" charset="-128"/>
+              </a:rPr>
+              <a:t>失敗</a:t>
+            </a:r>
+            <a:r>
+              <a:rPr lang="en-US" altLang="ja-JP" sz="1050" dirty="0" smtClean="0">
+                <a:latin typeface="メイリオ" pitchFamily="50" charset="-128"/>
+                <a:ea typeface="メイリオ" pitchFamily="50" charset="-128"/>
+                <a:cs typeface="メイリオ" pitchFamily="50" charset="-128"/>
+              </a:rPr>
+              <a:t>:</a:t>
+            </a:r>
+            <a:r>
+              <a:rPr lang="ja-JP" altLang="en-US" sz="1050" dirty="0" smtClean="0">
+                <a:latin typeface="メイリオ" pitchFamily="50" charset="-128"/>
+                <a:ea typeface="メイリオ" pitchFamily="50" charset="-128"/>
+                <a:cs typeface="メイリオ" pitchFamily="50" charset="-128"/>
+              </a:rPr>
+              <a:t>転倒</a:t>
+            </a:r>
+            <a:endParaRPr lang="en-US" altLang="ja-JP" sz="1050" dirty="0" smtClean="0">
+              <a:latin typeface="メイリオ" pitchFamily="50" charset="-128"/>
+              <a:ea typeface="メイリオ" pitchFamily="50" charset="-128"/>
+              <a:cs typeface="メイリオ" pitchFamily="50" charset="-128"/>
+            </a:endParaRPr>
           </a:p>
         </p:txBody>
       </p:sp>
@@ -7347,8 +7422,8 @@
         </p:nvSpPr>
         <p:spPr>
           <a:xfrm>
-            <a:off x="10317807" y="2022770"/>
-            <a:ext cx="2131665" cy="1553694"/>
+            <a:off x="10505256" y="1077488"/>
+            <a:ext cx="1944216" cy="1706888"/>
           </a:xfrm>
           <a:prstGeom prst="roundRect">
             <a:avLst/>
@@ -7478,7 +7553,7 @@
                 <a:ea typeface="メイリオ" pitchFamily="50" charset="-128"/>
                 <a:cs typeface="メイリオ" pitchFamily="50" charset="-128"/>
               </a:rPr>
-              <a:t>滑らかな尻尾走行で区間突入。</a:t>
+              <a:t>ゲートを検知する適切な距離を調査し、実装</a:t>
             </a:r>
             <a:endParaRPr lang="ja-JP" altLang="en-US" sz="1050" dirty="0">
               <a:latin typeface="メイリオ" pitchFamily="50" charset="-128"/>
@@ -7497,10 +7572,10 @@
                 <a:ea typeface="メイリオ" pitchFamily="50" charset="-128"/>
                 <a:cs typeface="メイリオ" pitchFamily="50" charset="-128"/>
               </a:rPr>
-              <a:t>ゲート通過時に</a:t>
-            </a:r>
-            <a:r>
-              <a:rPr lang="en-US" altLang="ja-JP" sz="1050" dirty="0" smtClean="0">
+              <a:t>車体仰角制御で</a:t>
+            </a:r>
+            <a:r>
+              <a:rPr lang="en-US" altLang="ja-JP" sz="1050" dirty="0">
                 <a:latin typeface="メイリオ" pitchFamily="50" charset="-128"/>
                 <a:ea typeface="メイリオ" pitchFamily="50" charset="-128"/>
                 <a:cs typeface="メイリオ" pitchFamily="50" charset="-128"/>
@@ -7508,7 +7583,7 @@
               <a:t/>
             </a:r>
             <a:br>
-              <a:rPr lang="en-US" altLang="ja-JP" sz="1050" dirty="0" smtClean="0">
+              <a:rPr lang="en-US" altLang="ja-JP" sz="1050" dirty="0">
                 <a:latin typeface="メイリオ" pitchFamily="50" charset="-128"/>
                 <a:ea typeface="メイリオ" pitchFamily="50" charset="-128"/>
                 <a:cs typeface="メイリオ" pitchFamily="50" charset="-128"/>
@@ -7520,7 +7595,7 @@
                 <a:ea typeface="メイリオ" pitchFamily="50" charset="-128"/>
                 <a:cs typeface="メイリオ" pitchFamily="50" charset="-128"/>
               </a:rPr>
-              <a:t>目標輝度値を変更</a:t>
+              <a:t>安定性実現</a:t>
             </a:r>
             <a:endParaRPr lang="ja-JP" altLang="en-US" sz="1050" dirty="0">
               <a:latin typeface="メイリオ" pitchFamily="50" charset="-128"/>
@@ -7539,7 +7614,7 @@
                 <a:ea typeface="メイリオ" pitchFamily="50" charset="-128"/>
                 <a:cs typeface="メイリオ" pitchFamily="50" charset="-128"/>
               </a:rPr>
-              <a:t>安定した尻尾角度制御</a:t>
+              <a:t>ゲート通過角度での</a:t>
             </a:r>
             <a:r>
               <a:rPr lang="en-US" altLang="ja-JP" sz="1050" dirty="0" smtClean="0">
@@ -7557,28 +7632,62 @@
               </a:rPr>
             </a:br>
             <a:r>
+              <a:rPr lang="ja-JP" altLang="en-US" sz="1050" dirty="0" smtClean="0">
+                <a:latin typeface="メイリオ" pitchFamily="50" charset="-128"/>
+                <a:ea typeface="メイリオ" pitchFamily="50" charset="-128"/>
+                <a:cs typeface="メイリオ" pitchFamily="50" charset="-128"/>
+              </a:rPr>
+              <a:t>目標輝度値設定を</a:t>
+            </a:r>
+            <a:r>
               <a:rPr lang="en-US" altLang="ja-JP" sz="1050" dirty="0" smtClean="0">
                 <a:latin typeface="メイリオ" pitchFamily="50" charset="-128"/>
                 <a:ea typeface="メイリオ" pitchFamily="50" charset="-128"/>
                 <a:cs typeface="メイリオ" pitchFamily="50" charset="-128"/>
               </a:rPr>
-              <a:t>(p.5 </a:t>
-            </a:r>
+              <a:t/>
+            </a:r>
+            <a:br>
+              <a:rPr lang="en-US" altLang="ja-JP" sz="1050" dirty="0" smtClean="0">
+                <a:latin typeface="メイリオ" pitchFamily="50" charset="-128"/>
+                <a:ea typeface="メイリオ" pitchFamily="50" charset="-128"/>
+                <a:cs typeface="メイリオ" pitchFamily="50" charset="-128"/>
+              </a:rPr>
+            </a:br>
             <a:r>
               <a:rPr lang="ja-JP" altLang="en-US" sz="1050" dirty="0" smtClean="0">
                 <a:latin typeface="メイリオ" pitchFamily="50" charset="-128"/>
                 <a:ea typeface="メイリオ" pitchFamily="50" charset="-128"/>
                 <a:cs typeface="メイリオ" pitchFamily="50" charset="-128"/>
               </a:rPr>
-              <a:t>要素技術</a:t>
-            </a:r>
+              <a:t>行うことで対応</a:t>
+            </a:r>
+            <a:endParaRPr lang="en-US" altLang="ja-JP" sz="1050" dirty="0">
+              <a:latin typeface="メイリオ" pitchFamily="50" charset="-128"/>
+              <a:ea typeface="メイリオ" pitchFamily="50" charset="-128"/>
+              <a:cs typeface="メイリオ" pitchFamily="50" charset="-128"/>
+            </a:endParaRPr>
+          </a:p>
+          <a:p>
+            <a:pPr marL="228600" indent="-228600" algn="ctr">
+              <a:buFont typeface="+mj-lt"/>
+              <a:buAutoNum type="arabicPeriod"/>
+            </a:pPr>
             <a:r>
               <a:rPr lang="en-US" altLang="ja-JP" sz="1050" dirty="0" smtClean="0">
                 <a:latin typeface="メイリオ" pitchFamily="50" charset="-128"/>
                 <a:ea typeface="メイリオ" pitchFamily="50" charset="-128"/>
                 <a:cs typeface="メイリオ" pitchFamily="50" charset="-128"/>
               </a:rPr>
-              <a:t>)</a:t>
+              <a:t>2</a:t>
+            </a:r>
+            <a:r>
+              <a:rPr lang="ja-JP" altLang="en-US" sz="1050" dirty="0" smtClean="0">
+                <a:latin typeface="メイリオ" pitchFamily="50" charset="-128"/>
+                <a:ea typeface="メイリオ" pitchFamily="50" charset="-128"/>
+                <a:cs typeface="メイリオ" pitchFamily="50" charset="-128"/>
+              </a:rPr>
+              <a:t>と同様</a:t>
             </a:r>
             <a:endParaRPr lang="ja-JP" altLang="en-US" sz="1050" dirty="0">
               <a:latin typeface="メイリオ" pitchFamily="50" charset="-128"/>
@@ -7596,7 +7705,7 @@
         </p:nvSpPr>
         <p:spPr>
           <a:xfrm>
-            <a:off x="9920348" y="7695853"/>
+            <a:off x="9569152" y="8237239"/>
             <a:ext cx="296876" cy="307777"/>
           </a:xfrm>
           <a:prstGeom prst="rect">
@@ -7640,7 +7749,7 @@
         </p:nvSpPr>
         <p:spPr>
           <a:xfrm>
-            <a:off x="7480473" y="1538387"/>
+            <a:off x="7480473" y="2640360"/>
             <a:ext cx="197019" cy="307777"/>
           </a:xfrm>
           <a:prstGeom prst="rect">
@@ -7691,7 +7800,7 @@
         </p:nvSpPr>
         <p:spPr>
           <a:xfrm>
-            <a:off x="7444703" y="2098413"/>
+            <a:off x="7444703" y="3200386"/>
             <a:ext cx="296876" cy="307777"/>
           </a:xfrm>
           <a:prstGeom prst="rect">
@@ -7736,7 +7845,7 @@
         </p:nvSpPr>
         <p:spPr>
           <a:xfrm>
-            <a:off x="7474607" y="2714116"/>
+            <a:off x="7474607" y="3816089"/>
             <a:ext cx="296876" cy="307777"/>
           </a:xfrm>
           <a:prstGeom prst="rect">
@@ -7781,7 +7890,7 @@
         </p:nvSpPr>
         <p:spPr>
           <a:xfrm>
-            <a:off x="10001200" y="1577066"/>
+            <a:off x="9929192" y="2764631"/>
             <a:ext cx="296876" cy="307777"/>
           </a:xfrm>
           <a:prstGeom prst="rect">
@@ -7826,7 +7935,7 @@
         </p:nvSpPr>
         <p:spPr>
           <a:xfrm>
-            <a:off x="9996003" y="2714115"/>
+            <a:off x="9785176" y="3816088"/>
             <a:ext cx="296876" cy="307777"/>
           </a:xfrm>
           <a:prstGeom prst="rect">
@@ -7856,389 +7965,6 @@
               <a:solidFill>
                 <a:srgbClr val="FFC000"/>
               </a:solidFill>
-              <a:latin typeface="メイリオ" pitchFamily="50" charset="-128"/>
-              <a:ea typeface="メイリオ" pitchFamily="50" charset="-128"/>
-              <a:cs typeface="メイリオ" pitchFamily="50" charset="-128"/>
-            </a:endParaRPr>
-          </a:p>
-        </p:txBody>
-      </p:sp>
-      <p:sp>
-        <p:nvSpPr>
-          <p:cNvPr id="3" name="1 つの角を切り取った四角形 2"/>
-          <p:cNvSpPr/>
-          <p:nvPr/>
-        </p:nvSpPr>
-        <p:spPr>
-          <a:xfrm>
-            <a:off x="4732956" y="4698568"/>
-            <a:ext cx="2376264" cy="544066"/>
-          </a:xfrm>
-          <a:prstGeom prst="snip1Rect">
-            <a:avLst/>
-          </a:prstGeom>
-        </p:spPr>
-        <p:style>
-          <a:lnRef idx="1">
-            <a:schemeClr val="accent6"/>
-          </a:lnRef>
-          <a:fillRef idx="2">
-            <a:schemeClr val="accent6"/>
-          </a:fillRef>
-          <a:effectRef idx="1">
-            <a:schemeClr val="accent6"/>
-          </a:effectRef>
-          <a:fontRef idx="minor">
-            <a:schemeClr val="dk1"/>
-          </a:fontRef>
-        </p:style>
-        <p:txBody>
-          <a:bodyPr tIns="108000" rtlCol="0" anchor="ctr" anchorCtr="0"/>
-          <a:lstStyle/>
-          <a:p>
-            <a:r>
-              <a:rPr kumimoji="1" lang="ja-JP" altLang="en-US" sz="1100" u="sng" dirty="0" smtClean="0">
-                <a:latin typeface="メイリオ" pitchFamily="50" charset="-128"/>
-                <a:ea typeface="メイリオ" pitchFamily="50" charset="-128"/>
-                <a:cs typeface="メイリオ" pitchFamily="50" charset="-128"/>
-              </a:rPr>
-              <a:t>要素技術</a:t>
-            </a:r>
-            <a:r>
-              <a:rPr kumimoji="1" lang="en-US" altLang="ja-JP" sz="1100" dirty="0" smtClean="0">
-                <a:latin typeface="メイリオ" pitchFamily="50" charset="-128"/>
-                <a:ea typeface="メイリオ" pitchFamily="50" charset="-128"/>
-                <a:cs typeface="メイリオ" pitchFamily="50" charset="-128"/>
-              </a:rPr>
-              <a:t>(</a:t>
-            </a:r>
-            <a:r>
-              <a:rPr kumimoji="1" lang="ja-JP" altLang="en-US" sz="1100" dirty="0" smtClean="0">
-                <a:latin typeface="メイリオ" pitchFamily="50" charset="-128"/>
-                <a:ea typeface="メイリオ" pitchFamily="50" charset="-128"/>
-                <a:cs typeface="メイリオ" pitchFamily="50" charset="-128"/>
-              </a:rPr>
-              <a:t>詳細</a:t>
-            </a:r>
-            <a:r>
-              <a:rPr kumimoji="1" lang="en-US" altLang="ja-JP" sz="1100" dirty="0" smtClean="0">
-                <a:latin typeface="メイリオ" pitchFamily="50" charset="-128"/>
-                <a:ea typeface="メイリオ" pitchFamily="50" charset="-128"/>
-                <a:cs typeface="メイリオ" pitchFamily="50" charset="-128"/>
-              </a:rPr>
-              <a:t>:p.5):</a:t>
-            </a:r>
-          </a:p>
-          <a:p>
-            <a:r>
-              <a:rPr lang="ja-JP" altLang="en-US" sz="1050" dirty="0" smtClean="0">
-                <a:latin typeface="メイリオ" pitchFamily="50" charset="-128"/>
-                <a:ea typeface="メイリオ" pitchFamily="50" charset="-128"/>
-                <a:cs typeface="メイリオ" pitchFamily="50" charset="-128"/>
-              </a:rPr>
-              <a:t>方位計測、路面輝度値変化検出、車体傾き検知、衝撃吸収、ライン復帰</a:t>
-            </a:r>
-            <a:endParaRPr kumimoji="1" lang="en-US" altLang="ja-JP" sz="1050" dirty="0" smtClean="0">
-              <a:latin typeface="メイリオ" pitchFamily="50" charset="-128"/>
-              <a:ea typeface="メイリオ" pitchFamily="50" charset="-128"/>
-              <a:cs typeface="メイリオ" pitchFamily="50" charset="-128"/>
-            </a:endParaRPr>
-          </a:p>
-          <a:p>
-            <a:endParaRPr kumimoji="1" lang="ja-JP" altLang="en-US" sz="1050" dirty="0">
-              <a:latin typeface="メイリオ" pitchFamily="50" charset="-128"/>
-              <a:ea typeface="メイリオ" pitchFamily="50" charset="-128"/>
-              <a:cs typeface="メイリオ" pitchFamily="50" charset="-128"/>
-            </a:endParaRPr>
-          </a:p>
-        </p:txBody>
-      </p:sp>
-      <p:sp>
-        <p:nvSpPr>
-          <p:cNvPr id="59" name="1 つの角を切り取った四角形 58"/>
-          <p:cNvSpPr/>
-          <p:nvPr/>
-        </p:nvSpPr>
-        <p:spPr>
-          <a:xfrm>
-            <a:off x="10073208" y="3801120"/>
-            <a:ext cx="2305031" cy="854844"/>
-          </a:xfrm>
-          <a:prstGeom prst="snip1Rect">
-            <a:avLst/>
-          </a:prstGeom>
-        </p:spPr>
-        <p:style>
-          <a:lnRef idx="1">
-            <a:schemeClr val="accent6"/>
-          </a:lnRef>
-          <a:fillRef idx="2">
-            <a:schemeClr val="accent6"/>
-          </a:fillRef>
-          <a:effectRef idx="1">
-            <a:schemeClr val="accent6"/>
-          </a:effectRef>
-          <a:fontRef idx="minor">
-            <a:schemeClr val="dk1"/>
-          </a:fontRef>
-        </p:style>
-        <p:txBody>
-          <a:bodyPr tIns="108000" rtlCol="0" anchor="ctr" anchorCtr="0"/>
-          <a:lstStyle/>
-          <a:p>
-            <a:r>
-              <a:rPr lang="ja-JP" altLang="en-US" sz="1600" u="sng" dirty="0">
-                <a:latin typeface="メイリオ" pitchFamily="50" charset="-128"/>
-                <a:ea typeface="メイリオ" pitchFamily="50" charset="-128"/>
-                <a:cs typeface="メイリオ" pitchFamily="50" charset="-128"/>
-              </a:rPr>
-              <a:t>要素技術</a:t>
-            </a:r>
-            <a:r>
-              <a:rPr lang="en-US" altLang="ja-JP" sz="1600" dirty="0">
-                <a:latin typeface="メイリオ" pitchFamily="50" charset="-128"/>
-                <a:ea typeface="メイリオ" pitchFamily="50" charset="-128"/>
-                <a:cs typeface="メイリオ" pitchFamily="50" charset="-128"/>
-              </a:rPr>
-              <a:t>(</a:t>
-            </a:r>
-            <a:r>
-              <a:rPr lang="ja-JP" altLang="en-US" sz="1600" dirty="0">
-                <a:latin typeface="メイリオ" pitchFamily="50" charset="-128"/>
-                <a:ea typeface="メイリオ" pitchFamily="50" charset="-128"/>
-                <a:cs typeface="メイリオ" pitchFamily="50" charset="-128"/>
-              </a:rPr>
-              <a:t>詳細</a:t>
-            </a:r>
-            <a:r>
-              <a:rPr lang="en-US" altLang="ja-JP" sz="1600" dirty="0">
-                <a:latin typeface="メイリオ" pitchFamily="50" charset="-128"/>
-                <a:ea typeface="メイリオ" pitchFamily="50" charset="-128"/>
-                <a:cs typeface="メイリオ" pitchFamily="50" charset="-128"/>
-              </a:rPr>
-              <a:t>:p.5):</a:t>
-            </a:r>
-          </a:p>
-          <a:p>
-            <a:r>
-              <a:rPr lang="ja-JP" altLang="en-US" sz="1400" dirty="0" smtClean="0">
-                <a:latin typeface="メイリオ" pitchFamily="50" charset="-128"/>
-                <a:ea typeface="メイリオ" pitchFamily="50" charset="-128"/>
-                <a:cs typeface="メイリオ" pitchFamily="50" charset="-128"/>
-              </a:rPr>
-              <a:t>車体仰角制御、前方障害物検知</a:t>
-            </a:r>
-            <a:endParaRPr kumimoji="1" lang="en-US" altLang="ja-JP" sz="1400" dirty="0" smtClean="0">
-              <a:latin typeface="メイリオ" pitchFamily="50" charset="-128"/>
-              <a:ea typeface="メイリオ" pitchFamily="50" charset="-128"/>
-              <a:cs typeface="メイリオ" pitchFamily="50" charset="-128"/>
-            </a:endParaRPr>
-          </a:p>
-          <a:p>
-            <a:endParaRPr kumimoji="1" lang="ja-JP" altLang="en-US" sz="1400" dirty="0">
-              <a:latin typeface="メイリオ" pitchFamily="50" charset="-128"/>
-              <a:ea typeface="メイリオ" pitchFamily="50" charset="-128"/>
-              <a:cs typeface="メイリオ" pitchFamily="50" charset="-128"/>
-            </a:endParaRPr>
-          </a:p>
-        </p:txBody>
-      </p:sp>
-      <p:sp>
-        <p:nvSpPr>
-          <p:cNvPr id="60" name="1 つの角を切り取った四角形 59"/>
-          <p:cNvSpPr/>
-          <p:nvPr/>
-        </p:nvSpPr>
-        <p:spPr>
-          <a:xfrm>
-            <a:off x="4672608" y="8112967"/>
-            <a:ext cx="2577065" cy="975489"/>
-          </a:xfrm>
-          <a:prstGeom prst="snip1Rect">
-            <a:avLst/>
-          </a:prstGeom>
-        </p:spPr>
-        <p:style>
-          <a:lnRef idx="1">
-            <a:schemeClr val="accent6"/>
-          </a:lnRef>
-          <a:fillRef idx="2">
-            <a:schemeClr val="accent6"/>
-          </a:fillRef>
-          <a:effectRef idx="1">
-            <a:schemeClr val="accent6"/>
-          </a:effectRef>
-          <a:fontRef idx="minor">
-            <a:schemeClr val="dk1"/>
-          </a:fontRef>
-        </p:style>
-        <p:txBody>
-          <a:bodyPr tIns="108000" rtlCol="0" anchor="ctr" anchorCtr="0"/>
-          <a:lstStyle/>
-          <a:p>
-            <a:r>
-              <a:rPr lang="ja-JP" altLang="en-US" sz="1600" u="sng" dirty="0">
-                <a:latin typeface="メイリオ" pitchFamily="50" charset="-128"/>
-                <a:ea typeface="メイリオ" pitchFamily="50" charset="-128"/>
-                <a:cs typeface="メイリオ" pitchFamily="50" charset="-128"/>
-              </a:rPr>
-              <a:t>要素技術</a:t>
-            </a:r>
-            <a:r>
-              <a:rPr lang="en-US" altLang="ja-JP" sz="1600" dirty="0">
-                <a:latin typeface="メイリオ" pitchFamily="50" charset="-128"/>
-                <a:ea typeface="メイリオ" pitchFamily="50" charset="-128"/>
-                <a:cs typeface="メイリオ" pitchFamily="50" charset="-128"/>
-              </a:rPr>
-              <a:t>(</a:t>
-            </a:r>
-            <a:r>
-              <a:rPr lang="ja-JP" altLang="en-US" sz="1600" dirty="0">
-                <a:latin typeface="メイリオ" pitchFamily="50" charset="-128"/>
-                <a:ea typeface="メイリオ" pitchFamily="50" charset="-128"/>
-                <a:cs typeface="メイリオ" pitchFamily="50" charset="-128"/>
-              </a:rPr>
-              <a:t>詳細</a:t>
-            </a:r>
-            <a:r>
-              <a:rPr lang="en-US" altLang="ja-JP" sz="1600" dirty="0">
-                <a:latin typeface="メイリオ" pitchFamily="50" charset="-128"/>
-                <a:ea typeface="メイリオ" pitchFamily="50" charset="-128"/>
-                <a:cs typeface="メイリオ" pitchFamily="50" charset="-128"/>
-              </a:rPr>
-              <a:t>:p.5):</a:t>
-            </a:r>
-          </a:p>
-          <a:p>
-            <a:r>
-              <a:rPr lang="ja-JP" altLang="en-US" sz="1400" dirty="0" smtClean="0">
-                <a:latin typeface="メイリオ" pitchFamily="50" charset="-128"/>
-                <a:ea typeface="メイリオ" pitchFamily="50" charset="-128"/>
-                <a:cs typeface="メイリオ" pitchFamily="50" charset="-128"/>
-              </a:rPr>
-              <a:t>前方障害物検知、方位計測</a:t>
-            </a:r>
-            <a:endParaRPr kumimoji="1" lang="en-US" altLang="ja-JP" sz="1400" dirty="0" smtClean="0">
-              <a:latin typeface="メイリオ" pitchFamily="50" charset="-128"/>
-              <a:ea typeface="メイリオ" pitchFamily="50" charset="-128"/>
-              <a:cs typeface="メイリオ" pitchFamily="50" charset="-128"/>
-            </a:endParaRPr>
-          </a:p>
-          <a:p>
-            <a:endParaRPr kumimoji="1" lang="ja-JP" altLang="en-US" sz="1400" dirty="0">
-              <a:latin typeface="メイリオ" pitchFamily="50" charset="-128"/>
-              <a:ea typeface="メイリオ" pitchFamily="50" charset="-128"/>
-              <a:cs typeface="メイリオ" pitchFamily="50" charset="-128"/>
-            </a:endParaRPr>
-          </a:p>
-        </p:txBody>
-      </p:sp>
-      <p:sp>
-        <p:nvSpPr>
-          <p:cNvPr id="61" name="1 つの角を切り取った四角形 60"/>
-          <p:cNvSpPr/>
-          <p:nvPr/>
-        </p:nvSpPr>
-        <p:spPr>
-          <a:xfrm>
-            <a:off x="10317807" y="7968952"/>
-            <a:ext cx="2131665" cy="1080120"/>
-          </a:xfrm>
-          <a:prstGeom prst="snip1Rect">
-            <a:avLst/>
-          </a:prstGeom>
-        </p:spPr>
-        <p:style>
-          <a:lnRef idx="1">
-            <a:schemeClr val="accent6"/>
-          </a:lnRef>
-          <a:fillRef idx="2">
-            <a:schemeClr val="accent6"/>
-          </a:fillRef>
-          <a:effectRef idx="1">
-            <a:schemeClr val="accent6"/>
-          </a:effectRef>
-          <a:fontRef idx="minor">
-            <a:schemeClr val="dk1"/>
-          </a:fontRef>
-        </p:style>
-        <p:txBody>
-          <a:bodyPr tIns="180000" rtlCol="0" anchor="ctr" anchorCtr="0"/>
-          <a:lstStyle/>
-          <a:p>
-            <a:r>
-              <a:rPr lang="ja-JP" altLang="en-US" sz="1600" u="sng" dirty="0">
-                <a:latin typeface="メイリオ" pitchFamily="50" charset="-128"/>
-                <a:ea typeface="メイリオ" pitchFamily="50" charset="-128"/>
-                <a:cs typeface="メイリオ" pitchFamily="50" charset="-128"/>
-              </a:rPr>
-              <a:t>要素</a:t>
-            </a:r>
-            <a:r>
-              <a:rPr lang="ja-JP" altLang="en-US" sz="1600" u="sng" dirty="0" smtClean="0">
-                <a:latin typeface="メイリオ" pitchFamily="50" charset="-128"/>
-                <a:ea typeface="メイリオ" pitchFamily="50" charset="-128"/>
-                <a:cs typeface="メイリオ" pitchFamily="50" charset="-128"/>
-              </a:rPr>
-              <a:t>技術</a:t>
-            </a:r>
-            <a:r>
-              <a:rPr lang="en-US" altLang="ja-JP" sz="1600" dirty="0" smtClean="0">
-                <a:latin typeface="メイリオ" pitchFamily="50" charset="-128"/>
-                <a:ea typeface="メイリオ" pitchFamily="50" charset="-128"/>
-                <a:cs typeface="メイリオ" pitchFamily="50" charset="-128"/>
-              </a:rPr>
-              <a:t/>
-            </a:r>
-            <a:br>
-              <a:rPr lang="en-US" altLang="ja-JP" sz="1600" dirty="0" smtClean="0">
-                <a:latin typeface="メイリオ" pitchFamily="50" charset="-128"/>
-                <a:ea typeface="メイリオ" pitchFamily="50" charset="-128"/>
-                <a:cs typeface="メイリオ" pitchFamily="50" charset="-128"/>
-              </a:rPr>
-            </a:br>
-            <a:r>
-              <a:rPr lang="en-US" altLang="ja-JP" sz="1600" dirty="0" smtClean="0">
-                <a:latin typeface="メイリオ" pitchFamily="50" charset="-128"/>
-                <a:ea typeface="メイリオ" pitchFamily="50" charset="-128"/>
-                <a:cs typeface="メイリオ" pitchFamily="50" charset="-128"/>
-              </a:rPr>
-              <a:t>(</a:t>
-            </a:r>
-            <a:r>
-              <a:rPr lang="ja-JP" altLang="en-US" sz="1600" dirty="0">
-                <a:latin typeface="メイリオ" pitchFamily="50" charset="-128"/>
-                <a:ea typeface="メイリオ" pitchFamily="50" charset="-128"/>
-                <a:cs typeface="メイリオ" pitchFamily="50" charset="-128"/>
-              </a:rPr>
-              <a:t>詳細</a:t>
-            </a:r>
-            <a:r>
-              <a:rPr lang="en-US" altLang="ja-JP" sz="1600" dirty="0">
-                <a:latin typeface="メイリオ" pitchFamily="50" charset="-128"/>
-                <a:ea typeface="メイリオ" pitchFamily="50" charset="-128"/>
-                <a:cs typeface="メイリオ" pitchFamily="50" charset="-128"/>
-              </a:rPr>
-              <a:t>:p.5):</a:t>
-            </a:r>
-          </a:p>
-          <a:p>
-            <a:r>
-              <a:rPr lang="ja-JP" altLang="en-US" sz="1400" dirty="0" smtClean="0">
-                <a:latin typeface="メイリオ" pitchFamily="50" charset="-128"/>
-                <a:ea typeface="メイリオ" pitchFamily="50" charset="-128"/>
-                <a:cs typeface="メイリオ" pitchFamily="50" charset="-128"/>
-              </a:rPr>
-              <a:t>車体傾き検知、衝撃吸収、ライン復帰</a:t>
-            </a:r>
-            <a:endParaRPr kumimoji="1" lang="en-US" altLang="ja-JP" sz="1400" dirty="0" smtClean="0">
-              <a:latin typeface="メイリオ" pitchFamily="50" charset="-128"/>
-              <a:ea typeface="メイリオ" pitchFamily="50" charset="-128"/>
-              <a:cs typeface="メイリオ" pitchFamily="50" charset="-128"/>
-            </a:endParaRPr>
-          </a:p>
-          <a:p>
-            <a:endParaRPr kumimoji="1" lang="ja-JP" altLang="en-US" sz="1400" dirty="0">
               <a:latin typeface="メイリオ" pitchFamily="50" charset="-128"/>
               <a:ea typeface="メイリオ" pitchFamily="50" charset="-128"/>
               <a:cs typeface="メイリオ" pitchFamily="50" charset="-128"/>
@@ -8322,8 +8048,8 @@
         </p:blipFill>
         <p:spPr>
           <a:xfrm>
-            <a:off x="2944416" y="3700129"/>
-            <a:ext cx="2976672" cy="1078407"/>
+            <a:off x="4264391" y="3661384"/>
+            <a:ext cx="3144521" cy="1139216"/>
           </a:xfrm>
           <a:prstGeom prst="rect">
             <a:avLst/>
@@ -8375,7 +8101,7 @@
         </p:nvSpPr>
         <p:spPr>
           <a:xfrm>
-            <a:off x="1720280" y="1488232"/>
+            <a:off x="208112" y="4368552"/>
             <a:ext cx="3888432" cy="5040560"/>
           </a:xfrm>
           <a:prstGeom prst="roundRect">
@@ -8397,12 +8123,12 @@
           </a:fontRef>
         </p:style>
         <p:txBody>
-          <a:bodyPr rtlCol="0" anchor="t"/>
+          <a:bodyPr lIns="0" tIns="0" rIns="0" bIns="0" rtlCol="0" anchor="t"/>
           <a:lstStyle/>
           <a:p>
             <a:pPr algn="ctr"/>
             <a:r>
-              <a:rPr lang="ja-JP" altLang="en-US" sz="2000" dirty="0">
+              <a:rPr lang="ja-JP" altLang="en-US" sz="1400" dirty="0">
                 <a:latin typeface="メイリオ" pitchFamily="50" charset="-128"/>
                 <a:ea typeface="メイリオ" pitchFamily="50" charset="-128"/>
                 <a:cs typeface="メイリオ" pitchFamily="50" charset="-128"/>
@@ -8410,21 +8136,13 @@
               <a:t>しっぽ</a:t>
             </a:r>
             <a:r>
-              <a:rPr lang="ja-JP" altLang="en-US" sz="2000" dirty="0" smtClean="0">
+              <a:rPr lang="ja-JP" altLang="en-US" sz="1400" dirty="0" smtClean="0">
                 <a:latin typeface="メイリオ" pitchFamily="50" charset="-128"/>
                 <a:ea typeface="メイリオ" pitchFamily="50" charset="-128"/>
                 <a:cs typeface="メイリオ" pitchFamily="50" charset="-128"/>
               </a:rPr>
               <a:t>を用いた車体仰角制御</a:t>
             </a:r>
-            <a:endParaRPr lang="en-US" altLang="ja-JP" sz="2000" dirty="0" smtClean="0">
-              <a:latin typeface="メイリオ" pitchFamily="50" charset="-128"/>
-              <a:ea typeface="メイリオ" pitchFamily="50" charset="-128"/>
-              <a:cs typeface="メイリオ" pitchFamily="50" charset="-128"/>
-            </a:endParaRPr>
-          </a:p>
-          <a:p>
-            <a:pPr algn="ctr"/>
             <a:endParaRPr lang="en-US" altLang="ja-JP" sz="1400" dirty="0" smtClean="0">
               <a:latin typeface="メイリオ" pitchFamily="50" charset="-128"/>
               <a:ea typeface="メイリオ" pitchFamily="50" charset="-128"/>
@@ -8432,182 +8150,245 @@
             </a:endParaRPr>
           </a:p>
           <a:p>
-            <a:pPr algn="ctr"/>
-            <a:r>
-              <a:rPr lang="ja-JP" altLang="en-US" sz="1400" dirty="0" smtClean="0">
-                <a:latin typeface="メイリオ" pitchFamily="50" charset="-128"/>
-                <a:ea typeface="メイリオ" pitchFamily="50" charset="-128"/>
-                <a:cs typeface="メイリオ" pitchFamily="50" charset="-128"/>
-              </a:rPr>
-              <a:t>しっぽの角度を制御する際、</a:t>
-            </a:r>
-            <a:r>
-              <a:rPr lang="en-US" altLang="ja-JP" sz="1400" dirty="0" smtClean="0">
-                <a:latin typeface="メイリオ" pitchFamily="50" charset="-128"/>
-                <a:ea typeface="メイリオ" pitchFamily="50" charset="-128"/>
-                <a:cs typeface="メイリオ" pitchFamily="50" charset="-128"/>
-              </a:rPr>
-              <a:t>PID</a:t>
-            </a:r>
-            <a:r>
-              <a:rPr lang="ja-JP" altLang="en-US" sz="1400" dirty="0" smtClean="0">
-                <a:latin typeface="メイリオ" pitchFamily="50" charset="-128"/>
-                <a:ea typeface="メイリオ" pitchFamily="50" charset="-128"/>
-                <a:cs typeface="メイリオ" pitchFamily="50" charset="-128"/>
-              </a:rPr>
-              <a:t>制御だけでは</a:t>
-            </a:r>
-            <a:endParaRPr lang="en-US" altLang="ja-JP" sz="1400" dirty="0" smtClean="0">
+            <a:r>
+              <a:rPr lang="ja-JP" altLang="en-US" sz="1050" dirty="0" smtClean="0">
+                <a:latin typeface="メイリオ" pitchFamily="50" charset="-128"/>
+                <a:ea typeface="メイリオ" pitchFamily="50" charset="-128"/>
+                <a:cs typeface="メイリオ" pitchFamily="50" charset="-128"/>
+              </a:rPr>
+              <a:t>　ルックアップゲート</a:t>
+            </a:r>
+            <a:r>
+              <a:rPr lang="ja-JP" altLang="en-US" sz="1050" dirty="0">
+                <a:latin typeface="メイリオ" pitchFamily="50" charset="-128"/>
+                <a:ea typeface="メイリオ" pitchFamily="50" charset="-128"/>
+                <a:cs typeface="メイリオ" pitchFamily="50" charset="-128"/>
+              </a:rPr>
+              <a:t>を通過するため</a:t>
+            </a:r>
+            <a:r>
+              <a:rPr lang="ja-JP" altLang="en-US" sz="1050" dirty="0" smtClean="0">
+                <a:latin typeface="メイリオ" pitchFamily="50" charset="-128"/>
+                <a:ea typeface="メイリオ" pitchFamily="50" charset="-128"/>
+                <a:cs typeface="メイリオ" pitchFamily="50" charset="-128"/>
+              </a:rPr>
+              <a:t>にはしっぽの角度を下げて車体を傾け、</a:t>
+            </a:r>
+            <a:r>
+              <a:rPr lang="ja-JP" altLang="en-US" sz="1050" dirty="0">
+                <a:latin typeface="メイリオ" pitchFamily="50" charset="-128"/>
+                <a:ea typeface="メイリオ" pitchFamily="50" charset="-128"/>
+                <a:cs typeface="メイリオ" pitchFamily="50" charset="-128"/>
+              </a:rPr>
+              <a:t>通過後に元の角度に戻す必要がある。しかし、</a:t>
+            </a:r>
+            <a:r>
+              <a:rPr lang="ja-JP" altLang="en-US" sz="1050" dirty="0">
+                <a:solidFill>
+                  <a:schemeClr val="tx1"/>
+                </a:solidFill>
+                <a:latin typeface="メイリオ" pitchFamily="50" charset="-128"/>
+                <a:ea typeface="メイリオ" pitchFamily="50" charset="-128"/>
+                <a:cs typeface="メイリオ" pitchFamily="50" charset="-128"/>
+              </a:rPr>
+              <a:t>しっぽの角度の急激な変化によって、</a:t>
+            </a:r>
+            <a:r>
+              <a:rPr lang="ja-JP" altLang="en-US" sz="1050" dirty="0" smtClean="0">
+                <a:solidFill>
+                  <a:schemeClr val="tx1"/>
+                </a:solidFill>
+                <a:latin typeface="メイリオ" pitchFamily="50" charset="-128"/>
+                <a:ea typeface="メイリオ" pitchFamily="50" charset="-128"/>
+                <a:cs typeface="メイリオ" pitchFamily="50" charset="-128"/>
+              </a:rPr>
+              <a:t>車体が倒</a:t>
+            </a:r>
+            <a:r>
+              <a:rPr lang="ja-JP" altLang="en-US" sz="1050" dirty="0">
+                <a:latin typeface="メイリオ" pitchFamily="50" charset="-128"/>
+                <a:ea typeface="メイリオ" pitchFamily="50" charset="-128"/>
+                <a:cs typeface="メイリオ" pitchFamily="50" charset="-128"/>
+              </a:rPr>
+              <a:t>れて</a:t>
+            </a:r>
+            <a:r>
+              <a:rPr lang="ja-JP" altLang="en-US" sz="1050" dirty="0" smtClean="0">
+                <a:latin typeface="メイリオ" pitchFamily="50" charset="-128"/>
+                <a:ea typeface="メイリオ" pitchFamily="50" charset="-128"/>
+                <a:cs typeface="メイリオ" pitchFamily="50" charset="-128"/>
+              </a:rPr>
+              <a:t>しまう</a:t>
+            </a:r>
+            <a:r>
+              <a:rPr lang="ja-JP" altLang="en-US" sz="1050" dirty="0">
+                <a:latin typeface="メイリオ" pitchFamily="50" charset="-128"/>
+                <a:ea typeface="メイリオ" pitchFamily="50" charset="-128"/>
+                <a:cs typeface="メイリオ" pitchFamily="50" charset="-128"/>
+              </a:rPr>
+              <a:t>などの</a:t>
+            </a:r>
+            <a:r>
+              <a:rPr lang="ja-JP" altLang="en-US" sz="1050" dirty="0" smtClean="0">
+                <a:latin typeface="メイリオ" pitchFamily="50" charset="-128"/>
+                <a:ea typeface="メイリオ" pitchFamily="50" charset="-128"/>
+                <a:cs typeface="メイリオ" pitchFamily="50" charset="-128"/>
+              </a:rPr>
+              <a:t>問題</a:t>
+            </a:r>
+            <a:r>
+              <a:rPr lang="ja-JP" altLang="en-US" sz="1050" dirty="0">
+                <a:latin typeface="メイリオ" pitchFamily="50" charset="-128"/>
+                <a:ea typeface="メイリオ" pitchFamily="50" charset="-128"/>
+                <a:cs typeface="メイリオ" pitchFamily="50" charset="-128"/>
+              </a:rPr>
+              <a:t>があった</a:t>
+            </a:r>
+            <a:r>
+              <a:rPr lang="ja-JP" altLang="en-US" sz="1050" dirty="0" smtClean="0">
+                <a:latin typeface="メイリオ" pitchFamily="50" charset="-128"/>
+                <a:ea typeface="メイリオ" pitchFamily="50" charset="-128"/>
+                <a:cs typeface="メイリオ" pitchFamily="50" charset="-128"/>
+              </a:rPr>
+              <a:t>。　</a:t>
+            </a:r>
+            <a:endParaRPr lang="ja-JP" altLang="en-US" sz="1050" dirty="0">
               <a:latin typeface="メイリオ" pitchFamily="50" charset="-128"/>
               <a:ea typeface="メイリオ" pitchFamily="50" charset="-128"/>
               <a:cs typeface="メイリオ" pitchFamily="50" charset="-128"/>
             </a:endParaRPr>
           </a:p>
           <a:p>
-            <a:pPr algn="ctr"/>
-            <a:r>
-              <a:rPr lang="ja-JP" altLang="en-US" sz="1400" dirty="0">
-                <a:latin typeface="メイリオ" pitchFamily="50" charset="-128"/>
-                <a:ea typeface="メイリオ" pitchFamily="50" charset="-128"/>
-                <a:cs typeface="メイリオ" pitchFamily="50" charset="-128"/>
-              </a:rPr>
-              <a:t>以下</a:t>
-            </a:r>
-            <a:r>
-              <a:rPr lang="ja-JP" altLang="en-US" sz="1400" dirty="0" smtClean="0">
-                <a:latin typeface="メイリオ" pitchFamily="50" charset="-128"/>
-                <a:ea typeface="メイリオ" pitchFamily="50" charset="-128"/>
-                <a:cs typeface="メイリオ" pitchFamily="50" charset="-128"/>
-              </a:rPr>
-              <a:t>の問題が生じてしまった</a:t>
-            </a:r>
-            <a:endParaRPr lang="en-US" altLang="ja-JP" sz="1400" dirty="0" smtClean="0">
+            <a:r>
+              <a:rPr lang="ja-JP" altLang="en-US" sz="1050" dirty="0" smtClean="0">
+                <a:latin typeface="メイリオ" pitchFamily="50" charset="-128"/>
+                <a:ea typeface="メイリオ" pitchFamily="50" charset="-128"/>
+                <a:cs typeface="メイリオ" pitchFamily="50" charset="-128"/>
+              </a:rPr>
+              <a:t>　そこで、</a:t>
+            </a:r>
+            <a:r>
+              <a:rPr lang="ja-JP" altLang="en-US" sz="1050" u="sng" dirty="0" smtClean="0">
+                <a:latin typeface="メイリオ" pitchFamily="50" charset="-128"/>
+                <a:ea typeface="メイリオ" pitchFamily="50" charset="-128"/>
+                <a:cs typeface="メイリオ" pitchFamily="50" charset="-128"/>
+              </a:rPr>
+              <a:t>しっぽ制御の目標</a:t>
+            </a:r>
+            <a:r>
+              <a:rPr lang="ja-JP" altLang="en-US" sz="1050" u="sng" dirty="0">
+                <a:latin typeface="メイリオ" pitchFamily="50" charset="-128"/>
+                <a:ea typeface="メイリオ" pitchFamily="50" charset="-128"/>
+                <a:cs typeface="メイリオ" pitchFamily="50" charset="-128"/>
+              </a:rPr>
+              <a:t>角度自体を最終的な目標角度に達するまで</a:t>
+            </a:r>
+            <a:r>
+              <a:rPr lang="ja-JP" altLang="en-US" sz="1050" u="sng" dirty="0" smtClean="0">
+                <a:latin typeface="メイリオ" pitchFamily="50" charset="-128"/>
+                <a:ea typeface="メイリオ" pitchFamily="50" charset="-128"/>
+                <a:cs typeface="メイリオ" pitchFamily="50" charset="-128"/>
+              </a:rPr>
+              <a:t>、</a:t>
+            </a:r>
+            <a:r>
+              <a:rPr lang="en-US" altLang="ja-JP" sz="1050" u="sng" dirty="0" smtClean="0">
+                <a:latin typeface="メイリオ" pitchFamily="50" charset="-128"/>
+                <a:ea typeface="メイリオ" pitchFamily="50" charset="-128"/>
+                <a:cs typeface="メイリオ" pitchFamily="50" charset="-128"/>
+              </a:rPr>
+              <a:t>1°</a:t>
+            </a:r>
+            <a:r>
+              <a:rPr lang="ja-JP" altLang="en-US" sz="1050" u="sng" dirty="0">
+                <a:latin typeface="メイリオ" pitchFamily="50" charset="-128"/>
+                <a:ea typeface="メイリオ" pitchFamily="50" charset="-128"/>
+                <a:cs typeface="メイリオ" pitchFamily="50" charset="-128"/>
+              </a:rPr>
+              <a:t>ずつ</a:t>
+            </a:r>
+            <a:r>
+              <a:rPr lang="ja-JP" altLang="en-US" sz="1050" u="sng" dirty="0" smtClean="0">
+                <a:latin typeface="メイリオ" pitchFamily="50" charset="-128"/>
+                <a:ea typeface="メイリオ" pitchFamily="50" charset="-128"/>
+                <a:cs typeface="メイリオ" pitchFamily="50" charset="-128"/>
+              </a:rPr>
+              <a:t>変化</a:t>
+            </a:r>
+            <a:r>
+              <a:rPr lang="ja-JP" altLang="en-US" sz="1050" u="sng" dirty="0">
+                <a:latin typeface="メイリオ" pitchFamily="50" charset="-128"/>
+                <a:ea typeface="メイリオ" pitchFamily="50" charset="-128"/>
+                <a:cs typeface="メイリオ" pitchFamily="50" charset="-128"/>
+              </a:rPr>
+              <a:t>させる</a:t>
+            </a:r>
+            <a:r>
+              <a:rPr lang="ja-JP" altLang="en-US" sz="1050" dirty="0">
+                <a:latin typeface="メイリオ" pitchFamily="50" charset="-128"/>
+                <a:ea typeface="メイリオ" pitchFamily="50" charset="-128"/>
+                <a:cs typeface="メイリオ" pitchFamily="50" charset="-128"/>
+              </a:rPr>
+              <a:t>ことにより、急激</a:t>
+            </a:r>
+            <a:r>
+              <a:rPr lang="ja-JP" altLang="en-US" sz="1050" dirty="0" smtClean="0">
+                <a:latin typeface="メイリオ" pitchFamily="50" charset="-128"/>
+                <a:ea typeface="メイリオ" pitchFamily="50" charset="-128"/>
+                <a:cs typeface="メイリオ" pitchFamily="50" charset="-128"/>
+              </a:rPr>
+              <a:t>な角度の変化</a:t>
+            </a:r>
+            <a:r>
+              <a:rPr lang="ja-JP" altLang="en-US" sz="1050" dirty="0">
+                <a:latin typeface="メイリオ" pitchFamily="50" charset="-128"/>
+                <a:ea typeface="メイリオ" pitchFamily="50" charset="-128"/>
+                <a:cs typeface="メイリオ" pitchFamily="50" charset="-128"/>
+              </a:rPr>
+              <a:t>を抑えることが出来た</a:t>
+            </a:r>
+            <a:r>
+              <a:rPr lang="ja-JP" altLang="en-US" sz="1050" dirty="0" smtClean="0">
+                <a:latin typeface="メイリオ" pitchFamily="50" charset="-128"/>
+                <a:ea typeface="メイリオ" pitchFamily="50" charset="-128"/>
+                <a:cs typeface="メイリオ" pitchFamily="50" charset="-128"/>
+              </a:rPr>
+              <a:t>。</a:t>
+            </a:r>
+            <a:endParaRPr lang="en-US" altLang="ja-JP" sz="1050" dirty="0">
               <a:latin typeface="メイリオ" pitchFamily="50" charset="-128"/>
               <a:ea typeface="メイリオ" pitchFamily="50" charset="-128"/>
               <a:cs typeface="メイリオ" pitchFamily="50" charset="-128"/>
             </a:endParaRPr>
           </a:p>
           <a:p>
-            <a:pPr algn="ctr"/>
-            <a:endParaRPr lang="en-US" altLang="ja-JP" sz="1400" dirty="0" smtClean="0">
+            <a:r>
+              <a:rPr lang="ja-JP" altLang="en-US" sz="1050" dirty="0" smtClean="0">
+                <a:latin typeface="メイリオ" pitchFamily="50" charset="-128"/>
+                <a:ea typeface="メイリオ" pitchFamily="50" charset="-128"/>
+                <a:cs typeface="メイリオ" pitchFamily="50" charset="-128"/>
+              </a:rPr>
+              <a:t>　</a:t>
+            </a:r>
+            <a:endParaRPr lang="en-US" altLang="ja-JP" sz="1050" dirty="0" smtClean="0">
               <a:latin typeface="メイリオ" pitchFamily="50" charset="-128"/>
               <a:ea typeface="メイリオ" pitchFamily="50" charset="-128"/>
               <a:cs typeface="メイリオ" pitchFamily="50" charset="-128"/>
             </a:endParaRPr>
           </a:p>
           <a:p>
-            <a:pPr marL="285750" indent="-285750" algn="ctr">
-              <a:buFont typeface="Arial" pitchFamily="34" charset="0"/>
-              <a:buChar char="•"/>
-            </a:pPr>
-            <a:r>
-              <a:rPr lang="ja-JP" altLang="en-US" sz="1400" dirty="0" smtClean="0">
-                <a:latin typeface="メイリオ" pitchFamily="50" charset="-128"/>
-                <a:ea typeface="メイリオ" pitchFamily="50" charset="-128"/>
-                <a:cs typeface="メイリオ" pitchFamily="50" charset="-128"/>
-              </a:rPr>
-              <a:t>モータを制御する強さが足りずに車体を支えられない</a:t>
-            </a:r>
-            <a:endParaRPr lang="en-US" altLang="ja-JP" sz="1400" dirty="0" smtClean="0">
-              <a:latin typeface="メイリオ" pitchFamily="50" charset="-128"/>
-              <a:ea typeface="メイリオ" pitchFamily="50" charset="-128"/>
-              <a:cs typeface="メイリオ" pitchFamily="50" charset="-128"/>
-            </a:endParaRPr>
-          </a:p>
-          <a:p>
-            <a:pPr marL="285750" indent="-285750" algn="ctr">
-              <a:buFont typeface="Arial" pitchFamily="34" charset="0"/>
-              <a:buChar char="•"/>
-            </a:pPr>
-            <a:r>
-              <a:rPr lang="ja-JP" altLang="en-US" sz="1400" dirty="0" smtClean="0">
-                <a:latin typeface="メイリオ" pitchFamily="50" charset="-128"/>
-                <a:ea typeface="メイリオ" pitchFamily="50" charset="-128"/>
-                <a:cs typeface="メイリオ" pitchFamily="50" charset="-128"/>
-              </a:rPr>
-              <a:t>モータ制御が強すぎて持ち上げる際に勢いで車体を倒してしまう</a:t>
-            </a:r>
-            <a:endParaRPr lang="en-US" altLang="ja-JP" sz="1400" dirty="0" smtClean="0">
-              <a:latin typeface="メイリオ" pitchFamily="50" charset="-128"/>
-              <a:ea typeface="メイリオ" pitchFamily="50" charset="-128"/>
-              <a:cs typeface="メイリオ" pitchFamily="50" charset="-128"/>
-            </a:endParaRPr>
+            <a:r>
+              <a:rPr lang="ja-JP" altLang="en-US" sz="1050" dirty="0">
+                <a:latin typeface="メイリオ" pitchFamily="50" charset="-128"/>
+                <a:ea typeface="メイリオ" pitchFamily="50" charset="-128"/>
+                <a:cs typeface="メイリオ" pitchFamily="50" charset="-128"/>
+              </a:rPr>
+              <a:t>　</a:t>
+            </a:r>
           </a:p>
           <a:p>
             <a:pPr algn="ctr"/>
-            <a:endParaRPr lang="en-US" altLang="ja-JP" sz="1400" dirty="0" smtClean="0">
-              <a:latin typeface="メイリオ" pitchFamily="50" charset="-128"/>
-              <a:ea typeface="メイリオ" pitchFamily="50" charset="-128"/>
-              <a:cs typeface="メイリオ" pitchFamily="50" charset="-128"/>
-            </a:endParaRPr>
-          </a:p>
-          <a:p>
-            <a:pPr algn="ctr"/>
-            <a:r>
-              <a:rPr lang="ja-JP" altLang="en-US" sz="1400" dirty="0">
-                <a:latin typeface="メイリオ" pitchFamily="50" charset="-128"/>
-                <a:ea typeface="メイリオ" pitchFamily="50" charset="-128"/>
-                <a:cs typeface="メイリオ" pitchFamily="50" charset="-128"/>
-              </a:rPr>
-              <a:t>そこ</a:t>
-            </a:r>
-            <a:r>
-              <a:rPr lang="ja-JP" altLang="en-US" sz="1400" dirty="0" smtClean="0">
-                <a:latin typeface="メイリオ" pitchFamily="50" charset="-128"/>
-                <a:ea typeface="メイリオ" pitchFamily="50" charset="-128"/>
-                <a:cs typeface="メイリオ" pitchFamily="50" charset="-128"/>
-              </a:rPr>
-              <a:t>で、目標角度まで一気に駆動させるのではなく、小刻みに角度を制御していくことで、強いモータ制御でも車体を倒さないような仰角制御を実現した。</a:t>
-            </a:r>
-            <a:endParaRPr lang="en-US" altLang="ja-JP" sz="1400" dirty="0" smtClean="0">
-              <a:latin typeface="メイリオ" pitchFamily="50" charset="-128"/>
-              <a:ea typeface="メイリオ" pitchFamily="50" charset="-128"/>
-              <a:cs typeface="メイリオ" pitchFamily="50" charset="-128"/>
-            </a:endParaRPr>
-          </a:p>
-          <a:p>
-            <a:pPr algn="ctr"/>
-            <a:endParaRPr lang="en-US" altLang="ja-JP" sz="1400" dirty="0">
-              <a:latin typeface="メイリオ" pitchFamily="50" charset="-128"/>
-              <a:ea typeface="メイリオ" pitchFamily="50" charset="-128"/>
-              <a:cs typeface="メイリオ" pitchFamily="50" charset="-128"/>
-            </a:endParaRPr>
-          </a:p>
-          <a:p>
-            <a:pPr algn="ctr"/>
-            <a:r>
-              <a:rPr lang="ja-JP" altLang="en-US" sz="1400" dirty="0" smtClean="0">
-                <a:latin typeface="メイリオ" pitchFamily="50" charset="-128"/>
-                <a:ea typeface="メイリオ" pitchFamily="50" charset="-128"/>
-                <a:cs typeface="メイリオ" pitchFamily="50" charset="-128"/>
-              </a:rPr>
-              <a:t>以下、写真 </a:t>
-            </a:r>
-            <a:r>
-              <a:rPr lang="en-US" altLang="ja-JP" sz="1400" dirty="0" smtClean="0">
-                <a:latin typeface="メイリオ" pitchFamily="50" charset="-128"/>
-                <a:ea typeface="メイリオ" pitchFamily="50" charset="-128"/>
-                <a:cs typeface="メイリオ" pitchFamily="50" charset="-128"/>
-              </a:rPr>
-              <a:t>or </a:t>
-            </a:r>
-            <a:r>
-              <a:rPr lang="ja-JP" altLang="en-US" sz="1400" dirty="0" smtClean="0">
-                <a:latin typeface="メイリオ" pitchFamily="50" charset="-128"/>
-                <a:ea typeface="メイリオ" pitchFamily="50" charset="-128"/>
-                <a:cs typeface="メイリオ" pitchFamily="50" charset="-128"/>
-              </a:rPr>
-              <a:t>グラフ</a:t>
-            </a:r>
-            <a:endParaRPr lang="en-US" altLang="ja-JP" sz="1400" dirty="0">
-              <a:latin typeface="メイリオ" pitchFamily="50" charset="-128"/>
-              <a:ea typeface="メイリオ" pitchFamily="50" charset="-128"/>
-              <a:cs typeface="メイリオ" pitchFamily="50" charset="-128"/>
-            </a:endParaRPr>
-          </a:p>
-          <a:p>
-            <a:pPr algn="ctr"/>
-            <a:endParaRPr lang="en-US" altLang="ja-JP" sz="1400" dirty="0">
+            <a:endParaRPr lang="en-US" altLang="ja-JP" sz="1200" dirty="0" smtClean="0">
               <a:latin typeface="メイリオ" pitchFamily="50" charset="-128"/>
               <a:ea typeface="メイリオ" pitchFamily="50" charset="-128"/>
               <a:cs typeface="メイリオ" pitchFamily="50" charset="-128"/>
@@ -8650,14 +8431,30 @@
           <a:p>
             <a:pPr algn="ctr"/>
             <a:r>
-              <a:rPr lang="ja-JP" altLang="en-US" sz="1800" dirty="0" smtClean="0">
-                <a:latin typeface="メイリオ" pitchFamily="50" charset="-128"/>
-                <a:ea typeface="メイリオ" pitchFamily="50" charset="-128"/>
-                <a:cs typeface="メイリオ" pitchFamily="50" charset="-128"/>
-              </a:rPr>
-              <a:t>ジャイロセンサを使った衝撃吸収</a:t>
-            </a:r>
-            <a:endParaRPr lang="en-US" altLang="ja-JP" sz="1800" dirty="0" smtClean="0">
+              <a:rPr lang="ja-JP" altLang="en-US" sz="1600" dirty="0">
+                <a:latin typeface="メイリオ" pitchFamily="50" charset="-128"/>
+                <a:ea typeface="メイリオ" pitchFamily="50" charset="-128"/>
+                <a:cs typeface="メイリオ" pitchFamily="50" charset="-128"/>
+              </a:rPr>
+              <a:t>ジャイロセンサ</a:t>
+            </a:r>
+            <a:endParaRPr lang="en-US" altLang="ja-JP" sz="1600" dirty="0" smtClean="0">
+              <a:latin typeface="メイリオ" pitchFamily="50" charset="-128"/>
+              <a:ea typeface="メイリオ" pitchFamily="50" charset="-128"/>
+              <a:cs typeface="メイリオ" pitchFamily="50" charset="-128"/>
+            </a:endParaRPr>
+          </a:p>
+          <a:p>
+            <a:pPr algn="ctr"/>
+            <a:r>
+              <a:rPr lang="ja-JP" altLang="en-US" sz="1050" dirty="0" smtClean="0">
+                <a:latin typeface="メイリオ" pitchFamily="50" charset="-128"/>
+                <a:ea typeface="メイリオ" pitchFamily="50" charset="-128"/>
+                <a:cs typeface="メイリオ" pitchFamily="50" charset="-128"/>
+              </a:rPr>
+              <a:t>階段やシーソーを通過するためには、段差を上らなくてはならない。</a:t>
+            </a:r>
+            <a:endParaRPr lang="en-US" altLang="ja-JP" sz="1050" dirty="0" smtClean="0">
               <a:latin typeface="メイリオ" pitchFamily="50" charset="-128"/>
               <a:ea typeface="メイリオ" pitchFamily="50" charset="-128"/>
               <a:cs typeface="メイリオ" pitchFamily="50" charset="-128"/>
@@ -8682,6 +8479,564 @@
           <a:p>
             <a:pPr algn="ctr"/>
             <a:endParaRPr lang="en-US" altLang="ja-JP" sz="1400" dirty="0">
+              <a:latin typeface="メイリオ" pitchFamily="50" charset="-128"/>
+              <a:ea typeface="メイリオ" pitchFamily="50" charset="-128"/>
+              <a:cs typeface="メイリオ" pitchFamily="50" charset="-128"/>
+            </a:endParaRPr>
+          </a:p>
+        </p:txBody>
+      </p:sp>
+      <p:pic>
+        <p:nvPicPr>
+          <p:cNvPr id="1037" name="Picture 13"/>
+          <p:cNvPicPr>
+            <a:picLocks noChangeAspect="1" noChangeArrowheads="1"/>
+          </p:cNvPicPr>
+          <p:nvPr/>
+        </p:nvPicPr>
+        <p:blipFill>
+          <a:blip r:embed="rId2" cstate="print">
+            <a:extLst>
+              <a:ext uri="{28A0092B-C50C-407E-A947-70E740481C1C}">
+                <a14:useLocalDpi xmlns:a14="http://schemas.microsoft.com/office/drawing/2010/main" val="0"/>
+              </a:ext>
+            </a:extLst>
+          </a:blip>
+          <a:srcRect/>
+          <a:stretch>
+            <a:fillRect/>
+          </a:stretch>
+        </p:blipFill>
+        <p:spPr bwMode="auto">
+          <a:xfrm>
+            <a:off x="424136" y="6360393"/>
+            <a:ext cx="2157130" cy="1296144"/>
+          </a:xfrm>
+          <a:prstGeom prst="rect">
+            <a:avLst/>
+          </a:prstGeom>
+          <a:noFill/>
+          <a:ln>
+            <a:noFill/>
+          </a:ln>
+          <a:effectLst/>
+          <a:extLst>
+            <a:ext uri="{909E8E84-426E-40DD-AFC4-6F175D3DCCD1}">
+              <a14:hiddenFill xmlns:a14="http://schemas.microsoft.com/office/drawing/2010/main">
+                <a:solidFill>
+                  <a:schemeClr val="accent1"/>
+                </a:solidFill>
+              </a14:hiddenFill>
+            </a:ext>
+            <a:ext uri="{91240B29-F687-4F45-9708-019B960494DF}">
+              <a14:hiddenLine xmlns:a14="http://schemas.microsoft.com/office/drawing/2010/main" w="9525">
+                <a:solidFill>
+                  <a:schemeClr val="tx1"/>
+                </a:solidFill>
+                <a:miter lim="800000"/>
+                <a:headEnd/>
+                <a:tailEnd/>
+              </a14:hiddenLine>
+            </a:ext>
+            <a:ext uri="{AF507438-7753-43E0-B8FC-AC1667EBCBE1}">
+              <a14:hiddenEffects xmlns:a14="http://schemas.microsoft.com/office/drawing/2010/main">
+                <a:effectLst>
+                  <a:outerShdw dist="35921" dir="2700000" algn="ctr" rotWithShape="0">
+                    <a:schemeClr val="bg2"/>
+                  </a:outerShdw>
+                </a:effectLst>
+              </a14:hiddenEffects>
+            </a:ext>
+          </a:extLst>
+        </p:spPr>
+      </p:pic>
+      <p:pic>
+        <p:nvPicPr>
+          <p:cNvPr id="1038" name="Picture 14"/>
+          <p:cNvPicPr>
+            <a:picLocks noChangeAspect="1" noChangeArrowheads="1"/>
+          </p:cNvPicPr>
+          <p:nvPr/>
+        </p:nvPicPr>
+        <p:blipFill>
+          <a:blip r:embed="rId3" cstate="print">
+            <a:extLst>
+              <a:ext uri="{28A0092B-C50C-407E-A947-70E740481C1C}">
+                <a14:useLocalDpi xmlns:a14="http://schemas.microsoft.com/office/drawing/2010/main" val="0"/>
+              </a:ext>
+            </a:extLst>
+          </a:blip>
+          <a:srcRect/>
+          <a:stretch>
+            <a:fillRect/>
+          </a:stretch>
+        </p:blipFill>
+        <p:spPr bwMode="auto">
+          <a:xfrm>
+            <a:off x="1029110" y="7968952"/>
+            <a:ext cx="2157130" cy="1393766"/>
+          </a:xfrm>
+          <a:prstGeom prst="rect">
+            <a:avLst/>
+          </a:prstGeom>
+          <a:noFill/>
+          <a:ln>
+            <a:noFill/>
+          </a:ln>
+          <a:effectLst/>
+          <a:extLst>
+            <a:ext uri="{909E8E84-426E-40DD-AFC4-6F175D3DCCD1}">
+              <a14:hiddenFill xmlns:a14="http://schemas.microsoft.com/office/drawing/2010/main">
+                <a:solidFill>
+                  <a:schemeClr val="accent1"/>
+                </a:solidFill>
+              </a14:hiddenFill>
+            </a:ext>
+            <a:ext uri="{91240B29-F687-4F45-9708-019B960494DF}">
+              <a14:hiddenLine xmlns:a14="http://schemas.microsoft.com/office/drawing/2010/main" w="9525">
+                <a:solidFill>
+                  <a:schemeClr val="tx1"/>
+                </a:solidFill>
+                <a:miter lim="800000"/>
+                <a:headEnd/>
+                <a:tailEnd/>
+              </a14:hiddenLine>
+            </a:ext>
+            <a:ext uri="{AF507438-7753-43E0-B8FC-AC1667EBCBE1}">
+              <a14:hiddenEffects xmlns:a14="http://schemas.microsoft.com/office/drawing/2010/main">
+                <a:effectLst>
+                  <a:outerShdw dist="35921" dir="2700000" algn="ctr" rotWithShape="0">
+                    <a:schemeClr val="bg2"/>
+                  </a:outerShdw>
+                </a:effectLst>
+              </a14:hiddenEffects>
+            </a:ext>
+          </a:extLst>
+        </p:spPr>
+      </p:pic>
+      <p:sp>
+        <p:nvSpPr>
+          <p:cNvPr id="15" name="下矢印 14"/>
+          <p:cNvSpPr/>
+          <p:nvPr/>
+        </p:nvSpPr>
+        <p:spPr>
+          <a:xfrm>
+            <a:off x="1802123" y="7709495"/>
+            <a:ext cx="432048" cy="216024"/>
+          </a:xfrm>
+          <a:prstGeom prst="downArrow">
+            <a:avLst/>
+          </a:prstGeom>
+        </p:spPr>
+        <p:style>
+          <a:lnRef idx="2">
+            <a:schemeClr val="accent1">
+              <a:shade val="50000"/>
+            </a:schemeClr>
+          </a:lnRef>
+          <a:fillRef idx="1">
+            <a:schemeClr val="accent1"/>
+          </a:fillRef>
+          <a:effectRef idx="0">
+            <a:schemeClr val="accent1"/>
+          </a:effectRef>
+          <a:fontRef idx="minor">
+            <a:schemeClr val="lt1"/>
+          </a:fontRef>
+        </p:style>
+        <p:txBody>
+          <a:bodyPr rtlCol="0" anchor="ctr"/>
+          <a:lstStyle/>
+          <a:p>
+            <a:pPr algn="ctr"/>
+            <a:endParaRPr kumimoji="1" lang="ja-JP" altLang="en-US"/>
+          </a:p>
+        </p:txBody>
+      </p:sp>
+      <p:sp>
+        <p:nvSpPr>
+          <p:cNvPr id="16" name="テキスト ボックス 15"/>
+          <p:cNvSpPr txBox="1"/>
+          <p:nvPr/>
+        </p:nvSpPr>
+        <p:spPr>
+          <a:xfrm>
+            <a:off x="2349277" y="7709495"/>
+            <a:ext cx="1675259" cy="276999"/>
+          </a:xfrm>
+          <a:prstGeom prst="rect">
+            <a:avLst/>
+          </a:prstGeom>
+          <a:noFill/>
+        </p:spPr>
+        <p:txBody>
+          <a:bodyPr wrap="square" rtlCol="0">
+            <a:spAutoFit/>
+          </a:bodyPr>
+          <a:lstStyle/>
+          <a:p>
+            <a:r>
+              <a:rPr lang="ja-JP" altLang="en-US" sz="1200" dirty="0">
+                <a:latin typeface="メイリオ" pitchFamily="50" charset="-128"/>
+                <a:ea typeface="メイリオ" pitchFamily="50" charset="-128"/>
+                <a:cs typeface="メイリオ" pitchFamily="50" charset="-128"/>
+              </a:rPr>
+              <a:t>緩やか</a:t>
+            </a:r>
+            <a:r>
+              <a:rPr lang="ja-JP" altLang="en-US" sz="1200" dirty="0" smtClean="0">
+                <a:latin typeface="メイリオ" pitchFamily="50" charset="-128"/>
+                <a:ea typeface="メイリオ" pitchFamily="50" charset="-128"/>
+                <a:cs typeface="メイリオ" pitchFamily="50" charset="-128"/>
+              </a:rPr>
+              <a:t>な制御を実現</a:t>
+            </a:r>
+            <a:endParaRPr kumimoji="1" lang="ja-JP" altLang="en-US" sz="1200" dirty="0">
+              <a:latin typeface="メイリオ" pitchFamily="50" charset="-128"/>
+              <a:ea typeface="メイリオ" pitchFamily="50" charset="-128"/>
+              <a:cs typeface="メイリオ" pitchFamily="50" charset="-128"/>
+            </a:endParaRPr>
+          </a:p>
+        </p:txBody>
+      </p:sp>
+      <p:sp>
+        <p:nvSpPr>
+          <p:cNvPr id="17" name="線吹き出し 1 (枠付き) 16"/>
+          <p:cNvSpPr/>
+          <p:nvPr/>
+        </p:nvSpPr>
+        <p:spPr>
+          <a:xfrm>
+            <a:off x="1033888" y="6370786"/>
+            <a:ext cx="1061045" cy="302022"/>
+          </a:xfrm>
+          <a:prstGeom prst="borderCallout1">
+            <a:avLst>
+              <a:gd name="adj1" fmla="val 102872"/>
+              <a:gd name="adj2" fmla="val 24205"/>
+              <a:gd name="adj3" fmla="val 198117"/>
+              <a:gd name="adj4" fmla="val 215"/>
+            </a:avLst>
+          </a:prstGeom>
+          <a:ln w="12700"/>
+        </p:spPr>
+        <p:style>
+          <a:lnRef idx="2">
+            <a:schemeClr val="accent2"/>
+          </a:lnRef>
+          <a:fillRef idx="1">
+            <a:schemeClr val="lt1"/>
+          </a:fillRef>
+          <a:effectRef idx="0">
+            <a:schemeClr val="accent2"/>
+          </a:effectRef>
+          <a:fontRef idx="minor">
+            <a:schemeClr val="dk1"/>
+          </a:fontRef>
+        </p:style>
+        <p:txBody>
+          <a:bodyPr lIns="0" tIns="0" rIns="0" bIns="0" rtlCol="0" anchor="ctr"/>
+          <a:lstStyle/>
+          <a:p>
+            <a:pPr algn="ctr"/>
+            <a:r>
+              <a:rPr kumimoji="1" lang="ja-JP" altLang="en-US" sz="800" dirty="0" smtClean="0">
+                <a:latin typeface="メイリオ" pitchFamily="50" charset="-128"/>
+                <a:ea typeface="メイリオ" pitchFamily="50" charset="-128"/>
+                <a:cs typeface="メイリオ" pitchFamily="50" charset="-128"/>
+              </a:rPr>
+              <a:t>急激な角度変化で車体が転倒する危険が</a:t>
+            </a:r>
+            <a:endParaRPr kumimoji="1" lang="ja-JP" altLang="en-US" sz="800" dirty="0">
+              <a:latin typeface="メイリオ" pitchFamily="50" charset="-128"/>
+              <a:ea typeface="メイリオ" pitchFamily="50" charset="-128"/>
+              <a:cs typeface="メイリオ" pitchFamily="50" charset="-128"/>
+            </a:endParaRPr>
+          </a:p>
+        </p:txBody>
+      </p:sp>
+      <p:sp>
+        <p:nvSpPr>
+          <p:cNvPr id="38" name="線吹き出し 1 (枠付き) 37"/>
+          <p:cNvSpPr/>
+          <p:nvPr/>
+        </p:nvSpPr>
+        <p:spPr>
+          <a:xfrm>
+            <a:off x="202854" y="7629847"/>
+            <a:ext cx="1185022" cy="295672"/>
+          </a:xfrm>
+          <a:prstGeom prst="borderCallout1">
+            <a:avLst>
+              <a:gd name="adj1" fmla="val 4014"/>
+              <a:gd name="adj2" fmla="val 97100"/>
+              <a:gd name="adj3" fmla="val -99127"/>
+              <a:gd name="adj4" fmla="val 93237"/>
+            </a:avLst>
+          </a:prstGeom>
+          <a:ln w="12700"/>
+        </p:spPr>
+        <p:style>
+          <a:lnRef idx="2">
+            <a:schemeClr val="accent3"/>
+          </a:lnRef>
+          <a:fillRef idx="1">
+            <a:schemeClr val="lt1"/>
+          </a:fillRef>
+          <a:effectRef idx="0">
+            <a:schemeClr val="accent3"/>
+          </a:effectRef>
+          <a:fontRef idx="minor">
+            <a:schemeClr val="dk1"/>
+          </a:fontRef>
+        </p:style>
+        <p:txBody>
+          <a:bodyPr lIns="0" tIns="0" rIns="0" bIns="0" rtlCol="0" anchor="ctr"/>
+          <a:lstStyle/>
+          <a:p>
+            <a:pPr algn="ctr"/>
+            <a:r>
+              <a:rPr kumimoji="1" lang="ja-JP" altLang="en-US" sz="800" dirty="0" smtClean="0">
+                <a:latin typeface="メイリオ" pitchFamily="50" charset="-128"/>
+                <a:ea typeface="メイリオ" pitchFamily="50" charset="-128"/>
+                <a:cs typeface="メイリオ" pitchFamily="50" charset="-128"/>
+              </a:rPr>
+              <a:t>姿勢が低く、車体の重みで角度制御が不安定に</a:t>
+            </a:r>
+            <a:endParaRPr kumimoji="1" lang="ja-JP" altLang="en-US" sz="800" dirty="0">
+              <a:latin typeface="メイリオ" pitchFamily="50" charset="-128"/>
+              <a:ea typeface="メイリオ" pitchFamily="50" charset="-128"/>
+              <a:cs typeface="メイリオ" pitchFamily="50" charset="-128"/>
+            </a:endParaRPr>
+          </a:p>
+        </p:txBody>
+      </p:sp>
+      <p:sp>
+        <p:nvSpPr>
+          <p:cNvPr id="39" name="線吹き出し 1 (枠付き) 38"/>
+          <p:cNvSpPr/>
+          <p:nvPr/>
+        </p:nvSpPr>
+        <p:spPr>
+          <a:xfrm>
+            <a:off x="2329238" y="6744816"/>
+            <a:ext cx="1152128" cy="288032"/>
+          </a:xfrm>
+          <a:prstGeom prst="borderCallout1">
+            <a:avLst>
+              <a:gd name="adj1" fmla="val -939"/>
+              <a:gd name="adj2" fmla="val 19356"/>
+              <a:gd name="adj3" fmla="val -41576"/>
+              <a:gd name="adj4" fmla="val -3668"/>
+            </a:avLst>
+          </a:prstGeom>
+          <a:ln w="12700"/>
+        </p:spPr>
+        <p:style>
+          <a:lnRef idx="2">
+            <a:schemeClr val="accent1"/>
+          </a:lnRef>
+          <a:fillRef idx="1">
+            <a:schemeClr val="lt1"/>
+          </a:fillRef>
+          <a:effectRef idx="0">
+            <a:schemeClr val="accent1"/>
+          </a:effectRef>
+          <a:fontRef idx="minor">
+            <a:schemeClr val="dk1"/>
+          </a:fontRef>
+        </p:style>
+        <p:txBody>
+          <a:bodyPr lIns="0" tIns="0" rIns="0" bIns="0" rtlCol="0" anchor="ctr"/>
+          <a:lstStyle/>
+          <a:p>
+            <a:pPr algn="ctr"/>
+            <a:r>
+              <a:rPr kumimoji="1" lang="ja-JP" altLang="en-US" sz="800" dirty="0" smtClean="0">
+                <a:latin typeface="メイリオ" pitchFamily="50" charset="-128"/>
+                <a:ea typeface="メイリオ" pitchFamily="50" charset="-128"/>
+                <a:cs typeface="メイリオ" pitchFamily="50" charset="-128"/>
+              </a:rPr>
+              <a:t>急激な角度変化で角度が目標角度を突破している</a:t>
+            </a:r>
+            <a:endParaRPr kumimoji="1" lang="ja-JP" altLang="en-US" sz="800" dirty="0">
+              <a:latin typeface="メイリオ" pitchFamily="50" charset="-128"/>
+              <a:ea typeface="メイリオ" pitchFamily="50" charset="-128"/>
+              <a:cs typeface="メイリオ" pitchFamily="50" charset="-128"/>
+            </a:endParaRPr>
+          </a:p>
+        </p:txBody>
+      </p:sp>
+      <p:sp>
+        <p:nvSpPr>
+          <p:cNvPr id="40" name="線吹き出し 1 (枠付き) 39"/>
+          <p:cNvSpPr/>
+          <p:nvPr/>
+        </p:nvSpPr>
+        <p:spPr>
+          <a:xfrm>
+            <a:off x="1605174" y="8038354"/>
+            <a:ext cx="1125662" cy="290638"/>
+          </a:xfrm>
+          <a:prstGeom prst="borderCallout1">
+            <a:avLst>
+              <a:gd name="adj1" fmla="val 96564"/>
+              <a:gd name="adj2" fmla="val 25418"/>
+              <a:gd name="adj3" fmla="val 213700"/>
+              <a:gd name="adj4" fmla="val 6044"/>
+            </a:avLst>
+          </a:prstGeom>
+          <a:ln w="12700"/>
+        </p:spPr>
+        <p:style>
+          <a:lnRef idx="2">
+            <a:schemeClr val="accent2"/>
+          </a:lnRef>
+          <a:fillRef idx="1">
+            <a:schemeClr val="lt1"/>
+          </a:fillRef>
+          <a:effectRef idx="0">
+            <a:schemeClr val="accent2"/>
+          </a:effectRef>
+          <a:fontRef idx="minor">
+            <a:schemeClr val="dk1"/>
+          </a:fontRef>
+        </p:style>
+        <p:txBody>
+          <a:bodyPr lIns="0" tIns="0" rIns="0" bIns="0" rtlCol="0" anchor="ctr"/>
+          <a:lstStyle/>
+          <a:p>
+            <a:pPr algn="ctr"/>
+            <a:r>
+              <a:rPr kumimoji="1" lang="ja-JP" altLang="en-US" sz="800" dirty="0" smtClean="0">
+                <a:latin typeface="メイリオ" pitchFamily="50" charset="-128"/>
+                <a:ea typeface="メイリオ" pitchFamily="50" charset="-128"/>
+                <a:cs typeface="メイリオ" pitchFamily="50" charset="-128"/>
+              </a:rPr>
+              <a:t>緩やかに角度を変化させることで転倒を回避</a:t>
+            </a:r>
+            <a:endParaRPr kumimoji="1" lang="ja-JP" altLang="en-US" sz="800" dirty="0">
+              <a:latin typeface="メイリオ" pitchFamily="50" charset="-128"/>
+              <a:ea typeface="メイリオ" pitchFamily="50" charset="-128"/>
+              <a:cs typeface="メイリオ" pitchFamily="50" charset="-128"/>
+            </a:endParaRPr>
+          </a:p>
+        </p:txBody>
+      </p:sp>
+      <p:sp>
+        <p:nvSpPr>
+          <p:cNvPr id="41" name="線吹き出し 1 (枠付き) 40"/>
+          <p:cNvSpPr/>
+          <p:nvPr/>
+        </p:nvSpPr>
+        <p:spPr>
+          <a:xfrm>
+            <a:off x="434075" y="9055496"/>
+            <a:ext cx="1199626" cy="291632"/>
+          </a:xfrm>
+          <a:prstGeom prst="borderCallout1">
+            <a:avLst>
+              <a:gd name="adj1" fmla="val 4014"/>
+              <a:gd name="adj2" fmla="val 97100"/>
+              <a:gd name="adj3" fmla="val -12004"/>
+              <a:gd name="adj4" fmla="val 114468"/>
+            </a:avLst>
+          </a:prstGeom>
+          <a:ln w="12700"/>
+        </p:spPr>
+        <p:style>
+          <a:lnRef idx="2">
+            <a:schemeClr val="accent3"/>
+          </a:lnRef>
+          <a:fillRef idx="1">
+            <a:schemeClr val="lt1"/>
+          </a:fillRef>
+          <a:effectRef idx="0">
+            <a:schemeClr val="accent3"/>
+          </a:effectRef>
+          <a:fontRef idx="minor">
+            <a:schemeClr val="dk1"/>
+          </a:fontRef>
+        </p:style>
+        <p:txBody>
+          <a:bodyPr lIns="0" tIns="0" rIns="0" bIns="0" rtlCol="0" anchor="ctr"/>
+          <a:lstStyle/>
+          <a:p>
+            <a:pPr algn="ctr"/>
+            <a:r>
+              <a:rPr kumimoji="1" lang="ja-JP" altLang="en-US" sz="800" dirty="0" smtClean="0">
+                <a:latin typeface="メイリオ" pitchFamily="50" charset="-128"/>
+                <a:ea typeface="メイリオ" pitchFamily="50" charset="-128"/>
+                <a:cs typeface="メイリオ" pitchFamily="50" charset="-128"/>
+              </a:rPr>
+              <a:t>車体の重みにも耐えられる安定した制御が可能に</a:t>
+            </a:r>
+            <a:endParaRPr kumimoji="1" lang="ja-JP" altLang="en-US" sz="800" dirty="0">
+              <a:latin typeface="メイリオ" pitchFamily="50" charset="-128"/>
+              <a:ea typeface="メイリオ" pitchFamily="50" charset="-128"/>
+              <a:cs typeface="メイリオ" pitchFamily="50" charset="-128"/>
+            </a:endParaRPr>
+          </a:p>
+        </p:txBody>
+      </p:sp>
+      <p:sp>
+        <p:nvSpPr>
+          <p:cNvPr id="42" name="線吹き出し 1 (枠付き) 41"/>
+          <p:cNvSpPr/>
+          <p:nvPr/>
+        </p:nvSpPr>
+        <p:spPr>
+          <a:xfrm>
+            <a:off x="2905302" y="8761040"/>
+            <a:ext cx="1051210" cy="294456"/>
+          </a:xfrm>
+          <a:prstGeom prst="borderCallout1">
+            <a:avLst>
+              <a:gd name="adj1" fmla="val 14492"/>
+              <a:gd name="adj2" fmla="val 616"/>
+              <a:gd name="adj3" fmla="val -155651"/>
+              <a:gd name="adj4" fmla="val -4582"/>
+            </a:avLst>
+          </a:prstGeom>
+          <a:ln w="12700"/>
+        </p:spPr>
+        <p:style>
+          <a:lnRef idx="2">
+            <a:schemeClr val="accent1"/>
+          </a:lnRef>
+          <a:fillRef idx="1">
+            <a:schemeClr val="lt1"/>
+          </a:fillRef>
+          <a:effectRef idx="0">
+            <a:schemeClr val="accent1"/>
+          </a:effectRef>
+          <a:fontRef idx="minor">
+            <a:schemeClr val="dk1"/>
+          </a:fontRef>
+        </p:style>
+        <p:txBody>
+          <a:bodyPr lIns="0" tIns="0" rIns="0" bIns="0" rtlCol="0" anchor="ctr"/>
+          <a:lstStyle/>
+          <a:p>
+            <a:pPr algn="ctr"/>
+            <a:r>
+              <a:rPr lang="ja-JP" altLang="en-US" sz="800" dirty="0">
+                <a:latin typeface="メイリオ" pitchFamily="50" charset="-128"/>
+                <a:ea typeface="メイリオ" pitchFamily="50" charset="-128"/>
+                <a:cs typeface="メイリオ" pitchFamily="50" charset="-128"/>
+              </a:rPr>
+              <a:t>目標</a:t>
+            </a:r>
+            <a:r>
+              <a:rPr lang="ja-JP" altLang="en-US" sz="800" dirty="0" smtClean="0">
+                <a:latin typeface="メイリオ" pitchFamily="50" charset="-128"/>
+                <a:ea typeface="メイリオ" pitchFamily="50" charset="-128"/>
+                <a:cs typeface="メイリオ" pitchFamily="50" charset="-128"/>
+              </a:rPr>
+              <a:t>角度への素早い収束が可能に</a:t>
+            </a:r>
+            <a:endParaRPr kumimoji="1" lang="ja-JP" altLang="en-US" sz="800" dirty="0">
               <a:latin typeface="メイリオ" pitchFamily="50" charset="-128"/>
               <a:ea typeface="メイリオ" pitchFamily="50" charset="-128"/>
               <a:cs typeface="メイリオ" pitchFamily="50" charset="-128"/>
@@ -8699,6 +9054,13 @@
   <p:clrMapOvr>
     <a:masterClrMapping/>
   </p:clrMapOvr>
+  <p:timing>
+    <p:tnLst>
+      <p:par>
+        <p:cTn id="1" dur="indefinite" restart="never" nodeType="tmRoot"/>
+      </p:par>
+    </p:tnLst>
+  </p:timing>
 </p:sld>
 </file>
 

--- a/models/N_MURA.pptx
+++ b/models/N_MURA.pptx
@@ -3891,7 +3891,6 @@
           <a:bodyPr rtlCol="0" anchor="ctr"/>
           <a:lstStyle/>
           <a:p>
-            <a:pPr algn="ctr"/>
             <a:endParaRPr kumimoji="1" lang="ja-JP" altLang="en-US" sz="2800" dirty="0"/>
           </a:p>
         </p:txBody>
@@ -5287,8 +5286,8 @@
         </p:nvSpPr>
         <p:spPr>
           <a:xfrm>
-            <a:off x="4423227" y="1034692"/>
-            <a:ext cx="2938060" cy="1821692"/>
+            <a:off x="4423227" y="979397"/>
+            <a:ext cx="2938060" cy="1660963"/>
           </a:xfrm>
           <a:prstGeom prst="roundRect">
             <a:avLst/>
@@ -5312,7 +5311,6 @@
           <a:bodyPr rtlCol="0" anchor="ctr"/>
           <a:lstStyle/>
           <a:p>
-            <a:pPr algn="ctr"/>
             <a:r>
               <a:rPr lang="en-US" altLang="ja-JP" sz="1200" dirty="0" smtClean="0">
                 <a:ln w="3175">
@@ -5589,7 +5587,6 @@
           <a:bodyPr rtlCol="0" anchor="ctr"/>
           <a:lstStyle/>
           <a:p>
-            <a:pPr algn="ctr"/>
             <a:r>
               <a:rPr lang="en-US" altLang="ja-JP" sz="1200" dirty="0" smtClean="0">
                 <a:ln w="3175">
@@ -5709,12 +5706,12 @@
             </a:endParaRPr>
           </a:p>
           <a:p>
-            <a:pPr marL="228600" indent="-228600" algn="ctr">
+            <a:pPr marL="228600" indent="-228600">
               <a:buFont typeface="+mj-lt"/>
               <a:buAutoNum type="arabicPeriod"/>
             </a:pPr>
             <a:r>
-              <a:rPr lang="ja-JP" altLang="en-US" sz="1050" u="sng" dirty="0" smtClean="0">
+              <a:rPr lang="ja-JP" altLang="en-US" sz="1050" dirty="0" smtClean="0">
                 <a:latin typeface="メイリオ" pitchFamily="50" charset="-128"/>
                 <a:ea typeface="メイリオ" pitchFamily="50" charset="-128"/>
                 <a:cs typeface="メイリオ" pitchFamily="50" charset="-128"/>
@@ -5773,7 +5770,7 @@
             </a:endParaRPr>
           </a:p>
           <a:p>
-            <a:pPr marL="228600" indent="-228600" algn="ctr">
+            <a:pPr marL="228600" indent="-228600">
               <a:buFont typeface="+mj-lt"/>
               <a:buAutoNum type="arabicPeriod"/>
             </a:pPr>
@@ -5816,12 +5813,12 @@
             </a:endParaRPr>
           </a:p>
           <a:p>
-            <a:pPr marL="228600" indent="-228600" algn="ctr">
+            <a:pPr marL="228600" indent="-228600">
               <a:buFont typeface="+mj-lt"/>
               <a:buAutoNum type="arabicPeriod"/>
             </a:pPr>
             <a:r>
-              <a:rPr lang="ja-JP" altLang="en-US" sz="1050" u="sng" dirty="0" smtClean="0">
+              <a:rPr lang="ja-JP" altLang="en-US" sz="1050" dirty="0" smtClean="0">
                 <a:latin typeface="メイリオ" pitchFamily="50" charset="-128"/>
                 <a:ea typeface="メイリオ" pitchFamily="50" charset="-128"/>
                 <a:cs typeface="メイリオ" pitchFamily="50" charset="-128"/>
@@ -5829,7 +5826,7 @@
               <a:t>ターンエリアでの走行失敗</a:t>
             </a:r>
             <a:r>
-              <a:rPr lang="en-US" altLang="ja-JP" sz="1050" u="sng" dirty="0" smtClean="0">
+              <a:rPr lang="en-US" altLang="ja-JP" sz="1050" dirty="0" smtClean="0">
                 <a:latin typeface="メイリオ" pitchFamily="50" charset="-128"/>
                 <a:ea typeface="メイリオ" pitchFamily="50" charset="-128"/>
                 <a:cs typeface="メイリオ" pitchFamily="50" charset="-128"/>
@@ -5837,7 +5834,7 @@
               <a:t>:</a:t>
             </a:r>
             <a:r>
-              <a:rPr lang="ja-JP" altLang="en-US" sz="1050" u="sng" dirty="0" smtClean="0">
+              <a:rPr lang="ja-JP" altLang="en-US" sz="1050" dirty="0" smtClean="0">
                 <a:latin typeface="メイリオ" pitchFamily="50" charset="-128"/>
                 <a:ea typeface="メイリオ" pitchFamily="50" charset="-128"/>
                 <a:cs typeface="メイリオ" pitchFamily="50" charset="-128"/>
@@ -5851,7 +5848,7 @@
             </a:endParaRPr>
           </a:p>
           <a:p>
-            <a:pPr marL="228600" indent="-228600" algn="ctr">
+            <a:pPr marL="228600" indent="-228600">
               <a:buFont typeface="+mj-lt"/>
               <a:buAutoNum type="arabicPeriod"/>
             </a:pPr>
@@ -5928,7 +5925,6 @@
           <a:bodyPr rtlCol="0" anchor="ctr"/>
           <a:lstStyle/>
           <a:p>
-            <a:pPr algn="ctr"/>
             <a:r>
               <a:rPr lang="en-US" altLang="ja-JP" sz="1200" dirty="0" smtClean="0">
                 <a:ln w="3175">
@@ -6008,7 +6004,7 @@
             </a:endParaRPr>
           </a:p>
           <a:p>
-            <a:pPr marL="228600" indent="-228600" algn="ctr">
+            <a:pPr marL="228600" indent="-228600">
               <a:buFont typeface="+mj-lt"/>
               <a:buAutoNum type="arabicPeriod"/>
             </a:pPr>
@@ -6027,7 +6023,7 @@
             </a:endParaRPr>
           </a:p>
           <a:p>
-            <a:pPr marL="228600" indent="-228600" algn="ctr">
+            <a:pPr marL="228600" indent="-228600">
               <a:buFont typeface="+mj-lt"/>
               <a:buAutoNum type="arabicPeriod"/>
             </a:pPr>
@@ -6046,7 +6042,7 @@
             </a:endParaRPr>
           </a:p>
           <a:p>
-            <a:pPr marL="228600" indent="-228600" algn="ctr">
+            <a:pPr marL="228600" indent="-228600">
               <a:buFont typeface="+mj-lt"/>
               <a:buAutoNum type="arabicPeriod"/>
             </a:pPr>
@@ -6104,7 +6100,7 @@
             </a:endParaRPr>
           </a:p>
           <a:p>
-            <a:pPr marL="228600" indent="-228600" algn="ctr">
+            <a:pPr marL="228600" indent="-228600">
               <a:buFont typeface="+mj-lt"/>
               <a:buAutoNum type="arabicPeriod"/>
             </a:pPr>
@@ -6180,7 +6176,6 @@
           <a:bodyPr rtlCol="0" anchor="ctr"/>
           <a:lstStyle/>
           <a:p>
-            <a:pPr algn="ctr"/>
             <a:r>
               <a:rPr lang="en-US" altLang="ja-JP" sz="1200" dirty="0" smtClean="0">
                 <a:ln w="3175">
@@ -6300,12 +6295,12 @@
             </a:endParaRPr>
           </a:p>
           <a:p>
-            <a:pPr marL="228600" indent="-228600" algn="ctr">
+            <a:pPr marL="228600" indent="-228600">
               <a:buFont typeface="+mj-lt"/>
               <a:buAutoNum type="arabicPeriod"/>
             </a:pPr>
             <a:r>
-              <a:rPr lang="ja-JP" altLang="en-US" sz="1050" u="sng" dirty="0" smtClean="0">
+              <a:rPr lang="ja-JP" altLang="en-US" sz="1050" dirty="0" smtClean="0">
                 <a:latin typeface="メイリオ" pitchFamily="50" charset="-128"/>
                 <a:ea typeface="メイリオ" pitchFamily="50" charset="-128"/>
                 <a:cs typeface="メイリオ" pitchFamily="50" charset="-128"/>
@@ -6313,7 +6308,7 @@
               <a:t>シーソー</a:t>
             </a:r>
             <a:r>
-              <a:rPr lang="ja-JP" altLang="en-US" sz="1050" u="sng" dirty="0" smtClean="0">
+              <a:rPr lang="ja-JP" altLang="en-US" sz="1050" dirty="0" smtClean="0">
                 <a:latin typeface="メイリオ" pitchFamily="50" charset="-128"/>
                 <a:ea typeface="メイリオ" pitchFamily="50" charset="-128"/>
                 <a:cs typeface="メイリオ" pitchFamily="50" charset="-128"/>
@@ -6351,12 +6346,12 @@
             </a:endParaRPr>
           </a:p>
           <a:p>
-            <a:pPr marL="228600" indent="-228600" algn="ctr">
+            <a:pPr marL="228600" indent="-228600">
               <a:buFont typeface="+mj-lt"/>
               <a:buAutoNum type="arabicPeriod"/>
             </a:pPr>
             <a:r>
-              <a:rPr lang="ja-JP" altLang="en-US" sz="1050" u="sng" dirty="0" smtClean="0">
+              <a:rPr lang="ja-JP" altLang="en-US" sz="1050" dirty="0" smtClean="0">
                 <a:latin typeface="メイリオ" pitchFamily="50" charset="-128"/>
                 <a:ea typeface="メイリオ" pitchFamily="50" charset="-128"/>
                 <a:cs typeface="メイリオ" pitchFamily="50" charset="-128"/>
@@ -6364,7 +6359,7 @@
               <a:t>シーソーの傾きによって車体が不安定</a:t>
             </a:r>
             <a:r>
-              <a:rPr lang="en-US" altLang="ja-JP" sz="1050" u="sng" dirty="0" smtClean="0">
+              <a:rPr lang="en-US" altLang="ja-JP" sz="1050" dirty="0" smtClean="0">
                 <a:latin typeface="メイリオ" pitchFamily="50" charset="-128"/>
                 <a:ea typeface="メイリオ" pitchFamily="50" charset="-128"/>
                 <a:cs typeface="メイリオ" pitchFamily="50" charset="-128"/>
@@ -6372,47 +6367,12 @@
               <a:t>:</a:t>
             </a:r>
             <a:r>
-              <a:rPr lang="ja-JP" altLang="en-US" sz="1050" u="sng" dirty="0" smtClean="0">
+              <a:rPr lang="ja-JP" altLang="en-US" sz="1050" dirty="0" smtClean="0">
                 <a:latin typeface="メイリオ" pitchFamily="50" charset="-128"/>
                 <a:ea typeface="メイリオ" pitchFamily="50" charset="-128"/>
                 <a:cs typeface="メイリオ" pitchFamily="50" charset="-128"/>
               </a:rPr>
               <a:t>落下及び転倒</a:t>
-            </a:r>
-            <a:endParaRPr lang="en-US" altLang="ja-JP" sz="1050" u="sng" dirty="0" smtClean="0">
-              <a:latin typeface="メイリオ" pitchFamily="50" charset="-128"/>
-              <a:ea typeface="メイリオ" pitchFamily="50" charset="-128"/>
-              <a:cs typeface="メイリオ" pitchFamily="50" charset="-128"/>
-            </a:endParaRPr>
-          </a:p>
-          <a:p>
-            <a:pPr marL="228600" indent="-228600" algn="ctr">
-              <a:buFont typeface="+mj-lt"/>
-              <a:buAutoNum type="arabicPeriod"/>
-            </a:pPr>
-            <a:r>
-              <a:rPr lang="ja-JP" altLang="en-US" sz="1050" u="sng" dirty="0" smtClean="0">
-                <a:latin typeface="メイリオ" pitchFamily="50" charset="-128"/>
-                <a:ea typeface="メイリオ" pitchFamily="50" charset="-128"/>
-                <a:cs typeface="メイリオ" pitchFamily="50" charset="-128"/>
-              </a:rPr>
-              <a:t>シーソー上とコース上の輝度値の違いに対応できない</a:t>
-            </a:r>
-            <a:r>
-              <a:rPr lang="en-US" altLang="ja-JP" sz="1050" u="sng" dirty="0" smtClean="0">
-                <a:latin typeface="メイリオ" pitchFamily="50" charset="-128"/>
-                <a:ea typeface="メイリオ" pitchFamily="50" charset="-128"/>
-                <a:cs typeface="メイリオ" pitchFamily="50" charset="-128"/>
-              </a:rPr>
-              <a:t>:</a:t>
-            </a:r>
-            <a:r>
-              <a:rPr lang="ja-JP" altLang="en-US" sz="1050" u="sng" dirty="0" smtClean="0">
-                <a:latin typeface="メイリオ" pitchFamily="50" charset="-128"/>
-                <a:ea typeface="メイリオ" pitchFamily="50" charset="-128"/>
-                <a:cs typeface="メイリオ" pitchFamily="50" charset="-128"/>
-              </a:rPr>
-              <a:t>コースアウト</a:t>
             </a:r>
             <a:endParaRPr lang="en-US" altLang="ja-JP" sz="1050" dirty="0" smtClean="0">
               <a:latin typeface="メイリオ" pitchFamily="50" charset="-128"/>
@@ -6421,12 +6381,47 @@
             </a:endParaRPr>
           </a:p>
           <a:p>
-            <a:pPr marL="228600" indent="-228600" algn="ctr">
+            <a:pPr marL="228600" indent="-228600">
               <a:buFont typeface="+mj-lt"/>
               <a:buAutoNum type="arabicPeriod"/>
             </a:pPr>
             <a:r>
-              <a:rPr lang="ja-JP" altLang="en-US" sz="1050" u="sng" dirty="0" smtClean="0">
+              <a:rPr lang="ja-JP" altLang="en-US" sz="1050" dirty="0" smtClean="0">
+                <a:latin typeface="メイリオ" pitchFamily="50" charset="-128"/>
+                <a:ea typeface="メイリオ" pitchFamily="50" charset="-128"/>
+                <a:cs typeface="メイリオ" pitchFamily="50" charset="-128"/>
+              </a:rPr>
+              <a:t>シーソー上とコース上の輝度値の違いに対応できない</a:t>
+            </a:r>
+            <a:r>
+              <a:rPr lang="en-US" altLang="ja-JP" sz="1050" dirty="0" smtClean="0">
+                <a:latin typeface="メイリオ" pitchFamily="50" charset="-128"/>
+                <a:ea typeface="メイリオ" pitchFamily="50" charset="-128"/>
+                <a:cs typeface="メイリオ" pitchFamily="50" charset="-128"/>
+              </a:rPr>
+              <a:t>:</a:t>
+            </a:r>
+            <a:r>
+              <a:rPr lang="ja-JP" altLang="en-US" sz="1050" dirty="0" smtClean="0">
+                <a:latin typeface="メイリオ" pitchFamily="50" charset="-128"/>
+                <a:ea typeface="メイリオ" pitchFamily="50" charset="-128"/>
+                <a:cs typeface="メイリオ" pitchFamily="50" charset="-128"/>
+              </a:rPr>
+              <a:t>コースアウト</a:t>
+            </a:r>
+            <a:endParaRPr lang="en-US" altLang="ja-JP" sz="1050" dirty="0" smtClean="0">
+              <a:latin typeface="メイリオ" pitchFamily="50" charset="-128"/>
+              <a:ea typeface="メイリオ" pitchFamily="50" charset="-128"/>
+              <a:cs typeface="メイリオ" pitchFamily="50" charset="-128"/>
+            </a:endParaRPr>
+          </a:p>
+          <a:p>
+            <a:pPr marL="228600" indent="-228600">
+              <a:buFont typeface="+mj-lt"/>
+              <a:buAutoNum type="arabicPeriod"/>
+            </a:pPr>
+            <a:r>
+              <a:rPr lang="ja-JP" altLang="en-US" sz="1050" dirty="0" smtClean="0">
                 <a:latin typeface="メイリオ" pitchFamily="50" charset="-128"/>
                 <a:ea typeface="メイリオ" pitchFamily="50" charset="-128"/>
                 <a:cs typeface="メイリオ" pitchFamily="50" charset="-128"/>
@@ -6464,12 +6459,12 @@
             </a:endParaRPr>
           </a:p>
           <a:p>
-            <a:pPr marL="228600" indent="-228600" algn="ctr">
+            <a:pPr marL="228600" indent="-228600">
               <a:buFont typeface="+mj-lt"/>
               <a:buAutoNum type="arabicPeriod"/>
             </a:pPr>
             <a:r>
-              <a:rPr lang="ja-JP" altLang="en-US" sz="1050" u="sng" dirty="0" smtClean="0">
+              <a:rPr lang="ja-JP" altLang="en-US" sz="1050" dirty="0" smtClean="0">
                 <a:latin typeface="メイリオ" pitchFamily="50" charset="-128"/>
                 <a:ea typeface="メイリオ" pitchFamily="50" charset="-128"/>
                 <a:cs typeface="メイリオ" pitchFamily="50" charset="-128"/>
@@ -6507,7 +6502,7 @@
             </a:endParaRPr>
           </a:p>
           <a:p>
-            <a:pPr marL="228600" indent="-228600" algn="ctr">
+            <a:pPr marL="228600" indent="-228600">
               <a:buFont typeface="+mj-lt"/>
               <a:buAutoNum type="arabicPeriod"/>
             </a:pPr>
@@ -6551,8 +6546,8 @@
         </p:nvSpPr>
         <p:spPr>
           <a:xfrm>
-            <a:off x="9622872" y="6600800"/>
-            <a:ext cx="2826600" cy="1512168"/>
+            <a:off x="9622872" y="6600799"/>
+            <a:ext cx="2826600" cy="1790327"/>
           </a:xfrm>
           <a:prstGeom prst="roundRect">
             <a:avLst/>
@@ -6576,7 +6571,6 @@
           <a:bodyPr lIns="0" tIns="36000" rIns="0" rtlCol="0" anchor="ctr"/>
           <a:lstStyle/>
           <a:p>
-            <a:pPr algn="ctr"/>
             <a:r>
               <a:rPr lang="en-US" altLang="ja-JP" sz="1200" dirty="0" smtClean="0">
                 <a:ln w="3175">
@@ -6651,7 +6645,7 @@
             </a:r>
           </a:p>
           <a:p>
-            <a:pPr marL="228600" indent="-228600" algn="ctr">
+            <a:pPr marL="228600" indent="-228600">
               <a:buFont typeface="+mj-lt"/>
               <a:buAutoNum type="arabicPeriod"/>
             </a:pPr>
@@ -6694,7 +6688,7 @@
             </a:endParaRPr>
           </a:p>
           <a:p>
-            <a:pPr marL="228600" indent="-228600" algn="ctr">
+            <a:pPr marL="228600" indent="-228600">
               <a:buFont typeface="+mj-lt"/>
               <a:buAutoNum type="arabicPeriod"/>
             </a:pPr>
@@ -6736,7 +6730,7 @@
             </a:endParaRPr>
           </a:p>
           <a:p>
-            <a:pPr marL="228600" indent="-228600" algn="ctr">
+            <a:pPr marL="228600" indent="-228600">
               <a:buFont typeface="+mj-lt"/>
               <a:buAutoNum type="arabicPeriod"/>
             </a:pPr>
@@ -6786,7 +6780,7 @@
             </a:endParaRPr>
           </a:p>
           <a:p>
-            <a:pPr marL="228600" indent="-228600" algn="ctr">
+            <a:pPr marL="228600" indent="-228600">
               <a:buFont typeface="+mj-lt"/>
               <a:buAutoNum type="arabicPeriod"/>
             </a:pPr>
@@ -6805,7 +6799,7 @@
             </a:endParaRPr>
           </a:p>
           <a:p>
-            <a:pPr marL="228600" indent="-228600" algn="ctr">
+            <a:pPr marL="228600" indent="-228600">
               <a:buFont typeface="+mj-lt"/>
               <a:buAutoNum type="arabicPeriod"/>
             </a:pPr>
@@ -6840,7 +6834,7 @@
             </a:endParaRPr>
           </a:p>
           <a:p>
-            <a:pPr marL="228600" indent="-228600" algn="ctr">
+            <a:pPr marL="228600" indent="-228600">
               <a:buFont typeface="+mj-lt"/>
               <a:buAutoNum type="arabicPeriod"/>
             </a:pPr>
@@ -7075,7 +7069,6 @@
           <a:bodyPr lIns="0" rIns="0" rtlCol="0" anchor="ctr"/>
           <a:lstStyle/>
           <a:p>
-            <a:pPr algn="ctr"/>
             <a:r>
               <a:rPr lang="en-US" altLang="ja-JP" sz="1200" dirty="0" smtClean="0">
                 <a:ln w="3175">
@@ -7195,7 +7188,7 @@
             </a:endParaRPr>
           </a:p>
           <a:p>
-            <a:pPr marL="228600" indent="-228600" algn="ctr">
+            <a:pPr marL="228600" indent="-228600">
               <a:buFont typeface="+mj-lt"/>
               <a:buAutoNum type="arabicPeriod"/>
             </a:pPr>
@@ -7238,7 +7231,7 @@
             </a:endParaRPr>
           </a:p>
           <a:p>
-            <a:pPr marL="228600" indent="-228600" algn="ctr">
+            <a:pPr marL="228600" indent="-228600">
               <a:buFont typeface="+mj-lt"/>
               <a:buAutoNum type="arabicPeriod"/>
             </a:pPr>
@@ -7273,7 +7266,7 @@
             </a:endParaRPr>
           </a:p>
           <a:p>
-            <a:pPr marL="228600" indent="-228600" algn="ctr">
+            <a:pPr marL="228600" indent="-228600">
               <a:buFont typeface="+mj-lt"/>
               <a:buAutoNum type="arabicPeriod"/>
             </a:pPr>
@@ -7347,7 +7340,7 @@
             </a:endParaRPr>
           </a:p>
           <a:p>
-            <a:pPr marL="228600" indent="-228600" algn="ctr">
+            <a:pPr marL="228600" indent="-228600">
               <a:buFont typeface="+mj-lt"/>
               <a:buAutoNum type="arabicPeriod"/>
             </a:pPr>
@@ -7422,8 +7415,8 @@
         </p:nvSpPr>
         <p:spPr>
           <a:xfrm>
-            <a:off x="10505256" y="1077488"/>
-            <a:ext cx="1944216" cy="1706888"/>
+            <a:off x="10505256" y="990585"/>
+            <a:ext cx="1944216" cy="2441863"/>
           </a:xfrm>
           <a:prstGeom prst="roundRect">
             <a:avLst/>
@@ -7444,10 +7437,9 @@
           </a:fontRef>
         </p:style>
         <p:txBody>
-          <a:bodyPr rtlCol="0" anchor="ctr"/>
+          <a:bodyPr lIns="0" rIns="0" rtlCol="0" anchor="ctr"/>
           <a:lstStyle/>
           <a:p>
-            <a:pPr algn="ctr"/>
             <a:r>
               <a:rPr lang="en-US" altLang="ja-JP" sz="1200" dirty="0" smtClean="0">
                 <a:ln w="3175">
@@ -7543,7 +7535,7 @@
             </a:endParaRPr>
           </a:p>
           <a:p>
-            <a:pPr marL="228600" indent="-228600" algn="ctr">
+            <a:pPr marL="228600" indent="-228600">
               <a:buFont typeface="+mj-lt"/>
               <a:buAutoNum type="arabicPeriod"/>
             </a:pPr>
@@ -7562,7 +7554,7 @@
             </a:endParaRPr>
           </a:p>
           <a:p>
-            <a:pPr marL="228600" indent="-228600" algn="ctr">
+            <a:pPr marL="228600" indent="-228600">
               <a:buFont typeface="+mj-lt"/>
               <a:buAutoNum type="arabicPeriod"/>
             </a:pPr>
@@ -7604,7 +7596,7 @@
             </a:endParaRPr>
           </a:p>
           <a:p>
-            <a:pPr marL="228600" indent="-228600" algn="ctr">
+            <a:pPr marL="228600" indent="-228600">
               <a:buFont typeface="+mj-lt"/>
               <a:buAutoNum type="arabicPeriod"/>
             </a:pPr>
@@ -7669,7 +7661,7 @@
             </a:endParaRPr>
           </a:p>
           <a:p>
-            <a:pPr marL="228600" indent="-228600" algn="ctr">
+            <a:pPr marL="228600" indent="-228600">
               <a:buFont typeface="+mj-lt"/>
               <a:buAutoNum type="arabicPeriod"/>
             </a:pPr>
@@ -8048,7 +8040,7 @@
         </p:blipFill>
         <p:spPr>
           <a:xfrm>
-            <a:off x="4264391" y="3661384"/>
+            <a:off x="3016424" y="3661384"/>
             <a:ext cx="3144521" cy="1139216"/>
           </a:xfrm>
           <a:prstGeom prst="rect">
@@ -8056,6 +8048,127 @@
           </a:prstGeom>
         </p:spPr>
       </p:pic>
+      <p:sp>
+        <p:nvSpPr>
+          <p:cNvPr id="8" name="正方形/長方形 7"/>
+          <p:cNvSpPr/>
+          <p:nvPr/>
+        </p:nvSpPr>
+        <p:spPr>
+          <a:xfrm>
+            <a:off x="3034712" y="2740943"/>
+            <a:ext cx="4158176" cy="875332"/>
+          </a:xfrm>
+          <a:prstGeom prst="rect">
+            <a:avLst/>
+          </a:prstGeom>
+        </p:spPr>
+        <p:style>
+          <a:lnRef idx="2">
+            <a:schemeClr val="accent6"/>
+          </a:lnRef>
+          <a:fillRef idx="1">
+            <a:schemeClr val="lt1"/>
+          </a:fillRef>
+          <a:effectRef idx="0">
+            <a:schemeClr val="accent6"/>
+          </a:effectRef>
+          <a:fontRef idx="minor">
+            <a:schemeClr val="dk1"/>
+          </a:fontRef>
+        </p:style>
+        <p:txBody>
+          <a:bodyPr rtlCol="0" anchor="t"/>
+          <a:lstStyle/>
+          <a:p>
+            <a:r>
+              <a:rPr lang="ja-JP" altLang="en-US" sz="1050" dirty="0" smtClean="0">
+                <a:latin typeface="メイリオ" pitchFamily="50" charset="-128"/>
+                <a:ea typeface="メイリオ" pitchFamily="50" charset="-128"/>
+                <a:cs typeface="メイリオ" pitchFamily="50" charset="-128"/>
+              </a:rPr>
+              <a:t>直角部分対策</a:t>
+            </a:r>
+            <a:endParaRPr lang="en-US" altLang="ja-JP" sz="1050" dirty="0" smtClean="0">
+              <a:latin typeface="メイリオ" pitchFamily="50" charset="-128"/>
+              <a:ea typeface="メイリオ" pitchFamily="50" charset="-128"/>
+              <a:cs typeface="メイリオ" pitchFamily="50" charset="-128"/>
+            </a:endParaRPr>
+          </a:p>
+          <a:p>
+            <a:r>
+              <a:rPr lang="ja-JP" altLang="en-US" sz="1050" dirty="0" smtClean="0">
+                <a:latin typeface="メイリオ" pitchFamily="50" charset="-128"/>
+                <a:ea typeface="メイリオ" pitchFamily="50" charset="-128"/>
+                <a:cs typeface="メイリオ" pitchFamily="50" charset="-128"/>
+              </a:rPr>
+              <a:t>ライントレース中にラインが無くなる→輝度値が下がる</a:t>
+            </a:r>
+            <a:endParaRPr lang="en-US" altLang="ja-JP" sz="1050" dirty="0" smtClean="0">
+              <a:latin typeface="メイリオ" pitchFamily="50" charset="-128"/>
+              <a:ea typeface="メイリオ" pitchFamily="50" charset="-128"/>
+              <a:cs typeface="メイリオ" pitchFamily="50" charset="-128"/>
+            </a:endParaRPr>
+          </a:p>
+          <a:p>
+            <a:r>
+              <a:rPr lang="ja-JP" altLang="en-US" sz="1050" smtClean="0">
+                <a:latin typeface="メイリオ" pitchFamily="50" charset="-128"/>
+                <a:ea typeface="メイリオ" pitchFamily="50" charset="-128"/>
+                <a:cs typeface="メイリオ" pitchFamily="50" charset="-128"/>
+              </a:rPr>
+              <a:t>その輝度値を検出し、</a:t>
+            </a:r>
+            <a:endParaRPr lang="en-US" altLang="ja-JP" sz="1050" dirty="0" smtClean="0">
+              <a:latin typeface="メイリオ" pitchFamily="50" charset="-128"/>
+              <a:ea typeface="メイリオ" pitchFamily="50" charset="-128"/>
+              <a:cs typeface="メイリオ" pitchFamily="50" charset="-128"/>
+            </a:endParaRPr>
+          </a:p>
+        </p:txBody>
+      </p:sp>
+      <p:sp>
+        <p:nvSpPr>
+          <p:cNvPr id="58" name="正方形/長方形 57"/>
+          <p:cNvSpPr/>
+          <p:nvPr/>
+        </p:nvSpPr>
+        <p:spPr>
+          <a:xfrm>
+            <a:off x="3111674" y="6816824"/>
+            <a:ext cx="4158176" cy="1164704"/>
+          </a:xfrm>
+          <a:prstGeom prst="rect">
+            <a:avLst/>
+          </a:prstGeom>
+        </p:spPr>
+        <p:style>
+          <a:lnRef idx="2">
+            <a:schemeClr val="accent6"/>
+          </a:lnRef>
+          <a:fillRef idx="1">
+            <a:schemeClr val="lt1"/>
+          </a:fillRef>
+          <a:effectRef idx="0">
+            <a:schemeClr val="accent6"/>
+          </a:effectRef>
+          <a:fontRef idx="minor">
+            <a:schemeClr val="dk1"/>
+          </a:fontRef>
+        </p:style>
+        <p:txBody>
+          <a:bodyPr rtlCol="0" anchor="ctr"/>
+          <a:lstStyle/>
+          <a:p>
+            <a:pPr algn="ctr"/>
+            <a:r>
+              <a:rPr lang="ja-JP" altLang="en-US" sz="1400" dirty="0" smtClean="0"/>
+              <a:t>曲率制御</a:t>
+            </a:r>
+            <a:endParaRPr kumimoji="1" lang="ja-JP" altLang="en-US" sz="1400" dirty="0"/>
+          </a:p>
+        </p:txBody>
+      </p:sp>
     </p:spTree>
     <p:extLst>
       <p:ext uri="{BB962C8B-B14F-4D97-AF65-F5344CB8AC3E}">
